--- a/slides/Spotify_Presentation.pptx
+++ b/slides/Spotify_Presentation.pptx
@@ -5,7 +5,7 @@
     <p:sldMasterId id="2147483750" r:id="rId1"/>
   </p:sldMasterIdLst>
   <p:notesMasterIdLst>
-    <p:notesMasterId r:id="rId15"/>
+    <p:notesMasterId r:id="rId28"/>
   </p:notesMasterIdLst>
   <p:sldIdLst>
     <p:sldId id="256" r:id="rId2"/>
@@ -19,8 +19,21 @@
     <p:sldId id="292" r:id="rId10"/>
     <p:sldId id="266" r:id="rId11"/>
     <p:sldId id="267" r:id="rId12"/>
-    <p:sldId id="286" r:id="rId13"/>
-    <p:sldId id="277" r:id="rId14"/>
+    <p:sldId id="295" r:id="rId13"/>
+    <p:sldId id="296" r:id="rId14"/>
+    <p:sldId id="297" r:id="rId15"/>
+    <p:sldId id="298" r:id="rId16"/>
+    <p:sldId id="299" r:id="rId17"/>
+    <p:sldId id="300" r:id="rId18"/>
+    <p:sldId id="301" r:id="rId19"/>
+    <p:sldId id="303" r:id="rId20"/>
+    <p:sldId id="304" r:id="rId21"/>
+    <p:sldId id="305" r:id="rId22"/>
+    <p:sldId id="306" r:id="rId23"/>
+    <p:sldId id="307" r:id="rId24"/>
+    <p:sldId id="308" r:id="rId25"/>
+    <p:sldId id="286" r:id="rId26"/>
+    <p:sldId id="277" r:id="rId27"/>
   </p:sldIdLst>
   <p:sldSz cx="12192000" cy="6858000"/>
   <p:notesSz cx="6858000" cy="9144000"/>
@@ -128,6 +141,1500 @@
 </file>
 
 <file path=ppt/diagrams/colors1.xml><?xml version="1.0" encoding="utf-8"?>
+<dgm:colorsDef xmlns:dgm="http://schemas.openxmlformats.org/drawingml/2006/diagram" xmlns:a="http://schemas.openxmlformats.org/drawingml/2006/main" uniqueId="urn:microsoft.com/office/officeart/2005/8/colors/accent1_2">
+  <dgm:title val=""/>
+  <dgm:desc val=""/>
+  <dgm:catLst>
+    <dgm:cat type="accent1" pri="11200"/>
+  </dgm:catLst>
+  <dgm:styleLbl name="node0">
+    <dgm:fillClrLst meth="repeat">
+      <a:schemeClr val="accent1"/>
+    </dgm:fillClrLst>
+    <dgm:linClrLst meth="repeat">
+      <a:schemeClr val="lt1"/>
+    </dgm:linClrLst>
+    <dgm:effectClrLst/>
+    <dgm:txLinClrLst/>
+    <dgm:txFillClrLst/>
+    <dgm:txEffectClrLst/>
+  </dgm:styleLbl>
+  <dgm:styleLbl name="alignNode1">
+    <dgm:fillClrLst meth="repeat">
+      <a:schemeClr val="accent1"/>
+    </dgm:fillClrLst>
+    <dgm:linClrLst meth="repeat">
+      <a:schemeClr val="accent1"/>
+    </dgm:linClrLst>
+    <dgm:effectClrLst/>
+    <dgm:txLinClrLst/>
+    <dgm:txFillClrLst/>
+    <dgm:txEffectClrLst/>
+  </dgm:styleLbl>
+  <dgm:styleLbl name="node1">
+    <dgm:fillClrLst meth="repeat">
+      <a:schemeClr val="accent1"/>
+    </dgm:fillClrLst>
+    <dgm:linClrLst meth="repeat">
+      <a:schemeClr val="lt1"/>
+    </dgm:linClrLst>
+    <dgm:effectClrLst/>
+    <dgm:txLinClrLst/>
+    <dgm:txFillClrLst/>
+    <dgm:txEffectClrLst/>
+  </dgm:styleLbl>
+  <dgm:styleLbl name="lnNode1">
+    <dgm:fillClrLst meth="repeat">
+      <a:schemeClr val="accent1"/>
+    </dgm:fillClrLst>
+    <dgm:linClrLst meth="repeat">
+      <a:schemeClr val="lt1"/>
+    </dgm:linClrLst>
+    <dgm:effectClrLst/>
+    <dgm:txLinClrLst/>
+    <dgm:txFillClrLst/>
+    <dgm:txEffectClrLst/>
+  </dgm:styleLbl>
+  <dgm:styleLbl name="vennNode1">
+    <dgm:fillClrLst meth="repeat">
+      <a:schemeClr val="accent1">
+        <a:alpha val="50000"/>
+      </a:schemeClr>
+    </dgm:fillClrLst>
+    <dgm:linClrLst meth="repeat">
+      <a:schemeClr val="lt1"/>
+    </dgm:linClrLst>
+    <dgm:effectClrLst/>
+    <dgm:txLinClrLst/>
+    <dgm:txFillClrLst/>
+    <dgm:txEffectClrLst/>
+  </dgm:styleLbl>
+  <dgm:styleLbl name="node2">
+    <dgm:fillClrLst meth="repeat">
+      <a:schemeClr val="accent1"/>
+    </dgm:fillClrLst>
+    <dgm:linClrLst meth="repeat">
+      <a:schemeClr val="lt1"/>
+    </dgm:linClrLst>
+    <dgm:effectClrLst/>
+    <dgm:txLinClrLst/>
+    <dgm:txFillClrLst/>
+    <dgm:txEffectClrLst/>
+  </dgm:styleLbl>
+  <dgm:styleLbl name="node3">
+    <dgm:fillClrLst meth="repeat">
+      <a:schemeClr val="accent1"/>
+    </dgm:fillClrLst>
+    <dgm:linClrLst meth="repeat">
+      <a:schemeClr val="lt1"/>
+    </dgm:linClrLst>
+    <dgm:effectClrLst/>
+    <dgm:txLinClrLst/>
+    <dgm:txFillClrLst/>
+    <dgm:txEffectClrLst/>
+  </dgm:styleLbl>
+  <dgm:styleLbl name="node4">
+    <dgm:fillClrLst meth="repeat">
+      <a:schemeClr val="accent1"/>
+    </dgm:fillClrLst>
+    <dgm:linClrLst meth="repeat">
+      <a:schemeClr val="lt1"/>
+    </dgm:linClrLst>
+    <dgm:effectClrLst/>
+    <dgm:txLinClrLst/>
+    <dgm:txFillClrLst/>
+    <dgm:txEffectClrLst/>
+  </dgm:styleLbl>
+  <dgm:styleLbl name="fgImgPlace1">
+    <dgm:fillClrLst meth="repeat">
+      <a:schemeClr val="accent1">
+        <a:tint val="50000"/>
+      </a:schemeClr>
+    </dgm:fillClrLst>
+    <dgm:linClrLst meth="repeat">
+      <a:schemeClr val="lt1"/>
+    </dgm:linClrLst>
+    <dgm:effectClrLst/>
+    <dgm:txLinClrLst/>
+    <dgm:txFillClrLst meth="repeat">
+      <a:schemeClr val="lt1"/>
+    </dgm:txFillClrLst>
+    <dgm:txEffectClrLst/>
+  </dgm:styleLbl>
+  <dgm:styleLbl name="alignImgPlace1">
+    <dgm:fillClrLst meth="repeat">
+      <a:schemeClr val="accent1">
+        <a:tint val="50000"/>
+      </a:schemeClr>
+    </dgm:fillClrLst>
+    <dgm:linClrLst meth="repeat">
+      <a:schemeClr val="lt1"/>
+    </dgm:linClrLst>
+    <dgm:effectClrLst/>
+    <dgm:txLinClrLst/>
+    <dgm:txFillClrLst meth="repeat">
+      <a:schemeClr val="lt1"/>
+    </dgm:txFillClrLst>
+    <dgm:txEffectClrLst/>
+  </dgm:styleLbl>
+  <dgm:styleLbl name="bgImgPlace1">
+    <dgm:fillClrLst meth="repeat">
+      <a:schemeClr val="accent1">
+        <a:tint val="50000"/>
+      </a:schemeClr>
+    </dgm:fillClrLst>
+    <dgm:linClrLst meth="repeat">
+      <a:schemeClr val="lt1"/>
+    </dgm:linClrLst>
+    <dgm:effectClrLst/>
+    <dgm:txLinClrLst/>
+    <dgm:txFillClrLst meth="repeat">
+      <a:schemeClr val="lt1"/>
+    </dgm:txFillClrLst>
+    <dgm:txEffectClrLst/>
+  </dgm:styleLbl>
+  <dgm:styleLbl name="sibTrans2D1">
+    <dgm:fillClrLst meth="repeat">
+      <a:schemeClr val="accent1">
+        <a:tint val="60000"/>
+      </a:schemeClr>
+    </dgm:fillClrLst>
+    <dgm:linClrLst meth="repeat">
+      <a:schemeClr val="accent1">
+        <a:tint val="60000"/>
+      </a:schemeClr>
+    </dgm:linClrLst>
+    <dgm:effectClrLst/>
+    <dgm:txLinClrLst/>
+    <dgm:txFillClrLst/>
+    <dgm:txEffectClrLst/>
+  </dgm:styleLbl>
+  <dgm:styleLbl name="fgSibTrans2D1">
+    <dgm:fillClrLst meth="repeat">
+      <a:schemeClr val="accent1">
+        <a:tint val="60000"/>
+      </a:schemeClr>
+    </dgm:fillClrLst>
+    <dgm:linClrLst meth="repeat">
+      <a:schemeClr val="accent1">
+        <a:tint val="60000"/>
+      </a:schemeClr>
+    </dgm:linClrLst>
+    <dgm:effectClrLst/>
+    <dgm:txLinClrLst/>
+    <dgm:txFillClrLst/>
+    <dgm:txEffectClrLst/>
+  </dgm:styleLbl>
+  <dgm:styleLbl name="bgSibTrans2D1">
+    <dgm:fillClrLst meth="repeat">
+      <a:schemeClr val="accent1">
+        <a:tint val="60000"/>
+      </a:schemeClr>
+    </dgm:fillClrLst>
+    <dgm:linClrLst meth="repeat">
+      <a:schemeClr val="accent1">
+        <a:tint val="60000"/>
+      </a:schemeClr>
+    </dgm:linClrLst>
+    <dgm:effectClrLst/>
+    <dgm:txLinClrLst/>
+    <dgm:txFillClrLst/>
+    <dgm:txEffectClrLst/>
+  </dgm:styleLbl>
+  <dgm:styleLbl name="sibTrans1D1">
+    <dgm:fillClrLst meth="repeat">
+      <a:schemeClr val="accent1"/>
+    </dgm:fillClrLst>
+    <dgm:linClrLst meth="repeat">
+      <a:schemeClr val="accent1"/>
+    </dgm:linClrLst>
+    <dgm:effectClrLst/>
+    <dgm:txLinClrLst/>
+    <dgm:txFillClrLst meth="repeat">
+      <a:schemeClr val="tx1"/>
+    </dgm:txFillClrLst>
+    <dgm:txEffectClrLst/>
+  </dgm:styleLbl>
+  <dgm:styleLbl name="callout">
+    <dgm:fillClrLst meth="repeat">
+      <a:schemeClr val="accent1"/>
+    </dgm:fillClrLst>
+    <dgm:linClrLst meth="repeat">
+      <a:schemeClr val="accent1">
+        <a:tint val="50000"/>
+      </a:schemeClr>
+    </dgm:linClrLst>
+    <dgm:effectClrLst/>
+    <dgm:txLinClrLst/>
+    <dgm:txFillClrLst meth="repeat">
+      <a:schemeClr val="tx1"/>
+    </dgm:txFillClrLst>
+    <dgm:txEffectClrLst/>
+  </dgm:styleLbl>
+  <dgm:styleLbl name="asst0">
+    <dgm:fillClrLst meth="repeat">
+      <a:schemeClr val="accent1"/>
+    </dgm:fillClrLst>
+    <dgm:linClrLst meth="repeat">
+      <a:schemeClr val="lt1"/>
+    </dgm:linClrLst>
+    <dgm:effectClrLst/>
+    <dgm:txLinClrLst/>
+    <dgm:txFillClrLst/>
+    <dgm:txEffectClrLst/>
+  </dgm:styleLbl>
+  <dgm:styleLbl name="asst1">
+    <dgm:fillClrLst meth="repeat">
+      <a:schemeClr val="accent1"/>
+    </dgm:fillClrLst>
+    <dgm:linClrLst meth="repeat">
+      <a:schemeClr val="lt1"/>
+    </dgm:linClrLst>
+    <dgm:effectClrLst/>
+    <dgm:txLinClrLst/>
+    <dgm:txFillClrLst/>
+    <dgm:txEffectClrLst/>
+  </dgm:styleLbl>
+  <dgm:styleLbl name="asst2">
+    <dgm:fillClrLst meth="repeat">
+      <a:schemeClr val="accent1"/>
+    </dgm:fillClrLst>
+    <dgm:linClrLst meth="repeat">
+      <a:schemeClr val="lt1"/>
+    </dgm:linClrLst>
+    <dgm:effectClrLst/>
+    <dgm:txLinClrLst/>
+    <dgm:txFillClrLst/>
+    <dgm:txEffectClrLst/>
+  </dgm:styleLbl>
+  <dgm:styleLbl name="asst3">
+    <dgm:fillClrLst meth="repeat">
+      <a:schemeClr val="accent1"/>
+    </dgm:fillClrLst>
+    <dgm:linClrLst meth="repeat">
+      <a:schemeClr val="lt1"/>
+    </dgm:linClrLst>
+    <dgm:effectClrLst/>
+    <dgm:txLinClrLst/>
+    <dgm:txFillClrLst/>
+    <dgm:txEffectClrLst/>
+  </dgm:styleLbl>
+  <dgm:styleLbl name="asst4">
+    <dgm:fillClrLst meth="repeat">
+      <a:schemeClr val="accent1"/>
+    </dgm:fillClrLst>
+    <dgm:linClrLst meth="repeat">
+      <a:schemeClr val="lt1"/>
+    </dgm:linClrLst>
+    <dgm:effectClrLst/>
+    <dgm:txLinClrLst/>
+    <dgm:txFillClrLst/>
+    <dgm:txEffectClrLst/>
+  </dgm:styleLbl>
+  <dgm:styleLbl name="parChTrans2D1">
+    <dgm:fillClrLst meth="repeat">
+      <a:schemeClr val="accent1">
+        <a:tint val="60000"/>
+      </a:schemeClr>
+    </dgm:fillClrLst>
+    <dgm:linClrLst meth="repeat">
+      <a:schemeClr val="accent1">
+        <a:tint val="60000"/>
+      </a:schemeClr>
+    </dgm:linClrLst>
+    <dgm:effectClrLst/>
+    <dgm:txLinClrLst/>
+    <dgm:txFillClrLst meth="repeat">
+      <a:schemeClr val="lt1"/>
+    </dgm:txFillClrLst>
+    <dgm:txEffectClrLst/>
+  </dgm:styleLbl>
+  <dgm:styleLbl name="parChTrans2D2">
+    <dgm:fillClrLst meth="repeat">
+      <a:schemeClr val="accent1"/>
+    </dgm:fillClrLst>
+    <dgm:linClrLst meth="repeat">
+      <a:schemeClr val="accent1"/>
+    </dgm:linClrLst>
+    <dgm:effectClrLst/>
+    <dgm:txLinClrLst/>
+    <dgm:txFillClrLst meth="repeat">
+      <a:schemeClr val="lt1"/>
+    </dgm:txFillClrLst>
+    <dgm:txEffectClrLst/>
+  </dgm:styleLbl>
+  <dgm:styleLbl name="parChTrans2D3">
+    <dgm:fillClrLst meth="repeat">
+      <a:schemeClr val="accent1"/>
+    </dgm:fillClrLst>
+    <dgm:linClrLst meth="repeat">
+      <a:schemeClr val="accent1"/>
+    </dgm:linClrLst>
+    <dgm:effectClrLst/>
+    <dgm:txLinClrLst/>
+    <dgm:txFillClrLst meth="repeat">
+      <a:schemeClr val="lt1"/>
+    </dgm:txFillClrLst>
+    <dgm:txEffectClrLst/>
+  </dgm:styleLbl>
+  <dgm:styleLbl name="parChTrans2D4">
+    <dgm:fillClrLst meth="repeat">
+      <a:schemeClr val="accent1"/>
+    </dgm:fillClrLst>
+    <dgm:linClrLst meth="repeat">
+      <a:schemeClr val="accent1"/>
+    </dgm:linClrLst>
+    <dgm:effectClrLst/>
+    <dgm:txLinClrLst/>
+    <dgm:txFillClrLst meth="repeat">
+      <a:schemeClr val="lt1"/>
+    </dgm:txFillClrLst>
+    <dgm:txEffectClrLst/>
+  </dgm:styleLbl>
+  <dgm:styleLbl name="parChTrans1D1">
+    <dgm:fillClrLst meth="repeat">
+      <a:schemeClr val="accent1"/>
+    </dgm:fillClrLst>
+    <dgm:linClrLst meth="repeat">
+      <a:schemeClr val="accent1">
+        <a:shade val="60000"/>
+      </a:schemeClr>
+    </dgm:linClrLst>
+    <dgm:effectClrLst/>
+    <dgm:txLinClrLst/>
+    <dgm:txFillClrLst meth="repeat">
+      <a:schemeClr val="tx1"/>
+    </dgm:txFillClrLst>
+    <dgm:txEffectClrLst/>
+  </dgm:styleLbl>
+  <dgm:styleLbl name="parChTrans1D2">
+    <dgm:fillClrLst meth="repeat">
+      <a:schemeClr val="accent1"/>
+    </dgm:fillClrLst>
+    <dgm:linClrLst meth="repeat">
+      <a:schemeClr val="accent1">
+        <a:shade val="60000"/>
+      </a:schemeClr>
+    </dgm:linClrLst>
+    <dgm:effectClrLst/>
+    <dgm:txLinClrLst/>
+    <dgm:txFillClrLst meth="repeat">
+      <a:schemeClr val="tx1"/>
+    </dgm:txFillClrLst>
+    <dgm:txEffectClrLst/>
+  </dgm:styleLbl>
+  <dgm:styleLbl name="parChTrans1D3">
+    <dgm:fillClrLst meth="repeat">
+      <a:schemeClr val="accent1"/>
+    </dgm:fillClrLst>
+    <dgm:linClrLst meth="repeat">
+      <a:schemeClr val="accent1">
+        <a:shade val="80000"/>
+      </a:schemeClr>
+    </dgm:linClrLst>
+    <dgm:effectClrLst/>
+    <dgm:txLinClrLst/>
+    <dgm:txFillClrLst meth="repeat">
+      <a:schemeClr val="tx1"/>
+    </dgm:txFillClrLst>
+    <dgm:txEffectClrLst/>
+  </dgm:styleLbl>
+  <dgm:styleLbl name="parChTrans1D4">
+    <dgm:fillClrLst meth="repeat">
+      <a:schemeClr val="accent1"/>
+    </dgm:fillClrLst>
+    <dgm:linClrLst meth="repeat">
+      <a:schemeClr val="accent1">
+        <a:shade val="80000"/>
+      </a:schemeClr>
+    </dgm:linClrLst>
+    <dgm:effectClrLst/>
+    <dgm:txLinClrLst/>
+    <dgm:txFillClrLst meth="repeat">
+      <a:schemeClr val="tx1"/>
+    </dgm:txFillClrLst>
+    <dgm:txEffectClrLst/>
+  </dgm:styleLbl>
+  <dgm:styleLbl name="fgAcc1">
+    <dgm:fillClrLst meth="repeat">
+      <a:schemeClr val="lt1">
+        <a:alpha val="90000"/>
+      </a:schemeClr>
+    </dgm:fillClrLst>
+    <dgm:linClrLst meth="repeat">
+      <a:schemeClr val="accent1"/>
+    </dgm:linClrLst>
+    <dgm:effectClrLst/>
+    <dgm:txLinClrLst/>
+    <dgm:txFillClrLst meth="repeat">
+      <a:schemeClr val="dk1"/>
+    </dgm:txFillClrLst>
+    <dgm:txEffectClrLst/>
+  </dgm:styleLbl>
+  <dgm:styleLbl name="conFgAcc1">
+    <dgm:fillClrLst meth="repeat">
+      <a:schemeClr val="lt1">
+        <a:alpha val="90000"/>
+      </a:schemeClr>
+    </dgm:fillClrLst>
+    <dgm:linClrLst meth="repeat">
+      <a:schemeClr val="accent1"/>
+    </dgm:linClrLst>
+    <dgm:effectClrLst/>
+    <dgm:txLinClrLst/>
+    <dgm:txFillClrLst meth="repeat">
+      <a:schemeClr val="dk1"/>
+    </dgm:txFillClrLst>
+    <dgm:txEffectClrLst/>
+  </dgm:styleLbl>
+  <dgm:styleLbl name="alignAcc1">
+    <dgm:fillClrLst meth="repeat">
+      <a:schemeClr val="lt1">
+        <a:alpha val="90000"/>
+      </a:schemeClr>
+    </dgm:fillClrLst>
+    <dgm:linClrLst meth="repeat">
+      <a:schemeClr val="accent1"/>
+    </dgm:linClrLst>
+    <dgm:effectClrLst/>
+    <dgm:txLinClrLst/>
+    <dgm:txFillClrLst meth="repeat">
+      <a:schemeClr val="dk1"/>
+    </dgm:txFillClrLst>
+    <dgm:txEffectClrLst/>
+  </dgm:styleLbl>
+  <dgm:styleLbl name="trAlignAcc1">
+    <dgm:fillClrLst meth="repeat">
+      <a:schemeClr val="lt1">
+        <a:alpha val="40000"/>
+      </a:schemeClr>
+    </dgm:fillClrLst>
+    <dgm:linClrLst meth="repeat">
+      <a:schemeClr val="accent1"/>
+    </dgm:linClrLst>
+    <dgm:effectClrLst/>
+    <dgm:txLinClrLst/>
+    <dgm:txFillClrLst meth="repeat">
+      <a:schemeClr val="dk1"/>
+    </dgm:txFillClrLst>
+    <dgm:txEffectClrLst/>
+  </dgm:styleLbl>
+  <dgm:styleLbl name="bgAcc1">
+    <dgm:fillClrLst meth="repeat">
+      <a:schemeClr val="lt1">
+        <a:alpha val="90000"/>
+      </a:schemeClr>
+    </dgm:fillClrLst>
+    <dgm:linClrLst meth="repeat">
+      <a:schemeClr val="accent1"/>
+    </dgm:linClrLst>
+    <dgm:effectClrLst/>
+    <dgm:txLinClrLst/>
+    <dgm:txFillClrLst meth="repeat">
+      <a:schemeClr val="dk1"/>
+    </dgm:txFillClrLst>
+    <dgm:txEffectClrLst/>
+  </dgm:styleLbl>
+  <dgm:styleLbl name="solidFgAcc1">
+    <dgm:fillClrLst meth="repeat">
+      <a:schemeClr val="lt1"/>
+    </dgm:fillClrLst>
+    <dgm:linClrLst meth="repeat">
+      <a:schemeClr val="accent1"/>
+    </dgm:linClrLst>
+    <dgm:effectClrLst/>
+    <dgm:txLinClrLst/>
+    <dgm:txFillClrLst meth="repeat">
+      <a:schemeClr val="dk1"/>
+    </dgm:txFillClrLst>
+    <dgm:txEffectClrLst/>
+  </dgm:styleLbl>
+  <dgm:styleLbl name="solidAlignAcc1">
+    <dgm:fillClrLst meth="repeat">
+      <a:schemeClr val="lt1"/>
+    </dgm:fillClrLst>
+    <dgm:linClrLst meth="repeat">
+      <a:schemeClr val="accent1"/>
+    </dgm:linClrLst>
+    <dgm:effectClrLst/>
+    <dgm:txLinClrLst/>
+    <dgm:txFillClrLst meth="repeat">
+      <a:schemeClr val="dk1"/>
+    </dgm:txFillClrLst>
+    <dgm:txEffectClrLst/>
+  </dgm:styleLbl>
+  <dgm:styleLbl name="solidBgAcc1">
+    <dgm:fillClrLst meth="repeat">
+      <a:schemeClr val="lt1"/>
+    </dgm:fillClrLst>
+    <dgm:linClrLst meth="repeat">
+      <a:schemeClr val="accent1"/>
+    </dgm:linClrLst>
+    <dgm:effectClrLst/>
+    <dgm:txLinClrLst/>
+    <dgm:txFillClrLst meth="repeat">
+      <a:schemeClr val="dk1"/>
+    </dgm:txFillClrLst>
+    <dgm:txEffectClrLst/>
+  </dgm:styleLbl>
+  <dgm:styleLbl name="fgAccFollowNode1">
+    <dgm:fillClrLst meth="repeat">
+      <a:schemeClr val="accent1">
+        <a:alpha val="90000"/>
+        <a:tint val="40000"/>
+      </a:schemeClr>
+    </dgm:fillClrLst>
+    <dgm:linClrLst meth="repeat">
+      <a:schemeClr val="accent1">
+        <a:alpha val="90000"/>
+        <a:tint val="40000"/>
+      </a:schemeClr>
+    </dgm:linClrLst>
+    <dgm:effectClrLst/>
+    <dgm:txLinClrLst/>
+    <dgm:txFillClrLst meth="repeat">
+      <a:schemeClr val="dk1"/>
+    </dgm:txFillClrLst>
+    <dgm:txEffectClrLst/>
+  </dgm:styleLbl>
+  <dgm:styleLbl name="alignAccFollowNode1">
+    <dgm:fillClrLst meth="repeat">
+      <a:schemeClr val="accent1">
+        <a:alpha val="90000"/>
+        <a:tint val="40000"/>
+      </a:schemeClr>
+    </dgm:fillClrLst>
+    <dgm:linClrLst meth="repeat">
+      <a:schemeClr val="accent1">
+        <a:alpha val="90000"/>
+        <a:tint val="40000"/>
+      </a:schemeClr>
+    </dgm:linClrLst>
+    <dgm:effectClrLst/>
+    <dgm:txLinClrLst/>
+    <dgm:txFillClrLst meth="repeat">
+      <a:schemeClr val="dk1"/>
+    </dgm:txFillClrLst>
+    <dgm:txEffectClrLst/>
+  </dgm:styleLbl>
+  <dgm:styleLbl name="bgAccFollowNode1">
+    <dgm:fillClrLst meth="repeat">
+      <a:schemeClr val="accent1">
+        <a:alpha val="90000"/>
+        <a:tint val="40000"/>
+      </a:schemeClr>
+    </dgm:fillClrLst>
+    <dgm:linClrLst meth="repeat">
+      <a:schemeClr val="accent1">
+        <a:alpha val="90000"/>
+        <a:tint val="40000"/>
+      </a:schemeClr>
+    </dgm:linClrLst>
+    <dgm:effectClrLst/>
+    <dgm:txLinClrLst/>
+    <dgm:txFillClrLst meth="repeat">
+      <a:schemeClr val="dk1"/>
+    </dgm:txFillClrLst>
+    <dgm:txEffectClrLst/>
+  </dgm:styleLbl>
+  <dgm:styleLbl name="fgAcc0">
+    <dgm:fillClrLst meth="repeat">
+      <a:schemeClr val="lt1">
+        <a:alpha val="90000"/>
+      </a:schemeClr>
+    </dgm:fillClrLst>
+    <dgm:linClrLst meth="repeat">
+      <a:schemeClr val="accent1"/>
+    </dgm:linClrLst>
+    <dgm:effectClrLst/>
+    <dgm:txLinClrLst/>
+    <dgm:txFillClrLst meth="repeat">
+      <a:schemeClr val="dk1"/>
+    </dgm:txFillClrLst>
+    <dgm:txEffectClrLst/>
+  </dgm:styleLbl>
+  <dgm:styleLbl name="fgAcc2">
+    <dgm:fillClrLst meth="repeat">
+      <a:schemeClr val="lt1">
+        <a:alpha val="90000"/>
+      </a:schemeClr>
+    </dgm:fillClrLst>
+    <dgm:linClrLst meth="repeat">
+      <a:schemeClr val="accent1"/>
+    </dgm:linClrLst>
+    <dgm:effectClrLst/>
+    <dgm:txLinClrLst/>
+    <dgm:txFillClrLst meth="repeat">
+      <a:schemeClr val="dk1"/>
+    </dgm:txFillClrLst>
+    <dgm:txEffectClrLst/>
+  </dgm:styleLbl>
+  <dgm:styleLbl name="fgAcc3">
+    <dgm:fillClrLst meth="repeat">
+      <a:schemeClr val="lt1">
+        <a:alpha val="90000"/>
+      </a:schemeClr>
+    </dgm:fillClrLst>
+    <dgm:linClrLst meth="repeat">
+      <a:schemeClr val="accent1"/>
+    </dgm:linClrLst>
+    <dgm:effectClrLst/>
+    <dgm:txLinClrLst/>
+    <dgm:txFillClrLst meth="repeat">
+      <a:schemeClr val="dk1"/>
+    </dgm:txFillClrLst>
+    <dgm:txEffectClrLst/>
+  </dgm:styleLbl>
+  <dgm:styleLbl name="fgAcc4">
+    <dgm:fillClrLst meth="repeat">
+      <a:schemeClr val="lt1">
+        <a:alpha val="90000"/>
+      </a:schemeClr>
+    </dgm:fillClrLst>
+    <dgm:linClrLst meth="repeat">
+      <a:schemeClr val="accent1"/>
+    </dgm:linClrLst>
+    <dgm:effectClrLst/>
+    <dgm:txLinClrLst/>
+    <dgm:txFillClrLst meth="repeat">
+      <a:schemeClr val="dk1"/>
+    </dgm:txFillClrLst>
+    <dgm:txEffectClrLst/>
+  </dgm:styleLbl>
+  <dgm:styleLbl name="bgShp">
+    <dgm:fillClrLst meth="repeat">
+      <a:schemeClr val="accent1">
+        <a:tint val="40000"/>
+      </a:schemeClr>
+    </dgm:fillClrLst>
+    <dgm:linClrLst meth="repeat">
+      <a:schemeClr val="accent1"/>
+    </dgm:linClrLst>
+    <dgm:effectClrLst/>
+    <dgm:txLinClrLst/>
+    <dgm:txFillClrLst meth="repeat">
+      <a:schemeClr val="dk1"/>
+    </dgm:txFillClrLst>
+    <dgm:txEffectClrLst/>
+  </dgm:styleLbl>
+  <dgm:styleLbl name="dkBgShp">
+    <dgm:fillClrLst meth="repeat">
+      <a:schemeClr val="accent1">
+        <a:shade val="80000"/>
+      </a:schemeClr>
+    </dgm:fillClrLst>
+    <dgm:linClrLst meth="repeat">
+      <a:schemeClr val="accent1"/>
+    </dgm:linClrLst>
+    <dgm:effectClrLst/>
+    <dgm:txLinClrLst/>
+    <dgm:txFillClrLst meth="repeat">
+      <a:schemeClr val="lt1"/>
+    </dgm:txFillClrLst>
+    <dgm:txEffectClrLst/>
+  </dgm:styleLbl>
+  <dgm:styleLbl name="trBgShp">
+    <dgm:fillClrLst meth="repeat">
+      <a:schemeClr val="accent1">
+        <a:tint val="50000"/>
+        <a:alpha val="40000"/>
+      </a:schemeClr>
+    </dgm:fillClrLst>
+    <dgm:linClrLst meth="repeat">
+      <a:schemeClr val="accent1"/>
+    </dgm:linClrLst>
+    <dgm:effectClrLst/>
+    <dgm:txLinClrLst/>
+    <dgm:txFillClrLst meth="repeat">
+      <a:schemeClr val="lt1"/>
+    </dgm:txFillClrLst>
+    <dgm:txEffectClrLst/>
+  </dgm:styleLbl>
+  <dgm:styleLbl name="fgShp">
+    <dgm:fillClrLst meth="repeat">
+      <a:schemeClr val="accent1">
+        <a:tint val="60000"/>
+      </a:schemeClr>
+    </dgm:fillClrLst>
+    <dgm:linClrLst meth="repeat">
+      <a:schemeClr val="lt1"/>
+    </dgm:linClrLst>
+    <dgm:effectClrLst/>
+    <dgm:txLinClrLst/>
+    <dgm:txFillClrLst meth="repeat">
+      <a:schemeClr val="dk1"/>
+    </dgm:txFillClrLst>
+    <dgm:txEffectClrLst/>
+  </dgm:styleLbl>
+  <dgm:styleLbl name="revTx">
+    <dgm:fillClrLst meth="repeat">
+      <a:schemeClr val="lt1">
+        <a:alpha val="0"/>
+      </a:schemeClr>
+    </dgm:fillClrLst>
+    <dgm:linClrLst meth="repeat">
+      <a:schemeClr val="dk1">
+        <a:alpha val="0"/>
+      </a:schemeClr>
+    </dgm:linClrLst>
+    <dgm:effectClrLst/>
+    <dgm:txLinClrLst/>
+    <dgm:txFillClrLst meth="repeat">
+      <a:schemeClr val="tx1"/>
+    </dgm:txFillClrLst>
+    <dgm:txEffectClrLst/>
+  </dgm:styleLbl>
+</dgm:colorsDef>
+</file>
+
+<file path=ppt/diagrams/colors2.xml><?xml version="1.0" encoding="utf-8"?>
+<dgm:colorsDef xmlns:dgm="http://schemas.openxmlformats.org/drawingml/2006/diagram" xmlns:a="http://schemas.openxmlformats.org/drawingml/2006/main" uniqueId="urn:microsoft.com/office/officeart/2005/8/colors/accent1_2">
+  <dgm:title val=""/>
+  <dgm:desc val=""/>
+  <dgm:catLst>
+    <dgm:cat type="accent1" pri="11200"/>
+  </dgm:catLst>
+  <dgm:styleLbl name="node0">
+    <dgm:fillClrLst meth="repeat">
+      <a:schemeClr val="accent1"/>
+    </dgm:fillClrLst>
+    <dgm:linClrLst meth="repeat">
+      <a:schemeClr val="lt1"/>
+    </dgm:linClrLst>
+    <dgm:effectClrLst/>
+    <dgm:txLinClrLst/>
+    <dgm:txFillClrLst/>
+    <dgm:txEffectClrLst/>
+  </dgm:styleLbl>
+  <dgm:styleLbl name="alignNode1">
+    <dgm:fillClrLst meth="repeat">
+      <a:schemeClr val="accent1"/>
+    </dgm:fillClrLst>
+    <dgm:linClrLst meth="repeat">
+      <a:schemeClr val="accent1"/>
+    </dgm:linClrLst>
+    <dgm:effectClrLst/>
+    <dgm:txLinClrLst/>
+    <dgm:txFillClrLst/>
+    <dgm:txEffectClrLst/>
+  </dgm:styleLbl>
+  <dgm:styleLbl name="node1">
+    <dgm:fillClrLst meth="repeat">
+      <a:schemeClr val="accent1"/>
+    </dgm:fillClrLst>
+    <dgm:linClrLst meth="repeat">
+      <a:schemeClr val="lt1"/>
+    </dgm:linClrLst>
+    <dgm:effectClrLst/>
+    <dgm:txLinClrLst/>
+    <dgm:txFillClrLst/>
+    <dgm:txEffectClrLst/>
+  </dgm:styleLbl>
+  <dgm:styleLbl name="lnNode1">
+    <dgm:fillClrLst meth="repeat">
+      <a:schemeClr val="accent1"/>
+    </dgm:fillClrLst>
+    <dgm:linClrLst meth="repeat">
+      <a:schemeClr val="lt1"/>
+    </dgm:linClrLst>
+    <dgm:effectClrLst/>
+    <dgm:txLinClrLst/>
+    <dgm:txFillClrLst/>
+    <dgm:txEffectClrLst/>
+  </dgm:styleLbl>
+  <dgm:styleLbl name="vennNode1">
+    <dgm:fillClrLst meth="repeat">
+      <a:schemeClr val="accent1">
+        <a:alpha val="50000"/>
+      </a:schemeClr>
+    </dgm:fillClrLst>
+    <dgm:linClrLst meth="repeat">
+      <a:schemeClr val="lt1"/>
+    </dgm:linClrLst>
+    <dgm:effectClrLst/>
+    <dgm:txLinClrLst/>
+    <dgm:txFillClrLst/>
+    <dgm:txEffectClrLst/>
+  </dgm:styleLbl>
+  <dgm:styleLbl name="node2">
+    <dgm:fillClrLst meth="repeat">
+      <a:schemeClr val="accent1"/>
+    </dgm:fillClrLst>
+    <dgm:linClrLst meth="repeat">
+      <a:schemeClr val="lt1"/>
+    </dgm:linClrLst>
+    <dgm:effectClrLst/>
+    <dgm:txLinClrLst/>
+    <dgm:txFillClrLst/>
+    <dgm:txEffectClrLst/>
+  </dgm:styleLbl>
+  <dgm:styleLbl name="node3">
+    <dgm:fillClrLst meth="repeat">
+      <a:schemeClr val="accent1"/>
+    </dgm:fillClrLst>
+    <dgm:linClrLst meth="repeat">
+      <a:schemeClr val="lt1"/>
+    </dgm:linClrLst>
+    <dgm:effectClrLst/>
+    <dgm:txLinClrLst/>
+    <dgm:txFillClrLst/>
+    <dgm:txEffectClrLst/>
+  </dgm:styleLbl>
+  <dgm:styleLbl name="node4">
+    <dgm:fillClrLst meth="repeat">
+      <a:schemeClr val="accent1"/>
+    </dgm:fillClrLst>
+    <dgm:linClrLst meth="repeat">
+      <a:schemeClr val="lt1"/>
+    </dgm:linClrLst>
+    <dgm:effectClrLst/>
+    <dgm:txLinClrLst/>
+    <dgm:txFillClrLst/>
+    <dgm:txEffectClrLst/>
+  </dgm:styleLbl>
+  <dgm:styleLbl name="fgImgPlace1">
+    <dgm:fillClrLst meth="repeat">
+      <a:schemeClr val="accent1">
+        <a:tint val="50000"/>
+      </a:schemeClr>
+    </dgm:fillClrLst>
+    <dgm:linClrLst meth="repeat">
+      <a:schemeClr val="lt1"/>
+    </dgm:linClrLst>
+    <dgm:effectClrLst/>
+    <dgm:txLinClrLst/>
+    <dgm:txFillClrLst meth="repeat">
+      <a:schemeClr val="lt1"/>
+    </dgm:txFillClrLst>
+    <dgm:txEffectClrLst/>
+  </dgm:styleLbl>
+  <dgm:styleLbl name="alignImgPlace1">
+    <dgm:fillClrLst meth="repeat">
+      <a:schemeClr val="accent1">
+        <a:tint val="50000"/>
+      </a:schemeClr>
+    </dgm:fillClrLst>
+    <dgm:linClrLst meth="repeat">
+      <a:schemeClr val="lt1"/>
+    </dgm:linClrLst>
+    <dgm:effectClrLst/>
+    <dgm:txLinClrLst/>
+    <dgm:txFillClrLst meth="repeat">
+      <a:schemeClr val="lt1"/>
+    </dgm:txFillClrLst>
+    <dgm:txEffectClrLst/>
+  </dgm:styleLbl>
+  <dgm:styleLbl name="bgImgPlace1">
+    <dgm:fillClrLst meth="repeat">
+      <a:schemeClr val="accent1">
+        <a:tint val="50000"/>
+      </a:schemeClr>
+    </dgm:fillClrLst>
+    <dgm:linClrLst meth="repeat">
+      <a:schemeClr val="lt1"/>
+    </dgm:linClrLst>
+    <dgm:effectClrLst/>
+    <dgm:txLinClrLst/>
+    <dgm:txFillClrLst meth="repeat">
+      <a:schemeClr val="lt1"/>
+    </dgm:txFillClrLst>
+    <dgm:txEffectClrLst/>
+  </dgm:styleLbl>
+  <dgm:styleLbl name="sibTrans2D1">
+    <dgm:fillClrLst meth="repeat">
+      <a:schemeClr val="accent1">
+        <a:tint val="60000"/>
+      </a:schemeClr>
+    </dgm:fillClrLst>
+    <dgm:linClrLst meth="repeat">
+      <a:schemeClr val="accent1">
+        <a:tint val="60000"/>
+      </a:schemeClr>
+    </dgm:linClrLst>
+    <dgm:effectClrLst/>
+    <dgm:txLinClrLst/>
+    <dgm:txFillClrLst/>
+    <dgm:txEffectClrLst/>
+  </dgm:styleLbl>
+  <dgm:styleLbl name="fgSibTrans2D1">
+    <dgm:fillClrLst meth="repeat">
+      <a:schemeClr val="accent1">
+        <a:tint val="60000"/>
+      </a:schemeClr>
+    </dgm:fillClrLst>
+    <dgm:linClrLst meth="repeat">
+      <a:schemeClr val="accent1">
+        <a:tint val="60000"/>
+      </a:schemeClr>
+    </dgm:linClrLst>
+    <dgm:effectClrLst/>
+    <dgm:txLinClrLst/>
+    <dgm:txFillClrLst/>
+    <dgm:txEffectClrLst/>
+  </dgm:styleLbl>
+  <dgm:styleLbl name="bgSibTrans2D1">
+    <dgm:fillClrLst meth="repeat">
+      <a:schemeClr val="accent1">
+        <a:tint val="60000"/>
+      </a:schemeClr>
+    </dgm:fillClrLst>
+    <dgm:linClrLst meth="repeat">
+      <a:schemeClr val="accent1">
+        <a:tint val="60000"/>
+      </a:schemeClr>
+    </dgm:linClrLst>
+    <dgm:effectClrLst/>
+    <dgm:txLinClrLst/>
+    <dgm:txFillClrLst/>
+    <dgm:txEffectClrLst/>
+  </dgm:styleLbl>
+  <dgm:styleLbl name="sibTrans1D1">
+    <dgm:fillClrLst meth="repeat">
+      <a:schemeClr val="accent1"/>
+    </dgm:fillClrLst>
+    <dgm:linClrLst meth="repeat">
+      <a:schemeClr val="accent1"/>
+    </dgm:linClrLst>
+    <dgm:effectClrLst/>
+    <dgm:txLinClrLst/>
+    <dgm:txFillClrLst meth="repeat">
+      <a:schemeClr val="tx1"/>
+    </dgm:txFillClrLst>
+    <dgm:txEffectClrLst/>
+  </dgm:styleLbl>
+  <dgm:styleLbl name="callout">
+    <dgm:fillClrLst meth="repeat">
+      <a:schemeClr val="accent1"/>
+    </dgm:fillClrLst>
+    <dgm:linClrLst meth="repeat">
+      <a:schemeClr val="accent1">
+        <a:tint val="50000"/>
+      </a:schemeClr>
+    </dgm:linClrLst>
+    <dgm:effectClrLst/>
+    <dgm:txLinClrLst/>
+    <dgm:txFillClrLst meth="repeat">
+      <a:schemeClr val="tx1"/>
+    </dgm:txFillClrLst>
+    <dgm:txEffectClrLst/>
+  </dgm:styleLbl>
+  <dgm:styleLbl name="asst0">
+    <dgm:fillClrLst meth="repeat">
+      <a:schemeClr val="accent1"/>
+    </dgm:fillClrLst>
+    <dgm:linClrLst meth="repeat">
+      <a:schemeClr val="lt1"/>
+    </dgm:linClrLst>
+    <dgm:effectClrLst/>
+    <dgm:txLinClrLst/>
+    <dgm:txFillClrLst/>
+    <dgm:txEffectClrLst/>
+  </dgm:styleLbl>
+  <dgm:styleLbl name="asst1">
+    <dgm:fillClrLst meth="repeat">
+      <a:schemeClr val="accent1"/>
+    </dgm:fillClrLst>
+    <dgm:linClrLst meth="repeat">
+      <a:schemeClr val="lt1"/>
+    </dgm:linClrLst>
+    <dgm:effectClrLst/>
+    <dgm:txLinClrLst/>
+    <dgm:txFillClrLst/>
+    <dgm:txEffectClrLst/>
+  </dgm:styleLbl>
+  <dgm:styleLbl name="asst2">
+    <dgm:fillClrLst meth="repeat">
+      <a:schemeClr val="accent1"/>
+    </dgm:fillClrLst>
+    <dgm:linClrLst meth="repeat">
+      <a:schemeClr val="lt1"/>
+    </dgm:linClrLst>
+    <dgm:effectClrLst/>
+    <dgm:txLinClrLst/>
+    <dgm:txFillClrLst/>
+    <dgm:txEffectClrLst/>
+  </dgm:styleLbl>
+  <dgm:styleLbl name="asst3">
+    <dgm:fillClrLst meth="repeat">
+      <a:schemeClr val="accent1"/>
+    </dgm:fillClrLst>
+    <dgm:linClrLst meth="repeat">
+      <a:schemeClr val="lt1"/>
+    </dgm:linClrLst>
+    <dgm:effectClrLst/>
+    <dgm:txLinClrLst/>
+    <dgm:txFillClrLst/>
+    <dgm:txEffectClrLst/>
+  </dgm:styleLbl>
+  <dgm:styleLbl name="asst4">
+    <dgm:fillClrLst meth="repeat">
+      <a:schemeClr val="accent1"/>
+    </dgm:fillClrLst>
+    <dgm:linClrLst meth="repeat">
+      <a:schemeClr val="lt1"/>
+    </dgm:linClrLst>
+    <dgm:effectClrLst/>
+    <dgm:txLinClrLst/>
+    <dgm:txFillClrLst/>
+    <dgm:txEffectClrLst/>
+  </dgm:styleLbl>
+  <dgm:styleLbl name="parChTrans2D1">
+    <dgm:fillClrLst meth="repeat">
+      <a:schemeClr val="accent1">
+        <a:tint val="60000"/>
+      </a:schemeClr>
+    </dgm:fillClrLst>
+    <dgm:linClrLst meth="repeat">
+      <a:schemeClr val="accent1">
+        <a:tint val="60000"/>
+      </a:schemeClr>
+    </dgm:linClrLst>
+    <dgm:effectClrLst/>
+    <dgm:txLinClrLst/>
+    <dgm:txFillClrLst meth="repeat">
+      <a:schemeClr val="lt1"/>
+    </dgm:txFillClrLst>
+    <dgm:txEffectClrLst/>
+  </dgm:styleLbl>
+  <dgm:styleLbl name="parChTrans2D2">
+    <dgm:fillClrLst meth="repeat">
+      <a:schemeClr val="accent1"/>
+    </dgm:fillClrLst>
+    <dgm:linClrLst meth="repeat">
+      <a:schemeClr val="accent1"/>
+    </dgm:linClrLst>
+    <dgm:effectClrLst/>
+    <dgm:txLinClrLst/>
+    <dgm:txFillClrLst meth="repeat">
+      <a:schemeClr val="lt1"/>
+    </dgm:txFillClrLst>
+    <dgm:txEffectClrLst/>
+  </dgm:styleLbl>
+  <dgm:styleLbl name="parChTrans2D3">
+    <dgm:fillClrLst meth="repeat">
+      <a:schemeClr val="accent1"/>
+    </dgm:fillClrLst>
+    <dgm:linClrLst meth="repeat">
+      <a:schemeClr val="accent1"/>
+    </dgm:linClrLst>
+    <dgm:effectClrLst/>
+    <dgm:txLinClrLst/>
+    <dgm:txFillClrLst meth="repeat">
+      <a:schemeClr val="lt1"/>
+    </dgm:txFillClrLst>
+    <dgm:txEffectClrLst/>
+  </dgm:styleLbl>
+  <dgm:styleLbl name="parChTrans2D4">
+    <dgm:fillClrLst meth="repeat">
+      <a:schemeClr val="accent1"/>
+    </dgm:fillClrLst>
+    <dgm:linClrLst meth="repeat">
+      <a:schemeClr val="accent1"/>
+    </dgm:linClrLst>
+    <dgm:effectClrLst/>
+    <dgm:txLinClrLst/>
+    <dgm:txFillClrLst meth="repeat">
+      <a:schemeClr val="lt1"/>
+    </dgm:txFillClrLst>
+    <dgm:txEffectClrLst/>
+  </dgm:styleLbl>
+  <dgm:styleLbl name="parChTrans1D1">
+    <dgm:fillClrLst meth="repeat">
+      <a:schemeClr val="accent1"/>
+    </dgm:fillClrLst>
+    <dgm:linClrLst meth="repeat">
+      <a:schemeClr val="accent1">
+        <a:shade val="60000"/>
+      </a:schemeClr>
+    </dgm:linClrLst>
+    <dgm:effectClrLst/>
+    <dgm:txLinClrLst/>
+    <dgm:txFillClrLst meth="repeat">
+      <a:schemeClr val="tx1"/>
+    </dgm:txFillClrLst>
+    <dgm:txEffectClrLst/>
+  </dgm:styleLbl>
+  <dgm:styleLbl name="parChTrans1D2">
+    <dgm:fillClrLst meth="repeat">
+      <a:schemeClr val="accent1"/>
+    </dgm:fillClrLst>
+    <dgm:linClrLst meth="repeat">
+      <a:schemeClr val="accent1">
+        <a:shade val="60000"/>
+      </a:schemeClr>
+    </dgm:linClrLst>
+    <dgm:effectClrLst/>
+    <dgm:txLinClrLst/>
+    <dgm:txFillClrLst meth="repeat">
+      <a:schemeClr val="tx1"/>
+    </dgm:txFillClrLst>
+    <dgm:txEffectClrLst/>
+  </dgm:styleLbl>
+  <dgm:styleLbl name="parChTrans1D3">
+    <dgm:fillClrLst meth="repeat">
+      <a:schemeClr val="accent1"/>
+    </dgm:fillClrLst>
+    <dgm:linClrLst meth="repeat">
+      <a:schemeClr val="accent1">
+        <a:shade val="80000"/>
+      </a:schemeClr>
+    </dgm:linClrLst>
+    <dgm:effectClrLst/>
+    <dgm:txLinClrLst/>
+    <dgm:txFillClrLst meth="repeat">
+      <a:schemeClr val="tx1"/>
+    </dgm:txFillClrLst>
+    <dgm:txEffectClrLst/>
+  </dgm:styleLbl>
+  <dgm:styleLbl name="parChTrans1D4">
+    <dgm:fillClrLst meth="repeat">
+      <a:schemeClr val="accent1"/>
+    </dgm:fillClrLst>
+    <dgm:linClrLst meth="repeat">
+      <a:schemeClr val="accent1">
+        <a:shade val="80000"/>
+      </a:schemeClr>
+    </dgm:linClrLst>
+    <dgm:effectClrLst/>
+    <dgm:txLinClrLst/>
+    <dgm:txFillClrLst meth="repeat">
+      <a:schemeClr val="tx1"/>
+    </dgm:txFillClrLst>
+    <dgm:txEffectClrLst/>
+  </dgm:styleLbl>
+  <dgm:styleLbl name="fgAcc1">
+    <dgm:fillClrLst meth="repeat">
+      <a:schemeClr val="lt1">
+        <a:alpha val="90000"/>
+      </a:schemeClr>
+    </dgm:fillClrLst>
+    <dgm:linClrLst meth="repeat">
+      <a:schemeClr val="accent1"/>
+    </dgm:linClrLst>
+    <dgm:effectClrLst/>
+    <dgm:txLinClrLst/>
+    <dgm:txFillClrLst meth="repeat">
+      <a:schemeClr val="dk1"/>
+    </dgm:txFillClrLst>
+    <dgm:txEffectClrLst/>
+  </dgm:styleLbl>
+  <dgm:styleLbl name="conFgAcc1">
+    <dgm:fillClrLst meth="repeat">
+      <a:schemeClr val="lt1">
+        <a:alpha val="90000"/>
+      </a:schemeClr>
+    </dgm:fillClrLst>
+    <dgm:linClrLst meth="repeat">
+      <a:schemeClr val="accent1"/>
+    </dgm:linClrLst>
+    <dgm:effectClrLst/>
+    <dgm:txLinClrLst/>
+    <dgm:txFillClrLst meth="repeat">
+      <a:schemeClr val="dk1"/>
+    </dgm:txFillClrLst>
+    <dgm:txEffectClrLst/>
+  </dgm:styleLbl>
+  <dgm:styleLbl name="alignAcc1">
+    <dgm:fillClrLst meth="repeat">
+      <a:schemeClr val="lt1">
+        <a:alpha val="90000"/>
+      </a:schemeClr>
+    </dgm:fillClrLst>
+    <dgm:linClrLst meth="repeat">
+      <a:schemeClr val="accent1"/>
+    </dgm:linClrLst>
+    <dgm:effectClrLst/>
+    <dgm:txLinClrLst/>
+    <dgm:txFillClrLst meth="repeat">
+      <a:schemeClr val="dk1"/>
+    </dgm:txFillClrLst>
+    <dgm:txEffectClrLst/>
+  </dgm:styleLbl>
+  <dgm:styleLbl name="trAlignAcc1">
+    <dgm:fillClrLst meth="repeat">
+      <a:schemeClr val="lt1">
+        <a:alpha val="40000"/>
+      </a:schemeClr>
+    </dgm:fillClrLst>
+    <dgm:linClrLst meth="repeat">
+      <a:schemeClr val="accent1"/>
+    </dgm:linClrLst>
+    <dgm:effectClrLst/>
+    <dgm:txLinClrLst/>
+    <dgm:txFillClrLst meth="repeat">
+      <a:schemeClr val="dk1"/>
+    </dgm:txFillClrLst>
+    <dgm:txEffectClrLst/>
+  </dgm:styleLbl>
+  <dgm:styleLbl name="bgAcc1">
+    <dgm:fillClrLst meth="repeat">
+      <a:schemeClr val="lt1">
+        <a:alpha val="90000"/>
+      </a:schemeClr>
+    </dgm:fillClrLst>
+    <dgm:linClrLst meth="repeat">
+      <a:schemeClr val="accent1"/>
+    </dgm:linClrLst>
+    <dgm:effectClrLst/>
+    <dgm:txLinClrLst/>
+    <dgm:txFillClrLst meth="repeat">
+      <a:schemeClr val="dk1"/>
+    </dgm:txFillClrLst>
+    <dgm:txEffectClrLst/>
+  </dgm:styleLbl>
+  <dgm:styleLbl name="solidFgAcc1">
+    <dgm:fillClrLst meth="repeat">
+      <a:schemeClr val="lt1"/>
+    </dgm:fillClrLst>
+    <dgm:linClrLst meth="repeat">
+      <a:schemeClr val="accent1"/>
+    </dgm:linClrLst>
+    <dgm:effectClrLst/>
+    <dgm:txLinClrLst/>
+    <dgm:txFillClrLst meth="repeat">
+      <a:schemeClr val="dk1"/>
+    </dgm:txFillClrLst>
+    <dgm:txEffectClrLst/>
+  </dgm:styleLbl>
+  <dgm:styleLbl name="solidAlignAcc1">
+    <dgm:fillClrLst meth="repeat">
+      <a:schemeClr val="lt1"/>
+    </dgm:fillClrLst>
+    <dgm:linClrLst meth="repeat">
+      <a:schemeClr val="accent1"/>
+    </dgm:linClrLst>
+    <dgm:effectClrLst/>
+    <dgm:txLinClrLst/>
+    <dgm:txFillClrLst meth="repeat">
+      <a:schemeClr val="dk1"/>
+    </dgm:txFillClrLst>
+    <dgm:txEffectClrLst/>
+  </dgm:styleLbl>
+  <dgm:styleLbl name="solidBgAcc1">
+    <dgm:fillClrLst meth="repeat">
+      <a:schemeClr val="lt1"/>
+    </dgm:fillClrLst>
+    <dgm:linClrLst meth="repeat">
+      <a:schemeClr val="accent1"/>
+    </dgm:linClrLst>
+    <dgm:effectClrLst/>
+    <dgm:txLinClrLst/>
+    <dgm:txFillClrLst meth="repeat">
+      <a:schemeClr val="dk1"/>
+    </dgm:txFillClrLst>
+    <dgm:txEffectClrLst/>
+  </dgm:styleLbl>
+  <dgm:styleLbl name="fgAccFollowNode1">
+    <dgm:fillClrLst meth="repeat">
+      <a:schemeClr val="accent1">
+        <a:alpha val="90000"/>
+        <a:tint val="40000"/>
+      </a:schemeClr>
+    </dgm:fillClrLst>
+    <dgm:linClrLst meth="repeat">
+      <a:schemeClr val="accent1">
+        <a:alpha val="90000"/>
+        <a:tint val="40000"/>
+      </a:schemeClr>
+    </dgm:linClrLst>
+    <dgm:effectClrLst/>
+    <dgm:txLinClrLst/>
+    <dgm:txFillClrLst meth="repeat">
+      <a:schemeClr val="dk1"/>
+    </dgm:txFillClrLst>
+    <dgm:txEffectClrLst/>
+  </dgm:styleLbl>
+  <dgm:styleLbl name="alignAccFollowNode1">
+    <dgm:fillClrLst meth="repeat">
+      <a:schemeClr val="accent1">
+        <a:alpha val="90000"/>
+        <a:tint val="40000"/>
+      </a:schemeClr>
+    </dgm:fillClrLst>
+    <dgm:linClrLst meth="repeat">
+      <a:schemeClr val="accent1">
+        <a:alpha val="90000"/>
+        <a:tint val="40000"/>
+      </a:schemeClr>
+    </dgm:linClrLst>
+    <dgm:effectClrLst/>
+    <dgm:txLinClrLst/>
+    <dgm:txFillClrLst meth="repeat">
+      <a:schemeClr val="dk1"/>
+    </dgm:txFillClrLst>
+    <dgm:txEffectClrLst/>
+  </dgm:styleLbl>
+  <dgm:styleLbl name="bgAccFollowNode1">
+    <dgm:fillClrLst meth="repeat">
+      <a:schemeClr val="accent1">
+        <a:alpha val="90000"/>
+        <a:tint val="40000"/>
+      </a:schemeClr>
+    </dgm:fillClrLst>
+    <dgm:linClrLst meth="repeat">
+      <a:schemeClr val="accent1">
+        <a:alpha val="90000"/>
+        <a:tint val="40000"/>
+      </a:schemeClr>
+    </dgm:linClrLst>
+    <dgm:effectClrLst/>
+    <dgm:txLinClrLst/>
+    <dgm:txFillClrLst meth="repeat">
+      <a:schemeClr val="dk1"/>
+    </dgm:txFillClrLst>
+    <dgm:txEffectClrLst/>
+  </dgm:styleLbl>
+  <dgm:styleLbl name="fgAcc0">
+    <dgm:fillClrLst meth="repeat">
+      <a:schemeClr val="lt1">
+        <a:alpha val="90000"/>
+      </a:schemeClr>
+    </dgm:fillClrLst>
+    <dgm:linClrLst meth="repeat">
+      <a:schemeClr val="accent1"/>
+    </dgm:linClrLst>
+    <dgm:effectClrLst/>
+    <dgm:txLinClrLst/>
+    <dgm:txFillClrLst meth="repeat">
+      <a:schemeClr val="dk1"/>
+    </dgm:txFillClrLst>
+    <dgm:txEffectClrLst/>
+  </dgm:styleLbl>
+  <dgm:styleLbl name="fgAcc2">
+    <dgm:fillClrLst meth="repeat">
+      <a:schemeClr val="lt1">
+        <a:alpha val="90000"/>
+      </a:schemeClr>
+    </dgm:fillClrLst>
+    <dgm:linClrLst meth="repeat">
+      <a:schemeClr val="accent1"/>
+    </dgm:linClrLst>
+    <dgm:effectClrLst/>
+    <dgm:txLinClrLst/>
+    <dgm:txFillClrLst meth="repeat">
+      <a:schemeClr val="dk1"/>
+    </dgm:txFillClrLst>
+    <dgm:txEffectClrLst/>
+  </dgm:styleLbl>
+  <dgm:styleLbl name="fgAcc3">
+    <dgm:fillClrLst meth="repeat">
+      <a:schemeClr val="lt1">
+        <a:alpha val="90000"/>
+      </a:schemeClr>
+    </dgm:fillClrLst>
+    <dgm:linClrLst meth="repeat">
+      <a:schemeClr val="accent1"/>
+    </dgm:linClrLst>
+    <dgm:effectClrLst/>
+    <dgm:txLinClrLst/>
+    <dgm:txFillClrLst meth="repeat">
+      <a:schemeClr val="dk1"/>
+    </dgm:txFillClrLst>
+    <dgm:txEffectClrLst/>
+  </dgm:styleLbl>
+  <dgm:styleLbl name="fgAcc4">
+    <dgm:fillClrLst meth="repeat">
+      <a:schemeClr val="lt1">
+        <a:alpha val="90000"/>
+      </a:schemeClr>
+    </dgm:fillClrLst>
+    <dgm:linClrLst meth="repeat">
+      <a:schemeClr val="accent1"/>
+    </dgm:linClrLst>
+    <dgm:effectClrLst/>
+    <dgm:txLinClrLst/>
+    <dgm:txFillClrLst meth="repeat">
+      <a:schemeClr val="dk1"/>
+    </dgm:txFillClrLst>
+    <dgm:txEffectClrLst/>
+  </dgm:styleLbl>
+  <dgm:styleLbl name="bgShp">
+    <dgm:fillClrLst meth="repeat">
+      <a:schemeClr val="accent1">
+        <a:tint val="40000"/>
+      </a:schemeClr>
+    </dgm:fillClrLst>
+    <dgm:linClrLst meth="repeat">
+      <a:schemeClr val="accent1"/>
+    </dgm:linClrLst>
+    <dgm:effectClrLst/>
+    <dgm:txLinClrLst/>
+    <dgm:txFillClrLst meth="repeat">
+      <a:schemeClr val="dk1"/>
+    </dgm:txFillClrLst>
+    <dgm:txEffectClrLst/>
+  </dgm:styleLbl>
+  <dgm:styleLbl name="dkBgShp">
+    <dgm:fillClrLst meth="repeat">
+      <a:schemeClr val="accent1">
+        <a:shade val="80000"/>
+      </a:schemeClr>
+    </dgm:fillClrLst>
+    <dgm:linClrLst meth="repeat">
+      <a:schemeClr val="accent1"/>
+    </dgm:linClrLst>
+    <dgm:effectClrLst/>
+    <dgm:txLinClrLst/>
+    <dgm:txFillClrLst meth="repeat">
+      <a:schemeClr val="lt1"/>
+    </dgm:txFillClrLst>
+    <dgm:txEffectClrLst/>
+  </dgm:styleLbl>
+  <dgm:styleLbl name="trBgShp">
+    <dgm:fillClrLst meth="repeat">
+      <a:schemeClr val="accent1">
+        <a:tint val="50000"/>
+        <a:alpha val="40000"/>
+      </a:schemeClr>
+    </dgm:fillClrLst>
+    <dgm:linClrLst meth="repeat">
+      <a:schemeClr val="accent1"/>
+    </dgm:linClrLst>
+    <dgm:effectClrLst/>
+    <dgm:txLinClrLst/>
+    <dgm:txFillClrLst meth="repeat">
+      <a:schemeClr val="lt1"/>
+    </dgm:txFillClrLst>
+    <dgm:txEffectClrLst/>
+  </dgm:styleLbl>
+  <dgm:styleLbl name="fgShp">
+    <dgm:fillClrLst meth="repeat">
+      <a:schemeClr val="accent1">
+        <a:tint val="60000"/>
+      </a:schemeClr>
+    </dgm:fillClrLst>
+    <dgm:linClrLst meth="repeat">
+      <a:schemeClr val="lt1"/>
+    </dgm:linClrLst>
+    <dgm:effectClrLst/>
+    <dgm:txLinClrLst/>
+    <dgm:txFillClrLst meth="repeat">
+      <a:schemeClr val="dk1"/>
+    </dgm:txFillClrLst>
+    <dgm:txEffectClrLst/>
+  </dgm:styleLbl>
+  <dgm:styleLbl name="revTx">
+    <dgm:fillClrLst meth="repeat">
+      <a:schemeClr val="lt1">
+        <a:alpha val="0"/>
+      </a:schemeClr>
+    </dgm:fillClrLst>
+    <dgm:linClrLst meth="repeat">
+      <a:schemeClr val="dk1">
+        <a:alpha val="0"/>
+      </a:schemeClr>
+    </dgm:linClrLst>
+    <dgm:effectClrLst/>
+    <dgm:txLinClrLst/>
+    <dgm:txFillClrLst meth="repeat">
+      <a:schemeClr val="tx1"/>
+    </dgm:txFillClrLst>
+    <dgm:txEffectClrLst/>
+  </dgm:styleLbl>
+</dgm:colorsDef>
+</file>
+
+<file path=ppt/diagrams/colors3.xml><?xml version="1.0" encoding="utf-8"?>
 <dgm:colorsDef xmlns:dgm="http://schemas.openxmlformats.org/drawingml/2006/diagram" xmlns:a="http://schemas.openxmlformats.org/drawingml/2006/main" uniqueId="urn:microsoft.com/office/officeart/2005/8/colors/accent1_2">
   <dgm:title val=""/>
   <dgm:desc val=""/>
@@ -1332,6 +2839,1220 @@
   <dgm:extLst>
     <a:ext uri="http://schemas.microsoft.com/office/drawing/2008/diagram">
       <dsp:dataModelExt xmlns:dsp="http://schemas.microsoft.com/office/drawing/2008/diagram" relId="rId6" minVer="http://schemas.openxmlformats.org/drawingml/2006/diagram"/>
+    </a:ext>
+  </dgm:extLst>
+</dgm:dataModel>
+</file>
+
+<file path=ppt/diagrams/data2.xml><?xml version="1.0" encoding="utf-8"?>
+<dgm:dataModel xmlns:dgm="http://schemas.openxmlformats.org/drawingml/2006/diagram" xmlns:a="http://schemas.openxmlformats.org/drawingml/2006/main">
+  <dgm:ptLst>
+    <dgm:pt modelId="{1D4A73F2-B30F-47A1-93E0-31B8DD3927D9}" type="doc">
+      <dgm:prSet loTypeId="urn:microsoft.com/office/officeart/2005/8/layout/vList5" loCatId="list" qsTypeId="urn:microsoft.com/office/officeart/2005/8/quickstyle/simple1" qsCatId="simple" csTypeId="urn:microsoft.com/office/officeart/2005/8/colors/accent1_2" csCatId="accent1" phldr="1"/>
+      <dgm:spPr/>
+      <dgm:t>
+        <a:bodyPr/>
+        <a:lstStyle/>
+        <a:p>
+          <a:endParaRPr lang="en-US"/>
+        </a:p>
+      </dgm:t>
+    </dgm:pt>
+    <dgm:pt modelId="{DB227847-405A-4AE6-8561-6C08057DA27C}">
+      <dgm:prSet custT="1"/>
+      <dgm:spPr/>
+      <dgm:t>
+        <a:bodyPr/>
+        <a:lstStyle/>
+        <a:p>
+          <a:r>
+            <a:rPr lang="en-US" sz="2400" b="1" i="0" dirty="0">
+              <a:latin typeface="+mn-lt"/>
+            </a:rPr>
+            <a:t>Example Queries</a:t>
+          </a:r>
+        </a:p>
+      </dgm:t>
+    </dgm:pt>
+    <dgm:pt modelId="{A56896ED-39D1-4B51-8279-338490392542}" type="parTrans" cxnId="{754F8DFB-86AB-469A-87A3-64306BC25D8A}">
+      <dgm:prSet/>
+      <dgm:spPr/>
+      <dgm:t>
+        <a:bodyPr/>
+        <a:lstStyle/>
+        <a:p>
+          <a:endParaRPr lang="en-US" sz="1200" b="1" i="0">
+            <a:latin typeface="+mj-lt"/>
+          </a:endParaRPr>
+        </a:p>
+      </dgm:t>
+    </dgm:pt>
+    <dgm:pt modelId="{6DD62F4F-A51D-427E-B7E4-1314CA5AA8FE}" type="sibTrans" cxnId="{754F8DFB-86AB-469A-87A3-64306BC25D8A}">
+      <dgm:prSet/>
+      <dgm:spPr/>
+      <dgm:t>
+        <a:bodyPr/>
+        <a:lstStyle/>
+        <a:p>
+          <a:endParaRPr lang="en-US" sz="1200" b="1" i="0">
+            <a:latin typeface="+mj-lt"/>
+          </a:endParaRPr>
+        </a:p>
+      </dgm:t>
+    </dgm:pt>
+    <dgm:pt modelId="{951E409F-00E7-4642-B8A7-784F0EE8B707}">
+      <dgm:prSet custT="1"/>
+      <dgm:spPr>
+        <a:noFill/>
+        <a:ln w="38100">
+          <a:solidFill>
+            <a:schemeClr val="accent1">
+              <a:alpha val="90000"/>
+            </a:schemeClr>
+          </a:solidFill>
+        </a:ln>
+      </dgm:spPr>
+      <dgm:t>
+        <a:bodyPr/>
+        <a:lstStyle/>
+        <a:p>
+          <a:pPr>
+            <a:buNone/>
+          </a:pPr>
+          <a:r>
+            <a:rPr lang="en-GB" sz="1800" b="1" dirty="0"/>
+            <a:t>Show how it is possible to use the new added information</a:t>
+          </a:r>
+          <a:endParaRPr lang="en-US" sz="1800" b="1" i="0" baseline="0" dirty="0">
+            <a:latin typeface="+mj-lt"/>
+          </a:endParaRPr>
+        </a:p>
+      </dgm:t>
+    </dgm:pt>
+    <dgm:pt modelId="{23141C36-8285-46C9-9EB1-9D55D32CB2F2}" type="parTrans" cxnId="{5DFD565F-F410-4E34-88BD-CD4A00C7D1E2}">
+      <dgm:prSet/>
+      <dgm:spPr/>
+      <dgm:t>
+        <a:bodyPr/>
+        <a:lstStyle/>
+        <a:p>
+          <a:endParaRPr lang="en-US" sz="1200" b="1" i="0">
+            <a:latin typeface="+mj-lt"/>
+          </a:endParaRPr>
+        </a:p>
+      </dgm:t>
+    </dgm:pt>
+    <dgm:pt modelId="{4B841407-4996-4834-B45C-6C6E638E0865}" type="sibTrans" cxnId="{5DFD565F-F410-4E34-88BD-CD4A00C7D1E2}">
+      <dgm:prSet/>
+      <dgm:spPr/>
+      <dgm:t>
+        <a:bodyPr/>
+        <a:lstStyle/>
+        <a:p>
+          <a:endParaRPr lang="en-US" sz="1200" b="1" i="0">
+            <a:latin typeface="+mj-lt"/>
+          </a:endParaRPr>
+        </a:p>
+      </dgm:t>
+    </dgm:pt>
+    <dgm:pt modelId="{8EDFDEF5-FB2C-426C-9934-8C2EF39B7A71}">
+      <dgm:prSet custT="1"/>
+      <dgm:spPr/>
+      <dgm:t>
+        <a:bodyPr/>
+        <a:lstStyle/>
+        <a:p>
+          <a:r>
+            <a:rPr lang="en-US" sz="2400" b="1" i="0" dirty="0">
+              <a:latin typeface="+mn-lt"/>
+            </a:rPr>
+            <a:t>Italian Tracks and Italian Artists</a:t>
+          </a:r>
+        </a:p>
+      </dgm:t>
+    </dgm:pt>
+    <dgm:pt modelId="{F200CD57-73D8-4FF6-8B07-4AC9381B603A}" type="parTrans" cxnId="{F869DA31-E22D-4852-B6AB-52D8A6B9F888}">
+      <dgm:prSet/>
+      <dgm:spPr/>
+      <dgm:t>
+        <a:bodyPr/>
+        <a:lstStyle/>
+        <a:p>
+          <a:endParaRPr lang="en-US" sz="1200" b="1" i="0">
+            <a:latin typeface="+mj-lt"/>
+          </a:endParaRPr>
+        </a:p>
+      </dgm:t>
+    </dgm:pt>
+    <dgm:pt modelId="{5A92E147-F176-4D75-A3B2-812C6C90EC67}" type="sibTrans" cxnId="{F869DA31-E22D-4852-B6AB-52D8A6B9F888}">
+      <dgm:prSet/>
+      <dgm:spPr/>
+      <dgm:t>
+        <a:bodyPr/>
+        <a:lstStyle/>
+        <a:p>
+          <a:endParaRPr lang="en-US" sz="1200" b="1" i="0">
+            <a:latin typeface="+mj-lt"/>
+          </a:endParaRPr>
+        </a:p>
+      </dgm:t>
+    </dgm:pt>
+    <dgm:pt modelId="{023DC00F-A646-434F-8B45-2C78EEB81F28}">
+      <dgm:prSet custT="1"/>
+      <dgm:spPr>
+        <a:noFill/>
+        <a:ln w="38100">
+          <a:solidFill>
+            <a:schemeClr val="accent1">
+              <a:alpha val="90000"/>
+            </a:schemeClr>
+          </a:solidFill>
+        </a:ln>
+      </dgm:spPr>
+      <dgm:t>
+        <a:bodyPr/>
+        <a:lstStyle/>
+        <a:p>
+          <a:pPr>
+            <a:buNone/>
+          </a:pPr>
+          <a:r>
+            <a:rPr lang="en-GB" sz="1800" b="1" dirty="0"/>
+            <a:t>Study Italian tracks and artists present in the TOP 100 Italy</a:t>
+          </a:r>
+        </a:p>
+      </dgm:t>
+    </dgm:pt>
+    <dgm:pt modelId="{0A841F17-BBF0-45C5-9452-E9982C0C7997}" type="parTrans" cxnId="{A77946C7-22EF-4D0E-9247-A8FA4398E717}">
+      <dgm:prSet/>
+      <dgm:spPr/>
+      <dgm:t>
+        <a:bodyPr/>
+        <a:lstStyle/>
+        <a:p>
+          <a:endParaRPr lang="en-GB"/>
+        </a:p>
+      </dgm:t>
+    </dgm:pt>
+    <dgm:pt modelId="{BC637E12-549F-4665-BA95-F4A4C484CA98}" type="sibTrans" cxnId="{A77946C7-22EF-4D0E-9247-A8FA4398E717}">
+      <dgm:prSet/>
+      <dgm:spPr/>
+      <dgm:t>
+        <a:bodyPr/>
+        <a:lstStyle/>
+        <a:p>
+          <a:endParaRPr lang="en-GB"/>
+        </a:p>
+      </dgm:t>
+    </dgm:pt>
+    <dgm:pt modelId="{86C196DF-A588-4D9A-8C0A-A41D97E22C9A}">
+      <dgm:prSet custT="1"/>
+      <dgm:spPr/>
+      <dgm:t>
+        <a:bodyPr/>
+        <a:lstStyle/>
+        <a:p>
+          <a:r>
+            <a:rPr lang="it-IT" sz="2400" b="1" dirty="0">
+              <a:latin typeface="+mn-lt"/>
+            </a:rPr>
+            <a:t>Italian Music Abroad</a:t>
+          </a:r>
+          <a:endParaRPr lang="en-GB" sz="2400" b="1" dirty="0">
+            <a:latin typeface="+mn-lt"/>
+          </a:endParaRPr>
+        </a:p>
+      </dgm:t>
+    </dgm:pt>
+    <dgm:pt modelId="{DCAF778E-AA1C-458A-A55F-E3B5C1FC90DE}" type="parTrans" cxnId="{D6C00955-A1D9-4B86-AD24-DFDB3B15FB9A}">
+      <dgm:prSet/>
+      <dgm:spPr/>
+      <dgm:t>
+        <a:bodyPr/>
+        <a:lstStyle/>
+        <a:p>
+          <a:endParaRPr lang="en-GB"/>
+        </a:p>
+      </dgm:t>
+    </dgm:pt>
+    <dgm:pt modelId="{01F38265-FA57-4566-AA01-1411F8760A57}" type="sibTrans" cxnId="{D6C00955-A1D9-4B86-AD24-DFDB3B15FB9A}">
+      <dgm:prSet/>
+      <dgm:spPr/>
+      <dgm:t>
+        <a:bodyPr/>
+        <a:lstStyle/>
+        <a:p>
+          <a:endParaRPr lang="en-GB"/>
+        </a:p>
+      </dgm:t>
+    </dgm:pt>
+    <dgm:pt modelId="{3B74D0F4-E30A-40AF-B4E1-84ED67AB0AB0}">
+      <dgm:prSet custT="1"/>
+      <dgm:spPr>
+        <a:noFill/>
+        <a:ln w="38100">
+          <a:solidFill>
+            <a:schemeClr val="accent1">
+              <a:alpha val="90000"/>
+            </a:schemeClr>
+          </a:solidFill>
+        </a:ln>
+      </dgm:spPr>
+      <dgm:t>
+        <a:bodyPr/>
+        <a:lstStyle/>
+        <a:p>
+          <a:pPr>
+            <a:buNone/>
+          </a:pPr>
+          <a:r>
+            <a:rPr lang="en-GB" sz="1800" b="1" dirty="0"/>
+            <a:t>Discover if Italian tracks are listened also outside Italy</a:t>
+          </a:r>
+        </a:p>
+      </dgm:t>
+    </dgm:pt>
+    <dgm:pt modelId="{B302B695-80F2-49ED-9455-642DFBF1693F}" type="parTrans" cxnId="{FA5F8E7C-DF59-4634-9473-6B22E39AC2D1}">
+      <dgm:prSet/>
+      <dgm:spPr/>
+      <dgm:t>
+        <a:bodyPr/>
+        <a:lstStyle/>
+        <a:p>
+          <a:endParaRPr lang="en-GB"/>
+        </a:p>
+      </dgm:t>
+    </dgm:pt>
+    <dgm:pt modelId="{DE540C5C-544F-4265-98D7-C2F03807228B}" type="sibTrans" cxnId="{FA5F8E7C-DF59-4634-9473-6B22E39AC2D1}">
+      <dgm:prSet/>
+      <dgm:spPr/>
+      <dgm:t>
+        <a:bodyPr/>
+        <a:lstStyle/>
+        <a:p>
+          <a:endParaRPr lang="en-GB"/>
+        </a:p>
+      </dgm:t>
+    </dgm:pt>
+    <dgm:pt modelId="{B38342D8-4BB7-48CC-B6C4-979E1B63E7A1}">
+      <dgm:prSet custT="1"/>
+      <dgm:spPr>
+        <a:noFill/>
+        <a:ln w="38100">
+          <a:solidFill>
+            <a:schemeClr val="accent1">
+              <a:alpha val="90000"/>
+            </a:schemeClr>
+          </a:solidFill>
+        </a:ln>
+      </dgm:spPr>
+      <dgm:t>
+        <a:bodyPr/>
+        <a:lstStyle/>
+        <a:p>
+          <a:pPr>
+            <a:buNone/>
+          </a:pPr>
+          <a:r>
+            <a:rPr lang="en-GB" sz="1800" b="1" dirty="0"/>
+            <a:t>such as </a:t>
+          </a:r>
+          <a:r>
+            <a:rPr lang="en-GB" sz="1800" b="1" i="1" dirty="0"/>
+            <a:t>record label</a:t>
+          </a:r>
+          <a:r>
+            <a:rPr lang="en-GB" sz="1800" b="1" dirty="0"/>
+            <a:t> and </a:t>
+          </a:r>
+          <a:r>
+            <a:rPr lang="en-GB" sz="1800" b="1" i="1" dirty="0"/>
+            <a:t>instruments</a:t>
+          </a:r>
+          <a:endParaRPr lang="en-US" sz="1800" b="1" i="0" baseline="0" dirty="0">
+            <a:latin typeface="+mj-lt"/>
+          </a:endParaRPr>
+        </a:p>
+      </dgm:t>
+    </dgm:pt>
+    <dgm:pt modelId="{86AA3C3B-E1BB-4984-B164-92C2DCD72D10}" type="parTrans" cxnId="{59B926EC-AEF3-4772-BD17-8CB616AA2780}">
+      <dgm:prSet/>
+      <dgm:spPr/>
+      <dgm:t>
+        <a:bodyPr/>
+        <a:lstStyle/>
+        <a:p>
+          <a:endParaRPr lang="en-GB"/>
+        </a:p>
+      </dgm:t>
+    </dgm:pt>
+    <dgm:pt modelId="{7D88BA8E-CC21-480F-B80D-0A42296826BC}" type="sibTrans" cxnId="{59B926EC-AEF3-4772-BD17-8CB616AA2780}">
+      <dgm:prSet/>
+      <dgm:spPr/>
+      <dgm:t>
+        <a:bodyPr/>
+        <a:lstStyle/>
+        <a:p>
+          <a:endParaRPr lang="en-GB"/>
+        </a:p>
+      </dgm:t>
+    </dgm:pt>
+    <dgm:pt modelId="{00764FAF-D9A6-4CE4-A920-D7BB873F170B}" type="pres">
+      <dgm:prSet presAssocID="{1D4A73F2-B30F-47A1-93E0-31B8DD3927D9}" presName="Name0" presStyleCnt="0">
+        <dgm:presLayoutVars>
+          <dgm:dir/>
+          <dgm:animLvl val="lvl"/>
+          <dgm:resizeHandles val="exact"/>
+        </dgm:presLayoutVars>
+      </dgm:prSet>
+      <dgm:spPr/>
+    </dgm:pt>
+    <dgm:pt modelId="{61E93ABD-E3B6-4B3D-998E-B22EE794ADBD}" type="pres">
+      <dgm:prSet presAssocID="{DB227847-405A-4AE6-8561-6C08057DA27C}" presName="linNode" presStyleCnt="0"/>
+      <dgm:spPr/>
+    </dgm:pt>
+    <dgm:pt modelId="{A92F1038-24D3-421B-867E-3BE4D342BA43}" type="pres">
+      <dgm:prSet presAssocID="{DB227847-405A-4AE6-8561-6C08057DA27C}" presName="parentText" presStyleLbl="node1" presStyleIdx="0" presStyleCnt="3" custScaleX="83313" custLinFactNeighborX="-4693" custLinFactNeighborY="746">
+        <dgm:presLayoutVars>
+          <dgm:chMax val="1"/>
+          <dgm:bulletEnabled val="1"/>
+        </dgm:presLayoutVars>
+      </dgm:prSet>
+      <dgm:spPr/>
+    </dgm:pt>
+    <dgm:pt modelId="{F5CF0FA9-770F-419C-AD21-EE62A8B0D56E}" type="pres">
+      <dgm:prSet presAssocID="{DB227847-405A-4AE6-8561-6C08057DA27C}" presName="descendantText" presStyleLbl="alignAccFollowNode1" presStyleIdx="0" presStyleCnt="3" custLinFactNeighborX="-10468" custLinFactNeighborY="-3350">
+        <dgm:presLayoutVars>
+          <dgm:bulletEnabled val="1"/>
+        </dgm:presLayoutVars>
+      </dgm:prSet>
+      <dgm:spPr/>
+    </dgm:pt>
+    <dgm:pt modelId="{1C322E0B-21D5-4A9A-A31C-74D3BA9FC51B}" type="pres">
+      <dgm:prSet presAssocID="{6DD62F4F-A51D-427E-B7E4-1314CA5AA8FE}" presName="sp" presStyleCnt="0"/>
+      <dgm:spPr/>
+    </dgm:pt>
+    <dgm:pt modelId="{21339960-1530-4E2A-8E96-85541A701D47}" type="pres">
+      <dgm:prSet presAssocID="{8EDFDEF5-FB2C-426C-9934-8C2EF39B7A71}" presName="linNode" presStyleCnt="0"/>
+      <dgm:spPr/>
+    </dgm:pt>
+    <dgm:pt modelId="{91C80CFA-A214-46E4-886E-80039CCF3D8B}" type="pres">
+      <dgm:prSet presAssocID="{8EDFDEF5-FB2C-426C-9934-8C2EF39B7A71}" presName="parentText" presStyleLbl="node1" presStyleIdx="1" presStyleCnt="3" custScaleX="83313" custLinFactNeighborX="-4693" custLinFactNeighborY="746">
+        <dgm:presLayoutVars>
+          <dgm:chMax val="1"/>
+          <dgm:bulletEnabled val="1"/>
+        </dgm:presLayoutVars>
+      </dgm:prSet>
+      <dgm:spPr/>
+    </dgm:pt>
+    <dgm:pt modelId="{D3225E37-D354-4979-AF19-51A458A75D1D}" type="pres">
+      <dgm:prSet presAssocID="{8EDFDEF5-FB2C-426C-9934-8C2EF39B7A71}" presName="descendantText" presStyleLbl="alignAccFollowNode1" presStyleIdx="1" presStyleCnt="3" custLinFactNeighborX="-10468" custLinFactNeighborY="-3350">
+        <dgm:presLayoutVars>
+          <dgm:bulletEnabled val="1"/>
+        </dgm:presLayoutVars>
+      </dgm:prSet>
+      <dgm:spPr/>
+    </dgm:pt>
+    <dgm:pt modelId="{88ABFE87-867B-4FD0-B9F1-B3C28EDC0C97}" type="pres">
+      <dgm:prSet presAssocID="{5A92E147-F176-4D75-A3B2-812C6C90EC67}" presName="sp" presStyleCnt="0"/>
+      <dgm:spPr/>
+    </dgm:pt>
+    <dgm:pt modelId="{A6DD4B0C-C2D6-4DF0-85F1-6056E78CBAF8}" type="pres">
+      <dgm:prSet presAssocID="{86C196DF-A588-4D9A-8C0A-A41D97E22C9A}" presName="linNode" presStyleCnt="0"/>
+      <dgm:spPr/>
+    </dgm:pt>
+    <dgm:pt modelId="{A29D472F-B252-4242-B3F4-026BECD2C075}" type="pres">
+      <dgm:prSet presAssocID="{86C196DF-A588-4D9A-8C0A-A41D97E22C9A}" presName="parentText" presStyleLbl="node1" presStyleIdx="2" presStyleCnt="3" custScaleX="83313" custLinFactNeighborX="-4693" custLinFactNeighborY="746">
+        <dgm:presLayoutVars>
+          <dgm:chMax val="1"/>
+          <dgm:bulletEnabled val="1"/>
+        </dgm:presLayoutVars>
+      </dgm:prSet>
+      <dgm:spPr/>
+    </dgm:pt>
+    <dgm:pt modelId="{A89B64DE-6829-430C-AA93-AD3657840437}" type="pres">
+      <dgm:prSet presAssocID="{86C196DF-A588-4D9A-8C0A-A41D97E22C9A}" presName="descendantText" presStyleLbl="alignAccFollowNode1" presStyleIdx="2" presStyleCnt="3" custLinFactNeighborX="-10468" custLinFactNeighborY="-3350">
+        <dgm:presLayoutVars>
+          <dgm:bulletEnabled val="1"/>
+        </dgm:presLayoutVars>
+      </dgm:prSet>
+      <dgm:spPr/>
+    </dgm:pt>
+  </dgm:ptLst>
+  <dgm:cxnLst>
+    <dgm:cxn modelId="{71EE2D14-A767-4897-B38D-AA69E397375A}" type="presOf" srcId="{B38342D8-4BB7-48CC-B6C4-979E1B63E7A1}" destId="{F5CF0FA9-770F-419C-AD21-EE62A8B0D56E}" srcOrd="0" destOrd="1" presId="urn:microsoft.com/office/officeart/2005/8/layout/vList5"/>
+    <dgm:cxn modelId="{DD986D1F-661E-4A16-89E0-44A4FD987C2C}" type="presOf" srcId="{3B74D0F4-E30A-40AF-B4E1-84ED67AB0AB0}" destId="{A89B64DE-6829-430C-AA93-AD3657840437}" srcOrd="0" destOrd="0" presId="urn:microsoft.com/office/officeart/2005/8/layout/vList5"/>
+    <dgm:cxn modelId="{F869DA31-E22D-4852-B6AB-52D8A6B9F888}" srcId="{1D4A73F2-B30F-47A1-93E0-31B8DD3927D9}" destId="{8EDFDEF5-FB2C-426C-9934-8C2EF39B7A71}" srcOrd="1" destOrd="0" parTransId="{F200CD57-73D8-4FF6-8B07-4AC9381B603A}" sibTransId="{5A92E147-F176-4D75-A3B2-812C6C90EC67}"/>
+    <dgm:cxn modelId="{5DFD565F-F410-4E34-88BD-CD4A00C7D1E2}" srcId="{DB227847-405A-4AE6-8561-6C08057DA27C}" destId="{951E409F-00E7-4642-B8A7-784F0EE8B707}" srcOrd="0" destOrd="0" parTransId="{23141C36-8285-46C9-9EB1-9D55D32CB2F2}" sibTransId="{4B841407-4996-4834-B45C-6C6E638E0865}"/>
+    <dgm:cxn modelId="{49135B61-D335-4FA7-AEB3-CF5A770C7DFF}" type="presOf" srcId="{951E409F-00E7-4642-B8A7-784F0EE8B707}" destId="{F5CF0FA9-770F-419C-AD21-EE62A8B0D56E}" srcOrd="0" destOrd="0" presId="urn:microsoft.com/office/officeart/2005/8/layout/vList5"/>
+    <dgm:cxn modelId="{EAFBD563-F8FA-4C1E-84B7-6C4A7C431277}" type="presOf" srcId="{1D4A73F2-B30F-47A1-93E0-31B8DD3927D9}" destId="{00764FAF-D9A6-4CE4-A920-D7BB873F170B}" srcOrd="0" destOrd="0" presId="urn:microsoft.com/office/officeart/2005/8/layout/vList5"/>
+    <dgm:cxn modelId="{D6C00955-A1D9-4B86-AD24-DFDB3B15FB9A}" srcId="{1D4A73F2-B30F-47A1-93E0-31B8DD3927D9}" destId="{86C196DF-A588-4D9A-8C0A-A41D97E22C9A}" srcOrd="2" destOrd="0" parTransId="{DCAF778E-AA1C-458A-A55F-E3B5C1FC90DE}" sibTransId="{01F38265-FA57-4566-AA01-1411F8760A57}"/>
+    <dgm:cxn modelId="{FA5F8E7C-DF59-4634-9473-6B22E39AC2D1}" srcId="{86C196DF-A588-4D9A-8C0A-A41D97E22C9A}" destId="{3B74D0F4-E30A-40AF-B4E1-84ED67AB0AB0}" srcOrd="0" destOrd="0" parTransId="{B302B695-80F2-49ED-9455-642DFBF1693F}" sibTransId="{DE540C5C-544F-4265-98D7-C2F03807228B}"/>
+    <dgm:cxn modelId="{CCA89985-E344-443B-9652-3C6BA9CFB65B}" type="presOf" srcId="{023DC00F-A646-434F-8B45-2C78EEB81F28}" destId="{D3225E37-D354-4979-AF19-51A458A75D1D}" srcOrd="0" destOrd="0" presId="urn:microsoft.com/office/officeart/2005/8/layout/vList5"/>
+    <dgm:cxn modelId="{8CF7048B-D00C-45CB-B8AB-5CFE31428651}" type="presOf" srcId="{8EDFDEF5-FB2C-426C-9934-8C2EF39B7A71}" destId="{91C80CFA-A214-46E4-886E-80039CCF3D8B}" srcOrd="0" destOrd="0" presId="urn:microsoft.com/office/officeart/2005/8/layout/vList5"/>
+    <dgm:cxn modelId="{A38249B3-239F-4EE3-89FF-CCBD7408A4D6}" type="presOf" srcId="{86C196DF-A588-4D9A-8C0A-A41D97E22C9A}" destId="{A29D472F-B252-4242-B3F4-026BECD2C075}" srcOrd="0" destOrd="0" presId="urn:microsoft.com/office/officeart/2005/8/layout/vList5"/>
+    <dgm:cxn modelId="{A77946C7-22EF-4D0E-9247-A8FA4398E717}" srcId="{8EDFDEF5-FB2C-426C-9934-8C2EF39B7A71}" destId="{023DC00F-A646-434F-8B45-2C78EEB81F28}" srcOrd="0" destOrd="0" parTransId="{0A841F17-BBF0-45C5-9452-E9982C0C7997}" sibTransId="{BC637E12-549F-4665-BA95-F4A4C484CA98}"/>
+    <dgm:cxn modelId="{6AAC54D1-953E-4762-B9E7-FFC69D218B13}" type="presOf" srcId="{DB227847-405A-4AE6-8561-6C08057DA27C}" destId="{A92F1038-24D3-421B-867E-3BE4D342BA43}" srcOrd="0" destOrd="0" presId="urn:microsoft.com/office/officeart/2005/8/layout/vList5"/>
+    <dgm:cxn modelId="{59B926EC-AEF3-4772-BD17-8CB616AA2780}" srcId="{DB227847-405A-4AE6-8561-6C08057DA27C}" destId="{B38342D8-4BB7-48CC-B6C4-979E1B63E7A1}" srcOrd="1" destOrd="0" parTransId="{86AA3C3B-E1BB-4984-B164-92C2DCD72D10}" sibTransId="{7D88BA8E-CC21-480F-B80D-0A42296826BC}"/>
+    <dgm:cxn modelId="{754F8DFB-86AB-469A-87A3-64306BC25D8A}" srcId="{1D4A73F2-B30F-47A1-93E0-31B8DD3927D9}" destId="{DB227847-405A-4AE6-8561-6C08057DA27C}" srcOrd="0" destOrd="0" parTransId="{A56896ED-39D1-4B51-8279-338490392542}" sibTransId="{6DD62F4F-A51D-427E-B7E4-1314CA5AA8FE}"/>
+    <dgm:cxn modelId="{43EADD37-C993-4AEE-AFC3-100906B407E0}" type="presParOf" srcId="{00764FAF-D9A6-4CE4-A920-D7BB873F170B}" destId="{61E93ABD-E3B6-4B3D-998E-B22EE794ADBD}" srcOrd="0" destOrd="0" presId="urn:microsoft.com/office/officeart/2005/8/layout/vList5"/>
+    <dgm:cxn modelId="{85904C07-4946-481B-8D2C-8A1BACF76C42}" type="presParOf" srcId="{61E93ABD-E3B6-4B3D-998E-B22EE794ADBD}" destId="{A92F1038-24D3-421B-867E-3BE4D342BA43}" srcOrd="0" destOrd="0" presId="urn:microsoft.com/office/officeart/2005/8/layout/vList5"/>
+    <dgm:cxn modelId="{0C8D5C9D-774D-4271-BB20-1D72CB6642E3}" type="presParOf" srcId="{61E93ABD-E3B6-4B3D-998E-B22EE794ADBD}" destId="{F5CF0FA9-770F-419C-AD21-EE62A8B0D56E}" srcOrd="1" destOrd="0" presId="urn:microsoft.com/office/officeart/2005/8/layout/vList5"/>
+    <dgm:cxn modelId="{6907C56D-AA81-452C-B536-AAED4117C984}" type="presParOf" srcId="{00764FAF-D9A6-4CE4-A920-D7BB873F170B}" destId="{1C322E0B-21D5-4A9A-A31C-74D3BA9FC51B}" srcOrd="1" destOrd="0" presId="urn:microsoft.com/office/officeart/2005/8/layout/vList5"/>
+    <dgm:cxn modelId="{E603EF36-5381-4D6C-AA26-2FFB53346DD4}" type="presParOf" srcId="{00764FAF-D9A6-4CE4-A920-D7BB873F170B}" destId="{21339960-1530-4E2A-8E96-85541A701D47}" srcOrd="2" destOrd="0" presId="urn:microsoft.com/office/officeart/2005/8/layout/vList5"/>
+    <dgm:cxn modelId="{D34D1A07-46F6-4B52-AE5F-AD7C0FE3B2AE}" type="presParOf" srcId="{21339960-1530-4E2A-8E96-85541A701D47}" destId="{91C80CFA-A214-46E4-886E-80039CCF3D8B}" srcOrd="0" destOrd="0" presId="urn:microsoft.com/office/officeart/2005/8/layout/vList5"/>
+    <dgm:cxn modelId="{619D14D7-5AC4-4CD0-A5B6-EF095E2581FA}" type="presParOf" srcId="{21339960-1530-4E2A-8E96-85541A701D47}" destId="{D3225E37-D354-4979-AF19-51A458A75D1D}" srcOrd="1" destOrd="0" presId="urn:microsoft.com/office/officeart/2005/8/layout/vList5"/>
+    <dgm:cxn modelId="{FBCCB9B6-C2A2-4C82-918D-C54F74C385F1}" type="presParOf" srcId="{00764FAF-D9A6-4CE4-A920-D7BB873F170B}" destId="{88ABFE87-867B-4FD0-B9F1-B3C28EDC0C97}" srcOrd="3" destOrd="0" presId="urn:microsoft.com/office/officeart/2005/8/layout/vList5"/>
+    <dgm:cxn modelId="{82E3B569-074A-4D6B-AEBC-E73233B89591}" type="presParOf" srcId="{00764FAF-D9A6-4CE4-A920-D7BB873F170B}" destId="{A6DD4B0C-C2D6-4DF0-85F1-6056E78CBAF8}" srcOrd="4" destOrd="0" presId="urn:microsoft.com/office/officeart/2005/8/layout/vList5"/>
+    <dgm:cxn modelId="{925E8583-5347-489B-A4BF-952F247C71EF}" type="presParOf" srcId="{A6DD4B0C-C2D6-4DF0-85F1-6056E78CBAF8}" destId="{A29D472F-B252-4242-B3F4-026BECD2C075}" srcOrd="0" destOrd="0" presId="urn:microsoft.com/office/officeart/2005/8/layout/vList5"/>
+    <dgm:cxn modelId="{1817BACC-27A8-40A9-98D3-BBB57D451626}" type="presParOf" srcId="{A6DD4B0C-C2D6-4DF0-85F1-6056E78CBAF8}" destId="{A89B64DE-6829-430C-AA93-AD3657840437}" srcOrd="1" destOrd="0" presId="urn:microsoft.com/office/officeart/2005/8/layout/vList5"/>
+  </dgm:cxnLst>
+  <dgm:bg/>
+  <dgm:whole/>
+  <dgm:extLst>
+    <a:ext uri="http://schemas.microsoft.com/office/drawing/2008/diagram">
+      <dsp:dataModelExt xmlns:dsp="http://schemas.microsoft.com/office/drawing/2008/diagram" relId="rId6" minVer="http://schemas.openxmlformats.org/drawingml/2006/diagram"/>
+    </a:ext>
+  </dgm:extLst>
+</dgm:dataModel>
+</file>
+
+<file path=ppt/diagrams/data3.xml><?xml version="1.0" encoding="utf-8"?>
+<dgm:dataModel xmlns:dgm="http://schemas.openxmlformats.org/drawingml/2006/diagram" xmlns:a="http://schemas.openxmlformats.org/drawingml/2006/main">
+  <dgm:ptLst>
+    <dgm:pt modelId="{1D4A73F2-B30F-47A1-93E0-31B8DD3927D9}" type="doc">
+      <dgm:prSet loTypeId="urn:microsoft.com/office/officeart/2005/8/layout/vList5" loCatId="list" qsTypeId="urn:microsoft.com/office/officeart/2005/8/quickstyle/simple1" qsCatId="simple" csTypeId="urn:microsoft.com/office/officeart/2005/8/colors/accent1_2" csCatId="accent1" phldr="1"/>
+      <dgm:spPr/>
+      <dgm:t>
+        <a:bodyPr/>
+        <a:lstStyle/>
+        <a:p>
+          <a:endParaRPr lang="en-US"/>
+        </a:p>
+      </dgm:t>
+    </dgm:pt>
+    <dgm:pt modelId="{DB227847-405A-4AE6-8561-6C08057DA27C}">
+      <dgm:prSet custT="1"/>
+      <dgm:spPr/>
+      <dgm:t>
+        <a:bodyPr/>
+        <a:lstStyle/>
+        <a:p>
+          <a:r>
+            <a:rPr lang="en-US" sz="2400" b="1" i="0" dirty="0">
+              <a:latin typeface="+mn-lt"/>
+            </a:rPr>
+            <a:t>2017</a:t>
+          </a:r>
+        </a:p>
+      </dgm:t>
+    </dgm:pt>
+    <dgm:pt modelId="{A56896ED-39D1-4B51-8279-338490392542}" type="parTrans" cxnId="{754F8DFB-86AB-469A-87A3-64306BC25D8A}">
+      <dgm:prSet/>
+      <dgm:spPr/>
+      <dgm:t>
+        <a:bodyPr/>
+        <a:lstStyle/>
+        <a:p>
+          <a:endParaRPr lang="en-US" sz="1200" b="1" i="0">
+            <a:latin typeface="+mj-lt"/>
+          </a:endParaRPr>
+        </a:p>
+      </dgm:t>
+    </dgm:pt>
+    <dgm:pt modelId="{6DD62F4F-A51D-427E-B7E4-1314CA5AA8FE}" type="sibTrans" cxnId="{754F8DFB-86AB-469A-87A3-64306BC25D8A}">
+      <dgm:prSet/>
+      <dgm:spPr/>
+      <dgm:t>
+        <a:bodyPr/>
+        <a:lstStyle/>
+        <a:p>
+          <a:endParaRPr lang="en-US" sz="1200" b="1" i="0">
+            <a:latin typeface="+mj-lt"/>
+          </a:endParaRPr>
+        </a:p>
+      </dgm:t>
+    </dgm:pt>
+    <dgm:pt modelId="{951E409F-00E7-4642-B8A7-784F0EE8B707}">
+      <dgm:prSet custT="1"/>
+      <dgm:spPr>
+        <a:noFill/>
+        <a:ln w="38100">
+          <a:solidFill>
+            <a:schemeClr val="accent1">
+              <a:alpha val="90000"/>
+            </a:schemeClr>
+          </a:solidFill>
+        </a:ln>
+      </dgm:spPr>
+      <dgm:t>
+        <a:bodyPr/>
+        <a:lstStyle/>
+        <a:p>
+          <a:pPr>
+            <a:buNone/>
+          </a:pPr>
+          <a:r>
+            <a:rPr lang="en-GB" sz="1600" b="1" i="1" dirty="0" err="1"/>
+            <a:t>Guè</a:t>
+          </a:r>
+          <a:endParaRPr lang="en-US" sz="1600" b="1" i="1" baseline="0" dirty="0">
+            <a:latin typeface="+mj-lt"/>
+          </a:endParaRPr>
+        </a:p>
+      </dgm:t>
+    </dgm:pt>
+    <dgm:pt modelId="{23141C36-8285-46C9-9EB1-9D55D32CB2F2}" type="parTrans" cxnId="{5DFD565F-F410-4E34-88BD-CD4A00C7D1E2}">
+      <dgm:prSet/>
+      <dgm:spPr/>
+      <dgm:t>
+        <a:bodyPr/>
+        <a:lstStyle/>
+        <a:p>
+          <a:endParaRPr lang="en-US" sz="1200" b="1" i="0">
+            <a:latin typeface="+mj-lt"/>
+          </a:endParaRPr>
+        </a:p>
+      </dgm:t>
+    </dgm:pt>
+    <dgm:pt modelId="{4B841407-4996-4834-B45C-6C6E638E0865}" type="sibTrans" cxnId="{5DFD565F-F410-4E34-88BD-CD4A00C7D1E2}">
+      <dgm:prSet/>
+      <dgm:spPr/>
+      <dgm:t>
+        <a:bodyPr/>
+        <a:lstStyle/>
+        <a:p>
+          <a:endParaRPr lang="en-US" sz="1200" b="1" i="0">
+            <a:latin typeface="+mj-lt"/>
+          </a:endParaRPr>
+        </a:p>
+      </dgm:t>
+    </dgm:pt>
+    <dgm:pt modelId="{8EDFDEF5-FB2C-426C-9934-8C2EF39B7A71}">
+      <dgm:prSet custT="1"/>
+      <dgm:spPr/>
+      <dgm:t>
+        <a:bodyPr/>
+        <a:lstStyle/>
+        <a:p>
+          <a:r>
+            <a:rPr lang="en-US" sz="2400" b="1" i="0" dirty="0">
+              <a:latin typeface="+mn-lt"/>
+            </a:rPr>
+            <a:t>2018</a:t>
+          </a:r>
+        </a:p>
+      </dgm:t>
+    </dgm:pt>
+    <dgm:pt modelId="{F200CD57-73D8-4FF6-8B07-4AC9381B603A}" type="parTrans" cxnId="{F869DA31-E22D-4852-B6AB-52D8A6B9F888}">
+      <dgm:prSet/>
+      <dgm:spPr/>
+      <dgm:t>
+        <a:bodyPr/>
+        <a:lstStyle/>
+        <a:p>
+          <a:endParaRPr lang="en-US" sz="1200" b="1" i="0">
+            <a:latin typeface="+mj-lt"/>
+          </a:endParaRPr>
+        </a:p>
+      </dgm:t>
+    </dgm:pt>
+    <dgm:pt modelId="{5A92E147-F176-4D75-A3B2-812C6C90EC67}" type="sibTrans" cxnId="{F869DA31-E22D-4852-B6AB-52D8A6B9F888}">
+      <dgm:prSet/>
+      <dgm:spPr/>
+      <dgm:t>
+        <a:bodyPr/>
+        <a:lstStyle/>
+        <a:p>
+          <a:endParaRPr lang="en-US" sz="1200" b="1" i="0">
+            <a:latin typeface="+mj-lt"/>
+          </a:endParaRPr>
+        </a:p>
+      </dgm:t>
+    </dgm:pt>
+    <dgm:pt modelId="{023DC00F-A646-434F-8B45-2C78EEB81F28}">
+      <dgm:prSet custT="1"/>
+      <dgm:spPr>
+        <a:noFill/>
+        <a:ln w="38100">
+          <a:solidFill>
+            <a:schemeClr val="accent1">
+              <a:alpha val="90000"/>
+            </a:schemeClr>
+          </a:solidFill>
+        </a:ln>
+      </dgm:spPr>
+      <dgm:t>
+        <a:bodyPr/>
+        <a:lstStyle/>
+        <a:p>
+          <a:pPr>
+            <a:buNone/>
+          </a:pPr>
+          <a:r>
+            <a:rPr lang="en-GB" sz="1600" b="1" i="1" dirty="0" err="1"/>
+            <a:t>Gemitaiz</a:t>
+          </a:r>
+          <a:endParaRPr lang="en-GB" sz="1600" b="1" i="1" dirty="0"/>
+        </a:p>
+      </dgm:t>
+    </dgm:pt>
+    <dgm:pt modelId="{0A841F17-BBF0-45C5-9452-E9982C0C7997}" type="parTrans" cxnId="{A77946C7-22EF-4D0E-9247-A8FA4398E717}">
+      <dgm:prSet/>
+      <dgm:spPr/>
+      <dgm:t>
+        <a:bodyPr/>
+        <a:lstStyle/>
+        <a:p>
+          <a:endParaRPr lang="en-GB"/>
+        </a:p>
+      </dgm:t>
+    </dgm:pt>
+    <dgm:pt modelId="{BC637E12-549F-4665-BA95-F4A4C484CA98}" type="sibTrans" cxnId="{A77946C7-22EF-4D0E-9247-A8FA4398E717}">
+      <dgm:prSet/>
+      <dgm:spPr/>
+      <dgm:t>
+        <a:bodyPr/>
+        <a:lstStyle/>
+        <a:p>
+          <a:endParaRPr lang="en-GB"/>
+        </a:p>
+      </dgm:t>
+    </dgm:pt>
+    <dgm:pt modelId="{86C196DF-A588-4D9A-8C0A-A41D97E22C9A}">
+      <dgm:prSet custT="1"/>
+      <dgm:spPr/>
+      <dgm:t>
+        <a:bodyPr/>
+        <a:lstStyle/>
+        <a:p>
+          <a:r>
+            <a:rPr lang="it-IT" sz="2400" b="1" dirty="0">
+              <a:latin typeface="+mn-lt"/>
+            </a:rPr>
+            <a:t>2019</a:t>
+          </a:r>
+          <a:endParaRPr lang="en-GB" sz="2400" b="1" dirty="0">
+            <a:latin typeface="+mn-lt"/>
+          </a:endParaRPr>
+        </a:p>
+      </dgm:t>
+    </dgm:pt>
+    <dgm:pt modelId="{DCAF778E-AA1C-458A-A55F-E3B5C1FC90DE}" type="parTrans" cxnId="{D6C00955-A1D9-4B86-AD24-DFDB3B15FB9A}">
+      <dgm:prSet/>
+      <dgm:spPr/>
+      <dgm:t>
+        <a:bodyPr/>
+        <a:lstStyle/>
+        <a:p>
+          <a:endParaRPr lang="en-GB"/>
+        </a:p>
+      </dgm:t>
+    </dgm:pt>
+    <dgm:pt modelId="{01F38265-FA57-4566-AA01-1411F8760A57}" type="sibTrans" cxnId="{D6C00955-A1D9-4B86-AD24-DFDB3B15FB9A}">
+      <dgm:prSet/>
+      <dgm:spPr/>
+      <dgm:t>
+        <a:bodyPr/>
+        <a:lstStyle/>
+        <a:p>
+          <a:endParaRPr lang="en-GB"/>
+        </a:p>
+      </dgm:t>
+    </dgm:pt>
+    <dgm:pt modelId="{3B74D0F4-E30A-40AF-B4E1-84ED67AB0AB0}">
+      <dgm:prSet custT="1"/>
+      <dgm:spPr>
+        <a:noFill/>
+        <a:ln w="38100">
+          <a:solidFill>
+            <a:schemeClr val="accent1">
+              <a:alpha val="90000"/>
+            </a:schemeClr>
+          </a:solidFill>
+        </a:ln>
+      </dgm:spPr>
+      <dgm:t>
+        <a:bodyPr/>
+        <a:lstStyle/>
+        <a:p>
+          <a:pPr>
+            <a:buNone/>
+          </a:pPr>
+          <a:r>
+            <a:rPr lang="en-GB" sz="1600" b="1" i="1" dirty="0" err="1"/>
+            <a:t>MadMan</a:t>
+          </a:r>
+          <a:endParaRPr lang="en-GB" sz="1600" b="1" i="1" dirty="0"/>
+        </a:p>
+      </dgm:t>
+    </dgm:pt>
+    <dgm:pt modelId="{B302B695-80F2-49ED-9455-642DFBF1693F}" type="parTrans" cxnId="{FA5F8E7C-DF59-4634-9473-6B22E39AC2D1}">
+      <dgm:prSet/>
+      <dgm:spPr/>
+      <dgm:t>
+        <a:bodyPr/>
+        <a:lstStyle/>
+        <a:p>
+          <a:endParaRPr lang="en-GB"/>
+        </a:p>
+      </dgm:t>
+    </dgm:pt>
+    <dgm:pt modelId="{DE540C5C-544F-4265-98D7-C2F03807228B}" type="sibTrans" cxnId="{FA5F8E7C-DF59-4634-9473-6B22E39AC2D1}">
+      <dgm:prSet/>
+      <dgm:spPr/>
+      <dgm:t>
+        <a:bodyPr/>
+        <a:lstStyle/>
+        <a:p>
+          <a:endParaRPr lang="en-GB"/>
+        </a:p>
+      </dgm:t>
+    </dgm:pt>
+    <dgm:pt modelId="{3782E0E7-5BE8-4106-9150-388EE1F8DDA9}">
+      <dgm:prSet/>
+      <dgm:spPr/>
+      <dgm:t>
+        <a:bodyPr/>
+        <a:lstStyle/>
+        <a:p>
+          <a:r>
+            <a:rPr lang="it-IT" b="1" dirty="0">
+              <a:latin typeface="+mn-lt"/>
+            </a:rPr>
+            <a:t>2020</a:t>
+          </a:r>
+          <a:endParaRPr lang="en-GB" b="1" dirty="0">
+            <a:latin typeface="+mn-lt"/>
+          </a:endParaRPr>
+        </a:p>
+      </dgm:t>
+    </dgm:pt>
+    <dgm:pt modelId="{64C45ECD-E8B2-4587-9DE8-610BFD380F51}" type="parTrans" cxnId="{5A23C13E-540E-4951-AF5D-B41AD322F8F7}">
+      <dgm:prSet/>
+      <dgm:spPr/>
+      <dgm:t>
+        <a:bodyPr/>
+        <a:lstStyle/>
+        <a:p>
+          <a:endParaRPr lang="en-GB"/>
+        </a:p>
+      </dgm:t>
+    </dgm:pt>
+    <dgm:pt modelId="{121A56DA-2B2C-4986-90AC-7078881BC82A}" type="sibTrans" cxnId="{5A23C13E-540E-4951-AF5D-B41AD322F8F7}">
+      <dgm:prSet/>
+      <dgm:spPr/>
+      <dgm:t>
+        <a:bodyPr/>
+        <a:lstStyle/>
+        <a:p>
+          <a:endParaRPr lang="en-GB"/>
+        </a:p>
+      </dgm:t>
+    </dgm:pt>
+    <dgm:pt modelId="{1B7FE585-6A07-4D7C-9D0B-94FA51B0F78D}">
+      <dgm:prSet custT="1"/>
+      <dgm:spPr>
+        <a:noFill/>
+        <a:ln w="38100">
+          <a:solidFill>
+            <a:schemeClr val="accent1">
+              <a:alpha val="90000"/>
+            </a:schemeClr>
+          </a:solidFill>
+        </a:ln>
+      </dgm:spPr>
+      <dgm:t>
+        <a:bodyPr/>
+        <a:lstStyle/>
+        <a:p>
+          <a:pPr>
+            <a:buNone/>
+          </a:pPr>
+          <a:r>
+            <a:rPr lang="en-GB" sz="1600" b="1" i="1" dirty="0" err="1"/>
+            <a:t>Tha</a:t>
+          </a:r>
+          <a:r>
+            <a:rPr lang="en-GB" sz="1600" b="1" i="1" dirty="0"/>
+            <a:t> Supreme</a:t>
+          </a:r>
+        </a:p>
+      </dgm:t>
+    </dgm:pt>
+    <dgm:pt modelId="{27093759-58CD-4CA5-8897-C5FB20736931}" type="parTrans" cxnId="{9F7DFE66-1F40-4854-853D-F81B5DB1ED15}">
+      <dgm:prSet/>
+      <dgm:spPr/>
+      <dgm:t>
+        <a:bodyPr/>
+        <a:lstStyle/>
+        <a:p>
+          <a:endParaRPr lang="en-GB"/>
+        </a:p>
+      </dgm:t>
+    </dgm:pt>
+    <dgm:pt modelId="{016DA68B-B82A-4D18-9F1E-B09E742E7F6E}" type="sibTrans" cxnId="{9F7DFE66-1F40-4854-853D-F81B5DB1ED15}">
+      <dgm:prSet/>
+      <dgm:spPr/>
+      <dgm:t>
+        <a:bodyPr/>
+        <a:lstStyle/>
+        <a:p>
+          <a:endParaRPr lang="en-GB"/>
+        </a:p>
+      </dgm:t>
+    </dgm:pt>
+    <dgm:pt modelId="{CBA01024-12B5-4AF0-AA59-F137CD97041D}">
+      <dgm:prSet custT="1"/>
+      <dgm:spPr>
+        <a:noFill/>
+        <a:ln w="38100">
+          <a:solidFill>
+            <a:schemeClr val="accent1">
+              <a:alpha val="90000"/>
+            </a:schemeClr>
+          </a:solidFill>
+        </a:ln>
+      </dgm:spPr>
+      <dgm:t>
+        <a:bodyPr/>
+        <a:lstStyle/>
+        <a:p>
+          <a:pPr>
+            <a:buNone/>
+          </a:pPr>
+          <a:r>
+            <a:rPr lang="en-US" sz="1600" b="1" i="0" baseline="0" dirty="0">
+              <a:latin typeface="+mj-lt"/>
+            </a:rPr>
+            <a:t>20 Tracks</a:t>
+          </a:r>
+        </a:p>
+      </dgm:t>
+    </dgm:pt>
+    <dgm:pt modelId="{2CC50740-A254-4BEC-84BE-DF1CF0439B5E}" type="parTrans" cxnId="{8FD98A55-0F42-4527-BA3C-863EA77934EE}">
+      <dgm:prSet/>
+      <dgm:spPr/>
+      <dgm:t>
+        <a:bodyPr/>
+        <a:lstStyle/>
+        <a:p>
+          <a:endParaRPr lang="en-GB"/>
+        </a:p>
+      </dgm:t>
+    </dgm:pt>
+    <dgm:pt modelId="{369CF186-975C-49C8-8B9B-E01588661F67}" type="sibTrans" cxnId="{8FD98A55-0F42-4527-BA3C-863EA77934EE}">
+      <dgm:prSet/>
+      <dgm:spPr/>
+      <dgm:t>
+        <a:bodyPr/>
+        <a:lstStyle/>
+        <a:p>
+          <a:endParaRPr lang="en-GB"/>
+        </a:p>
+      </dgm:t>
+    </dgm:pt>
+    <dgm:pt modelId="{9840BE33-523F-47F8-9327-25615E923E74}">
+      <dgm:prSet custT="1"/>
+      <dgm:spPr>
+        <a:noFill/>
+        <a:ln w="38100">
+          <a:solidFill>
+            <a:schemeClr val="accent1">
+              <a:alpha val="90000"/>
+            </a:schemeClr>
+          </a:solidFill>
+        </a:ln>
+      </dgm:spPr>
+      <dgm:t>
+        <a:bodyPr/>
+        <a:lstStyle/>
+        <a:p>
+          <a:pPr>
+            <a:buNone/>
+          </a:pPr>
+          <a:r>
+            <a:rPr lang="it-IT" sz="1600" b="1" dirty="0"/>
+            <a:t>28 Tracks</a:t>
+          </a:r>
+          <a:endParaRPr lang="en-GB" sz="1600" b="1" dirty="0"/>
+        </a:p>
+      </dgm:t>
+    </dgm:pt>
+    <dgm:pt modelId="{74EBEA46-B37C-48D9-9C13-01EA5E6BBDA1}" type="parTrans" cxnId="{BDD6DEB2-190E-49D1-9AED-5F05B5F0A384}">
+      <dgm:prSet/>
+      <dgm:spPr/>
+      <dgm:t>
+        <a:bodyPr/>
+        <a:lstStyle/>
+        <a:p>
+          <a:endParaRPr lang="en-GB"/>
+        </a:p>
+      </dgm:t>
+    </dgm:pt>
+    <dgm:pt modelId="{9B295DE7-BFFF-4972-90BA-66DB6CBA7A33}" type="sibTrans" cxnId="{BDD6DEB2-190E-49D1-9AED-5F05B5F0A384}">
+      <dgm:prSet/>
+      <dgm:spPr/>
+      <dgm:t>
+        <a:bodyPr/>
+        <a:lstStyle/>
+        <a:p>
+          <a:endParaRPr lang="en-GB"/>
+        </a:p>
+      </dgm:t>
+    </dgm:pt>
+    <dgm:pt modelId="{D1D76D56-26A6-4EE2-97E3-3C5DF9768F57}">
+      <dgm:prSet custT="1"/>
+      <dgm:spPr>
+        <a:noFill/>
+        <a:ln w="38100">
+          <a:solidFill>
+            <a:schemeClr val="accent1">
+              <a:alpha val="90000"/>
+            </a:schemeClr>
+          </a:solidFill>
+        </a:ln>
+      </dgm:spPr>
+      <dgm:t>
+        <a:bodyPr/>
+        <a:lstStyle/>
+        <a:p>
+          <a:pPr>
+            <a:buNone/>
+          </a:pPr>
+          <a:r>
+            <a:rPr lang="it-IT" sz="1600" b="1" dirty="0"/>
+            <a:t>30 Tracks</a:t>
+          </a:r>
+          <a:endParaRPr lang="en-GB" sz="1600" b="1" dirty="0"/>
+        </a:p>
+      </dgm:t>
+    </dgm:pt>
+    <dgm:pt modelId="{6E4961D9-9D54-4BEB-8C1E-2877EF4B5377}" type="parTrans" cxnId="{10DC8D0B-0043-4298-915E-C51B4809C2A7}">
+      <dgm:prSet/>
+      <dgm:spPr/>
+      <dgm:t>
+        <a:bodyPr/>
+        <a:lstStyle/>
+        <a:p>
+          <a:endParaRPr lang="en-GB"/>
+        </a:p>
+      </dgm:t>
+    </dgm:pt>
+    <dgm:pt modelId="{9ED2F4B4-FA51-4031-B467-E7D1FCA8817F}" type="sibTrans" cxnId="{10DC8D0B-0043-4298-915E-C51B4809C2A7}">
+      <dgm:prSet/>
+      <dgm:spPr/>
+      <dgm:t>
+        <a:bodyPr/>
+        <a:lstStyle/>
+        <a:p>
+          <a:endParaRPr lang="en-GB"/>
+        </a:p>
+      </dgm:t>
+    </dgm:pt>
+    <dgm:pt modelId="{235774CC-28E6-4ACE-BBF6-56BB365FA042}">
+      <dgm:prSet custT="1"/>
+      <dgm:spPr>
+        <a:noFill/>
+        <a:ln w="38100">
+          <a:solidFill>
+            <a:schemeClr val="accent1">
+              <a:alpha val="90000"/>
+            </a:schemeClr>
+          </a:solidFill>
+        </a:ln>
+      </dgm:spPr>
+      <dgm:t>
+        <a:bodyPr/>
+        <a:lstStyle/>
+        <a:p>
+          <a:pPr>
+            <a:buNone/>
+          </a:pPr>
+          <a:r>
+            <a:rPr lang="it-IT" sz="1600" b="1" dirty="0"/>
+            <a:t>35 Tracks</a:t>
+          </a:r>
+          <a:endParaRPr lang="en-GB" sz="1600" b="1" dirty="0"/>
+        </a:p>
+      </dgm:t>
+    </dgm:pt>
+    <dgm:pt modelId="{EC17EDFE-21D4-4892-822F-005F5674B811}" type="parTrans" cxnId="{B9CFC93A-04BC-4F40-B4F0-45430001FA62}">
+      <dgm:prSet/>
+      <dgm:spPr/>
+      <dgm:t>
+        <a:bodyPr/>
+        <a:lstStyle/>
+        <a:p>
+          <a:endParaRPr lang="en-GB"/>
+        </a:p>
+      </dgm:t>
+    </dgm:pt>
+    <dgm:pt modelId="{5DC12019-1807-4FB6-9D85-9A43D88F2B58}" type="sibTrans" cxnId="{B9CFC93A-04BC-4F40-B4F0-45430001FA62}">
+      <dgm:prSet/>
+      <dgm:spPr/>
+      <dgm:t>
+        <a:bodyPr/>
+        <a:lstStyle/>
+        <a:p>
+          <a:endParaRPr lang="en-GB"/>
+        </a:p>
+      </dgm:t>
+    </dgm:pt>
+    <dgm:pt modelId="{00764FAF-D9A6-4CE4-A920-D7BB873F170B}" type="pres">
+      <dgm:prSet presAssocID="{1D4A73F2-B30F-47A1-93E0-31B8DD3927D9}" presName="Name0" presStyleCnt="0">
+        <dgm:presLayoutVars>
+          <dgm:dir/>
+          <dgm:animLvl val="lvl"/>
+          <dgm:resizeHandles val="exact"/>
+        </dgm:presLayoutVars>
+      </dgm:prSet>
+      <dgm:spPr/>
+    </dgm:pt>
+    <dgm:pt modelId="{61E93ABD-E3B6-4B3D-998E-B22EE794ADBD}" type="pres">
+      <dgm:prSet presAssocID="{DB227847-405A-4AE6-8561-6C08057DA27C}" presName="linNode" presStyleCnt="0"/>
+      <dgm:spPr/>
+    </dgm:pt>
+    <dgm:pt modelId="{A92F1038-24D3-421B-867E-3BE4D342BA43}" type="pres">
+      <dgm:prSet presAssocID="{DB227847-405A-4AE6-8561-6C08057DA27C}" presName="parentText" presStyleLbl="node1" presStyleIdx="0" presStyleCnt="4" custScaleX="51462" custLinFactNeighborX="-4693" custLinFactNeighborY="746">
+        <dgm:presLayoutVars>
+          <dgm:chMax val="1"/>
+          <dgm:bulletEnabled val="1"/>
+        </dgm:presLayoutVars>
+      </dgm:prSet>
+      <dgm:spPr/>
+    </dgm:pt>
+    <dgm:pt modelId="{F5CF0FA9-770F-419C-AD21-EE62A8B0D56E}" type="pres">
+      <dgm:prSet presAssocID="{DB227847-405A-4AE6-8561-6C08057DA27C}" presName="descendantText" presStyleLbl="alignAccFollowNode1" presStyleIdx="0" presStyleCnt="4" custScaleX="72900" custLinFactNeighborX="-10468" custLinFactNeighborY="-3350">
+        <dgm:presLayoutVars>
+          <dgm:bulletEnabled val="1"/>
+        </dgm:presLayoutVars>
+      </dgm:prSet>
+      <dgm:spPr/>
+    </dgm:pt>
+    <dgm:pt modelId="{1C322E0B-21D5-4A9A-A31C-74D3BA9FC51B}" type="pres">
+      <dgm:prSet presAssocID="{6DD62F4F-A51D-427E-B7E4-1314CA5AA8FE}" presName="sp" presStyleCnt="0"/>
+      <dgm:spPr/>
+    </dgm:pt>
+    <dgm:pt modelId="{21339960-1530-4E2A-8E96-85541A701D47}" type="pres">
+      <dgm:prSet presAssocID="{8EDFDEF5-FB2C-426C-9934-8C2EF39B7A71}" presName="linNode" presStyleCnt="0"/>
+      <dgm:spPr/>
+    </dgm:pt>
+    <dgm:pt modelId="{91C80CFA-A214-46E4-886E-80039CCF3D8B}" type="pres">
+      <dgm:prSet presAssocID="{8EDFDEF5-FB2C-426C-9934-8C2EF39B7A71}" presName="parentText" presStyleLbl="node1" presStyleIdx="1" presStyleCnt="4" custScaleX="51462" custLinFactNeighborX="-4693" custLinFactNeighborY="746">
+        <dgm:presLayoutVars>
+          <dgm:chMax val="1"/>
+          <dgm:bulletEnabled val="1"/>
+        </dgm:presLayoutVars>
+      </dgm:prSet>
+      <dgm:spPr/>
+    </dgm:pt>
+    <dgm:pt modelId="{D3225E37-D354-4979-AF19-51A458A75D1D}" type="pres">
+      <dgm:prSet presAssocID="{8EDFDEF5-FB2C-426C-9934-8C2EF39B7A71}" presName="descendantText" presStyleLbl="alignAccFollowNode1" presStyleIdx="1" presStyleCnt="4" custScaleX="72900" custLinFactNeighborX="-10468" custLinFactNeighborY="-3350">
+        <dgm:presLayoutVars>
+          <dgm:bulletEnabled val="1"/>
+        </dgm:presLayoutVars>
+      </dgm:prSet>
+      <dgm:spPr/>
+    </dgm:pt>
+    <dgm:pt modelId="{88ABFE87-867B-4FD0-B9F1-B3C28EDC0C97}" type="pres">
+      <dgm:prSet presAssocID="{5A92E147-F176-4D75-A3B2-812C6C90EC67}" presName="sp" presStyleCnt="0"/>
+      <dgm:spPr/>
+    </dgm:pt>
+    <dgm:pt modelId="{A6DD4B0C-C2D6-4DF0-85F1-6056E78CBAF8}" type="pres">
+      <dgm:prSet presAssocID="{86C196DF-A588-4D9A-8C0A-A41D97E22C9A}" presName="linNode" presStyleCnt="0"/>
+      <dgm:spPr/>
+    </dgm:pt>
+    <dgm:pt modelId="{A29D472F-B252-4242-B3F4-026BECD2C075}" type="pres">
+      <dgm:prSet presAssocID="{86C196DF-A588-4D9A-8C0A-A41D97E22C9A}" presName="parentText" presStyleLbl="node1" presStyleIdx="2" presStyleCnt="4" custScaleX="51462" custLinFactNeighborX="-4693" custLinFactNeighborY="746">
+        <dgm:presLayoutVars>
+          <dgm:chMax val="1"/>
+          <dgm:bulletEnabled val="1"/>
+        </dgm:presLayoutVars>
+      </dgm:prSet>
+      <dgm:spPr/>
+    </dgm:pt>
+    <dgm:pt modelId="{A89B64DE-6829-430C-AA93-AD3657840437}" type="pres">
+      <dgm:prSet presAssocID="{86C196DF-A588-4D9A-8C0A-A41D97E22C9A}" presName="descendantText" presStyleLbl="alignAccFollowNode1" presStyleIdx="2" presStyleCnt="4" custScaleX="72900" custLinFactNeighborX="-10468" custLinFactNeighborY="-3350">
+        <dgm:presLayoutVars>
+          <dgm:bulletEnabled val="1"/>
+        </dgm:presLayoutVars>
+      </dgm:prSet>
+      <dgm:spPr/>
+    </dgm:pt>
+    <dgm:pt modelId="{5B975C79-5CCD-4A45-925A-DC9FE71B8925}" type="pres">
+      <dgm:prSet presAssocID="{01F38265-FA57-4566-AA01-1411F8760A57}" presName="sp" presStyleCnt="0"/>
+      <dgm:spPr/>
+    </dgm:pt>
+    <dgm:pt modelId="{402F2CDC-6933-4F75-8856-42E6CA680E86}" type="pres">
+      <dgm:prSet presAssocID="{3782E0E7-5BE8-4106-9150-388EE1F8DDA9}" presName="linNode" presStyleCnt="0"/>
+      <dgm:spPr/>
+    </dgm:pt>
+    <dgm:pt modelId="{641C7B7C-533A-4986-984C-6AF3BB3AC7BC}" type="pres">
+      <dgm:prSet presAssocID="{3782E0E7-5BE8-4106-9150-388EE1F8DDA9}" presName="parentText" presStyleLbl="node1" presStyleIdx="3" presStyleCnt="4" custScaleX="51462" custLinFactNeighborX="-4693" custLinFactNeighborY="746">
+        <dgm:presLayoutVars>
+          <dgm:chMax val="1"/>
+          <dgm:bulletEnabled val="1"/>
+        </dgm:presLayoutVars>
+      </dgm:prSet>
+      <dgm:spPr/>
+    </dgm:pt>
+    <dgm:pt modelId="{E6B277B9-B1DD-4904-8201-368BB24C5ACF}" type="pres">
+      <dgm:prSet presAssocID="{3782E0E7-5BE8-4106-9150-388EE1F8DDA9}" presName="descendantText" presStyleLbl="alignAccFollowNode1" presStyleIdx="3" presStyleCnt="4" custScaleX="72900" custLinFactNeighborX="-10468" custLinFactNeighborY="-3350">
+        <dgm:presLayoutVars>
+          <dgm:bulletEnabled val="1"/>
+        </dgm:presLayoutVars>
+      </dgm:prSet>
+      <dgm:spPr/>
+    </dgm:pt>
+  </dgm:ptLst>
+  <dgm:cxnLst>
+    <dgm:cxn modelId="{FD07F200-C61D-455B-A1B8-A44B5493E44C}" type="presOf" srcId="{1B7FE585-6A07-4D7C-9D0B-94FA51B0F78D}" destId="{E6B277B9-B1DD-4904-8201-368BB24C5ACF}" srcOrd="0" destOrd="0" presId="urn:microsoft.com/office/officeart/2005/8/layout/vList5"/>
+    <dgm:cxn modelId="{9EF39505-CA70-48D6-8D99-ED438DFF526A}" type="presOf" srcId="{9840BE33-523F-47F8-9327-25615E923E74}" destId="{D3225E37-D354-4979-AF19-51A458A75D1D}" srcOrd="0" destOrd="1" presId="urn:microsoft.com/office/officeart/2005/8/layout/vList5"/>
+    <dgm:cxn modelId="{10DC8D0B-0043-4298-915E-C51B4809C2A7}" srcId="{86C196DF-A588-4D9A-8C0A-A41D97E22C9A}" destId="{D1D76D56-26A6-4EE2-97E3-3C5DF9768F57}" srcOrd="1" destOrd="0" parTransId="{6E4961D9-9D54-4BEB-8C1E-2877EF4B5377}" sibTransId="{9ED2F4B4-FA51-4031-B467-E7D1FCA8817F}"/>
+    <dgm:cxn modelId="{DD986D1F-661E-4A16-89E0-44A4FD987C2C}" type="presOf" srcId="{3B74D0F4-E30A-40AF-B4E1-84ED67AB0AB0}" destId="{A89B64DE-6829-430C-AA93-AD3657840437}" srcOrd="0" destOrd="0" presId="urn:microsoft.com/office/officeart/2005/8/layout/vList5"/>
+    <dgm:cxn modelId="{F869DA31-E22D-4852-B6AB-52D8A6B9F888}" srcId="{1D4A73F2-B30F-47A1-93E0-31B8DD3927D9}" destId="{8EDFDEF5-FB2C-426C-9934-8C2EF39B7A71}" srcOrd="1" destOrd="0" parTransId="{F200CD57-73D8-4FF6-8B07-4AC9381B603A}" sibTransId="{5A92E147-F176-4D75-A3B2-812C6C90EC67}"/>
+    <dgm:cxn modelId="{B9CFC93A-04BC-4F40-B4F0-45430001FA62}" srcId="{3782E0E7-5BE8-4106-9150-388EE1F8DDA9}" destId="{235774CC-28E6-4ACE-BBF6-56BB365FA042}" srcOrd="1" destOrd="0" parTransId="{EC17EDFE-21D4-4892-822F-005F5674B811}" sibTransId="{5DC12019-1807-4FB6-9D85-9A43D88F2B58}"/>
+    <dgm:cxn modelId="{5A23C13E-540E-4951-AF5D-B41AD322F8F7}" srcId="{1D4A73F2-B30F-47A1-93E0-31B8DD3927D9}" destId="{3782E0E7-5BE8-4106-9150-388EE1F8DDA9}" srcOrd="3" destOrd="0" parTransId="{64C45ECD-E8B2-4587-9DE8-610BFD380F51}" sibTransId="{121A56DA-2B2C-4986-90AC-7078881BC82A}"/>
+    <dgm:cxn modelId="{5DFD565F-F410-4E34-88BD-CD4A00C7D1E2}" srcId="{DB227847-405A-4AE6-8561-6C08057DA27C}" destId="{951E409F-00E7-4642-B8A7-784F0EE8B707}" srcOrd="0" destOrd="0" parTransId="{23141C36-8285-46C9-9EB1-9D55D32CB2F2}" sibTransId="{4B841407-4996-4834-B45C-6C6E638E0865}"/>
+    <dgm:cxn modelId="{49135B61-D335-4FA7-AEB3-CF5A770C7DFF}" type="presOf" srcId="{951E409F-00E7-4642-B8A7-784F0EE8B707}" destId="{F5CF0FA9-770F-419C-AD21-EE62A8B0D56E}" srcOrd="0" destOrd="0" presId="urn:microsoft.com/office/officeart/2005/8/layout/vList5"/>
+    <dgm:cxn modelId="{EAFBD563-F8FA-4C1E-84B7-6C4A7C431277}" type="presOf" srcId="{1D4A73F2-B30F-47A1-93E0-31B8DD3927D9}" destId="{00764FAF-D9A6-4CE4-A920-D7BB873F170B}" srcOrd="0" destOrd="0" presId="urn:microsoft.com/office/officeart/2005/8/layout/vList5"/>
+    <dgm:cxn modelId="{71473966-7482-498E-9435-E7FCCC7BA5C6}" type="presOf" srcId="{CBA01024-12B5-4AF0-AA59-F137CD97041D}" destId="{F5CF0FA9-770F-419C-AD21-EE62A8B0D56E}" srcOrd="0" destOrd="1" presId="urn:microsoft.com/office/officeart/2005/8/layout/vList5"/>
+    <dgm:cxn modelId="{9F7DFE66-1F40-4854-853D-F81B5DB1ED15}" srcId="{3782E0E7-5BE8-4106-9150-388EE1F8DDA9}" destId="{1B7FE585-6A07-4D7C-9D0B-94FA51B0F78D}" srcOrd="0" destOrd="0" parTransId="{27093759-58CD-4CA5-8897-C5FB20736931}" sibTransId="{016DA68B-B82A-4D18-9F1E-B09E742E7F6E}"/>
+    <dgm:cxn modelId="{D6C00955-A1D9-4B86-AD24-DFDB3B15FB9A}" srcId="{1D4A73F2-B30F-47A1-93E0-31B8DD3927D9}" destId="{86C196DF-A588-4D9A-8C0A-A41D97E22C9A}" srcOrd="2" destOrd="0" parTransId="{DCAF778E-AA1C-458A-A55F-E3B5C1FC90DE}" sibTransId="{01F38265-FA57-4566-AA01-1411F8760A57}"/>
+    <dgm:cxn modelId="{AB955555-7B72-4216-9A8F-92BF43A36F46}" type="presOf" srcId="{D1D76D56-26A6-4EE2-97E3-3C5DF9768F57}" destId="{A89B64DE-6829-430C-AA93-AD3657840437}" srcOrd="0" destOrd="1" presId="urn:microsoft.com/office/officeart/2005/8/layout/vList5"/>
+    <dgm:cxn modelId="{8FD98A55-0F42-4527-BA3C-863EA77934EE}" srcId="{DB227847-405A-4AE6-8561-6C08057DA27C}" destId="{CBA01024-12B5-4AF0-AA59-F137CD97041D}" srcOrd="1" destOrd="0" parTransId="{2CC50740-A254-4BEC-84BE-DF1CF0439B5E}" sibTransId="{369CF186-975C-49C8-8B9B-E01588661F67}"/>
+    <dgm:cxn modelId="{FA5F8E7C-DF59-4634-9473-6B22E39AC2D1}" srcId="{86C196DF-A588-4D9A-8C0A-A41D97E22C9A}" destId="{3B74D0F4-E30A-40AF-B4E1-84ED67AB0AB0}" srcOrd="0" destOrd="0" parTransId="{B302B695-80F2-49ED-9455-642DFBF1693F}" sibTransId="{DE540C5C-544F-4265-98D7-C2F03807228B}"/>
+    <dgm:cxn modelId="{CCA89985-E344-443B-9652-3C6BA9CFB65B}" type="presOf" srcId="{023DC00F-A646-434F-8B45-2C78EEB81F28}" destId="{D3225E37-D354-4979-AF19-51A458A75D1D}" srcOrd="0" destOrd="0" presId="urn:microsoft.com/office/officeart/2005/8/layout/vList5"/>
+    <dgm:cxn modelId="{8CF7048B-D00C-45CB-B8AB-5CFE31428651}" type="presOf" srcId="{8EDFDEF5-FB2C-426C-9934-8C2EF39B7A71}" destId="{91C80CFA-A214-46E4-886E-80039CCF3D8B}" srcOrd="0" destOrd="0" presId="urn:microsoft.com/office/officeart/2005/8/layout/vList5"/>
+    <dgm:cxn modelId="{774824A1-4FFB-4DB2-8D02-226CB32C5C44}" type="presOf" srcId="{235774CC-28E6-4ACE-BBF6-56BB365FA042}" destId="{E6B277B9-B1DD-4904-8201-368BB24C5ACF}" srcOrd="0" destOrd="1" presId="urn:microsoft.com/office/officeart/2005/8/layout/vList5"/>
+    <dgm:cxn modelId="{BDD6DEB2-190E-49D1-9AED-5F05B5F0A384}" srcId="{8EDFDEF5-FB2C-426C-9934-8C2EF39B7A71}" destId="{9840BE33-523F-47F8-9327-25615E923E74}" srcOrd="1" destOrd="0" parTransId="{74EBEA46-B37C-48D9-9C13-01EA5E6BBDA1}" sibTransId="{9B295DE7-BFFF-4972-90BA-66DB6CBA7A33}"/>
+    <dgm:cxn modelId="{A38249B3-239F-4EE3-89FF-CCBD7408A4D6}" type="presOf" srcId="{86C196DF-A588-4D9A-8C0A-A41D97E22C9A}" destId="{A29D472F-B252-4242-B3F4-026BECD2C075}" srcOrd="0" destOrd="0" presId="urn:microsoft.com/office/officeart/2005/8/layout/vList5"/>
+    <dgm:cxn modelId="{8BA9FEB6-B673-41A8-BAA4-0332F2A0D546}" type="presOf" srcId="{3782E0E7-5BE8-4106-9150-388EE1F8DDA9}" destId="{641C7B7C-533A-4986-984C-6AF3BB3AC7BC}" srcOrd="0" destOrd="0" presId="urn:microsoft.com/office/officeart/2005/8/layout/vList5"/>
+    <dgm:cxn modelId="{A77946C7-22EF-4D0E-9247-A8FA4398E717}" srcId="{8EDFDEF5-FB2C-426C-9934-8C2EF39B7A71}" destId="{023DC00F-A646-434F-8B45-2C78EEB81F28}" srcOrd="0" destOrd="0" parTransId="{0A841F17-BBF0-45C5-9452-E9982C0C7997}" sibTransId="{BC637E12-549F-4665-BA95-F4A4C484CA98}"/>
+    <dgm:cxn modelId="{6AAC54D1-953E-4762-B9E7-FFC69D218B13}" type="presOf" srcId="{DB227847-405A-4AE6-8561-6C08057DA27C}" destId="{A92F1038-24D3-421B-867E-3BE4D342BA43}" srcOrd="0" destOrd="0" presId="urn:microsoft.com/office/officeart/2005/8/layout/vList5"/>
+    <dgm:cxn modelId="{754F8DFB-86AB-469A-87A3-64306BC25D8A}" srcId="{1D4A73F2-B30F-47A1-93E0-31B8DD3927D9}" destId="{DB227847-405A-4AE6-8561-6C08057DA27C}" srcOrd="0" destOrd="0" parTransId="{A56896ED-39D1-4B51-8279-338490392542}" sibTransId="{6DD62F4F-A51D-427E-B7E4-1314CA5AA8FE}"/>
+    <dgm:cxn modelId="{43EADD37-C993-4AEE-AFC3-100906B407E0}" type="presParOf" srcId="{00764FAF-D9A6-4CE4-A920-D7BB873F170B}" destId="{61E93ABD-E3B6-4B3D-998E-B22EE794ADBD}" srcOrd="0" destOrd="0" presId="urn:microsoft.com/office/officeart/2005/8/layout/vList5"/>
+    <dgm:cxn modelId="{85904C07-4946-481B-8D2C-8A1BACF76C42}" type="presParOf" srcId="{61E93ABD-E3B6-4B3D-998E-B22EE794ADBD}" destId="{A92F1038-24D3-421B-867E-3BE4D342BA43}" srcOrd="0" destOrd="0" presId="urn:microsoft.com/office/officeart/2005/8/layout/vList5"/>
+    <dgm:cxn modelId="{0C8D5C9D-774D-4271-BB20-1D72CB6642E3}" type="presParOf" srcId="{61E93ABD-E3B6-4B3D-998E-B22EE794ADBD}" destId="{F5CF0FA9-770F-419C-AD21-EE62A8B0D56E}" srcOrd="1" destOrd="0" presId="urn:microsoft.com/office/officeart/2005/8/layout/vList5"/>
+    <dgm:cxn modelId="{6907C56D-AA81-452C-B536-AAED4117C984}" type="presParOf" srcId="{00764FAF-D9A6-4CE4-A920-D7BB873F170B}" destId="{1C322E0B-21D5-4A9A-A31C-74D3BA9FC51B}" srcOrd="1" destOrd="0" presId="urn:microsoft.com/office/officeart/2005/8/layout/vList5"/>
+    <dgm:cxn modelId="{E603EF36-5381-4D6C-AA26-2FFB53346DD4}" type="presParOf" srcId="{00764FAF-D9A6-4CE4-A920-D7BB873F170B}" destId="{21339960-1530-4E2A-8E96-85541A701D47}" srcOrd="2" destOrd="0" presId="urn:microsoft.com/office/officeart/2005/8/layout/vList5"/>
+    <dgm:cxn modelId="{D34D1A07-46F6-4B52-AE5F-AD7C0FE3B2AE}" type="presParOf" srcId="{21339960-1530-4E2A-8E96-85541A701D47}" destId="{91C80CFA-A214-46E4-886E-80039CCF3D8B}" srcOrd="0" destOrd="0" presId="urn:microsoft.com/office/officeart/2005/8/layout/vList5"/>
+    <dgm:cxn modelId="{619D14D7-5AC4-4CD0-A5B6-EF095E2581FA}" type="presParOf" srcId="{21339960-1530-4E2A-8E96-85541A701D47}" destId="{D3225E37-D354-4979-AF19-51A458A75D1D}" srcOrd="1" destOrd="0" presId="urn:microsoft.com/office/officeart/2005/8/layout/vList5"/>
+    <dgm:cxn modelId="{FBCCB9B6-C2A2-4C82-918D-C54F74C385F1}" type="presParOf" srcId="{00764FAF-D9A6-4CE4-A920-D7BB873F170B}" destId="{88ABFE87-867B-4FD0-B9F1-B3C28EDC0C97}" srcOrd="3" destOrd="0" presId="urn:microsoft.com/office/officeart/2005/8/layout/vList5"/>
+    <dgm:cxn modelId="{82E3B569-074A-4D6B-AEBC-E73233B89591}" type="presParOf" srcId="{00764FAF-D9A6-4CE4-A920-D7BB873F170B}" destId="{A6DD4B0C-C2D6-4DF0-85F1-6056E78CBAF8}" srcOrd="4" destOrd="0" presId="urn:microsoft.com/office/officeart/2005/8/layout/vList5"/>
+    <dgm:cxn modelId="{925E8583-5347-489B-A4BF-952F247C71EF}" type="presParOf" srcId="{A6DD4B0C-C2D6-4DF0-85F1-6056E78CBAF8}" destId="{A29D472F-B252-4242-B3F4-026BECD2C075}" srcOrd="0" destOrd="0" presId="urn:microsoft.com/office/officeart/2005/8/layout/vList5"/>
+    <dgm:cxn modelId="{1817BACC-27A8-40A9-98D3-BBB57D451626}" type="presParOf" srcId="{A6DD4B0C-C2D6-4DF0-85F1-6056E78CBAF8}" destId="{A89B64DE-6829-430C-AA93-AD3657840437}" srcOrd="1" destOrd="0" presId="urn:microsoft.com/office/officeart/2005/8/layout/vList5"/>
+    <dgm:cxn modelId="{FD08494E-E9E5-43F9-8C5C-E45E99A9B233}" type="presParOf" srcId="{00764FAF-D9A6-4CE4-A920-D7BB873F170B}" destId="{5B975C79-5CCD-4A45-925A-DC9FE71B8925}" srcOrd="5" destOrd="0" presId="urn:microsoft.com/office/officeart/2005/8/layout/vList5"/>
+    <dgm:cxn modelId="{544588F0-DB75-4AF8-954B-C7D17340AB72}" type="presParOf" srcId="{00764FAF-D9A6-4CE4-A920-D7BB873F170B}" destId="{402F2CDC-6933-4F75-8856-42E6CA680E86}" srcOrd="6" destOrd="0" presId="urn:microsoft.com/office/officeart/2005/8/layout/vList5"/>
+    <dgm:cxn modelId="{228C7D0D-43EC-4DB2-A0DB-DA3E5D1A90FA}" type="presParOf" srcId="{402F2CDC-6933-4F75-8856-42E6CA680E86}" destId="{641C7B7C-533A-4986-984C-6AF3BB3AC7BC}" srcOrd="0" destOrd="0" presId="urn:microsoft.com/office/officeart/2005/8/layout/vList5"/>
+    <dgm:cxn modelId="{4B2859DE-333D-44E6-B629-0B4AAAA09200}" type="presParOf" srcId="{402F2CDC-6933-4F75-8856-42E6CA680E86}" destId="{E6B277B9-B1DD-4904-8201-368BB24C5ACF}" srcOrd="1" destOrd="0" presId="urn:microsoft.com/office/officeart/2005/8/layout/vList5"/>
+  </dgm:cxnLst>
+  <dgm:bg/>
+  <dgm:whole/>
+  <dgm:extLst>
+    <a:ext uri="http://schemas.microsoft.com/office/drawing/2008/diagram">
+      <dsp:dataModelExt xmlns:dsp="http://schemas.microsoft.com/office/drawing/2008/diagram" relId="rId7" minVer="http://schemas.openxmlformats.org/drawingml/2006/diagram"/>
     </a:ext>
   </dgm:extLst>
 </dgm:dataModel>
@@ -1844,6 +4565,1183 @@
 </dsp:drawing>
 </file>
 
+<file path=ppt/diagrams/drawing2.xml><?xml version="1.0" encoding="utf-8"?>
+<dsp:drawing xmlns:dgm="http://schemas.openxmlformats.org/drawingml/2006/diagram" xmlns:dsp="http://schemas.microsoft.com/office/drawing/2008/diagram" xmlns:a="http://schemas.openxmlformats.org/drawingml/2006/main">
+  <dsp:spTree>
+    <dsp:nvGrpSpPr>
+      <dsp:cNvPr id="0" name=""/>
+      <dsp:cNvGrpSpPr/>
+    </dsp:nvGrpSpPr>
+    <dsp:grpSpPr/>
+    <dsp:sp modelId="{F5CF0FA9-770F-419C-AD21-EE62A8B0D56E}">
+      <dsp:nvSpPr>
+        <dsp:cNvPr id="0" name=""/>
+        <dsp:cNvSpPr/>
+      </dsp:nvSpPr>
+      <dsp:spPr>
+        <a:xfrm rot="5400000">
+          <a:off x="5989748" y="-2791372"/>
+          <a:ext cx="1021147" cy="6794629"/>
+        </a:xfrm>
+        <a:prstGeom prst="round2SameRect">
+          <a:avLst/>
+        </a:prstGeom>
+        <a:noFill/>
+        <a:ln w="38100" cap="flat" cmpd="sng" algn="ctr">
+          <a:solidFill>
+            <a:schemeClr val="accent1">
+              <a:alpha val="90000"/>
+            </a:schemeClr>
+          </a:solidFill>
+          <a:prstDash val="solid"/>
+          <a:miter lim="800000"/>
+        </a:ln>
+        <a:effectLst/>
+      </dsp:spPr>
+      <dsp:style>
+        <a:lnRef idx="2">
+          <a:scrgbClr r="0" g="0" b="0"/>
+        </a:lnRef>
+        <a:fillRef idx="1">
+          <a:scrgbClr r="0" g="0" b="0"/>
+        </a:fillRef>
+        <a:effectRef idx="0">
+          <a:scrgbClr r="0" g="0" b="0"/>
+        </a:effectRef>
+        <a:fontRef idx="minor"/>
+      </dsp:style>
+      <dsp:txBody>
+        <a:bodyPr spcFirstLastPara="0" vert="horz" wrap="square" lIns="247650" tIns="123825" rIns="247650" bIns="123825" numCol="1" spcCol="1270" anchor="ctr" anchorCtr="0">
+          <a:noAutofit/>
+        </a:bodyPr>
+        <a:lstStyle/>
+        <a:p>
+          <a:pPr marL="171450" lvl="1" indent="-171450" algn="l" defTabSz="800100">
+            <a:lnSpc>
+              <a:spcPct val="90000"/>
+            </a:lnSpc>
+            <a:spcBef>
+              <a:spcPct val="0"/>
+            </a:spcBef>
+            <a:spcAft>
+              <a:spcPct val="15000"/>
+            </a:spcAft>
+            <a:buNone/>
+          </a:pPr>
+          <a:r>
+            <a:rPr lang="en-GB" sz="1800" b="1" kern="1200" dirty="0"/>
+            <a:t>Show how it is possible to use the new added information</a:t>
+          </a:r>
+          <a:endParaRPr lang="en-US" sz="1800" b="1" i="0" kern="1200" baseline="0" dirty="0">
+            <a:latin typeface="+mj-lt"/>
+          </a:endParaRPr>
+        </a:p>
+        <a:p>
+          <a:pPr marL="171450" lvl="1" indent="-171450" algn="l" defTabSz="800100">
+            <a:lnSpc>
+              <a:spcPct val="90000"/>
+            </a:lnSpc>
+            <a:spcBef>
+              <a:spcPct val="0"/>
+            </a:spcBef>
+            <a:spcAft>
+              <a:spcPct val="15000"/>
+            </a:spcAft>
+            <a:buNone/>
+          </a:pPr>
+          <a:r>
+            <a:rPr lang="en-GB" sz="1800" b="1" kern="1200" dirty="0"/>
+            <a:t>such as </a:t>
+          </a:r>
+          <a:r>
+            <a:rPr lang="en-GB" sz="1800" b="1" i="1" kern="1200" dirty="0"/>
+            <a:t>record label</a:t>
+          </a:r>
+          <a:r>
+            <a:rPr lang="en-GB" sz="1800" b="1" kern="1200" dirty="0"/>
+            <a:t> and </a:t>
+          </a:r>
+          <a:r>
+            <a:rPr lang="en-GB" sz="1800" b="1" i="1" kern="1200" dirty="0"/>
+            <a:t>instruments</a:t>
+          </a:r>
+          <a:endParaRPr lang="en-US" sz="1800" b="1" i="0" kern="1200" baseline="0" dirty="0">
+            <a:latin typeface="+mj-lt"/>
+          </a:endParaRPr>
+        </a:p>
+      </dsp:txBody>
+      <dsp:txXfrm rot="-5400000">
+        <a:off x="3103007" y="145217"/>
+        <a:ext cx="6744781" cy="921451"/>
+      </dsp:txXfrm>
+    </dsp:sp>
+    <dsp:sp modelId="{A92F1038-24D3-421B-867E-3BE4D342BA43}">
+      <dsp:nvSpPr>
+        <dsp:cNvPr id="0" name=""/>
+        <dsp:cNvSpPr/>
+      </dsp:nvSpPr>
+      <dsp:spPr>
+        <a:xfrm>
+          <a:off x="14" y="11456"/>
+          <a:ext cx="3184205" cy="1276433"/>
+        </a:xfrm>
+        <a:prstGeom prst="roundRect">
+          <a:avLst/>
+        </a:prstGeom>
+        <a:solidFill>
+          <a:schemeClr val="accent1">
+            <a:hueOff val="0"/>
+            <a:satOff val="0"/>
+            <a:lumOff val="0"/>
+            <a:alphaOff val="0"/>
+          </a:schemeClr>
+        </a:solidFill>
+        <a:ln w="12700" cap="flat" cmpd="sng" algn="ctr">
+          <a:solidFill>
+            <a:schemeClr val="lt1">
+              <a:hueOff val="0"/>
+              <a:satOff val="0"/>
+              <a:lumOff val="0"/>
+              <a:alphaOff val="0"/>
+            </a:schemeClr>
+          </a:solidFill>
+          <a:prstDash val="solid"/>
+          <a:miter lim="800000"/>
+        </a:ln>
+        <a:effectLst/>
+      </dsp:spPr>
+      <dsp:style>
+        <a:lnRef idx="2">
+          <a:scrgbClr r="0" g="0" b="0"/>
+        </a:lnRef>
+        <a:fillRef idx="1">
+          <a:scrgbClr r="0" g="0" b="0"/>
+        </a:fillRef>
+        <a:effectRef idx="0">
+          <a:scrgbClr r="0" g="0" b="0"/>
+        </a:effectRef>
+        <a:fontRef idx="minor">
+          <a:schemeClr val="lt1"/>
+        </a:fontRef>
+      </dsp:style>
+      <dsp:txBody>
+        <a:bodyPr spcFirstLastPara="0" vert="horz" wrap="square" lIns="91440" tIns="45720" rIns="91440" bIns="45720" numCol="1" spcCol="1270" anchor="ctr" anchorCtr="0">
+          <a:noAutofit/>
+        </a:bodyPr>
+        <a:lstStyle/>
+        <a:p>
+          <a:pPr marL="0" lvl="0" indent="0" algn="ctr" defTabSz="1066800">
+            <a:lnSpc>
+              <a:spcPct val="90000"/>
+            </a:lnSpc>
+            <a:spcBef>
+              <a:spcPct val="0"/>
+            </a:spcBef>
+            <a:spcAft>
+              <a:spcPct val="35000"/>
+            </a:spcAft>
+            <a:buNone/>
+          </a:pPr>
+          <a:r>
+            <a:rPr lang="en-US" sz="2400" b="1" i="0" kern="1200" dirty="0">
+              <a:latin typeface="+mn-lt"/>
+            </a:rPr>
+            <a:t>Example Queries</a:t>
+          </a:r>
+        </a:p>
+      </dsp:txBody>
+      <dsp:txXfrm>
+        <a:off x="62324" y="73766"/>
+        <a:ext cx="3059585" cy="1151813"/>
+      </dsp:txXfrm>
+    </dsp:sp>
+    <dsp:sp modelId="{D3225E37-D354-4979-AF19-51A458A75D1D}">
+      <dsp:nvSpPr>
+        <dsp:cNvPr id="0" name=""/>
+        <dsp:cNvSpPr/>
+      </dsp:nvSpPr>
+      <dsp:spPr>
+        <a:xfrm rot="5400000">
+          <a:off x="5989748" y="-1451116"/>
+          <a:ext cx="1021147" cy="6794629"/>
+        </a:xfrm>
+        <a:prstGeom prst="round2SameRect">
+          <a:avLst/>
+        </a:prstGeom>
+        <a:noFill/>
+        <a:ln w="38100" cap="flat" cmpd="sng" algn="ctr">
+          <a:solidFill>
+            <a:schemeClr val="accent1">
+              <a:alpha val="90000"/>
+            </a:schemeClr>
+          </a:solidFill>
+          <a:prstDash val="solid"/>
+          <a:miter lim="800000"/>
+        </a:ln>
+        <a:effectLst/>
+      </dsp:spPr>
+      <dsp:style>
+        <a:lnRef idx="2">
+          <a:scrgbClr r="0" g="0" b="0"/>
+        </a:lnRef>
+        <a:fillRef idx="1">
+          <a:scrgbClr r="0" g="0" b="0"/>
+        </a:fillRef>
+        <a:effectRef idx="0">
+          <a:scrgbClr r="0" g="0" b="0"/>
+        </a:effectRef>
+        <a:fontRef idx="minor"/>
+      </dsp:style>
+      <dsp:txBody>
+        <a:bodyPr spcFirstLastPara="0" vert="horz" wrap="square" lIns="247650" tIns="123825" rIns="247650" bIns="123825" numCol="1" spcCol="1270" anchor="ctr" anchorCtr="0">
+          <a:noAutofit/>
+        </a:bodyPr>
+        <a:lstStyle/>
+        <a:p>
+          <a:pPr marL="171450" lvl="1" indent="-171450" algn="l" defTabSz="800100">
+            <a:lnSpc>
+              <a:spcPct val="90000"/>
+            </a:lnSpc>
+            <a:spcBef>
+              <a:spcPct val="0"/>
+            </a:spcBef>
+            <a:spcAft>
+              <a:spcPct val="15000"/>
+            </a:spcAft>
+            <a:buNone/>
+          </a:pPr>
+          <a:r>
+            <a:rPr lang="en-GB" sz="1800" b="1" kern="1200" dirty="0"/>
+            <a:t>Study Italian tracks and artists present in the TOP 100 Italy</a:t>
+          </a:r>
+        </a:p>
+      </dsp:txBody>
+      <dsp:txXfrm rot="-5400000">
+        <a:off x="3103007" y="1485473"/>
+        <a:ext cx="6744781" cy="921451"/>
+      </dsp:txXfrm>
+    </dsp:sp>
+    <dsp:sp modelId="{91C80CFA-A214-46E4-886E-80039CCF3D8B}">
+      <dsp:nvSpPr>
+        <dsp:cNvPr id="0" name=""/>
+        <dsp:cNvSpPr/>
+      </dsp:nvSpPr>
+      <dsp:spPr>
+        <a:xfrm>
+          <a:off x="14" y="1351711"/>
+          <a:ext cx="3184205" cy="1276433"/>
+        </a:xfrm>
+        <a:prstGeom prst="roundRect">
+          <a:avLst/>
+        </a:prstGeom>
+        <a:solidFill>
+          <a:schemeClr val="accent1">
+            <a:hueOff val="0"/>
+            <a:satOff val="0"/>
+            <a:lumOff val="0"/>
+            <a:alphaOff val="0"/>
+          </a:schemeClr>
+        </a:solidFill>
+        <a:ln w="12700" cap="flat" cmpd="sng" algn="ctr">
+          <a:solidFill>
+            <a:schemeClr val="lt1">
+              <a:hueOff val="0"/>
+              <a:satOff val="0"/>
+              <a:lumOff val="0"/>
+              <a:alphaOff val="0"/>
+            </a:schemeClr>
+          </a:solidFill>
+          <a:prstDash val="solid"/>
+          <a:miter lim="800000"/>
+        </a:ln>
+        <a:effectLst/>
+      </dsp:spPr>
+      <dsp:style>
+        <a:lnRef idx="2">
+          <a:scrgbClr r="0" g="0" b="0"/>
+        </a:lnRef>
+        <a:fillRef idx="1">
+          <a:scrgbClr r="0" g="0" b="0"/>
+        </a:fillRef>
+        <a:effectRef idx="0">
+          <a:scrgbClr r="0" g="0" b="0"/>
+        </a:effectRef>
+        <a:fontRef idx="minor">
+          <a:schemeClr val="lt1"/>
+        </a:fontRef>
+      </dsp:style>
+      <dsp:txBody>
+        <a:bodyPr spcFirstLastPara="0" vert="horz" wrap="square" lIns="91440" tIns="45720" rIns="91440" bIns="45720" numCol="1" spcCol="1270" anchor="ctr" anchorCtr="0">
+          <a:noAutofit/>
+        </a:bodyPr>
+        <a:lstStyle/>
+        <a:p>
+          <a:pPr marL="0" lvl="0" indent="0" algn="ctr" defTabSz="1066800">
+            <a:lnSpc>
+              <a:spcPct val="90000"/>
+            </a:lnSpc>
+            <a:spcBef>
+              <a:spcPct val="0"/>
+            </a:spcBef>
+            <a:spcAft>
+              <a:spcPct val="35000"/>
+            </a:spcAft>
+            <a:buNone/>
+          </a:pPr>
+          <a:r>
+            <a:rPr lang="en-US" sz="2400" b="1" i="0" kern="1200" dirty="0">
+              <a:latin typeface="+mn-lt"/>
+            </a:rPr>
+            <a:t>Italian Tracks and Italian Artists</a:t>
+          </a:r>
+        </a:p>
+      </dsp:txBody>
+      <dsp:txXfrm>
+        <a:off x="62324" y="1414021"/>
+        <a:ext cx="3059585" cy="1151813"/>
+      </dsp:txXfrm>
+    </dsp:sp>
+    <dsp:sp modelId="{A89B64DE-6829-430C-AA93-AD3657840437}">
+      <dsp:nvSpPr>
+        <dsp:cNvPr id="0" name=""/>
+        <dsp:cNvSpPr/>
+      </dsp:nvSpPr>
+      <dsp:spPr>
+        <a:xfrm rot="5400000">
+          <a:off x="5989748" y="-110861"/>
+          <a:ext cx="1021147" cy="6794629"/>
+        </a:xfrm>
+        <a:prstGeom prst="round2SameRect">
+          <a:avLst/>
+        </a:prstGeom>
+        <a:noFill/>
+        <a:ln w="38100" cap="flat" cmpd="sng" algn="ctr">
+          <a:solidFill>
+            <a:schemeClr val="accent1">
+              <a:alpha val="90000"/>
+            </a:schemeClr>
+          </a:solidFill>
+          <a:prstDash val="solid"/>
+          <a:miter lim="800000"/>
+        </a:ln>
+        <a:effectLst/>
+      </dsp:spPr>
+      <dsp:style>
+        <a:lnRef idx="2">
+          <a:scrgbClr r="0" g="0" b="0"/>
+        </a:lnRef>
+        <a:fillRef idx="1">
+          <a:scrgbClr r="0" g="0" b="0"/>
+        </a:fillRef>
+        <a:effectRef idx="0">
+          <a:scrgbClr r="0" g="0" b="0"/>
+        </a:effectRef>
+        <a:fontRef idx="minor"/>
+      </dsp:style>
+      <dsp:txBody>
+        <a:bodyPr spcFirstLastPara="0" vert="horz" wrap="square" lIns="247650" tIns="123825" rIns="247650" bIns="123825" numCol="1" spcCol="1270" anchor="ctr" anchorCtr="0">
+          <a:noAutofit/>
+        </a:bodyPr>
+        <a:lstStyle/>
+        <a:p>
+          <a:pPr marL="171450" lvl="1" indent="-171450" algn="l" defTabSz="800100">
+            <a:lnSpc>
+              <a:spcPct val="90000"/>
+            </a:lnSpc>
+            <a:spcBef>
+              <a:spcPct val="0"/>
+            </a:spcBef>
+            <a:spcAft>
+              <a:spcPct val="15000"/>
+            </a:spcAft>
+            <a:buNone/>
+          </a:pPr>
+          <a:r>
+            <a:rPr lang="en-GB" sz="1800" b="1" kern="1200" dirty="0"/>
+            <a:t>Discover if Italian tracks are listened also outside Italy</a:t>
+          </a:r>
+        </a:p>
+      </dsp:txBody>
+      <dsp:txXfrm rot="-5400000">
+        <a:off x="3103007" y="2825728"/>
+        <a:ext cx="6744781" cy="921451"/>
+      </dsp:txXfrm>
+    </dsp:sp>
+    <dsp:sp modelId="{A29D472F-B252-4242-B3F4-026BECD2C075}">
+      <dsp:nvSpPr>
+        <dsp:cNvPr id="0" name=""/>
+        <dsp:cNvSpPr/>
+      </dsp:nvSpPr>
+      <dsp:spPr>
+        <a:xfrm>
+          <a:off x="14" y="2684379"/>
+          <a:ext cx="3184205" cy="1276433"/>
+        </a:xfrm>
+        <a:prstGeom prst="roundRect">
+          <a:avLst/>
+        </a:prstGeom>
+        <a:solidFill>
+          <a:schemeClr val="accent1">
+            <a:hueOff val="0"/>
+            <a:satOff val="0"/>
+            <a:lumOff val="0"/>
+            <a:alphaOff val="0"/>
+          </a:schemeClr>
+        </a:solidFill>
+        <a:ln w="12700" cap="flat" cmpd="sng" algn="ctr">
+          <a:solidFill>
+            <a:schemeClr val="lt1">
+              <a:hueOff val="0"/>
+              <a:satOff val="0"/>
+              <a:lumOff val="0"/>
+              <a:alphaOff val="0"/>
+            </a:schemeClr>
+          </a:solidFill>
+          <a:prstDash val="solid"/>
+          <a:miter lim="800000"/>
+        </a:ln>
+        <a:effectLst/>
+      </dsp:spPr>
+      <dsp:style>
+        <a:lnRef idx="2">
+          <a:scrgbClr r="0" g="0" b="0"/>
+        </a:lnRef>
+        <a:fillRef idx="1">
+          <a:scrgbClr r="0" g="0" b="0"/>
+        </a:fillRef>
+        <a:effectRef idx="0">
+          <a:scrgbClr r="0" g="0" b="0"/>
+        </a:effectRef>
+        <a:fontRef idx="minor">
+          <a:schemeClr val="lt1"/>
+        </a:fontRef>
+      </dsp:style>
+      <dsp:txBody>
+        <a:bodyPr spcFirstLastPara="0" vert="horz" wrap="square" lIns="91440" tIns="45720" rIns="91440" bIns="45720" numCol="1" spcCol="1270" anchor="ctr" anchorCtr="0">
+          <a:noAutofit/>
+        </a:bodyPr>
+        <a:lstStyle/>
+        <a:p>
+          <a:pPr marL="0" lvl="0" indent="0" algn="ctr" defTabSz="1066800">
+            <a:lnSpc>
+              <a:spcPct val="90000"/>
+            </a:lnSpc>
+            <a:spcBef>
+              <a:spcPct val="0"/>
+            </a:spcBef>
+            <a:spcAft>
+              <a:spcPct val="35000"/>
+            </a:spcAft>
+            <a:buNone/>
+          </a:pPr>
+          <a:r>
+            <a:rPr lang="it-IT" sz="2400" b="1" kern="1200" dirty="0">
+              <a:latin typeface="+mn-lt"/>
+            </a:rPr>
+            <a:t>Italian Music Abroad</a:t>
+          </a:r>
+          <a:endParaRPr lang="en-GB" sz="2400" b="1" kern="1200" dirty="0">
+            <a:latin typeface="+mn-lt"/>
+          </a:endParaRPr>
+        </a:p>
+      </dsp:txBody>
+      <dsp:txXfrm>
+        <a:off x="62324" y="2746689"/>
+        <a:ext cx="3059585" cy="1151813"/>
+      </dsp:txXfrm>
+    </dsp:sp>
+  </dsp:spTree>
+</dsp:drawing>
+</file>
+
+<file path=ppt/diagrams/drawing3.xml><?xml version="1.0" encoding="utf-8"?>
+<dsp:drawing xmlns:dgm="http://schemas.openxmlformats.org/drawingml/2006/diagram" xmlns:dsp="http://schemas.microsoft.com/office/drawing/2008/diagram" xmlns:a="http://schemas.openxmlformats.org/drawingml/2006/main">
+  <dsp:spTree>
+    <dsp:nvGrpSpPr>
+      <dsp:cNvPr id="0" name=""/>
+      <dsp:cNvGrpSpPr/>
+    </dsp:nvGrpSpPr>
+    <dsp:grpSpPr/>
+    <dsp:sp modelId="{F5CF0FA9-770F-419C-AD21-EE62A8B0D56E}">
+      <dsp:nvSpPr>
+        <dsp:cNvPr id="0" name=""/>
+        <dsp:cNvSpPr/>
+      </dsp:nvSpPr>
+      <dsp:spPr>
+        <a:xfrm rot="5400000">
+          <a:off x="2518138" y="-784132"/>
+          <a:ext cx="714748" cy="2417527"/>
+        </a:xfrm>
+        <a:prstGeom prst="round2SameRect">
+          <a:avLst/>
+        </a:prstGeom>
+        <a:noFill/>
+        <a:ln w="38100" cap="flat" cmpd="sng" algn="ctr">
+          <a:solidFill>
+            <a:schemeClr val="accent1">
+              <a:alpha val="90000"/>
+            </a:schemeClr>
+          </a:solidFill>
+          <a:prstDash val="solid"/>
+          <a:miter lim="800000"/>
+        </a:ln>
+        <a:effectLst/>
+      </dsp:spPr>
+      <dsp:style>
+        <a:lnRef idx="2">
+          <a:scrgbClr r="0" g="0" b="0"/>
+        </a:lnRef>
+        <a:fillRef idx="1">
+          <a:scrgbClr r="0" g="0" b="0"/>
+        </a:fillRef>
+        <a:effectRef idx="0">
+          <a:scrgbClr r="0" g="0" b="0"/>
+        </a:effectRef>
+        <a:fontRef idx="minor"/>
+      </dsp:style>
+      <dsp:txBody>
+        <a:bodyPr spcFirstLastPara="0" vert="horz" wrap="square" lIns="247650" tIns="123825" rIns="247650" bIns="123825" numCol="1" spcCol="1270" anchor="ctr" anchorCtr="0">
+          <a:noAutofit/>
+        </a:bodyPr>
+        <a:lstStyle/>
+        <a:p>
+          <a:pPr marL="171450" lvl="1" indent="-171450" algn="l" defTabSz="711200">
+            <a:lnSpc>
+              <a:spcPct val="90000"/>
+            </a:lnSpc>
+            <a:spcBef>
+              <a:spcPct val="0"/>
+            </a:spcBef>
+            <a:spcAft>
+              <a:spcPct val="15000"/>
+            </a:spcAft>
+            <a:buNone/>
+          </a:pPr>
+          <a:r>
+            <a:rPr lang="en-GB" sz="1600" b="1" i="1" kern="1200" dirty="0" err="1"/>
+            <a:t>Guè</a:t>
+          </a:r>
+          <a:endParaRPr lang="en-US" sz="1600" b="1" i="1" kern="1200" baseline="0" dirty="0">
+            <a:latin typeface="+mj-lt"/>
+          </a:endParaRPr>
+        </a:p>
+        <a:p>
+          <a:pPr marL="171450" lvl="1" indent="-171450" algn="l" defTabSz="711200">
+            <a:lnSpc>
+              <a:spcPct val="90000"/>
+            </a:lnSpc>
+            <a:spcBef>
+              <a:spcPct val="0"/>
+            </a:spcBef>
+            <a:spcAft>
+              <a:spcPct val="15000"/>
+            </a:spcAft>
+            <a:buNone/>
+          </a:pPr>
+          <a:r>
+            <a:rPr lang="en-US" sz="1600" b="1" i="0" kern="1200" baseline="0" dirty="0">
+              <a:latin typeface="+mj-lt"/>
+            </a:rPr>
+            <a:t>20 Tracks</a:t>
+          </a:r>
+        </a:p>
+      </dsp:txBody>
+      <dsp:txXfrm rot="-5400000">
+        <a:off x="1666749" y="102148"/>
+        <a:ext cx="2382636" cy="644966"/>
+      </dsp:txXfrm>
+    </dsp:sp>
+    <dsp:sp modelId="{A92F1038-24D3-421B-867E-3BE4D342BA43}">
+      <dsp:nvSpPr>
+        <dsp:cNvPr id="0" name=""/>
+        <dsp:cNvSpPr/>
+      </dsp:nvSpPr>
+      <dsp:spPr>
+        <a:xfrm>
+          <a:off x="746426" y="8522"/>
+          <a:ext cx="959959" cy="893435"/>
+        </a:xfrm>
+        <a:prstGeom prst="roundRect">
+          <a:avLst/>
+        </a:prstGeom>
+        <a:solidFill>
+          <a:schemeClr val="accent1">
+            <a:hueOff val="0"/>
+            <a:satOff val="0"/>
+            <a:lumOff val="0"/>
+            <a:alphaOff val="0"/>
+          </a:schemeClr>
+        </a:solidFill>
+        <a:ln w="12700" cap="flat" cmpd="sng" algn="ctr">
+          <a:solidFill>
+            <a:schemeClr val="lt1">
+              <a:hueOff val="0"/>
+              <a:satOff val="0"/>
+              <a:lumOff val="0"/>
+              <a:alphaOff val="0"/>
+            </a:schemeClr>
+          </a:solidFill>
+          <a:prstDash val="solid"/>
+          <a:miter lim="800000"/>
+        </a:ln>
+        <a:effectLst/>
+      </dsp:spPr>
+      <dsp:style>
+        <a:lnRef idx="2">
+          <a:scrgbClr r="0" g="0" b="0"/>
+        </a:lnRef>
+        <a:fillRef idx="1">
+          <a:scrgbClr r="0" g="0" b="0"/>
+        </a:fillRef>
+        <a:effectRef idx="0">
+          <a:scrgbClr r="0" g="0" b="0"/>
+        </a:effectRef>
+        <a:fontRef idx="minor">
+          <a:schemeClr val="lt1"/>
+        </a:fontRef>
+      </dsp:style>
+      <dsp:txBody>
+        <a:bodyPr spcFirstLastPara="0" vert="horz" wrap="square" lIns="91440" tIns="45720" rIns="91440" bIns="45720" numCol="1" spcCol="1270" anchor="ctr" anchorCtr="0">
+          <a:noAutofit/>
+        </a:bodyPr>
+        <a:lstStyle/>
+        <a:p>
+          <a:pPr marL="0" lvl="0" indent="0" algn="ctr" defTabSz="1066800">
+            <a:lnSpc>
+              <a:spcPct val="90000"/>
+            </a:lnSpc>
+            <a:spcBef>
+              <a:spcPct val="0"/>
+            </a:spcBef>
+            <a:spcAft>
+              <a:spcPct val="35000"/>
+            </a:spcAft>
+            <a:buNone/>
+          </a:pPr>
+          <a:r>
+            <a:rPr lang="en-US" sz="2400" b="1" i="0" kern="1200" dirty="0">
+              <a:latin typeface="+mn-lt"/>
+            </a:rPr>
+            <a:t>2017</a:t>
+          </a:r>
+        </a:p>
+      </dsp:txBody>
+      <dsp:txXfrm>
+        <a:off x="790040" y="52136"/>
+        <a:ext cx="872731" cy="806207"/>
+      </dsp:txXfrm>
+    </dsp:sp>
+    <dsp:sp modelId="{D3225E37-D354-4979-AF19-51A458A75D1D}">
+      <dsp:nvSpPr>
+        <dsp:cNvPr id="0" name=""/>
+        <dsp:cNvSpPr/>
+      </dsp:nvSpPr>
+      <dsp:spPr>
+        <a:xfrm rot="5400000">
+          <a:off x="2518138" y="153974"/>
+          <a:ext cx="714748" cy="2417527"/>
+        </a:xfrm>
+        <a:prstGeom prst="round2SameRect">
+          <a:avLst/>
+        </a:prstGeom>
+        <a:noFill/>
+        <a:ln w="38100" cap="flat" cmpd="sng" algn="ctr">
+          <a:solidFill>
+            <a:schemeClr val="accent1">
+              <a:alpha val="90000"/>
+            </a:schemeClr>
+          </a:solidFill>
+          <a:prstDash val="solid"/>
+          <a:miter lim="800000"/>
+        </a:ln>
+        <a:effectLst/>
+      </dsp:spPr>
+      <dsp:style>
+        <a:lnRef idx="2">
+          <a:scrgbClr r="0" g="0" b="0"/>
+        </a:lnRef>
+        <a:fillRef idx="1">
+          <a:scrgbClr r="0" g="0" b="0"/>
+        </a:fillRef>
+        <a:effectRef idx="0">
+          <a:scrgbClr r="0" g="0" b="0"/>
+        </a:effectRef>
+        <a:fontRef idx="minor"/>
+      </dsp:style>
+      <dsp:txBody>
+        <a:bodyPr spcFirstLastPara="0" vert="horz" wrap="square" lIns="247650" tIns="123825" rIns="247650" bIns="123825" numCol="1" spcCol="1270" anchor="ctr" anchorCtr="0">
+          <a:noAutofit/>
+        </a:bodyPr>
+        <a:lstStyle/>
+        <a:p>
+          <a:pPr marL="171450" lvl="1" indent="-171450" algn="l" defTabSz="711200">
+            <a:lnSpc>
+              <a:spcPct val="90000"/>
+            </a:lnSpc>
+            <a:spcBef>
+              <a:spcPct val="0"/>
+            </a:spcBef>
+            <a:spcAft>
+              <a:spcPct val="15000"/>
+            </a:spcAft>
+            <a:buNone/>
+          </a:pPr>
+          <a:r>
+            <a:rPr lang="en-GB" sz="1600" b="1" i="1" kern="1200" dirty="0" err="1"/>
+            <a:t>Gemitaiz</a:t>
+          </a:r>
+          <a:endParaRPr lang="en-GB" sz="1600" b="1" i="1" kern="1200" dirty="0"/>
+        </a:p>
+        <a:p>
+          <a:pPr marL="171450" lvl="1" indent="-171450" algn="l" defTabSz="711200">
+            <a:lnSpc>
+              <a:spcPct val="90000"/>
+            </a:lnSpc>
+            <a:spcBef>
+              <a:spcPct val="0"/>
+            </a:spcBef>
+            <a:spcAft>
+              <a:spcPct val="15000"/>
+            </a:spcAft>
+            <a:buNone/>
+          </a:pPr>
+          <a:r>
+            <a:rPr lang="it-IT" sz="1600" b="1" kern="1200" dirty="0"/>
+            <a:t>28 Tracks</a:t>
+          </a:r>
+          <a:endParaRPr lang="en-GB" sz="1600" b="1" kern="1200" dirty="0"/>
+        </a:p>
+      </dsp:txBody>
+      <dsp:txXfrm rot="-5400000">
+        <a:off x="1666749" y="1040255"/>
+        <a:ext cx="2382636" cy="644966"/>
+      </dsp:txXfrm>
+    </dsp:sp>
+    <dsp:sp modelId="{91C80CFA-A214-46E4-886E-80039CCF3D8B}">
+      <dsp:nvSpPr>
+        <dsp:cNvPr id="0" name=""/>
+        <dsp:cNvSpPr/>
+      </dsp:nvSpPr>
+      <dsp:spPr>
+        <a:xfrm>
+          <a:off x="746426" y="946629"/>
+          <a:ext cx="959959" cy="893435"/>
+        </a:xfrm>
+        <a:prstGeom prst="roundRect">
+          <a:avLst/>
+        </a:prstGeom>
+        <a:solidFill>
+          <a:schemeClr val="accent1">
+            <a:hueOff val="0"/>
+            <a:satOff val="0"/>
+            <a:lumOff val="0"/>
+            <a:alphaOff val="0"/>
+          </a:schemeClr>
+        </a:solidFill>
+        <a:ln w="12700" cap="flat" cmpd="sng" algn="ctr">
+          <a:solidFill>
+            <a:schemeClr val="lt1">
+              <a:hueOff val="0"/>
+              <a:satOff val="0"/>
+              <a:lumOff val="0"/>
+              <a:alphaOff val="0"/>
+            </a:schemeClr>
+          </a:solidFill>
+          <a:prstDash val="solid"/>
+          <a:miter lim="800000"/>
+        </a:ln>
+        <a:effectLst/>
+      </dsp:spPr>
+      <dsp:style>
+        <a:lnRef idx="2">
+          <a:scrgbClr r="0" g="0" b="0"/>
+        </a:lnRef>
+        <a:fillRef idx="1">
+          <a:scrgbClr r="0" g="0" b="0"/>
+        </a:fillRef>
+        <a:effectRef idx="0">
+          <a:scrgbClr r="0" g="0" b="0"/>
+        </a:effectRef>
+        <a:fontRef idx="minor">
+          <a:schemeClr val="lt1"/>
+        </a:fontRef>
+      </dsp:style>
+      <dsp:txBody>
+        <a:bodyPr spcFirstLastPara="0" vert="horz" wrap="square" lIns="91440" tIns="45720" rIns="91440" bIns="45720" numCol="1" spcCol="1270" anchor="ctr" anchorCtr="0">
+          <a:noAutofit/>
+        </a:bodyPr>
+        <a:lstStyle/>
+        <a:p>
+          <a:pPr marL="0" lvl="0" indent="0" algn="ctr" defTabSz="1066800">
+            <a:lnSpc>
+              <a:spcPct val="90000"/>
+            </a:lnSpc>
+            <a:spcBef>
+              <a:spcPct val="0"/>
+            </a:spcBef>
+            <a:spcAft>
+              <a:spcPct val="35000"/>
+            </a:spcAft>
+            <a:buNone/>
+          </a:pPr>
+          <a:r>
+            <a:rPr lang="en-US" sz="2400" b="1" i="0" kern="1200" dirty="0">
+              <a:latin typeface="+mn-lt"/>
+            </a:rPr>
+            <a:t>2018</a:t>
+          </a:r>
+        </a:p>
+      </dsp:txBody>
+      <dsp:txXfrm>
+        <a:off x="790040" y="990243"/>
+        <a:ext cx="872731" cy="806207"/>
+      </dsp:txXfrm>
+    </dsp:sp>
+    <dsp:sp modelId="{A89B64DE-6829-430C-AA93-AD3657840437}">
+      <dsp:nvSpPr>
+        <dsp:cNvPr id="0" name=""/>
+        <dsp:cNvSpPr/>
+      </dsp:nvSpPr>
+      <dsp:spPr>
+        <a:xfrm rot="5400000">
+          <a:off x="2518138" y="1092082"/>
+          <a:ext cx="714748" cy="2417527"/>
+        </a:xfrm>
+        <a:prstGeom prst="round2SameRect">
+          <a:avLst/>
+        </a:prstGeom>
+        <a:noFill/>
+        <a:ln w="38100" cap="flat" cmpd="sng" algn="ctr">
+          <a:solidFill>
+            <a:schemeClr val="accent1">
+              <a:alpha val="90000"/>
+            </a:schemeClr>
+          </a:solidFill>
+          <a:prstDash val="solid"/>
+          <a:miter lim="800000"/>
+        </a:ln>
+        <a:effectLst/>
+      </dsp:spPr>
+      <dsp:style>
+        <a:lnRef idx="2">
+          <a:scrgbClr r="0" g="0" b="0"/>
+        </a:lnRef>
+        <a:fillRef idx="1">
+          <a:scrgbClr r="0" g="0" b="0"/>
+        </a:fillRef>
+        <a:effectRef idx="0">
+          <a:scrgbClr r="0" g="0" b="0"/>
+        </a:effectRef>
+        <a:fontRef idx="minor"/>
+      </dsp:style>
+      <dsp:txBody>
+        <a:bodyPr spcFirstLastPara="0" vert="horz" wrap="square" lIns="247650" tIns="123825" rIns="247650" bIns="123825" numCol="1" spcCol="1270" anchor="ctr" anchorCtr="0">
+          <a:noAutofit/>
+        </a:bodyPr>
+        <a:lstStyle/>
+        <a:p>
+          <a:pPr marL="171450" lvl="1" indent="-171450" algn="l" defTabSz="711200">
+            <a:lnSpc>
+              <a:spcPct val="90000"/>
+            </a:lnSpc>
+            <a:spcBef>
+              <a:spcPct val="0"/>
+            </a:spcBef>
+            <a:spcAft>
+              <a:spcPct val="15000"/>
+            </a:spcAft>
+            <a:buNone/>
+          </a:pPr>
+          <a:r>
+            <a:rPr lang="en-GB" sz="1600" b="1" i="1" kern="1200" dirty="0" err="1"/>
+            <a:t>MadMan</a:t>
+          </a:r>
+          <a:endParaRPr lang="en-GB" sz="1600" b="1" i="1" kern="1200" dirty="0"/>
+        </a:p>
+        <a:p>
+          <a:pPr marL="171450" lvl="1" indent="-171450" algn="l" defTabSz="711200">
+            <a:lnSpc>
+              <a:spcPct val="90000"/>
+            </a:lnSpc>
+            <a:spcBef>
+              <a:spcPct val="0"/>
+            </a:spcBef>
+            <a:spcAft>
+              <a:spcPct val="15000"/>
+            </a:spcAft>
+            <a:buNone/>
+          </a:pPr>
+          <a:r>
+            <a:rPr lang="it-IT" sz="1600" b="1" kern="1200" dirty="0"/>
+            <a:t>30 Tracks</a:t>
+          </a:r>
+          <a:endParaRPr lang="en-GB" sz="1600" b="1" kern="1200" dirty="0"/>
+        </a:p>
+      </dsp:txBody>
+      <dsp:txXfrm rot="-5400000">
+        <a:off x="1666749" y="1978363"/>
+        <a:ext cx="2382636" cy="644966"/>
+      </dsp:txXfrm>
+    </dsp:sp>
+    <dsp:sp modelId="{A29D472F-B252-4242-B3F4-026BECD2C075}">
+      <dsp:nvSpPr>
+        <dsp:cNvPr id="0" name=""/>
+        <dsp:cNvSpPr/>
+      </dsp:nvSpPr>
+      <dsp:spPr>
+        <a:xfrm>
+          <a:off x="746426" y="1884737"/>
+          <a:ext cx="959959" cy="893435"/>
+        </a:xfrm>
+        <a:prstGeom prst="roundRect">
+          <a:avLst/>
+        </a:prstGeom>
+        <a:solidFill>
+          <a:schemeClr val="accent1">
+            <a:hueOff val="0"/>
+            <a:satOff val="0"/>
+            <a:lumOff val="0"/>
+            <a:alphaOff val="0"/>
+          </a:schemeClr>
+        </a:solidFill>
+        <a:ln w="12700" cap="flat" cmpd="sng" algn="ctr">
+          <a:solidFill>
+            <a:schemeClr val="lt1">
+              <a:hueOff val="0"/>
+              <a:satOff val="0"/>
+              <a:lumOff val="0"/>
+              <a:alphaOff val="0"/>
+            </a:schemeClr>
+          </a:solidFill>
+          <a:prstDash val="solid"/>
+          <a:miter lim="800000"/>
+        </a:ln>
+        <a:effectLst/>
+      </dsp:spPr>
+      <dsp:style>
+        <a:lnRef idx="2">
+          <a:scrgbClr r="0" g="0" b="0"/>
+        </a:lnRef>
+        <a:fillRef idx="1">
+          <a:scrgbClr r="0" g="0" b="0"/>
+        </a:fillRef>
+        <a:effectRef idx="0">
+          <a:scrgbClr r="0" g="0" b="0"/>
+        </a:effectRef>
+        <a:fontRef idx="minor">
+          <a:schemeClr val="lt1"/>
+        </a:fontRef>
+      </dsp:style>
+      <dsp:txBody>
+        <a:bodyPr spcFirstLastPara="0" vert="horz" wrap="square" lIns="91440" tIns="45720" rIns="91440" bIns="45720" numCol="1" spcCol="1270" anchor="ctr" anchorCtr="0">
+          <a:noAutofit/>
+        </a:bodyPr>
+        <a:lstStyle/>
+        <a:p>
+          <a:pPr marL="0" lvl="0" indent="0" algn="ctr" defTabSz="1066800">
+            <a:lnSpc>
+              <a:spcPct val="90000"/>
+            </a:lnSpc>
+            <a:spcBef>
+              <a:spcPct val="0"/>
+            </a:spcBef>
+            <a:spcAft>
+              <a:spcPct val="35000"/>
+            </a:spcAft>
+            <a:buNone/>
+          </a:pPr>
+          <a:r>
+            <a:rPr lang="it-IT" sz="2400" b="1" kern="1200" dirty="0">
+              <a:latin typeface="+mn-lt"/>
+            </a:rPr>
+            <a:t>2019</a:t>
+          </a:r>
+          <a:endParaRPr lang="en-GB" sz="2400" b="1" kern="1200" dirty="0">
+            <a:latin typeface="+mn-lt"/>
+          </a:endParaRPr>
+        </a:p>
+      </dsp:txBody>
+      <dsp:txXfrm>
+        <a:off x="790040" y="1928351"/>
+        <a:ext cx="872731" cy="806207"/>
+      </dsp:txXfrm>
+    </dsp:sp>
+    <dsp:sp modelId="{E6B277B9-B1DD-4904-8201-368BB24C5ACF}">
+      <dsp:nvSpPr>
+        <dsp:cNvPr id="0" name=""/>
+        <dsp:cNvSpPr/>
+      </dsp:nvSpPr>
+      <dsp:spPr>
+        <a:xfrm rot="5400000">
+          <a:off x="2518138" y="2030189"/>
+          <a:ext cx="714748" cy="2417527"/>
+        </a:xfrm>
+        <a:prstGeom prst="round2SameRect">
+          <a:avLst/>
+        </a:prstGeom>
+        <a:noFill/>
+        <a:ln w="38100" cap="flat" cmpd="sng" algn="ctr">
+          <a:solidFill>
+            <a:schemeClr val="accent1">
+              <a:alpha val="90000"/>
+            </a:schemeClr>
+          </a:solidFill>
+          <a:prstDash val="solid"/>
+          <a:miter lim="800000"/>
+        </a:ln>
+        <a:effectLst/>
+      </dsp:spPr>
+      <dsp:style>
+        <a:lnRef idx="2">
+          <a:scrgbClr r="0" g="0" b="0"/>
+        </a:lnRef>
+        <a:fillRef idx="1">
+          <a:scrgbClr r="0" g="0" b="0"/>
+        </a:fillRef>
+        <a:effectRef idx="0">
+          <a:scrgbClr r="0" g="0" b="0"/>
+        </a:effectRef>
+        <a:fontRef idx="minor"/>
+      </dsp:style>
+      <dsp:txBody>
+        <a:bodyPr spcFirstLastPara="0" vert="horz" wrap="square" lIns="247650" tIns="123825" rIns="247650" bIns="123825" numCol="1" spcCol="1270" anchor="ctr" anchorCtr="0">
+          <a:noAutofit/>
+        </a:bodyPr>
+        <a:lstStyle/>
+        <a:p>
+          <a:pPr marL="171450" lvl="1" indent="-171450" algn="l" defTabSz="711200">
+            <a:lnSpc>
+              <a:spcPct val="90000"/>
+            </a:lnSpc>
+            <a:spcBef>
+              <a:spcPct val="0"/>
+            </a:spcBef>
+            <a:spcAft>
+              <a:spcPct val="15000"/>
+            </a:spcAft>
+            <a:buNone/>
+          </a:pPr>
+          <a:r>
+            <a:rPr lang="en-GB" sz="1600" b="1" i="1" kern="1200" dirty="0" err="1"/>
+            <a:t>Tha</a:t>
+          </a:r>
+          <a:r>
+            <a:rPr lang="en-GB" sz="1600" b="1" i="1" kern="1200" dirty="0"/>
+            <a:t> Supreme</a:t>
+          </a:r>
+        </a:p>
+        <a:p>
+          <a:pPr marL="171450" lvl="1" indent="-171450" algn="l" defTabSz="711200">
+            <a:lnSpc>
+              <a:spcPct val="90000"/>
+            </a:lnSpc>
+            <a:spcBef>
+              <a:spcPct val="0"/>
+            </a:spcBef>
+            <a:spcAft>
+              <a:spcPct val="15000"/>
+            </a:spcAft>
+            <a:buNone/>
+          </a:pPr>
+          <a:r>
+            <a:rPr lang="it-IT" sz="1600" b="1" kern="1200" dirty="0"/>
+            <a:t>35 Tracks</a:t>
+          </a:r>
+          <a:endParaRPr lang="en-GB" sz="1600" b="1" kern="1200" dirty="0"/>
+        </a:p>
+      </dsp:txBody>
+      <dsp:txXfrm rot="-5400000">
+        <a:off x="1666749" y="2916470"/>
+        <a:ext cx="2382636" cy="644966"/>
+      </dsp:txXfrm>
+    </dsp:sp>
+    <dsp:sp modelId="{641C7B7C-533A-4986-984C-6AF3BB3AC7BC}">
+      <dsp:nvSpPr>
+        <dsp:cNvPr id="0" name=""/>
+        <dsp:cNvSpPr/>
+      </dsp:nvSpPr>
+      <dsp:spPr>
+        <a:xfrm>
+          <a:off x="746426" y="2818037"/>
+          <a:ext cx="959959" cy="893435"/>
+        </a:xfrm>
+        <a:prstGeom prst="roundRect">
+          <a:avLst/>
+        </a:prstGeom>
+        <a:solidFill>
+          <a:schemeClr val="accent1">
+            <a:hueOff val="0"/>
+            <a:satOff val="0"/>
+            <a:lumOff val="0"/>
+            <a:alphaOff val="0"/>
+          </a:schemeClr>
+        </a:solidFill>
+        <a:ln w="12700" cap="flat" cmpd="sng" algn="ctr">
+          <a:solidFill>
+            <a:schemeClr val="lt1">
+              <a:hueOff val="0"/>
+              <a:satOff val="0"/>
+              <a:lumOff val="0"/>
+              <a:alphaOff val="0"/>
+            </a:schemeClr>
+          </a:solidFill>
+          <a:prstDash val="solid"/>
+          <a:miter lim="800000"/>
+        </a:ln>
+        <a:effectLst/>
+      </dsp:spPr>
+      <dsp:style>
+        <a:lnRef idx="2">
+          <a:scrgbClr r="0" g="0" b="0"/>
+        </a:lnRef>
+        <a:fillRef idx="1">
+          <a:scrgbClr r="0" g="0" b="0"/>
+        </a:fillRef>
+        <a:effectRef idx="0">
+          <a:scrgbClr r="0" g="0" b="0"/>
+        </a:effectRef>
+        <a:fontRef idx="minor">
+          <a:schemeClr val="lt1"/>
+        </a:fontRef>
+      </dsp:style>
+      <dsp:txBody>
+        <a:bodyPr spcFirstLastPara="0" vert="horz" wrap="square" lIns="91440" tIns="45720" rIns="91440" bIns="45720" numCol="1" spcCol="1270" anchor="ctr" anchorCtr="0">
+          <a:noAutofit/>
+        </a:bodyPr>
+        <a:lstStyle/>
+        <a:p>
+          <a:pPr marL="0" lvl="0" indent="0" algn="ctr" defTabSz="1066800">
+            <a:lnSpc>
+              <a:spcPct val="90000"/>
+            </a:lnSpc>
+            <a:spcBef>
+              <a:spcPct val="0"/>
+            </a:spcBef>
+            <a:spcAft>
+              <a:spcPct val="35000"/>
+            </a:spcAft>
+            <a:buNone/>
+          </a:pPr>
+          <a:r>
+            <a:rPr lang="it-IT" sz="2400" b="1" kern="1200" dirty="0">
+              <a:latin typeface="+mn-lt"/>
+            </a:rPr>
+            <a:t>2020</a:t>
+          </a:r>
+          <a:endParaRPr lang="en-GB" sz="2400" b="1" kern="1200" dirty="0">
+            <a:latin typeface="+mn-lt"/>
+          </a:endParaRPr>
+        </a:p>
+      </dsp:txBody>
+      <dsp:txXfrm>
+        <a:off x="790040" y="2861651"/>
+        <a:ext cx="872731" cy="806207"/>
+      </dsp:txXfrm>
+    </dsp:sp>
+  </dsp:spTree>
+</dsp:drawing>
+</file>
+
 <file path=ppt/diagrams/layout1.xml><?xml version="1.0" encoding="utf-8"?>
 <dgm:layoutDef xmlns:dgm="http://schemas.openxmlformats.org/drawingml/2006/diagram" xmlns:a="http://schemas.openxmlformats.org/drawingml/2006/main" uniqueId="urn:microsoft.com/office/officeart/2005/8/layout/hierarchy3">
   <dgm:title val=""/>
@@ -2136,7 +6034,2541 @@
 </dgm:layoutDef>
 </file>
 
+<file path=ppt/diagrams/layout2.xml><?xml version="1.0" encoding="utf-8"?>
+<dgm:layoutDef xmlns:dgm="http://schemas.openxmlformats.org/drawingml/2006/diagram" xmlns:a="http://schemas.openxmlformats.org/drawingml/2006/main" uniqueId="urn:microsoft.com/office/officeart/2005/8/layout/vList5">
+  <dgm:title val=""/>
+  <dgm:desc val=""/>
+  <dgm:catLst>
+    <dgm:cat type="list" pri="15000"/>
+    <dgm:cat type="convert" pri="2000"/>
+  </dgm:catLst>
+  <dgm:sampData>
+    <dgm:dataModel>
+      <dgm:ptLst>
+        <dgm:pt modelId="0" type="doc"/>
+        <dgm:pt modelId="1">
+          <dgm:prSet phldr="1"/>
+        </dgm:pt>
+        <dgm:pt modelId="11">
+          <dgm:prSet phldr="1"/>
+        </dgm:pt>
+        <dgm:pt modelId="12">
+          <dgm:prSet phldr="1"/>
+        </dgm:pt>
+        <dgm:pt modelId="2">
+          <dgm:prSet phldr="1"/>
+        </dgm:pt>
+        <dgm:pt modelId="21">
+          <dgm:prSet phldr="1"/>
+        </dgm:pt>
+        <dgm:pt modelId="22">
+          <dgm:prSet phldr="1"/>
+        </dgm:pt>
+        <dgm:pt modelId="3">
+          <dgm:prSet phldr="1"/>
+        </dgm:pt>
+        <dgm:pt modelId="31">
+          <dgm:prSet phldr="1"/>
+        </dgm:pt>
+        <dgm:pt modelId="32">
+          <dgm:prSet phldr="1"/>
+        </dgm:pt>
+      </dgm:ptLst>
+      <dgm:cxnLst>
+        <dgm:cxn modelId="4" srcId="0" destId="1" srcOrd="0" destOrd="0"/>
+        <dgm:cxn modelId="5" srcId="0" destId="2" srcOrd="1" destOrd="0"/>
+        <dgm:cxn modelId="6" srcId="0" destId="3" srcOrd="2" destOrd="0"/>
+        <dgm:cxn modelId="13" srcId="1" destId="11" srcOrd="0" destOrd="0"/>
+        <dgm:cxn modelId="14" srcId="1" destId="12" srcOrd="1" destOrd="0"/>
+        <dgm:cxn modelId="23" srcId="2" destId="21" srcOrd="0" destOrd="0"/>
+        <dgm:cxn modelId="24" srcId="2" destId="22" srcOrd="1" destOrd="0"/>
+        <dgm:cxn modelId="33" srcId="3" destId="31" srcOrd="0" destOrd="0"/>
+        <dgm:cxn modelId="34" srcId="3" destId="32" srcOrd="1" destOrd="0"/>
+      </dgm:cxnLst>
+      <dgm:bg/>
+      <dgm:whole/>
+    </dgm:dataModel>
+  </dgm:sampData>
+  <dgm:styleData>
+    <dgm:dataModel>
+      <dgm:ptLst>
+        <dgm:pt modelId="0" type="doc"/>
+        <dgm:pt modelId="1"/>
+        <dgm:pt modelId="11"/>
+        <dgm:pt modelId="2"/>
+        <dgm:pt modelId="21"/>
+      </dgm:ptLst>
+      <dgm:cxnLst>
+        <dgm:cxn modelId="4" srcId="0" destId="1" srcOrd="0" destOrd="0"/>
+        <dgm:cxn modelId="5" srcId="0" destId="2" srcOrd="1" destOrd="0"/>
+        <dgm:cxn modelId="13" srcId="1" destId="11" srcOrd="0" destOrd="0"/>
+        <dgm:cxn modelId="23" srcId="2" destId="21" srcOrd="0" destOrd="0"/>
+      </dgm:cxnLst>
+      <dgm:bg/>
+      <dgm:whole/>
+    </dgm:dataModel>
+  </dgm:styleData>
+  <dgm:clrData>
+    <dgm:dataModel>
+      <dgm:ptLst>
+        <dgm:pt modelId="0" type="doc"/>
+        <dgm:pt modelId="1"/>
+        <dgm:pt modelId="11"/>
+        <dgm:pt modelId="2"/>
+        <dgm:pt modelId="21"/>
+        <dgm:pt modelId="3"/>
+        <dgm:pt modelId="31"/>
+        <dgm:pt modelId="4"/>
+        <dgm:pt modelId="41"/>
+      </dgm:ptLst>
+      <dgm:cxnLst>
+        <dgm:cxn modelId="5" srcId="0" destId="1" srcOrd="0" destOrd="0"/>
+        <dgm:cxn modelId="6" srcId="0" destId="2" srcOrd="1" destOrd="0"/>
+        <dgm:cxn modelId="7" srcId="0" destId="3" srcOrd="2" destOrd="0"/>
+        <dgm:cxn modelId="8" srcId="0" destId="4" srcOrd="3" destOrd="0"/>
+        <dgm:cxn modelId="13" srcId="1" destId="11" srcOrd="0" destOrd="0"/>
+        <dgm:cxn modelId="23" srcId="2" destId="21" srcOrd="0" destOrd="0"/>
+        <dgm:cxn modelId="33" srcId="3" destId="31" srcOrd="0" destOrd="0"/>
+        <dgm:cxn modelId="43" srcId="4" destId="41" srcOrd="0" destOrd="0"/>
+      </dgm:cxnLst>
+      <dgm:bg/>
+      <dgm:whole/>
+    </dgm:dataModel>
+  </dgm:clrData>
+  <dgm:layoutNode name="Name0">
+    <dgm:varLst>
+      <dgm:dir/>
+      <dgm:animLvl val="lvl"/>
+      <dgm:resizeHandles val="exact"/>
+    </dgm:varLst>
+    <dgm:choose name="Name1">
+      <dgm:if name="Name2" func="var" arg="dir" op="equ" val="norm">
+        <dgm:alg type="lin">
+          <dgm:param type="linDir" val="fromT"/>
+          <dgm:param type="nodeHorzAlign" val="l"/>
+        </dgm:alg>
+      </dgm:if>
+      <dgm:else name="Name3">
+        <dgm:alg type="lin">
+          <dgm:param type="linDir" val="fromT"/>
+          <dgm:param type="nodeHorzAlign" val="r"/>
+        </dgm:alg>
+      </dgm:else>
+    </dgm:choose>
+    <dgm:shape xmlns:r="http://schemas.openxmlformats.org/officeDocument/2006/relationships" r:blip="">
+      <dgm:adjLst/>
+    </dgm:shape>
+    <dgm:presOf/>
+    <dgm:constrLst>
+      <dgm:constr type="h" for="ch" forName="linNode" refType="h"/>
+      <dgm:constr type="w" for="ch" forName="linNode" refType="w"/>
+      <dgm:constr type="h" for="ch" forName="sp" refType="h" fact="0.05"/>
+      <dgm:constr type="primFontSz" for="des" forName="parentText" op="equ" val="65"/>
+      <dgm:constr type="secFontSz" for="des" forName="descendantText" op="equ"/>
+    </dgm:constrLst>
+    <dgm:ruleLst/>
+    <dgm:forEach name="Name4" axis="ch" ptType="node">
+      <dgm:layoutNode name="linNode">
+        <dgm:choose name="Name5">
+          <dgm:if name="Name6" func="var" arg="dir" op="equ" val="norm">
+            <dgm:alg type="lin">
+              <dgm:param type="linDir" val="fromL"/>
+            </dgm:alg>
+          </dgm:if>
+          <dgm:else name="Name7">
+            <dgm:alg type="lin">
+              <dgm:param type="linDir" val="fromR"/>
+            </dgm:alg>
+          </dgm:else>
+        </dgm:choose>
+        <dgm:shape xmlns:r="http://schemas.openxmlformats.org/officeDocument/2006/relationships" r:blip="">
+          <dgm:adjLst/>
+        </dgm:shape>
+        <dgm:presOf/>
+        <dgm:constrLst>
+          <dgm:constr type="w" for="ch" forName="parentText" refType="w" fact="0.36"/>
+          <dgm:constr type="w" for="ch" forName="descendantText" refType="w" fact="0.64"/>
+          <dgm:constr type="h" for="ch" forName="parentText" refType="h"/>
+          <dgm:constr type="h" for="ch" forName="descendantText" refType="h" refFor="ch" refForName="parentText" fact="0.8"/>
+        </dgm:constrLst>
+        <dgm:ruleLst/>
+        <dgm:layoutNode name="parentText">
+          <dgm:varLst>
+            <dgm:chMax val="1"/>
+            <dgm:bulletEnabled val="1"/>
+          </dgm:varLst>
+          <dgm:alg type="tx"/>
+          <dgm:shape xmlns:r="http://schemas.openxmlformats.org/officeDocument/2006/relationships" type="roundRect" r:blip="" zOrderOff="3">
+            <dgm:adjLst/>
+          </dgm:shape>
+          <dgm:presOf axis="self" ptType="node"/>
+          <dgm:constrLst>
+            <dgm:constr type="tMarg" refType="primFontSz" fact="0.15"/>
+            <dgm:constr type="bMarg" refType="primFontSz" fact="0.15"/>
+            <dgm:constr type="lMarg" refType="primFontSz" fact="0.3"/>
+            <dgm:constr type="rMarg" refType="primFontSz" fact="0.3"/>
+          </dgm:constrLst>
+          <dgm:ruleLst>
+            <dgm:rule type="primFontSz" val="5" fact="NaN" max="NaN"/>
+          </dgm:ruleLst>
+        </dgm:layoutNode>
+        <dgm:choose name="Name8">
+          <dgm:if name="Name9" axis="ch" ptType="node" func="cnt" op="gte" val="1">
+            <dgm:layoutNode name="descendantText" styleLbl="alignAccFollowNode1">
+              <dgm:varLst>
+                <dgm:bulletEnabled val="1"/>
+              </dgm:varLst>
+              <dgm:alg type="tx">
+                <dgm:param type="stBulletLvl" val="1"/>
+                <dgm:param type="txAnchorVertCh" val="mid"/>
+              </dgm:alg>
+              <dgm:choose name="Name10">
+                <dgm:if name="Name11" func="var" arg="dir" op="equ" val="norm">
+                  <dgm:shape xmlns:r="http://schemas.openxmlformats.org/officeDocument/2006/relationships" rot="90" type="round2SameRect" r:blip="">
+                    <dgm:adjLst/>
+                  </dgm:shape>
+                </dgm:if>
+                <dgm:else name="Name12">
+                  <dgm:shape xmlns:r="http://schemas.openxmlformats.org/officeDocument/2006/relationships" rot="-90" type="round2SameRect" r:blip="">
+                    <dgm:adjLst/>
+                  </dgm:shape>
+                </dgm:else>
+              </dgm:choose>
+              <dgm:presOf axis="des" ptType="node"/>
+              <dgm:constrLst>
+                <dgm:constr type="secFontSz" val="65"/>
+                <dgm:constr type="primFontSz" refType="secFontSz"/>
+                <dgm:constr type="lMarg" refType="secFontSz" fact="0.3"/>
+                <dgm:constr type="rMarg" refType="secFontSz" fact="0.3"/>
+                <dgm:constr type="tMarg" refType="secFontSz" fact="0.15"/>
+                <dgm:constr type="bMarg" refType="secFontSz" fact="0.15"/>
+              </dgm:constrLst>
+              <dgm:ruleLst>
+                <dgm:rule type="secFontSz" val="5" fact="NaN" max="NaN"/>
+              </dgm:ruleLst>
+            </dgm:layoutNode>
+          </dgm:if>
+          <dgm:else name="Name13"/>
+        </dgm:choose>
+      </dgm:layoutNode>
+      <dgm:forEach name="Name14" axis="followSib" ptType="sibTrans" cnt="1">
+        <dgm:layoutNode name="sp">
+          <dgm:alg type="sp"/>
+          <dgm:shape xmlns:r="http://schemas.openxmlformats.org/officeDocument/2006/relationships" r:blip="">
+            <dgm:adjLst/>
+          </dgm:shape>
+          <dgm:presOf/>
+          <dgm:constrLst/>
+          <dgm:ruleLst/>
+        </dgm:layoutNode>
+      </dgm:forEach>
+    </dgm:forEach>
+  </dgm:layoutNode>
+</dgm:layoutDef>
+</file>
+
+<file path=ppt/diagrams/layout3.xml><?xml version="1.0" encoding="utf-8"?>
+<dgm:layoutDef xmlns:dgm="http://schemas.openxmlformats.org/drawingml/2006/diagram" xmlns:a="http://schemas.openxmlformats.org/drawingml/2006/main" uniqueId="urn:microsoft.com/office/officeart/2005/8/layout/vList5">
+  <dgm:title val=""/>
+  <dgm:desc val=""/>
+  <dgm:catLst>
+    <dgm:cat type="list" pri="15000"/>
+    <dgm:cat type="convert" pri="2000"/>
+  </dgm:catLst>
+  <dgm:sampData>
+    <dgm:dataModel>
+      <dgm:ptLst>
+        <dgm:pt modelId="0" type="doc"/>
+        <dgm:pt modelId="1">
+          <dgm:prSet phldr="1"/>
+        </dgm:pt>
+        <dgm:pt modelId="11">
+          <dgm:prSet phldr="1"/>
+        </dgm:pt>
+        <dgm:pt modelId="12">
+          <dgm:prSet phldr="1"/>
+        </dgm:pt>
+        <dgm:pt modelId="2">
+          <dgm:prSet phldr="1"/>
+        </dgm:pt>
+        <dgm:pt modelId="21">
+          <dgm:prSet phldr="1"/>
+        </dgm:pt>
+        <dgm:pt modelId="22">
+          <dgm:prSet phldr="1"/>
+        </dgm:pt>
+        <dgm:pt modelId="3">
+          <dgm:prSet phldr="1"/>
+        </dgm:pt>
+        <dgm:pt modelId="31">
+          <dgm:prSet phldr="1"/>
+        </dgm:pt>
+        <dgm:pt modelId="32">
+          <dgm:prSet phldr="1"/>
+        </dgm:pt>
+      </dgm:ptLst>
+      <dgm:cxnLst>
+        <dgm:cxn modelId="4" srcId="0" destId="1" srcOrd="0" destOrd="0"/>
+        <dgm:cxn modelId="5" srcId="0" destId="2" srcOrd="1" destOrd="0"/>
+        <dgm:cxn modelId="6" srcId="0" destId="3" srcOrd="2" destOrd="0"/>
+        <dgm:cxn modelId="13" srcId="1" destId="11" srcOrd="0" destOrd="0"/>
+        <dgm:cxn modelId="14" srcId="1" destId="12" srcOrd="1" destOrd="0"/>
+        <dgm:cxn modelId="23" srcId="2" destId="21" srcOrd="0" destOrd="0"/>
+        <dgm:cxn modelId="24" srcId="2" destId="22" srcOrd="1" destOrd="0"/>
+        <dgm:cxn modelId="33" srcId="3" destId="31" srcOrd="0" destOrd="0"/>
+        <dgm:cxn modelId="34" srcId="3" destId="32" srcOrd="1" destOrd="0"/>
+      </dgm:cxnLst>
+      <dgm:bg/>
+      <dgm:whole/>
+    </dgm:dataModel>
+  </dgm:sampData>
+  <dgm:styleData>
+    <dgm:dataModel>
+      <dgm:ptLst>
+        <dgm:pt modelId="0" type="doc"/>
+        <dgm:pt modelId="1"/>
+        <dgm:pt modelId="11"/>
+        <dgm:pt modelId="2"/>
+        <dgm:pt modelId="21"/>
+      </dgm:ptLst>
+      <dgm:cxnLst>
+        <dgm:cxn modelId="4" srcId="0" destId="1" srcOrd="0" destOrd="0"/>
+        <dgm:cxn modelId="5" srcId="0" destId="2" srcOrd="1" destOrd="0"/>
+        <dgm:cxn modelId="13" srcId="1" destId="11" srcOrd="0" destOrd="0"/>
+        <dgm:cxn modelId="23" srcId="2" destId="21" srcOrd="0" destOrd="0"/>
+      </dgm:cxnLst>
+      <dgm:bg/>
+      <dgm:whole/>
+    </dgm:dataModel>
+  </dgm:styleData>
+  <dgm:clrData>
+    <dgm:dataModel>
+      <dgm:ptLst>
+        <dgm:pt modelId="0" type="doc"/>
+        <dgm:pt modelId="1"/>
+        <dgm:pt modelId="11"/>
+        <dgm:pt modelId="2"/>
+        <dgm:pt modelId="21"/>
+        <dgm:pt modelId="3"/>
+        <dgm:pt modelId="31"/>
+        <dgm:pt modelId="4"/>
+        <dgm:pt modelId="41"/>
+      </dgm:ptLst>
+      <dgm:cxnLst>
+        <dgm:cxn modelId="5" srcId="0" destId="1" srcOrd="0" destOrd="0"/>
+        <dgm:cxn modelId="6" srcId="0" destId="2" srcOrd="1" destOrd="0"/>
+        <dgm:cxn modelId="7" srcId="0" destId="3" srcOrd="2" destOrd="0"/>
+        <dgm:cxn modelId="8" srcId="0" destId="4" srcOrd="3" destOrd="0"/>
+        <dgm:cxn modelId="13" srcId="1" destId="11" srcOrd="0" destOrd="0"/>
+        <dgm:cxn modelId="23" srcId="2" destId="21" srcOrd="0" destOrd="0"/>
+        <dgm:cxn modelId="33" srcId="3" destId="31" srcOrd="0" destOrd="0"/>
+        <dgm:cxn modelId="43" srcId="4" destId="41" srcOrd="0" destOrd="0"/>
+      </dgm:cxnLst>
+      <dgm:bg/>
+      <dgm:whole/>
+    </dgm:dataModel>
+  </dgm:clrData>
+  <dgm:layoutNode name="Name0">
+    <dgm:varLst>
+      <dgm:dir/>
+      <dgm:animLvl val="lvl"/>
+      <dgm:resizeHandles val="exact"/>
+    </dgm:varLst>
+    <dgm:choose name="Name1">
+      <dgm:if name="Name2" func="var" arg="dir" op="equ" val="norm">
+        <dgm:alg type="lin">
+          <dgm:param type="linDir" val="fromT"/>
+          <dgm:param type="nodeHorzAlign" val="l"/>
+        </dgm:alg>
+      </dgm:if>
+      <dgm:else name="Name3">
+        <dgm:alg type="lin">
+          <dgm:param type="linDir" val="fromT"/>
+          <dgm:param type="nodeHorzAlign" val="r"/>
+        </dgm:alg>
+      </dgm:else>
+    </dgm:choose>
+    <dgm:shape xmlns:r="http://schemas.openxmlformats.org/officeDocument/2006/relationships" r:blip="">
+      <dgm:adjLst/>
+    </dgm:shape>
+    <dgm:presOf/>
+    <dgm:constrLst>
+      <dgm:constr type="h" for="ch" forName="linNode" refType="h"/>
+      <dgm:constr type="w" for="ch" forName="linNode" refType="w"/>
+      <dgm:constr type="h" for="ch" forName="sp" refType="h" fact="0.05"/>
+      <dgm:constr type="primFontSz" for="des" forName="parentText" op="equ" val="65"/>
+      <dgm:constr type="secFontSz" for="des" forName="descendantText" op="equ"/>
+    </dgm:constrLst>
+    <dgm:ruleLst/>
+    <dgm:forEach name="Name4" axis="ch" ptType="node">
+      <dgm:layoutNode name="linNode">
+        <dgm:choose name="Name5">
+          <dgm:if name="Name6" func="var" arg="dir" op="equ" val="norm">
+            <dgm:alg type="lin">
+              <dgm:param type="linDir" val="fromL"/>
+            </dgm:alg>
+          </dgm:if>
+          <dgm:else name="Name7">
+            <dgm:alg type="lin">
+              <dgm:param type="linDir" val="fromR"/>
+            </dgm:alg>
+          </dgm:else>
+        </dgm:choose>
+        <dgm:shape xmlns:r="http://schemas.openxmlformats.org/officeDocument/2006/relationships" r:blip="">
+          <dgm:adjLst/>
+        </dgm:shape>
+        <dgm:presOf/>
+        <dgm:constrLst>
+          <dgm:constr type="w" for="ch" forName="parentText" refType="w" fact="0.36"/>
+          <dgm:constr type="w" for="ch" forName="descendantText" refType="w" fact="0.64"/>
+          <dgm:constr type="h" for="ch" forName="parentText" refType="h"/>
+          <dgm:constr type="h" for="ch" forName="descendantText" refType="h" refFor="ch" refForName="parentText" fact="0.8"/>
+        </dgm:constrLst>
+        <dgm:ruleLst/>
+        <dgm:layoutNode name="parentText">
+          <dgm:varLst>
+            <dgm:chMax val="1"/>
+            <dgm:bulletEnabled val="1"/>
+          </dgm:varLst>
+          <dgm:alg type="tx"/>
+          <dgm:shape xmlns:r="http://schemas.openxmlformats.org/officeDocument/2006/relationships" type="roundRect" r:blip="" zOrderOff="3">
+            <dgm:adjLst/>
+          </dgm:shape>
+          <dgm:presOf axis="self" ptType="node"/>
+          <dgm:constrLst>
+            <dgm:constr type="tMarg" refType="primFontSz" fact="0.15"/>
+            <dgm:constr type="bMarg" refType="primFontSz" fact="0.15"/>
+            <dgm:constr type="lMarg" refType="primFontSz" fact="0.3"/>
+            <dgm:constr type="rMarg" refType="primFontSz" fact="0.3"/>
+          </dgm:constrLst>
+          <dgm:ruleLst>
+            <dgm:rule type="primFontSz" val="5" fact="NaN" max="NaN"/>
+          </dgm:ruleLst>
+        </dgm:layoutNode>
+        <dgm:choose name="Name8">
+          <dgm:if name="Name9" axis="ch" ptType="node" func="cnt" op="gte" val="1">
+            <dgm:layoutNode name="descendantText" styleLbl="alignAccFollowNode1">
+              <dgm:varLst>
+                <dgm:bulletEnabled val="1"/>
+              </dgm:varLst>
+              <dgm:alg type="tx">
+                <dgm:param type="stBulletLvl" val="1"/>
+                <dgm:param type="txAnchorVertCh" val="mid"/>
+              </dgm:alg>
+              <dgm:choose name="Name10">
+                <dgm:if name="Name11" func="var" arg="dir" op="equ" val="norm">
+                  <dgm:shape xmlns:r="http://schemas.openxmlformats.org/officeDocument/2006/relationships" rot="90" type="round2SameRect" r:blip="">
+                    <dgm:adjLst/>
+                  </dgm:shape>
+                </dgm:if>
+                <dgm:else name="Name12">
+                  <dgm:shape xmlns:r="http://schemas.openxmlformats.org/officeDocument/2006/relationships" rot="-90" type="round2SameRect" r:blip="">
+                    <dgm:adjLst/>
+                  </dgm:shape>
+                </dgm:else>
+              </dgm:choose>
+              <dgm:presOf axis="des" ptType="node"/>
+              <dgm:constrLst>
+                <dgm:constr type="secFontSz" val="65"/>
+                <dgm:constr type="primFontSz" refType="secFontSz"/>
+                <dgm:constr type="lMarg" refType="secFontSz" fact="0.3"/>
+                <dgm:constr type="rMarg" refType="secFontSz" fact="0.3"/>
+                <dgm:constr type="tMarg" refType="secFontSz" fact="0.15"/>
+                <dgm:constr type="bMarg" refType="secFontSz" fact="0.15"/>
+              </dgm:constrLst>
+              <dgm:ruleLst>
+                <dgm:rule type="secFontSz" val="5" fact="NaN" max="NaN"/>
+              </dgm:ruleLst>
+            </dgm:layoutNode>
+          </dgm:if>
+          <dgm:else name="Name13"/>
+        </dgm:choose>
+      </dgm:layoutNode>
+      <dgm:forEach name="Name14" axis="followSib" ptType="sibTrans" cnt="1">
+        <dgm:layoutNode name="sp">
+          <dgm:alg type="sp"/>
+          <dgm:shape xmlns:r="http://schemas.openxmlformats.org/officeDocument/2006/relationships" r:blip="">
+            <dgm:adjLst/>
+          </dgm:shape>
+          <dgm:presOf/>
+          <dgm:constrLst/>
+          <dgm:ruleLst/>
+        </dgm:layoutNode>
+      </dgm:forEach>
+    </dgm:forEach>
+  </dgm:layoutNode>
+</dgm:layoutDef>
+</file>
+
 <file path=ppt/diagrams/quickStyle1.xml><?xml version="1.0" encoding="utf-8"?>
+<dgm:styleDef xmlns:dgm="http://schemas.openxmlformats.org/drawingml/2006/diagram" xmlns:a="http://schemas.openxmlformats.org/drawingml/2006/main" uniqueId="urn:microsoft.com/office/officeart/2005/8/quickstyle/simple1">
+  <dgm:title val=""/>
+  <dgm:desc val=""/>
+  <dgm:catLst>
+    <dgm:cat type="simple" pri="10100"/>
+  </dgm:catLst>
+  <dgm:scene3d>
+    <a:camera prst="orthographicFront"/>
+    <a:lightRig rig="threePt" dir="t"/>
+  </dgm:scene3d>
+  <dgm:styleLbl name="node0">
+    <dgm:scene3d>
+      <a:camera prst="orthographicFront"/>
+      <a:lightRig rig="threePt" dir="t"/>
+    </dgm:scene3d>
+    <dgm:sp3d/>
+    <dgm:txPr/>
+    <dgm:style>
+      <a:lnRef idx="2">
+        <a:scrgbClr r="0" g="0" b="0"/>
+      </a:lnRef>
+      <a:fillRef idx="1">
+        <a:scrgbClr r="0" g="0" b="0"/>
+      </a:fillRef>
+      <a:effectRef idx="0">
+        <a:scrgbClr r="0" g="0" b="0"/>
+      </a:effectRef>
+      <a:fontRef idx="minor">
+        <a:schemeClr val="lt1"/>
+      </a:fontRef>
+    </dgm:style>
+  </dgm:styleLbl>
+  <dgm:styleLbl name="lnNode1">
+    <dgm:scene3d>
+      <a:camera prst="orthographicFront"/>
+      <a:lightRig rig="threePt" dir="t"/>
+    </dgm:scene3d>
+    <dgm:sp3d/>
+    <dgm:txPr/>
+    <dgm:style>
+      <a:lnRef idx="2">
+        <a:scrgbClr r="0" g="0" b="0"/>
+      </a:lnRef>
+      <a:fillRef idx="1">
+        <a:scrgbClr r="0" g="0" b="0"/>
+      </a:fillRef>
+      <a:effectRef idx="0">
+        <a:scrgbClr r="0" g="0" b="0"/>
+      </a:effectRef>
+      <a:fontRef idx="minor">
+        <a:schemeClr val="lt1"/>
+      </a:fontRef>
+    </dgm:style>
+  </dgm:styleLbl>
+  <dgm:styleLbl name="vennNode1">
+    <dgm:scene3d>
+      <a:camera prst="orthographicFront"/>
+      <a:lightRig rig="threePt" dir="t"/>
+    </dgm:scene3d>
+    <dgm:sp3d/>
+    <dgm:txPr/>
+    <dgm:style>
+      <a:lnRef idx="2">
+        <a:scrgbClr r="0" g="0" b="0"/>
+      </a:lnRef>
+      <a:fillRef idx="1">
+        <a:scrgbClr r="0" g="0" b="0"/>
+      </a:fillRef>
+      <a:effectRef idx="0">
+        <a:scrgbClr r="0" g="0" b="0"/>
+      </a:effectRef>
+      <a:fontRef idx="minor">
+        <a:schemeClr val="tx1"/>
+      </a:fontRef>
+    </dgm:style>
+  </dgm:styleLbl>
+  <dgm:styleLbl name="alignNode1">
+    <dgm:scene3d>
+      <a:camera prst="orthographicFront"/>
+      <a:lightRig rig="threePt" dir="t"/>
+    </dgm:scene3d>
+    <dgm:sp3d/>
+    <dgm:txPr/>
+    <dgm:style>
+      <a:lnRef idx="2">
+        <a:scrgbClr r="0" g="0" b="0"/>
+      </a:lnRef>
+      <a:fillRef idx="1">
+        <a:scrgbClr r="0" g="0" b="0"/>
+      </a:fillRef>
+      <a:effectRef idx="0">
+        <a:scrgbClr r="0" g="0" b="0"/>
+      </a:effectRef>
+      <a:fontRef idx="minor">
+        <a:schemeClr val="lt1"/>
+      </a:fontRef>
+    </dgm:style>
+  </dgm:styleLbl>
+  <dgm:styleLbl name="node1">
+    <dgm:scene3d>
+      <a:camera prst="orthographicFront"/>
+      <a:lightRig rig="threePt" dir="t"/>
+    </dgm:scene3d>
+    <dgm:sp3d/>
+    <dgm:txPr/>
+    <dgm:style>
+      <a:lnRef idx="2">
+        <a:scrgbClr r="0" g="0" b="0"/>
+      </a:lnRef>
+      <a:fillRef idx="1">
+        <a:scrgbClr r="0" g="0" b="0"/>
+      </a:fillRef>
+      <a:effectRef idx="0">
+        <a:scrgbClr r="0" g="0" b="0"/>
+      </a:effectRef>
+      <a:fontRef idx="minor">
+        <a:schemeClr val="lt1"/>
+      </a:fontRef>
+    </dgm:style>
+  </dgm:styleLbl>
+  <dgm:styleLbl name="node2">
+    <dgm:scene3d>
+      <a:camera prst="orthographicFront"/>
+      <a:lightRig rig="threePt" dir="t"/>
+    </dgm:scene3d>
+    <dgm:sp3d/>
+    <dgm:txPr/>
+    <dgm:style>
+      <a:lnRef idx="2">
+        <a:scrgbClr r="0" g="0" b="0"/>
+      </a:lnRef>
+      <a:fillRef idx="1">
+        <a:scrgbClr r="0" g="0" b="0"/>
+      </a:fillRef>
+      <a:effectRef idx="0">
+        <a:scrgbClr r="0" g="0" b="0"/>
+      </a:effectRef>
+      <a:fontRef idx="minor">
+        <a:schemeClr val="lt1"/>
+      </a:fontRef>
+    </dgm:style>
+  </dgm:styleLbl>
+  <dgm:styleLbl name="node3">
+    <dgm:scene3d>
+      <a:camera prst="orthographicFront"/>
+      <a:lightRig rig="threePt" dir="t"/>
+    </dgm:scene3d>
+    <dgm:sp3d/>
+    <dgm:txPr/>
+    <dgm:style>
+      <a:lnRef idx="2">
+        <a:scrgbClr r="0" g="0" b="0"/>
+      </a:lnRef>
+      <a:fillRef idx="1">
+        <a:scrgbClr r="0" g="0" b="0"/>
+      </a:fillRef>
+      <a:effectRef idx="0">
+        <a:scrgbClr r="0" g="0" b="0"/>
+      </a:effectRef>
+      <a:fontRef idx="minor">
+        <a:schemeClr val="lt1"/>
+      </a:fontRef>
+    </dgm:style>
+  </dgm:styleLbl>
+  <dgm:styleLbl name="node4">
+    <dgm:scene3d>
+      <a:camera prst="orthographicFront"/>
+      <a:lightRig rig="threePt" dir="t"/>
+    </dgm:scene3d>
+    <dgm:sp3d/>
+    <dgm:txPr/>
+    <dgm:style>
+      <a:lnRef idx="2">
+        <a:scrgbClr r="0" g="0" b="0"/>
+      </a:lnRef>
+      <a:fillRef idx="1">
+        <a:scrgbClr r="0" g="0" b="0"/>
+      </a:fillRef>
+      <a:effectRef idx="0">
+        <a:scrgbClr r="0" g="0" b="0"/>
+      </a:effectRef>
+      <a:fontRef idx="minor">
+        <a:schemeClr val="lt1"/>
+      </a:fontRef>
+    </dgm:style>
+  </dgm:styleLbl>
+  <dgm:styleLbl name="fgImgPlace1">
+    <dgm:scene3d>
+      <a:camera prst="orthographicFront"/>
+      <a:lightRig rig="threePt" dir="t"/>
+    </dgm:scene3d>
+    <dgm:sp3d/>
+    <dgm:txPr/>
+    <dgm:style>
+      <a:lnRef idx="2">
+        <a:scrgbClr r="0" g="0" b="0"/>
+      </a:lnRef>
+      <a:fillRef idx="1">
+        <a:scrgbClr r="0" g="0" b="0"/>
+      </a:fillRef>
+      <a:effectRef idx="0">
+        <a:scrgbClr r="0" g="0" b="0"/>
+      </a:effectRef>
+      <a:fontRef idx="minor"/>
+    </dgm:style>
+  </dgm:styleLbl>
+  <dgm:styleLbl name="alignImgPlace1">
+    <dgm:scene3d>
+      <a:camera prst="orthographicFront"/>
+      <a:lightRig rig="threePt" dir="t"/>
+    </dgm:scene3d>
+    <dgm:sp3d/>
+    <dgm:txPr/>
+    <dgm:style>
+      <a:lnRef idx="2">
+        <a:scrgbClr r="0" g="0" b="0"/>
+      </a:lnRef>
+      <a:fillRef idx="1">
+        <a:scrgbClr r="0" g="0" b="0"/>
+      </a:fillRef>
+      <a:effectRef idx="0">
+        <a:scrgbClr r="0" g="0" b="0"/>
+      </a:effectRef>
+      <a:fontRef idx="minor"/>
+    </dgm:style>
+  </dgm:styleLbl>
+  <dgm:styleLbl name="bgImgPlace1">
+    <dgm:scene3d>
+      <a:camera prst="orthographicFront"/>
+      <a:lightRig rig="threePt" dir="t"/>
+    </dgm:scene3d>
+    <dgm:sp3d/>
+    <dgm:txPr/>
+    <dgm:style>
+      <a:lnRef idx="2">
+        <a:scrgbClr r="0" g="0" b="0"/>
+      </a:lnRef>
+      <a:fillRef idx="1">
+        <a:scrgbClr r="0" g="0" b="0"/>
+      </a:fillRef>
+      <a:effectRef idx="0">
+        <a:scrgbClr r="0" g="0" b="0"/>
+      </a:effectRef>
+      <a:fontRef idx="minor"/>
+    </dgm:style>
+  </dgm:styleLbl>
+  <dgm:styleLbl name="sibTrans2D1">
+    <dgm:scene3d>
+      <a:camera prst="orthographicFront"/>
+      <a:lightRig rig="threePt" dir="t"/>
+    </dgm:scene3d>
+    <dgm:sp3d/>
+    <dgm:txPr/>
+    <dgm:style>
+      <a:lnRef idx="0">
+        <a:scrgbClr r="0" g="0" b="0"/>
+      </a:lnRef>
+      <a:fillRef idx="1">
+        <a:scrgbClr r="0" g="0" b="0"/>
+      </a:fillRef>
+      <a:effectRef idx="0">
+        <a:scrgbClr r="0" g="0" b="0"/>
+      </a:effectRef>
+      <a:fontRef idx="minor">
+        <a:schemeClr val="lt1"/>
+      </a:fontRef>
+    </dgm:style>
+  </dgm:styleLbl>
+  <dgm:styleLbl name="fgSibTrans2D1">
+    <dgm:scene3d>
+      <a:camera prst="orthographicFront"/>
+      <a:lightRig rig="threePt" dir="t"/>
+    </dgm:scene3d>
+    <dgm:sp3d/>
+    <dgm:txPr/>
+    <dgm:style>
+      <a:lnRef idx="0">
+        <a:scrgbClr r="0" g="0" b="0"/>
+      </a:lnRef>
+      <a:fillRef idx="1">
+        <a:scrgbClr r="0" g="0" b="0"/>
+      </a:fillRef>
+      <a:effectRef idx="0">
+        <a:scrgbClr r="0" g="0" b="0"/>
+      </a:effectRef>
+      <a:fontRef idx="minor">
+        <a:schemeClr val="lt1"/>
+      </a:fontRef>
+    </dgm:style>
+  </dgm:styleLbl>
+  <dgm:styleLbl name="bgSibTrans2D1">
+    <dgm:scene3d>
+      <a:camera prst="orthographicFront"/>
+      <a:lightRig rig="threePt" dir="t"/>
+    </dgm:scene3d>
+    <dgm:sp3d/>
+    <dgm:txPr/>
+    <dgm:style>
+      <a:lnRef idx="0">
+        <a:scrgbClr r="0" g="0" b="0"/>
+      </a:lnRef>
+      <a:fillRef idx="1">
+        <a:scrgbClr r="0" g="0" b="0"/>
+      </a:fillRef>
+      <a:effectRef idx="0">
+        <a:scrgbClr r="0" g="0" b="0"/>
+      </a:effectRef>
+      <a:fontRef idx="minor">
+        <a:schemeClr val="lt1"/>
+      </a:fontRef>
+    </dgm:style>
+  </dgm:styleLbl>
+  <dgm:styleLbl name="sibTrans1D1">
+    <dgm:scene3d>
+      <a:camera prst="orthographicFront"/>
+      <a:lightRig rig="threePt" dir="t"/>
+    </dgm:scene3d>
+    <dgm:sp3d/>
+    <dgm:txPr/>
+    <dgm:style>
+      <a:lnRef idx="1">
+        <a:scrgbClr r="0" g="0" b="0"/>
+      </a:lnRef>
+      <a:fillRef idx="0">
+        <a:scrgbClr r="0" g="0" b="0"/>
+      </a:fillRef>
+      <a:effectRef idx="0">
+        <a:scrgbClr r="0" g="0" b="0"/>
+      </a:effectRef>
+      <a:fontRef idx="minor"/>
+    </dgm:style>
+  </dgm:styleLbl>
+  <dgm:styleLbl name="callout">
+    <dgm:scene3d>
+      <a:camera prst="orthographicFront"/>
+      <a:lightRig rig="threePt" dir="t"/>
+    </dgm:scene3d>
+    <dgm:sp3d/>
+    <dgm:txPr/>
+    <dgm:style>
+      <a:lnRef idx="2">
+        <a:scrgbClr r="0" g="0" b="0"/>
+      </a:lnRef>
+      <a:fillRef idx="1">
+        <a:scrgbClr r="0" g="0" b="0"/>
+      </a:fillRef>
+      <a:effectRef idx="0">
+        <a:scrgbClr r="0" g="0" b="0"/>
+      </a:effectRef>
+      <a:fontRef idx="minor"/>
+    </dgm:style>
+  </dgm:styleLbl>
+  <dgm:styleLbl name="asst0">
+    <dgm:scene3d>
+      <a:camera prst="orthographicFront"/>
+      <a:lightRig rig="threePt" dir="t"/>
+    </dgm:scene3d>
+    <dgm:sp3d/>
+    <dgm:txPr/>
+    <dgm:style>
+      <a:lnRef idx="2">
+        <a:scrgbClr r="0" g="0" b="0"/>
+      </a:lnRef>
+      <a:fillRef idx="1">
+        <a:scrgbClr r="0" g="0" b="0"/>
+      </a:fillRef>
+      <a:effectRef idx="0">
+        <a:scrgbClr r="0" g="0" b="0"/>
+      </a:effectRef>
+      <a:fontRef idx="minor">
+        <a:schemeClr val="lt1"/>
+      </a:fontRef>
+    </dgm:style>
+  </dgm:styleLbl>
+  <dgm:styleLbl name="asst1">
+    <dgm:scene3d>
+      <a:camera prst="orthographicFront"/>
+      <a:lightRig rig="threePt" dir="t"/>
+    </dgm:scene3d>
+    <dgm:sp3d/>
+    <dgm:txPr/>
+    <dgm:style>
+      <a:lnRef idx="2">
+        <a:scrgbClr r="0" g="0" b="0"/>
+      </a:lnRef>
+      <a:fillRef idx="1">
+        <a:scrgbClr r="0" g="0" b="0"/>
+      </a:fillRef>
+      <a:effectRef idx="0">
+        <a:scrgbClr r="0" g="0" b="0"/>
+      </a:effectRef>
+      <a:fontRef idx="minor">
+        <a:schemeClr val="lt1"/>
+      </a:fontRef>
+    </dgm:style>
+  </dgm:styleLbl>
+  <dgm:styleLbl name="asst2">
+    <dgm:scene3d>
+      <a:camera prst="orthographicFront"/>
+      <a:lightRig rig="threePt" dir="t"/>
+    </dgm:scene3d>
+    <dgm:sp3d/>
+    <dgm:txPr/>
+    <dgm:style>
+      <a:lnRef idx="2">
+        <a:scrgbClr r="0" g="0" b="0"/>
+      </a:lnRef>
+      <a:fillRef idx="1">
+        <a:scrgbClr r="0" g="0" b="0"/>
+      </a:fillRef>
+      <a:effectRef idx="0">
+        <a:scrgbClr r="0" g="0" b="0"/>
+      </a:effectRef>
+      <a:fontRef idx="minor">
+        <a:schemeClr val="lt1"/>
+      </a:fontRef>
+    </dgm:style>
+  </dgm:styleLbl>
+  <dgm:styleLbl name="asst3">
+    <dgm:scene3d>
+      <a:camera prst="orthographicFront"/>
+      <a:lightRig rig="threePt" dir="t"/>
+    </dgm:scene3d>
+    <dgm:sp3d/>
+    <dgm:txPr/>
+    <dgm:style>
+      <a:lnRef idx="2">
+        <a:scrgbClr r="0" g="0" b="0"/>
+      </a:lnRef>
+      <a:fillRef idx="1">
+        <a:scrgbClr r="0" g="0" b="0"/>
+      </a:fillRef>
+      <a:effectRef idx="0">
+        <a:scrgbClr r="0" g="0" b="0"/>
+      </a:effectRef>
+      <a:fontRef idx="minor">
+        <a:schemeClr val="lt1"/>
+      </a:fontRef>
+    </dgm:style>
+  </dgm:styleLbl>
+  <dgm:styleLbl name="asst4">
+    <dgm:scene3d>
+      <a:camera prst="orthographicFront"/>
+      <a:lightRig rig="threePt" dir="t"/>
+    </dgm:scene3d>
+    <dgm:sp3d/>
+    <dgm:txPr/>
+    <dgm:style>
+      <a:lnRef idx="2">
+        <a:scrgbClr r="0" g="0" b="0"/>
+      </a:lnRef>
+      <a:fillRef idx="1">
+        <a:scrgbClr r="0" g="0" b="0"/>
+      </a:fillRef>
+      <a:effectRef idx="0">
+        <a:scrgbClr r="0" g="0" b="0"/>
+      </a:effectRef>
+      <a:fontRef idx="minor">
+        <a:schemeClr val="lt1"/>
+      </a:fontRef>
+    </dgm:style>
+  </dgm:styleLbl>
+  <dgm:styleLbl name="parChTrans2D1">
+    <dgm:scene3d>
+      <a:camera prst="orthographicFront"/>
+      <a:lightRig rig="threePt" dir="t"/>
+    </dgm:scene3d>
+    <dgm:sp3d/>
+    <dgm:txPr/>
+    <dgm:style>
+      <a:lnRef idx="2">
+        <a:scrgbClr r="0" g="0" b="0"/>
+      </a:lnRef>
+      <a:fillRef idx="1">
+        <a:scrgbClr r="0" g="0" b="0"/>
+      </a:fillRef>
+      <a:effectRef idx="0">
+        <a:scrgbClr r="0" g="0" b="0"/>
+      </a:effectRef>
+      <a:fontRef idx="minor">
+        <a:schemeClr val="lt1"/>
+      </a:fontRef>
+    </dgm:style>
+  </dgm:styleLbl>
+  <dgm:styleLbl name="parChTrans2D2">
+    <dgm:scene3d>
+      <a:camera prst="orthographicFront"/>
+      <a:lightRig rig="threePt" dir="t"/>
+    </dgm:scene3d>
+    <dgm:sp3d/>
+    <dgm:txPr/>
+    <dgm:style>
+      <a:lnRef idx="2">
+        <a:scrgbClr r="0" g="0" b="0"/>
+      </a:lnRef>
+      <a:fillRef idx="1">
+        <a:scrgbClr r="0" g="0" b="0"/>
+      </a:fillRef>
+      <a:effectRef idx="0">
+        <a:scrgbClr r="0" g="0" b="0"/>
+      </a:effectRef>
+      <a:fontRef idx="minor">
+        <a:schemeClr val="lt1"/>
+      </a:fontRef>
+    </dgm:style>
+  </dgm:styleLbl>
+  <dgm:styleLbl name="parChTrans2D3">
+    <dgm:scene3d>
+      <a:camera prst="orthographicFront"/>
+      <a:lightRig rig="threePt" dir="t"/>
+    </dgm:scene3d>
+    <dgm:sp3d/>
+    <dgm:txPr/>
+    <dgm:style>
+      <a:lnRef idx="2">
+        <a:scrgbClr r="0" g="0" b="0"/>
+      </a:lnRef>
+      <a:fillRef idx="1">
+        <a:scrgbClr r="0" g="0" b="0"/>
+      </a:fillRef>
+      <a:effectRef idx="0">
+        <a:scrgbClr r="0" g="0" b="0"/>
+      </a:effectRef>
+      <a:fontRef idx="minor">
+        <a:schemeClr val="lt1"/>
+      </a:fontRef>
+    </dgm:style>
+  </dgm:styleLbl>
+  <dgm:styleLbl name="parChTrans2D4">
+    <dgm:scene3d>
+      <a:camera prst="orthographicFront"/>
+      <a:lightRig rig="threePt" dir="t"/>
+    </dgm:scene3d>
+    <dgm:sp3d/>
+    <dgm:txPr/>
+    <dgm:style>
+      <a:lnRef idx="2">
+        <a:scrgbClr r="0" g="0" b="0"/>
+      </a:lnRef>
+      <a:fillRef idx="1">
+        <a:scrgbClr r="0" g="0" b="0"/>
+      </a:fillRef>
+      <a:effectRef idx="0">
+        <a:scrgbClr r="0" g="0" b="0"/>
+      </a:effectRef>
+      <a:fontRef idx="minor">
+        <a:schemeClr val="lt1"/>
+      </a:fontRef>
+    </dgm:style>
+  </dgm:styleLbl>
+  <dgm:styleLbl name="parChTrans1D1">
+    <dgm:scene3d>
+      <a:camera prst="orthographicFront"/>
+      <a:lightRig rig="threePt" dir="t"/>
+    </dgm:scene3d>
+    <dgm:sp3d/>
+    <dgm:txPr/>
+    <dgm:style>
+      <a:lnRef idx="2">
+        <a:scrgbClr r="0" g="0" b="0"/>
+      </a:lnRef>
+      <a:fillRef idx="0">
+        <a:scrgbClr r="0" g="0" b="0"/>
+      </a:fillRef>
+      <a:effectRef idx="0">
+        <a:scrgbClr r="0" g="0" b="0"/>
+      </a:effectRef>
+      <a:fontRef idx="minor"/>
+    </dgm:style>
+  </dgm:styleLbl>
+  <dgm:styleLbl name="parChTrans1D2">
+    <dgm:scene3d>
+      <a:camera prst="orthographicFront"/>
+      <a:lightRig rig="threePt" dir="t"/>
+    </dgm:scene3d>
+    <dgm:sp3d/>
+    <dgm:txPr/>
+    <dgm:style>
+      <a:lnRef idx="2">
+        <a:scrgbClr r="0" g="0" b="0"/>
+      </a:lnRef>
+      <a:fillRef idx="0">
+        <a:scrgbClr r="0" g="0" b="0"/>
+      </a:fillRef>
+      <a:effectRef idx="0">
+        <a:scrgbClr r="0" g="0" b="0"/>
+      </a:effectRef>
+      <a:fontRef idx="minor"/>
+    </dgm:style>
+  </dgm:styleLbl>
+  <dgm:styleLbl name="parChTrans1D3">
+    <dgm:scene3d>
+      <a:camera prst="orthographicFront"/>
+      <a:lightRig rig="threePt" dir="t"/>
+    </dgm:scene3d>
+    <dgm:sp3d/>
+    <dgm:txPr/>
+    <dgm:style>
+      <a:lnRef idx="2">
+        <a:scrgbClr r="0" g="0" b="0"/>
+      </a:lnRef>
+      <a:fillRef idx="0">
+        <a:scrgbClr r="0" g="0" b="0"/>
+      </a:fillRef>
+      <a:effectRef idx="0">
+        <a:scrgbClr r="0" g="0" b="0"/>
+      </a:effectRef>
+      <a:fontRef idx="minor"/>
+    </dgm:style>
+  </dgm:styleLbl>
+  <dgm:styleLbl name="parChTrans1D4">
+    <dgm:scene3d>
+      <a:camera prst="orthographicFront"/>
+      <a:lightRig rig="threePt" dir="t"/>
+    </dgm:scene3d>
+    <dgm:sp3d/>
+    <dgm:txPr/>
+    <dgm:style>
+      <a:lnRef idx="2">
+        <a:scrgbClr r="0" g="0" b="0"/>
+      </a:lnRef>
+      <a:fillRef idx="0">
+        <a:scrgbClr r="0" g="0" b="0"/>
+      </a:fillRef>
+      <a:effectRef idx="0">
+        <a:scrgbClr r="0" g="0" b="0"/>
+      </a:effectRef>
+      <a:fontRef idx="minor"/>
+    </dgm:style>
+  </dgm:styleLbl>
+  <dgm:styleLbl name="fgAcc1">
+    <dgm:scene3d>
+      <a:camera prst="orthographicFront"/>
+      <a:lightRig rig="threePt" dir="t"/>
+    </dgm:scene3d>
+    <dgm:sp3d/>
+    <dgm:txPr/>
+    <dgm:style>
+      <a:lnRef idx="2">
+        <a:scrgbClr r="0" g="0" b="0"/>
+      </a:lnRef>
+      <a:fillRef idx="1">
+        <a:scrgbClr r="0" g="0" b="0"/>
+      </a:fillRef>
+      <a:effectRef idx="0">
+        <a:scrgbClr r="0" g="0" b="0"/>
+      </a:effectRef>
+      <a:fontRef idx="minor"/>
+    </dgm:style>
+  </dgm:styleLbl>
+  <dgm:styleLbl name="conFgAcc1">
+    <dgm:scene3d>
+      <a:camera prst="orthographicFront"/>
+      <a:lightRig rig="threePt" dir="t"/>
+    </dgm:scene3d>
+    <dgm:sp3d/>
+    <dgm:txPr/>
+    <dgm:style>
+      <a:lnRef idx="2">
+        <a:scrgbClr r="0" g="0" b="0"/>
+      </a:lnRef>
+      <a:fillRef idx="1">
+        <a:scrgbClr r="0" g="0" b="0"/>
+      </a:fillRef>
+      <a:effectRef idx="0">
+        <a:scrgbClr r="0" g="0" b="0"/>
+      </a:effectRef>
+      <a:fontRef idx="minor"/>
+    </dgm:style>
+  </dgm:styleLbl>
+  <dgm:styleLbl name="alignAcc1">
+    <dgm:scene3d>
+      <a:camera prst="orthographicFront"/>
+      <a:lightRig rig="threePt" dir="t"/>
+    </dgm:scene3d>
+    <dgm:sp3d/>
+    <dgm:txPr/>
+    <dgm:style>
+      <a:lnRef idx="2">
+        <a:scrgbClr r="0" g="0" b="0"/>
+      </a:lnRef>
+      <a:fillRef idx="1">
+        <a:scrgbClr r="0" g="0" b="0"/>
+      </a:fillRef>
+      <a:effectRef idx="0">
+        <a:scrgbClr r="0" g="0" b="0"/>
+      </a:effectRef>
+      <a:fontRef idx="minor"/>
+    </dgm:style>
+  </dgm:styleLbl>
+  <dgm:styleLbl name="trAlignAcc1">
+    <dgm:scene3d>
+      <a:camera prst="orthographicFront"/>
+      <a:lightRig rig="threePt" dir="t"/>
+    </dgm:scene3d>
+    <dgm:sp3d/>
+    <dgm:txPr/>
+    <dgm:style>
+      <a:lnRef idx="1">
+        <a:scrgbClr r="0" g="0" b="0"/>
+      </a:lnRef>
+      <a:fillRef idx="1">
+        <a:scrgbClr r="0" g="0" b="0"/>
+      </a:fillRef>
+      <a:effectRef idx="0">
+        <a:scrgbClr r="0" g="0" b="0"/>
+      </a:effectRef>
+      <a:fontRef idx="minor"/>
+    </dgm:style>
+  </dgm:styleLbl>
+  <dgm:styleLbl name="bgAcc1">
+    <dgm:scene3d>
+      <a:camera prst="orthographicFront"/>
+      <a:lightRig rig="threePt" dir="t"/>
+    </dgm:scene3d>
+    <dgm:sp3d/>
+    <dgm:txPr/>
+    <dgm:style>
+      <a:lnRef idx="2">
+        <a:scrgbClr r="0" g="0" b="0"/>
+      </a:lnRef>
+      <a:fillRef idx="1">
+        <a:scrgbClr r="0" g="0" b="0"/>
+      </a:fillRef>
+      <a:effectRef idx="0">
+        <a:scrgbClr r="0" g="0" b="0"/>
+      </a:effectRef>
+      <a:fontRef idx="minor"/>
+    </dgm:style>
+  </dgm:styleLbl>
+  <dgm:styleLbl name="solidFgAcc1">
+    <dgm:scene3d>
+      <a:camera prst="orthographicFront"/>
+      <a:lightRig rig="threePt" dir="t"/>
+    </dgm:scene3d>
+    <dgm:sp3d/>
+    <dgm:txPr/>
+    <dgm:style>
+      <a:lnRef idx="2">
+        <a:scrgbClr r="0" g="0" b="0"/>
+      </a:lnRef>
+      <a:fillRef idx="1">
+        <a:scrgbClr r="0" g="0" b="0"/>
+      </a:fillRef>
+      <a:effectRef idx="0">
+        <a:scrgbClr r="0" g="0" b="0"/>
+      </a:effectRef>
+      <a:fontRef idx="minor"/>
+    </dgm:style>
+  </dgm:styleLbl>
+  <dgm:styleLbl name="solidAlignAcc1">
+    <dgm:scene3d>
+      <a:camera prst="orthographicFront"/>
+      <a:lightRig rig="threePt" dir="t"/>
+    </dgm:scene3d>
+    <dgm:sp3d/>
+    <dgm:txPr/>
+    <dgm:style>
+      <a:lnRef idx="2">
+        <a:scrgbClr r="0" g="0" b="0"/>
+      </a:lnRef>
+      <a:fillRef idx="1">
+        <a:scrgbClr r="0" g="0" b="0"/>
+      </a:fillRef>
+      <a:effectRef idx="0">
+        <a:scrgbClr r="0" g="0" b="0"/>
+      </a:effectRef>
+      <a:fontRef idx="minor"/>
+    </dgm:style>
+  </dgm:styleLbl>
+  <dgm:styleLbl name="solidBgAcc1">
+    <dgm:scene3d>
+      <a:camera prst="orthographicFront"/>
+      <a:lightRig rig="threePt" dir="t"/>
+    </dgm:scene3d>
+    <dgm:sp3d/>
+    <dgm:txPr/>
+    <dgm:style>
+      <a:lnRef idx="2">
+        <a:scrgbClr r="0" g="0" b="0"/>
+      </a:lnRef>
+      <a:fillRef idx="1">
+        <a:scrgbClr r="0" g="0" b="0"/>
+      </a:fillRef>
+      <a:effectRef idx="0">
+        <a:scrgbClr r="0" g="0" b="0"/>
+      </a:effectRef>
+      <a:fontRef idx="minor"/>
+    </dgm:style>
+  </dgm:styleLbl>
+  <dgm:styleLbl name="fgAccFollowNode1">
+    <dgm:scene3d>
+      <a:camera prst="orthographicFront"/>
+      <a:lightRig rig="threePt" dir="t"/>
+    </dgm:scene3d>
+    <dgm:sp3d/>
+    <dgm:txPr/>
+    <dgm:style>
+      <a:lnRef idx="2">
+        <a:scrgbClr r="0" g="0" b="0"/>
+      </a:lnRef>
+      <a:fillRef idx="1">
+        <a:scrgbClr r="0" g="0" b="0"/>
+      </a:fillRef>
+      <a:effectRef idx="0">
+        <a:scrgbClr r="0" g="0" b="0"/>
+      </a:effectRef>
+      <a:fontRef idx="minor"/>
+    </dgm:style>
+  </dgm:styleLbl>
+  <dgm:styleLbl name="alignAccFollowNode1">
+    <dgm:scene3d>
+      <a:camera prst="orthographicFront"/>
+      <a:lightRig rig="threePt" dir="t"/>
+    </dgm:scene3d>
+    <dgm:sp3d/>
+    <dgm:txPr/>
+    <dgm:style>
+      <a:lnRef idx="2">
+        <a:scrgbClr r="0" g="0" b="0"/>
+      </a:lnRef>
+      <a:fillRef idx="1">
+        <a:scrgbClr r="0" g="0" b="0"/>
+      </a:fillRef>
+      <a:effectRef idx="0">
+        <a:scrgbClr r="0" g="0" b="0"/>
+      </a:effectRef>
+      <a:fontRef idx="minor"/>
+    </dgm:style>
+  </dgm:styleLbl>
+  <dgm:styleLbl name="bgAccFollowNode1">
+    <dgm:scene3d>
+      <a:camera prst="orthographicFront"/>
+      <a:lightRig rig="threePt" dir="t"/>
+    </dgm:scene3d>
+    <dgm:sp3d/>
+    <dgm:txPr/>
+    <dgm:style>
+      <a:lnRef idx="2">
+        <a:scrgbClr r="0" g="0" b="0"/>
+      </a:lnRef>
+      <a:fillRef idx="1">
+        <a:scrgbClr r="0" g="0" b="0"/>
+      </a:fillRef>
+      <a:effectRef idx="0">
+        <a:scrgbClr r="0" g="0" b="0"/>
+      </a:effectRef>
+      <a:fontRef idx="minor"/>
+    </dgm:style>
+  </dgm:styleLbl>
+  <dgm:styleLbl name="fgAcc0">
+    <dgm:scene3d>
+      <a:camera prst="orthographicFront"/>
+      <a:lightRig rig="threePt" dir="t"/>
+    </dgm:scene3d>
+    <dgm:sp3d/>
+    <dgm:txPr/>
+    <dgm:style>
+      <a:lnRef idx="2">
+        <a:scrgbClr r="0" g="0" b="0"/>
+      </a:lnRef>
+      <a:fillRef idx="1">
+        <a:scrgbClr r="0" g="0" b="0"/>
+      </a:fillRef>
+      <a:effectRef idx="0">
+        <a:scrgbClr r="0" g="0" b="0"/>
+      </a:effectRef>
+      <a:fontRef idx="minor"/>
+    </dgm:style>
+  </dgm:styleLbl>
+  <dgm:styleLbl name="fgAcc2">
+    <dgm:scene3d>
+      <a:camera prst="orthographicFront"/>
+      <a:lightRig rig="threePt" dir="t"/>
+    </dgm:scene3d>
+    <dgm:sp3d/>
+    <dgm:txPr/>
+    <dgm:style>
+      <a:lnRef idx="2">
+        <a:scrgbClr r="0" g="0" b="0"/>
+      </a:lnRef>
+      <a:fillRef idx="1">
+        <a:scrgbClr r="0" g="0" b="0"/>
+      </a:fillRef>
+      <a:effectRef idx="0">
+        <a:scrgbClr r="0" g="0" b="0"/>
+      </a:effectRef>
+      <a:fontRef idx="minor"/>
+    </dgm:style>
+  </dgm:styleLbl>
+  <dgm:styleLbl name="fgAcc3">
+    <dgm:scene3d>
+      <a:camera prst="orthographicFront"/>
+      <a:lightRig rig="threePt" dir="t"/>
+    </dgm:scene3d>
+    <dgm:sp3d/>
+    <dgm:txPr/>
+    <dgm:style>
+      <a:lnRef idx="2">
+        <a:scrgbClr r="0" g="0" b="0"/>
+      </a:lnRef>
+      <a:fillRef idx="1">
+        <a:scrgbClr r="0" g="0" b="0"/>
+      </a:fillRef>
+      <a:effectRef idx="0">
+        <a:scrgbClr r="0" g="0" b="0"/>
+      </a:effectRef>
+      <a:fontRef idx="minor"/>
+    </dgm:style>
+  </dgm:styleLbl>
+  <dgm:styleLbl name="fgAcc4">
+    <dgm:scene3d>
+      <a:camera prst="orthographicFront"/>
+      <a:lightRig rig="threePt" dir="t"/>
+    </dgm:scene3d>
+    <dgm:sp3d/>
+    <dgm:txPr/>
+    <dgm:style>
+      <a:lnRef idx="2">
+        <a:scrgbClr r="0" g="0" b="0"/>
+      </a:lnRef>
+      <a:fillRef idx="1">
+        <a:scrgbClr r="0" g="0" b="0"/>
+      </a:fillRef>
+      <a:effectRef idx="0">
+        <a:scrgbClr r="0" g="0" b="0"/>
+      </a:effectRef>
+      <a:fontRef idx="minor"/>
+    </dgm:style>
+  </dgm:styleLbl>
+  <dgm:styleLbl name="bgShp">
+    <dgm:scene3d>
+      <a:camera prst="orthographicFront"/>
+      <a:lightRig rig="threePt" dir="t"/>
+    </dgm:scene3d>
+    <dgm:sp3d/>
+    <dgm:txPr/>
+    <dgm:style>
+      <a:lnRef idx="0">
+        <a:scrgbClr r="0" g="0" b="0"/>
+      </a:lnRef>
+      <a:fillRef idx="1">
+        <a:scrgbClr r="0" g="0" b="0"/>
+      </a:fillRef>
+      <a:effectRef idx="0">
+        <a:scrgbClr r="0" g="0" b="0"/>
+      </a:effectRef>
+      <a:fontRef idx="minor"/>
+    </dgm:style>
+  </dgm:styleLbl>
+  <dgm:styleLbl name="dkBgShp">
+    <dgm:scene3d>
+      <a:camera prst="orthographicFront"/>
+      <a:lightRig rig="threePt" dir="t"/>
+    </dgm:scene3d>
+    <dgm:sp3d/>
+    <dgm:txPr/>
+    <dgm:style>
+      <a:lnRef idx="0">
+        <a:scrgbClr r="0" g="0" b="0"/>
+      </a:lnRef>
+      <a:fillRef idx="1">
+        <a:scrgbClr r="0" g="0" b="0"/>
+      </a:fillRef>
+      <a:effectRef idx="0">
+        <a:scrgbClr r="0" g="0" b="0"/>
+      </a:effectRef>
+      <a:fontRef idx="minor"/>
+    </dgm:style>
+  </dgm:styleLbl>
+  <dgm:styleLbl name="trBgShp">
+    <dgm:scene3d>
+      <a:camera prst="orthographicFront"/>
+      <a:lightRig rig="threePt" dir="t"/>
+    </dgm:scene3d>
+    <dgm:sp3d/>
+    <dgm:txPr/>
+    <dgm:style>
+      <a:lnRef idx="0">
+        <a:scrgbClr r="0" g="0" b="0"/>
+      </a:lnRef>
+      <a:fillRef idx="1">
+        <a:scrgbClr r="0" g="0" b="0"/>
+      </a:fillRef>
+      <a:effectRef idx="0">
+        <a:scrgbClr r="0" g="0" b="0"/>
+      </a:effectRef>
+      <a:fontRef idx="minor"/>
+    </dgm:style>
+  </dgm:styleLbl>
+  <dgm:styleLbl name="fgShp">
+    <dgm:scene3d>
+      <a:camera prst="orthographicFront"/>
+      <a:lightRig rig="threePt" dir="t"/>
+    </dgm:scene3d>
+    <dgm:sp3d/>
+    <dgm:txPr/>
+    <dgm:style>
+      <a:lnRef idx="2">
+        <a:scrgbClr r="0" g="0" b="0"/>
+      </a:lnRef>
+      <a:fillRef idx="1">
+        <a:scrgbClr r="0" g="0" b="0"/>
+      </a:fillRef>
+      <a:effectRef idx="0">
+        <a:scrgbClr r="0" g="0" b="0"/>
+      </a:effectRef>
+      <a:fontRef idx="minor"/>
+    </dgm:style>
+  </dgm:styleLbl>
+  <dgm:styleLbl name="revTx">
+    <dgm:scene3d>
+      <a:camera prst="orthographicFront"/>
+      <a:lightRig rig="threePt" dir="t"/>
+    </dgm:scene3d>
+    <dgm:sp3d/>
+    <dgm:txPr/>
+    <dgm:style>
+      <a:lnRef idx="0">
+        <a:scrgbClr r="0" g="0" b="0"/>
+      </a:lnRef>
+      <a:fillRef idx="0">
+        <a:scrgbClr r="0" g="0" b="0"/>
+      </a:fillRef>
+      <a:effectRef idx="0">
+        <a:scrgbClr r="0" g="0" b="0"/>
+      </a:effectRef>
+      <a:fontRef idx="minor"/>
+    </dgm:style>
+  </dgm:styleLbl>
+</dgm:styleDef>
+</file>
+
+<file path=ppt/diagrams/quickStyle2.xml><?xml version="1.0" encoding="utf-8"?>
+<dgm:styleDef xmlns:dgm="http://schemas.openxmlformats.org/drawingml/2006/diagram" xmlns:a="http://schemas.openxmlformats.org/drawingml/2006/main" uniqueId="urn:microsoft.com/office/officeart/2005/8/quickstyle/simple1">
+  <dgm:title val=""/>
+  <dgm:desc val=""/>
+  <dgm:catLst>
+    <dgm:cat type="simple" pri="10100"/>
+  </dgm:catLst>
+  <dgm:scene3d>
+    <a:camera prst="orthographicFront"/>
+    <a:lightRig rig="threePt" dir="t"/>
+  </dgm:scene3d>
+  <dgm:styleLbl name="node0">
+    <dgm:scene3d>
+      <a:camera prst="orthographicFront"/>
+      <a:lightRig rig="threePt" dir="t"/>
+    </dgm:scene3d>
+    <dgm:sp3d/>
+    <dgm:txPr/>
+    <dgm:style>
+      <a:lnRef idx="2">
+        <a:scrgbClr r="0" g="0" b="0"/>
+      </a:lnRef>
+      <a:fillRef idx="1">
+        <a:scrgbClr r="0" g="0" b="0"/>
+      </a:fillRef>
+      <a:effectRef idx="0">
+        <a:scrgbClr r="0" g="0" b="0"/>
+      </a:effectRef>
+      <a:fontRef idx="minor">
+        <a:schemeClr val="lt1"/>
+      </a:fontRef>
+    </dgm:style>
+  </dgm:styleLbl>
+  <dgm:styleLbl name="lnNode1">
+    <dgm:scene3d>
+      <a:camera prst="orthographicFront"/>
+      <a:lightRig rig="threePt" dir="t"/>
+    </dgm:scene3d>
+    <dgm:sp3d/>
+    <dgm:txPr/>
+    <dgm:style>
+      <a:lnRef idx="2">
+        <a:scrgbClr r="0" g="0" b="0"/>
+      </a:lnRef>
+      <a:fillRef idx="1">
+        <a:scrgbClr r="0" g="0" b="0"/>
+      </a:fillRef>
+      <a:effectRef idx="0">
+        <a:scrgbClr r="0" g="0" b="0"/>
+      </a:effectRef>
+      <a:fontRef idx="minor">
+        <a:schemeClr val="lt1"/>
+      </a:fontRef>
+    </dgm:style>
+  </dgm:styleLbl>
+  <dgm:styleLbl name="vennNode1">
+    <dgm:scene3d>
+      <a:camera prst="orthographicFront"/>
+      <a:lightRig rig="threePt" dir="t"/>
+    </dgm:scene3d>
+    <dgm:sp3d/>
+    <dgm:txPr/>
+    <dgm:style>
+      <a:lnRef idx="2">
+        <a:scrgbClr r="0" g="0" b="0"/>
+      </a:lnRef>
+      <a:fillRef idx="1">
+        <a:scrgbClr r="0" g="0" b="0"/>
+      </a:fillRef>
+      <a:effectRef idx="0">
+        <a:scrgbClr r="0" g="0" b="0"/>
+      </a:effectRef>
+      <a:fontRef idx="minor">
+        <a:schemeClr val="tx1"/>
+      </a:fontRef>
+    </dgm:style>
+  </dgm:styleLbl>
+  <dgm:styleLbl name="alignNode1">
+    <dgm:scene3d>
+      <a:camera prst="orthographicFront"/>
+      <a:lightRig rig="threePt" dir="t"/>
+    </dgm:scene3d>
+    <dgm:sp3d/>
+    <dgm:txPr/>
+    <dgm:style>
+      <a:lnRef idx="2">
+        <a:scrgbClr r="0" g="0" b="0"/>
+      </a:lnRef>
+      <a:fillRef idx="1">
+        <a:scrgbClr r="0" g="0" b="0"/>
+      </a:fillRef>
+      <a:effectRef idx="0">
+        <a:scrgbClr r="0" g="0" b="0"/>
+      </a:effectRef>
+      <a:fontRef idx="minor">
+        <a:schemeClr val="lt1"/>
+      </a:fontRef>
+    </dgm:style>
+  </dgm:styleLbl>
+  <dgm:styleLbl name="node1">
+    <dgm:scene3d>
+      <a:camera prst="orthographicFront"/>
+      <a:lightRig rig="threePt" dir="t"/>
+    </dgm:scene3d>
+    <dgm:sp3d/>
+    <dgm:txPr/>
+    <dgm:style>
+      <a:lnRef idx="2">
+        <a:scrgbClr r="0" g="0" b="0"/>
+      </a:lnRef>
+      <a:fillRef idx="1">
+        <a:scrgbClr r="0" g="0" b="0"/>
+      </a:fillRef>
+      <a:effectRef idx="0">
+        <a:scrgbClr r="0" g="0" b="0"/>
+      </a:effectRef>
+      <a:fontRef idx="minor">
+        <a:schemeClr val="lt1"/>
+      </a:fontRef>
+    </dgm:style>
+  </dgm:styleLbl>
+  <dgm:styleLbl name="node2">
+    <dgm:scene3d>
+      <a:camera prst="orthographicFront"/>
+      <a:lightRig rig="threePt" dir="t"/>
+    </dgm:scene3d>
+    <dgm:sp3d/>
+    <dgm:txPr/>
+    <dgm:style>
+      <a:lnRef idx="2">
+        <a:scrgbClr r="0" g="0" b="0"/>
+      </a:lnRef>
+      <a:fillRef idx="1">
+        <a:scrgbClr r="0" g="0" b="0"/>
+      </a:fillRef>
+      <a:effectRef idx="0">
+        <a:scrgbClr r="0" g="0" b="0"/>
+      </a:effectRef>
+      <a:fontRef idx="minor">
+        <a:schemeClr val="lt1"/>
+      </a:fontRef>
+    </dgm:style>
+  </dgm:styleLbl>
+  <dgm:styleLbl name="node3">
+    <dgm:scene3d>
+      <a:camera prst="orthographicFront"/>
+      <a:lightRig rig="threePt" dir="t"/>
+    </dgm:scene3d>
+    <dgm:sp3d/>
+    <dgm:txPr/>
+    <dgm:style>
+      <a:lnRef idx="2">
+        <a:scrgbClr r="0" g="0" b="0"/>
+      </a:lnRef>
+      <a:fillRef idx="1">
+        <a:scrgbClr r="0" g="0" b="0"/>
+      </a:fillRef>
+      <a:effectRef idx="0">
+        <a:scrgbClr r="0" g="0" b="0"/>
+      </a:effectRef>
+      <a:fontRef idx="minor">
+        <a:schemeClr val="lt1"/>
+      </a:fontRef>
+    </dgm:style>
+  </dgm:styleLbl>
+  <dgm:styleLbl name="node4">
+    <dgm:scene3d>
+      <a:camera prst="orthographicFront"/>
+      <a:lightRig rig="threePt" dir="t"/>
+    </dgm:scene3d>
+    <dgm:sp3d/>
+    <dgm:txPr/>
+    <dgm:style>
+      <a:lnRef idx="2">
+        <a:scrgbClr r="0" g="0" b="0"/>
+      </a:lnRef>
+      <a:fillRef idx="1">
+        <a:scrgbClr r="0" g="0" b="0"/>
+      </a:fillRef>
+      <a:effectRef idx="0">
+        <a:scrgbClr r="0" g="0" b="0"/>
+      </a:effectRef>
+      <a:fontRef idx="minor">
+        <a:schemeClr val="lt1"/>
+      </a:fontRef>
+    </dgm:style>
+  </dgm:styleLbl>
+  <dgm:styleLbl name="fgImgPlace1">
+    <dgm:scene3d>
+      <a:camera prst="orthographicFront"/>
+      <a:lightRig rig="threePt" dir="t"/>
+    </dgm:scene3d>
+    <dgm:sp3d/>
+    <dgm:txPr/>
+    <dgm:style>
+      <a:lnRef idx="2">
+        <a:scrgbClr r="0" g="0" b="0"/>
+      </a:lnRef>
+      <a:fillRef idx="1">
+        <a:scrgbClr r="0" g="0" b="0"/>
+      </a:fillRef>
+      <a:effectRef idx="0">
+        <a:scrgbClr r="0" g="0" b="0"/>
+      </a:effectRef>
+      <a:fontRef idx="minor"/>
+    </dgm:style>
+  </dgm:styleLbl>
+  <dgm:styleLbl name="alignImgPlace1">
+    <dgm:scene3d>
+      <a:camera prst="orthographicFront"/>
+      <a:lightRig rig="threePt" dir="t"/>
+    </dgm:scene3d>
+    <dgm:sp3d/>
+    <dgm:txPr/>
+    <dgm:style>
+      <a:lnRef idx="2">
+        <a:scrgbClr r="0" g="0" b="0"/>
+      </a:lnRef>
+      <a:fillRef idx="1">
+        <a:scrgbClr r="0" g="0" b="0"/>
+      </a:fillRef>
+      <a:effectRef idx="0">
+        <a:scrgbClr r="0" g="0" b="0"/>
+      </a:effectRef>
+      <a:fontRef idx="minor"/>
+    </dgm:style>
+  </dgm:styleLbl>
+  <dgm:styleLbl name="bgImgPlace1">
+    <dgm:scene3d>
+      <a:camera prst="orthographicFront"/>
+      <a:lightRig rig="threePt" dir="t"/>
+    </dgm:scene3d>
+    <dgm:sp3d/>
+    <dgm:txPr/>
+    <dgm:style>
+      <a:lnRef idx="2">
+        <a:scrgbClr r="0" g="0" b="0"/>
+      </a:lnRef>
+      <a:fillRef idx="1">
+        <a:scrgbClr r="0" g="0" b="0"/>
+      </a:fillRef>
+      <a:effectRef idx="0">
+        <a:scrgbClr r="0" g="0" b="0"/>
+      </a:effectRef>
+      <a:fontRef idx="minor"/>
+    </dgm:style>
+  </dgm:styleLbl>
+  <dgm:styleLbl name="sibTrans2D1">
+    <dgm:scene3d>
+      <a:camera prst="orthographicFront"/>
+      <a:lightRig rig="threePt" dir="t"/>
+    </dgm:scene3d>
+    <dgm:sp3d/>
+    <dgm:txPr/>
+    <dgm:style>
+      <a:lnRef idx="0">
+        <a:scrgbClr r="0" g="0" b="0"/>
+      </a:lnRef>
+      <a:fillRef idx="1">
+        <a:scrgbClr r="0" g="0" b="0"/>
+      </a:fillRef>
+      <a:effectRef idx="0">
+        <a:scrgbClr r="0" g="0" b="0"/>
+      </a:effectRef>
+      <a:fontRef idx="minor">
+        <a:schemeClr val="lt1"/>
+      </a:fontRef>
+    </dgm:style>
+  </dgm:styleLbl>
+  <dgm:styleLbl name="fgSibTrans2D1">
+    <dgm:scene3d>
+      <a:camera prst="orthographicFront"/>
+      <a:lightRig rig="threePt" dir="t"/>
+    </dgm:scene3d>
+    <dgm:sp3d/>
+    <dgm:txPr/>
+    <dgm:style>
+      <a:lnRef idx="0">
+        <a:scrgbClr r="0" g="0" b="0"/>
+      </a:lnRef>
+      <a:fillRef idx="1">
+        <a:scrgbClr r="0" g="0" b="0"/>
+      </a:fillRef>
+      <a:effectRef idx="0">
+        <a:scrgbClr r="0" g="0" b="0"/>
+      </a:effectRef>
+      <a:fontRef idx="minor">
+        <a:schemeClr val="lt1"/>
+      </a:fontRef>
+    </dgm:style>
+  </dgm:styleLbl>
+  <dgm:styleLbl name="bgSibTrans2D1">
+    <dgm:scene3d>
+      <a:camera prst="orthographicFront"/>
+      <a:lightRig rig="threePt" dir="t"/>
+    </dgm:scene3d>
+    <dgm:sp3d/>
+    <dgm:txPr/>
+    <dgm:style>
+      <a:lnRef idx="0">
+        <a:scrgbClr r="0" g="0" b="0"/>
+      </a:lnRef>
+      <a:fillRef idx="1">
+        <a:scrgbClr r="0" g="0" b="0"/>
+      </a:fillRef>
+      <a:effectRef idx="0">
+        <a:scrgbClr r="0" g="0" b="0"/>
+      </a:effectRef>
+      <a:fontRef idx="minor">
+        <a:schemeClr val="lt1"/>
+      </a:fontRef>
+    </dgm:style>
+  </dgm:styleLbl>
+  <dgm:styleLbl name="sibTrans1D1">
+    <dgm:scene3d>
+      <a:camera prst="orthographicFront"/>
+      <a:lightRig rig="threePt" dir="t"/>
+    </dgm:scene3d>
+    <dgm:sp3d/>
+    <dgm:txPr/>
+    <dgm:style>
+      <a:lnRef idx="1">
+        <a:scrgbClr r="0" g="0" b="0"/>
+      </a:lnRef>
+      <a:fillRef idx="0">
+        <a:scrgbClr r="0" g="0" b="0"/>
+      </a:fillRef>
+      <a:effectRef idx="0">
+        <a:scrgbClr r="0" g="0" b="0"/>
+      </a:effectRef>
+      <a:fontRef idx="minor"/>
+    </dgm:style>
+  </dgm:styleLbl>
+  <dgm:styleLbl name="callout">
+    <dgm:scene3d>
+      <a:camera prst="orthographicFront"/>
+      <a:lightRig rig="threePt" dir="t"/>
+    </dgm:scene3d>
+    <dgm:sp3d/>
+    <dgm:txPr/>
+    <dgm:style>
+      <a:lnRef idx="2">
+        <a:scrgbClr r="0" g="0" b="0"/>
+      </a:lnRef>
+      <a:fillRef idx="1">
+        <a:scrgbClr r="0" g="0" b="0"/>
+      </a:fillRef>
+      <a:effectRef idx="0">
+        <a:scrgbClr r="0" g="0" b="0"/>
+      </a:effectRef>
+      <a:fontRef idx="minor"/>
+    </dgm:style>
+  </dgm:styleLbl>
+  <dgm:styleLbl name="asst0">
+    <dgm:scene3d>
+      <a:camera prst="orthographicFront"/>
+      <a:lightRig rig="threePt" dir="t"/>
+    </dgm:scene3d>
+    <dgm:sp3d/>
+    <dgm:txPr/>
+    <dgm:style>
+      <a:lnRef idx="2">
+        <a:scrgbClr r="0" g="0" b="0"/>
+      </a:lnRef>
+      <a:fillRef idx="1">
+        <a:scrgbClr r="0" g="0" b="0"/>
+      </a:fillRef>
+      <a:effectRef idx="0">
+        <a:scrgbClr r="0" g="0" b="0"/>
+      </a:effectRef>
+      <a:fontRef idx="minor">
+        <a:schemeClr val="lt1"/>
+      </a:fontRef>
+    </dgm:style>
+  </dgm:styleLbl>
+  <dgm:styleLbl name="asst1">
+    <dgm:scene3d>
+      <a:camera prst="orthographicFront"/>
+      <a:lightRig rig="threePt" dir="t"/>
+    </dgm:scene3d>
+    <dgm:sp3d/>
+    <dgm:txPr/>
+    <dgm:style>
+      <a:lnRef idx="2">
+        <a:scrgbClr r="0" g="0" b="0"/>
+      </a:lnRef>
+      <a:fillRef idx="1">
+        <a:scrgbClr r="0" g="0" b="0"/>
+      </a:fillRef>
+      <a:effectRef idx="0">
+        <a:scrgbClr r="0" g="0" b="0"/>
+      </a:effectRef>
+      <a:fontRef idx="minor">
+        <a:schemeClr val="lt1"/>
+      </a:fontRef>
+    </dgm:style>
+  </dgm:styleLbl>
+  <dgm:styleLbl name="asst2">
+    <dgm:scene3d>
+      <a:camera prst="orthographicFront"/>
+      <a:lightRig rig="threePt" dir="t"/>
+    </dgm:scene3d>
+    <dgm:sp3d/>
+    <dgm:txPr/>
+    <dgm:style>
+      <a:lnRef idx="2">
+        <a:scrgbClr r="0" g="0" b="0"/>
+      </a:lnRef>
+      <a:fillRef idx="1">
+        <a:scrgbClr r="0" g="0" b="0"/>
+      </a:fillRef>
+      <a:effectRef idx="0">
+        <a:scrgbClr r="0" g="0" b="0"/>
+      </a:effectRef>
+      <a:fontRef idx="minor">
+        <a:schemeClr val="lt1"/>
+      </a:fontRef>
+    </dgm:style>
+  </dgm:styleLbl>
+  <dgm:styleLbl name="asst3">
+    <dgm:scene3d>
+      <a:camera prst="orthographicFront"/>
+      <a:lightRig rig="threePt" dir="t"/>
+    </dgm:scene3d>
+    <dgm:sp3d/>
+    <dgm:txPr/>
+    <dgm:style>
+      <a:lnRef idx="2">
+        <a:scrgbClr r="0" g="0" b="0"/>
+      </a:lnRef>
+      <a:fillRef idx="1">
+        <a:scrgbClr r="0" g="0" b="0"/>
+      </a:fillRef>
+      <a:effectRef idx="0">
+        <a:scrgbClr r="0" g="0" b="0"/>
+      </a:effectRef>
+      <a:fontRef idx="minor">
+        <a:schemeClr val="lt1"/>
+      </a:fontRef>
+    </dgm:style>
+  </dgm:styleLbl>
+  <dgm:styleLbl name="asst4">
+    <dgm:scene3d>
+      <a:camera prst="orthographicFront"/>
+      <a:lightRig rig="threePt" dir="t"/>
+    </dgm:scene3d>
+    <dgm:sp3d/>
+    <dgm:txPr/>
+    <dgm:style>
+      <a:lnRef idx="2">
+        <a:scrgbClr r="0" g="0" b="0"/>
+      </a:lnRef>
+      <a:fillRef idx="1">
+        <a:scrgbClr r="0" g="0" b="0"/>
+      </a:fillRef>
+      <a:effectRef idx="0">
+        <a:scrgbClr r="0" g="0" b="0"/>
+      </a:effectRef>
+      <a:fontRef idx="minor">
+        <a:schemeClr val="lt1"/>
+      </a:fontRef>
+    </dgm:style>
+  </dgm:styleLbl>
+  <dgm:styleLbl name="parChTrans2D1">
+    <dgm:scene3d>
+      <a:camera prst="orthographicFront"/>
+      <a:lightRig rig="threePt" dir="t"/>
+    </dgm:scene3d>
+    <dgm:sp3d/>
+    <dgm:txPr/>
+    <dgm:style>
+      <a:lnRef idx="2">
+        <a:scrgbClr r="0" g="0" b="0"/>
+      </a:lnRef>
+      <a:fillRef idx="1">
+        <a:scrgbClr r="0" g="0" b="0"/>
+      </a:fillRef>
+      <a:effectRef idx="0">
+        <a:scrgbClr r="0" g="0" b="0"/>
+      </a:effectRef>
+      <a:fontRef idx="minor">
+        <a:schemeClr val="lt1"/>
+      </a:fontRef>
+    </dgm:style>
+  </dgm:styleLbl>
+  <dgm:styleLbl name="parChTrans2D2">
+    <dgm:scene3d>
+      <a:camera prst="orthographicFront"/>
+      <a:lightRig rig="threePt" dir="t"/>
+    </dgm:scene3d>
+    <dgm:sp3d/>
+    <dgm:txPr/>
+    <dgm:style>
+      <a:lnRef idx="2">
+        <a:scrgbClr r="0" g="0" b="0"/>
+      </a:lnRef>
+      <a:fillRef idx="1">
+        <a:scrgbClr r="0" g="0" b="0"/>
+      </a:fillRef>
+      <a:effectRef idx="0">
+        <a:scrgbClr r="0" g="0" b="0"/>
+      </a:effectRef>
+      <a:fontRef idx="minor">
+        <a:schemeClr val="lt1"/>
+      </a:fontRef>
+    </dgm:style>
+  </dgm:styleLbl>
+  <dgm:styleLbl name="parChTrans2D3">
+    <dgm:scene3d>
+      <a:camera prst="orthographicFront"/>
+      <a:lightRig rig="threePt" dir="t"/>
+    </dgm:scene3d>
+    <dgm:sp3d/>
+    <dgm:txPr/>
+    <dgm:style>
+      <a:lnRef idx="2">
+        <a:scrgbClr r="0" g="0" b="0"/>
+      </a:lnRef>
+      <a:fillRef idx="1">
+        <a:scrgbClr r="0" g="0" b="0"/>
+      </a:fillRef>
+      <a:effectRef idx="0">
+        <a:scrgbClr r="0" g="0" b="0"/>
+      </a:effectRef>
+      <a:fontRef idx="minor">
+        <a:schemeClr val="lt1"/>
+      </a:fontRef>
+    </dgm:style>
+  </dgm:styleLbl>
+  <dgm:styleLbl name="parChTrans2D4">
+    <dgm:scene3d>
+      <a:camera prst="orthographicFront"/>
+      <a:lightRig rig="threePt" dir="t"/>
+    </dgm:scene3d>
+    <dgm:sp3d/>
+    <dgm:txPr/>
+    <dgm:style>
+      <a:lnRef idx="2">
+        <a:scrgbClr r="0" g="0" b="0"/>
+      </a:lnRef>
+      <a:fillRef idx="1">
+        <a:scrgbClr r="0" g="0" b="0"/>
+      </a:fillRef>
+      <a:effectRef idx="0">
+        <a:scrgbClr r="0" g="0" b="0"/>
+      </a:effectRef>
+      <a:fontRef idx="minor">
+        <a:schemeClr val="lt1"/>
+      </a:fontRef>
+    </dgm:style>
+  </dgm:styleLbl>
+  <dgm:styleLbl name="parChTrans1D1">
+    <dgm:scene3d>
+      <a:camera prst="orthographicFront"/>
+      <a:lightRig rig="threePt" dir="t"/>
+    </dgm:scene3d>
+    <dgm:sp3d/>
+    <dgm:txPr/>
+    <dgm:style>
+      <a:lnRef idx="2">
+        <a:scrgbClr r="0" g="0" b="0"/>
+      </a:lnRef>
+      <a:fillRef idx="0">
+        <a:scrgbClr r="0" g="0" b="0"/>
+      </a:fillRef>
+      <a:effectRef idx="0">
+        <a:scrgbClr r="0" g="0" b="0"/>
+      </a:effectRef>
+      <a:fontRef idx="minor"/>
+    </dgm:style>
+  </dgm:styleLbl>
+  <dgm:styleLbl name="parChTrans1D2">
+    <dgm:scene3d>
+      <a:camera prst="orthographicFront"/>
+      <a:lightRig rig="threePt" dir="t"/>
+    </dgm:scene3d>
+    <dgm:sp3d/>
+    <dgm:txPr/>
+    <dgm:style>
+      <a:lnRef idx="2">
+        <a:scrgbClr r="0" g="0" b="0"/>
+      </a:lnRef>
+      <a:fillRef idx="0">
+        <a:scrgbClr r="0" g="0" b="0"/>
+      </a:fillRef>
+      <a:effectRef idx="0">
+        <a:scrgbClr r="0" g="0" b="0"/>
+      </a:effectRef>
+      <a:fontRef idx="minor"/>
+    </dgm:style>
+  </dgm:styleLbl>
+  <dgm:styleLbl name="parChTrans1D3">
+    <dgm:scene3d>
+      <a:camera prst="orthographicFront"/>
+      <a:lightRig rig="threePt" dir="t"/>
+    </dgm:scene3d>
+    <dgm:sp3d/>
+    <dgm:txPr/>
+    <dgm:style>
+      <a:lnRef idx="2">
+        <a:scrgbClr r="0" g="0" b="0"/>
+      </a:lnRef>
+      <a:fillRef idx="0">
+        <a:scrgbClr r="0" g="0" b="0"/>
+      </a:fillRef>
+      <a:effectRef idx="0">
+        <a:scrgbClr r="0" g="0" b="0"/>
+      </a:effectRef>
+      <a:fontRef idx="minor"/>
+    </dgm:style>
+  </dgm:styleLbl>
+  <dgm:styleLbl name="parChTrans1D4">
+    <dgm:scene3d>
+      <a:camera prst="orthographicFront"/>
+      <a:lightRig rig="threePt" dir="t"/>
+    </dgm:scene3d>
+    <dgm:sp3d/>
+    <dgm:txPr/>
+    <dgm:style>
+      <a:lnRef idx="2">
+        <a:scrgbClr r="0" g="0" b="0"/>
+      </a:lnRef>
+      <a:fillRef idx="0">
+        <a:scrgbClr r="0" g="0" b="0"/>
+      </a:fillRef>
+      <a:effectRef idx="0">
+        <a:scrgbClr r="0" g="0" b="0"/>
+      </a:effectRef>
+      <a:fontRef idx="minor"/>
+    </dgm:style>
+  </dgm:styleLbl>
+  <dgm:styleLbl name="fgAcc1">
+    <dgm:scene3d>
+      <a:camera prst="orthographicFront"/>
+      <a:lightRig rig="threePt" dir="t"/>
+    </dgm:scene3d>
+    <dgm:sp3d/>
+    <dgm:txPr/>
+    <dgm:style>
+      <a:lnRef idx="2">
+        <a:scrgbClr r="0" g="0" b="0"/>
+      </a:lnRef>
+      <a:fillRef idx="1">
+        <a:scrgbClr r="0" g="0" b="0"/>
+      </a:fillRef>
+      <a:effectRef idx="0">
+        <a:scrgbClr r="0" g="0" b="0"/>
+      </a:effectRef>
+      <a:fontRef idx="minor"/>
+    </dgm:style>
+  </dgm:styleLbl>
+  <dgm:styleLbl name="conFgAcc1">
+    <dgm:scene3d>
+      <a:camera prst="orthographicFront"/>
+      <a:lightRig rig="threePt" dir="t"/>
+    </dgm:scene3d>
+    <dgm:sp3d/>
+    <dgm:txPr/>
+    <dgm:style>
+      <a:lnRef idx="2">
+        <a:scrgbClr r="0" g="0" b="0"/>
+      </a:lnRef>
+      <a:fillRef idx="1">
+        <a:scrgbClr r="0" g="0" b="0"/>
+      </a:fillRef>
+      <a:effectRef idx="0">
+        <a:scrgbClr r="0" g="0" b="0"/>
+      </a:effectRef>
+      <a:fontRef idx="minor"/>
+    </dgm:style>
+  </dgm:styleLbl>
+  <dgm:styleLbl name="alignAcc1">
+    <dgm:scene3d>
+      <a:camera prst="orthographicFront"/>
+      <a:lightRig rig="threePt" dir="t"/>
+    </dgm:scene3d>
+    <dgm:sp3d/>
+    <dgm:txPr/>
+    <dgm:style>
+      <a:lnRef idx="2">
+        <a:scrgbClr r="0" g="0" b="0"/>
+      </a:lnRef>
+      <a:fillRef idx="1">
+        <a:scrgbClr r="0" g="0" b="0"/>
+      </a:fillRef>
+      <a:effectRef idx="0">
+        <a:scrgbClr r="0" g="0" b="0"/>
+      </a:effectRef>
+      <a:fontRef idx="minor"/>
+    </dgm:style>
+  </dgm:styleLbl>
+  <dgm:styleLbl name="trAlignAcc1">
+    <dgm:scene3d>
+      <a:camera prst="orthographicFront"/>
+      <a:lightRig rig="threePt" dir="t"/>
+    </dgm:scene3d>
+    <dgm:sp3d/>
+    <dgm:txPr/>
+    <dgm:style>
+      <a:lnRef idx="1">
+        <a:scrgbClr r="0" g="0" b="0"/>
+      </a:lnRef>
+      <a:fillRef idx="1">
+        <a:scrgbClr r="0" g="0" b="0"/>
+      </a:fillRef>
+      <a:effectRef idx="0">
+        <a:scrgbClr r="0" g="0" b="0"/>
+      </a:effectRef>
+      <a:fontRef idx="minor"/>
+    </dgm:style>
+  </dgm:styleLbl>
+  <dgm:styleLbl name="bgAcc1">
+    <dgm:scene3d>
+      <a:camera prst="orthographicFront"/>
+      <a:lightRig rig="threePt" dir="t"/>
+    </dgm:scene3d>
+    <dgm:sp3d/>
+    <dgm:txPr/>
+    <dgm:style>
+      <a:lnRef idx="2">
+        <a:scrgbClr r="0" g="0" b="0"/>
+      </a:lnRef>
+      <a:fillRef idx="1">
+        <a:scrgbClr r="0" g="0" b="0"/>
+      </a:fillRef>
+      <a:effectRef idx="0">
+        <a:scrgbClr r="0" g="0" b="0"/>
+      </a:effectRef>
+      <a:fontRef idx="minor"/>
+    </dgm:style>
+  </dgm:styleLbl>
+  <dgm:styleLbl name="solidFgAcc1">
+    <dgm:scene3d>
+      <a:camera prst="orthographicFront"/>
+      <a:lightRig rig="threePt" dir="t"/>
+    </dgm:scene3d>
+    <dgm:sp3d/>
+    <dgm:txPr/>
+    <dgm:style>
+      <a:lnRef idx="2">
+        <a:scrgbClr r="0" g="0" b="0"/>
+      </a:lnRef>
+      <a:fillRef idx="1">
+        <a:scrgbClr r="0" g="0" b="0"/>
+      </a:fillRef>
+      <a:effectRef idx="0">
+        <a:scrgbClr r="0" g="0" b="0"/>
+      </a:effectRef>
+      <a:fontRef idx="minor"/>
+    </dgm:style>
+  </dgm:styleLbl>
+  <dgm:styleLbl name="solidAlignAcc1">
+    <dgm:scene3d>
+      <a:camera prst="orthographicFront"/>
+      <a:lightRig rig="threePt" dir="t"/>
+    </dgm:scene3d>
+    <dgm:sp3d/>
+    <dgm:txPr/>
+    <dgm:style>
+      <a:lnRef idx="2">
+        <a:scrgbClr r="0" g="0" b="0"/>
+      </a:lnRef>
+      <a:fillRef idx="1">
+        <a:scrgbClr r="0" g="0" b="0"/>
+      </a:fillRef>
+      <a:effectRef idx="0">
+        <a:scrgbClr r="0" g="0" b="0"/>
+      </a:effectRef>
+      <a:fontRef idx="minor"/>
+    </dgm:style>
+  </dgm:styleLbl>
+  <dgm:styleLbl name="solidBgAcc1">
+    <dgm:scene3d>
+      <a:camera prst="orthographicFront"/>
+      <a:lightRig rig="threePt" dir="t"/>
+    </dgm:scene3d>
+    <dgm:sp3d/>
+    <dgm:txPr/>
+    <dgm:style>
+      <a:lnRef idx="2">
+        <a:scrgbClr r="0" g="0" b="0"/>
+      </a:lnRef>
+      <a:fillRef idx="1">
+        <a:scrgbClr r="0" g="0" b="0"/>
+      </a:fillRef>
+      <a:effectRef idx="0">
+        <a:scrgbClr r="0" g="0" b="0"/>
+      </a:effectRef>
+      <a:fontRef idx="minor"/>
+    </dgm:style>
+  </dgm:styleLbl>
+  <dgm:styleLbl name="fgAccFollowNode1">
+    <dgm:scene3d>
+      <a:camera prst="orthographicFront"/>
+      <a:lightRig rig="threePt" dir="t"/>
+    </dgm:scene3d>
+    <dgm:sp3d/>
+    <dgm:txPr/>
+    <dgm:style>
+      <a:lnRef idx="2">
+        <a:scrgbClr r="0" g="0" b="0"/>
+      </a:lnRef>
+      <a:fillRef idx="1">
+        <a:scrgbClr r="0" g="0" b="0"/>
+      </a:fillRef>
+      <a:effectRef idx="0">
+        <a:scrgbClr r="0" g="0" b="0"/>
+      </a:effectRef>
+      <a:fontRef idx="minor"/>
+    </dgm:style>
+  </dgm:styleLbl>
+  <dgm:styleLbl name="alignAccFollowNode1">
+    <dgm:scene3d>
+      <a:camera prst="orthographicFront"/>
+      <a:lightRig rig="threePt" dir="t"/>
+    </dgm:scene3d>
+    <dgm:sp3d/>
+    <dgm:txPr/>
+    <dgm:style>
+      <a:lnRef idx="2">
+        <a:scrgbClr r="0" g="0" b="0"/>
+      </a:lnRef>
+      <a:fillRef idx="1">
+        <a:scrgbClr r="0" g="0" b="0"/>
+      </a:fillRef>
+      <a:effectRef idx="0">
+        <a:scrgbClr r="0" g="0" b="0"/>
+      </a:effectRef>
+      <a:fontRef idx="minor"/>
+    </dgm:style>
+  </dgm:styleLbl>
+  <dgm:styleLbl name="bgAccFollowNode1">
+    <dgm:scene3d>
+      <a:camera prst="orthographicFront"/>
+      <a:lightRig rig="threePt" dir="t"/>
+    </dgm:scene3d>
+    <dgm:sp3d/>
+    <dgm:txPr/>
+    <dgm:style>
+      <a:lnRef idx="2">
+        <a:scrgbClr r="0" g="0" b="0"/>
+      </a:lnRef>
+      <a:fillRef idx="1">
+        <a:scrgbClr r="0" g="0" b="0"/>
+      </a:fillRef>
+      <a:effectRef idx="0">
+        <a:scrgbClr r="0" g="0" b="0"/>
+      </a:effectRef>
+      <a:fontRef idx="minor"/>
+    </dgm:style>
+  </dgm:styleLbl>
+  <dgm:styleLbl name="fgAcc0">
+    <dgm:scene3d>
+      <a:camera prst="orthographicFront"/>
+      <a:lightRig rig="threePt" dir="t"/>
+    </dgm:scene3d>
+    <dgm:sp3d/>
+    <dgm:txPr/>
+    <dgm:style>
+      <a:lnRef idx="2">
+        <a:scrgbClr r="0" g="0" b="0"/>
+      </a:lnRef>
+      <a:fillRef idx="1">
+        <a:scrgbClr r="0" g="0" b="0"/>
+      </a:fillRef>
+      <a:effectRef idx="0">
+        <a:scrgbClr r="0" g="0" b="0"/>
+      </a:effectRef>
+      <a:fontRef idx="minor"/>
+    </dgm:style>
+  </dgm:styleLbl>
+  <dgm:styleLbl name="fgAcc2">
+    <dgm:scene3d>
+      <a:camera prst="orthographicFront"/>
+      <a:lightRig rig="threePt" dir="t"/>
+    </dgm:scene3d>
+    <dgm:sp3d/>
+    <dgm:txPr/>
+    <dgm:style>
+      <a:lnRef idx="2">
+        <a:scrgbClr r="0" g="0" b="0"/>
+      </a:lnRef>
+      <a:fillRef idx="1">
+        <a:scrgbClr r="0" g="0" b="0"/>
+      </a:fillRef>
+      <a:effectRef idx="0">
+        <a:scrgbClr r="0" g="0" b="0"/>
+      </a:effectRef>
+      <a:fontRef idx="minor"/>
+    </dgm:style>
+  </dgm:styleLbl>
+  <dgm:styleLbl name="fgAcc3">
+    <dgm:scene3d>
+      <a:camera prst="orthographicFront"/>
+      <a:lightRig rig="threePt" dir="t"/>
+    </dgm:scene3d>
+    <dgm:sp3d/>
+    <dgm:txPr/>
+    <dgm:style>
+      <a:lnRef idx="2">
+        <a:scrgbClr r="0" g="0" b="0"/>
+      </a:lnRef>
+      <a:fillRef idx="1">
+        <a:scrgbClr r="0" g="0" b="0"/>
+      </a:fillRef>
+      <a:effectRef idx="0">
+        <a:scrgbClr r="0" g="0" b="0"/>
+      </a:effectRef>
+      <a:fontRef idx="minor"/>
+    </dgm:style>
+  </dgm:styleLbl>
+  <dgm:styleLbl name="fgAcc4">
+    <dgm:scene3d>
+      <a:camera prst="orthographicFront"/>
+      <a:lightRig rig="threePt" dir="t"/>
+    </dgm:scene3d>
+    <dgm:sp3d/>
+    <dgm:txPr/>
+    <dgm:style>
+      <a:lnRef idx="2">
+        <a:scrgbClr r="0" g="0" b="0"/>
+      </a:lnRef>
+      <a:fillRef idx="1">
+        <a:scrgbClr r="0" g="0" b="0"/>
+      </a:fillRef>
+      <a:effectRef idx="0">
+        <a:scrgbClr r="0" g="0" b="0"/>
+      </a:effectRef>
+      <a:fontRef idx="minor"/>
+    </dgm:style>
+  </dgm:styleLbl>
+  <dgm:styleLbl name="bgShp">
+    <dgm:scene3d>
+      <a:camera prst="orthographicFront"/>
+      <a:lightRig rig="threePt" dir="t"/>
+    </dgm:scene3d>
+    <dgm:sp3d/>
+    <dgm:txPr/>
+    <dgm:style>
+      <a:lnRef idx="0">
+        <a:scrgbClr r="0" g="0" b="0"/>
+      </a:lnRef>
+      <a:fillRef idx="1">
+        <a:scrgbClr r="0" g="0" b="0"/>
+      </a:fillRef>
+      <a:effectRef idx="0">
+        <a:scrgbClr r="0" g="0" b="0"/>
+      </a:effectRef>
+      <a:fontRef idx="minor"/>
+    </dgm:style>
+  </dgm:styleLbl>
+  <dgm:styleLbl name="dkBgShp">
+    <dgm:scene3d>
+      <a:camera prst="orthographicFront"/>
+      <a:lightRig rig="threePt" dir="t"/>
+    </dgm:scene3d>
+    <dgm:sp3d/>
+    <dgm:txPr/>
+    <dgm:style>
+      <a:lnRef idx="0">
+        <a:scrgbClr r="0" g="0" b="0"/>
+      </a:lnRef>
+      <a:fillRef idx="1">
+        <a:scrgbClr r="0" g="0" b="0"/>
+      </a:fillRef>
+      <a:effectRef idx="0">
+        <a:scrgbClr r="0" g="0" b="0"/>
+      </a:effectRef>
+      <a:fontRef idx="minor"/>
+    </dgm:style>
+  </dgm:styleLbl>
+  <dgm:styleLbl name="trBgShp">
+    <dgm:scene3d>
+      <a:camera prst="orthographicFront"/>
+      <a:lightRig rig="threePt" dir="t"/>
+    </dgm:scene3d>
+    <dgm:sp3d/>
+    <dgm:txPr/>
+    <dgm:style>
+      <a:lnRef idx="0">
+        <a:scrgbClr r="0" g="0" b="0"/>
+      </a:lnRef>
+      <a:fillRef idx="1">
+        <a:scrgbClr r="0" g="0" b="0"/>
+      </a:fillRef>
+      <a:effectRef idx="0">
+        <a:scrgbClr r="0" g="0" b="0"/>
+      </a:effectRef>
+      <a:fontRef idx="minor"/>
+    </dgm:style>
+  </dgm:styleLbl>
+  <dgm:styleLbl name="fgShp">
+    <dgm:scene3d>
+      <a:camera prst="orthographicFront"/>
+      <a:lightRig rig="threePt" dir="t"/>
+    </dgm:scene3d>
+    <dgm:sp3d/>
+    <dgm:txPr/>
+    <dgm:style>
+      <a:lnRef idx="2">
+        <a:scrgbClr r="0" g="0" b="0"/>
+      </a:lnRef>
+      <a:fillRef idx="1">
+        <a:scrgbClr r="0" g="0" b="0"/>
+      </a:fillRef>
+      <a:effectRef idx="0">
+        <a:scrgbClr r="0" g="0" b="0"/>
+      </a:effectRef>
+      <a:fontRef idx="minor"/>
+    </dgm:style>
+  </dgm:styleLbl>
+  <dgm:styleLbl name="revTx">
+    <dgm:scene3d>
+      <a:camera prst="orthographicFront"/>
+      <a:lightRig rig="threePt" dir="t"/>
+    </dgm:scene3d>
+    <dgm:sp3d/>
+    <dgm:txPr/>
+    <dgm:style>
+      <a:lnRef idx="0">
+        <a:scrgbClr r="0" g="0" b="0"/>
+      </a:lnRef>
+      <a:fillRef idx="0">
+        <a:scrgbClr r="0" g="0" b="0"/>
+      </a:fillRef>
+      <a:effectRef idx="0">
+        <a:scrgbClr r="0" g="0" b="0"/>
+      </a:effectRef>
+      <a:fontRef idx="minor"/>
+    </dgm:style>
+  </dgm:styleLbl>
+</dgm:styleDef>
+</file>
+
+<file path=ppt/diagrams/quickStyle3.xml><?xml version="1.0" encoding="utf-8"?>
 <dgm:styleDef xmlns:dgm="http://schemas.openxmlformats.org/drawingml/2006/diagram" xmlns:a="http://schemas.openxmlformats.org/drawingml/2006/main" uniqueId="urn:microsoft.com/office/officeart/2005/8/quickstyle/simple1">
   <dgm:title val=""/>
   <dgm:desc val=""/>
@@ -3252,7 +9684,7 @@
           <a:p>
             <a:fld id="{91CE10EA-D799-4BBA-9231-C29C1C2B6BDF}" type="datetimeFigureOut">
               <a:rPr lang="it-IT" smtClean="0"/>
-              <a:t>04/01/2022</a:t>
+              <a:t>06/01/2022</a:t>
             </a:fld>
             <a:endParaRPr lang="it-IT"/>
           </a:p>
@@ -3675,7 +10107,7 @@
           <a:p>
             <a:fld id="{BD86BDEB-5C5F-4E73-8AED-845DEF6240CC}" type="datetime1">
               <a:rPr lang="it-IT" smtClean="0"/>
-              <a:t>04/01/2022</a:t>
+              <a:t>06/01/2022</a:t>
             </a:fld>
             <a:endParaRPr lang="it-IT"/>
           </a:p>
@@ -3875,7 +10307,7 @@
           <a:p>
             <a:fld id="{0250B066-2D31-4A91-B160-4E7A7606DAC8}" type="datetime1">
               <a:rPr lang="it-IT" smtClean="0"/>
-              <a:t>04/01/2022</a:t>
+              <a:t>06/01/2022</a:t>
             </a:fld>
             <a:endParaRPr lang="it-IT"/>
           </a:p>
@@ -4085,7 +10517,7 @@
           <a:p>
             <a:fld id="{44B5FB72-32C3-4D83-B606-F8FA83F83F67}" type="datetime1">
               <a:rPr lang="it-IT" smtClean="0"/>
-              <a:t>04/01/2022</a:t>
+              <a:t>06/01/2022</a:t>
             </a:fld>
             <a:endParaRPr lang="it-IT"/>
           </a:p>
@@ -4285,7 +10717,7 @@
           <a:p>
             <a:fld id="{BB493F1E-467A-4853-9F76-6DCAD7AB8AC5}" type="datetime1">
               <a:rPr lang="it-IT" smtClean="0"/>
-              <a:t>04/01/2022</a:t>
+              <a:t>06/01/2022</a:t>
             </a:fld>
             <a:endParaRPr lang="it-IT"/>
           </a:p>
@@ -4565,7 +10997,7 @@
           <a:p>
             <a:fld id="{4D5D5B75-150E-493B-9A11-56A0A6E112AA}" type="datetime1">
               <a:rPr lang="it-IT" smtClean="0"/>
-              <a:t>04/01/2022</a:t>
+              <a:t>06/01/2022</a:t>
             </a:fld>
             <a:endParaRPr lang="it-IT"/>
           </a:p>
@@ -4833,7 +11265,7 @@
           <a:p>
             <a:fld id="{F90D01D2-E94E-4C7F-8F6B-72F7F8F70261}" type="datetime1">
               <a:rPr lang="it-IT" smtClean="0"/>
-              <a:t>04/01/2022</a:t>
+              <a:t>06/01/2022</a:t>
             </a:fld>
             <a:endParaRPr lang="it-IT"/>
           </a:p>
@@ -5252,7 +11684,7 @@
           <a:p>
             <a:fld id="{89AAD7BB-AF97-41CA-AF5F-3B39F1E63410}" type="datetime1">
               <a:rPr lang="it-IT" smtClean="0"/>
-              <a:t>04/01/2022</a:t>
+              <a:t>06/01/2022</a:t>
             </a:fld>
             <a:endParaRPr lang="it-IT"/>
           </a:p>
@@ -5394,7 +11826,7 @@
           <a:p>
             <a:fld id="{6737F2E6-11FA-4E29-966D-FB32818C28EF}" type="datetime1">
               <a:rPr lang="it-IT" smtClean="0"/>
-              <a:t>04/01/2022</a:t>
+              <a:t>06/01/2022</a:t>
             </a:fld>
             <a:endParaRPr lang="it-IT"/>
           </a:p>
@@ -5507,7 +11939,7 @@
           <a:p>
             <a:fld id="{DEBAE2BC-CFEC-4D01-A8E5-A416C3284798}" type="datetime1">
               <a:rPr lang="it-IT" smtClean="0"/>
-              <a:t>04/01/2022</a:t>
+              <a:t>06/01/2022</a:t>
             </a:fld>
             <a:endParaRPr lang="it-IT"/>
           </a:p>
@@ -5822,7 +12254,7 @@
           <a:p>
             <a:fld id="{7FDFEC0A-0EF8-412E-8856-41D63FAE24C9}" type="datetime1">
               <a:rPr lang="it-IT" smtClean="0"/>
-              <a:t>04/01/2022</a:t>
+              <a:t>06/01/2022</a:t>
             </a:fld>
             <a:endParaRPr lang="it-IT"/>
           </a:p>
@@ -6115,7 +12547,7 @@
           <a:p>
             <a:fld id="{8D1C1976-DE9F-4F58-8CC6-0555CC712AB6}" type="datetime1">
               <a:rPr lang="it-IT" smtClean="0"/>
-              <a:t>04/01/2022</a:t>
+              <a:t>06/01/2022</a:t>
             </a:fld>
             <a:endParaRPr lang="it-IT"/>
           </a:p>
@@ -6356,7 +12788,7 @@
           <a:p>
             <a:fld id="{AE9CFF95-AD70-4CBF-8009-F72101CE8362}" type="datetime1">
               <a:rPr lang="it-IT" smtClean="0"/>
-              <a:t>04/01/2022</a:t>
+              <a:t>06/01/2022</a:t>
             </a:fld>
             <a:endParaRPr lang="it-IT"/>
           </a:p>
@@ -7615,53 +14047,8 @@
           <a:p>
             <a:r>
               <a:rPr lang="it-IT" sz="3600" b="1" dirty="0"/>
-              <a:t>Query 1</a:t>
+              <a:t>Queries</a:t>
             </a:r>
-          </a:p>
-        </p:txBody>
-      </p:sp>
-      <p:sp>
-        <p:nvSpPr>
-          <p:cNvPr id="5" name="Segnaposto contenuto 4">
-            <a:extLst>
-              <a:ext uri="{FF2B5EF4-FFF2-40B4-BE49-F238E27FC236}">
-                <a16:creationId xmlns:a16="http://schemas.microsoft.com/office/drawing/2014/main" id="{0822A188-4351-443E-9A73-0BDAAB88A97A}"/>
-              </a:ext>
-            </a:extLst>
-          </p:cNvPr>
-          <p:cNvSpPr>
-            <a:spLocks noGrp="1"/>
-          </p:cNvSpPr>
-          <p:nvPr>
-            <p:ph idx="1"/>
-          </p:nvPr>
-        </p:nvSpPr>
-        <p:spPr>
-          <a:xfrm>
-            <a:off x="914400" y="1654309"/>
-            <a:ext cx="11277600" cy="428625"/>
-          </a:xfrm>
-        </p:spPr>
-        <p:txBody>
-          <a:bodyPr>
-            <a:normAutofit lnSpcReduction="10000"/>
-          </a:bodyPr>
-          <a:lstStyle/>
-          <a:p>
-            <a:pPr marL="0" indent="0" algn="l" fontAlgn="base">
-              <a:buNone/>
-            </a:pPr>
-            <a:r>
-              <a:rPr lang="en-US" i="0" dirty="0">
-                <a:effectLst/>
-                <a:latin typeface="Inter"/>
-              </a:rPr>
-              <a:t>On average how many artist of a specific nationality are in the top 100 of the same country?</a:t>
-            </a:r>
-            <a:endParaRPr lang="en-US" sz="2800" i="1" dirty="0">
-              <a:effectLst/>
-              <a:latin typeface="Inter"/>
-            </a:endParaRPr>
           </a:p>
         </p:txBody>
       </p:sp>
@@ -7697,6 +14084,37 @@
           </a:p>
         </p:txBody>
       </p:sp>
+      <p:graphicFrame>
+        <p:nvGraphicFramePr>
+          <p:cNvPr id="7" name="Segnaposto contenuto 2">
+            <a:extLst>
+              <a:ext uri="{FF2B5EF4-FFF2-40B4-BE49-F238E27FC236}">
+                <a16:creationId xmlns:a16="http://schemas.microsoft.com/office/drawing/2014/main" id="{85356CDB-0EC2-47CA-8846-A3B4021BC32D}"/>
+              </a:ext>
+            </a:extLst>
+          </p:cNvPr>
+          <p:cNvGraphicFramePr>
+            <a:graphicFrameLocks noGrp="1"/>
+          </p:cNvGraphicFramePr>
+          <p:nvPr>
+            <p:ph idx="1"/>
+            <p:extLst>
+              <p:ext uri="{D42A27DB-BD31-4B8C-83A1-F6EECF244321}">
+                <p14:modId xmlns:p14="http://schemas.microsoft.com/office/powerpoint/2010/main" val="2147211067"/>
+              </p:ext>
+            </p:extLst>
+          </p:nvPr>
+        </p:nvGraphicFramePr>
+        <p:xfrm>
+          <a:off x="914399" y="1981200"/>
+          <a:ext cx="10616609" cy="3960813"/>
+        </p:xfrm>
+        <a:graphic>
+          <a:graphicData uri="http://schemas.openxmlformats.org/drawingml/2006/diagram">
+            <dgm:relIds xmlns:dgm="http://schemas.openxmlformats.org/drawingml/2006/diagram" xmlns:r="http://schemas.openxmlformats.org/officeDocument/2006/relationships" r:dm="rId2" r:lo="rId3" r:qs="rId4" r:cs="rId5"/>
+          </a:graphicData>
+        </a:graphic>
+      </p:graphicFrame>
     </p:spTree>
     <p:extLst>
       <p:ext uri="{BB962C8B-B14F-4D97-AF65-F5344CB8AC3E}">
@@ -7745,126 +14163,37 @@
         </p:nvSpPr>
         <p:spPr>
           <a:xfrm>
-            <a:off x="914400" y="1371601"/>
-            <a:ext cx="10363200" cy="762000"/>
+            <a:off x="914399" y="1162050"/>
+            <a:ext cx="10616609" cy="561975"/>
           </a:xfrm>
         </p:spPr>
         <p:txBody>
           <a:bodyPr>
-            <a:normAutofit/>
+            <a:noAutofit/>
           </a:bodyPr>
           <a:lstStyle/>
           <a:p>
             <a:r>
-              <a:rPr lang="it-IT" sz="3600" b="1" dirty="0"/>
-              <a:t>References</a:t>
+              <a:rPr lang="en-GB" sz="2400" b="1" dirty="0">
+                <a:effectLst/>
+              </a:rPr>
+              <a:t>Show technical features of Italian Tracks through the years 2017-2020</a:t>
             </a:r>
+            <a:br>
+              <a:rPr lang="en-GB" sz="2400" b="0" dirty="0">
+                <a:effectLst/>
+              </a:rPr>
+            </a:br>
+            <a:endParaRPr lang="it-IT" sz="4800" b="1" dirty="0"/>
           </a:p>
         </p:txBody>
       </p:sp>
       <p:sp>
         <p:nvSpPr>
-          <p:cNvPr id="2" name="Segnaposto contenuto 1">
+          <p:cNvPr id="2" name="Segnaposto numero diapositiva 1">
             <a:extLst>
               <a:ext uri="{FF2B5EF4-FFF2-40B4-BE49-F238E27FC236}">
-                <a16:creationId xmlns:a16="http://schemas.microsoft.com/office/drawing/2014/main" id="{62F64557-1AC4-44FE-B949-2C1A4D026441}"/>
-              </a:ext>
-            </a:extLst>
-          </p:cNvPr>
-          <p:cNvSpPr>
-            <a:spLocks noGrp="1"/>
-          </p:cNvSpPr>
-          <p:nvPr>
-            <p:ph idx="1"/>
-          </p:nvPr>
-        </p:nvSpPr>
-        <p:spPr>
-          <a:xfrm>
-            <a:off x="914400" y="2133601"/>
-            <a:ext cx="10363200" cy="3696469"/>
-          </a:xfrm>
-        </p:spPr>
-        <p:txBody>
-          <a:bodyPr>
-            <a:normAutofit/>
-          </a:bodyPr>
-          <a:lstStyle/>
-          <a:p>
-            <a:pPr>
-              <a:buFont typeface="Wingdings" panose="05000000000000000000" pitchFamily="2" charset="2"/>
-              <a:buChar char="q"/>
-            </a:pPr>
-            <a:r>
-              <a:rPr lang="it-IT" sz="2400" b="1" dirty="0"/>
-              <a:t> Kaggle Spotify Dataset :                        </a:t>
-            </a:r>
-            <a:r>
-              <a:rPr lang="it-IT" sz="2400" b="1" dirty="0">
-                <a:hlinkClick r:id="rId2"/>
-              </a:rPr>
-              <a:t>https://www.kaggle.com/pepepython/spotify-huge-database-daily-charts-over-3-years?select=Database+to+calculate+popularity.csv</a:t>
-            </a:r>
-            <a:endParaRPr lang="it-IT" sz="2400" b="1" dirty="0"/>
-          </a:p>
-          <a:p>
-            <a:pPr>
-              <a:buFont typeface="Wingdings" panose="05000000000000000000" pitchFamily="2" charset="2"/>
-              <a:buChar char="q"/>
-            </a:pPr>
-            <a:r>
-              <a:rPr lang="it-IT" sz="2400" b="1" dirty="0"/>
-              <a:t> Spotify Web API : </a:t>
-            </a:r>
-            <a:r>
-              <a:rPr lang="it-IT" sz="2400" b="1" dirty="0">
-                <a:hlinkClick r:id="rId3"/>
-              </a:rPr>
-              <a:t>https://developer.spotify.com/documentation/web-api/</a:t>
-            </a:r>
-            <a:endParaRPr lang="it-IT" sz="2400" b="1" dirty="0"/>
-          </a:p>
-          <a:p>
-            <a:pPr>
-              <a:buFont typeface="Wingdings" panose="05000000000000000000" pitchFamily="2" charset="2"/>
-              <a:buChar char="q"/>
-            </a:pPr>
-            <a:r>
-              <a:rPr lang="it-IT" sz="2400" b="1" dirty="0"/>
-              <a:t> WikiData : </a:t>
-            </a:r>
-            <a:r>
-              <a:rPr lang="it-IT" sz="2400" b="1" dirty="0">
-                <a:hlinkClick r:id="rId4"/>
-              </a:rPr>
-              <a:t>https://www.wikidata.org/wiki/Wikidata:Main_Page</a:t>
-            </a:r>
-            <a:endParaRPr lang="it-IT" sz="2400" b="1" dirty="0"/>
-          </a:p>
-          <a:p>
-            <a:pPr>
-              <a:buFont typeface="Wingdings" panose="05000000000000000000" pitchFamily="2" charset="2"/>
-              <a:buChar char="q"/>
-            </a:pPr>
-            <a:r>
-              <a:rPr lang="it-IT" sz="2400" b="1" dirty="0"/>
-              <a:t> MusicBrainz : </a:t>
-            </a:r>
-            <a:r>
-              <a:rPr lang="it-IT" sz="2400" b="1" dirty="0">
-                <a:hlinkClick r:id="rId5"/>
-              </a:rPr>
-              <a:t>https://musicbrainz.org/</a:t>
-            </a:r>
-            <a:endParaRPr lang="it-IT" sz="2400" b="1" dirty="0"/>
-          </a:p>
-        </p:txBody>
-      </p:sp>
-      <p:sp>
-        <p:nvSpPr>
-          <p:cNvPr id="3" name="Segnaposto numero diapositiva 2">
-            <a:extLst>
-              <a:ext uri="{FF2B5EF4-FFF2-40B4-BE49-F238E27FC236}">
-                <a16:creationId xmlns:a16="http://schemas.microsoft.com/office/drawing/2014/main" id="{D3214CB7-BA5B-4204-826E-2AB7E3B3196F}"/>
+                <a16:creationId xmlns:a16="http://schemas.microsoft.com/office/drawing/2014/main" id="{AF743220-D2ED-43D4-A1FF-37CA562FFA98}"/>
               </a:ext>
             </a:extLst>
           </p:cNvPr>
@@ -7886,15 +14215,45 @@
             </a:fld>
             <a:r>
               <a:rPr lang="it-IT" dirty="0"/>
-              <a:t>/24 </a:t>
+              <a:t>/24</a:t>
             </a:r>
           </a:p>
         </p:txBody>
       </p:sp>
+      <p:pic>
+        <p:nvPicPr>
+          <p:cNvPr id="10" name="Immagine 9">
+            <a:extLst>
+              <a:ext uri="{FF2B5EF4-FFF2-40B4-BE49-F238E27FC236}">
+                <a16:creationId xmlns:a16="http://schemas.microsoft.com/office/drawing/2014/main" id="{E8949045-6E13-4097-8A4C-86B31B8E39E9}"/>
+              </a:ext>
+            </a:extLst>
+          </p:cNvPr>
+          <p:cNvPicPr>
+            <a:picLocks noChangeAspect="1"/>
+          </p:cNvPicPr>
+          <p:nvPr/>
+        </p:nvPicPr>
+        <p:blipFill>
+          <a:blip r:embed="rId2"/>
+          <a:stretch>
+            <a:fillRect/>
+          </a:stretch>
+        </p:blipFill>
+        <p:spPr>
+          <a:xfrm>
+            <a:off x="3714013" y="1724025"/>
+            <a:ext cx="4763973" cy="4513849"/>
+          </a:xfrm>
+          <a:prstGeom prst="rect">
+            <a:avLst/>
+          </a:prstGeom>
+        </p:spPr>
+      </p:pic>
     </p:spTree>
     <p:extLst>
       <p:ext uri="{BB962C8B-B14F-4D97-AF65-F5344CB8AC3E}">
-        <p14:creationId xmlns:p14="http://schemas.microsoft.com/office/powerpoint/2010/main" val="1572451679"/>
+        <p14:creationId xmlns:p14="http://schemas.microsoft.com/office/powerpoint/2010/main" val="2646692572"/>
       </p:ext>
     </p:extLst>
   </p:cSld>
@@ -7905,7 +14264,7 @@
 </file>
 
 <file path=ppt/slides/slide13.xml><?xml version="1.0" encoding="utf-8"?>
-<p:sld xmlns:a="http://schemas.openxmlformats.org/drawingml/2006/main" xmlns:r="http://schemas.openxmlformats.org/officeDocument/2006/relationships" xmlns:p="http://schemas.openxmlformats.org/presentationml/2006/main" showMasterSp="0">
+<p:sld xmlns:a="http://schemas.openxmlformats.org/drawingml/2006/main" xmlns:r="http://schemas.openxmlformats.org/officeDocument/2006/relationships" xmlns:p="http://schemas.openxmlformats.org/presentationml/2006/main">
   <p:cSld>
     <p:spTree>
       <p:nvGrpSpPr>
@@ -7923,10 +14282,10 @@
       </p:grpSpPr>
       <p:sp>
         <p:nvSpPr>
-          <p:cNvPr id="8" name="Titolo 7">
+          <p:cNvPr id="4" name="Titolo 3">
             <a:extLst>
               <a:ext uri="{FF2B5EF4-FFF2-40B4-BE49-F238E27FC236}">
-                <a16:creationId xmlns:a16="http://schemas.microsoft.com/office/drawing/2014/main" id="{8FB9DBF7-9D3D-4660-9F0F-06EC0DF6EE2A}"/>
+                <a16:creationId xmlns:a16="http://schemas.microsoft.com/office/drawing/2014/main" id="{A32BADA9-D1E4-4A68-A522-AE21B0D0BA03}"/>
               </a:ext>
             </a:extLst>
           </p:cNvPr>
@@ -7939,21 +14298,28 @@
         </p:nvSpPr>
         <p:spPr>
           <a:xfrm>
-            <a:off x="2615727" y="2886076"/>
-            <a:ext cx="6960545" cy="1085847"/>
+            <a:off x="914399" y="1162050"/>
+            <a:ext cx="10616609" cy="561975"/>
           </a:xfrm>
         </p:spPr>
         <p:txBody>
           <a:bodyPr>
-            <a:normAutofit/>
+            <a:noAutofit/>
           </a:bodyPr>
           <a:lstStyle/>
           <a:p>
-            <a:pPr algn="ctr"/>
             <a:r>
-              <a:rPr lang="it-IT" sz="4400" b="1" dirty="0"/>
-              <a:t>Thank you for the attention</a:t>
+              <a:rPr lang="en-GB" sz="2400" b="1" dirty="0">
+                <a:effectLst/>
+              </a:rPr>
+              <a:t>On average how many Italian tracks are present in Top 100 Italy for each year?</a:t>
             </a:r>
+            <a:br>
+              <a:rPr lang="en-GB" sz="2400" b="0" dirty="0">
+                <a:effectLst/>
+              </a:rPr>
+            </a:br>
+            <a:endParaRPr lang="it-IT" sz="4800" b="1" dirty="0"/>
           </a:p>
         </p:txBody>
       </p:sp>
@@ -7962,7 +14328,7 @@
           <p:cNvPr id="2" name="Segnaposto numero diapositiva 1">
             <a:extLst>
               <a:ext uri="{FF2B5EF4-FFF2-40B4-BE49-F238E27FC236}">
-                <a16:creationId xmlns:a16="http://schemas.microsoft.com/office/drawing/2014/main" id="{7C8903D2-4DE1-4B56-993B-F2E374F54DAB}"/>
+                <a16:creationId xmlns:a16="http://schemas.microsoft.com/office/drawing/2014/main" id="{AF743220-D2ED-43D4-A1FF-37CA562FFA98}"/>
               </a:ext>
             </a:extLst>
           </p:cNvPr>
@@ -7978,14 +14344,1607 @@
           <a:bodyPr/>
           <a:lstStyle/>
           <a:p>
-            <a:endParaRPr lang="it-IT" dirty="0"/>
+            <a:fld id="{0E41FC79-F70E-41D5-8DA8-CBC79D687031}" type="slidenum">
+              <a:rPr lang="it-IT" smtClean="0"/>
+              <a:t>13</a:t>
+            </a:fld>
+            <a:r>
+              <a:rPr lang="it-IT" dirty="0"/>
+              <a:t>/24</a:t>
+            </a:r>
+          </a:p>
+        </p:txBody>
+      </p:sp>
+      <p:pic>
+        <p:nvPicPr>
+          <p:cNvPr id="5" name="Immagine 4">
+            <a:extLst>
+              <a:ext uri="{FF2B5EF4-FFF2-40B4-BE49-F238E27FC236}">
+                <a16:creationId xmlns:a16="http://schemas.microsoft.com/office/drawing/2014/main" id="{9A5FCA7D-FDC9-4BA2-B074-A35718FF2DC2}"/>
+              </a:ext>
+            </a:extLst>
+          </p:cNvPr>
+          <p:cNvPicPr>
+            <a:picLocks noChangeAspect="1"/>
+          </p:cNvPicPr>
+          <p:nvPr/>
+        </p:nvPicPr>
+        <p:blipFill>
+          <a:blip r:embed="rId2">
+            <a:extLst>
+              <a:ext uri="{28A0092B-C50C-407E-A947-70E740481C1C}">
+                <a14:useLocalDpi xmlns:a14="http://schemas.microsoft.com/office/drawing/2010/main" val="0"/>
+              </a:ext>
+            </a:extLst>
+          </a:blip>
+          <a:stretch>
+            <a:fillRect/>
+          </a:stretch>
+        </p:blipFill>
+        <p:spPr>
+          <a:xfrm>
+            <a:off x="1552575" y="1827727"/>
+            <a:ext cx="9086850" cy="4424921"/>
+          </a:xfrm>
+          <a:prstGeom prst="rect">
+            <a:avLst/>
+          </a:prstGeom>
+        </p:spPr>
+      </p:pic>
+    </p:spTree>
+    <p:extLst>
+      <p:ext uri="{BB962C8B-B14F-4D97-AF65-F5344CB8AC3E}">
+        <p14:creationId xmlns:p14="http://schemas.microsoft.com/office/powerpoint/2010/main" val="1946456565"/>
+      </p:ext>
+    </p:extLst>
+  </p:cSld>
+  <p:clrMapOvr>
+    <a:masterClrMapping/>
+  </p:clrMapOvr>
+</p:sld>
+</file>
+
+<file path=ppt/slides/slide14.xml><?xml version="1.0" encoding="utf-8"?>
+<p:sld xmlns:a="http://schemas.openxmlformats.org/drawingml/2006/main" xmlns:r="http://schemas.openxmlformats.org/officeDocument/2006/relationships" xmlns:p="http://schemas.openxmlformats.org/presentationml/2006/main">
+  <p:cSld>
+    <p:spTree>
+      <p:nvGrpSpPr>
+        <p:cNvPr id="1" name=""/>
+        <p:cNvGrpSpPr/>
+        <p:nvPr/>
+      </p:nvGrpSpPr>
+      <p:grpSpPr>
+        <a:xfrm>
+          <a:off x="0" y="0"/>
+          <a:ext cx="0" cy="0"/>
+          <a:chOff x="0" y="0"/>
+          <a:chExt cx="0" cy="0"/>
+        </a:xfrm>
+      </p:grpSpPr>
+      <p:sp>
+        <p:nvSpPr>
+          <p:cNvPr id="4" name="Titolo 3">
+            <a:extLst>
+              <a:ext uri="{FF2B5EF4-FFF2-40B4-BE49-F238E27FC236}">
+                <a16:creationId xmlns:a16="http://schemas.microsoft.com/office/drawing/2014/main" id="{A32BADA9-D1E4-4A68-A522-AE21B0D0BA03}"/>
+              </a:ext>
+            </a:extLst>
+          </p:cNvPr>
+          <p:cNvSpPr>
+            <a:spLocks noGrp="1"/>
+          </p:cNvSpPr>
+          <p:nvPr>
+            <p:ph type="title"/>
+          </p:nvPr>
+        </p:nvSpPr>
+        <p:spPr>
+          <a:xfrm>
+            <a:off x="914399" y="1162050"/>
+            <a:ext cx="10616609" cy="561975"/>
+          </a:xfrm>
+        </p:spPr>
+        <p:txBody>
+          <a:bodyPr>
+            <a:noAutofit/>
+          </a:bodyPr>
+          <a:lstStyle/>
+          <a:p>
+            <a:r>
+              <a:rPr lang="en-GB" sz="2400" b="1" dirty="0">
+                <a:effectLst/>
+              </a:rPr>
+              <a:t>How many Italian tracks were released every year from 2017 to 2020 ?</a:t>
+            </a:r>
+            <a:endParaRPr lang="it-IT" sz="4800" b="1" dirty="0"/>
+          </a:p>
+        </p:txBody>
+      </p:sp>
+      <p:sp>
+        <p:nvSpPr>
+          <p:cNvPr id="2" name="Segnaposto numero diapositiva 1">
+            <a:extLst>
+              <a:ext uri="{FF2B5EF4-FFF2-40B4-BE49-F238E27FC236}">
+                <a16:creationId xmlns:a16="http://schemas.microsoft.com/office/drawing/2014/main" id="{AF743220-D2ED-43D4-A1FF-37CA562FFA98}"/>
+              </a:ext>
+            </a:extLst>
+          </p:cNvPr>
+          <p:cNvSpPr>
+            <a:spLocks noGrp="1"/>
+          </p:cNvSpPr>
+          <p:nvPr>
+            <p:ph type="sldNum" sz="quarter" idx="12"/>
+          </p:nvPr>
+        </p:nvSpPr>
+        <p:spPr/>
+        <p:txBody>
+          <a:bodyPr/>
+          <a:lstStyle/>
+          <a:p>
+            <a:fld id="{0E41FC79-F70E-41D5-8DA8-CBC79D687031}" type="slidenum">
+              <a:rPr lang="it-IT" smtClean="0"/>
+              <a:t>14</a:t>
+            </a:fld>
+            <a:r>
+              <a:rPr lang="it-IT" dirty="0"/>
+              <a:t>/24</a:t>
+            </a:r>
+          </a:p>
+        </p:txBody>
+      </p:sp>
+      <p:pic>
+        <p:nvPicPr>
+          <p:cNvPr id="9" name="Immagine 8">
+            <a:extLst>
+              <a:ext uri="{FF2B5EF4-FFF2-40B4-BE49-F238E27FC236}">
+                <a16:creationId xmlns:a16="http://schemas.microsoft.com/office/drawing/2014/main" id="{ED01FAB3-8435-4112-8419-04BA07A0C575}"/>
+              </a:ext>
+            </a:extLst>
+          </p:cNvPr>
+          <p:cNvPicPr>
+            <a:picLocks noChangeAspect="1"/>
+          </p:cNvPicPr>
+          <p:nvPr/>
+        </p:nvPicPr>
+        <p:blipFill>
+          <a:blip r:embed="rId2"/>
+          <a:stretch>
+            <a:fillRect/>
+          </a:stretch>
+        </p:blipFill>
+        <p:spPr>
+          <a:xfrm>
+            <a:off x="2942700" y="2139986"/>
+            <a:ext cx="6560005" cy="4057735"/>
+          </a:xfrm>
+          <a:prstGeom prst="rect">
+            <a:avLst/>
+          </a:prstGeom>
+        </p:spPr>
+      </p:pic>
+    </p:spTree>
+    <p:extLst>
+      <p:ext uri="{BB962C8B-B14F-4D97-AF65-F5344CB8AC3E}">
+        <p14:creationId xmlns:p14="http://schemas.microsoft.com/office/powerpoint/2010/main" val="4230671188"/>
+      </p:ext>
+    </p:extLst>
+  </p:cSld>
+  <p:clrMapOvr>
+    <a:masterClrMapping/>
+  </p:clrMapOvr>
+</p:sld>
+</file>
+
+<file path=ppt/slides/slide15.xml><?xml version="1.0" encoding="utf-8"?>
+<p:sld xmlns:a="http://schemas.openxmlformats.org/drawingml/2006/main" xmlns:r="http://schemas.openxmlformats.org/officeDocument/2006/relationships" xmlns:p="http://schemas.openxmlformats.org/presentationml/2006/main">
+  <p:cSld>
+    <p:spTree>
+      <p:nvGrpSpPr>
+        <p:cNvPr id="1" name=""/>
+        <p:cNvGrpSpPr/>
+        <p:nvPr/>
+      </p:nvGrpSpPr>
+      <p:grpSpPr>
+        <a:xfrm>
+          <a:off x="0" y="0"/>
+          <a:ext cx="0" cy="0"/>
+          <a:chOff x="0" y="0"/>
+          <a:chExt cx="0" cy="0"/>
+        </a:xfrm>
+      </p:grpSpPr>
+      <p:sp>
+        <p:nvSpPr>
+          <p:cNvPr id="4" name="Titolo 3">
+            <a:extLst>
+              <a:ext uri="{FF2B5EF4-FFF2-40B4-BE49-F238E27FC236}">
+                <a16:creationId xmlns:a16="http://schemas.microsoft.com/office/drawing/2014/main" id="{A32BADA9-D1E4-4A68-A522-AE21B0D0BA03}"/>
+              </a:ext>
+            </a:extLst>
+          </p:cNvPr>
+          <p:cNvSpPr>
+            <a:spLocks noGrp="1"/>
+          </p:cNvSpPr>
+          <p:nvPr>
+            <p:ph type="title"/>
+          </p:nvPr>
+        </p:nvSpPr>
+        <p:spPr>
+          <a:xfrm>
+            <a:off x="914399" y="1162050"/>
+            <a:ext cx="10616609" cy="561975"/>
+          </a:xfrm>
+        </p:spPr>
+        <p:txBody>
+          <a:bodyPr>
+            <a:noAutofit/>
+          </a:bodyPr>
+          <a:lstStyle/>
+          <a:p>
+            <a:r>
+              <a:rPr lang="en-GB" sz="2400" b="1" dirty="0">
+                <a:effectLst/>
+              </a:rPr>
+              <a:t>How many different Italian artist entered in Top 100 Italy for each Year ?</a:t>
+            </a:r>
+            <a:endParaRPr lang="it-IT" sz="4800" b="1" dirty="0"/>
+          </a:p>
+        </p:txBody>
+      </p:sp>
+      <p:sp>
+        <p:nvSpPr>
+          <p:cNvPr id="2" name="Segnaposto numero diapositiva 1">
+            <a:extLst>
+              <a:ext uri="{FF2B5EF4-FFF2-40B4-BE49-F238E27FC236}">
+                <a16:creationId xmlns:a16="http://schemas.microsoft.com/office/drawing/2014/main" id="{AF743220-D2ED-43D4-A1FF-37CA562FFA98}"/>
+              </a:ext>
+            </a:extLst>
+          </p:cNvPr>
+          <p:cNvSpPr>
+            <a:spLocks noGrp="1"/>
+          </p:cNvSpPr>
+          <p:nvPr>
+            <p:ph type="sldNum" sz="quarter" idx="12"/>
+          </p:nvPr>
+        </p:nvSpPr>
+        <p:spPr/>
+        <p:txBody>
+          <a:bodyPr/>
+          <a:lstStyle/>
+          <a:p>
+            <a:fld id="{0E41FC79-F70E-41D5-8DA8-CBC79D687031}" type="slidenum">
+              <a:rPr lang="it-IT" smtClean="0"/>
+              <a:t>15</a:t>
+            </a:fld>
+            <a:r>
+              <a:rPr lang="it-IT" dirty="0"/>
+              <a:t>/24</a:t>
+            </a:r>
           </a:p>
         </p:txBody>
       </p:sp>
     </p:spTree>
     <p:extLst>
       <p:ext uri="{BB962C8B-B14F-4D97-AF65-F5344CB8AC3E}">
-        <p14:creationId xmlns:p14="http://schemas.microsoft.com/office/powerpoint/2010/main" val="2105298116"/>
+        <p14:creationId xmlns:p14="http://schemas.microsoft.com/office/powerpoint/2010/main" val="2598303381"/>
+      </p:ext>
+    </p:extLst>
+  </p:cSld>
+  <p:clrMapOvr>
+    <a:masterClrMapping/>
+  </p:clrMapOvr>
+</p:sld>
+</file>
+
+<file path=ppt/slides/slide16.xml><?xml version="1.0" encoding="utf-8"?>
+<p:sld xmlns:a="http://schemas.openxmlformats.org/drawingml/2006/main" xmlns:r="http://schemas.openxmlformats.org/officeDocument/2006/relationships" xmlns:p="http://schemas.openxmlformats.org/presentationml/2006/main">
+  <p:cSld>
+    <p:spTree>
+      <p:nvGrpSpPr>
+        <p:cNvPr id="1" name=""/>
+        <p:cNvGrpSpPr/>
+        <p:nvPr/>
+      </p:nvGrpSpPr>
+      <p:grpSpPr>
+        <a:xfrm>
+          <a:off x="0" y="0"/>
+          <a:ext cx="0" cy="0"/>
+          <a:chOff x="0" y="0"/>
+          <a:chExt cx="0" cy="0"/>
+        </a:xfrm>
+      </p:grpSpPr>
+      <p:sp>
+        <p:nvSpPr>
+          <p:cNvPr id="4" name="Titolo 3">
+            <a:extLst>
+              <a:ext uri="{FF2B5EF4-FFF2-40B4-BE49-F238E27FC236}">
+                <a16:creationId xmlns:a16="http://schemas.microsoft.com/office/drawing/2014/main" id="{A32BADA9-D1E4-4A68-A522-AE21B0D0BA03}"/>
+              </a:ext>
+            </a:extLst>
+          </p:cNvPr>
+          <p:cNvSpPr>
+            <a:spLocks noGrp="1"/>
+          </p:cNvSpPr>
+          <p:nvPr>
+            <p:ph type="title"/>
+          </p:nvPr>
+        </p:nvSpPr>
+        <p:spPr>
+          <a:xfrm>
+            <a:off x="914399" y="1162050"/>
+            <a:ext cx="10616609" cy="857250"/>
+          </a:xfrm>
+        </p:spPr>
+        <p:txBody>
+          <a:bodyPr>
+            <a:noAutofit/>
+          </a:bodyPr>
+          <a:lstStyle/>
+          <a:p>
+            <a:r>
+              <a:rPr lang="en-GB" sz="2400" b="1" dirty="0">
+                <a:effectLst/>
+              </a:rPr>
+              <a:t>On average how many Italian tracks are present in Top 100 Italy through the different months of the year ? </a:t>
+            </a:r>
+            <a:endParaRPr lang="it-IT" sz="4800" b="1" dirty="0"/>
+          </a:p>
+        </p:txBody>
+      </p:sp>
+      <p:sp>
+        <p:nvSpPr>
+          <p:cNvPr id="2" name="Segnaposto numero diapositiva 1">
+            <a:extLst>
+              <a:ext uri="{FF2B5EF4-FFF2-40B4-BE49-F238E27FC236}">
+                <a16:creationId xmlns:a16="http://schemas.microsoft.com/office/drawing/2014/main" id="{AF743220-D2ED-43D4-A1FF-37CA562FFA98}"/>
+              </a:ext>
+            </a:extLst>
+          </p:cNvPr>
+          <p:cNvSpPr>
+            <a:spLocks noGrp="1"/>
+          </p:cNvSpPr>
+          <p:nvPr>
+            <p:ph type="sldNum" sz="quarter" idx="12"/>
+          </p:nvPr>
+        </p:nvSpPr>
+        <p:spPr/>
+        <p:txBody>
+          <a:bodyPr/>
+          <a:lstStyle/>
+          <a:p>
+            <a:fld id="{0E41FC79-F70E-41D5-8DA8-CBC79D687031}" type="slidenum">
+              <a:rPr lang="it-IT" smtClean="0"/>
+              <a:t>16</a:t>
+            </a:fld>
+            <a:r>
+              <a:rPr lang="it-IT" dirty="0"/>
+              <a:t>/24</a:t>
+            </a:r>
+          </a:p>
+        </p:txBody>
+      </p:sp>
+      <p:pic>
+        <p:nvPicPr>
+          <p:cNvPr id="11" name="Immagine 10">
+            <a:extLst>
+              <a:ext uri="{FF2B5EF4-FFF2-40B4-BE49-F238E27FC236}">
+                <a16:creationId xmlns:a16="http://schemas.microsoft.com/office/drawing/2014/main" id="{FE5B332E-BB45-4B05-AA54-1854B2544389}"/>
+              </a:ext>
+            </a:extLst>
+          </p:cNvPr>
+          <p:cNvPicPr>
+            <a:picLocks noChangeAspect="1"/>
+          </p:cNvPicPr>
+          <p:nvPr/>
+        </p:nvPicPr>
+        <p:blipFill>
+          <a:blip r:embed="rId2">
+            <a:extLst>
+              <a:ext uri="{28A0092B-C50C-407E-A947-70E740481C1C}">
+                <a14:useLocalDpi xmlns:a14="http://schemas.microsoft.com/office/drawing/2010/main" val="0"/>
+              </a:ext>
+            </a:extLst>
+          </a:blip>
+          <a:stretch>
+            <a:fillRect/>
+          </a:stretch>
+        </p:blipFill>
+        <p:spPr>
+          <a:xfrm>
+            <a:off x="1083699" y="2019300"/>
+            <a:ext cx="10024602" cy="4808054"/>
+          </a:xfrm>
+          <a:prstGeom prst="rect">
+            <a:avLst/>
+          </a:prstGeom>
+        </p:spPr>
+      </p:pic>
+    </p:spTree>
+    <p:extLst>
+      <p:ext uri="{BB962C8B-B14F-4D97-AF65-F5344CB8AC3E}">
+        <p14:creationId xmlns:p14="http://schemas.microsoft.com/office/powerpoint/2010/main" val="3096566100"/>
+      </p:ext>
+    </p:extLst>
+  </p:cSld>
+  <p:clrMapOvr>
+    <a:masterClrMapping/>
+  </p:clrMapOvr>
+</p:sld>
+</file>
+
+<file path=ppt/slides/slide17.xml><?xml version="1.0" encoding="utf-8"?>
+<p:sld xmlns:a="http://schemas.openxmlformats.org/drawingml/2006/main" xmlns:r="http://schemas.openxmlformats.org/officeDocument/2006/relationships" xmlns:p="http://schemas.openxmlformats.org/presentationml/2006/main">
+  <p:cSld>
+    <p:spTree>
+      <p:nvGrpSpPr>
+        <p:cNvPr id="1" name=""/>
+        <p:cNvGrpSpPr/>
+        <p:nvPr/>
+      </p:nvGrpSpPr>
+      <p:grpSpPr>
+        <a:xfrm>
+          <a:off x="0" y="0"/>
+          <a:ext cx="0" cy="0"/>
+          <a:chOff x="0" y="0"/>
+          <a:chExt cx="0" cy="0"/>
+        </a:xfrm>
+      </p:grpSpPr>
+      <p:sp>
+        <p:nvSpPr>
+          <p:cNvPr id="4" name="Titolo 3">
+            <a:extLst>
+              <a:ext uri="{FF2B5EF4-FFF2-40B4-BE49-F238E27FC236}">
+                <a16:creationId xmlns:a16="http://schemas.microsoft.com/office/drawing/2014/main" id="{A32BADA9-D1E4-4A68-A522-AE21B0D0BA03}"/>
+              </a:ext>
+            </a:extLst>
+          </p:cNvPr>
+          <p:cNvSpPr>
+            <a:spLocks noGrp="1"/>
+          </p:cNvSpPr>
+          <p:nvPr>
+            <p:ph type="title"/>
+          </p:nvPr>
+        </p:nvSpPr>
+        <p:spPr>
+          <a:xfrm>
+            <a:off x="914399" y="1162050"/>
+            <a:ext cx="10616609" cy="857250"/>
+          </a:xfrm>
+        </p:spPr>
+        <p:txBody>
+          <a:bodyPr>
+            <a:noAutofit/>
+          </a:bodyPr>
+          <a:lstStyle/>
+          <a:p>
+            <a:r>
+              <a:rPr lang="en-GB" sz="2400" b="1" dirty="0">
+                <a:effectLst/>
+              </a:rPr>
+              <a:t>How many albums from Italian artists are released through the different months of the year ? </a:t>
+            </a:r>
+            <a:endParaRPr lang="it-IT" sz="4800" b="1" dirty="0"/>
+          </a:p>
+        </p:txBody>
+      </p:sp>
+      <p:sp>
+        <p:nvSpPr>
+          <p:cNvPr id="2" name="Segnaposto numero diapositiva 1">
+            <a:extLst>
+              <a:ext uri="{FF2B5EF4-FFF2-40B4-BE49-F238E27FC236}">
+                <a16:creationId xmlns:a16="http://schemas.microsoft.com/office/drawing/2014/main" id="{AF743220-D2ED-43D4-A1FF-37CA562FFA98}"/>
+              </a:ext>
+            </a:extLst>
+          </p:cNvPr>
+          <p:cNvSpPr>
+            <a:spLocks noGrp="1"/>
+          </p:cNvSpPr>
+          <p:nvPr>
+            <p:ph type="sldNum" sz="quarter" idx="12"/>
+          </p:nvPr>
+        </p:nvSpPr>
+        <p:spPr/>
+        <p:txBody>
+          <a:bodyPr/>
+          <a:lstStyle/>
+          <a:p>
+            <a:fld id="{0E41FC79-F70E-41D5-8DA8-CBC79D687031}" type="slidenum">
+              <a:rPr lang="it-IT" smtClean="0"/>
+              <a:t>17</a:t>
+            </a:fld>
+            <a:r>
+              <a:rPr lang="it-IT" dirty="0"/>
+              <a:t>/24</a:t>
+            </a:r>
+          </a:p>
+        </p:txBody>
+      </p:sp>
+      <p:pic>
+        <p:nvPicPr>
+          <p:cNvPr id="5" name="Immagine 4">
+            <a:extLst>
+              <a:ext uri="{FF2B5EF4-FFF2-40B4-BE49-F238E27FC236}">
+                <a16:creationId xmlns:a16="http://schemas.microsoft.com/office/drawing/2014/main" id="{4DE092AA-D2F6-4E0B-B227-D98B1F4F52B5}"/>
+              </a:ext>
+            </a:extLst>
+          </p:cNvPr>
+          <p:cNvPicPr>
+            <a:picLocks noChangeAspect="1"/>
+          </p:cNvPicPr>
+          <p:nvPr/>
+        </p:nvPicPr>
+        <p:blipFill>
+          <a:blip r:embed="rId2">
+            <a:extLst>
+              <a:ext uri="{28A0092B-C50C-407E-A947-70E740481C1C}">
+                <a14:useLocalDpi xmlns:a14="http://schemas.microsoft.com/office/drawing/2010/main" val="0"/>
+              </a:ext>
+            </a:extLst>
+          </a:blip>
+          <a:stretch>
+            <a:fillRect/>
+          </a:stretch>
+        </p:blipFill>
+        <p:spPr>
+          <a:xfrm>
+            <a:off x="1086464" y="2019300"/>
+            <a:ext cx="10019071" cy="4878874"/>
+          </a:xfrm>
+          <a:prstGeom prst="rect">
+            <a:avLst/>
+          </a:prstGeom>
+        </p:spPr>
+      </p:pic>
+    </p:spTree>
+    <p:extLst>
+      <p:ext uri="{BB962C8B-B14F-4D97-AF65-F5344CB8AC3E}">
+        <p14:creationId xmlns:p14="http://schemas.microsoft.com/office/powerpoint/2010/main" val="4266947650"/>
+      </p:ext>
+    </p:extLst>
+  </p:cSld>
+  <p:clrMapOvr>
+    <a:masterClrMapping/>
+  </p:clrMapOvr>
+</p:sld>
+</file>
+
+<file path=ppt/slides/slide18.xml><?xml version="1.0" encoding="utf-8"?>
+<p:sld xmlns:a="http://schemas.openxmlformats.org/drawingml/2006/main" xmlns:r="http://schemas.openxmlformats.org/officeDocument/2006/relationships" xmlns:p="http://schemas.openxmlformats.org/presentationml/2006/main">
+  <p:cSld>
+    <p:spTree>
+      <p:nvGrpSpPr>
+        <p:cNvPr id="1" name=""/>
+        <p:cNvGrpSpPr/>
+        <p:nvPr/>
+      </p:nvGrpSpPr>
+      <p:grpSpPr>
+        <a:xfrm>
+          <a:off x="0" y="0"/>
+          <a:ext cx="0" cy="0"/>
+          <a:chOff x="0" y="0"/>
+          <a:chExt cx="0" cy="0"/>
+        </a:xfrm>
+      </p:grpSpPr>
+      <p:sp>
+        <p:nvSpPr>
+          <p:cNvPr id="4" name="Titolo 3">
+            <a:extLst>
+              <a:ext uri="{FF2B5EF4-FFF2-40B4-BE49-F238E27FC236}">
+                <a16:creationId xmlns:a16="http://schemas.microsoft.com/office/drawing/2014/main" id="{A32BADA9-D1E4-4A68-A522-AE21B0D0BA03}"/>
+              </a:ext>
+            </a:extLst>
+          </p:cNvPr>
+          <p:cNvSpPr>
+            <a:spLocks noGrp="1"/>
+          </p:cNvSpPr>
+          <p:nvPr>
+            <p:ph type="title"/>
+          </p:nvPr>
+        </p:nvSpPr>
+        <p:spPr>
+          <a:xfrm>
+            <a:off x="914399" y="1304925"/>
+            <a:ext cx="4343401" cy="857250"/>
+          </a:xfrm>
+        </p:spPr>
+        <p:txBody>
+          <a:bodyPr>
+            <a:noAutofit/>
+          </a:bodyPr>
+          <a:lstStyle/>
+          <a:p>
+            <a:pPr algn="ctr"/>
+            <a:r>
+              <a:rPr lang="en-GB" sz="2000" b="1" dirty="0">
+                <a:effectLst/>
+              </a:rPr>
+              <a:t>Who is the Italian artist with the highest number of tracks present in Top 100 Italy for each year?</a:t>
+            </a:r>
+            <a:endParaRPr lang="it-IT" sz="2000" b="1" dirty="0"/>
+          </a:p>
+        </p:txBody>
+      </p:sp>
+      <p:sp>
+        <p:nvSpPr>
+          <p:cNvPr id="2" name="Segnaposto numero diapositiva 1">
+            <a:extLst>
+              <a:ext uri="{FF2B5EF4-FFF2-40B4-BE49-F238E27FC236}">
+                <a16:creationId xmlns:a16="http://schemas.microsoft.com/office/drawing/2014/main" id="{AF743220-D2ED-43D4-A1FF-37CA562FFA98}"/>
+              </a:ext>
+            </a:extLst>
+          </p:cNvPr>
+          <p:cNvSpPr>
+            <a:spLocks noGrp="1"/>
+          </p:cNvSpPr>
+          <p:nvPr>
+            <p:ph type="sldNum" sz="quarter" idx="12"/>
+          </p:nvPr>
+        </p:nvSpPr>
+        <p:spPr/>
+        <p:txBody>
+          <a:bodyPr/>
+          <a:lstStyle/>
+          <a:p>
+            <a:fld id="{0E41FC79-F70E-41D5-8DA8-CBC79D687031}" type="slidenum">
+              <a:rPr lang="it-IT" smtClean="0"/>
+              <a:t>18</a:t>
+            </a:fld>
+            <a:r>
+              <a:rPr lang="it-IT" dirty="0"/>
+              <a:t>/24</a:t>
+            </a:r>
+          </a:p>
+        </p:txBody>
+      </p:sp>
+      <p:pic>
+        <p:nvPicPr>
+          <p:cNvPr id="9" name="Immagine 8">
+            <a:extLst>
+              <a:ext uri="{FF2B5EF4-FFF2-40B4-BE49-F238E27FC236}">
+                <a16:creationId xmlns:a16="http://schemas.microsoft.com/office/drawing/2014/main" id="{E9D080A5-EA47-4ADD-896B-1CF4189E8896}"/>
+              </a:ext>
+            </a:extLst>
+          </p:cNvPr>
+          <p:cNvPicPr>
+            <a:picLocks noChangeAspect="1"/>
+          </p:cNvPicPr>
+          <p:nvPr/>
+        </p:nvPicPr>
+        <p:blipFill>
+          <a:blip r:embed="rId2"/>
+          <a:stretch>
+            <a:fillRect/>
+          </a:stretch>
+        </p:blipFill>
+        <p:spPr>
+          <a:xfrm>
+            <a:off x="6826101" y="2719378"/>
+            <a:ext cx="4343401" cy="3636972"/>
+          </a:xfrm>
+          <a:prstGeom prst="rect">
+            <a:avLst/>
+          </a:prstGeom>
+        </p:spPr>
+      </p:pic>
+      <p:graphicFrame>
+        <p:nvGraphicFramePr>
+          <p:cNvPr id="10" name="Segnaposto contenuto 2">
+            <a:extLst>
+              <a:ext uri="{FF2B5EF4-FFF2-40B4-BE49-F238E27FC236}">
+                <a16:creationId xmlns:a16="http://schemas.microsoft.com/office/drawing/2014/main" id="{26674F91-BBFB-4D5A-8D3F-FB6580AEB63D}"/>
+              </a:ext>
+            </a:extLst>
+          </p:cNvPr>
+          <p:cNvGraphicFramePr>
+            <a:graphicFrameLocks/>
+          </p:cNvGraphicFramePr>
+          <p:nvPr>
+            <p:extLst>
+              <p:ext uri="{D42A27DB-BD31-4B8C-83A1-F6EECF244321}">
+                <p14:modId xmlns:p14="http://schemas.microsoft.com/office/powerpoint/2010/main" val="32130103"/>
+              </p:ext>
+            </p:extLst>
+          </p:nvPr>
+        </p:nvGraphicFramePr>
+        <p:xfrm>
+          <a:off x="914398" y="2660384"/>
+          <a:ext cx="5181601" cy="3711473"/>
+        </p:xfrm>
+        <a:graphic>
+          <a:graphicData uri="http://schemas.openxmlformats.org/drawingml/2006/diagram">
+            <dgm:relIds xmlns:dgm="http://schemas.openxmlformats.org/drawingml/2006/diagram" xmlns:r="http://schemas.openxmlformats.org/officeDocument/2006/relationships" r:dm="rId3" r:lo="rId4" r:qs="rId5" r:cs="rId6"/>
+          </a:graphicData>
+        </a:graphic>
+      </p:graphicFrame>
+      <p:sp>
+        <p:nvSpPr>
+          <p:cNvPr id="13" name="Titolo 3">
+            <a:extLst>
+              <a:ext uri="{FF2B5EF4-FFF2-40B4-BE49-F238E27FC236}">
+                <a16:creationId xmlns:a16="http://schemas.microsoft.com/office/drawing/2014/main" id="{8E58099E-76CE-4F86-80D3-4ECAC07ECE2C}"/>
+              </a:ext>
+            </a:extLst>
+          </p:cNvPr>
+          <p:cNvSpPr txBox="1">
+            <a:spLocks/>
+          </p:cNvSpPr>
+          <p:nvPr/>
+        </p:nvSpPr>
+        <p:spPr>
+          <a:xfrm>
+            <a:off x="6934200" y="1304925"/>
+            <a:ext cx="4343401" cy="857250"/>
+          </a:xfrm>
+          <a:prstGeom prst="rect">
+            <a:avLst/>
+          </a:prstGeom>
+        </p:spPr>
+        <p:txBody>
+          <a:bodyPr vert="horz" lIns="91440" tIns="45720" rIns="91440" bIns="45720" rtlCol="0" anchor="t">
+            <a:noAutofit/>
+          </a:bodyPr>
+          <a:lstStyle>
+            <a:lvl1pPr algn="l" defTabSz="914400" rtl="0" eaLnBrk="1" latinLnBrk="0" hangingPunct="1">
+              <a:lnSpc>
+                <a:spcPct val="100000"/>
+              </a:lnSpc>
+              <a:spcBef>
+                <a:spcPct val="0"/>
+              </a:spcBef>
+              <a:buNone/>
+              <a:defRPr sz="4000" kern="1200">
+                <a:solidFill>
+                  <a:schemeClr val="tx1"/>
+                </a:solidFill>
+                <a:latin typeface="+mj-lt"/>
+                <a:ea typeface="+mj-ea"/>
+                <a:cs typeface="+mj-cs"/>
+              </a:defRPr>
+            </a:lvl1pPr>
+          </a:lstStyle>
+          <a:p>
+            <a:pPr algn="ctr"/>
+            <a:r>
+              <a:rPr lang="en-GB" sz="2000" b="1" dirty="0"/>
+              <a:t>Show the most common position in the TOP 100 Italy obtained by the just retrieved artist.</a:t>
+            </a:r>
+            <a:endParaRPr lang="it-IT" sz="2000" b="1" dirty="0"/>
+          </a:p>
+        </p:txBody>
+      </p:sp>
+    </p:spTree>
+    <p:extLst>
+      <p:ext uri="{BB962C8B-B14F-4D97-AF65-F5344CB8AC3E}">
+        <p14:creationId xmlns:p14="http://schemas.microsoft.com/office/powerpoint/2010/main" val="2874827600"/>
+      </p:ext>
+    </p:extLst>
+  </p:cSld>
+  <p:clrMapOvr>
+    <a:masterClrMapping/>
+  </p:clrMapOvr>
+</p:sld>
+</file>
+
+<file path=ppt/slides/slide19.xml><?xml version="1.0" encoding="utf-8"?>
+<p:sld xmlns:a="http://schemas.openxmlformats.org/drawingml/2006/main" xmlns:r="http://schemas.openxmlformats.org/officeDocument/2006/relationships" xmlns:p="http://schemas.openxmlformats.org/presentationml/2006/main">
+  <p:cSld>
+    <p:spTree>
+      <p:nvGrpSpPr>
+        <p:cNvPr id="1" name=""/>
+        <p:cNvGrpSpPr/>
+        <p:nvPr/>
+      </p:nvGrpSpPr>
+      <p:grpSpPr>
+        <a:xfrm>
+          <a:off x="0" y="0"/>
+          <a:ext cx="0" cy="0"/>
+          <a:chOff x="0" y="0"/>
+          <a:chExt cx="0" cy="0"/>
+        </a:xfrm>
+      </p:grpSpPr>
+      <p:sp>
+        <p:nvSpPr>
+          <p:cNvPr id="4" name="Titolo 3">
+            <a:extLst>
+              <a:ext uri="{FF2B5EF4-FFF2-40B4-BE49-F238E27FC236}">
+                <a16:creationId xmlns:a16="http://schemas.microsoft.com/office/drawing/2014/main" id="{A32BADA9-D1E4-4A68-A522-AE21B0D0BA03}"/>
+              </a:ext>
+            </a:extLst>
+          </p:cNvPr>
+          <p:cNvSpPr>
+            <a:spLocks noGrp="1"/>
+          </p:cNvSpPr>
+          <p:nvPr>
+            <p:ph type="title"/>
+          </p:nvPr>
+        </p:nvSpPr>
+        <p:spPr>
+          <a:xfrm>
+            <a:off x="914399" y="1162050"/>
+            <a:ext cx="10616609" cy="857250"/>
+          </a:xfrm>
+        </p:spPr>
+        <p:txBody>
+          <a:bodyPr>
+            <a:noAutofit/>
+          </a:bodyPr>
+          <a:lstStyle/>
+          <a:p>
+            <a:r>
+              <a:rPr lang="en-GB" sz="2400" b="1" dirty="0">
+                <a:effectLst/>
+              </a:rPr>
+              <a:t> Show the top 3 Italian artists with the highest number of tracks present in Top 100 Italy at the same time.</a:t>
+            </a:r>
+            <a:endParaRPr lang="it-IT" sz="4800" b="1" dirty="0"/>
+          </a:p>
+        </p:txBody>
+      </p:sp>
+      <p:sp>
+        <p:nvSpPr>
+          <p:cNvPr id="2" name="Segnaposto numero diapositiva 1">
+            <a:extLst>
+              <a:ext uri="{FF2B5EF4-FFF2-40B4-BE49-F238E27FC236}">
+                <a16:creationId xmlns:a16="http://schemas.microsoft.com/office/drawing/2014/main" id="{AF743220-D2ED-43D4-A1FF-37CA562FFA98}"/>
+              </a:ext>
+            </a:extLst>
+          </p:cNvPr>
+          <p:cNvSpPr>
+            <a:spLocks noGrp="1"/>
+          </p:cNvSpPr>
+          <p:nvPr>
+            <p:ph type="sldNum" sz="quarter" idx="12"/>
+          </p:nvPr>
+        </p:nvSpPr>
+        <p:spPr/>
+        <p:txBody>
+          <a:bodyPr/>
+          <a:lstStyle/>
+          <a:p>
+            <a:fld id="{0E41FC79-F70E-41D5-8DA8-CBC79D687031}" type="slidenum">
+              <a:rPr lang="it-IT" smtClean="0"/>
+              <a:t>19</a:t>
+            </a:fld>
+            <a:r>
+              <a:rPr lang="it-IT" dirty="0"/>
+              <a:t>/24</a:t>
+            </a:r>
+          </a:p>
+        </p:txBody>
+      </p:sp>
+      <p:pic>
+        <p:nvPicPr>
+          <p:cNvPr id="6" name="Immagine 5">
+            <a:extLst>
+              <a:ext uri="{FF2B5EF4-FFF2-40B4-BE49-F238E27FC236}">
+                <a16:creationId xmlns:a16="http://schemas.microsoft.com/office/drawing/2014/main" id="{F9DA6715-F45B-4DB9-A936-6E0FA43D6589}"/>
+              </a:ext>
+            </a:extLst>
+          </p:cNvPr>
+          <p:cNvPicPr>
+            <a:picLocks noChangeAspect="1"/>
+          </p:cNvPicPr>
+          <p:nvPr/>
+        </p:nvPicPr>
+        <p:blipFill>
+          <a:blip r:embed="rId2"/>
+          <a:stretch>
+            <a:fillRect/>
+          </a:stretch>
+        </p:blipFill>
+        <p:spPr>
+          <a:xfrm>
+            <a:off x="2051563" y="2065029"/>
+            <a:ext cx="1188823" cy="1021168"/>
+          </a:xfrm>
+          <a:prstGeom prst="rect">
+            <a:avLst/>
+          </a:prstGeom>
+        </p:spPr>
+      </p:pic>
+      <p:pic>
+        <p:nvPicPr>
+          <p:cNvPr id="8" name="Immagine 7">
+            <a:extLst>
+              <a:ext uri="{FF2B5EF4-FFF2-40B4-BE49-F238E27FC236}">
+                <a16:creationId xmlns:a16="http://schemas.microsoft.com/office/drawing/2014/main" id="{C0993ED9-E656-421D-8A28-E756D6CDDA6B}"/>
+              </a:ext>
+            </a:extLst>
+          </p:cNvPr>
+          <p:cNvPicPr>
+            <a:picLocks noChangeAspect="1"/>
+          </p:cNvPicPr>
+          <p:nvPr/>
+        </p:nvPicPr>
+        <p:blipFill>
+          <a:blip r:embed="rId3"/>
+          <a:stretch>
+            <a:fillRect/>
+          </a:stretch>
+        </p:blipFill>
+        <p:spPr>
+          <a:xfrm>
+            <a:off x="5293926" y="2038357"/>
+            <a:ext cx="1310754" cy="1074513"/>
+          </a:xfrm>
+          <a:prstGeom prst="rect">
+            <a:avLst/>
+          </a:prstGeom>
+        </p:spPr>
+      </p:pic>
+      <p:pic>
+        <p:nvPicPr>
+          <p:cNvPr id="10" name="Immagine 9">
+            <a:extLst>
+              <a:ext uri="{FF2B5EF4-FFF2-40B4-BE49-F238E27FC236}">
+                <a16:creationId xmlns:a16="http://schemas.microsoft.com/office/drawing/2014/main" id="{14A6A28D-CE0A-4ECD-83F0-47284B8E7225}"/>
+              </a:ext>
+            </a:extLst>
+          </p:cNvPr>
+          <p:cNvPicPr>
+            <a:picLocks noChangeAspect="1"/>
+          </p:cNvPicPr>
+          <p:nvPr/>
+        </p:nvPicPr>
+        <p:blipFill rotWithShape="1">
+          <a:blip r:embed="rId4"/>
+          <a:srcRect r="24743"/>
+          <a:stretch/>
+        </p:blipFill>
+        <p:spPr>
+          <a:xfrm>
+            <a:off x="8843010" y="1905824"/>
+            <a:ext cx="1101131" cy="1226926"/>
+          </a:xfrm>
+          <a:prstGeom prst="rect">
+            <a:avLst/>
+          </a:prstGeom>
+        </p:spPr>
+      </p:pic>
+      <p:sp>
+        <p:nvSpPr>
+          <p:cNvPr id="11" name="Freccia a destra 10">
+            <a:extLst>
+              <a:ext uri="{FF2B5EF4-FFF2-40B4-BE49-F238E27FC236}">
+                <a16:creationId xmlns:a16="http://schemas.microsoft.com/office/drawing/2014/main" id="{111CC4F4-871A-4D99-B10B-709DE3011118}"/>
+              </a:ext>
+            </a:extLst>
+          </p:cNvPr>
+          <p:cNvSpPr/>
+          <p:nvPr/>
+        </p:nvSpPr>
+        <p:spPr>
+          <a:xfrm rot="5400000">
+            <a:off x="2213574" y="4404324"/>
+            <a:ext cx="857251" cy="504825"/>
+          </a:xfrm>
+          <a:prstGeom prst="rightArrow">
+            <a:avLst/>
+          </a:prstGeom>
+        </p:spPr>
+        <p:style>
+          <a:lnRef idx="2">
+            <a:schemeClr val="accent1">
+              <a:shade val="50000"/>
+            </a:schemeClr>
+          </a:lnRef>
+          <a:fillRef idx="1">
+            <a:schemeClr val="accent1"/>
+          </a:fillRef>
+          <a:effectRef idx="0">
+            <a:schemeClr val="accent1"/>
+          </a:effectRef>
+          <a:fontRef idx="minor">
+            <a:schemeClr val="lt1"/>
+          </a:fontRef>
+        </p:style>
+        <p:txBody>
+          <a:bodyPr rtlCol="0" anchor="ctr"/>
+          <a:lstStyle/>
+          <a:p>
+            <a:pPr algn="ctr"/>
+            <a:endParaRPr lang="en-GB"/>
+          </a:p>
+        </p:txBody>
+      </p:sp>
+      <p:sp>
+        <p:nvSpPr>
+          <p:cNvPr id="12" name="Titolo 3">
+            <a:extLst>
+              <a:ext uri="{FF2B5EF4-FFF2-40B4-BE49-F238E27FC236}">
+                <a16:creationId xmlns:a16="http://schemas.microsoft.com/office/drawing/2014/main" id="{AE914E4C-42D0-484F-80ED-F83CFA2DEE2E}"/>
+              </a:ext>
+            </a:extLst>
+          </p:cNvPr>
+          <p:cNvSpPr txBox="1">
+            <a:spLocks/>
+          </p:cNvSpPr>
+          <p:nvPr/>
+        </p:nvSpPr>
+        <p:spPr>
+          <a:xfrm>
+            <a:off x="1396310" y="3132750"/>
+            <a:ext cx="2491777" cy="1074512"/>
+          </a:xfrm>
+          <a:prstGeom prst="rect">
+            <a:avLst/>
+          </a:prstGeom>
+        </p:spPr>
+        <p:txBody>
+          <a:bodyPr vert="horz" lIns="91440" tIns="45720" rIns="91440" bIns="45720" rtlCol="0" anchor="t">
+            <a:noAutofit/>
+          </a:bodyPr>
+          <a:lstStyle>
+            <a:lvl1pPr algn="l" defTabSz="914400" rtl="0" eaLnBrk="1" latinLnBrk="0" hangingPunct="1">
+              <a:lnSpc>
+                <a:spcPct val="100000"/>
+              </a:lnSpc>
+              <a:spcBef>
+                <a:spcPct val="0"/>
+              </a:spcBef>
+              <a:buNone/>
+              <a:defRPr sz="4000" kern="1200">
+                <a:solidFill>
+                  <a:schemeClr val="tx1"/>
+                </a:solidFill>
+                <a:latin typeface="+mj-lt"/>
+                <a:ea typeface="+mj-ea"/>
+                <a:cs typeface="+mj-cs"/>
+              </a:defRPr>
+            </a:lvl1pPr>
+          </a:lstStyle>
+          <a:p>
+            <a:pPr algn="ctr"/>
+            <a:r>
+              <a:rPr lang="en-GB" sz="2000" b="1" dirty="0" err="1"/>
+              <a:t>Tha</a:t>
+            </a:r>
+            <a:r>
+              <a:rPr lang="en-GB" sz="2000" b="1" dirty="0"/>
+              <a:t> Supreme</a:t>
+            </a:r>
+          </a:p>
+          <a:p>
+            <a:pPr algn="ctr"/>
+            <a:r>
+              <a:rPr lang="en-GB" sz="2000" b="1" dirty="0"/>
+              <a:t>17th November 2019</a:t>
+            </a:r>
+          </a:p>
+          <a:p>
+            <a:pPr algn="ctr"/>
+            <a:r>
+              <a:rPr lang="en-GB" sz="2000" b="1" dirty="0"/>
+              <a:t>24 tracks</a:t>
+            </a:r>
+            <a:endParaRPr lang="it-IT" sz="2000" b="1" dirty="0"/>
+          </a:p>
+        </p:txBody>
+      </p:sp>
+      <p:sp>
+        <p:nvSpPr>
+          <p:cNvPr id="13" name="Titolo 3">
+            <a:extLst>
+              <a:ext uri="{FF2B5EF4-FFF2-40B4-BE49-F238E27FC236}">
+                <a16:creationId xmlns:a16="http://schemas.microsoft.com/office/drawing/2014/main" id="{93D11056-5167-483D-8045-92048AC543D1}"/>
+              </a:ext>
+            </a:extLst>
+          </p:cNvPr>
+          <p:cNvSpPr txBox="1">
+            <a:spLocks/>
+          </p:cNvSpPr>
+          <p:nvPr/>
+        </p:nvSpPr>
+        <p:spPr>
+          <a:xfrm>
+            <a:off x="4699512" y="3132750"/>
+            <a:ext cx="2491777" cy="1074512"/>
+          </a:xfrm>
+          <a:prstGeom prst="rect">
+            <a:avLst/>
+          </a:prstGeom>
+        </p:spPr>
+        <p:txBody>
+          <a:bodyPr vert="horz" lIns="91440" tIns="45720" rIns="91440" bIns="45720" rtlCol="0" anchor="t">
+            <a:noAutofit/>
+          </a:bodyPr>
+          <a:lstStyle>
+            <a:lvl1pPr algn="l" defTabSz="914400" rtl="0" eaLnBrk="1" latinLnBrk="0" hangingPunct="1">
+              <a:lnSpc>
+                <a:spcPct val="100000"/>
+              </a:lnSpc>
+              <a:spcBef>
+                <a:spcPct val="0"/>
+              </a:spcBef>
+              <a:buNone/>
+              <a:defRPr sz="4000" kern="1200">
+                <a:solidFill>
+                  <a:schemeClr val="tx1"/>
+                </a:solidFill>
+                <a:latin typeface="+mj-lt"/>
+                <a:ea typeface="+mj-ea"/>
+                <a:cs typeface="+mj-cs"/>
+              </a:defRPr>
+            </a:lvl1pPr>
+          </a:lstStyle>
+          <a:p>
+            <a:pPr algn="ctr"/>
+            <a:r>
+              <a:rPr lang="en-GB" sz="2000" b="1" dirty="0" err="1"/>
+              <a:t>Tha</a:t>
+            </a:r>
+            <a:r>
+              <a:rPr lang="en-GB" sz="2000" b="1" dirty="0"/>
+              <a:t> Supreme</a:t>
+            </a:r>
+          </a:p>
+          <a:p>
+            <a:pPr algn="ctr"/>
+            <a:r>
+              <a:rPr lang="en-GB" sz="2000" b="1" dirty="0"/>
+              <a:t>17th November 2019</a:t>
+            </a:r>
+          </a:p>
+          <a:p>
+            <a:pPr algn="ctr"/>
+            <a:r>
+              <a:rPr lang="en-GB" sz="2000" b="1" dirty="0"/>
+              <a:t>24 tracks</a:t>
+            </a:r>
+            <a:endParaRPr lang="it-IT" sz="2000" b="1" dirty="0"/>
+          </a:p>
+        </p:txBody>
+      </p:sp>
+      <p:sp>
+        <p:nvSpPr>
+          <p:cNvPr id="14" name="Titolo 3">
+            <a:extLst>
+              <a:ext uri="{FF2B5EF4-FFF2-40B4-BE49-F238E27FC236}">
+                <a16:creationId xmlns:a16="http://schemas.microsoft.com/office/drawing/2014/main" id="{78ED6B49-6981-40D7-8E2D-E4E4CB5B75B7}"/>
+              </a:ext>
+            </a:extLst>
+          </p:cNvPr>
+          <p:cNvSpPr txBox="1">
+            <a:spLocks/>
+          </p:cNvSpPr>
+          <p:nvPr/>
+        </p:nvSpPr>
+        <p:spPr>
+          <a:xfrm>
+            <a:off x="8147688" y="3132750"/>
+            <a:ext cx="2491777" cy="1074512"/>
+          </a:xfrm>
+          <a:prstGeom prst="rect">
+            <a:avLst/>
+          </a:prstGeom>
+        </p:spPr>
+        <p:txBody>
+          <a:bodyPr vert="horz" lIns="91440" tIns="45720" rIns="91440" bIns="45720" rtlCol="0" anchor="t">
+            <a:noAutofit/>
+          </a:bodyPr>
+          <a:lstStyle>
+            <a:lvl1pPr algn="l" defTabSz="914400" rtl="0" eaLnBrk="1" latinLnBrk="0" hangingPunct="1">
+              <a:lnSpc>
+                <a:spcPct val="100000"/>
+              </a:lnSpc>
+              <a:spcBef>
+                <a:spcPct val="0"/>
+              </a:spcBef>
+              <a:buNone/>
+              <a:defRPr sz="4000" kern="1200">
+                <a:solidFill>
+                  <a:schemeClr val="tx1"/>
+                </a:solidFill>
+                <a:latin typeface="+mj-lt"/>
+                <a:ea typeface="+mj-ea"/>
+                <a:cs typeface="+mj-cs"/>
+              </a:defRPr>
+            </a:lvl1pPr>
+          </a:lstStyle>
+          <a:p>
+            <a:pPr algn="ctr"/>
+            <a:r>
+              <a:rPr lang="en-GB" sz="2000" b="1" dirty="0" err="1"/>
+              <a:t>Tha</a:t>
+            </a:r>
+            <a:r>
+              <a:rPr lang="en-GB" sz="2000" b="1" dirty="0"/>
+              <a:t> Supreme</a:t>
+            </a:r>
+          </a:p>
+          <a:p>
+            <a:pPr algn="ctr"/>
+            <a:r>
+              <a:rPr lang="en-GB" sz="2000" b="1" dirty="0"/>
+              <a:t>17th November 2019</a:t>
+            </a:r>
+          </a:p>
+          <a:p>
+            <a:pPr algn="ctr"/>
+            <a:r>
+              <a:rPr lang="en-GB" sz="2000" b="1" dirty="0"/>
+              <a:t>24 tracks</a:t>
+            </a:r>
+            <a:endParaRPr lang="it-IT" sz="2000" b="1" dirty="0"/>
+          </a:p>
+        </p:txBody>
+      </p:sp>
+      <p:sp>
+        <p:nvSpPr>
+          <p:cNvPr id="15" name="Freccia a destra 14">
+            <a:extLst>
+              <a:ext uri="{FF2B5EF4-FFF2-40B4-BE49-F238E27FC236}">
+                <a16:creationId xmlns:a16="http://schemas.microsoft.com/office/drawing/2014/main" id="{7BBF55D9-1DDE-4C21-A73A-34FE95A1220B}"/>
+              </a:ext>
+            </a:extLst>
+          </p:cNvPr>
+          <p:cNvSpPr/>
+          <p:nvPr/>
+        </p:nvSpPr>
+        <p:spPr>
+          <a:xfrm rot="5400000">
+            <a:off x="5541665" y="4402533"/>
+            <a:ext cx="857251" cy="504825"/>
+          </a:xfrm>
+          <a:prstGeom prst="rightArrow">
+            <a:avLst/>
+          </a:prstGeom>
+        </p:spPr>
+        <p:style>
+          <a:lnRef idx="2">
+            <a:schemeClr val="accent1">
+              <a:shade val="50000"/>
+            </a:schemeClr>
+          </a:lnRef>
+          <a:fillRef idx="1">
+            <a:schemeClr val="accent1"/>
+          </a:fillRef>
+          <a:effectRef idx="0">
+            <a:schemeClr val="accent1"/>
+          </a:effectRef>
+          <a:fontRef idx="minor">
+            <a:schemeClr val="lt1"/>
+          </a:fontRef>
+        </p:style>
+        <p:txBody>
+          <a:bodyPr rtlCol="0" anchor="ctr"/>
+          <a:lstStyle/>
+          <a:p>
+            <a:pPr algn="ctr"/>
+            <a:endParaRPr lang="en-GB"/>
+          </a:p>
+        </p:txBody>
+      </p:sp>
+      <p:sp>
+        <p:nvSpPr>
+          <p:cNvPr id="16" name="Freccia a destra 15">
+            <a:extLst>
+              <a:ext uri="{FF2B5EF4-FFF2-40B4-BE49-F238E27FC236}">
+                <a16:creationId xmlns:a16="http://schemas.microsoft.com/office/drawing/2014/main" id="{B2991638-D8BB-4BEE-97C9-8A168898C79B}"/>
+              </a:ext>
+            </a:extLst>
+          </p:cNvPr>
+          <p:cNvSpPr/>
+          <p:nvPr/>
+        </p:nvSpPr>
+        <p:spPr>
+          <a:xfrm rot="5400000">
+            <a:off x="9042999" y="4422413"/>
+            <a:ext cx="857251" cy="504825"/>
+          </a:xfrm>
+          <a:prstGeom prst="rightArrow">
+            <a:avLst/>
+          </a:prstGeom>
+        </p:spPr>
+        <p:style>
+          <a:lnRef idx="2">
+            <a:schemeClr val="accent1">
+              <a:shade val="50000"/>
+            </a:schemeClr>
+          </a:lnRef>
+          <a:fillRef idx="1">
+            <a:schemeClr val="accent1"/>
+          </a:fillRef>
+          <a:effectRef idx="0">
+            <a:schemeClr val="accent1"/>
+          </a:effectRef>
+          <a:fontRef idx="minor">
+            <a:schemeClr val="lt1"/>
+          </a:fontRef>
+        </p:style>
+        <p:txBody>
+          <a:bodyPr rtlCol="0" anchor="ctr"/>
+          <a:lstStyle/>
+          <a:p>
+            <a:pPr algn="ctr"/>
+            <a:endParaRPr lang="en-GB"/>
+          </a:p>
+        </p:txBody>
+      </p:sp>
+      <p:pic>
+        <p:nvPicPr>
+          <p:cNvPr id="18" name="Immagine 17">
+            <a:extLst>
+              <a:ext uri="{FF2B5EF4-FFF2-40B4-BE49-F238E27FC236}">
+                <a16:creationId xmlns:a16="http://schemas.microsoft.com/office/drawing/2014/main" id="{24586781-4448-4763-AC1A-D3D907D49DF1}"/>
+              </a:ext>
+            </a:extLst>
+          </p:cNvPr>
+          <p:cNvPicPr>
+            <a:picLocks noChangeAspect="1"/>
+          </p:cNvPicPr>
+          <p:nvPr/>
+        </p:nvPicPr>
+        <p:blipFill>
+          <a:blip r:embed="rId5"/>
+          <a:stretch>
+            <a:fillRect/>
+          </a:stretch>
+        </p:blipFill>
+        <p:spPr>
+          <a:xfrm>
+            <a:off x="833898" y="5333379"/>
+            <a:ext cx="1124824" cy="1074512"/>
+          </a:xfrm>
+          <a:prstGeom prst="rect">
+            <a:avLst/>
+          </a:prstGeom>
+        </p:spPr>
+      </p:pic>
+      <p:sp>
+        <p:nvSpPr>
+          <p:cNvPr id="19" name="Titolo 3">
+            <a:extLst>
+              <a:ext uri="{FF2B5EF4-FFF2-40B4-BE49-F238E27FC236}">
+                <a16:creationId xmlns:a16="http://schemas.microsoft.com/office/drawing/2014/main" id="{4F070989-9890-40EE-9B1E-9E1ECDB36127}"/>
+              </a:ext>
+            </a:extLst>
+          </p:cNvPr>
+          <p:cNvSpPr txBox="1">
+            <a:spLocks/>
+          </p:cNvSpPr>
+          <p:nvPr/>
+        </p:nvSpPr>
+        <p:spPr>
+          <a:xfrm>
+            <a:off x="1958722" y="5320711"/>
+            <a:ext cx="2660903" cy="1074513"/>
+          </a:xfrm>
+          <a:prstGeom prst="rect">
+            <a:avLst/>
+          </a:prstGeom>
+        </p:spPr>
+        <p:txBody>
+          <a:bodyPr vert="horz" lIns="91440" tIns="45720" rIns="91440" bIns="45720" rtlCol="0" anchor="ctr">
+            <a:noAutofit/>
+          </a:bodyPr>
+          <a:lstStyle>
+            <a:lvl1pPr algn="l" defTabSz="914400" rtl="0" eaLnBrk="1" latinLnBrk="0" hangingPunct="1">
+              <a:lnSpc>
+                <a:spcPct val="100000"/>
+              </a:lnSpc>
+              <a:spcBef>
+                <a:spcPct val="0"/>
+              </a:spcBef>
+              <a:buNone/>
+              <a:defRPr sz="4000" kern="1200">
+                <a:solidFill>
+                  <a:schemeClr val="tx1"/>
+                </a:solidFill>
+                <a:latin typeface="+mj-lt"/>
+                <a:ea typeface="+mj-ea"/>
+                <a:cs typeface="+mj-cs"/>
+              </a:defRPr>
+            </a:lvl1pPr>
+          </a:lstStyle>
+          <a:p>
+            <a:r>
+              <a:rPr lang="en-GB" sz="1800" b="1" dirty="0"/>
+              <a:t>Name: 23 6451</a:t>
+            </a:r>
+          </a:p>
+          <a:p>
+            <a:r>
+              <a:rPr lang="en-GB" sz="1800" b="1" dirty="0" err="1"/>
+              <a:t>relaseDate</a:t>
+            </a:r>
+            <a:r>
+              <a:rPr lang="en-GB" sz="1800" b="1" dirty="0"/>
+              <a:t>: 2019-11-15</a:t>
+            </a:r>
+          </a:p>
+        </p:txBody>
+      </p:sp>
+      <p:pic>
+        <p:nvPicPr>
+          <p:cNvPr id="20" name="Immagine 19">
+            <a:extLst>
+              <a:ext uri="{FF2B5EF4-FFF2-40B4-BE49-F238E27FC236}">
+                <a16:creationId xmlns:a16="http://schemas.microsoft.com/office/drawing/2014/main" id="{01B29E2F-1CC5-47E6-8C5C-7EE6F5255D9C}"/>
+              </a:ext>
+            </a:extLst>
+          </p:cNvPr>
+          <p:cNvPicPr>
+            <a:picLocks noChangeAspect="1"/>
+          </p:cNvPicPr>
+          <p:nvPr/>
+        </p:nvPicPr>
+        <p:blipFill>
+          <a:blip r:embed="rId5"/>
+          <a:stretch>
+            <a:fillRect/>
+          </a:stretch>
+        </p:blipFill>
+        <p:spPr>
+          <a:xfrm>
+            <a:off x="4593054" y="5320712"/>
+            <a:ext cx="1124824" cy="1074512"/>
+          </a:xfrm>
+          <a:prstGeom prst="rect">
+            <a:avLst/>
+          </a:prstGeom>
+        </p:spPr>
+      </p:pic>
+      <p:sp>
+        <p:nvSpPr>
+          <p:cNvPr id="21" name="Titolo 3">
+            <a:extLst>
+              <a:ext uri="{FF2B5EF4-FFF2-40B4-BE49-F238E27FC236}">
+                <a16:creationId xmlns:a16="http://schemas.microsoft.com/office/drawing/2014/main" id="{866212D8-5287-47C6-8EE9-0F6971FC1711}"/>
+              </a:ext>
+            </a:extLst>
+          </p:cNvPr>
+          <p:cNvSpPr txBox="1">
+            <a:spLocks/>
+          </p:cNvSpPr>
+          <p:nvPr/>
+        </p:nvSpPr>
+        <p:spPr>
+          <a:xfrm>
+            <a:off x="5717878" y="5308044"/>
+            <a:ext cx="2660903" cy="1074513"/>
+          </a:xfrm>
+          <a:prstGeom prst="rect">
+            <a:avLst/>
+          </a:prstGeom>
+        </p:spPr>
+        <p:txBody>
+          <a:bodyPr vert="horz" lIns="91440" tIns="45720" rIns="91440" bIns="45720" rtlCol="0" anchor="ctr">
+            <a:noAutofit/>
+          </a:bodyPr>
+          <a:lstStyle>
+            <a:lvl1pPr algn="l" defTabSz="914400" rtl="0" eaLnBrk="1" latinLnBrk="0" hangingPunct="1">
+              <a:lnSpc>
+                <a:spcPct val="100000"/>
+              </a:lnSpc>
+              <a:spcBef>
+                <a:spcPct val="0"/>
+              </a:spcBef>
+              <a:buNone/>
+              <a:defRPr sz="4000" kern="1200">
+                <a:solidFill>
+                  <a:schemeClr val="tx1"/>
+                </a:solidFill>
+                <a:latin typeface="+mj-lt"/>
+                <a:ea typeface="+mj-ea"/>
+                <a:cs typeface="+mj-cs"/>
+              </a:defRPr>
+            </a:lvl1pPr>
+          </a:lstStyle>
+          <a:p>
+            <a:r>
+              <a:rPr lang="en-GB" sz="1800" b="1" dirty="0"/>
+              <a:t>Name: 23 6451</a:t>
+            </a:r>
+          </a:p>
+          <a:p>
+            <a:r>
+              <a:rPr lang="en-GB" sz="1800" b="1" dirty="0" err="1"/>
+              <a:t>relaseDate</a:t>
+            </a:r>
+            <a:r>
+              <a:rPr lang="en-GB" sz="1800" b="1" dirty="0"/>
+              <a:t>: 2019-11-15</a:t>
+            </a:r>
+          </a:p>
+        </p:txBody>
+      </p:sp>
+      <p:pic>
+        <p:nvPicPr>
+          <p:cNvPr id="22" name="Immagine 21">
+            <a:extLst>
+              <a:ext uri="{FF2B5EF4-FFF2-40B4-BE49-F238E27FC236}">
+                <a16:creationId xmlns:a16="http://schemas.microsoft.com/office/drawing/2014/main" id="{43838390-098B-4295-9158-4643C41C7812}"/>
+              </a:ext>
+            </a:extLst>
+          </p:cNvPr>
+          <p:cNvPicPr>
+            <a:picLocks noChangeAspect="1"/>
+          </p:cNvPicPr>
+          <p:nvPr/>
+        </p:nvPicPr>
+        <p:blipFill>
+          <a:blip r:embed="rId5"/>
+          <a:stretch>
+            <a:fillRect/>
+          </a:stretch>
+        </p:blipFill>
+        <p:spPr>
+          <a:xfrm>
+            <a:off x="8323518" y="5308045"/>
+            <a:ext cx="1124824" cy="1074512"/>
+          </a:xfrm>
+          <a:prstGeom prst="rect">
+            <a:avLst/>
+          </a:prstGeom>
+        </p:spPr>
+      </p:pic>
+      <p:sp>
+        <p:nvSpPr>
+          <p:cNvPr id="23" name="Titolo 3">
+            <a:extLst>
+              <a:ext uri="{FF2B5EF4-FFF2-40B4-BE49-F238E27FC236}">
+                <a16:creationId xmlns:a16="http://schemas.microsoft.com/office/drawing/2014/main" id="{C1B9B6DB-4FA2-4ADC-B37F-C66ACB764C23}"/>
+              </a:ext>
+            </a:extLst>
+          </p:cNvPr>
+          <p:cNvSpPr txBox="1">
+            <a:spLocks/>
+          </p:cNvSpPr>
+          <p:nvPr/>
+        </p:nvSpPr>
+        <p:spPr>
+          <a:xfrm>
+            <a:off x="9448342" y="5295377"/>
+            <a:ext cx="2660903" cy="1074513"/>
+          </a:xfrm>
+          <a:prstGeom prst="rect">
+            <a:avLst/>
+          </a:prstGeom>
+        </p:spPr>
+        <p:txBody>
+          <a:bodyPr vert="horz" lIns="91440" tIns="45720" rIns="91440" bIns="45720" rtlCol="0" anchor="ctr">
+            <a:noAutofit/>
+          </a:bodyPr>
+          <a:lstStyle>
+            <a:lvl1pPr algn="l" defTabSz="914400" rtl="0" eaLnBrk="1" latinLnBrk="0" hangingPunct="1">
+              <a:lnSpc>
+                <a:spcPct val="100000"/>
+              </a:lnSpc>
+              <a:spcBef>
+                <a:spcPct val="0"/>
+              </a:spcBef>
+              <a:buNone/>
+              <a:defRPr sz="4000" kern="1200">
+                <a:solidFill>
+                  <a:schemeClr val="tx1"/>
+                </a:solidFill>
+                <a:latin typeface="+mj-lt"/>
+                <a:ea typeface="+mj-ea"/>
+                <a:cs typeface="+mj-cs"/>
+              </a:defRPr>
+            </a:lvl1pPr>
+          </a:lstStyle>
+          <a:p>
+            <a:r>
+              <a:rPr lang="en-GB" sz="1800" b="1" dirty="0"/>
+              <a:t>Name: 23 6451</a:t>
+            </a:r>
+          </a:p>
+          <a:p>
+            <a:r>
+              <a:rPr lang="en-GB" sz="1800" b="1" dirty="0" err="1"/>
+              <a:t>relaseDate</a:t>
+            </a:r>
+            <a:r>
+              <a:rPr lang="en-GB" sz="1800" b="1" dirty="0"/>
+              <a:t>: 2019-11-15</a:t>
+            </a:r>
+          </a:p>
+        </p:txBody>
+      </p:sp>
+    </p:spTree>
+    <p:extLst>
+      <p:ext uri="{BB962C8B-B14F-4D97-AF65-F5344CB8AC3E}">
+        <p14:creationId xmlns:p14="http://schemas.microsoft.com/office/powerpoint/2010/main" val="1607448009"/>
       </p:ext>
     </p:extLst>
   </p:cSld>
@@ -8190,10 +16149,1294 @@
           </a:p>
         </p:txBody>
       </p:sp>
+      <p:pic>
+        <p:nvPicPr>
+          <p:cNvPr id="7" name="Immagine 6">
+            <a:extLst>
+              <a:ext uri="{FF2B5EF4-FFF2-40B4-BE49-F238E27FC236}">
+                <a16:creationId xmlns:a16="http://schemas.microsoft.com/office/drawing/2014/main" id="{4A1FA0EA-5C11-4B2F-81F3-E864AD612098}"/>
+              </a:ext>
+            </a:extLst>
+          </p:cNvPr>
+          <p:cNvPicPr>
+            <a:picLocks noChangeAspect="1"/>
+          </p:cNvPicPr>
+          <p:nvPr/>
+        </p:nvPicPr>
+        <p:blipFill>
+          <a:blip r:embed="rId7">
+            <a:extLst>
+              <a:ext uri="{28A0092B-C50C-407E-A947-70E740481C1C}">
+                <a14:useLocalDpi xmlns:a14="http://schemas.microsoft.com/office/drawing/2010/main" val="0"/>
+              </a:ext>
+            </a:extLst>
+          </a:blip>
+          <a:stretch>
+            <a:fillRect/>
+          </a:stretch>
+        </p:blipFill>
+        <p:spPr>
+          <a:xfrm>
+            <a:off x="7248123" y="2428190"/>
+            <a:ext cx="3334153" cy="1000810"/>
+          </a:xfrm>
+          <a:prstGeom prst="rect">
+            <a:avLst/>
+          </a:prstGeom>
+        </p:spPr>
+      </p:pic>
     </p:spTree>
     <p:extLst>
       <p:ext uri="{BB962C8B-B14F-4D97-AF65-F5344CB8AC3E}">
         <p14:creationId xmlns:p14="http://schemas.microsoft.com/office/powerpoint/2010/main" val="4216747870"/>
+      </p:ext>
+    </p:extLst>
+  </p:cSld>
+  <p:clrMapOvr>
+    <a:masterClrMapping/>
+  </p:clrMapOvr>
+</p:sld>
+</file>
+
+<file path=ppt/slides/slide20.xml><?xml version="1.0" encoding="utf-8"?>
+<p:sld xmlns:a="http://schemas.openxmlformats.org/drawingml/2006/main" xmlns:r="http://schemas.openxmlformats.org/officeDocument/2006/relationships" xmlns:p="http://schemas.openxmlformats.org/presentationml/2006/main">
+  <p:cSld>
+    <p:spTree>
+      <p:nvGrpSpPr>
+        <p:cNvPr id="1" name=""/>
+        <p:cNvGrpSpPr/>
+        <p:nvPr/>
+      </p:nvGrpSpPr>
+      <p:grpSpPr>
+        <a:xfrm>
+          <a:off x="0" y="0"/>
+          <a:ext cx="0" cy="0"/>
+          <a:chOff x="0" y="0"/>
+          <a:chExt cx="0" cy="0"/>
+        </a:xfrm>
+      </p:grpSpPr>
+      <p:sp>
+        <p:nvSpPr>
+          <p:cNvPr id="2" name="Segnaposto numero diapositiva 1">
+            <a:extLst>
+              <a:ext uri="{FF2B5EF4-FFF2-40B4-BE49-F238E27FC236}">
+                <a16:creationId xmlns:a16="http://schemas.microsoft.com/office/drawing/2014/main" id="{AF743220-D2ED-43D4-A1FF-37CA562FFA98}"/>
+              </a:ext>
+            </a:extLst>
+          </p:cNvPr>
+          <p:cNvSpPr>
+            <a:spLocks noGrp="1"/>
+          </p:cNvSpPr>
+          <p:nvPr>
+            <p:ph type="sldNum" sz="quarter" idx="12"/>
+          </p:nvPr>
+        </p:nvSpPr>
+        <p:spPr/>
+        <p:txBody>
+          <a:bodyPr/>
+          <a:lstStyle/>
+          <a:p>
+            <a:fld id="{0E41FC79-F70E-41D5-8DA8-CBC79D687031}" type="slidenum">
+              <a:rPr lang="it-IT" smtClean="0"/>
+              <a:t>20</a:t>
+            </a:fld>
+            <a:r>
+              <a:rPr lang="it-IT" dirty="0"/>
+              <a:t>/24</a:t>
+            </a:r>
+          </a:p>
+        </p:txBody>
+      </p:sp>
+      <p:sp>
+        <p:nvSpPr>
+          <p:cNvPr id="24" name="Titolo 3">
+            <a:extLst>
+              <a:ext uri="{FF2B5EF4-FFF2-40B4-BE49-F238E27FC236}">
+                <a16:creationId xmlns:a16="http://schemas.microsoft.com/office/drawing/2014/main" id="{A6BED70F-ACD4-4513-95D9-A8D5B52559B7}"/>
+              </a:ext>
+            </a:extLst>
+          </p:cNvPr>
+          <p:cNvSpPr txBox="1">
+            <a:spLocks/>
+          </p:cNvSpPr>
+          <p:nvPr/>
+        </p:nvSpPr>
+        <p:spPr>
+          <a:xfrm>
+            <a:off x="914400" y="1152525"/>
+            <a:ext cx="10616609" cy="857250"/>
+          </a:xfrm>
+          <a:prstGeom prst="rect">
+            <a:avLst/>
+          </a:prstGeom>
+        </p:spPr>
+        <p:txBody>
+          <a:bodyPr vert="horz" lIns="91440" tIns="45720" rIns="91440" bIns="45720" rtlCol="0" anchor="t">
+            <a:noAutofit/>
+          </a:bodyPr>
+          <a:lstStyle>
+            <a:lvl1pPr algn="l" defTabSz="914400" rtl="0" eaLnBrk="1" latinLnBrk="0" hangingPunct="1">
+              <a:lnSpc>
+                <a:spcPct val="100000"/>
+              </a:lnSpc>
+              <a:spcBef>
+                <a:spcPct val="0"/>
+              </a:spcBef>
+              <a:buNone/>
+              <a:defRPr sz="4000" kern="1200">
+                <a:solidFill>
+                  <a:schemeClr val="tx1"/>
+                </a:solidFill>
+                <a:latin typeface="+mj-lt"/>
+                <a:ea typeface="+mj-ea"/>
+                <a:cs typeface="+mj-cs"/>
+              </a:defRPr>
+            </a:lvl1pPr>
+          </a:lstStyle>
+          <a:p>
+            <a:r>
+              <a:rPr lang="en-GB" sz="2400" b="1" dirty="0"/>
+              <a:t>Q11: How many tracks from Italian artist are present in a Top 100 of a different country for each year</a:t>
+            </a:r>
+            <a:endParaRPr lang="it-IT" sz="4800" b="1" dirty="0"/>
+          </a:p>
+        </p:txBody>
+      </p:sp>
+      <p:pic>
+        <p:nvPicPr>
+          <p:cNvPr id="5" name="Immagine 4">
+            <a:extLst>
+              <a:ext uri="{FF2B5EF4-FFF2-40B4-BE49-F238E27FC236}">
+                <a16:creationId xmlns:a16="http://schemas.microsoft.com/office/drawing/2014/main" id="{C9B9E3F6-2D19-4070-ABE1-A0D4BA0299C5}"/>
+              </a:ext>
+            </a:extLst>
+          </p:cNvPr>
+          <p:cNvPicPr>
+            <a:picLocks noChangeAspect="1"/>
+          </p:cNvPicPr>
+          <p:nvPr/>
+        </p:nvPicPr>
+        <p:blipFill>
+          <a:blip r:embed="rId2">
+            <a:extLst>
+              <a:ext uri="{28A0092B-C50C-407E-A947-70E740481C1C}">
+                <a14:useLocalDpi xmlns:a14="http://schemas.microsoft.com/office/drawing/2010/main" val="0"/>
+              </a:ext>
+            </a:extLst>
+          </a:blip>
+          <a:stretch>
+            <a:fillRect/>
+          </a:stretch>
+        </p:blipFill>
+        <p:spPr>
+          <a:xfrm>
+            <a:off x="1928812" y="2153814"/>
+            <a:ext cx="8334375" cy="4058497"/>
+          </a:xfrm>
+          <a:prstGeom prst="rect">
+            <a:avLst/>
+          </a:prstGeom>
+        </p:spPr>
+      </p:pic>
+    </p:spTree>
+    <p:extLst>
+      <p:ext uri="{BB962C8B-B14F-4D97-AF65-F5344CB8AC3E}">
+        <p14:creationId xmlns:p14="http://schemas.microsoft.com/office/powerpoint/2010/main" val="2128944112"/>
+      </p:ext>
+    </p:extLst>
+  </p:cSld>
+  <p:clrMapOvr>
+    <a:masterClrMapping/>
+  </p:clrMapOvr>
+</p:sld>
+</file>
+
+<file path=ppt/slides/slide21.xml><?xml version="1.0" encoding="utf-8"?>
+<p:sld xmlns:a="http://schemas.openxmlformats.org/drawingml/2006/main" xmlns:r="http://schemas.openxmlformats.org/officeDocument/2006/relationships" xmlns:p="http://schemas.openxmlformats.org/presentationml/2006/main">
+  <p:cSld>
+    <p:spTree>
+      <p:nvGrpSpPr>
+        <p:cNvPr id="1" name=""/>
+        <p:cNvGrpSpPr/>
+        <p:nvPr/>
+      </p:nvGrpSpPr>
+      <p:grpSpPr>
+        <a:xfrm>
+          <a:off x="0" y="0"/>
+          <a:ext cx="0" cy="0"/>
+          <a:chOff x="0" y="0"/>
+          <a:chExt cx="0" cy="0"/>
+        </a:xfrm>
+      </p:grpSpPr>
+      <p:sp>
+        <p:nvSpPr>
+          <p:cNvPr id="2" name="Segnaposto numero diapositiva 1">
+            <a:extLst>
+              <a:ext uri="{FF2B5EF4-FFF2-40B4-BE49-F238E27FC236}">
+                <a16:creationId xmlns:a16="http://schemas.microsoft.com/office/drawing/2014/main" id="{AF743220-D2ED-43D4-A1FF-37CA562FFA98}"/>
+              </a:ext>
+            </a:extLst>
+          </p:cNvPr>
+          <p:cNvSpPr>
+            <a:spLocks noGrp="1"/>
+          </p:cNvSpPr>
+          <p:nvPr>
+            <p:ph type="sldNum" sz="quarter" idx="12"/>
+          </p:nvPr>
+        </p:nvSpPr>
+        <p:spPr/>
+        <p:txBody>
+          <a:bodyPr/>
+          <a:lstStyle/>
+          <a:p>
+            <a:fld id="{0E41FC79-F70E-41D5-8DA8-CBC79D687031}" type="slidenum">
+              <a:rPr lang="it-IT" smtClean="0"/>
+              <a:t>21</a:t>
+            </a:fld>
+            <a:r>
+              <a:rPr lang="it-IT" dirty="0"/>
+              <a:t>/24</a:t>
+            </a:r>
+          </a:p>
+        </p:txBody>
+      </p:sp>
+      <p:sp>
+        <p:nvSpPr>
+          <p:cNvPr id="24" name="Titolo 3">
+            <a:extLst>
+              <a:ext uri="{FF2B5EF4-FFF2-40B4-BE49-F238E27FC236}">
+                <a16:creationId xmlns:a16="http://schemas.microsoft.com/office/drawing/2014/main" id="{A6BED70F-ACD4-4513-95D9-A8D5B52559B7}"/>
+              </a:ext>
+            </a:extLst>
+          </p:cNvPr>
+          <p:cNvSpPr txBox="1">
+            <a:spLocks/>
+          </p:cNvSpPr>
+          <p:nvPr/>
+        </p:nvSpPr>
+        <p:spPr>
+          <a:xfrm>
+            <a:off x="914400" y="1152525"/>
+            <a:ext cx="10616609" cy="857250"/>
+          </a:xfrm>
+          <a:prstGeom prst="rect">
+            <a:avLst/>
+          </a:prstGeom>
+        </p:spPr>
+        <p:txBody>
+          <a:bodyPr vert="horz" lIns="91440" tIns="45720" rIns="91440" bIns="45720" rtlCol="0" anchor="t">
+            <a:noAutofit/>
+          </a:bodyPr>
+          <a:lstStyle>
+            <a:lvl1pPr algn="l" defTabSz="914400" rtl="0" eaLnBrk="1" latinLnBrk="0" hangingPunct="1">
+              <a:lnSpc>
+                <a:spcPct val="100000"/>
+              </a:lnSpc>
+              <a:spcBef>
+                <a:spcPct val="0"/>
+              </a:spcBef>
+              <a:buNone/>
+              <a:defRPr sz="4000" kern="1200">
+                <a:solidFill>
+                  <a:schemeClr val="tx1"/>
+                </a:solidFill>
+                <a:latin typeface="+mj-lt"/>
+                <a:ea typeface="+mj-ea"/>
+                <a:cs typeface="+mj-cs"/>
+              </a:defRPr>
+            </a:lvl1pPr>
+          </a:lstStyle>
+          <a:p>
+            <a:r>
+              <a:rPr lang="en-GB" sz="2400" b="1" dirty="0"/>
+              <a:t>Show the countries that listen the most to Italian tracks</a:t>
+            </a:r>
+            <a:endParaRPr lang="it-IT" sz="4800" b="1" dirty="0"/>
+          </a:p>
+        </p:txBody>
+      </p:sp>
+      <p:pic>
+        <p:nvPicPr>
+          <p:cNvPr id="4" name="Immagine 3">
+            <a:extLst>
+              <a:ext uri="{FF2B5EF4-FFF2-40B4-BE49-F238E27FC236}">
+                <a16:creationId xmlns:a16="http://schemas.microsoft.com/office/drawing/2014/main" id="{07EF8FF1-D55B-46F3-8DB2-18A953C3A8EE}"/>
+              </a:ext>
+            </a:extLst>
+          </p:cNvPr>
+          <p:cNvPicPr>
+            <a:picLocks noChangeAspect="1"/>
+          </p:cNvPicPr>
+          <p:nvPr/>
+        </p:nvPicPr>
+        <p:blipFill>
+          <a:blip r:embed="rId2"/>
+          <a:stretch>
+            <a:fillRect/>
+          </a:stretch>
+        </p:blipFill>
+        <p:spPr>
+          <a:xfrm>
+            <a:off x="914400" y="1834180"/>
+            <a:ext cx="10616608" cy="4406239"/>
+          </a:xfrm>
+          <a:prstGeom prst="rect">
+            <a:avLst/>
+          </a:prstGeom>
+        </p:spPr>
+      </p:pic>
+    </p:spTree>
+    <p:extLst>
+      <p:ext uri="{BB962C8B-B14F-4D97-AF65-F5344CB8AC3E}">
+        <p14:creationId xmlns:p14="http://schemas.microsoft.com/office/powerpoint/2010/main" val="3949070070"/>
+      </p:ext>
+    </p:extLst>
+  </p:cSld>
+  <p:clrMapOvr>
+    <a:masterClrMapping/>
+  </p:clrMapOvr>
+</p:sld>
+</file>
+
+<file path=ppt/slides/slide22.xml><?xml version="1.0" encoding="utf-8"?>
+<p:sld xmlns:a="http://schemas.openxmlformats.org/drawingml/2006/main" xmlns:r="http://schemas.openxmlformats.org/officeDocument/2006/relationships" xmlns:p="http://schemas.openxmlformats.org/presentationml/2006/main">
+  <p:cSld>
+    <p:spTree>
+      <p:nvGrpSpPr>
+        <p:cNvPr id="1" name=""/>
+        <p:cNvGrpSpPr/>
+        <p:nvPr/>
+      </p:nvGrpSpPr>
+      <p:grpSpPr>
+        <a:xfrm>
+          <a:off x="0" y="0"/>
+          <a:ext cx="0" cy="0"/>
+          <a:chOff x="0" y="0"/>
+          <a:chExt cx="0" cy="0"/>
+        </a:xfrm>
+      </p:grpSpPr>
+      <p:sp>
+        <p:nvSpPr>
+          <p:cNvPr id="2" name="Segnaposto numero diapositiva 1">
+            <a:extLst>
+              <a:ext uri="{FF2B5EF4-FFF2-40B4-BE49-F238E27FC236}">
+                <a16:creationId xmlns:a16="http://schemas.microsoft.com/office/drawing/2014/main" id="{AF743220-D2ED-43D4-A1FF-37CA562FFA98}"/>
+              </a:ext>
+            </a:extLst>
+          </p:cNvPr>
+          <p:cNvSpPr>
+            <a:spLocks noGrp="1"/>
+          </p:cNvSpPr>
+          <p:nvPr>
+            <p:ph type="sldNum" sz="quarter" idx="12"/>
+          </p:nvPr>
+        </p:nvSpPr>
+        <p:spPr/>
+        <p:txBody>
+          <a:bodyPr/>
+          <a:lstStyle/>
+          <a:p>
+            <a:fld id="{0E41FC79-F70E-41D5-8DA8-CBC79D687031}" type="slidenum">
+              <a:rPr lang="it-IT" smtClean="0"/>
+              <a:t>22</a:t>
+            </a:fld>
+            <a:r>
+              <a:rPr lang="it-IT" dirty="0"/>
+              <a:t>/24</a:t>
+            </a:r>
+          </a:p>
+        </p:txBody>
+      </p:sp>
+      <p:sp>
+        <p:nvSpPr>
+          <p:cNvPr id="24" name="Titolo 3">
+            <a:extLst>
+              <a:ext uri="{FF2B5EF4-FFF2-40B4-BE49-F238E27FC236}">
+                <a16:creationId xmlns:a16="http://schemas.microsoft.com/office/drawing/2014/main" id="{A6BED70F-ACD4-4513-95D9-A8D5B52559B7}"/>
+              </a:ext>
+            </a:extLst>
+          </p:cNvPr>
+          <p:cNvSpPr txBox="1">
+            <a:spLocks/>
+          </p:cNvSpPr>
+          <p:nvPr/>
+        </p:nvSpPr>
+        <p:spPr>
+          <a:xfrm>
+            <a:off x="914399" y="1219200"/>
+            <a:ext cx="10616609" cy="857250"/>
+          </a:xfrm>
+          <a:prstGeom prst="rect">
+            <a:avLst/>
+          </a:prstGeom>
+        </p:spPr>
+        <p:txBody>
+          <a:bodyPr vert="horz" lIns="91440" tIns="45720" rIns="91440" bIns="45720" rtlCol="0" anchor="t">
+            <a:noAutofit/>
+          </a:bodyPr>
+          <a:lstStyle>
+            <a:lvl1pPr algn="l" defTabSz="914400" rtl="0" eaLnBrk="1" latinLnBrk="0" hangingPunct="1">
+              <a:lnSpc>
+                <a:spcPct val="100000"/>
+              </a:lnSpc>
+              <a:spcBef>
+                <a:spcPct val="0"/>
+              </a:spcBef>
+              <a:buNone/>
+              <a:defRPr sz="4000" kern="1200">
+                <a:solidFill>
+                  <a:schemeClr val="tx1"/>
+                </a:solidFill>
+                <a:latin typeface="+mj-lt"/>
+                <a:ea typeface="+mj-ea"/>
+                <a:cs typeface="+mj-cs"/>
+              </a:defRPr>
+            </a:lvl1pPr>
+          </a:lstStyle>
+          <a:p>
+            <a:r>
+              <a:rPr lang="en-GB" sz="2400" b="1" dirty="0"/>
+              <a:t>How to determine the most widespread Italian artists ?</a:t>
+            </a:r>
+            <a:endParaRPr lang="it-IT" sz="4800" b="1" dirty="0"/>
+          </a:p>
+        </p:txBody>
+      </p:sp>
+      <p:cxnSp>
+        <p:nvCxnSpPr>
+          <p:cNvPr id="6" name="Connettore 2 5">
+            <a:extLst>
+              <a:ext uri="{FF2B5EF4-FFF2-40B4-BE49-F238E27FC236}">
+                <a16:creationId xmlns:a16="http://schemas.microsoft.com/office/drawing/2014/main" id="{F02D984B-3552-45B0-8AD2-EA3C96E5A88A}"/>
+              </a:ext>
+            </a:extLst>
+          </p:cNvPr>
+          <p:cNvCxnSpPr>
+            <a:cxnSpLocks/>
+            <a:stCxn id="24" idx="2"/>
+          </p:cNvCxnSpPr>
+          <p:nvPr/>
+        </p:nvCxnSpPr>
+        <p:spPr>
+          <a:xfrm flipH="1">
+            <a:off x="3467100" y="2076450"/>
+            <a:ext cx="2755604" cy="1133475"/>
+          </a:xfrm>
+          <a:prstGeom prst="straightConnector1">
+            <a:avLst/>
+          </a:prstGeom>
+          <a:ln w="57150">
+            <a:tailEnd type="triangle"/>
+          </a:ln>
+        </p:spPr>
+        <p:style>
+          <a:lnRef idx="1">
+            <a:schemeClr val="accent1"/>
+          </a:lnRef>
+          <a:fillRef idx="0">
+            <a:schemeClr val="accent1"/>
+          </a:fillRef>
+          <a:effectRef idx="0">
+            <a:schemeClr val="accent1"/>
+          </a:effectRef>
+          <a:fontRef idx="minor">
+            <a:schemeClr val="tx1"/>
+          </a:fontRef>
+        </p:style>
+      </p:cxnSp>
+      <p:cxnSp>
+        <p:nvCxnSpPr>
+          <p:cNvPr id="11" name="Connettore 2 10">
+            <a:extLst>
+              <a:ext uri="{FF2B5EF4-FFF2-40B4-BE49-F238E27FC236}">
+                <a16:creationId xmlns:a16="http://schemas.microsoft.com/office/drawing/2014/main" id="{684E10C9-3964-44B2-AA48-2D81C70F3EFB}"/>
+              </a:ext>
+            </a:extLst>
+          </p:cNvPr>
+          <p:cNvCxnSpPr>
+            <a:cxnSpLocks/>
+            <a:stCxn id="24" idx="2"/>
+          </p:cNvCxnSpPr>
+          <p:nvPr/>
+        </p:nvCxnSpPr>
+        <p:spPr>
+          <a:xfrm>
+            <a:off x="6222704" y="2076450"/>
+            <a:ext cx="2854621" cy="990600"/>
+          </a:xfrm>
+          <a:prstGeom prst="straightConnector1">
+            <a:avLst/>
+          </a:prstGeom>
+          <a:ln w="57150">
+            <a:tailEnd type="triangle"/>
+          </a:ln>
+        </p:spPr>
+        <p:style>
+          <a:lnRef idx="1">
+            <a:schemeClr val="accent1"/>
+          </a:lnRef>
+          <a:fillRef idx="0">
+            <a:schemeClr val="accent1"/>
+          </a:fillRef>
+          <a:effectRef idx="0">
+            <a:schemeClr val="accent1"/>
+          </a:effectRef>
+          <a:fontRef idx="minor">
+            <a:schemeClr val="tx1"/>
+          </a:fontRef>
+        </p:style>
+      </p:cxnSp>
+      <p:sp>
+        <p:nvSpPr>
+          <p:cNvPr id="14" name="Titolo 3">
+            <a:extLst>
+              <a:ext uri="{FF2B5EF4-FFF2-40B4-BE49-F238E27FC236}">
+                <a16:creationId xmlns:a16="http://schemas.microsoft.com/office/drawing/2014/main" id="{B9CEA980-FE64-47D7-B332-46202613DAA9}"/>
+              </a:ext>
+            </a:extLst>
+          </p:cNvPr>
+          <p:cNvSpPr txBox="1">
+            <a:spLocks/>
+          </p:cNvSpPr>
+          <p:nvPr/>
+        </p:nvSpPr>
+        <p:spPr>
+          <a:xfrm>
+            <a:off x="914399" y="3500437"/>
+            <a:ext cx="4248152" cy="1133475"/>
+          </a:xfrm>
+          <a:prstGeom prst="rect">
+            <a:avLst/>
+          </a:prstGeom>
+        </p:spPr>
+        <p:txBody>
+          <a:bodyPr vert="horz" lIns="91440" tIns="45720" rIns="91440" bIns="45720" rtlCol="0" anchor="t">
+            <a:noAutofit/>
+          </a:bodyPr>
+          <a:lstStyle>
+            <a:lvl1pPr algn="l" defTabSz="914400" rtl="0" eaLnBrk="1" latinLnBrk="0" hangingPunct="1">
+              <a:lnSpc>
+                <a:spcPct val="100000"/>
+              </a:lnSpc>
+              <a:spcBef>
+                <a:spcPct val="0"/>
+              </a:spcBef>
+              <a:buNone/>
+              <a:defRPr sz="4000" kern="1200">
+                <a:solidFill>
+                  <a:schemeClr val="tx1"/>
+                </a:solidFill>
+                <a:latin typeface="+mj-lt"/>
+                <a:ea typeface="+mj-ea"/>
+                <a:cs typeface="+mj-cs"/>
+              </a:defRPr>
+            </a:lvl1pPr>
+          </a:lstStyle>
+          <a:p>
+            <a:r>
+              <a:rPr lang="en-GB" sz="2400" b="1" dirty="0"/>
+              <a:t>Count how many different countries each artist has reached excluding Italy</a:t>
+            </a:r>
+            <a:endParaRPr lang="it-IT" sz="4800" b="1" dirty="0"/>
+          </a:p>
+        </p:txBody>
+      </p:sp>
+      <p:sp>
+        <p:nvSpPr>
+          <p:cNvPr id="15" name="Titolo 3">
+            <a:extLst>
+              <a:ext uri="{FF2B5EF4-FFF2-40B4-BE49-F238E27FC236}">
+                <a16:creationId xmlns:a16="http://schemas.microsoft.com/office/drawing/2014/main" id="{4B3413B7-0268-48C7-B365-5A811DE4E31B}"/>
+              </a:ext>
+            </a:extLst>
+          </p:cNvPr>
+          <p:cNvSpPr txBox="1">
+            <a:spLocks/>
+          </p:cNvSpPr>
+          <p:nvPr/>
+        </p:nvSpPr>
+        <p:spPr>
+          <a:xfrm>
+            <a:off x="6953249" y="3500436"/>
+            <a:ext cx="4248152" cy="1133475"/>
+          </a:xfrm>
+          <a:prstGeom prst="rect">
+            <a:avLst/>
+          </a:prstGeom>
+        </p:spPr>
+        <p:txBody>
+          <a:bodyPr vert="horz" lIns="91440" tIns="45720" rIns="91440" bIns="45720" rtlCol="0" anchor="t">
+            <a:noAutofit/>
+          </a:bodyPr>
+          <a:lstStyle>
+            <a:lvl1pPr algn="l" defTabSz="914400" rtl="0" eaLnBrk="1" latinLnBrk="0" hangingPunct="1">
+              <a:lnSpc>
+                <a:spcPct val="100000"/>
+              </a:lnSpc>
+              <a:spcBef>
+                <a:spcPct val="0"/>
+              </a:spcBef>
+              <a:buNone/>
+              <a:defRPr sz="4000" kern="1200">
+                <a:solidFill>
+                  <a:schemeClr val="tx1"/>
+                </a:solidFill>
+                <a:latin typeface="+mj-lt"/>
+                <a:ea typeface="+mj-ea"/>
+                <a:cs typeface="+mj-cs"/>
+              </a:defRPr>
+            </a:lvl1pPr>
+          </a:lstStyle>
+          <a:p>
+            <a:r>
+              <a:rPr lang="en-GB" sz="2400" b="1" dirty="0"/>
+              <a:t>Count how many distinct tracks have entered in a TOP 100 outside Italy</a:t>
+            </a:r>
+            <a:endParaRPr lang="it-IT" sz="4800" b="1" dirty="0"/>
+          </a:p>
+        </p:txBody>
+      </p:sp>
+    </p:spTree>
+    <p:extLst>
+      <p:ext uri="{BB962C8B-B14F-4D97-AF65-F5344CB8AC3E}">
+        <p14:creationId xmlns:p14="http://schemas.microsoft.com/office/powerpoint/2010/main" val="187084051"/>
+      </p:ext>
+    </p:extLst>
+  </p:cSld>
+  <p:clrMapOvr>
+    <a:masterClrMapping/>
+  </p:clrMapOvr>
+</p:sld>
+</file>
+
+<file path=ppt/slides/slide23.xml><?xml version="1.0" encoding="utf-8"?>
+<p:sld xmlns:a="http://schemas.openxmlformats.org/drawingml/2006/main" xmlns:r="http://schemas.openxmlformats.org/officeDocument/2006/relationships" xmlns:p="http://schemas.openxmlformats.org/presentationml/2006/main">
+  <p:cSld>
+    <p:spTree>
+      <p:nvGrpSpPr>
+        <p:cNvPr id="1" name=""/>
+        <p:cNvGrpSpPr/>
+        <p:nvPr/>
+      </p:nvGrpSpPr>
+      <p:grpSpPr>
+        <a:xfrm>
+          <a:off x="0" y="0"/>
+          <a:ext cx="0" cy="0"/>
+          <a:chOff x="0" y="0"/>
+          <a:chExt cx="0" cy="0"/>
+        </a:xfrm>
+      </p:grpSpPr>
+      <p:sp>
+        <p:nvSpPr>
+          <p:cNvPr id="2" name="Segnaposto numero diapositiva 1">
+            <a:extLst>
+              <a:ext uri="{FF2B5EF4-FFF2-40B4-BE49-F238E27FC236}">
+                <a16:creationId xmlns:a16="http://schemas.microsoft.com/office/drawing/2014/main" id="{AF743220-D2ED-43D4-A1FF-37CA562FFA98}"/>
+              </a:ext>
+            </a:extLst>
+          </p:cNvPr>
+          <p:cNvSpPr>
+            <a:spLocks noGrp="1"/>
+          </p:cNvSpPr>
+          <p:nvPr>
+            <p:ph type="sldNum" sz="quarter" idx="12"/>
+          </p:nvPr>
+        </p:nvSpPr>
+        <p:spPr/>
+        <p:txBody>
+          <a:bodyPr/>
+          <a:lstStyle/>
+          <a:p>
+            <a:fld id="{0E41FC79-F70E-41D5-8DA8-CBC79D687031}" type="slidenum">
+              <a:rPr lang="it-IT" smtClean="0"/>
+              <a:t>23</a:t>
+            </a:fld>
+            <a:r>
+              <a:rPr lang="it-IT" dirty="0"/>
+              <a:t>/24</a:t>
+            </a:r>
+          </a:p>
+        </p:txBody>
+      </p:sp>
+      <p:sp>
+        <p:nvSpPr>
+          <p:cNvPr id="24" name="Titolo 3">
+            <a:extLst>
+              <a:ext uri="{FF2B5EF4-FFF2-40B4-BE49-F238E27FC236}">
+                <a16:creationId xmlns:a16="http://schemas.microsoft.com/office/drawing/2014/main" id="{A6BED70F-ACD4-4513-95D9-A8D5B52559B7}"/>
+              </a:ext>
+            </a:extLst>
+          </p:cNvPr>
+          <p:cNvSpPr txBox="1">
+            <a:spLocks/>
+          </p:cNvSpPr>
+          <p:nvPr/>
+        </p:nvSpPr>
+        <p:spPr>
+          <a:xfrm>
+            <a:off x="914399" y="1219200"/>
+            <a:ext cx="10616609" cy="857250"/>
+          </a:xfrm>
+          <a:prstGeom prst="rect">
+            <a:avLst/>
+          </a:prstGeom>
+        </p:spPr>
+        <p:txBody>
+          <a:bodyPr vert="horz" lIns="91440" tIns="45720" rIns="91440" bIns="45720" rtlCol="0" anchor="t">
+            <a:noAutofit/>
+          </a:bodyPr>
+          <a:lstStyle>
+            <a:lvl1pPr algn="l" defTabSz="914400" rtl="0" eaLnBrk="1" latinLnBrk="0" hangingPunct="1">
+              <a:lnSpc>
+                <a:spcPct val="100000"/>
+              </a:lnSpc>
+              <a:spcBef>
+                <a:spcPct val="0"/>
+              </a:spcBef>
+              <a:buNone/>
+              <a:defRPr sz="4000" kern="1200">
+                <a:solidFill>
+                  <a:schemeClr val="tx1"/>
+                </a:solidFill>
+                <a:latin typeface="+mj-lt"/>
+                <a:ea typeface="+mj-ea"/>
+                <a:cs typeface="+mj-cs"/>
+              </a:defRPr>
+            </a:lvl1pPr>
+          </a:lstStyle>
+          <a:p>
+            <a:r>
+              <a:rPr lang="en-GB" sz="2400" b="1" dirty="0"/>
+              <a:t>1</a:t>
+            </a:r>
+            <a:r>
+              <a:rPr lang="en-GB" sz="2400" b="1" baseline="30000" dirty="0"/>
+              <a:t>st</a:t>
+            </a:r>
+            <a:r>
+              <a:rPr lang="en-GB" sz="2400" b="1" dirty="0"/>
+              <a:t> Approach</a:t>
+            </a:r>
+            <a:endParaRPr lang="it-IT" sz="4800" b="1" dirty="0"/>
+          </a:p>
+        </p:txBody>
+      </p:sp>
+      <p:sp>
+        <p:nvSpPr>
+          <p:cNvPr id="14" name="Titolo 3">
+            <a:extLst>
+              <a:ext uri="{FF2B5EF4-FFF2-40B4-BE49-F238E27FC236}">
+                <a16:creationId xmlns:a16="http://schemas.microsoft.com/office/drawing/2014/main" id="{B9CEA980-FE64-47D7-B332-46202613DAA9}"/>
+              </a:ext>
+            </a:extLst>
+          </p:cNvPr>
+          <p:cNvSpPr txBox="1">
+            <a:spLocks/>
+          </p:cNvSpPr>
+          <p:nvPr/>
+        </p:nvSpPr>
+        <p:spPr>
+          <a:xfrm>
+            <a:off x="914399" y="3500437"/>
+            <a:ext cx="4248152" cy="1133475"/>
+          </a:xfrm>
+          <a:prstGeom prst="rect">
+            <a:avLst/>
+          </a:prstGeom>
+        </p:spPr>
+        <p:txBody>
+          <a:bodyPr vert="horz" lIns="91440" tIns="45720" rIns="91440" bIns="45720" rtlCol="0" anchor="t">
+            <a:noAutofit/>
+          </a:bodyPr>
+          <a:lstStyle>
+            <a:lvl1pPr algn="l" defTabSz="914400" rtl="0" eaLnBrk="1" latinLnBrk="0" hangingPunct="1">
+              <a:lnSpc>
+                <a:spcPct val="100000"/>
+              </a:lnSpc>
+              <a:spcBef>
+                <a:spcPct val="0"/>
+              </a:spcBef>
+              <a:buNone/>
+              <a:defRPr sz="4000" kern="1200">
+                <a:solidFill>
+                  <a:schemeClr val="tx1"/>
+                </a:solidFill>
+                <a:latin typeface="+mj-lt"/>
+                <a:ea typeface="+mj-ea"/>
+                <a:cs typeface="+mj-cs"/>
+              </a:defRPr>
+            </a:lvl1pPr>
+          </a:lstStyle>
+          <a:p>
+            <a:r>
+              <a:rPr lang="en-GB" sz="2400" b="1" dirty="0"/>
+              <a:t>Gigi Dag</a:t>
+            </a:r>
+            <a:endParaRPr lang="it-IT" sz="4800" b="1" dirty="0"/>
+          </a:p>
+        </p:txBody>
+      </p:sp>
+    </p:spTree>
+    <p:extLst>
+      <p:ext uri="{BB962C8B-B14F-4D97-AF65-F5344CB8AC3E}">
+        <p14:creationId xmlns:p14="http://schemas.microsoft.com/office/powerpoint/2010/main" val="2665933619"/>
+      </p:ext>
+    </p:extLst>
+  </p:cSld>
+  <p:clrMapOvr>
+    <a:masterClrMapping/>
+  </p:clrMapOvr>
+</p:sld>
+</file>
+
+<file path=ppt/slides/slide24.xml><?xml version="1.0" encoding="utf-8"?>
+<p:sld xmlns:a="http://schemas.openxmlformats.org/drawingml/2006/main" xmlns:r="http://schemas.openxmlformats.org/officeDocument/2006/relationships" xmlns:p="http://schemas.openxmlformats.org/presentationml/2006/main">
+  <p:cSld>
+    <p:spTree>
+      <p:nvGrpSpPr>
+        <p:cNvPr id="1" name=""/>
+        <p:cNvGrpSpPr/>
+        <p:nvPr/>
+      </p:nvGrpSpPr>
+      <p:grpSpPr>
+        <a:xfrm>
+          <a:off x="0" y="0"/>
+          <a:ext cx="0" cy="0"/>
+          <a:chOff x="0" y="0"/>
+          <a:chExt cx="0" cy="0"/>
+        </a:xfrm>
+      </p:grpSpPr>
+      <p:sp>
+        <p:nvSpPr>
+          <p:cNvPr id="2" name="Segnaposto numero diapositiva 1">
+            <a:extLst>
+              <a:ext uri="{FF2B5EF4-FFF2-40B4-BE49-F238E27FC236}">
+                <a16:creationId xmlns:a16="http://schemas.microsoft.com/office/drawing/2014/main" id="{AF743220-D2ED-43D4-A1FF-37CA562FFA98}"/>
+              </a:ext>
+            </a:extLst>
+          </p:cNvPr>
+          <p:cNvSpPr>
+            <a:spLocks noGrp="1"/>
+          </p:cNvSpPr>
+          <p:nvPr>
+            <p:ph type="sldNum" sz="quarter" idx="12"/>
+          </p:nvPr>
+        </p:nvSpPr>
+        <p:spPr/>
+        <p:txBody>
+          <a:bodyPr/>
+          <a:lstStyle/>
+          <a:p>
+            <a:fld id="{0E41FC79-F70E-41D5-8DA8-CBC79D687031}" type="slidenum">
+              <a:rPr lang="it-IT" smtClean="0"/>
+              <a:t>24</a:t>
+            </a:fld>
+            <a:r>
+              <a:rPr lang="it-IT" dirty="0"/>
+              <a:t>/24</a:t>
+            </a:r>
+          </a:p>
+        </p:txBody>
+      </p:sp>
+      <p:sp>
+        <p:nvSpPr>
+          <p:cNvPr id="24" name="Titolo 3">
+            <a:extLst>
+              <a:ext uri="{FF2B5EF4-FFF2-40B4-BE49-F238E27FC236}">
+                <a16:creationId xmlns:a16="http://schemas.microsoft.com/office/drawing/2014/main" id="{A6BED70F-ACD4-4513-95D9-A8D5B52559B7}"/>
+              </a:ext>
+            </a:extLst>
+          </p:cNvPr>
+          <p:cNvSpPr txBox="1">
+            <a:spLocks/>
+          </p:cNvSpPr>
+          <p:nvPr/>
+        </p:nvSpPr>
+        <p:spPr>
+          <a:xfrm>
+            <a:off x="914399" y="1219200"/>
+            <a:ext cx="10616609" cy="857250"/>
+          </a:xfrm>
+          <a:prstGeom prst="rect">
+            <a:avLst/>
+          </a:prstGeom>
+        </p:spPr>
+        <p:txBody>
+          <a:bodyPr vert="horz" lIns="91440" tIns="45720" rIns="91440" bIns="45720" rtlCol="0" anchor="t">
+            <a:noAutofit/>
+          </a:bodyPr>
+          <a:lstStyle>
+            <a:lvl1pPr algn="l" defTabSz="914400" rtl="0" eaLnBrk="1" latinLnBrk="0" hangingPunct="1">
+              <a:lnSpc>
+                <a:spcPct val="100000"/>
+              </a:lnSpc>
+              <a:spcBef>
+                <a:spcPct val="0"/>
+              </a:spcBef>
+              <a:buNone/>
+              <a:defRPr sz="4000" kern="1200">
+                <a:solidFill>
+                  <a:schemeClr val="tx1"/>
+                </a:solidFill>
+                <a:latin typeface="+mj-lt"/>
+                <a:ea typeface="+mj-ea"/>
+                <a:cs typeface="+mj-cs"/>
+              </a:defRPr>
+            </a:lvl1pPr>
+          </a:lstStyle>
+          <a:p>
+            <a:r>
+              <a:rPr lang="it-IT" sz="2400" b="1" dirty="0"/>
+              <a:t>2° Approach</a:t>
+            </a:r>
+            <a:endParaRPr lang="it-IT" sz="4800" b="1" dirty="0"/>
+          </a:p>
+        </p:txBody>
+      </p:sp>
+      <p:sp>
+        <p:nvSpPr>
+          <p:cNvPr id="14" name="Titolo 3">
+            <a:extLst>
+              <a:ext uri="{FF2B5EF4-FFF2-40B4-BE49-F238E27FC236}">
+                <a16:creationId xmlns:a16="http://schemas.microsoft.com/office/drawing/2014/main" id="{B9CEA980-FE64-47D7-B332-46202613DAA9}"/>
+              </a:ext>
+            </a:extLst>
+          </p:cNvPr>
+          <p:cNvSpPr txBox="1">
+            <a:spLocks/>
+          </p:cNvSpPr>
+          <p:nvPr/>
+        </p:nvSpPr>
+        <p:spPr>
+          <a:xfrm>
+            <a:off x="914399" y="3500437"/>
+            <a:ext cx="4248152" cy="1133475"/>
+          </a:xfrm>
+          <a:prstGeom prst="rect">
+            <a:avLst/>
+          </a:prstGeom>
+        </p:spPr>
+        <p:txBody>
+          <a:bodyPr vert="horz" lIns="91440" tIns="45720" rIns="91440" bIns="45720" rtlCol="0" anchor="t">
+            <a:noAutofit/>
+          </a:bodyPr>
+          <a:lstStyle>
+            <a:lvl1pPr algn="l" defTabSz="914400" rtl="0" eaLnBrk="1" latinLnBrk="0" hangingPunct="1">
+              <a:lnSpc>
+                <a:spcPct val="100000"/>
+              </a:lnSpc>
+              <a:spcBef>
+                <a:spcPct val="0"/>
+              </a:spcBef>
+              <a:buNone/>
+              <a:defRPr sz="4000" kern="1200">
+                <a:solidFill>
+                  <a:schemeClr val="tx1"/>
+                </a:solidFill>
+                <a:latin typeface="+mj-lt"/>
+                <a:ea typeface="+mj-ea"/>
+                <a:cs typeface="+mj-cs"/>
+              </a:defRPr>
+            </a:lvl1pPr>
+          </a:lstStyle>
+          <a:p>
+            <a:r>
+              <a:rPr lang="en-GB" sz="2400" b="1" dirty="0" err="1"/>
+              <a:t>Sfera</a:t>
+            </a:r>
+            <a:endParaRPr lang="it-IT" sz="4800" b="1" dirty="0"/>
+          </a:p>
+        </p:txBody>
+      </p:sp>
+    </p:spTree>
+    <p:extLst>
+      <p:ext uri="{BB962C8B-B14F-4D97-AF65-F5344CB8AC3E}">
+        <p14:creationId xmlns:p14="http://schemas.microsoft.com/office/powerpoint/2010/main" val="1978611188"/>
+      </p:ext>
+    </p:extLst>
+  </p:cSld>
+  <p:clrMapOvr>
+    <a:masterClrMapping/>
+  </p:clrMapOvr>
+</p:sld>
+</file>
+
+<file path=ppt/slides/slide25.xml><?xml version="1.0" encoding="utf-8"?>
+<p:sld xmlns:a="http://schemas.openxmlformats.org/drawingml/2006/main" xmlns:r="http://schemas.openxmlformats.org/officeDocument/2006/relationships" xmlns:p="http://schemas.openxmlformats.org/presentationml/2006/main">
+  <p:cSld>
+    <p:spTree>
+      <p:nvGrpSpPr>
+        <p:cNvPr id="1" name=""/>
+        <p:cNvGrpSpPr/>
+        <p:nvPr/>
+      </p:nvGrpSpPr>
+      <p:grpSpPr>
+        <a:xfrm>
+          <a:off x="0" y="0"/>
+          <a:ext cx="0" cy="0"/>
+          <a:chOff x="0" y="0"/>
+          <a:chExt cx="0" cy="0"/>
+        </a:xfrm>
+      </p:grpSpPr>
+      <p:sp>
+        <p:nvSpPr>
+          <p:cNvPr id="4" name="Titolo 3">
+            <a:extLst>
+              <a:ext uri="{FF2B5EF4-FFF2-40B4-BE49-F238E27FC236}">
+                <a16:creationId xmlns:a16="http://schemas.microsoft.com/office/drawing/2014/main" id="{A32BADA9-D1E4-4A68-A522-AE21B0D0BA03}"/>
+              </a:ext>
+            </a:extLst>
+          </p:cNvPr>
+          <p:cNvSpPr>
+            <a:spLocks noGrp="1"/>
+          </p:cNvSpPr>
+          <p:nvPr>
+            <p:ph type="title"/>
+          </p:nvPr>
+        </p:nvSpPr>
+        <p:spPr>
+          <a:xfrm>
+            <a:off x="914400" y="1371601"/>
+            <a:ext cx="10363200" cy="762000"/>
+          </a:xfrm>
+        </p:spPr>
+        <p:txBody>
+          <a:bodyPr>
+            <a:normAutofit/>
+          </a:bodyPr>
+          <a:lstStyle/>
+          <a:p>
+            <a:r>
+              <a:rPr lang="it-IT" sz="3600" b="1" dirty="0"/>
+              <a:t>References</a:t>
+            </a:r>
+          </a:p>
+        </p:txBody>
+      </p:sp>
+      <p:sp>
+        <p:nvSpPr>
+          <p:cNvPr id="2" name="Segnaposto contenuto 1">
+            <a:extLst>
+              <a:ext uri="{FF2B5EF4-FFF2-40B4-BE49-F238E27FC236}">
+                <a16:creationId xmlns:a16="http://schemas.microsoft.com/office/drawing/2014/main" id="{62F64557-1AC4-44FE-B949-2C1A4D026441}"/>
+              </a:ext>
+            </a:extLst>
+          </p:cNvPr>
+          <p:cNvSpPr>
+            <a:spLocks noGrp="1"/>
+          </p:cNvSpPr>
+          <p:nvPr>
+            <p:ph idx="1"/>
+          </p:nvPr>
+        </p:nvSpPr>
+        <p:spPr>
+          <a:xfrm>
+            <a:off x="914400" y="2133601"/>
+            <a:ext cx="10363200" cy="3696469"/>
+          </a:xfrm>
+        </p:spPr>
+        <p:txBody>
+          <a:bodyPr>
+            <a:normAutofit/>
+          </a:bodyPr>
+          <a:lstStyle/>
+          <a:p>
+            <a:pPr>
+              <a:buFont typeface="Wingdings" panose="05000000000000000000" pitchFamily="2" charset="2"/>
+              <a:buChar char="q"/>
+            </a:pPr>
+            <a:r>
+              <a:rPr lang="it-IT" sz="2400" b="1" dirty="0"/>
+              <a:t> Kaggle Spotify Dataset :                        </a:t>
+            </a:r>
+            <a:r>
+              <a:rPr lang="it-IT" sz="2400" b="1" dirty="0">
+                <a:hlinkClick r:id="rId2"/>
+              </a:rPr>
+              <a:t>https://www.kaggle.com/pepepython/spotify-huge-database-daily-charts-over-3-years?select=Database+to+calculate+popularity.csv</a:t>
+            </a:r>
+            <a:endParaRPr lang="it-IT" sz="2400" b="1" dirty="0"/>
+          </a:p>
+          <a:p>
+            <a:pPr>
+              <a:buFont typeface="Wingdings" panose="05000000000000000000" pitchFamily="2" charset="2"/>
+              <a:buChar char="q"/>
+            </a:pPr>
+            <a:r>
+              <a:rPr lang="it-IT" sz="2400" b="1" dirty="0"/>
+              <a:t> Spotify Web API : </a:t>
+            </a:r>
+            <a:r>
+              <a:rPr lang="it-IT" sz="2400" b="1" dirty="0">
+                <a:hlinkClick r:id="rId3"/>
+              </a:rPr>
+              <a:t>https://developer.spotify.com/documentation/web-api/</a:t>
+            </a:r>
+            <a:endParaRPr lang="it-IT" sz="2400" b="1" dirty="0"/>
+          </a:p>
+          <a:p>
+            <a:pPr>
+              <a:buFont typeface="Wingdings" panose="05000000000000000000" pitchFamily="2" charset="2"/>
+              <a:buChar char="q"/>
+            </a:pPr>
+            <a:r>
+              <a:rPr lang="it-IT" sz="2400" b="1" dirty="0"/>
+              <a:t> WikiData : </a:t>
+            </a:r>
+            <a:r>
+              <a:rPr lang="it-IT" sz="2400" b="1" dirty="0">
+                <a:hlinkClick r:id="rId4"/>
+              </a:rPr>
+              <a:t>https://www.wikidata.org/wiki/Wikidata:Main_Page</a:t>
+            </a:r>
+            <a:endParaRPr lang="it-IT" sz="2400" b="1" dirty="0"/>
+          </a:p>
+          <a:p>
+            <a:pPr>
+              <a:buFont typeface="Wingdings" panose="05000000000000000000" pitchFamily="2" charset="2"/>
+              <a:buChar char="q"/>
+            </a:pPr>
+            <a:r>
+              <a:rPr lang="it-IT" sz="2400" b="1" dirty="0"/>
+              <a:t> MusicBrainz : </a:t>
+            </a:r>
+            <a:r>
+              <a:rPr lang="it-IT" sz="2400" b="1" dirty="0">
+                <a:hlinkClick r:id="rId5"/>
+              </a:rPr>
+              <a:t>https://musicbrainz.org/</a:t>
+            </a:r>
+            <a:endParaRPr lang="it-IT" sz="2400" b="1" dirty="0"/>
+          </a:p>
+        </p:txBody>
+      </p:sp>
+      <p:sp>
+        <p:nvSpPr>
+          <p:cNvPr id="3" name="Segnaposto numero diapositiva 2">
+            <a:extLst>
+              <a:ext uri="{FF2B5EF4-FFF2-40B4-BE49-F238E27FC236}">
+                <a16:creationId xmlns:a16="http://schemas.microsoft.com/office/drawing/2014/main" id="{D3214CB7-BA5B-4204-826E-2AB7E3B3196F}"/>
+              </a:ext>
+            </a:extLst>
+          </p:cNvPr>
+          <p:cNvSpPr>
+            <a:spLocks noGrp="1"/>
+          </p:cNvSpPr>
+          <p:nvPr>
+            <p:ph type="sldNum" sz="quarter" idx="12"/>
+          </p:nvPr>
+        </p:nvSpPr>
+        <p:spPr/>
+        <p:txBody>
+          <a:bodyPr/>
+          <a:lstStyle/>
+          <a:p>
+            <a:fld id="{0E41FC79-F70E-41D5-8DA8-CBC79D687031}" type="slidenum">
+              <a:rPr lang="it-IT" smtClean="0"/>
+              <a:t>25</a:t>
+            </a:fld>
+            <a:r>
+              <a:rPr lang="it-IT" dirty="0"/>
+              <a:t>/24 </a:t>
+            </a:r>
+          </a:p>
+        </p:txBody>
+      </p:sp>
+    </p:spTree>
+    <p:extLst>
+      <p:ext uri="{BB962C8B-B14F-4D97-AF65-F5344CB8AC3E}">
+        <p14:creationId xmlns:p14="http://schemas.microsoft.com/office/powerpoint/2010/main" val="1572451679"/>
+      </p:ext>
+    </p:extLst>
+  </p:cSld>
+  <p:clrMapOvr>
+    <a:masterClrMapping/>
+  </p:clrMapOvr>
+</p:sld>
+</file>
+
+<file path=ppt/slides/slide26.xml><?xml version="1.0" encoding="utf-8"?>
+<p:sld xmlns:a="http://schemas.openxmlformats.org/drawingml/2006/main" xmlns:r="http://schemas.openxmlformats.org/officeDocument/2006/relationships" xmlns:p="http://schemas.openxmlformats.org/presentationml/2006/main" showMasterSp="0">
+  <p:cSld>
+    <p:spTree>
+      <p:nvGrpSpPr>
+        <p:cNvPr id="1" name=""/>
+        <p:cNvGrpSpPr/>
+        <p:nvPr/>
+      </p:nvGrpSpPr>
+      <p:grpSpPr>
+        <a:xfrm>
+          <a:off x="0" y="0"/>
+          <a:ext cx="0" cy="0"/>
+          <a:chOff x="0" y="0"/>
+          <a:chExt cx="0" cy="0"/>
+        </a:xfrm>
+      </p:grpSpPr>
+      <p:sp>
+        <p:nvSpPr>
+          <p:cNvPr id="8" name="Titolo 7">
+            <a:extLst>
+              <a:ext uri="{FF2B5EF4-FFF2-40B4-BE49-F238E27FC236}">
+                <a16:creationId xmlns:a16="http://schemas.microsoft.com/office/drawing/2014/main" id="{8FB9DBF7-9D3D-4660-9F0F-06EC0DF6EE2A}"/>
+              </a:ext>
+            </a:extLst>
+          </p:cNvPr>
+          <p:cNvSpPr>
+            <a:spLocks noGrp="1"/>
+          </p:cNvSpPr>
+          <p:nvPr>
+            <p:ph type="title"/>
+          </p:nvPr>
+        </p:nvSpPr>
+        <p:spPr>
+          <a:xfrm>
+            <a:off x="2615727" y="2886076"/>
+            <a:ext cx="6960545" cy="1085847"/>
+          </a:xfrm>
+        </p:spPr>
+        <p:txBody>
+          <a:bodyPr>
+            <a:normAutofit/>
+          </a:bodyPr>
+          <a:lstStyle/>
+          <a:p>
+            <a:pPr algn="ctr"/>
+            <a:r>
+              <a:rPr lang="it-IT" sz="4400" b="1" dirty="0"/>
+              <a:t>Thank you for the attention</a:t>
+            </a:r>
+          </a:p>
+        </p:txBody>
+      </p:sp>
+      <p:sp>
+        <p:nvSpPr>
+          <p:cNvPr id="2" name="Segnaposto numero diapositiva 1">
+            <a:extLst>
+              <a:ext uri="{FF2B5EF4-FFF2-40B4-BE49-F238E27FC236}">
+                <a16:creationId xmlns:a16="http://schemas.microsoft.com/office/drawing/2014/main" id="{7C8903D2-4DE1-4B56-993B-F2E374F54DAB}"/>
+              </a:ext>
+            </a:extLst>
+          </p:cNvPr>
+          <p:cNvSpPr>
+            <a:spLocks noGrp="1"/>
+          </p:cNvSpPr>
+          <p:nvPr>
+            <p:ph type="sldNum" sz="quarter" idx="12"/>
+          </p:nvPr>
+        </p:nvSpPr>
+        <p:spPr/>
+        <p:txBody>
+          <a:bodyPr/>
+          <a:lstStyle/>
+          <a:p>
+            <a:endParaRPr lang="it-IT" dirty="0"/>
+          </a:p>
+        </p:txBody>
+      </p:sp>
+    </p:spTree>
+    <p:extLst>
+      <p:ext uri="{BB962C8B-B14F-4D97-AF65-F5344CB8AC3E}">
+        <p14:creationId xmlns:p14="http://schemas.microsoft.com/office/powerpoint/2010/main" val="2105298116"/>
       </p:ext>
     </p:extLst>
   </p:cSld>

--- a/slides/Spotify_Presentation.pptx
+++ b/slides/Spotify_Presentation.pptx
@@ -5,7 +5,7 @@
     <p:sldMasterId id="2147483750" r:id="rId1"/>
   </p:sldMasterIdLst>
   <p:notesMasterIdLst>
-    <p:notesMasterId r:id="rId28"/>
+    <p:notesMasterId r:id="rId33"/>
   </p:notesMasterIdLst>
   <p:sldIdLst>
     <p:sldId id="256" r:id="rId2"/>
@@ -19,21 +19,26 @@
     <p:sldId id="292" r:id="rId10"/>
     <p:sldId id="266" r:id="rId11"/>
     <p:sldId id="267" r:id="rId12"/>
-    <p:sldId id="295" r:id="rId13"/>
-    <p:sldId id="296" r:id="rId14"/>
-    <p:sldId id="297" r:id="rId15"/>
-    <p:sldId id="298" r:id="rId16"/>
-    <p:sldId id="299" r:id="rId17"/>
-    <p:sldId id="300" r:id="rId18"/>
-    <p:sldId id="301" r:id="rId19"/>
-    <p:sldId id="303" r:id="rId20"/>
-    <p:sldId id="304" r:id="rId21"/>
-    <p:sldId id="305" r:id="rId22"/>
-    <p:sldId id="306" r:id="rId23"/>
-    <p:sldId id="307" r:id="rId24"/>
-    <p:sldId id="308" r:id="rId25"/>
-    <p:sldId id="286" r:id="rId26"/>
-    <p:sldId id="277" r:id="rId27"/>
+    <p:sldId id="312" r:id="rId13"/>
+    <p:sldId id="313" r:id="rId14"/>
+    <p:sldId id="295" r:id="rId15"/>
+    <p:sldId id="296" r:id="rId16"/>
+    <p:sldId id="297" r:id="rId17"/>
+    <p:sldId id="298" r:id="rId18"/>
+    <p:sldId id="299" r:id="rId19"/>
+    <p:sldId id="300" r:id="rId20"/>
+    <p:sldId id="310" r:id="rId21"/>
+    <p:sldId id="311" r:id="rId22"/>
+    <p:sldId id="309" r:id="rId23"/>
+    <p:sldId id="303" r:id="rId24"/>
+    <p:sldId id="314" r:id="rId25"/>
+    <p:sldId id="304" r:id="rId26"/>
+    <p:sldId id="305" r:id="rId27"/>
+    <p:sldId id="306" r:id="rId28"/>
+    <p:sldId id="307" r:id="rId29"/>
+    <p:sldId id="308" r:id="rId30"/>
+    <p:sldId id="286" r:id="rId31"/>
+    <p:sldId id="277" r:id="rId32"/>
   </p:sldIdLst>
   <p:sldSz cx="12192000" cy="6858000"/>
   <p:notesSz cx="6858000" cy="9144000"/>
@@ -888,753 +893,6 @@
 </file>
 
 <file path=ppt/diagrams/colors2.xml><?xml version="1.0" encoding="utf-8"?>
-<dgm:colorsDef xmlns:dgm="http://schemas.openxmlformats.org/drawingml/2006/diagram" xmlns:a="http://schemas.openxmlformats.org/drawingml/2006/main" uniqueId="urn:microsoft.com/office/officeart/2005/8/colors/accent1_2">
-  <dgm:title val=""/>
-  <dgm:desc val=""/>
-  <dgm:catLst>
-    <dgm:cat type="accent1" pri="11200"/>
-  </dgm:catLst>
-  <dgm:styleLbl name="node0">
-    <dgm:fillClrLst meth="repeat">
-      <a:schemeClr val="accent1"/>
-    </dgm:fillClrLst>
-    <dgm:linClrLst meth="repeat">
-      <a:schemeClr val="lt1"/>
-    </dgm:linClrLst>
-    <dgm:effectClrLst/>
-    <dgm:txLinClrLst/>
-    <dgm:txFillClrLst/>
-    <dgm:txEffectClrLst/>
-  </dgm:styleLbl>
-  <dgm:styleLbl name="alignNode1">
-    <dgm:fillClrLst meth="repeat">
-      <a:schemeClr val="accent1"/>
-    </dgm:fillClrLst>
-    <dgm:linClrLst meth="repeat">
-      <a:schemeClr val="accent1"/>
-    </dgm:linClrLst>
-    <dgm:effectClrLst/>
-    <dgm:txLinClrLst/>
-    <dgm:txFillClrLst/>
-    <dgm:txEffectClrLst/>
-  </dgm:styleLbl>
-  <dgm:styleLbl name="node1">
-    <dgm:fillClrLst meth="repeat">
-      <a:schemeClr val="accent1"/>
-    </dgm:fillClrLst>
-    <dgm:linClrLst meth="repeat">
-      <a:schemeClr val="lt1"/>
-    </dgm:linClrLst>
-    <dgm:effectClrLst/>
-    <dgm:txLinClrLst/>
-    <dgm:txFillClrLst/>
-    <dgm:txEffectClrLst/>
-  </dgm:styleLbl>
-  <dgm:styleLbl name="lnNode1">
-    <dgm:fillClrLst meth="repeat">
-      <a:schemeClr val="accent1"/>
-    </dgm:fillClrLst>
-    <dgm:linClrLst meth="repeat">
-      <a:schemeClr val="lt1"/>
-    </dgm:linClrLst>
-    <dgm:effectClrLst/>
-    <dgm:txLinClrLst/>
-    <dgm:txFillClrLst/>
-    <dgm:txEffectClrLst/>
-  </dgm:styleLbl>
-  <dgm:styleLbl name="vennNode1">
-    <dgm:fillClrLst meth="repeat">
-      <a:schemeClr val="accent1">
-        <a:alpha val="50000"/>
-      </a:schemeClr>
-    </dgm:fillClrLst>
-    <dgm:linClrLst meth="repeat">
-      <a:schemeClr val="lt1"/>
-    </dgm:linClrLst>
-    <dgm:effectClrLst/>
-    <dgm:txLinClrLst/>
-    <dgm:txFillClrLst/>
-    <dgm:txEffectClrLst/>
-  </dgm:styleLbl>
-  <dgm:styleLbl name="node2">
-    <dgm:fillClrLst meth="repeat">
-      <a:schemeClr val="accent1"/>
-    </dgm:fillClrLst>
-    <dgm:linClrLst meth="repeat">
-      <a:schemeClr val="lt1"/>
-    </dgm:linClrLst>
-    <dgm:effectClrLst/>
-    <dgm:txLinClrLst/>
-    <dgm:txFillClrLst/>
-    <dgm:txEffectClrLst/>
-  </dgm:styleLbl>
-  <dgm:styleLbl name="node3">
-    <dgm:fillClrLst meth="repeat">
-      <a:schemeClr val="accent1"/>
-    </dgm:fillClrLst>
-    <dgm:linClrLst meth="repeat">
-      <a:schemeClr val="lt1"/>
-    </dgm:linClrLst>
-    <dgm:effectClrLst/>
-    <dgm:txLinClrLst/>
-    <dgm:txFillClrLst/>
-    <dgm:txEffectClrLst/>
-  </dgm:styleLbl>
-  <dgm:styleLbl name="node4">
-    <dgm:fillClrLst meth="repeat">
-      <a:schemeClr val="accent1"/>
-    </dgm:fillClrLst>
-    <dgm:linClrLst meth="repeat">
-      <a:schemeClr val="lt1"/>
-    </dgm:linClrLst>
-    <dgm:effectClrLst/>
-    <dgm:txLinClrLst/>
-    <dgm:txFillClrLst/>
-    <dgm:txEffectClrLst/>
-  </dgm:styleLbl>
-  <dgm:styleLbl name="fgImgPlace1">
-    <dgm:fillClrLst meth="repeat">
-      <a:schemeClr val="accent1">
-        <a:tint val="50000"/>
-      </a:schemeClr>
-    </dgm:fillClrLst>
-    <dgm:linClrLst meth="repeat">
-      <a:schemeClr val="lt1"/>
-    </dgm:linClrLst>
-    <dgm:effectClrLst/>
-    <dgm:txLinClrLst/>
-    <dgm:txFillClrLst meth="repeat">
-      <a:schemeClr val="lt1"/>
-    </dgm:txFillClrLst>
-    <dgm:txEffectClrLst/>
-  </dgm:styleLbl>
-  <dgm:styleLbl name="alignImgPlace1">
-    <dgm:fillClrLst meth="repeat">
-      <a:schemeClr val="accent1">
-        <a:tint val="50000"/>
-      </a:schemeClr>
-    </dgm:fillClrLst>
-    <dgm:linClrLst meth="repeat">
-      <a:schemeClr val="lt1"/>
-    </dgm:linClrLst>
-    <dgm:effectClrLst/>
-    <dgm:txLinClrLst/>
-    <dgm:txFillClrLst meth="repeat">
-      <a:schemeClr val="lt1"/>
-    </dgm:txFillClrLst>
-    <dgm:txEffectClrLst/>
-  </dgm:styleLbl>
-  <dgm:styleLbl name="bgImgPlace1">
-    <dgm:fillClrLst meth="repeat">
-      <a:schemeClr val="accent1">
-        <a:tint val="50000"/>
-      </a:schemeClr>
-    </dgm:fillClrLst>
-    <dgm:linClrLst meth="repeat">
-      <a:schemeClr val="lt1"/>
-    </dgm:linClrLst>
-    <dgm:effectClrLst/>
-    <dgm:txLinClrLst/>
-    <dgm:txFillClrLst meth="repeat">
-      <a:schemeClr val="lt1"/>
-    </dgm:txFillClrLst>
-    <dgm:txEffectClrLst/>
-  </dgm:styleLbl>
-  <dgm:styleLbl name="sibTrans2D1">
-    <dgm:fillClrLst meth="repeat">
-      <a:schemeClr val="accent1">
-        <a:tint val="60000"/>
-      </a:schemeClr>
-    </dgm:fillClrLst>
-    <dgm:linClrLst meth="repeat">
-      <a:schemeClr val="accent1">
-        <a:tint val="60000"/>
-      </a:schemeClr>
-    </dgm:linClrLst>
-    <dgm:effectClrLst/>
-    <dgm:txLinClrLst/>
-    <dgm:txFillClrLst/>
-    <dgm:txEffectClrLst/>
-  </dgm:styleLbl>
-  <dgm:styleLbl name="fgSibTrans2D1">
-    <dgm:fillClrLst meth="repeat">
-      <a:schemeClr val="accent1">
-        <a:tint val="60000"/>
-      </a:schemeClr>
-    </dgm:fillClrLst>
-    <dgm:linClrLst meth="repeat">
-      <a:schemeClr val="accent1">
-        <a:tint val="60000"/>
-      </a:schemeClr>
-    </dgm:linClrLst>
-    <dgm:effectClrLst/>
-    <dgm:txLinClrLst/>
-    <dgm:txFillClrLst/>
-    <dgm:txEffectClrLst/>
-  </dgm:styleLbl>
-  <dgm:styleLbl name="bgSibTrans2D1">
-    <dgm:fillClrLst meth="repeat">
-      <a:schemeClr val="accent1">
-        <a:tint val="60000"/>
-      </a:schemeClr>
-    </dgm:fillClrLst>
-    <dgm:linClrLst meth="repeat">
-      <a:schemeClr val="accent1">
-        <a:tint val="60000"/>
-      </a:schemeClr>
-    </dgm:linClrLst>
-    <dgm:effectClrLst/>
-    <dgm:txLinClrLst/>
-    <dgm:txFillClrLst/>
-    <dgm:txEffectClrLst/>
-  </dgm:styleLbl>
-  <dgm:styleLbl name="sibTrans1D1">
-    <dgm:fillClrLst meth="repeat">
-      <a:schemeClr val="accent1"/>
-    </dgm:fillClrLst>
-    <dgm:linClrLst meth="repeat">
-      <a:schemeClr val="accent1"/>
-    </dgm:linClrLst>
-    <dgm:effectClrLst/>
-    <dgm:txLinClrLst/>
-    <dgm:txFillClrLst meth="repeat">
-      <a:schemeClr val="tx1"/>
-    </dgm:txFillClrLst>
-    <dgm:txEffectClrLst/>
-  </dgm:styleLbl>
-  <dgm:styleLbl name="callout">
-    <dgm:fillClrLst meth="repeat">
-      <a:schemeClr val="accent1"/>
-    </dgm:fillClrLst>
-    <dgm:linClrLst meth="repeat">
-      <a:schemeClr val="accent1">
-        <a:tint val="50000"/>
-      </a:schemeClr>
-    </dgm:linClrLst>
-    <dgm:effectClrLst/>
-    <dgm:txLinClrLst/>
-    <dgm:txFillClrLst meth="repeat">
-      <a:schemeClr val="tx1"/>
-    </dgm:txFillClrLst>
-    <dgm:txEffectClrLst/>
-  </dgm:styleLbl>
-  <dgm:styleLbl name="asst0">
-    <dgm:fillClrLst meth="repeat">
-      <a:schemeClr val="accent1"/>
-    </dgm:fillClrLst>
-    <dgm:linClrLst meth="repeat">
-      <a:schemeClr val="lt1"/>
-    </dgm:linClrLst>
-    <dgm:effectClrLst/>
-    <dgm:txLinClrLst/>
-    <dgm:txFillClrLst/>
-    <dgm:txEffectClrLst/>
-  </dgm:styleLbl>
-  <dgm:styleLbl name="asst1">
-    <dgm:fillClrLst meth="repeat">
-      <a:schemeClr val="accent1"/>
-    </dgm:fillClrLst>
-    <dgm:linClrLst meth="repeat">
-      <a:schemeClr val="lt1"/>
-    </dgm:linClrLst>
-    <dgm:effectClrLst/>
-    <dgm:txLinClrLst/>
-    <dgm:txFillClrLst/>
-    <dgm:txEffectClrLst/>
-  </dgm:styleLbl>
-  <dgm:styleLbl name="asst2">
-    <dgm:fillClrLst meth="repeat">
-      <a:schemeClr val="accent1"/>
-    </dgm:fillClrLst>
-    <dgm:linClrLst meth="repeat">
-      <a:schemeClr val="lt1"/>
-    </dgm:linClrLst>
-    <dgm:effectClrLst/>
-    <dgm:txLinClrLst/>
-    <dgm:txFillClrLst/>
-    <dgm:txEffectClrLst/>
-  </dgm:styleLbl>
-  <dgm:styleLbl name="asst3">
-    <dgm:fillClrLst meth="repeat">
-      <a:schemeClr val="accent1"/>
-    </dgm:fillClrLst>
-    <dgm:linClrLst meth="repeat">
-      <a:schemeClr val="lt1"/>
-    </dgm:linClrLst>
-    <dgm:effectClrLst/>
-    <dgm:txLinClrLst/>
-    <dgm:txFillClrLst/>
-    <dgm:txEffectClrLst/>
-  </dgm:styleLbl>
-  <dgm:styleLbl name="asst4">
-    <dgm:fillClrLst meth="repeat">
-      <a:schemeClr val="accent1"/>
-    </dgm:fillClrLst>
-    <dgm:linClrLst meth="repeat">
-      <a:schemeClr val="lt1"/>
-    </dgm:linClrLst>
-    <dgm:effectClrLst/>
-    <dgm:txLinClrLst/>
-    <dgm:txFillClrLst/>
-    <dgm:txEffectClrLst/>
-  </dgm:styleLbl>
-  <dgm:styleLbl name="parChTrans2D1">
-    <dgm:fillClrLst meth="repeat">
-      <a:schemeClr val="accent1">
-        <a:tint val="60000"/>
-      </a:schemeClr>
-    </dgm:fillClrLst>
-    <dgm:linClrLst meth="repeat">
-      <a:schemeClr val="accent1">
-        <a:tint val="60000"/>
-      </a:schemeClr>
-    </dgm:linClrLst>
-    <dgm:effectClrLst/>
-    <dgm:txLinClrLst/>
-    <dgm:txFillClrLst meth="repeat">
-      <a:schemeClr val="lt1"/>
-    </dgm:txFillClrLst>
-    <dgm:txEffectClrLst/>
-  </dgm:styleLbl>
-  <dgm:styleLbl name="parChTrans2D2">
-    <dgm:fillClrLst meth="repeat">
-      <a:schemeClr val="accent1"/>
-    </dgm:fillClrLst>
-    <dgm:linClrLst meth="repeat">
-      <a:schemeClr val="accent1"/>
-    </dgm:linClrLst>
-    <dgm:effectClrLst/>
-    <dgm:txLinClrLst/>
-    <dgm:txFillClrLst meth="repeat">
-      <a:schemeClr val="lt1"/>
-    </dgm:txFillClrLst>
-    <dgm:txEffectClrLst/>
-  </dgm:styleLbl>
-  <dgm:styleLbl name="parChTrans2D3">
-    <dgm:fillClrLst meth="repeat">
-      <a:schemeClr val="accent1"/>
-    </dgm:fillClrLst>
-    <dgm:linClrLst meth="repeat">
-      <a:schemeClr val="accent1"/>
-    </dgm:linClrLst>
-    <dgm:effectClrLst/>
-    <dgm:txLinClrLst/>
-    <dgm:txFillClrLst meth="repeat">
-      <a:schemeClr val="lt1"/>
-    </dgm:txFillClrLst>
-    <dgm:txEffectClrLst/>
-  </dgm:styleLbl>
-  <dgm:styleLbl name="parChTrans2D4">
-    <dgm:fillClrLst meth="repeat">
-      <a:schemeClr val="accent1"/>
-    </dgm:fillClrLst>
-    <dgm:linClrLst meth="repeat">
-      <a:schemeClr val="accent1"/>
-    </dgm:linClrLst>
-    <dgm:effectClrLst/>
-    <dgm:txLinClrLst/>
-    <dgm:txFillClrLst meth="repeat">
-      <a:schemeClr val="lt1"/>
-    </dgm:txFillClrLst>
-    <dgm:txEffectClrLst/>
-  </dgm:styleLbl>
-  <dgm:styleLbl name="parChTrans1D1">
-    <dgm:fillClrLst meth="repeat">
-      <a:schemeClr val="accent1"/>
-    </dgm:fillClrLst>
-    <dgm:linClrLst meth="repeat">
-      <a:schemeClr val="accent1">
-        <a:shade val="60000"/>
-      </a:schemeClr>
-    </dgm:linClrLst>
-    <dgm:effectClrLst/>
-    <dgm:txLinClrLst/>
-    <dgm:txFillClrLst meth="repeat">
-      <a:schemeClr val="tx1"/>
-    </dgm:txFillClrLst>
-    <dgm:txEffectClrLst/>
-  </dgm:styleLbl>
-  <dgm:styleLbl name="parChTrans1D2">
-    <dgm:fillClrLst meth="repeat">
-      <a:schemeClr val="accent1"/>
-    </dgm:fillClrLst>
-    <dgm:linClrLst meth="repeat">
-      <a:schemeClr val="accent1">
-        <a:shade val="60000"/>
-      </a:schemeClr>
-    </dgm:linClrLst>
-    <dgm:effectClrLst/>
-    <dgm:txLinClrLst/>
-    <dgm:txFillClrLst meth="repeat">
-      <a:schemeClr val="tx1"/>
-    </dgm:txFillClrLst>
-    <dgm:txEffectClrLst/>
-  </dgm:styleLbl>
-  <dgm:styleLbl name="parChTrans1D3">
-    <dgm:fillClrLst meth="repeat">
-      <a:schemeClr val="accent1"/>
-    </dgm:fillClrLst>
-    <dgm:linClrLst meth="repeat">
-      <a:schemeClr val="accent1">
-        <a:shade val="80000"/>
-      </a:schemeClr>
-    </dgm:linClrLst>
-    <dgm:effectClrLst/>
-    <dgm:txLinClrLst/>
-    <dgm:txFillClrLst meth="repeat">
-      <a:schemeClr val="tx1"/>
-    </dgm:txFillClrLst>
-    <dgm:txEffectClrLst/>
-  </dgm:styleLbl>
-  <dgm:styleLbl name="parChTrans1D4">
-    <dgm:fillClrLst meth="repeat">
-      <a:schemeClr val="accent1"/>
-    </dgm:fillClrLst>
-    <dgm:linClrLst meth="repeat">
-      <a:schemeClr val="accent1">
-        <a:shade val="80000"/>
-      </a:schemeClr>
-    </dgm:linClrLst>
-    <dgm:effectClrLst/>
-    <dgm:txLinClrLst/>
-    <dgm:txFillClrLst meth="repeat">
-      <a:schemeClr val="tx1"/>
-    </dgm:txFillClrLst>
-    <dgm:txEffectClrLst/>
-  </dgm:styleLbl>
-  <dgm:styleLbl name="fgAcc1">
-    <dgm:fillClrLst meth="repeat">
-      <a:schemeClr val="lt1">
-        <a:alpha val="90000"/>
-      </a:schemeClr>
-    </dgm:fillClrLst>
-    <dgm:linClrLst meth="repeat">
-      <a:schemeClr val="accent1"/>
-    </dgm:linClrLst>
-    <dgm:effectClrLst/>
-    <dgm:txLinClrLst/>
-    <dgm:txFillClrLst meth="repeat">
-      <a:schemeClr val="dk1"/>
-    </dgm:txFillClrLst>
-    <dgm:txEffectClrLst/>
-  </dgm:styleLbl>
-  <dgm:styleLbl name="conFgAcc1">
-    <dgm:fillClrLst meth="repeat">
-      <a:schemeClr val="lt1">
-        <a:alpha val="90000"/>
-      </a:schemeClr>
-    </dgm:fillClrLst>
-    <dgm:linClrLst meth="repeat">
-      <a:schemeClr val="accent1"/>
-    </dgm:linClrLst>
-    <dgm:effectClrLst/>
-    <dgm:txLinClrLst/>
-    <dgm:txFillClrLst meth="repeat">
-      <a:schemeClr val="dk1"/>
-    </dgm:txFillClrLst>
-    <dgm:txEffectClrLst/>
-  </dgm:styleLbl>
-  <dgm:styleLbl name="alignAcc1">
-    <dgm:fillClrLst meth="repeat">
-      <a:schemeClr val="lt1">
-        <a:alpha val="90000"/>
-      </a:schemeClr>
-    </dgm:fillClrLst>
-    <dgm:linClrLst meth="repeat">
-      <a:schemeClr val="accent1"/>
-    </dgm:linClrLst>
-    <dgm:effectClrLst/>
-    <dgm:txLinClrLst/>
-    <dgm:txFillClrLst meth="repeat">
-      <a:schemeClr val="dk1"/>
-    </dgm:txFillClrLst>
-    <dgm:txEffectClrLst/>
-  </dgm:styleLbl>
-  <dgm:styleLbl name="trAlignAcc1">
-    <dgm:fillClrLst meth="repeat">
-      <a:schemeClr val="lt1">
-        <a:alpha val="40000"/>
-      </a:schemeClr>
-    </dgm:fillClrLst>
-    <dgm:linClrLst meth="repeat">
-      <a:schemeClr val="accent1"/>
-    </dgm:linClrLst>
-    <dgm:effectClrLst/>
-    <dgm:txLinClrLst/>
-    <dgm:txFillClrLst meth="repeat">
-      <a:schemeClr val="dk1"/>
-    </dgm:txFillClrLst>
-    <dgm:txEffectClrLst/>
-  </dgm:styleLbl>
-  <dgm:styleLbl name="bgAcc1">
-    <dgm:fillClrLst meth="repeat">
-      <a:schemeClr val="lt1">
-        <a:alpha val="90000"/>
-      </a:schemeClr>
-    </dgm:fillClrLst>
-    <dgm:linClrLst meth="repeat">
-      <a:schemeClr val="accent1"/>
-    </dgm:linClrLst>
-    <dgm:effectClrLst/>
-    <dgm:txLinClrLst/>
-    <dgm:txFillClrLst meth="repeat">
-      <a:schemeClr val="dk1"/>
-    </dgm:txFillClrLst>
-    <dgm:txEffectClrLst/>
-  </dgm:styleLbl>
-  <dgm:styleLbl name="solidFgAcc1">
-    <dgm:fillClrLst meth="repeat">
-      <a:schemeClr val="lt1"/>
-    </dgm:fillClrLst>
-    <dgm:linClrLst meth="repeat">
-      <a:schemeClr val="accent1"/>
-    </dgm:linClrLst>
-    <dgm:effectClrLst/>
-    <dgm:txLinClrLst/>
-    <dgm:txFillClrLst meth="repeat">
-      <a:schemeClr val="dk1"/>
-    </dgm:txFillClrLst>
-    <dgm:txEffectClrLst/>
-  </dgm:styleLbl>
-  <dgm:styleLbl name="solidAlignAcc1">
-    <dgm:fillClrLst meth="repeat">
-      <a:schemeClr val="lt1"/>
-    </dgm:fillClrLst>
-    <dgm:linClrLst meth="repeat">
-      <a:schemeClr val="accent1"/>
-    </dgm:linClrLst>
-    <dgm:effectClrLst/>
-    <dgm:txLinClrLst/>
-    <dgm:txFillClrLst meth="repeat">
-      <a:schemeClr val="dk1"/>
-    </dgm:txFillClrLst>
-    <dgm:txEffectClrLst/>
-  </dgm:styleLbl>
-  <dgm:styleLbl name="solidBgAcc1">
-    <dgm:fillClrLst meth="repeat">
-      <a:schemeClr val="lt1"/>
-    </dgm:fillClrLst>
-    <dgm:linClrLst meth="repeat">
-      <a:schemeClr val="accent1"/>
-    </dgm:linClrLst>
-    <dgm:effectClrLst/>
-    <dgm:txLinClrLst/>
-    <dgm:txFillClrLst meth="repeat">
-      <a:schemeClr val="dk1"/>
-    </dgm:txFillClrLst>
-    <dgm:txEffectClrLst/>
-  </dgm:styleLbl>
-  <dgm:styleLbl name="fgAccFollowNode1">
-    <dgm:fillClrLst meth="repeat">
-      <a:schemeClr val="accent1">
-        <a:alpha val="90000"/>
-        <a:tint val="40000"/>
-      </a:schemeClr>
-    </dgm:fillClrLst>
-    <dgm:linClrLst meth="repeat">
-      <a:schemeClr val="accent1">
-        <a:alpha val="90000"/>
-        <a:tint val="40000"/>
-      </a:schemeClr>
-    </dgm:linClrLst>
-    <dgm:effectClrLst/>
-    <dgm:txLinClrLst/>
-    <dgm:txFillClrLst meth="repeat">
-      <a:schemeClr val="dk1"/>
-    </dgm:txFillClrLst>
-    <dgm:txEffectClrLst/>
-  </dgm:styleLbl>
-  <dgm:styleLbl name="alignAccFollowNode1">
-    <dgm:fillClrLst meth="repeat">
-      <a:schemeClr val="accent1">
-        <a:alpha val="90000"/>
-        <a:tint val="40000"/>
-      </a:schemeClr>
-    </dgm:fillClrLst>
-    <dgm:linClrLst meth="repeat">
-      <a:schemeClr val="accent1">
-        <a:alpha val="90000"/>
-        <a:tint val="40000"/>
-      </a:schemeClr>
-    </dgm:linClrLst>
-    <dgm:effectClrLst/>
-    <dgm:txLinClrLst/>
-    <dgm:txFillClrLst meth="repeat">
-      <a:schemeClr val="dk1"/>
-    </dgm:txFillClrLst>
-    <dgm:txEffectClrLst/>
-  </dgm:styleLbl>
-  <dgm:styleLbl name="bgAccFollowNode1">
-    <dgm:fillClrLst meth="repeat">
-      <a:schemeClr val="accent1">
-        <a:alpha val="90000"/>
-        <a:tint val="40000"/>
-      </a:schemeClr>
-    </dgm:fillClrLst>
-    <dgm:linClrLst meth="repeat">
-      <a:schemeClr val="accent1">
-        <a:alpha val="90000"/>
-        <a:tint val="40000"/>
-      </a:schemeClr>
-    </dgm:linClrLst>
-    <dgm:effectClrLst/>
-    <dgm:txLinClrLst/>
-    <dgm:txFillClrLst meth="repeat">
-      <a:schemeClr val="dk1"/>
-    </dgm:txFillClrLst>
-    <dgm:txEffectClrLst/>
-  </dgm:styleLbl>
-  <dgm:styleLbl name="fgAcc0">
-    <dgm:fillClrLst meth="repeat">
-      <a:schemeClr val="lt1">
-        <a:alpha val="90000"/>
-      </a:schemeClr>
-    </dgm:fillClrLst>
-    <dgm:linClrLst meth="repeat">
-      <a:schemeClr val="accent1"/>
-    </dgm:linClrLst>
-    <dgm:effectClrLst/>
-    <dgm:txLinClrLst/>
-    <dgm:txFillClrLst meth="repeat">
-      <a:schemeClr val="dk1"/>
-    </dgm:txFillClrLst>
-    <dgm:txEffectClrLst/>
-  </dgm:styleLbl>
-  <dgm:styleLbl name="fgAcc2">
-    <dgm:fillClrLst meth="repeat">
-      <a:schemeClr val="lt1">
-        <a:alpha val="90000"/>
-      </a:schemeClr>
-    </dgm:fillClrLst>
-    <dgm:linClrLst meth="repeat">
-      <a:schemeClr val="accent1"/>
-    </dgm:linClrLst>
-    <dgm:effectClrLst/>
-    <dgm:txLinClrLst/>
-    <dgm:txFillClrLst meth="repeat">
-      <a:schemeClr val="dk1"/>
-    </dgm:txFillClrLst>
-    <dgm:txEffectClrLst/>
-  </dgm:styleLbl>
-  <dgm:styleLbl name="fgAcc3">
-    <dgm:fillClrLst meth="repeat">
-      <a:schemeClr val="lt1">
-        <a:alpha val="90000"/>
-      </a:schemeClr>
-    </dgm:fillClrLst>
-    <dgm:linClrLst meth="repeat">
-      <a:schemeClr val="accent1"/>
-    </dgm:linClrLst>
-    <dgm:effectClrLst/>
-    <dgm:txLinClrLst/>
-    <dgm:txFillClrLst meth="repeat">
-      <a:schemeClr val="dk1"/>
-    </dgm:txFillClrLst>
-    <dgm:txEffectClrLst/>
-  </dgm:styleLbl>
-  <dgm:styleLbl name="fgAcc4">
-    <dgm:fillClrLst meth="repeat">
-      <a:schemeClr val="lt1">
-        <a:alpha val="90000"/>
-      </a:schemeClr>
-    </dgm:fillClrLst>
-    <dgm:linClrLst meth="repeat">
-      <a:schemeClr val="accent1"/>
-    </dgm:linClrLst>
-    <dgm:effectClrLst/>
-    <dgm:txLinClrLst/>
-    <dgm:txFillClrLst meth="repeat">
-      <a:schemeClr val="dk1"/>
-    </dgm:txFillClrLst>
-    <dgm:txEffectClrLst/>
-  </dgm:styleLbl>
-  <dgm:styleLbl name="bgShp">
-    <dgm:fillClrLst meth="repeat">
-      <a:schemeClr val="accent1">
-        <a:tint val="40000"/>
-      </a:schemeClr>
-    </dgm:fillClrLst>
-    <dgm:linClrLst meth="repeat">
-      <a:schemeClr val="accent1"/>
-    </dgm:linClrLst>
-    <dgm:effectClrLst/>
-    <dgm:txLinClrLst/>
-    <dgm:txFillClrLst meth="repeat">
-      <a:schemeClr val="dk1"/>
-    </dgm:txFillClrLst>
-    <dgm:txEffectClrLst/>
-  </dgm:styleLbl>
-  <dgm:styleLbl name="dkBgShp">
-    <dgm:fillClrLst meth="repeat">
-      <a:schemeClr val="accent1">
-        <a:shade val="80000"/>
-      </a:schemeClr>
-    </dgm:fillClrLst>
-    <dgm:linClrLst meth="repeat">
-      <a:schemeClr val="accent1"/>
-    </dgm:linClrLst>
-    <dgm:effectClrLst/>
-    <dgm:txLinClrLst/>
-    <dgm:txFillClrLst meth="repeat">
-      <a:schemeClr val="lt1"/>
-    </dgm:txFillClrLst>
-    <dgm:txEffectClrLst/>
-  </dgm:styleLbl>
-  <dgm:styleLbl name="trBgShp">
-    <dgm:fillClrLst meth="repeat">
-      <a:schemeClr val="accent1">
-        <a:tint val="50000"/>
-        <a:alpha val="40000"/>
-      </a:schemeClr>
-    </dgm:fillClrLst>
-    <dgm:linClrLst meth="repeat">
-      <a:schemeClr val="accent1"/>
-    </dgm:linClrLst>
-    <dgm:effectClrLst/>
-    <dgm:txLinClrLst/>
-    <dgm:txFillClrLst meth="repeat">
-      <a:schemeClr val="lt1"/>
-    </dgm:txFillClrLst>
-    <dgm:txEffectClrLst/>
-  </dgm:styleLbl>
-  <dgm:styleLbl name="fgShp">
-    <dgm:fillClrLst meth="repeat">
-      <a:schemeClr val="accent1">
-        <a:tint val="60000"/>
-      </a:schemeClr>
-    </dgm:fillClrLst>
-    <dgm:linClrLst meth="repeat">
-      <a:schemeClr val="lt1"/>
-    </dgm:linClrLst>
-    <dgm:effectClrLst/>
-    <dgm:txLinClrLst/>
-    <dgm:txFillClrLst meth="repeat">
-      <a:schemeClr val="dk1"/>
-    </dgm:txFillClrLst>
-    <dgm:txEffectClrLst/>
-  </dgm:styleLbl>
-  <dgm:styleLbl name="revTx">
-    <dgm:fillClrLst meth="repeat">
-      <a:schemeClr val="lt1">
-        <a:alpha val="0"/>
-      </a:schemeClr>
-    </dgm:fillClrLst>
-    <dgm:linClrLst meth="repeat">
-      <a:schemeClr val="dk1">
-        <a:alpha val="0"/>
-      </a:schemeClr>
-    </dgm:linClrLst>
-    <dgm:effectClrLst/>
-    <dgm:txLinClrLst/>
-    <dgm:txFillClrLst meth="repeat">
-      <a:schemeClr val="tx1"/>
-    </dgm:txFillClrLst>
-    <dgm:txEffectClrLst/>
-  </dgm:styleLbl>
-</dgm:colorsDef>
-</file>
-
-<file path=ppt/diagrams/colors3.xml><?xml version="1.0" encoding="utf-8"?>
 <dgm:colorsDef xmlns:dgm="http://schemas.openxmlformats.org/drawingml/2006/diagram" xmlns:a="http://schemas.openxmlformats.org/drawingml/2006/main" uniqueId="urn:microsoft.com/office/officeart/2005/8/colors/accent1_2">
   <dgm:title val=""/>
   <dgm:desc val=""/>
@@ -3312,747 +2570,6 @@
   <dgm:extLst>
     <a:ext uri="http://schemas.microsoft.com/office/drawing/2008/diagram">
       <dsp:dataModelExt xmlns:dsp="http://schemas.microsoft.com/office/drawing/2008/diagram" relId="rId6" minVer="http://schemas.openxmlformats.org/drawingml/2006/diagram"/>
-    </a:ext>
-  </dgm:extLst>
-</dgm:dataModel>
-</file>
-
-<file path=ppt/diagrams/data3.xml><?xml version="1.0" encoding="utf-8"?>
-<dgm:dataModel xmlns:dgm="http://schemas.openxmlformats.org/drawingml/2006/diagram" xmlns:a="http://schemas.openxmlformats.org/drawingml/2006/main">
-  <dgm:ptLst>
-    <dgm:pt modelId="{1D4A73F2-B30F-47A1-93E0-31B8DD3927D9}" type="doc">
-      <dgm:prSet loTypeId="urn:microsoft.com/office/officeart/2005/8/layout/vList5" loCatId="list" qsTypeId="urn:microsoft.com/office/officeart/2005/8/quickstyle/simple1" qsCatId="simple" csTypeId="urn:microsoft.com/office/officeart/2005/8/colors/accent1_2" csCatId="accent1" phldr="1"/>
-      <dgm:spPr/>
-      <dgm:t>
-        <a:bodyPr/>
-        <a:lstStyle/>
-        <a:p>
-          <a:endParaRPr lang="en-US"/>
-        </a:p>
-      </dgm:t>
-    </dgm:pt>
-    <dgm:pt modelId="{DB227847-405A-4AE6-8561-6C08057DA27C}">
-      <dgm:prSet custT="1"/>
-      <dgm:spPr/>
-      <dgm:t>
-        <a:bodyPr/>
-        <a:lstStyle/>
-        <a:p>
-          <a:r>
-            <a:rPr lang="en-US" sz="2400" b="1" i="0" dirty="0">
-              <a:latin typeface="+mn-lt"/>
-            </a:rPr>
-            <a:t>2017</a:t>
-          </a:r>
-        </a:p>
-      </dgm:t>
-    </dgm:pt>
-    <dgm:pt modelId="{A56896ED-39D1-4B51-8279-338490392542}" type="parTrans" cxnId="{754F8DFB-86AB-469A-87A3-64306BC25D8A}">
-      <dgm:prSet/>
-      <dgm:spPr/>
-      <dgm:t>
-        <a:bodyPr/>
-        <a:lstStyle/>
-        <a:p>
-          <a:endParaRPr lang="en-US" sz="1200" b="1" i="0">
-            <a:latin typeface="+mj-lt"/>
-          </a:endParaRPr>
-        </a:p>
-      </dgm:t>
-    </dgm:pt>
-    <dgm:pt modelId="{6DD62F4F-A51D-427E-B7E4-1314CA5AA8FE}" type="sibTrans" cxnId="{754F8DFB-86AB-469A-87A3-64306BC25D8A}">
-      <dgm:prSet/>
-      <dgm:spPr/>
-      <dgm:t>
-        <a:bodyPr/>
-        <a:lstStyle/>
-        <a:p>
-          <a:endParaRPr lang="en-US" sz="1200" b="1" i="0">
-            <a:latin typeface="+mj-lt"/>
-          </a:endParaRPr>
-        </a:p>
-      </dgm:t>
-    </dgm:pt>
-    <dgm:pt modelId="{951E409F-00E7-4642-B8A7-784F0EE8B707}">
-      <dgm:prSet custT="1"/>
-      <dgm:spPr>
-        <a:noFill/>
-        <a:ln w="38100">
-          <a:solidFill>
-            <a:schemeClr val="accent1">
-              <a:alpha val="90000"/>
-            </a:schemeClr>
-          </a:solidFill>
-        </a:ln>
-      </dgm:spPr>
-      <dgm:t>
-        <a:bodyPr/>
-        <a:lstStyle/>
-        <a:p>
-          <a:pPr>
-            <a:buNone/>
-          </a:pPr>
-          <a:r>
-            <a:rPr lang="en-GB" sz="1600" b="1" i="1" dirty="0" err="1"/>
-            <a:t>Guè</a:t>
-          </a:r>
-          <a:endParaRPr lang="en-US" sz="1600" b="1" i="1" baseline="0" dirty="0">
-            <a:latin typeface="+mj-lt"/>
-          </a:endParaRPr>
-        </a:p>
-      </dgm:t>
-    </dgm:pt>
-    <dgm:pt modelId="{23141C36-8285-46C9-9EB1-9D55D32CB2F2}" type="parTrans" cxnId="{5DFD565F-F410-4E34-88BD-CD4A00C7D1E2}">
-      <dgm:prSet/>
-      <dgm:spPr/>
-      <dgm:t>
-        <a:bodyPr/>
-        <a:lstStyle/>
-        <a:p>
-          <a:endParaRPr lang="en-US" sz="1200" b="1" i="0">
-            <a:latin typeface="+mj-lt"/>
-          </a:endParaRPr>
-        </a:p>
-      </dgm:t>
-    </dgm:pt>
-    <dgm:pt modelId="{4B841407-4996-4834-B45C-6C6E638E0865}" type="sibTrans" cxnId="{5DFD565F-F410-4E34-88BD-CD4A00C7D1E2}">
-      <dgm:prSet/>
-      <dgm:spPr/>
-      <dgm:t>
-        <a:bodyPr/>
-        <a:lstStyle/>
-        <a:p>
-          <a:endParaRPr lang="en-US" sz="1200" b="1" i="0">
-            <a:latin typeface="+mj-lt"/>
-          </a:endParaRPr>
-        </a:p>
-      </dgm:t>
-    </dgm:pt>
-    <dgm:pt modelId="{8EDFDEF5-FB2C-426C-9934-8C2EF39B7A71}">
-      <dgm:prSet custT="1"/>
-      <dgm:spPr/>
-      <dgm:t>
-        <a:bodyPr/>
-        <a:lstStyle/>
-        <a:p>
-          <a:r>
-            <a:rPr lang="en-US" sz="2400" b="1" i="0" dirty="0">
-              <a:latin typeface="+mn-lt"/>
-            </a:rPr>
-            <a:t>2018</a:t>
-          </a:r>
-        </a:p>
-      </dgm:t>
-    </dgm:pt>
-    <dgm:pt modelId="{F200CD57-73D8-4FF6-8B07-4AC9381B603A}" type="parTrans" cxnId="{F869DA31-E22D-4852-B6AB-52D8A6B9F888}">
-      <dgm:prSet/>
-      <dgm:spPr/>
-      <dgm:t>
-        <a:bodyPr/>
-        <a:lstStyle/>
-        <a:p>
-          <a:endParaRPr lang="en-US" sz="1200" b="1" i="0">
-            <a:latin typeface="+mj-lt"/>
-          </a:endParaRPr>
-        </a:p>
-      </dgm:t>
-    </dgm:pt>
-    <dgm:pt modelId="{5A92E147-F176-4D75-A3B2-812C6C90EC67}" type="sibTrans" cxnId="{F869DA31-E22D-4852-B6AB-52D8A6B9F888}">
-      <dgm:prSet/>
-      <dgm:spPr/>
-      <dgm:t>
-        <a:bodyPr/>
-        <a:lstStyle/>
-        <a:p>
-          <a:endParaRPr lang="en-US" sz="1200" b="1" i="0">
-            <a:latin typeface="+mj-lt"/>
-          </a:endParaRPr>
-        </a:p>
-      </dgm:t>
-    </dgm:pt>
-    <dgm:pt modelId="{023DC00F-A646-434F-8B45-2C78EEB81F28}">
-      <dgm:prSet custT="1"/>
-      <dgm:spPr>
-        <a:noFill/>
-        <a:ln w="38100">
-          <a:solidFill>
-            <a:schemeClr val="accent1">
-              <a:alpha val="90000"/>
-            </a:schemeClr>
-          </a:solidFill>
-        </a:ln>
-      </dgm:spPr>
-      <dgm:t>
-        <a:bodyPr/>
-        <a:lstStyle/>
-        <a:p>
-          <a:pPr>
-            <a:buNone/>
-          </a:pPr>
-          <a:r>
-            <a:rPr lang="en-GB" sz="1600" b="1" i="1" dirty="0" err="1"/>
-            <a:t>Gemitaiz</a:t>
-          </a:r>
-          <a:endParaRPr lang="en-GB" sz="1600" b="1" i="1" dirty="0"/>
-        </a:p>
-      </dgm:t>
-    </dgm:pt>
-    <dgm:pt modelId="{0A841F17-BBF0-45C5-9452-E9982C0C7997}" type="parTrans" cxnId="{A77946C7-22EF-4D0E-9247-A8FA4398E717}">
-      <dgm:prSet/>
-      <dgm:spPr/>
-      <dgm:t>
-        <a:bodyPr/>
-        <a:lstStyle/>
-        <a:p>
-          <a:endParaRPr lang="en-GB"/>
-        </a:p>
-      </dgm:t>
-    </dgm:pt>
-    <dgm:pt modelId="{BC637E12-549F-4665-BA95-F4A4C484CA98}" type="sibTrans" cxnId="{A77946C7-22EF-4D0E-9247-A8FA4398E717}">
-      <dgm:prSet/>
-      <dgm:spPr/>
-      <dgm:t>
-        <a:bodyPr/>
-        <a:lstStyle/>
-        <a:p>
-          <a:endParaRPr lang="en-GB"/>
-        </a:p>
-      </dgm:t>
-    </dgm:pt>
-    <dgm:pt modelId="{86C196DF-A588-4D9A-8C0A-A41D97E22C9A}">
-      <dgm:prSet custT="1"/>
-      <dgm:spPr/>
-      <dgm:t>
-        <a:bodyPr/>
-        <a:lstStyle/>
-        <a:p>
-          <a:r>
-            <a:rPr lang="it-IT" sz="2400" b="1" dirty="0">
-              <a:latin typeface="+mn-lt"/>
-            </a:rPr>
-            <a:t>2019</a:t>
-          </a:r>
-          <a:endParaRPr lang="en-GB" sz="2400" b="1" dirty="0">
-            <a:latin typeface="+mn-lt"/>
-          </a:endParaRPr>
-        </a:p>
-      </dgm:t>
-    </dgm:pt>
-    <dgm:pt modelId="{DCAF778E-AA1C-458A-A55F-E3B5C1FC90DE}" type="parTrans" cxnId="{D6C00955-A1D9-4B86-AD24-DFDB3B15FB9A}">
-      <dgm:prSet/>
-      <dgm:spPr/>
-      <dgm:t>
-        <a:bodyPr/>
-        <a:lstStyle/>
-        <a:p>
-          <a:endParaRPr lang="en-GB"/>
-        </a:p>
-      </dgm:t>
-    </dgm:pt>
-    <dgm:pt modelId="{01F38265-FA57-4566-AA01-1411F8760A57}" type="sibTrans" cxnId="{D6C00955-A1D9-4B86-AD24-DFDB3B15FB9A}">
-      <dgm:prSet/>
-      <dgm:spPr/>
-      <dgm:t>
-        <a:bodyPr/>
-        <a:lstStyle/>
-        <a:p>
-          <a:endParaRPr lang="en-GB"/>
-        </a:p>
-      </dgm:t>
-    </dgm:pt>
-    <dgm:pt modelId="{3B74D0F4-E30A-40AF-B4E1-84ED67AB0AB0}">
-      <dgm:prSet custT="1"/>
-      <dgm:spPr>
-        <a:noFill/>
-        <a:ln w="38100">
-          <a:solidFill>
-            <a:schemeClr val="accent1">
-              <a:alpha val="90000"/>
-            </a:schemeClr>
-          </a:solidFill>
-        </a:ln>
-      </dgm:spPr>
-      <dgm:t>
-        <a:bodyPr/>
-        <a:lstStyle/>
-        <a:p>
-          <a:pPr>
-            <a:buNone/>
-          </a:pPr>
-          <a:r>
-            <a:rPr lang="en-GB" sz="1600" b="1" i="1" dirty="0" err="1"/>
-            <a:t>MadMan</a:t>
-          </a:r>
-          <a:endParaRPr lang="en-GB" sz="1600" b="1" i="1" dirty="0"/>
-        </a:p>
-      </dgm:t>
-    </dgm:pt>
-    <dgm:pt modelId="{B302B695-80F2-49ED-9455-642DFBF1693F}" type="parTrans" cxnId="{FA5F8E7C-DF59-4634-9473-6B22E39AC2D1}">
-      <dgm:prSet/>
-      <dgm:spPr/>
-      <dgm:t>
-        <a:bodyPr/>
-        <a:lstStyle/>
-        <a:p>
-          <a:endParaRPr lang="en-GB"/>
-        </a:p>
-      </dgm:t>
-    </dgm:pt>
-    <dgm:pt modelId="{DE540C5C-544F-4265-98D7-C2F03807228B}" type="sibTrans" cxnId="{FA5F8E7C-DF59-4634-9473-6B22E39AC2D1}">
-      <dgm:prSet/>
-      <dgm:spPr/>
-      <dgm:t>
-        <a:bodyPr/>
-        <a:lstStyle/>
-        <a:p>
-          <a:endParaRPr lang="en-GB"/>
-        </a:p>
-      </dgm:t>
-    </dgm:pt>
-    <dgm:pt modelId="{3782E0E7-5BE8-4106-9150-388EE1F8DDA9}">
-      <dgm:prSet/>
-      <dgm:spPr/>
-      <dgm:t>
-        <a:bodyPr/>
-        <a:lstStyle/>
-        <a:p>
-          <a:r>
-            <a:rPr lang="it-IT" b="1" dirty="0">
-              <a:latin typeface="+mn-lt"/>
-            </a:rPr>
-            <a:t>2020</a:t>
-          </a:r>
-          <a:endParaRPr lang="en-GB" b="1" dirty="0">
-            <a:latin typeface="+mn-lt"/>
-          </a:endParaRPr>
-        </a:p>
-      </dgm:t>
-    </dgm:pt>
-    <dgm:pt modelId="{64C45ECD-E8B2-4587-9DE8-610BFD380F51}" type="parTrans" cxnId="{5A23C13E-540E-4951-AF5D-B41AD322F8F7}">
-      <dgm:prSet/>
-      <dgm:spPr/>
-      <dgm:t>
-        <a:bodyPr/>
-        <a:lstStyle/>
-        <a:p>
-          <a:endParaRPr lang="en-GB"/>
-        </a:p>
-      </dgm:t>
-    </dgm:pt>
-    <dgm:pt modelId="{121A56DA-2B2C-4986-90AC-7078881BC82A}" type="sibTrans" cxnId="{5A23C13E-540E-4951-AF5D-B41AD322F8F7}">
-      <dgm:prSet/>
-      <dgm:spPr/>
-      <dgm:t>
-        <a:bodyPr/>
-        <a:lstStyle/>
-        <a:p>
-          <a:endParaRPr lang="en-GB"/>
-        </a:p>
-      </dgm:t>
-    </dgm:pt>
-    <dgm:pt modelId="{1B7FE585-6A07-4D7C-9D0B-94FA51B0F78D}">
-      <dgm:prSet custT="1"/>
-      <dgm:spPr>
-        <a:noFill/>
-        <a:ln w="38100">
-          <a:solidFill>
-            <a:schemeClr val="accent1">
-              <a:alpha val="90000"/>
-            </a:schemeClr>
-          </a:solidFill>
-        </a:ln>
-      </dgm:spPr>
-      <dgm:t>
-        <a:bodyPr/>
-        <a:lstStyle/>
-        <a:p>
-          <a:pPr>
-            <a:buNone/>
-          </a:pPr>
-          <a:r>
-            <a:rPr lang="en-GB" sz="1600" b="1" i="1" dirty="0" err="1"/>
-            <a:t>Tha</a:t>
-          </a:r>
-          <a:r>
-            <a:rPr lang="en-GB" sz="1600" b="1" i="1" dirty="0"/>
-            <a:t> Supreme</a:t>
-          </a:r>
-        </a:p>
-      </dgm:t>
-    </dgm:pt>
-    <dgm:pt modelId="{27093759-58CD-4CA5-8897-C5FB20736931}" type="parTrans" cxnId="{9F7DFE66-1F40-4854-853D-F81B5DB1ED15}">
-      <dgm:prSet/>
-      <dgm:spPr/>
-      <dgm:t>
-        <a:bodyPr/>
-        <a:lstStyle/>
-        <a:p>
-          <a:endParaRPr lang="en-GB"/>
-        </a:p>
-      </dgm:t>
-    </dgm:pt>
-    <dgm:pt modelId="{016DA68B-B82A-4D18-9F1E-B09E742E7F6E}" type="sibTrans" cxnId="{9F7DFE66-1F40-4854-853D-F81B5DB1ED15}">
-      <dgm:prSet/>
-      <dgm:spPr/>
-      <dgm:t>
-        <a:bodyPr/>
-        <a:lstStyle/>
-        <a:p>
-          <a:endParaRPr lang="en-GB"/>
-        </a:p>
-      </dgm:t>
-    </dgm:pt>
-    <dgm:pt modelId="{CBA01024-12B5-4AF0-AA59-F137CD97041D}">
-      <dgm:prSet custT="1"/>
-      <dgm:spPr>
-        <a:noFill/>
-        <a:ln w="38100">
-          <a:solidFill>
-            <a:schemeClr val="accent1">
-              <a:alpha val="90000"/>
-            </a:schemeClr>
-          </a:solidFill>
-        </a:ln>
-      </dgm:spPr>
-      <dgm:t>
-        <a:bodyPr/>
-        <a:lstStyle/>
-        <a:p>
-          <a:pPr>
-            <a:buNone/>
-          </a:pPr>
-          <a:r>
-            <a:rPr lang="en-US" sz="1600" b="1" i="0" baseline="0" dirty="0">
-              <a:latin typeface="+mj-lt"/>
-            </a:rPr>
-            <a:t>20 Tracks</a:t>
-          </a:r>
-        </a:p>
-      </dgm:t>
-    </dgm:pt>
-    <dgm:pt modelId="{2CC50740-A254-4BEC-84BE-DF1CF0439B5E}" type="parTrans" cxnId="{8FD98A55-0F42-4527-BA3C-863EA77934EE}">
-      <dgm:prSet/>
-      <dgm:spPr/>
-      <dgm:t>
-        <a:bodyPr/>
-        <a:lstStyle/>
-        <a:p>
-          <a:endParaRPr lang="en-GB"/>
-        </a:p>
-      </dgm:t>
-    </dgm:pt>
-    <dgm:pt modelId="{369CF186-975C-49C8-8B9B-E01588661F67}" type="sibTrans" cxnId="{8FD98A55-0F42-4527-BA3C-863EA77934EE}">
-      <dgm:prSet/>
-      <dgm:spPr/>
-      <dgm:t>
-        <a:bodyPr/>
-        <a:lstStyle/>
-        <a:p>
-          <a:endParaRPr lang="en-GB"/>
-        </a:p>
-      </dgm:t>
-    </dgm:pt>
-    <dgm:pt modelId="{9840BE33-523F-47F8-9327-25615E923E74}">
-      <dgm:prSet custT="1"/>
-      <dgm:spPr>
-        <a:noFill/>
-        <a:ln w="38100">
-          <a:solidFill>
-            <a:schemeClr val="accent1">
-              <a:alpha val="90000"/>
-            </a:schemeClr>
-          </a:solidFill>
-        </a:ln>
-      </dgm:spPr>
-      <dgm:t>
-        <a:bodyPr/>
-        <a:lstStyle/>
-        <a:p>
-          <a:pPr>
-            <a:buNone/>
-          </a:pPr>
-          <a:r>
-            <a:rPr lang="it-IT" sz="1600" b="1" dirty="0"/>
-            <a:t>28 Tracks</a:t>
-          </a:r>
-          <a:endParaRPr lang="en-GB" sz="1600" b="1" dirty="0"/>
-        </a:p>
-      </dgm:t>
-    </dgm:pt>
-    <dgm:pt modelId="{74EBEA46-B37C-48D9-9C13-01EA5E6BBDA1}" type="parTrans" cxnId="{BDD6DEB2-190E-49D1-9AED-5F05B5F0A384}">
-      <dgm:prSet/>
-      <dgm:spPr/>
-      <dgm:t>
-        <a:bodyPr/>
-        <a:lstStyle/>
-        <a:p>
-          <a:endParaRPr lang="en-GB"/>
-        </a:p>
-      </dgm:t>
-    </dgm:pt>
-    <dgm:pt modelId="{9B295DE7-BFFF-4972-90BA-66DB6CBA7A33}" type="sibTrans" cxnId="{BDD6DEB2-190E-49D1-9AED-5F05B5F0A384}">
-      <dgm:prSet/>
-      <dgm:spPr/>
-      <dgm:t>
-        <a:bodyPr/>
-        <a:lstStyle/>
-        <a:p>
-          <a:endParaRPr lang="en-GB"/>
-        </a:p>
-      </dgm:t>
-    </dgm:pt>
-    <dgm:pt modelId="{D1D76D56-26A6-4EE2-97E3-3C5DF9768F57}">
-      <dgm:prSet custT="1"/>
-      <dgm:spPr>
-        <a:noFill/>
-        <a:ln w="38100">
-          <a:solidFill>
-            <a:schemeClr val="accent1">
-              <a:alpha val="90000"/>
-            </a:schemeClr>
-          </a:solidFill>
-        </a:ln>
-      </dgm:spPr>
-      <dgm:t>
-        <a:bodyPr/>
-        <a:lstStyle/>
-        <a:p>
-          <a:pPr>
-            <a:buNone/>
-          </a:pPr>
-          <a:r>
-            <a:rPr lang="it-IT" sz="1600" b="1" dirty="0"/>
-            <a:t>30 Tracks</a:t>
-          </a:r>
-          <a:endParaRPr lang="en-GB" sz="1600" b="1" dirty="0"/>
-        </a:p>
-      </dgm:t>
-    </dgm:pt>
-    <dgm:pt modelId="{6E4961D9-9D54-4BEB-8C1E-2877EF4B5377}" type="parTrans" cxnId="{10DC8D0B-0043-4298-915E-C51B4809C2A7}">
-      <dgm:prSet/>
-      <dgm:spPr/>
-      <dgm:t>
-        <a:bodyPr/>
-        <a:lstStyle/>
-        <a:p>
-          <a:endParaRPr lang="en-GB"/>
-        </a:p>
-      </dgm:t>
-    </dgm:pt>
-    <dgm:pt modelId="{9ED2F4B4-FA51-4031-B467-E7D1FCA8817F}" type="sibTrans" cxnId="{10DC8D0B-0043-4298-915E-C51B4809C2A7}">
-      <dgm:prSet/>
-      <dgm:spPr/>
-      <dgm:t>
-        <a:bodyPr/>
-        <a:lstStyle/>
-        <a:p>
-          <a:endParaRPr lang="en-GB"/>
-        </a:p>
-      </dgm:t>
-    </dgm:pt>
-    <dgm:pt modelId="{235774CC-28E6-4ACE-BBF6-56BB365FA042}">
-      <dgm:prSet custT="1"/>
-      <dgm:spPr>
-        <a:noFill/>
-        <a:ln w="38100">
-          <a:solidFill>
-            <a:schemeClr val="accent1">
-              <a:alpha val="90000"/>
-            </a:schemeClr>
-          </a:solidFill>
-        </a:ln>
-      </dgm:spPr>
-      <dgm:t>
-        <a:bodyPr/>
-        <a:lstStyle/>
-        <a:p>
-          <a:pPr>
-            <a:buNone/>
-          </a:pPr>
-          <a:r>
-            <a:rPr lang="it-IT" sz="1600" b="1" dirty="0"/>
-            <a:t>35 Tracks</a:t>
-          </a:r>
-          <a:endParaRPr lang="en-GB" sz="1600" b="1" dirty="0"/>
-        </a:p>
-      </dgm:t>
-    </dgm:pt>
-    <dgm:pt modelId="{EC17EDFE-21D4-4892-822F-005F5674B811}" type="parTrans" cxnId="{B9CFC93A-04BC-4F40-B4F0-45430001FA62}">
-      <dgm:prSet/>
-      <dgm:spPr/>
-      <dgm:t>
-        <a:bodyPr/>
-        <a:lstStyle/>
-        <a:p>
-          <a:endParaRPr lang="en-GB"/>
-        </a:p>
-      </dgm:t>
-    </dgm:pt>
-    <dgm:pt modelId="{5DC12019-1807-4FB6-9D85-9A43D88F2B58}" type="sibTrans" cxnId="{B9CFC93A-04BC-4F40-B4F0-45430001FA62}">
-      <dgm:prSet/>
-      <dgm:spPr/>
-      <dgm:t>
-        <a:bodyPr/>
-        <a:lstStyle/>
-        <a:p>
-          <a:endParaRPr lang="en-GB"/>
-        </a:p>
-      </dgm:t>
-    </dgm:pt>
-    <dgm:pt modelId="{00764FAF-D9A6-4CE4-A920-D7BB873F170B}" type="pres">
-      <dgm:prSet presAssocID="{1D4A73F2-B30F-47A1-93E0-31B8DD3927D9}" presName="Name0" presStyleCnt="0">
-        <dgm:presLayoutVars>
-          <dgm:dir/>
-          <dgm:animLvl val="lvl"/>
-          <dgm:resizeHandles val="exact"/>
-        </dgm:presLayoutVars>
-      </dgm:prSet>
-      <dgm:spPr/>
-    </dgm:pt>
-    <dgm:pt modelId="{61E93ABD-E3B6-4B3D-998E-B22EE794ADBD}" type="pres">
-      <dgm:prSet presAssocID="{DB227847-405A-4AE6-8561-6C08057DA27C}" presName="linNode" presStyleCnt="0"/>
-      <dgm:spPr/>
-    </dgm:pt>
-    <dgm:pt modelId="{A92F1038-24D3-421B-867E-3BE4D342BA43}" type="pres">
-      <dgm:prSet presAssocID="{DB227847-405A-4AE6-8561-6C08057DA27C}" presName="parentText" presStyleLbl="node1" presStyleIdx="0" presStyleCnt="4" custScaleX="51462" custLinFactNeighborX="-4693" custLinFactNeighborY="746">
-        <dgm:presLayoutVars>
-          <dgm:chMax val="1"/>
-          <dgm:bulletEnabled val="1"/>
-        </dgm:presLayoutVars>
-      </dgm:prSet>
-      <dgm:spPr/>
-    </dgm:pt>
-    <dgm:pt modelId="{F5CF0FA9-770F-419C-AD21-EE62A8B0D56E}" type="pres">
-      <dgm:prSet presAssocID="{DB227847-405A-4AE6-8561-6C08057DA27C}" presName="descendantText" presStyleLbl="alignAccFollowNode1" presStyleIdx="0" presStyleCnt="4" custScaleX="72900" custLinFactNeighborX="-10468" custLinFactNeighborY="-3350">
-        <dgm:presLayoutVars>
-          <dgm:bulletEnabled val="1"/>
-        </dgm:presLayoutVars>
-      </dgm:prSet>
-      <dgm:spPr/>
-    </dgm:pt>
-    <dgm:pt modelId="{1C322E0B-21D5-4A9A-A31C-74D3BA9FC51B}" type="pres">
-      <dgm:prSet presAssocID="{6DD62F4F-A51D-427E-B7E4-1314CA5AA8FE}" presName="sp" presStyleCnt="0"/>
-      <dgm:spPr/>
-    </dgm:pt>
-    <dgm:pt modelId="{21339960-1530-4E2A-8E96-85541A701D47}" type="pres">
-      <dgm:prSet presAssocID="{8EDFDEF5-FB2C-426C-9934-8C2EF39B7A71}" presName="linNode" presStyleCnt="0"/>
-      <dgm:spPr/>
-    </dgm:pt>
-    <dgm:pt modelId="{91C80CFA-A214-46E4-886E-80039CCF3D8B}" type="pres">
-      <dgm:prSet presAssocID="{8EDFDEF5-FB2C-426C-9934-8C2EF39B7A71}" presName="parentText" presStyleLbl="node1" presStyleIdx="1" presStyleCnt="4" custScaleX="51462" custLinFactNeighborX="-4693" custLinFactNeighborY="746">
-        <dgm:presLayoutVars>
-          <dgm:chMax val="1"/>
-          <dgm:bulletEnabled val="1"/>
-        </dgm:presLayoutVars>
-      </dgm:prSet>
-      <dgm:spPr/>
-    </dgm:pt>
-    <dgm:pt modelId="{D3225E37-D354-4979-AF19-51A458A75D1D}" type="pres">
-      <dgm:prSet presAssocID="{8EDFDEF5-FB2C-426C-9934-8C2EF39B7A71}" presName="descendantText" presStyleLbl="alignAccFollowNode1" presStyleIdx="1" presStyleCnt="4" custScaleX="72900" custLinFactNeighborX="-10468" custLinFactNeighborY="-3350">
-        <dgm:presLayoutVars>
-          <dgm:bulletEnabled val="1"/>
-        </dgm:presLayoutVars>
-      </dgm:prSet>
-      <dgm:spPr/>
-    </dgm:pt>
-    <dgm:pt modelId="{88ABFE87-867B-4FD0-B9F1-B3C28EDC0C97}" type="pres">
-      <dgm:prSet presAssocID="{5A92E147-F176-4D75-A3B2-812C6C90EC67}" presName="sp" presStyleCnt="0"/>
-      <dgm:spPr/>
-    </dgm:pt>
-    <dgm:pt modelId="{A6DD4B0C-C2D6-4DF0-85F1-6056E78CBAF8}" type="pres">
-      <dgm:prSet presAssocID="{86C196DF-A588-4D9A-8C0A-A41D97E22C9A}" presName="linNode" presStyleCnt="0"/>
-      <dgm:spPr/>
-    </dgm:pt>
-    <dgm:pt modelId="{A29D472F-B252-4242-B3F4-026BECD2C075}" type="pres">
-      <dgm:prSet presAssocID="{86C196DF-A588-4D9A-8C0A-A41D97E22C9A}" presName="parentText" presStyleLbl="node1" presStyleIdx="2" presStyleCnt="4" custScaleX="51462" custLinFactNeighborX="-4693" custLinFactNeighborY="746">
-        <dgm:presLayoutVars>
-          <dgm:chMax val="1"/>
-          <dgm:bulletEnabled val="1"/>
-        </dgm:presLayoutVars>
-      </dgm:prSet>
-      <dgm:spPr/>
-    </dgm:pt>
-    <dgm:pt modelId="{A89B64DE-6829-430C-AA93-AD3657840437}" type="pres">
-      <dgm:prSet presAssocID="{86C196DF-A588-4D9A-8C0A-A41D97E22C9A}" presName="descendantText" presStyleLbl="alignAccFollowNode1" presStyleIdx="2" presStyleCnt="4" custScaleX="72900" custLinFactNeighborX="-10468" custLinFactNeighborY="-3350">
-        <dgm:presLayoutVars>
-          <dgm:bulletEnabled val="1"/>
-        </dgm:presLayoutVars>
-      </dgm:prSet>
-      <dgm:spPr/>
-    </dgm:pt>
-    <dgm:pt modelId="{5B975C79-5CCD-4A45-925A-DC9FE71B8925}" type="pres">
-      <dgm:prSet presAssocID="{01F38265-FA57-4566-AA01-1411F8760A57}" presName="sp" presStyleCnt="0"/>
-      <dgm:spPr/>
-    </dgm:pt>
-    <dgm:pt modelId="{402F2CDC-6933-4F75-8856-42E6CA680E86}" type="pres">
-      <dgm:prSet presAssocID="{3782E0E7-5BE8-4106-9150-388EE1F8DDA9}" presName="linNode" presStyleCnt="0"/>
-      <dgm:spPr/>
-    </dgm:pt>
-    <dgm:pt modelId="{641C7B7C-533A-4986-984C-6AF3BB3AC7BC}" type="pres">
-      <dgm:prSet presAssocID="{3782E0E7-5BE8-4106-9150-388EE1F8DDA9}" presName="parentText" presStyleLbl="node1" presStyleIdx="3" presStyleCnt="4" custScaleX="51462" custLinFactNeighborX="-4693" custLinFactNeighborY="746">
-        <dgm:presLayoutVars>
-          <dgm:chMax val="1"/>
-          <dgm:bulletEnabled val="1"/>
-        </dgm:presLayoutVars>
-      </dgm:prSet>
-      <dgm:spPr/>
-    </dgm:pt>
-    <dgm:pt modelId="{E6B277B9-B1DD-4904-8201-368BB24C5ACF}" type="pres">
-      <dgm:prSet presAssocID="{3782E0E7-5BE8-4106-9150-388EE1F8DDA9}" presName="descendantText" presStyleLbl="alignAccFollowNode1" presStyleIdx="3" presStyleCnt="4" custScaleX="72900" custLinFactNeighborX="-10468" custLinFactNeighborY="-3350">
-        <dgm:presLayoutVars>
-          <dgm:bulletEnabled val="1"/>
-        </dgm:presLayoutVars>
-      </dgm:prSet>
-      <dgm:spPr/>
-    </dgm:pt>
-  </dgm:ptLst>
-  <dgm:cxnLst>
-    <dgm:cxn modelId="{FD07F200-C61D-455B-A1B8-A44B5493E44C}" type="presOf" srcId="{1B7FE585-6A07-4D7C-9D0B-94FA51B0F78D}" destId="{E6B277B9-B1DD-4904-8201-368BB24C5ACF}" srcOrd="0" destOrd="0" presId="urn:microsoft.com/office/officeart/2005/8/layout/vList5"/>
-    <dgm:cxn modelId="{9EF39505-CA70-48D6-8D99-ED438DFF526A}" type="presOf" srcId="{9840BE33-523F-47F8-9327-25615E923E74}" destId="{D3225E37-D354-4979-AF19-51A458A75D1D}" srcOrd="0" destOrd="1" presId="urn:microsoft.com/office/officeart/2005/8/layout/vList5"/>
-    <dgm:cxn modelId="{10DC8D0B-0043-4298-915E-C51B4809C2A7}" srcId="{86C196DF-A588-4D9A-8C0A-A41D97E22C9A}" destId="{D1D76D56-26A6-4EE2-97E3-3C5DF9768F57}" srcOrd="1" destOrd="0" parTransId="{6E4961D9-9D54-4BEB-8C1E-2877EF4B5377}" sibTransId="{9ED2F4B4-FA51-4031-B467-E7D1FCA8817F}"/>
-    <dgm:cxn modelId="{DD986D1F-661E-4A16-89E0-44A4FD987C2C}" type="presOf" srcId="{3B74D0F4-E30A-40AF-B4E1-84ED67AB0AB0}" destId="{A89B64DE-6829-430C-AA93-AD3657840437}" srcOrd="0" destOrd="0" presId="urn:microsoft.com/office/officeart/2005/8/layout/vList5"/>
-    <dgm:cxn modelId="{F869DA31-E22D-4852-B6AB-52D8A6B9F888}" srcId="{1D4A73F2-B30F-47A1-93E0-31B8DD3927D9}" destId="{8EDFDEF5-FB2C-426C-9934-8C2EF39B7A71}" srcOrd="1" destOrd="0" parTransId="{F200CD57-73D8-4FF6-8B07-4AC9381B603A}" sibTransId="{5A92E147-F176-4D75-A3B2-812C6C90EC67}"/>
-    <dgm:cxn modelId="{B9CFC93A-04BC-4F40-B4F0-45430001FA62}" srcId="{3782E0E7-5BE8-4106-9150-388EE1F8DDA9}" destId="{235774CC-28E6-4ACE-BBF6-56BB365FA042}" srcOrd="1" destOrd="0" parTransId="{EC17EDFE-21D4-4892-822F-005F5674B811}" sibTransId="{5DC12019-1807-4FB6-9D85-9A43D88F2B58}"/>
-    <dgm:cxn modelId="{5A23C13E-540E-4951-AF5D-B41AD322F8F7}" srcId="{1D4A73F2-B30F-47A1-93E0-31B8DD3927D9}" destId="{3782E0E7-5BE8-4106-9150-388EE1F8DDA9}" srcOrd="3" destOrd="0" parTransId="{64C45ECD-E8B2-4587-9DE8-610BFD380F51}" sibTransId="{121A56DA-2B2C-4986-90AC-7078881BC82A}"/>
-    <dgm:cxn modelId="{5DFD565F-F410-4E34-88BD-CD4A00C7D1E2}" srcId="{DB227847-405A-4AE6-8561-6C08057DA27C}" destId="{951E409F-00E7-4642-B8A7-784F0EE8B707}" srcOrd="0" destOrd="0" parTransId="{23141C36-8285-46C9-9EB1-9D55D32CB2F2}" sibTransId="{4B841407-4996-4834-B45C-6C6E638E0865}"/>
-    <dgm:cxn modelId="{49135B61-D335-4FA7-AEB3-CF5A770C7DFF}" type="presOf" srcId="{951E409F-00E7-4642-B8A7-784F0EE8B707}" destId="{F5CF0FA9-770F-419C-AD21-EE62A8B0D56E}" srcOrd="0" destOrd="0" presId="urn:microsoft.com/office/officeart/2005/8/layout/vList5"/>
-    <dgm:cxn modelId="{EAFBD563-F8FA-4C1E-84B7-6C4A7C431277}" type="presOf" srcId="{1D4A73F2-B30F-47A1-93E0-31B8DD3927D9}" destId="{00764FAF-D9A6-4CE4-A920-D7BB873F170B}" srcOrd="0" destOrd="0" presId="urn:microsoft.com/office/officeart/2005/8/layout/vList5"/>
-    <dgm:cxn modelId="{71473966-7482-498E-9435-E7FCCC7BA5C6}" type="presOf" srcId="{CBA01024-12B5-4AF0-AA59-F137CD97041D}" destId="{F5CF0FA9-770F-419C-AD21-EE62A8B0D56E}" srcOrd="0" destOrd="1" presId="urn:microsoft.com/office/officeart/2005/8/layout/vList5"/>
-    <dgm:cxn modelId="{9F7DFE66-1F40-4854-853D-F81B5DB1ED15}" srcId="{3782E0E7-5BE8-4106-9150-388EE1F8DDA9}" destId="{1B7FE585-6A07-4D7C-9D0B-94FA51B0F78D}" srcOrd="0" destOrd="0" parTransId="{27093759-58CD-4CA5-8897-C5FB20736931}" sibTransId="{016DA68B-B82A-4D18-9F1E-B09E742E7F6E}"/>
-    <dgm:cxn modelId="{D6C00955-A1D9-4B86-AD24-DFDB3B15FB9A}" srcId="{1D4A73F2-B30F-47A1-93E0-31B8DD3927D9}" destId="{86C196DF-A588-4D9A-8C0A-A41D97E22C9A}" srcOrd="2" destOrd="0" parTransId="{DCAF778E-AA1C-458A-A55F-E3B5C1FC90DE}" sibTransId="{01F38265-FA57-4566-AA01-1411F8760A57}"/>
-    <dgm:cxn modelId="{AB955555-7B72-4216-9A8F-92BF43A36F46}" type="presOf" srcId="{D1D76D56-26A6-4EE2-97E3-3C5DF9768F57}" destId="{A89B64DE-6829-430C-AA93-AD3657840437}" srcOrd="0" destOrd="1" presId="urn:microsoft.com/office/officeart/2005/8/layout/vList5"/>
-    <dgm:cxn modelId="{8FD98A55-0F42-4527-BA3C-863EA77934EE}" srcId="{DB227847-405A-4AE6-8561-6C08057DA27C}" destId="{CBA01024-12B5-4AF0-AA59-F137CD97041D}" srcOrd="1" destOrd="0" parTransId="{2CC50740-A254-4BEC-84BE-DF1CF0439B5E}" sibTransId="{369CF186-975C-49C8-8B9B-E01588661F67}"/>
-    <dgm:cxn modelId="{FA5F8E7C-DF59-4634-9473-6B22E39AC2D1}" srcId="{86C196DF-A588-4D9A-8C0A-A41D97E22C9A}" destId="{3B74D0F4-E30A-40AF-B4E1-84ED67AB0AB0}" srcOrd="0" destOrd="0" parTransId="{B302B695-80F2-49ED-9455-642DFBF1693F}" sibTransId="{DE540C5C-544F-4265-98D7-C2F03807228B}"/>
-    <dgm:cxn modelId="{CCA89985-E344-443B-9652-3C6BA9CFB65B}" type="presOf" srcId="{023DC00F-A646-434F-8B45-2C78EEB81F28}" destId="{D3225E37-D354-4979-AF19-51A458A75D1D}" srcOrd="0" destOrd="0" presId="urn:microsoft.com/office/officeart/2005/8/layout/vList5"/>
-    <dgm:cxn modelId="{8CF7048B-D00C-45CB-B8AB-5CFE31428651}" type="presOf" srcId="{8EDFDEF5-FB2C-426C-9934-8C2EF39B7A71}" destId="{91C80CFA-A214-46E4-886E-80039CCF3D8B}" srcOrd="0" destOrd="0" presId="urn:microsoft.com/office/officeart/2005/8/layout/vList5"/>
-    <dgm:cxn modelId="{774824A1-4FFB-4DB2-8D02-226CB32C5C44}" type="presOf" srcId="{235774CC-28E6-4ACE-BBF6-56BB365FA042}" destId="{E6B277B9-B1DD-4904-8201-368BB24C5ACF}" srcOrd="0" destOrd="1" presId="urn:microsoft.com/office/officeart/2005/8/layout/vList5"/>
-    <dgm:cxn modelId="{BDD6DEB2-190E-49D1-9AED-5F05B5F0A384}" srcId="{8EDFDEF5-FB2C-426C-9934-8C2EF39B7A71}" destId="{9840BE33-523F-47F8-9327-25615E923E74}" srcOrd="1" destOrd="0" parTransId="{74EBEA46-B37C-48D9-9C13-01EA5E6BBDA1}" sibTransId="{9B295DE7-BFFF-4972-90BA-66DB6CBA7A33}"/>
-    <dgm:cxn modelId="{A38249B3-239F-4EE3-89FF-CCBD7408A4D6}" type="presOf" srcId="{86C196DF-A588-4D9A-8C0A-A41D97E22C9A}" destId="{A29D472F-B252-4242-B3F4-026BECD2C075}" srcOrd="0" destOrd="0" presId="urn:microsoft.com/office/officeart/2005/8/layout/vList5"/>
-    <dgm:cxn modelId="{8BA9FEB6-B673-41A8-BAA4-0332F2A0D546}" type="presOf" srcId="{3782E0E7-5BE8-4106-9150-388EE1F8DDA9}" destId="{641C7B7C-533A-4986-984C-6AF3BB3AC7BC}" srcOrd="0" destOrd="0" presId="urn:microsoft.com/office/officeart/2005/8/layout/vList5"/>
-    <dgm:cxn modelId="{A77946C7-22EF-4D0E-9247-A8FA4398E717}" srcId="{8EDFDEF5-FB2C-426C-9934-8C2EF39B7A71}" destId="{023DC00F-A646-434F-8B45-2C78EEB81F28}" srcOrd="0" destOrd="0" parTransId="{0A841F17-BBF0-45C5-9452-E9982C0C7997}" sibTransId="{BC637E12-549F-4665-BA95-F4A4C484CA98}"/>
-    <dgm:cxn modelId="{6AAC54D1-953E-4762-B9E7-FFC69D218B13}" type="presOf" srcId="{DB227847-405A-4AE6-8561-6C08057DA27C}" destId="{A92F1038-24D3-421B-867E-3BE4D342BA43}" srcOrd="0" destOrd="0" presId="urn:microsoft.com/office/officeart/2005/8/layout/vList5"/>
-    <dgm:cxn modelId="{754F8DFB-86AB-469A-87A3-64306BC25D8A}" srcId="{1D4A73F2-B30F-47A1-93E0-31B8DD3927D9}" destId="{DB227847-405A-4AE6-8561-6C08057DA27C}" srcOrd="0" destOrd="0" parTransId="{A56896ED-39D1-4B51-8279-338490392542}" sibTransId="{6DD62F4F-A51D-427E-B7E4-1314CA5AA8FE}"/>
-    <dgm:cxn modelId="{43EADD37-C993-4AEE-AFC3-100906B407E0}" type="presParOf" srcId="{00764FAF-D9A6-4CE4-A920-D7BB873F170B}" destId="{61E93ABD-E3B6-4B3D-998E-B22EE794ADBD}" srcOrd="0" destOrd="0" presId="urn:microsoft.com/office/officeart/2005/8/layout/vList5"/>
-    <dgm:cxn modelId="{85904C07-4946-481B-8D2C-8A1BACF76C42}" type="presParOf" srcId="{61E93ABD-E3B6-4B3D-998E-B22EE794ADBD}" destId="{A92F1038-24D3-421B-867E-3BE4D342BA43}" srcOrd="0" destOrd="0" presId="urn:microsoft.com/office/officeart/2005/8/layout/vList5"/>
-    <dgm:cxn modelId="{0C8D5C9D-774D-4271-BB20-1D72CB6642E3}" type="presParOf" srcId="{61E93ABD-E3B6-4B3D-998E-B22EE794ADBD}" destId="{F5CF0FA9-770F-419C-AD21-EE62A8B0D56E}" srcOrd="1" destOrd="0" presId="urn:microsoft.com/office/officeart/2005/8/layout/vList5"/>
-    <dgm:cxn modelId="{6907C56D-AA81-452C-B536-AAED4117C984}" type="presParOf" srcId="{00764FAF-D9A6-4CE4-A920-D7BB873F170B}" destId="{1C322E0B-21D5-4A9A-A31C-74D3BA9FC51B}" srcOrd="1" destOrd="0" presId="urn:microsoft.com/office/officeart/2005/8/layout/vList5"/>
-    <dgm:cxn modelId="{E603EF36-5381-4D6C-AA26-2FFB53346DD4}" type="presParOf" srcId="{00764FAF-D9A6-4CE4-A920-D7BB873F170B}" destId="{21339960-1530-4E2A-8E96-85541A701D47}" srcOrd="2" destOrd="0" presId="urn:microsoft.com/office/officeart/2005/8/layout/vList5"/>
-    <dgm:cxn modelId="{D34D1A07-46F6-4B52-AE5F-AD7C0FE3B2AE}" type="presParOf" srcId="{21339960-1530-4E2A-8E96-85541A701D47}" destId="{91C80CFA-A214-46E4-886E-80039CCF3D8B}" srcOrd="0" destOrd="0" presId="urn:microsoft.com/office/officeart/2005/8/layout/vList5"/>
-    <dgm:cxn modelId="{619D14D7-5AC4-4CD0-A5B6-EF095E2581FA}" type="presParOf" srcId="{21339960-1530-4E2A-8E96-85541A701D47}" destId="{D3225E37-D354-4979-AF19-51A458A75D1D}" srcOrd="1" destOrd="0" presId="urn:microsoft.com/office/officeart/2005/8/layout/vList5"/>
-    <dgm:cxn modelId="{FBCCB9B6-C2A2-4C82-918D-C54F74C385F1}" type="presParOf" srcId="{00764FAF-D9A6-4CE4-A920-D7BB873F170B}" destId="{88ABFE87-867B-4FD0-B9F1-B3C28EDC0C97}" srcOrd="3" destOrd="0" presId="urn:microsoft.com/office/officeart/2005/8/layout/vList5"/>
-    <dgm:cxn modelId="{82E3B569-074A-4D6B-AEBC-E73233B89591}" type="presParOf" srcId="{00764FAF-D9A6-4CE4-A920-D7BB873F170B}" destId="{A6DD4B0C-C2D6-4DF0-85F1-6056E78CBAF8}" srcOrd="4" destOrd="0" presId="urn:microsoft.com/office/officeart/2005/8/layout/vList5"/>
-    <dgm:cxn modelId="{925E8583-5347-489B-A4BF-952F247C71EF}" type="presParOf" srcId="{A6DD4B0C-C2D6-4DF0-85F1-6056E78CBAF8}" destId="{A29D472F-B252-4242-B3F4-026BECD2C075}" srcOrd="0" destOrd="0" presId="urn:microsoft.com/office/officeart/2005/8/layout/vList5"/>
-    <dgm:cxn modelId="{1817BACC-27A8-40A9-98D3-BBB57D451626}" type="presParOf" srcId="{A6DD4B0C-C2D6-4DF0-85F1-6056E78CBAF8}" destId="{A89B64DE-6829-430C-AA93-AD3657840437}" srcOrd="1" destOrd="0" presId="urn:microsoft.com/office/officeart/2005/8/layout/vList5"/>
-    <dgm:cxn modelId="{FD08494E-E9E5-43F9-8C5C-E45E99A9B233}" type="presParOf" srcId="{00764FAF-D9A6-4CE4-A920-D7BB873F170B}" destId="{5B975C79-5CCD-4A45-925A-DC9FE71B8925}" srcOrd="5" destOrd="0" presId="urn:microsoft.com/office/officeart/2005/8/layout/vList5"/>
-    <dgm:cxn modelId="{544588F0-DB75-4AF8-954B-C7D17340AB72}" type="presParOf" srcId="{00764FAF-D9A6-4CE4-A920-D7BB873F170B}" destId="{402F2CDC-6933-4F75-8856-42E6CA680E86}" srcOrd="6" destOrd="0" presId="urn:microsoft.com/office/officeart/2005/8/layout/vList5"/>
-    <dgm:cxn modelId="{228C7D0D-43EC-4DB2-A0DB-DA3E5D1A90FA}" type="presParOf" srcId="{402F2CDC-6933-4F75-8856-42E6CA680E86}" destId="{641C7B7C-533A-4986-984C-6AF3BB3AC7BC}" srcOrd="0" destOrd="0" presId="urn:microsoft.com/office/officeart/2005/8/layout/vList5"/>
-    <dgm:cxn modelId="{4B2859DE-333D-44E6-B629-0B4AAAA09200}" type="presParOf" srcId="{402F2CDC-6933-4F75-8856-42E6CA680E86}" destId="{E6B277B9-B1DD-4904-8201-368BB24C5ACF}" srcOrd="1" destOrd="0" presId="urn:microsoft.com/office/officeart/2005/8/layout/vList5"/>
-  </dgm:cxnLst>
-  <dgm:bg/>
-  <dgm:whole/>
-  <dgm:extLst>
-    <a:ext uri="http://schemas.microsoft.com/office/drawing/2008/diagram">
-      <dsp:dataModelExt xmlns:dsp="http://schemas.microsoft.com/office/drawing/2008/diagram" relId="rId7" minVer="http://schemas.openxmlformats.org/drawingml/2006/diagram"/>
     </a:ext>
   </dgm:extLst>
 </dgm:dataModel>
@@ -5054,694 +3571,6 @@
 </dsp:drawing>
 </file>
 
-<file path=ppt/diagrams/drawing3.xml><?xml version="1.0" encoding="utf-8"?>
-<dsp:drawing xmlns:dgm="http://schemas.openxmlformats.org/drawingml/2006/diagram" xmlns:dsp="http://schemas.microsoft.com/office/drawing/2008/diagram" xmlns:a="http://schemas.openxmlformats.org/drawingml/2006/main">
-  <dsp:spTree>
-    <dsp:nvGrpSpPr>
-      <dsp:cNvPr id="0" name=""/>
-      <dsp:cNvGrpSpPr/>
-    </dsp:nvGrpSpPr>
-    <dsp:grpSpPr/>
-    <dsp:sp modelId="{F5CF0FA9-770F-419C-AD21-EE62A8B0D56E}">
-      <dsp:nvSpPr>
-        <dsp:cNvPr id="0" name=""/>
-        <dsp:cNvSpPr/>
-      </dsp:nvSpPr>
-      <dsp:spPr>
-        <a:xfrm rot="5400000">
-          <a:off x="2518138" y="-784132"/>
-          <a:ext cx="714748" cy="2417527"/>
-        </a:xfrm>
-        <a:prstGeom prst="round2SameRect">
-          <a:avLst/>
-        </a:prstGeom>
-        <a:noFill/>
-        <a:ln w="38100" cap="flat" cmpd="sng" algn="ctr">
-          <a:solidFill>
-            <a:schemeClr val="accent1">
-              <a:alpha val="90000"/>
-            </a:schemeClr>
-          </a:solidFill>
-          <a:prstDash val="solid"/>
-          <a:miter lim="800000"/>
-        </a:ln>
-        <a:effectLst/>
-      </dsp:spPr>
-      <dsp:style>
-        <a:lnRef idx="2">
-          <a:scrgbClr r="0" g="0" b="0"/>
-        </a:lnRef>
-        <a:fillRef idx="1">
-          <a:scrgbClr r="0" g="0" b="0"/>
-        </a:fillRef>
-        <a:effectRef idx="0">
-          <a:scrgbClr r="0" g="0" b="0"/>
-        </a:effectRef>
-        <a:fontRef idx="minor"/>
-      </dsp:style>
-      <dsp:txBody>
-        <a:bodyPr spcFirstLastPara="0" vert="horz" wrap="square" lIns="247650" tIns="123825" rIns="247650" bIns="123825" numCol="1" spcCol="1270" anchor="ctr" anchorCtr="0">
-          <a:noAutofit/>
-        </a:bodyPr>
-        <a:lstStyle/>
-        <a:p>
-          <a:pPr marL="171450" lvl="1" indent="-171450" algn="l" defTabSz="711200">
-            <a:lnSpc>
-              <a:spcPct val="90000"/>
-            </a:lnSpc>
-            <a:spcBef>
-              <a:spcPct val="0"/>
-            </a:spcBef>
-            <a:spcAft>
-              <a:spcPct val="15000"/>
-            </a:spcAft>
-            <a:buNone/>
-          </a:pPr>
-          <a:r>
-            <a:rPr lang="en-GB" sz="1600" b="1" i="1" kern="1200" dirty="0" err="1"/>
-            <a:t>Guè</a:t>
-          </a:r>
-          <a:endParaRPr lang="en-US" sz="1600" b="1" i="1" kern="1200" baseline="0" dirty="0">
-            <a:latin typeface="+mj-lt"/>
-          </a:endParaRPr>
-        </a:p>
-        <a:p>
-          <a:pPr marL="171450" lvl="1" indent="-171450" algn="l" defTabSz="711200">
-            <a:lnSpc>
-              <a:spcPct val="90000"/>
-            </a:lnSpc>
-            <a:spcBef>
-              <a:spcPct val="0"/>
-            </a:spcBef>
-            <a:spcAft>
-              <a:spcPct val="15000"/>
-            </a:spcAft>
-            <a:buNone/>
-          </a:pPr>
-          <a:r>
-            <a:rPr lang="en-US" sz="1600" b="1" i="0" kern="1200" baseline="0" dirty="0">
-              <a:latin typeface="+mj-lt"/>
-            </a:rPr>
-            <a:t>20 Tracks</a:t>
-          </a:r>
-        </a:p>
-      </dsp:txBody>
-      <dsp:txXfrm rot="-5400000">
-        <a:off x="1666749" y="102148"/>
-        <a:ext cx="2382636" cy="644966"/>
-      </dsp:txXfrm>
-    </dsp:sp>
-    <dsp:sp modelId="{A92F1038-24D3-421B-867E-3BE4D342BA43}">
-      <dsp:nvSpPr>
-        <dsp:cNvPr id="0" name=""/>
-        <dsp:cNvSpPr/>
-      </dsp:nvSpPr>
-      <dsp:spPr>
-        <a:xfrm>
-          <a:off x="746426" y="8522"/>
-          <a:ext cx="959959" cy="893435"/>
-        </a:xfrm>
-        <a:prstGeom prst="roundRect">
-          <a:avLst/>
-        </a:prstGeom>
-        <a:solidFill>
-          <a:schemeClr val="accent1">
-            <a:hueOff val="0"/>
-            <a:satOff val="0"/>
-            <a:lumOff val="0"/>
-            <a:alphaOff val="0"/>
-          </a:schemeClr>
-        </a:solidFill>
-        <a:ln w="12700" cap="flat" cmpd="sng" algn="ctr">
-          <a:solidFill>
-            <a:schemeClr val="lt1">
-              <a:hueOff val="0"/>
-              <a:satOff val="0"/>
-              <a:lumOff val="0"/>
-              <a:alphaOff val="0"/>
-            </a:schemeClr>
-          </a:solidFill>
-          <a:prstDash val="solid"/>
-          <a:miter lim="800000"/>
-        </a:ln>
-        <a:effectLst/>
-      </dsp:spPr>
-      <dsp:style>
-        <a:lnRef idx="2">
-          <a:scrgbClr r="0" g="0" b="0"/>
-        </a:lnRef>
-        <a:fillRef idx="1">
-          <a:scrgbClr r="0" g="0" b="0"/>
-        </a:fillRef>
-        <a:effectRef idx="0">
-          <a:scrgbClr r="0" g="0" b="0"/>
-        </a:effectRef>
-        <a:fontRef idx="minor">
-          <a:schemeClr val="lt1"/>
-        </a:fontRef>
-      </dsp:style>
-      <dsp:txBody>
-        <a:bodyPr spcFirstLastPara="0" vert="horz" wrap="square" lIns="91440" tIns="45720" rIns="91440" bIns="45720" numCol="1" spcCol="1270" anchor="ctr" anchorCtr="0">
-          <a:noAutofit/>
-        </a:bodyPr>
-        <a:lstStyle/>
-        <a:p>
-          <a:pPr marL="0" lvl="0" indent="0" algn="ctr" defTabSz="1066800">
-            <a:lnSpc>
-              <a:spcPct val="90000"/>
-            </a:lnSpc>
-            <a:spcBef>
-              <a:spcPct val="0"/>
-            </a:spcBef>
-            <a:spcAft>
-              <a:spcPct val="35000"/>
-            </a:spcAft>
-            <a:buNone/>
-          </a:pPr>
-          <a:r>
-            <a:rPr lang="en-US" sz="2400" b="1" i="0" kern="1200" dirty="0">
-              <a:latin typeface="+mn-lt"/>
-            </a:rPr>
-            <a:t>2017</a:t>
-          </a:r>
-        </a:p>
-      </dsp:txBody>
-      <dsp:txXfrm>
-        <a:off x="790040" y="52136"/>
-        <a:ext cx="872731" cy="806207"/>
-      </dsp:txXfrm>
-    </dsp:sp>
-    <dsp:sp modelId="{D3225E37-D354-4979-AF19-51A458A75D1D}">
-      <dsp:nvSpPr>
-        <dsp:cNvPr id="0" name=""/>
-        <dsp:cNvSpPr/>
-      </dsp:nvSpPr>
-      <dsp:spPr>
-        <a:xfrm rot="5400000">
-          <a:off x="2518138" y="153974"/>
-          <a:ext cx="714748" cy="2417527"/>
-        </a:xfrm>
-        <a:prstGeom prst="round2SameRect">
-          <a:avLst/>
-        </a:prstGeom>
-        <a:noFill/>
-        <a:ln w="38100" cap="flat" cmpd="sng" algn="ctr">
-          <a:solidFill>
-            <a:schemeClr val="accent1">
-              <a:alpha val="90000"/>
-            </a:schemeClr>
-          </a:solidFill>
-          <a:prstDash val="solid"/>
-          <a:miter lim="800000"/>
-        </a:ln>
-        <a:effectLst/>
-      </dsp:spPr>
-      <dsp:style>
-        <a:lnRef idx="2">
-          <a:scrgbClr r="0" g="0" b="0"/>
-        </a:lnRef>
-        <a:fillRef idx="1">
-          <a:scrgbClr r="0" g="0" b="0"/>
-        </a:fillRef>
-        <a:effectRef idx="0">
-          <a:scrgbClr r="0" g="0" b="0"/>
-        </a:effectRef>
-        <a:fontRef idx="minor"/>
-      </dsp:style>
-      <dsp:txBody>
-        <a:bodyPr spcFirstLastPara="0" vert="horz" wrap="square" lIns="247650" tIns="123825" rIns="247650" bIns="123825" numCol="1" spcCol="1270" anchor="ctr" anchorCtr="0">
-          <a:noAutofit/>
-        </a:bodyPr>
-        <a:lstStyle/>
-        <a:p>
-          <a:pPr marL="171450" lvl="1" indent="-171450" algn="l" defTabSz="711200">
-            <a:lnSpc>
-              <a:spcPct val="90000"/>
-            </a:lnSpc>
-            <a:spcBef>
-              <a:spcPct val="0"/>
-            </a:spcBef>
-            <a:spcAft>
-              <a:spcPct val="15000"/>
-            </a:spcAft>
-            <a:buNone/>
-          </a:pPr>
-          <a:r>
-            <a:rPr lang="en-GB" sz="1600" b="1" i="1" kern="1200" dirty="0" err="1"/>
-            <a:t>Gemitaiz</a:t>
-          </a:r>
-          <a:endParaRPr lang="en-GB" sz="1600" b="1" i="1" kern="1200" dirty="0"/>
-        </a:p>
-        <a:p>
-          <a:pPr marL="171450" lvl="1" indent="-171450" algn="l" defTabSz="711200">
-            <a:lnSpc>
-              <a:spcPct val="90000"/>
-            </a:lnSpc>
-            <a:spcBef>
-              <a:spcPct val="0"/>
-            </a:spcBef>
-            <a:spcAft>
-              <a:spcPct val="15000"/>
-            </a:spcAft>
-            <a:buNone/>
-          </a:pPr>
-          <a:r>
-            <a:rPr lang="it-IT" sz="1600" b="1" kern="1200" dirty="0"/>
-            <a:t>28 Tracks</a:t>
-          </a:r>
-          <a:endParaRPr lang="en-GB" sz="1600" b="1" kern="1200" dirty="0"/>
-        </a:p>
-      </dsp:txBody>
-      <dsp:txXfrm rot="-5400000">
-        <a:off x="1666749" y="1040255"/>
-        <a:ext cx="2382636" cy="644966"/>
-      </dsp:txXfrm>
-    </dsp:sp>
-    <dsp:sp modelId="{91C80CFA-A214-46E4-886E-80039CCF3D8B}">
-      <dsp:nvSpPr>
-        <dsp:cNvPr id="0" name=""/>
-        <dsp:cNvSpPr/>
-      </dsp:nvSpPr>
-      <dsp:spPr>
-        <a:xfrm>
-          <a:off x="746426" y="946629"/>
-          <a:ext cx="959959" cy="893435"/>
-        </a:xfrm>
-        <a:prstGeom prst="roundRect">
-          <a:avLst/>
-        </a:prstGeom>
-        <a:solidFill>
-          <a:schemeClr val="accent1">
-            <a:hueOff val="0"/>
-            <a:satOff val="0"/>
-            <a:lumOff val="0"/>
-            <a:alphaOff val="0"/>
-          </a:schemeClr>
-        </a:solidFill>
-        <a:ln w="12700" cap="flat" cmpd="sng" algn="ctr">
-          <a:solidFill>
-            <a:schemeClr val="lt1">
-              <a:hueOff val="0"/>
-              <a:satOff val="0"/>
-              <a:lumOff val="0"/>
-              <a:alphaOff val="0"/>
-            </a:schemeClr>
-          </a:solidFill>
-          <a:prstDash val="solid"/>
-          <a:miter lim="800000"/>
-        </a:ln>
-        <a:effectLst/>
-      </dsp:spPr>
-      <dsp:style>
-        <a:lnRef idx="2">
-          <a:scrgbClr r="0" g="0" b="0"/>
-        </a:lnRef>
-        <a:fillRef idx="1">
-          <a:scrgbClr r="0" g="0" b="0"/>
-        </a:fillRef>
-        <a:effectRef idx="0">
-          <a:scrgbClr r="0" g="0" b="0"/>
-        </a:effectRef>
-        <a:fontRef idx="minor">
-          <a:schemeClr val="lt1"/>
-        </a:fontRef>
-      </dsp:style>
-      <dsp:txBody>
-        <a:bodyPr spcFirstLastPara="0" vert="horz" wrap="square" lIns="91440" tIns="45720" rIns="91440" bIns="45720" numCol="1" spcCol="1270" anchor="ctr" anchorCtr="0">
-          <a:noAutofit/>
-        </a:bodyPr>
-        <a:lstStyle/>
-        <a:p>
-          <a:pPr marL="0" lvl="0" indent="0" algn="ctr" defTabSz="1066800">
-            <a:lnSpc>
-              <a:spcPct val="90000"/>
-            </a:lnSpc>
-            <a:spcBef>
-              <a:spcPct val="0"/>
-            </a:spcBef>
-            <a:spcAft>
-              <a:spcPct val="35000"/>
-            </a:spcAft>
-            <a:buNone/>
-          </a:pPr>
-          <a:r>
-            <a:rPr lang="en-US" sz="2400" b="1" i="0" kern="1200" dirty="0">
-              <a:latin typeface="+mn-lt"/>
-            </a:rPr>
-            <a:t>2018</a:t>
-          </a:r>
-        </a:p>
-      </dsp:txBody>
-      <dsp:txXfrm>
-        <a:off x="790040" y="990243"/>
-        <a:ext cx="872731" cy="806207"/>
-      </dsp:txXfrm>
-    </dsp:sp>
-    <dsp:sp modelId="{A89B64DE-6829-430C-AA93-AD3657840437}">
-      <dsp:nvSpPr>
-        <dsp:cNvPr id="0" name=""/>
-        <dsp:cNvSpPr/>
-      </dsp:nvSpPr>
-      <dsp:spPr>
-        <a:xfrm rot="5400000">
-          <a:off x="2518138" y="1092082"/>
-          <a:ext cx="714748" cy="2417527"/>
-        </a:xfrm>
-        <a:prstGeom prst="round2SameRect">
-          <a:avLst/>
-        </a:prstGeom>
-        <a:noFill/>
-        <a:ln w="38100" cap="flat" cmpd="sng" algn="ctr">
-          <a:solidFill>
-            <a:schemeClr val="accent1">
-              <a:alpha val="90000"/>
-            </a:schemeClr>
-          </a:solidFill>
-          <a:prstDash val="solid"/>
-          <a:miter lim="800000"/>
-        </a:ln>
-        <a:effectLst/>
-      </dsp:spPr>
-      <dsp:style>
-        <a:lnRef idx="2">
-          <a:scrgbClr r="0" g="0" b="0"/>
-        </a:lnRef>
-        <a:fillRef idx="1">
-          <a:scrgbClr r="0" g="0" b="0"/>
-        </a:fillRef>
-        <a:effectRef idx="0">
-          <a:scrgbClr r="0" g="0" b="0"/>
-        </a:effectRef>
-        <a:fontRef idx="minor"/>
-      </dsp:style>
-      <dsp:txBody>
-        <a:bodyPr spcFirstLastPara="0" vert="horz" wrap="square" lIns="247650" tIns="123825" rIns="247650" bIns="123825" numCol="1" spcCol="1270" anchor="ctr" anchorCtr="0">
-          <a:noAutofit/>
-        </a:bodyPr>
-        <a:lstStyle/>
-        <a:p>
-          <a:pPr marL="171450" lvl="1" indent="-171450" algn="l" defTabSz="711200">
-            <a:lnSpc>
-              <a:spcPct val="90000"/>
-            </a:lnSpc>
-            <a:spcBef>
-              <a:spcPct val="0"/>
-            </a:spcBef>
-            <a:spcAft>
-              <a:spcPct val="15000"/>
-            </a:spcAft>
-            <a:buNone/>
-          </a:pPr>
-          <a:r>
-            <a:rPr lang="en-GB" sz="1600" b="1" i="1" kern="1200" dirty="0" err="1"/>
-            <a:t>MadMan</a:t>
-          </a:r>
-          <a:endParaRPr lang="en-GB" sz="1600" b="1" i="1" kern="1200" dirty="0"/>
-        </a:p>
-        <a:p>
-          <a:pPr marL="171450" lvl="1" indent="-171450" algn="l" defTabSz="711200">
-            <a:lnSpc>
-              <a:spcPct val="90000"/>
-            </a:lnSpc>
-            <a:spcBef>
-              <a:spcPct val="0"/>
-            </a:spcBef>
-            <a:spcAft>
-              <a:spcPct val="15000"/>
-            </a:spcAft>
-            <a:buNone/>
-          </a:pPr>
-          <a:r>
-            <a:rPr lang="it-IT" sz="1600" b="1" kern="1200" dirty="0"/>
-            <a:t>30 Tracks</a:t>
-          </a:r>
-          <a:endParaRPr lang="en-GB" sz="1600" b="1" kern="1200" dirty="0"/>
-        </a:p>
-      </dsp:txBody>
-      <dsp:txXfrm rot="-5400000">
-        <a:off x="1666749" y="1978363"/>
-        <a:ext cx="2382636" cy="644966"/>
-      </dsp:txXfrm>
-    </dsp:sp>
-    <dsp:sp modelId="{A29D472F-B252-4242-B3F4-026BECD2C075}">
-      <dsp:nvSpPr>
-        <dsp:cNvPr id="0" name=""/>
-        <dsp:cNvSpPr/>
-      </dsp:nvSpPr>
-      <dsp:spPr>
-        <a:xfrm>
-          <a:off x="746426" y="1884737"/>
-          <a:ext cx="959959" cy="893435"/>
-        </a:xfrm>
-        <a:prstGeom prst="roundRect">
-          <a:avLst/>
-        </a:prstGeom>
-        <a:solidFill>
-          <a:schemeClr val="accent1">
-            <a:hueOff val="0"/>
-            <a:satOff val="0"/>
-            <a:lumOff val="0"/>
-            <a:alphaOff val="0"/>
-          </a:schemeClr>
-        </a:solidFill>
-        <a:ln w="12700" cap="flat" cmpd="sng" algn="ctr">
-          <a:solidFill>
-            <a:schemeClr val="lt1">
-              <a:hueOff val="0"/>
-              <a:satOff val="0"/>
-              <a:lumOff val="0"/>
-              <a:alphaOff val="0"/>
-            </a:schemeClr>
-          </a:solidFill>
-          <a:prstDash val="solid"/>
-          <a:miter lim="800000"/>
-        </a:ln>
-        <a:effectLst/>
-      </dsp:spPr>
-      <dsp:style>
-        <a:lnRef idx="2">
-          <a:scrgbClr r="0" g="0" b="0"/>
-        </a:lnRef>
-        <a:fillRef idx="1">
-          <a:scrgbClr r="0" g="0" b="0"/>
-        </a:fillRef>
-        <a:effectRef idx="0">
-          <a:scrgbClr r="0" g="0" b="0"/>
-        </a:effectRef>
-        <a:fontRef idx="minor">
-          <a:schemeClr val="lt1"/>
-        </a:fontRef>
-      </dsp:style>
-      <dsp:txBody>
-        <a:bodyPr spcFirstLastPara="0" vert="horz" wrap="square" lIns="91440" tIns="45720" rIns="91440" bIns="45720" numCol="1" spcCol="1270" anchor="ctr" anchorCtr="0">
-          <a:noAutofit/>
-        </a:bodyPr>
-        <a:lstStyle/>
-        <a:p>
-          <a:pPr marL="0" lvl="0" indent="0" algn="ctr" defTabSz="1066800">
-            <a:lnSpc>
-              <a:spcPct val="90000"/>
-            </a:lnSpc>
-            <a:spcBef>
-              <a:spcPct val="0"/>
-            </a:spcBef>
-            <a:spcAft>
-              <a:spcPct val="35000"/>
-            </a:spcAft>
-            <a:buNone/>
-          </a:pPr>
-          <a:r>
-            <a:rPr lang="it-IT" sz="2400" b="1" kern="1200" dirty="0">
-              <a:latin typeface="+mn-lt"/>
-            </a:rPr>
-            <a:t>2019</a:t>
-          </a:r>
-          <a:endParaRPr lang="en-GB" sz="2400" b="1" kern="1200" dirty="0">
-            <a:latin typeface="+mn-lt"/>
-          </a:endParaRPr>
-        </a:p>
-      </dsp:txBody>
-      <dsp:txXfrm>
-        <a:off x="790040" y="1928351"/>
-        <a:ext cx="872731" cy="806207"/>
-      </dsp:txXfrm>
-    </dsp:sp>
-    <dsp:sp modelId="{E6B277B9-B1DD-4904-8201-368BB24C5ACF}">
-      <dsp:nvSpPr>
-        <dsp:cNvPr id="0" name=""/>
-        <dsp:cNvSpPr/>
-      </dsp:nvSpPr>
-      <dsp:spPr>
-        <a:xfrm rot="5400000">
-          <a:off x="2518138" y="2030189"/>
-          <a:ext cx="714748" cy="2417527"/>
-        </a:xfrm>
-        <a:prstGeom prst="round2SameRect">
-          <a:avLst/>
-        </a:prstGeom>
-        <a:noFill/>
-        <a:ln w="38100" cap="flat" cmpd="sng" algn="ctr">
-          <a:solidFill>
-            <a:schemeClr val="accent1">
-              <a:alpha val="90000"/>
-            </a:schemeClr>
-          </a:solidFill>
-          <a:prstDash val="solid"/>
-          <a:miter lim="800000"/>
-        </a:ln>
-        <a:effectLst/>
-      </dsp:spPr>
-      <dsp:style>
-        <a:lnRef idx="2">
-          <a:scrgbClr r="0" g="0" b="0"/>
-        </a:lnRef>
-        <a:fillRef idx="1">
-          <a:scrgbClr r="0" g="0" b="0"/>
-        </a:fillRef>
-        <a:effectRef idx="0">
-          <a:scrgbClr r="0" g="0" b="0"/>
-        </a:effectRef>
-        <a:fontRef idx="minor"/>
-      </dsp:style>
-      <dsp:txBody>
-        <a:bodyPr spcFirstLastPara="0" vert="horz" wrap="square" lIns="247650" tIns="123825" rIns="247650" bIns="123825" numCol="1" spcCol="1270" anchor="ctr" anchorCtr="0">
-          <a:noAutofit/>
-        </a:bodyPr>
-        <a:lstStyle/>
-        <a:p>
-          <a:pPr marL="171450" lvl="1" indent="-171450" algn="l" defTabSz="711200">
-            <a:lnSpc>
-              <a:spcPct val="90000"/>
-            </a:lnSpc>
-            <a:spcBef>
-              <a:spcPct val="0"/>
-            </a:spcBef>
-            <a:spcAft>
-              <a:spcPct val="15000"/>
-            </a:spcAft>
-            <a:buNone/>
-          </a:pPr>
-          <a:r>
-            <a:rPr lang="en-GB" sz="1600" b="1" i="1" kern="1200" dirty="0" err="1"/>
-            <a:t>Tha</a:t>
-          </a:r>
-          <a:r>
-            <a:rPr lang="en-GB" sz="1600" b="1" i="1" kern="1200" dirty="0"/>
-            <a:t> Supreme</a:t>
-          </a:r>
-        </a:p>
-        <a:p>
-          <a:pPr marL="171450" lvl="1" indent="-171450" algn="l" defTabSz="711200">
-            <a:lnSpc>
-              <a:spcPct val="90000"/>
-            </a:lnSpc>
-            <a:spcBef>
-              <a:spcPct val="0"/>
-            </a:spcBef>
-            <a:spcAft>
-              <a:spcPct val="15000"/>
-            </a:spcAft>
-            <a:buNone/>
-          </a:pPr>
-          <a:r>
-            <a:rPr lang="it-IT" sz="1600" b="1" kern="1200" dirty="0"/>
-            <a:t>35 Tracks</a:t>
-          </a:r>
-          <a:endParaRPr lang="en-GB" sz="1600" b="1" kern="1200" dirty="0"/>
-        </a:p>
-      </dsp:txBody>
-      <dsp:txXfrm rot="-5400000">
-        <a:off x="1666749" y="2916470"/>
-        <a:ext cx="2382636" cy="644966"/>
-      </dsp:txXfrm>
-    </dsp:sp>
-    <dsp:sp modelId="{641C7B7C-533A-4986-984C-6AF3BB3AC7BC}">
-      <dsp:nvSpPr>
-        <dsp:cNvPr id="0" name=""/>
-        <dsp:cNvSpPr/>
-      </dsp:nvSpPr>
-      <dsp:spPr>
-        <a:xfrm>
-          <a:off x="746426" y="2818037"/>
-          <a:ext cx="959959" cy="893435"/>
-        </a:xfrm>
-        <a:prstGeom prst="roundRect">
-          <a:avLst/>
-        </a:prstGeom>
-        <a:solidFill>
-          <a:schemeClr val="accent1">
-            <a:hueOff val="0"/>
-            <a:satOff val="0"/>
-            <a:lumOff val="0"/>
-            <a:alphaOff val="0"/>
-          </a:schemeClr>
-        </a:solidFill>
-        <a:ln w="12700" cap="flat" cmpd="sng" algn="ctr">
-          <a:solidFill>
-            <a:schemeClr val="lt1">
-              <a:hueOff val="0"/>
-              <a:satOff val="0"/>
-              <a:lumOff val="0"/>
-              <a:alphaOff val="0"/>
-            </a:schemeClr>
-          </a:solidFill>
-          <a:prstDash val="solid"/>
-          <a:miter lim="800000"/>
-        </a:ln>
-        <a:effectLst/>
-      </dsp:spPr>
-      <dsp:style>
-        <a:lnRef idx="2">
-          <a:scrgbClr r="0" g="0" b="0"/>
-        </a:lnRef>
-        <a:fillRef idx="1">
-          <a:scrgbClr r="0" g="0" b="0"/>
-        </a:fillRef>
-        <a:effectRef idx="0">
-          <a:scrgbClr r="0" g="0" b="0"/>
-        </a:effectRef>
-        <a:fontRef idx="minor">
-          <a:schemeClr val="lt1"/>
-        </a:fontRef>
-      </dsp:style>
-      <dsp:txBody>
-        <a:bodyPr spcFirstLastPara="0" vert="horz" wrap="square" lIns="91440" tIns="45720" rIns="91440" bIns="45720" numCol="1" spcCol="1270" anchor="ctr" anchorCtr="0">
-          <a:noAutofit/>
-        </a:bodyPr>
-        <a:lstStyle/>
-        <a:p>
-          <a:pPr marL="0" lvl="0" indent="0" algn="ctr" defTabSz="1066800">
-            <a:lnSpc>
-              <a:spcPct val="90000"/>
-            </a:lnSpc>
-            <a:spcBef>
-              <a:spcPct val="0"/>
-            </a:spcBef>
-            <a:spcAft>
-              <a:spcPct val="35000"/>
-            </a:spcAft>
-            <a:buNone/>
-          </a:pPr>
-          <a:r>
-            <a:rPr lang="it-IT" sz="2400" b="1" kern="1200" dirty="0">
-              <a:latin typeface="+mn-lt"/>
-            </a:rPr>
-            <a:t>2020</a:t>
-          </a:r>
-          <a:endParaRPr lang="en-GB" sz="2400" b="1" kern="1200" dirty="0">
-            <a:latin typeface="+mn-lt"/>
-          </a:endParaRPr>
-        </a:p>
-      </dsp:txBody>
-      <dsp:txXfrm>
-        <a:off x="790040" y="2861651"/>
-        <a:ext cx="872731" cy="806207"/>
-      </dsp:txXfrm>
-    </dsp:sp>
-  </dsp:spTree>
-</dsp:drawing>
-</file>
-
 <file path=ppt/diagrams/layout1.xml><?xml version="1.0" encoding="utf-8"?>
 <dgm:layoutDef xmlns:dgm="http://schemas.openxmlformats.org/drawingml/2006/diagram" xmlns:a="http://schemas.openxmlformats.org/drawingml/2006/main" uniqueId="urn:microsoft.com/office/officeart/2005/8/layout/hierarchy3">
   <dgm:title val=""/>
@@ -6267,239 +4096,6 @@
 </dgm:layoutDef>
 </file>
 
-<file path=ppt/diagrams/layout3.xml><?xml version="1.0" encoding="utf-8"?>
-<dgm:layoutDef xmlns:dgm="http://schemas.openxmlformats.org/drawingml/2006/diagram" xmlns:a="http://schemas.openxmlformats.org/drawingml/2006/main" uniqueId="urn:microsoft.com/office/officeart/2005/8/layout/vList5">
-  <dgm:title val=""/>
-  <dgm:desc val=""/>
-  <dgm:catLst>
-    <dgm:cat type="list" pri="15000"/>
-    <dgm:cat type="convert" pri="2000"/>
-  </dgm:catLst>
-  <dgm:sampData>
-    <dgm:dataModel>
-      <dgm:ptLst>
-        <dgm:pt modelId="0" type="doc"/>
-        <dgm:pt modelId="1">
-          <dgm:prSet phldr="1"/>
-        </dgm:pt>
-        <dgm:pt modelId="11">
-          <dgm:prSet phldr="1"/>
-        </dgm:pt>
-        <dgm:pt modelId="12">
-          <dgm:prSet phldr="1"/>
-        </dgm:pt>
-        <dgm:pt modelId="2">
-          <dgm:prSet phldr="1"/>
-        </dgm:pt>
-        <dgm:pt modelId="21">
-          <dgm:prSet phldr="1"/>
-        </dgm:pt>
-        <dgm:pt modelId="22">
-          <dgm:prSet phldr="1"/>
-        </dgm:pt>
-        <dgm:pt modelId="3">
-          <dgm:prSet phldr="1"/>
-        </dgm:pt>
-        <dgm:pt modelId="31">
-          <dgm:prSet phldr="1"/>
-        </dgm:pt>
-        <dgm:pt modelId="32">
-          <dgm:prSet phldr="1"/>
-        </dgm:pt>
-      </dgm:ptLst>
-      <dgm:cxnLst>
-        <dgm:cxn modelId="4" srcId="0" destId="1" srcOrd="0" destOrd="0"/>
-        <dgm:cxn modelId="5" srcId="0" destId="2" srcOrd="1" destOrd="0"/>
-        <dgm:cxn modelId="6" srcId="0" destId="3" srcOrd="2" destOrd="0"/>
-        <dgm:cxn modelId="13" srcId="1" destId="11" srcOrd="0" destOrd="0"/>
-        <dgm:cxn modelId="14" srcId="1" destId="12" srcOrd="1" destOrd="0"/>
-        <dgm:cxn modelId="23" srcId="2" destId="21" srcOrd="0" destOrd="0"/>
-        <dgm:cxn modelId="24" srcId="2" destId="22" srcOrd="1" destOrd="0"/>
-        <dgm:cxn modelId="33" srcId="3" destId="31" srcOrd="0" destOrd="0"/>
-        <dgm:cxn modelId="34" srcId="3" destId="32" srcOrd="1" destOrd="0"/>
-      </dgm:cxnLst>
-      <dgm:bg/>
-      <dgm:whole/>
-    </dgm:dataModel>
-  </dgm:sampData>
-  <dgm:styleData>
-    <dgm:dataModel>
-      <dgm:ptLst>
-        <dgm:pt modelId="0" type="doc"/>
-        <dgm:pt modelId="1"/>
-        <dgm:pt modelId="11"/>
-        <dgm:pt modelId="2"/>
-        <dgm:pt modelId="21"/>
-      </dgm:ptLst>
-      <dgm:cxnLst>
-        <dgm:cxn modelId="4" srcId="0" destId="1" srcOrd="0" destOrd="0"/>
-        <dgm:cxn modelId="5" srcId="0" destId="2" srcOrd="1" destOrd="0"/>
-        <dgm:cxn modelId="13" srcId="1" destId="11" srcOrd="0" destOrd="0"/>
-        <dgm:cxn modelId="23" srcId="2" destId="21" srcOrd="0" destOrd="0"/>
-      </dgm:cxnLst>
-      <dgm:bg/>
-      <dgm:whole/>
-    </dgm:dataModel>
-  </dgm:styleData>
-  <dgm:clrData>
-    <dgm:dataModel>
-      <dgm:ptLst>
-        <dgm:pt modelId="0" type="doc"/>
-        <dgm:pt modelId="1"/>
-        <dgm:pt modelId="11"/>
-        <dgm:pt modelId="2"/>
-        <dgm:pt modelId="21"/>
-        <dgm:pt modelId="3"/>
-        <dgm:pt modelId="31"/>
-        <dgm:pt modelId="4"/>
-        <dgm:pt modelId="41"/>
-      </dgm:ptLst>
-      <dgm:cxnLst>
-        <dgm:cxn modelId="5" srcId="0" destId="1" srcOrd="0" destOrd="0"/>
-        <dgm:cxn modelId="6" srcId="0" destId="2" srcOrd="1" destOrd="0"/>
-        <dgm:cxn modelId="7" srcId="0" destId="3" srcOrd="2" destOrd="0"/>
-        <dgm:cxn modelId="8" srcId="0" destId="4" srcOrd="3" destOrd="0"/>
-        <dgm:cxn modelId="13" srcId="1" destId="11" srcOrd="0" destOrd="0"/>
-        <dgm:cxn modelId="23" srcId="2" destId="21" srcOrd="0" destOrd="0"/>
-        <dgm:cxn modelId="33" srcId="3" destId="31" srcOrd="0" destOrd="0"/>
-        <dgm:cxn modelId="43" srcId="4" destId="41" srcOrd="0" destOrd="0"/>
-      </dgm:cxnLst>
-      <dgm:bg/>
-      <dgm:whole/>
-    </dgm:dataModel>
-  </dgm:clrData>
-  <dgm:layoutNode name="Name0">
-    <dgm:varLst>
-      <dgm:dir/>
-      <dgm:animLvl val="lvl"/>
-      <dgm:resizeHandles val="exact"/>
-    </dgm:varLst>
-    <dgm:choose name="Name1">
-      <dgm:if name="Name2" func="var" arg="dir" op="equ" val="norm">
-        <dgm:alg type="lin">
-          <dgm:param type="linDir" val="fromT"/>
-          <dgm:param type="nodeHorzAlign" val="l"/>
-        </dgm:alg>
-      </dgm:if>
-      <dgm:else name="Name3">
-        <dgm:alg type="lin">
-          <dgm:param type="linDir" val="fromT"/>
-          <dgm:param type="nodeHorzAlign" val="r"/>
-        </dgm:alg>
-      </dgm:else>
-    </dgm:choose>
-    <dgm:shape xmlns:r="http://schemas.openxmlformats.org/officeDocument/2006/relationships" r:blip="">
-      <dgm:adjLst/>
-    </dgm:shape>
-    <dgm:presOf/>
-    <dgm:constrLst>
-      <dgm:constr type="h" for="ch" forName="linNode" refType="h"/>
-      <dgm:constr type="w" for="ch" forName="linNode" refType="w"/>
-      <dgm:constr type="h" for="ch" forName="sp" refType="h" fact="0.05"/>
-      <dgm:constr type="primFontSz" for="des" forName="parentText" op="equ" val="65"/>
-      <dgm:constr type="secFontSz" for="des" forName="descendantText" op="equ"/>
-    </dgm:constrLst>
-    <dgm:ruleLst/>
-    <dgm:forEach name="Name4" axis="ch" ptType="node">
-      <dgm:layoutNode name="linNode">
-        <dgm:choose name="Name5">
-          <dgm:if name="Name6" func="var" arg="dir" op="equ" val="norm">
-            <dgm:alg type="lin">
-              <dgm:param type="linDir" val="fromL"/>
-            </dgm:alg>
-          </dgm:if>
-          <dgm:else name="Name7">
-            <dgm:alg type="lin">
-              <dgm:param type="linDir" val="fromR"/>
-            </dgm:alg>
-          </dgm:else>
-        </dgm:choose>
-        <dgm:shape xmlns:r="http://schemas.openxmlformats.org/officeDocument/2006/relationships" r:blip="">
-          <dgm:adjLst/>
-        </dgm:shape>
-        <dgm:presOf/>
-        <dgm:constrLst>
-          <dgm:constr type="w" for="ch" forName="parentText" refType="w" fact="0.36"/>
-          <dgm:constr type="w" for="ch" forName="descendantText" refType="w" fact="0.64"/>
-          <dgm:constr type="h" for="ch" forName="parentText" refType="h"/>
-          <dgm:constr type="h" for="ch" forName="descendantText" refType="h" refFor="ch" refForName="parentText" fact="0.8"/>
-        </dgm:constrLst>
-        <dgm:ruleLst/>
-        <dgm:layoutNode name="parentText">
-          <dgm:varLst>
-            <dgm:chMax val="1"/>
-            <dgm:bulletEnabled val="1"/>
-          </dgm:varLst>
-          <dgm:alg type="tx"/>
-          <dgm:shape xmlns:r="http://schemas.openxmlformats.org/officeDocument/2006/relationships" type="roundRect" r:blip="" zOrderOff="3">
-            <dgm:adjLst/>
-          </dgm:shape>
-          <dgm:presOf axis="self" ptType="node"/>
-          <dgm:constrLst>
-            <dgm:constr type="tMarg" refType="primFontSz" fact="0.15"/>
-            <dgm:constr type="bMarg" refType="primFontSz" fact="0.15"/>
-            <dgm:constr type="lMarg" refType="primFontSz" fact="0.3"/>
-            <dgm:constr type="rMarg" refType="primFontSz" fact="0.3"/>
-          </dgm:constrLst>
-          <dgm:ruleLst>
-            <dgm:rule type="primFontSz" val="5" fact="NaN" max="NaN"/>
-          </dgm:ruleLst>
-        </dgm:layoutNode>
-        <dgm:choose name="Name8">
-          <dgm:if name="Name9" axis="ch" ptType="node" func="cnt" op="gte" val="1">
-            <dgm:layoutNode name="descendantText" styleLbl="alignAccFollowNode1">
-              <dgm:varLst>
-                <dgm:bulletEnabled val="1"/>
-              </dgm:varLst>
-              <dgm:alg type="tx">
-                <dgm:param type="stBulletLvl" val="1"/>
-                <dgm:param type="txAnchorVertCh" val="mid"/>
-              </dgm:alg>
-              <dgm:choose name="Name10">
-                <dgm:if name="Name11" func="var" arg="dir" op="equ" val="norm">
-                  <dgm:shape xmlns:r="http://schemas.openxmlformats.org/officeDocument/2006/relationships" rot="90" type="round2SameRect" r:blip="">
-                    <dgm:adjLst/>
-                  </dgm:shape>
-                </dgm:if>
-                <dgm:else name="Name12">
-                  <dgm:shape xmlns:r="http://schemas.openxmlformats.org/officeDocument/2006/relationships" rot="-90" type="round2SameRect" r:blip="">
-                    <dgm:adjLst/>
-                  </dgm:shape>
-                </dgm:else>
-              </dgm:choose>
-              <dgm:presOf axis="des" ptType="node"/>
-              <dgm:constrLst>
-                <dgm:constr type="secFontSz" val="65"/>
-                <dgm:constr type="primFontSz" refType="secFontSz"/>
-                <dgm:constr type="lMarg" refType="secFontSz" fact="0.3"/>
-                <dgm:constr type="rMarg" refType="secFontSz" fact="0.3"/>
-                <dgm:constr type="tMarg" refType="secFontSz" fact="0.15"/>
-                <dgm:constr type="bMarg" refType="secFontSz" fact="0.15"/>
-              </dgm:constrLst>
-              <dgm:ruleLst>
-                <dgm:rule type="secFontSz" val="5" fact="NaN" max="NaN"/>
-              </dgm:ruleLst>
-            </dgm:layoutNode>
-          </dgm:if>
-          <dgm:else name="Name13"/>
-        </dgm:choose>
-      </dgm:layoutNode>
-      <dgm:forEach name="Name14" axis="followSib" ptType="sibTrans" cnt="1">
-        <dgm:layoutNode name="sp">
-          <dgm:alg type="sp"/>
-          <dgm:shape xmlns:r="http://schemas.openxmlformats.org/officeDocument/2006/relationships" r:blip="">
-            <dgm:adjLst/>
-          </dgm:shape>
-          <dgm:presOf/>
-          <dgm:constrLst/>
-          <dgm:ruleLst/>
-        </dgm:layoutNode>
-      </dgm:forEach>
-    </dgm:forEach>
-  </dgm:layoutNode>
-</dgm:layoutDef>
-</file>
-
 <file path=ppt/diagrams/quickStyle1.xml><?xml version="1.0" encoding="utf-8"?>
 <dgm:styleDef xmlns:dgm="http://schemas.openxmlformats.org/drawingml/2006/diagram" xmlns:a="http://schemas.openxmlformats.org/drawingml/2006/main" uniqueId="urn:microsoft.com/office/officeart/2005/8/quickstyle/simple1">
   <dgm:title val=""/>
@@ -7535,1040 +5131,6 @@
 </file>
 
 <file path=ppt/diagrams/quickStyle2.xml><?xml version="1.0" encoding="utf-8"?>
-<dgm:styleDef xmlns:dgm="http://schemas.openxmlformats.org/drawingml/2006/diagram" xmlns:a="http://schemas.openxmlformats.org/drawingml/2006/main" uniqueId="urn:microsoft.com/office/officeart/2005/8/quickstyle/simple1">
-  <dgm:title val=""/>
-  <dgm:desc val=""/>
-  <dgm:catLst>
-    <dgm:cat type="simple" pri="10100"/>
-  </dgm:catLst>
-  <dgm:scene3d>
-    <a:camera prst="orthographicFront"/>
-    <a:lightRig rig="threePt" dir="t"/>
-  </dgm:scene3d>
-  <dgm:styleLbl name="node0">
-    <dgm:scene3d>
-      <a:camera prst="orthographicFront"/>
-      <a:lightRig rig="threePt" dir="t"/>
-    </dgm:scene3d>
-    <dgm:sp3d/>
-    <dgm:txPr/>
-    <dgm:style>
-      <a:lnRef idx="2">
-        <a:scrgbClr r="0" g="0" b="0"/>
-      </a:lnRef>
-      <a:fillRef idx="1">
-        <a:scrgbClr r="0" g="0" b="0"/>
-      </a:fillRef>
-      <a:effectRef idx="0">
-        <a:scrgbClr r="0" g="0" b="0"/>
-      </a:effectRef>
-      <a:fontRef idx="minor">
-        <a:schemeClr val="lt1"/>
-      </a:fontRef>
-    </dgm:style>
-  </dgm:styleLbl>
-  <dgm:styleLbl name="lnNode1">
-    <dgm:scene3d>
-      <a:camera prst="orthographicFront"/>
-      <a:lightRig rig="threePt" dir="t"/>
-    </dgm:scene3d>
-    <dgm:sp3d/>
-    <dgm:txPr/>
-    <dgm:style>
-      <a:lnRef idx="2">
-        <a:scrgbClr r="0" g="0" b="0"/>
-      </a:lnRef>
-      <a:fillRef idx="1">
-        <a:scrgbClr r="0" g="0" b="0"/>
-      </a:fillRef>
-      <a:effectRef idx="0">
-        <a:scrgbClr r="0" g="0" b="0"/>
-      </a:effectRef>
-      <a:fontRef idx="minor">
-        <a:schemeClr val="lt1"/>
-      </a:fontRef>
-    </dgm:style>
-  </dgm:styleLbl>
-  <dgm:styleLbl name="vennNode1">
-    <dgm:scene3d>
-      <a:camera prst="orthographicFront"/>
-      <a:lightRig rig="threePt" dir="t"/>
-    </dgm:scene3d>
-    <dgm:sp3d/>
-    <dgm:txPr/>
-    <dgm:style>
-      <a:lnRef idx="2">
-        <a:scrgbClr r="0" g="0" b="0"/>
-      </a:lnRef>
-      <a:fillRef idx="1">
-        <a:scrgbClr r="0" g="0" b="0"/>
-      </a:fillRef>
-      <a:effectRef idx="0">
-        <a:scrgbClr r="0" g="0" b="0"/>
-      </a:effectRef>
-      <a:fontRef idx="minor">
-        <a:schemeClr val="tx1"/>
-      </a:fontRef>
-    </dgm:style>
-  </dgm:styleLbl>
-  <dgm:styleLbl name="alignNode1">
-    <dgm:scene3d>
-      <a:camera prst="orthographicFront"/>
-      <a:lightRig rig="threePt" dir="t"/>
-    </dgm:scene3d>
-    <dgm:sp3d/>
-    <dgm:txPr/>
-    <dgm:style>
-      <a:lnRef idx="2">
-        <a:scrgbClr r="0" g="0" b="0"/>
-      </a:lnRef>
-      <a:fillRef idx="1">
-        <a:scrgbClr r="0" g="0" b="0"/>
-      </a:fillRef>
-      <a:effectRef idx="0">
-        <a:scrgbClr r="0" g="0" b="0"/>
-      </a:effectRef>
-      <a:fontRef idx="minor">
-        <a:schemeClr val="lt1"/>
-      </a:fontRef>
-    </dgm:style>
-  </dgm:styleLbl>
-  <dgm:styleLbl name="node1">
-    <dgm:scene3d>
-      <a:camera prst="orthographicFront"/>
-      <a:lightRig rig="threePt" dir="t"/>
-    </dgm:scene3d>
-    <dgm:sp3d/>
-    <dgm:txPr/>
-    <dgm:style>
-      <a:lnRef idx="2">
-        <a:scrgbClr r="0" g="0" b="0"/>
-      </a:lnRef>
-      <a:fillRef idx="1">
-        <a:scrgbClr r="0" g="0" b="0"/>
-      </a:fillRef>
-      <a:effectRef idx="0">
-        <a:scrgbClr r="0" g="0" b="0"/>
-      </a:effectRef>
-      <a:fontRef idx="minor">
-        <a:schemeClr val="lt1"/>
-      </a:fontRef>
-    </dgm:style>
-  </dgm:styleLbl>
-  <dgm:styleLbl name="node2">
-    <dgm:scene3d>
-      <a:camera prst="orthographicFront"/>
-      <a:lightRig rig="threePt" dir="t"/>
-    </dgm:scene3d>
-    <dgm:sp3d/>
-    <dgm:txPr/>
-    <dgm:style>
-      <a:lnRef idx="2">
-        <a:scrgbClr r="0" g="0" b="0"/>
-      </a:lnRef>
-      <a:fillRef idx="1">
-        <a:scrgbClr r="0" g="0" b="0"/>
-      </a:fillRef>
-      <a:effectRef idx="0">
-        <a:scrgbClr r="0" g="0" b="0"/>
-      </a:effectRef>
-      <a:fontRef idx="minor">
-        <a:schemeClr val="lt1"/>
-      </a:fontRef>
-    </dgm:style>
-  </dgm:styleLbl>
-  <dgm:styleLbl name="node3">
-    <dgm:scene3d>
-      <a:camera prst="orthographicFront"/>
-      <a:lightRig rig="threePt" dir="t"/>
-    </dgm:scene3d>
-    <dgm:sp3d/>
-    <dgm:txPr/>
-    <dgm:style>
-      <a:lnRef idx="2">
-        <a:scrgbClr r="0" g="0" b="0"/>
-      </a:lnRef>
-      <a:fillRef idx="1">
-        <a:scrgbClr r="0" g="0" b="0"/>
-      </a:fillRef>
-      <a:effectRef idx="0">
-        <a:scrgbClr r="0" g="0" b="0"/>
-      </a:effectRef>
-      <a:fontRef idx="minor">
-        <a:schemeClr val="lt1"/>
-      </a:fontRef>
-    </dgm:style>
-  </dgm:styleLbl>
-  <dgm:styleLbl name="node4">
-    <dgm:scene3d>
-      <a:camera prst="orthographicFront"/>
-      <a:lightRig rig="threePt" dir="t"/>
-    </dgm:scene3d>
-    <dgm:sp3d/>
-    <dgm:txPr/>
-    <dgm:style>
-      <a:lnRef idx="2">
-        <a:scrgbClr r="0" g="0" b="0"/>
-      </a:lnRef>
-      <a:fillRef idx="1">
-        <a:scrgbClr r="0" g="0" b="0"/>
-      </a:fillRef>
-      <a:effectRef idx="0">
-        <a:scrgbClr r="0" g="0" b="0"/>
-      </a:effectRef>
-      <a:fontRef idx="minor">
-        <a:schemeClr val="lt1"/>
-      </a:fontRef>
-    </dgm:style>
-  </dgm:styleLbl>
-  <dgm:styleLbl name="fgImgPlace1">
-    <dgm:scene3d>
-      <a:camera prst="orthographicFront"/>
-      <a:lightRig rig="threePt" dir="t"/>
-    </dgm:scene3d>
-    <dgm:sp3d/>
-    <dgm:txPr/>
-    <dgm:style>
-      <a:lnRef idx="2">
-        <a:scrgbClr r="0" g="0" b="0"/>
-      </a:lnRef>
-      <a:fillRef idx="1">
-        <a:scrgbClr r="0" g="0" b="0"/>
-      </a:fillRef>
-      <a:effectRef idx="0">
-        <a:scrgbClr r="0" g="0" b="0"/>
-      </a:effectRef>
-      <a:fontRef idx="minor"/>
-    </dgm:style>
-  </dgm:styleLbl>
-  <dgm:styleLbl name="alignImgPlace1">
-    <dgm:scene3d>
-      <a:camera prst="orthographicFront"/>
-      <a:lightRig rig="threePt" dir="t"/>
-    </dgm:scene3d>
-    <dgm:sp3d/>
-    <dgm:txPr/>
-    <dgm:style>
-      <a:lnRef idx="2">
-        <a:scrgbClr r="0" g="0" b="0"/>
-      </a:lnRef>
-      <a:fillRef idx="1">
-        <a:scrgbClr r="0" g="0" b="0"/>
-      </a:fillRef>
-      <a:effectRef idx="0">
-        <a:scrgbClr r="0" g="0" b="0"/>
-      </a:effectRef>
-      <a:fontRef idx="minor"/>
-    </dgm:style>
-  </dgm:styleLbl>
-  <dgm:styleLbl name="bgImgPlace1">
-    <dgm:scene3d>
-      <a:camera prst="orthographicFront"/>
-      <a:lightRig rig="threePt" dir="t"/>
-    </dgm:scene3d>
-    <dgm:sp3d/>
-    <dgm:txPr/>
-    <dgm:style>
-      <a:lnRef idx="2">
-        <a:scrgbClr r="0" g="0" b="0"/>
-      </a:lnRef>
-      <a:fillRef idx="1">
-        <a:scrgbClr r="0" g="0" b="0"/>
-      </a:fillRef>
-      <a:effectRef idx="0">
-        <a:scrgbClr r="0" g="0" b="0"/>
-      </a:effectRef>
-      <a:fontRef idx="minor"/>
-    </dgm:style>
-  </dgm:styleLbl>
-  <dgm:styleLbl name="sibTrans2D1">
-    <dgm:scene3d>
-      <a:camera prst="orthographicFront"/>
-      <a:lightRig rig="threePt" dir="t"/>
-    </dgm:scene3d>
-    <dgm:sp3d/>
-    <dgm:txPr/>
-    <dgm:style>
-      <a:lnRef idx="0">
-        <a:scrgbClr r="0" g="0" b="0"/>
-      </a:lnRef>
-      <a:fillRef idx="1">
-        <a:scrgbClr r="0" g="0" b="0"/>
-      </a:fillRef>
-      <a:effectRef idx="0">
-        <a:scrgbClr r="0" g="0" b="0"/>
-      </a:effectRef>
-      <a:fontRef idx="minor">
-        <a:schemeClr val="lt1"/>
-      </a:fontRef>
-    </dgm:style>
-  </dgm:styleLbl>
-  <dgm:styleLbl name="fgSibTrans2D1">
-    <dgm:scene3d>
-      <a:camera prst="orthographicFront"/>
-      <a:lightRig rig="threePt" dir="t"/>
-    </dgm:scene3d>
-    <dgm:sp3d/>
-    <dgm:txPr/>
-    <dgm:style>
-      <a:lnRef idx="0">
-        <a:scrgbClr r="0" g="0" b="0"/>
-      </a:lnRef>
-      <a:fillRef idx="1">
-        <a:scrgbClr r="0" g="0" b="0"/>
-      </a:fillRef>
-      <a:effectRef idx="0">
-        <a:scrgbClr r="0" g="0" b="0"/>
-      </a:effectRef>
-      <a:fontRef idx="minor">
-        <a:schemeClr val="lt1"/>
-      </a:fontRef>
-    </dgm:style>
-  </dgm:styleLbl>
-  <dgm:styleLbl name="bgSibTrans2D1">
-    <dgm:scene3d>
-      <a:camera prst="orthographicFront"/>
-      <a:lightRig rig="threePt" dir="t"/>
-    </dgm:scene3d>
-    <dgm:sp3d/>
-    <dgm:txPr/>
-    <dgm:style>
-      <a:lnRef idx="0">
-        <a:scrgbClr r="0" g="0" b="0"/>
-      </a:lnRef>
-      <a:fillRef idx="1">
-        <a:scrgbClr r="0" g="0" b="0"/>
-      </a:fillRef>
-      <a:effectRef idx="0">
-        <a:scrgbClr r="0" g="0" b="0"/>
-      </a:effectRef>
-      <a:fontRef idx="minor">
-        <a:schemeClr val="lt1"/>
-      </a:fontRef>
-    </dgm:style>
-  </dgm:styleLbl>
-  <dgm:styleLbl name="sibTrans1D1">
-    <dgm:scene3d>
-      <a:camera prst="orthographicFront"/>
-      <a:lightRig rig="threePt" dir="t"/>
-    </dgm:scene3d>
-    <dgm:sp3d/>
-    <dgm:txPr/>
-    <dgm:style>
-      <a:lnRef idx="1">
-        <a:scrgbClr r="0" g="0" b="0"/>
-      </a:lnRef>
-      <a:fillRef idx="0">
-        <a:scrgbClr r="0" g="0" b="0"/>
-      </a:fillRef>
-      <a:effectRef idx="0">
-        <a:scrgbClr r="0" g="0" b="0"/>
-      </a:effectRef>
-      <a:fontRef idx="minor"/>
-    </dgm:style>
-  </dgm:styleLbl>
-  <dgm:styleLbl name="callout">
-    <dgm:scene3d>
-      <a:camera prst="orthographicFront"/>
-      <a:lightRig rig="threePt" dir="t"/>
-    </dgm:scene3d>
-    <dgm:sp3d/>
-    <dgm:txPr/>
-    <dgm:style>
-      <a:lnRef idx="2">
-        <a:scrgbClr r="0" g="0" b="0"/>
-      </a:lnRef>
-      <a:fillRef idx="1">
-        <a:scrgbClr r="0" g="0" b="0"/>
-      </a:fillRef>
-      <a:effectRef idx="0">
-        <a:scrgbClr r="0" g="0" b="0"/>
-      </a:effectRef>
-      <a:fontRef idx="minor"/>
-    </dgm:style>
-  </dgm:styleLbl>
-  <dgm:styleLbl name="asst0">
-    <dgm:scene3d>
-      <a:camera prst="orthographicFront"/>
-      <a:lightRig rig="threePt" dir="t"/>
-    </dgm:scene3d>
-    <dgm:sp3d/>
-    <dgm:txPr/>
-    <dgm:style>
-      <a:lnRef idx="2">
-        <a:scrgbClr r="0" g="0" b="0"/>
-      </a:lnRef>
-      <a:fillRef idx="1">
-        <a:scrgbClr r="0" g="0" b="0"/>
-      </a:fillRef>
-      <a:effectRef idx="0">
-        <a:scrgbClr r="0" g="0" b="0"/>
-      </a:effectRef>
-      <a:fontRef idx="minor">
-        <a:schemeClr val="lt1"/>
-      </a:fontRef>
-    </dgm:style>
-  </dgm:styleLbl>
-  <dgm:styleLbl name="asst1">
-    <dgm:scene3d>
-      <a:camera prst="orthographicFront"/>
-      <a:lightRig rig="threePt" dir="t"/>
-    </dgm:scene3d>
-    <dgm:sp3d/>
-    <dgm:txPr/>
-    <dgm:style>
-      <a:lnRef idx="2">
-        <a:scrgbClr r="0" g="0" b="0"/>
-      </a:lnRef>
-      <a:fillRef idx="1">
-        <a:scrgbClr r="0" g="0" b="0"/>
-      </a:fillRef>
-      <a:effectRef idx="0">
-        <a:scrgbClr r="0" g="0" b="0"/>
-      </a:effectRef>
-      <a:fontRef idx="minor">
-        <a:schemeClr val="lt1"/>
-      </a:fontRef>
-    </dgm:style>
-  </dgm:styleLbl>
-  <dgm:styleLbl name="asst2">
-    <dgm:scene3d>
-      <a:camera prst="orthographicFront"/>
-      <a:lightRig rig="threePt" dir="t"/>
-    </dgm:scene3d>
-    <dgm:sp3d/>
-    <dgm:txPr/>
-    <dgm:style>
-      <a:lnRef idx="2">
-        <a:scrgbClr r="0" g="0" b="0"/>
-      </a:lnRef>
-      <a:fillRef idx="1">
-        <a:scrgbClr r="0" g="0" b="0"/>
-      </a:fillRef>
-      <a:effectRef idx="0">
-        <a:scrgbClr r="0" g="0" b="0"/>
-      </a:effectRef>
-      <a:fontRef idx="minor">
-        <a:schemeClr val="lt1"/>
-      </a:fontRef>
-    </dgm:style>
-  </dgm:styleLbl>
-  <dgm:styleLbl name="asst3">
-    <dgm:scene3d>
-      <a:camera prst="orthographicFront"/>
-      <a:lightRig rig="threePt" dir="t"/>
-    </dgm:scene3d>
-    <dgm:sp3d/>
-    <dgm:txPr/>
-    <dgm:style>
-      <a:lnRef idx="2">
-        <a:scrgbClr r="0" g="0" b="0"/>
-      </a:lnRef>
-      <a:fillRef idx="1">
-        <a:scrgbClr r="0" g="0" b="0"/>
-      </a:fillRef>
-      <a:effectRef idx="0">
-        <a:scrgbClr r="0" g="0" b="0"/>
-      </a:effectRef>
-      <a:fontRef idx="minor">
-        <a:schemeClr val="lt1"/>
-      </a:fontRef>
-    </dgm:style>
-  </dgm:styleLbl>
-  <dgm:styleLbl name="asst4">
-    <dgm:scene3d>
-      <a:camera prst="orthographicFront"/>
-      <a:lightRig rig="threePt" dir="t"/>
-    </dgm:scene3d>
-    <dgm:sp3d/>
-    <dgm:txPr/>
-    <dgm:style>
-      <a:lnRef idx="2">
-        <a:scrgbClr r="0" g="0" b="0"/>
-      </a:lnRef>
-      <a:fillRef idx="1">
-        <a:scrgbClr r="0" g="0" b="0"/>
-      </a:fillRef>
-      <a:effectRef idx="0">
-        <a:scrgbClr r="0" g="0" b="0"/>
-      </a:effectRef>
-      <a:fontRef idx="minor">
-        <a:schemeClr val="lt1"/>
-      </a:fontRef>
-    </dgm:style>
-  </dgm:styleLbl>
-  <dgm:styleLbl name="parChTrans2D1">
-    <dgm:scene3d>
-      <a:camera prst="orthographicFront"/>
-      <a:lightRig rig="threePt" dir="t"/>
-    </dgm:scene3d>
-    <dgm:sp3d/>
-    <dgm:txPr/>
-    <dgm:style>
-      <a:lnRef idx="2">
-        <a:scrgbClr r="0" g="0" b="0"/>
-      </a:lnRef>
-      <a:fillRef idx="1">
-        <a:scrgbClr r="0" g="0" b="0"/>
-      </a:fillRef>
-      <a:effectRef idx="0">
-        <a:scrgbClr r="0" g="0" b="0"/>
-      </a:effectRef>
-      <a:fontRef idx="minor">
-        <a:schemeClr val="lt1"/>
-      </a:fontRef>
-    </dgm:style>
-  </dgm:styleLbl>
-  <dgm:styleLbl name="parChTrans2D2">
-    <dgm:scene3d>
-      <a:camera prst="orthographicFront"/>
-      <a:lightRig rig="threePt" dir="t"/>
-    </dgm:scene3d>
-    <dgm:sp3d/>
-    <dgm:txPr/>
-    <dgm:style>
-      <a:lnRef idx="2">
-        <a:scrgbClr r="0" g="0" b="0"/>
-      </a:lnRef>
-      <a:fillRef idx="1">
-        <a:scrgbClr r="0" g="0" b="0"/>
-      </a:fillRef>
-      <a:effectRef idx="0">
-        <a:scrgbClr r="0" g="0" b="0"/>
-      </a:effectRef>
-      <a:fontRef idx="minor">
-        <a:schemeClr val="lt1"/>
-      </a:fontRef>
-    </dgm:style>
-  </dgm:styleLbl>
-  <dgm:styleLbl name="parChTrans2D3">
-    <dgm:scene3d>
-      <a:camera prst="orthographicFront"/>
-      <a:lightRig rig="threePt" dir="t"/>
-    </dgm:scene3d>
-    <dgm:sp3d/>
-    <dgm:txPr/>
-    <dgm:style>
-      <a:lnRef idx="2">
-        <a:scrgbClr r="0" g="0" b="0"/>
-      </a:lnRef>
-      <a:fillRef idx="1">
-        <a:scrgbClr r="0" g="0" b="0"/>
-      </a:fillRef>
-      <a:effectRef idx="0">
-        <a:scrgbClr r="0" g="0" b="0"/>
-      </a:effectRef>
-      <a:fontRef idx="minor">
-        <a:schemeClr val="lt1"/>
-      </a:fontRef>
-    </dgm:style>
-  </dgm:styleLbl>
-  <dgm:styleLbl name="parChTrans2D4">
-    <dgm:scene3d>
-      <a:camera prst="orthographicFront"/>
-      <a:lightRig rig="threePt" dir="t"/>
-    </dgm:scene3d>
-    <dgm:sp3d/>
-    <dgm:txPr/>
-    <dgm:style>
-      <a:lnRef idx="2">
-        <a:scrgbClr r="0" g="0" b="0"/>
-      </a:lnRef>
-      <a:fillRef idx="1">
-        <a:scrgbClr r="0" g="0" b="0"/>
-      </a:fillRef>
-      <a:effectRef idx="0">
-        <a:scrgbClr r="0" g="0" b="0"/>
-      </a:effectRef>
-      <a:fontRef idx="minor">
-        <a:schemeClr val="lt1"/>
-      </a:fontRef>
-    </dgm:style>
-  </dgm:styleLbl>
-  <dgm:styleLbl name="parChTrans1D1">
-    <dgm:scene3d>
-      <a:camera prst="orthographicFront"/>
-      <a:lightRig rig="threePt" dir="t"/>
-    </dgm:scene3d>
-    <dgm:sp3d/>
-    <dgm:txPr/>
-    <dgm:style>
-      <a:lnRef idx="2">
-        <a:scrgbClr r="0" g="0" b="0"/>
-      </a:lnRef>
-      <a:fillRef idx="0">
-        <a:scrgbClr r="0" g="0" b="0"/>
-      </a:fillRef>
-      <a:effectRef idx="0">
-        <a:scrgbClr r="0" g="0" b="0"/>
-      </a:effectRef>
-      <a:fontRef idx="minor"/>
-    </dgm:style>
-  </dgm:styleLbl>
-  <dgm:styleLbl name="parChTrans1D2">
-    <dgm:scene3d>
-      <a:camera prst="orthographicFront"/>
-      <a:lightRig rig="threePt" dir="t"/>
-    </dgm:scene3d>
-    <dgm:sp3d/>
-    <dgm:txPr/>
-    <dgm:style>
-      <a:lnRef idx="2">
-        <a:scrgbClr r="0" g="0" b="0"/>
-      </a:lnRef>
-      <a:fillRef idx="0">
-        <a:scrgbClr r="0" g="0" b="0"/>
-      </a:fillRef>
-      <a:effectRef idx="0">
-        <a:scrgbClr r="0" g="0" b="0"/>
-      </a:effectRef>
-      <a:fontRef idx="minor"/>
-    </dgm:style>
-  </dgm:styleLbl>
-  <dgm:styleLbl name="parChTrans1D3">
-    <dgm:scene3d>
-      <a:camera prst="orthographicFront"/>
-      <a:lightRig rig="threePt" dir="t"/>
-    </dgm:scene3d>
-    <dgm:sp3d/>
-    <dgm:txPr/>
-    <dgm:style>
-      <a:lnRef idx="2">
-        <a:scrgbClr r="0" g="0" b="0"/>
-      </a:lnRef>
-      <a:fillRef idx="0">
-        <a:scrgbClr r="0" g="0" b="0"/>
-      </a:fillRef>
-      <a:effectRef idx="0">
-        <a:scrgbClr r="0" g="0" b="0"/>
-      </a:effectRef>
-      <a:fontRef idx="minor"/>
-    </dgm:style>
-  </dgm:styleLbl>
-  <dgm:styleLbl name="parChTrans1D4">
-    <dgm:scene3d>
-      <a:camera prst="orthographicFront"/>
-      <a:lightRig rig="threePt" dir="t"/>
-    </dgm:scene3d>
-    <dgm:sp3d/>
-    <dgm:txPr/>
-    <dgm:style>
-      <a:lnRef idx="2">
-        <a:scrgbClr r="0" g="0" b="0"/>
-      </a:lnRef>
-      <a:fillRef idx="0">
-        <a:scrgbClr r="0" g="0" b="0"/>
-      </a:fillRef>
-      <a:effectRef idx="0">
-        <a:scrgbClr r="0" g="0" b="0"/>
-      </a:effectRef>
-      <a:fontRef idx="minor"/>
-    </dgm:style>
-  </dgm:styleLbl>
-  <dgm:styleLbl name="fgAcc1">
-    <dgm:scene3d>
-      <a:camera prst="orthographicFront"/>
-      <a:lightRig rig="threePt" dir="t"/>
-    </dgm:scene3d>
-    <dgm:sp3d/>
-    <dgm:txPr/>
-    <dgm:style>
-      <a:lnRef idx="2">
-        <a:scrgbClr r="0" g="0" b="0"/>
-      </a:lnRef>
-      <a:fillRef idx="1">
-        <a:scrgbClr r="0" g="0" b="0"/>
-      </a:fillRef>
-      <a:effectRef idx="0">
-        <a:scrgbClr r="0" g="0" b="0"/>
-      </a:effectRef>
-      <a:fontRef idx="minor"/>
-    </dgm:style>
-  </dgm:styleLbl>
-  <dgm:styleLbl name="conFgAcc1">
-    <dgm:scene3d>
-      <a:camera prst="orthographicFront"/>
-      <a:lightRig rig="threePt" dir="t"/>
-    </dgm:scene3d>
-    <dgm:sp3d/>
-    <dgm:txPr/>
-    <dgm:style>
-      <a:lnRef idx="2">
-        <a:scrgbClr r="0" g="0" b="0"/>
-      </a:lnRef>
-      <a:fillRef idx="1">
-        <a:scrgbClr r="0" g="0" b="0"/>
-      </a:fillRef>
-      <a:effectRef idx="0">
-        <a:scrgbClr r="0" g="0" b="0"/>
-      </a:effectRef>
-      <a:fontRef idx="minor"/>
-    </dgm:style>
-  </dgm:styleLbl>
-  <dgm:styleLbl name="alignAcc1">
-    <dgm:scene3d>
-      <a:camera prst="orthographicFront"/>
-      <a:lightRig rig="threePt" dir="t"/>
-    </dgm:scene3d>
-    <dgm:sp3d/>
-    <dgm:txPr/>
-    <dgm:style>
-      <a:lnRef idx="2">
-        <a:scrgbClr r="0" g="0" b="0"/>
-      </a:lnRef>
-      <a:fillRef idx="1">
-        <a:scrgbClr r="0" g="0" b="0"/>
-      </a:fillRef>
-      <a:effectRef idx="0">
-        <a:scrgbClr r="0" g="0" b="0"/>
-      </a:effectRef>
-      <a:fontRef idx="minor"/>
-    </dgm:style>
-  </dgm:styleLbl>
-  <dgm:styleLbl name="trAlignAcc1">
-    <dgm:scene3d>
-      <a:camera prst="orthographicFront"/>
-      <a:lightRig rig="threePt" dir="t"/>
-    </dgm:scene3d>
-    <dgm:sp3d/>
-    <dgm:txPr/>
-    <dgm:style>
-      <a:lnRef idx="1">
-        <a:scrgbClr r="0" g="0" b="0"/>
-      </a:lnRef>
-      <a:fillRef idx="1">
-        <a:scrgbClr r="0" g="0" b="0"/>
-      </a:fillRef>
-      <a:effectRef idx="0">
-        <a:scrgbClr r="0" g="0" b="0"/>
-      </a:effectRef>
-      <a:fontRef idx="minor"/>
-    </dgm:style>
-  </dgm:styleLbl>
-  <dgm:styleLbl name="bgAcc1">
-    <dgm:scene3d>
-      <a:camera prst="orthographicFront"/>
-      <a:lightRig rig="threePt" dir="t"/>
-    </dgm:scene3d>
-    <dgm:sp3d/>
-    <dgm:txPr/>
-    <dgm:style>
-      <a:lnRef idx="2">
-        <a:scrgbClr r="0" g="0" b="0"/>
-      </a:lnRef>
-      <a:fillRef idx="1">
-        <a:scrgbClr r="0" g="0" b="0"/>
-      </a:fillRef>
-      <a:effectRef idx="0">
-        <a:scrgbClr r="0" g="0" b="0"/>
-      </a:effectRef>
-      <a:fontRef idx="minor"/>
-    </dgm:style>
-  </dgm:styleLbl>
-  <dgm:styleLbl name="solidFgAcc1">
-    <dgm:scene3d>
-      <a:camera prst="orthographicFront"/>
-      <a:lightRig rig="threePt" dir="t"/>
-    </dgm:scene3d>
-    <dgm:sp3d/>
-    <dgm:txPr/>
-    <dgm:style>
-      <a:lnRef idx="2">
-        <a:scrgbClr r="0" g="0" b="0"/>
-      </a:lnRef>
-      <a:fillRef idx="1">
-        <a:scrgbClr r="0" g="0" b="0"/>
-      </a:fillRef>
-      <a:effectRef idx="0">
-        <a:scrgbClr r="0" g="0" b="0"/>
-      </a:effectRef>
-      <a:fontRef idx="minor"/>
-    </dgm:style>
-  </dgm:styleLbl>
-  <dgm:styleLbl name="solidAlignAcc1">
-    <dgm:scene3d>
-      <a:camera prst="orthographicFront"/>
-      <a:lightRig rig="threePt" dir="t"/>
-    </dgm:scene3d>
-    <dgm:sp3d/>
-    <dgm:txPr/>
-    <dgm:style>
-      <a:lnRef idx="2">
-        <a:scrgbClr r="0" g="0" b="0"/>
-      </a:lnRef>
-      <a:fillRef idx="1">
-        <a:scrgbClr r="0" g="0" b="0"/>
-      </a:fillRef>
-      <a:effectRef idx="0">
-        <a:scrgbClr r="0" g="0" b="0"/>
-      </a:effectRef>
-      <a:fontRef idx="minor"/>
-    </dgm:style>
-  </dgm:styleLbl>
-  <dgm:styleLbl name="solidBgAcc1">
-    <dgm:scene3d>
-      <a:camera prst="orthographicFront"/>
-      <a:lightRig rig="threePt" dir="t"/>
-    </dgm:scene3d>
-    <dgm:sp3d/>
-    <dgm:txPr/>
-    <dgm:style>
-      <a:lnRef idx="2">
-        <a:scrgbClr r="0" g="0" b="0"/>
-      </a:lnRef>
-      <a:fillRef idx="1">
-        <a:scrgbClr r="0" g="0" b="0"/>
-      </a:fillRef>
-      <a:effectRef idx="0">
-        <a:scrgbClr r="0" g="0" b="0"/>
-      </a:effectRef>
-      <a:fontRef idx="minor"/>
-    </dgm:style>
-  </dgm:styleLbl>
-  <dgm:styleLbl name="fgAccFollowNode1">
-    <dgm:scene3d>
-      <a:camera prst="orthographicFront"/>
-      <a:lightRig rig="threePt" dir="t"/>
-    </dgm:scene3d>
-    <dgm:sp3d/>
-    <dgm:txPr/>
-    <dgm:style>
-      <a:lnRef idx="2">
-        <a:scrgbClr r="0" g="0" b="0"/>
-      </a:lnRef>
-      <a:fillRef idx="1">
-        <a:scrgbClr r="0" g="0" b="0"/>
-      </a:fillRef>
-      <a:effectRef idx="0">
-        <a:scrgbClr r="0" g="0" b="0"/>
-      </a:effectRef>
-      <a:fontRef idx="minor"/>
-    </dgm:style>
-  </dgm:styleLbl>
-  <dgm:styleLbl name="alignAccFollowNode1">
-    <dgm:scene3d>
-      <a:camera prst="orthographicFront"/>
-      <a:lightRig rig="threePt" dir="t"/>
-    </dgm:scene3d>
-    <dgm:sp3d/>
-    <dgm:txPr/>
-    <dgm:style>
-      <a:lnRef idx="2">
-        <a:scrgbClr r="0" g="0" b="0"/>
-      </a:lnRef>
-      <a:fillRef idx="1">
-        <a:scrgbClr r="0" g="0" b="0"/>
-      </a:fillRef>
-      <a:effectRef idx="0">
-        <a:scrgbClr r="0" g="0" b="0"/>
-      </a:effectRef>
-      <a:fontRef idx="minor"/>
-    </dgm:style>
-  </dgm:styleLbl>
-  <dgm:styleLbl name="bgAccFollowNode1">
-    <dgm:scene3d>
-      <a:camera prst="orthographicFront"/>
-      <a:lightRig rig="threePt" dir="t"/>
-    </dgm:scene3d>
-    <dgm:sp3d/>
-    <dgm:txPr/>
-    <dgm:style>
-      <a:lnRef idx="2">
-        <a:scrgbClr r="0" g="0" b="0"/>
-      </a:lnRef>
-      <a:fillRef idx="1">
-        <a:scrgbClr r="0" g="0" b="0"/>
-      </a:fillRef>
-      <a:effectRef idx="0">
-        <a:scrgbClr r="0" g="0" b="0"/>
-      </a:effectRef>
-      <a:fontRef idx="minor"/>
-    </dgm:style>
-  </dgm:styleLbl>
-  <dgm:styleLbl name="fgAcc0">
-    <dgm:scene3d>
-      <a:camera prst="orthographicFront"/>
-      <a:lightRig rig="threePt" dir="t"/>
-    </dgm:scene3d>
-    <dgm:sp3d/>
-    <dgm:txPr/>
-    <dgm:style>
-      <a:lnRef idx="2">
-        <a:scrgbClr r="0" g="0" b="0"/>
-      </a:lnRef>
-      <a:fillRef idx="1">
-        <a:scrgbClr r="0" g="0" b="0"/>
-      </a:fillRef>
-      <a:effectRef idx="0">
-        <a:scrgbClr r="0" g="0" b="0"/>
-      </a:effectRef>
-      <a:fontRef idx="minor"/>
-    </dgm:style>
-  </dgm:styleLbl>
-  <dgm:styleLbl name="fgAcc2">
-    <dgm:scene3d>
-      <a:camera prst="orthographicFront"/>
-      <a:lightRig rig="threePt" dir="t"/>
-    </dgm:scene3d>
-    <dgm:sp3d/>
-    <dgm:txPr/>
-    <dgm:style>
-      <a:lnRef idx="2">
-        <a:scrgbClr r="0" g="0" b="0"/>
-      </a:lnRef>
-      <a:fillRef idx="1">
-        <a:scrgbClr r="0" g="0" b="0"/>
-      </a:fillRef>
-      <a:effectRef idx="0">
-        <a:scrgbClr r="0" g="0" b="0"/>
-      </a:effectRef>
-      <a:fontRef idx="minor"/>
-    </dgm:style>
-  </dgm:styleLbl>
-  <dgm:styleLbl name="fgAcc3">
-    <dgm:scene3d>
-      <a:camera prst="orthographicFront"/>
-      <a:lightRig rig="threePt" dir="t"/>
-    </dgm:scene3d>
-    <dgm:sp3d/>
-    <dgm:txPr/>
-    <dgm:style>
-      <a:lnRef idx="2">
-        <a:scrgbClr r="0" g="0" b="0"/>
-      </a:lnRef>
-      <a:fillRef idx="1">
-        <a:scrgbClr r="0" g="0" b="0"/>
-      </a:fillRef>
-      <a:effectRef idx="0">
-        <a:scrgbClr r="0" g="0" b="0"/>
-      </a:effectRef>
-      <a:fontRef idx="minor"/>
-    </dgm:style>
-  </dgm:styleLbl>
-  <dgm:styleLbl name="fgAcc4">
-    <dgm:scene3d>
-      <a:camera prst="orthographicFront"/>
-      <a:lightRig rig="threePt" dir="t"/>
-    </dgm:scene3d>
-    <dgm:sp3d/>
-    <dgm:txPr/>
-    <dgm:style>
-      <a:lnRef idx="2">
-        <a:scrgbClr r="0" g="0" b="0"/>
-      </a:lnRef>
-      <a:fillRef idx="1">
-        <a:scrgbClr r="0" g="0" b="0"/>
-      </a:fillRef>
-      <a:effectRef idx="0">
-        <a:scrgbClr r="0" g="0" b="0"/>
-      </a:effectRef>
-      <a:fontRef idx="minor"/>
-    </dgm:style>
-  </dgm:styleLbl>
-  <dgm:styleLbl name="bgShp">
-    <dgm:scene3d>
-      <a:camera prst="orthographicFront"/>
-      <a:lightRig rig="threePt" dir="t"/>
-    </dgm:scene3d>
-    <dgm:sp3d/>
-    <dgm:txPr/>
-    <dgm:style>
-      <a:lnRef idx="0">
-        <a:scrgbClr r="0" g="0" b="0"/>
-      </a:lnRef>
-      <a:fillRef idx="1">
-        <a:scrgbClr r="0" g="0" b="0"/>
-      </a:fillRef>
-      <a:effectRef idx="0">
-        <a:scrgbClr r="0" g="0" b="0"/>
-      </a:effectRef>
-      <a:fontRef idx="minor"/>
-    </dgm:style>
-  </dgm:styleLbl>
-  <dgm:styleLbl name="dkBgShp">
-    <dgm:scene3d>
-      <a:camera prst="orthographicFront"/>
-      <a:lightRig rig="threePt" dir="t"/>
-    </dgm:scene3d>
-    <dgm:sp3d/>
-    <dgm:txPr/>
-    <dgm:style>
-      <a:lnRef idx="0">
-        <a:scrgbClr r="0" g="0" b="0"/>
-      </a:lnRef>
-      <a:fillRef idx="1">
-        <a:scrgbClr r="0" g="0" b="0"/>
-      </a:fillRef>
-      <a:effectRef idx="0">
-        <a:scrgbClr r="0" g="0" b="0"/>
-      </a:effectRef>
-      <a:fontRef idx="minor"/>
-    </dgm:style>
-  </dgm:styleLbl>
-  <dgm:styleLbl name="trBgShp">
-    <dgm:scene3d>
-      <a:camera prst="orthographicFront"/>
-      <a:lightRig rig="threePt" dir="t"/>
-    </dgm:scene3d>
-    <dgm:sp3d/>
-    <dgm:txPr/>
-    <dgm:style>
-      <a:lnRef idx="0">
-        <a:scrgbClr r="0" g="0" b="0"/>
-      </a:lnRef>
-      <a:fillRef idx="1">
-        <a:scrgbClr r="0" g="0" b="0"/>
-      </a:fillRef>
-      <a:effectRef idx="0">
-        <a:scrgbClr r="0" g="0" b="0"/>
-      </a:effectRef>
-      <a:fontRef idx="minor"/>
-    </dgm:style>
-  </dgm:styleLbl>
-  <dgm:styleLbl name="fgShp">
-    <dgm:scene3d>
-      <a:camera prst="orthographicFront"/>
-      <a:lightRig rig="threePt" dir="t"/>
-    </dgm:scene3d>
-    <dgm:sp3d/>
-    <dgm:txPr/>
-    <dgm:style>
-      <a:lnRef idx="2">
-        <a:scrgbClr r="0" g="0" b="0"/>
-      </a:lnRef>
-      <a:fillRef idx="1">
-        <a:scrgbClr r="0" g="0" b="0"/>
-      </a:fillRef>
-      <a:effectRef idx="0">
-        <a:scrgbClr r="0" g="0" b="0"/>
-      </a:effectRef>
-      <a:fontRef idx="minor"/>
-    </dgm:style>
-  </dgm:styleLbl>
-  <dgm:styleLbl name="revTx">
-    <dgm:scene3d>
-      <a:camera prst="orthographicFront"/>
-      <a:lightRig rig="threePt" dir="t"/>
-    </dgm:scene3d>
-    <dgm:sp3d/>
-    <dgm:txPr/>
-    <dgm:style>
-      <a:lnRef idx="0">
-        <a:scrgbClr r="0" g="0" b="0"/>
-      </a:lnRef>
-      <a:fillRef idx="0">
-        <a:scrgbClr r="0" g="0" b="0"/>
-      </a:fillRef>
-      <a:effectRef idx="0">
-        <a:scrgbClr r="0" g="0" b="0"/>
-      </a:effectRef>
-      <a:fontRef idx="minor"/>
-    </dgm:style>
-  </dgm:styleLbl>
-</dgm:styleDef>
-</file>
-
-<file path=ppt/diagrams/quickStyle3.xml><?xml version="1.0" encoding="utf-8"?>
 <dgm:styleDef xmlns:dgm="http://schemas.openxmlformats.org/drawingml/2006/diagram" xmlns:a="http://schemas.openxmlformats.org/drawingml/2006/main" uniqueId="urn:microsoft.com/office/officeart/2005/8/quickstyle/simple1">
   <dgm:title val=""/>
   <dgm:desc val=""/>
@@ -14163,27 +10725,21 @@
         </p:nvSpPr>
         <p:spPr>
           <a:xfrm>
-            <a:off x="914399" y="1162050"/>
-            <a:ext cx="10616609" cy="561975"/>
+            <a:off x="4514850" y="2626518"/>
+            <a:ext cx="3162299" cy="1604963"/>
           </a:xfrm>
         </p:spPr>
         <p:txBody>
           <a:bodyPr>
-            <a:noAutofit/>
+            <a:normAutofit fontScale="90000"/>
           </a:bodyPr>
           <a:lstStyle/>
           <a:p>
-            <a:r>
-              <a:rPr lang="en-GB" sz="2400" b="1" dirty="0">
-                <a:effectLst/>
-              </a:rPr>
-              <a:t>Show technical features of Italian Tracks through the years 2017-2020</a:t>
-            </a:r>
-            <a:br>
-              <a:rPr lang="en-GB" sz="2400" b="0" dirty="0">
-                <a:effectLst/>
-              </a:rPr>
-            </a:br>
+            <a:pPr algn="ctr"/>
+            <a:r>
+              <a:rPr lang="it-IT" sz="5400" b="1" dirty="0"/>
+              <a:t>Queries Part 1</a:t>
+            </a:r>
             <a:endParaRPr lang="it-IT" sz="4800" b="1" dirty="0"/>
           </a:p>
         </p:txBody>
@@ -14193,7 +10749,7 @@
           <p:cNvPr id="2" name="Segnaposto numero diapositiva 1">
             <a:extLst>
               <a:ext uri="{FF2B5EF4-FFF2-40B4-BE49-F238E27FC236}">
-                <a16:creationId xmlns:a16="http://schemas.microsoft.com/office/drawing/2014/main" id="{AF743220-D2ED-43D4-A1FF-37CA562FFA98}"/>
+                <a16:creationId xmlns:a16="http://schemas.microsoft.com/office/drawing/2014/main" id="{0371B819-0A52-489C-9FA3-EA676A38ADB9}"/>
               </a:ext>
             </a:extLst>
           </p:cNvPr>
@@ -14209,9 +10765,205 @@
           <a:bodyPr/>
           <a:lstStyle/>
           <a:p>
+            <a:r>
+              <a:rPr lang="it-IT" dirty="0"/>
+              <a:t> </a:t>
+            </a:r>
+          </a:p>
+        </p:txBody>
+      </p:sp>
+    </p:spTree>
+    <p:extLst>
+      <p:ext uri="{BB962C8B-B14F-4D97-AF65-F5344CB8AC3E}">
+        <p14:creationId xmlns:p14="http://schemas.microsoft.com/office/powerpoint/2010/main" val="3808502676"/>
+      </p:ext>
+    </p:extLst>
+  </p:cSld>
+  <p:clrMapOvr>
+    <a:masterClrMapping/>
+  </p:clrMapOvr>
+</p:sld>
+</file>
+
+<file path=ppt/slides/slide13.xml><?xml version="1.0" encoding="utf-8"?>
+<p:sld xmlns:a="http://schemas.openxmlformats.org/drawingml/2006/main" xmlns:r="http://schemas.openxmlformats.org/officeDocument/2006/relationships" xmlns:p="http://schemas.openxmlformats.org/presentationml/2006/main">
+  <p:cSld>
+    <p:spTree>
+      <p:nvGrpSpPr>
+        <p:cNvPr id="1" name=""/>
+        <p:cNvGrpSpPr/>
+        <p:nvPr/>
+      </p:nvGrpSpPr>
+      <p:grpSpPr>
+        <a:xfrm>
+          <a:off x="0" y="0"/>
+          <a:ext cx="0" cy="0"/>
+          <a:chOff x="0" y="0"/>
+          <a:chExt cx="0" cy="0"/>
+        </a:xfrm>
+      </p:grpSpPr>
+      <p:sp>
+        <p:nvSpPr>
+          <p:cNvPr id="4" name="Titolo 3">
+            <a:extLst>
+              <a:ext uri="{FF2B5EF4-FFF2-40B4-BE49-F238E27FC236}">
+                <a16:creationId xmlns:a16="http://schemas.microsoft.com/office/drawing/2014/main" id="{A32BADA9-D1E4-4A68-A522-AE21B0D0BA03}"/>
+              </a:ext>
+            </a:extLst>
+          </p:cNvPr>
+          <p:cNvSpPr>
+            <a:spLocks noGrp="1"/>
+          </p:cNvSpPr>
+          <p:nvPr>
+            <p:ph type="title"/>
+          </p:nvPr>
+        </p:nvSpPr>
+        <p:spPr>
+          <a:xfrm>
+            <a:off x="4514850" y="2626518"/>
+            <a:ext cx="3162299" cy="1604963"/>
+          </a:xfrm>
+        </p:spPr>
+        <p:txBody>
+          <a:bodyPr>
+            <a:normAutofit fontScale="90000"/>
+          </a:bodyPr>
+          <a:lstStyle/>
+          <a:p>
+            <a:pPr algn="ctr"/>
+            <a:r>
+              <a:rPr lang="it-IT" sz="5400" b="1" dirty="0"/>
+              <a:t>Queries Part 2</a:t>
+            </a:r>
+            <a:endParaRPr lang="it-IT" sz="4800" b="1" dirty="0"/>
+          </a:p>
+        </p:txBody>
+      </p:sp>
+      <p:sp>
+        <p:nvSpPr>
+          <p:cNvPr id="2" name="Segnaposto numero diapositiva 1">
+            <a:extLst>
+              <a:ext uri="{FF2B5EF4-FFF2-40B4-BE49-F238E27FC236}">
+                <a16:creationId xmlns:a16="http://schemas.microsoft.com/office/drawing/2014/main" id="{0371B819-0A52-489C-9FA3-EA676A38ADB9}"/>
+              </a:ext>
+            </a:extLst>
+          </p:cNvPr>
+          <p:cNvSpPr>
+            <a:spLocks noGrp="1"/>
+          </p:cNvSpPr>
+          <p:nvPr>
+            <p:ph type="sldNum" sz="quarter" idx="12"/>
+          </p:nvPr>
+        </p:nvSpPr>
+        <p:spPr/>
+        <p:txBody>
+          <a:bodyPr/>
+          <a:lstStyle/>
+          <a:p>
+            <a:r>
+              <a:rPr lang="it-IT" dirty="0"/>
+              <a:t> </a:t>
+            </a:r>
+          </a:p>
+        </p:txBody>
+      </p:sp>
+    </p:spTree>
+    <p:extLst>
+      <p:ext uri="{BB962C8B-B14F-4D97-AF65-F5344CB8AC3E}">
+        <p14:creationId xmlns:p14="http://schemas.microsoft.com/office/powerpoint/2010/main" val="1850569868"/>
+      </p:ext>
+    </p:extLst>
+  </p:cSld>
+  <p:clrMapOvr>
+    <a:masterClrMapping/>
+  </p:clrMapOvr>
+</p:sld>
+</file>
+
+<file path=ppt/slides/slide14.xml><?xml version="1.0" encoding="utf-8"?>
+<p:sld xmlns:a="http://schemas.openxmlformats.org/drawingml/2006/main" xmlns:r="http://schemas.openxmlformats.org/officeDocument/2006/relationships" xmlns:p="http://schemas.openxmlformats.org/presentationml/2006/main">
+  <p:cSld>
+    <p:spTree>
+      <p:nvGrpSpPr>
+        <p:cNvPr id="1" name=""/>
+        <p:cNvGrpSpPr/>
+        <p:nvPr/>
+      </p:nvGrpSpPr>
+      <p:grpSpPr>
+        <a:xfrm>
+          <a:off x="0" y="0"/>
+          <a:ext cx="0" cy="0"/>
+          <a:chOff x="0" y="0"/>
+          <a:chExt cx="0" cy="0"/>
+        </a:xfrm>
+      </p:grpSpPr>
+      <p:sp>
+        <p:nvSpPr>
+          <p:cNvPr id="4" name="Titolo 3">
+            <a:extLst>
+              <a:ext uri="{FF2B5EF4-FFF2-40B4-BE49-F238E27FC236}">
+                <a16:creationId xmlns:a16="http://schemas.microsoft.com/office/drawing/2014/main" id="{A32BADA9-D1E4-4A68-A522-AE21B0D0BA03}"/>
+              </a:ext>
+            </a:extLst>
+          </p:cNvPr>
+          <p:cNvSpPr>
+            <a:spLocks noGrp="1"/>
+          </p:cNvSpPr>
+          <p:nvPr>
+            <p:ph type="title"/>
+          </p:nvPr>
+        </p:nvSpPr>
+        <p:spPr>
+          <a:xfrm>
+            <a:off x="914399" y="1162050"/>
+            <a:ext cx="10616609" cy="561975"/>
+          </a:xfrm>
+        </p:spPr>
+        <p:txBody>
+          <a:bodyPr>
+            <a:noAutofit/>
+          </a:bodyPr>
+          <a:lstStyle/>
+          <a:p>
+            <a:r>
+              <a:rPr lang="en-GB" sz="2400" b="1" dirty="0">
+                <a:effectLst/>
+              </a:rPr>
+              <a:t>Show technical features of Italian Tracks through the years 2017-2020</a:t>
+            </a:r>
+            <a:br>
+              <a:rPr lang="en-GB" sz="2400" b="0" dirty="0">
+                <a:effectLst/>
+              </a:rPr>
+            </a:br>
+            <a:endParaRPr lang="it-IT" sz="4800" b="1" dirty="0"/>
+          </a:p>
+        </p:txBody>
+      </p:sp>
+      <p:sp>
+        <p:nvSpPr>
+          <p:cNvPr id="2" name="Segnaposto numero diapositiva 1">
+            <a:extLst>
+              <a:ext uri="{FF2B5EF4-FFF2-40B4-BE49-F238E27FC236}">
+                <a16:creationId xmlns:a16="http://schemas.microsoft.com/office/drawing/2014/main" id="{AF743220-D2ED-43D4-A1FF-37CA562FFA98}"/>
+              </a:ext>
+            </a:extLst>
+          </p:cNvPr>
+          <p:cNvSpPr>
+            <a:spLocks noGrp="1"/>
+          </p:cNvSpPr>
+          <p:nvPr>
+            <p:ph type="sldNum" sz="quarter" idx="12"/>
+          </p:nvPr>
+        </p:nvSpPr>
+        <p:spPr/>
+        <p:txBody>
+          <a:bodyPr/>
+          <a:lstStyle/>
+          <a:p>
             <a:fld id="{0E41FC79-F70E-41D5-8DA8-CBC79D687031}" type="slidenum">
               <a:rPr lang="it-IT" smtClean="0"/>
-              <a:t>12</a:t>
+              <a:t>14</a:t>
             </a:fld>
             <a:r>
               <a:rPr lang="it-IT" dirty="0"/>
@@ -14263,7 +11015,7 @@
 </p:sld>
 </file>
 
-<file path=ppt/slides/slide13.xml><?xml version="1.0" encoding="utf-8"?>
+<file path=ppt/slides/slide15.xml><?xml version="1.0" encoding="utf-8"?>
 <p:sld xmlns:a="http://schemas.openxmlformats.org/drawingml/2006/main" xmlns:r="http://schemas.openxmlformats.org/officeDocument/2006/relationships" xmlns:p="http://schemas.openxmlformats.org/presentationml/2006/main">
   <p:cSld>
     <p:spTree>
@@ -14346,7 +11098,7 @@
           <a:p>
             <a:fld id="{0E41FC79-F70E-41D5-8DA8-CBC79D687031}" type="slidenum">
               <a:rPr lang="it-IT" smtClean="0"/>
-              <a:t>13</a:t>
+              <a:t>15</a:t>
             </a:fld>
             <a:r>
               <a:rPr lang="it-IT" dirty="0"/>
@@ -14404,7 +11156,7 @@
 </p:sld>
 </file>
 
-<file path=ppt/slides/slide14.xml><?xml version="1.0" encoding="utf-8"?>
+<file path=ppt/slides/slide16.xml><?xml version="1.0" encoding="utf-8"?>
 <p:sld xmlns:a="http://schemas.openxmlformats.org/drawingml/2006/main" xmlns:r="http://schemas.openxmlformats.org/officeDocument/2006/relationships" xmlns:p="http://schemas.openxmlformats.org/presentationml/2006/main">
   <p:cSld>
     <p:spTree>
@@ -14482,7 +11234,7 @@
           <a:p>
             <a:fld id="{0E41FC79-F70E-41D5-8DA8-CBC79D687031}" type="slidenum">
               <a:rPr lang="it-IT" smtClean="0"/>
-              <a:t>14</a:t>
+              <a:t>16</a:t>
             </a:fld>
             <a:r>
               <a:rPr lang="it-IT" dirty="0"/>
@@ -14534,242 +11286,6 @@
 </p:sld>
 </file>
 
-<file path=ppt/slides/slide15.xml><?xml version="1.0" encoding="utf-8"?>
-<p:sld xmlns:a="http://schemas.openxmlformats.org/drawingml/2006/main" xmlns:r="http://schemas.openxmlformats.org/officeDocument/2006/relationships" xmlns:p="http://schemas.openxmlformats.org/presentationml/2006/main">
-  <p:cSld>
-    <p:spTree>
-      <p:nvGrpSpPr>
-        <p:cNvPr id="1" name=""/>
-        <p:cNvGrpSpPr/>
-        <p:nvPr/>
-      </p:nvGrpSpPr>
-      <p:grpSpPr>
-        <a:xfrm>
-          <a:off x="0" y="0"/>
-          <a:ext cx="0" cy="0"/>
-          <a:chOff x="0" y="0"/>
-          <a:chExt cx="0" cy="0"/>
-        </a:xfrm>
-      </p:grpSpPr>
-      <p:sp>
-        <p:nvSpPr>
-          <p:cNvPr id="4" name="Titolo 3">
-            <a:extLst>
-              <a:ext uri="{FF2B5EF4-FFF2-40B4-BE49-F238E27FC236}">
-                <a16:creationId xmlns:a16="http://schemas.microsoft.com/office/drawing/2014/main" id="{A32BADA9-D1E4-4A68-A522-AE21B0D0BA03}"/>
-              </a:ext>
-            </a:extLst>
-          </p:cNvPr>
-          <p:cNvSpPr>
-            <a:spLocks noGrp="1"/>
-          </p:cNvSpPr>
-          <p:nvPr>
-            <p:ph type="title"/>
-          </p:nvPr>
-        </p:nvSpPr>
-        <p:spPr>
-          <a:xfrm>
-            <a:off x="914399" y="1162050"/>
-            <a:ext cx="10616609" cy="561975"/>
-          </a:xfrm>
-        </p:spPr>
-        <p:txBody>
-          <a:bodyPr>
-            <a:noAutofit/>
-          </a:bodyPr>
-          <a:lstStyle/>
-          <a:p>
-            <a:r>
-              <a:rPr lang="en-GB" sz="2400" b="1" dirty="0">
-                <a:effectLst/>
-              </a:rPr>
-              <a:t>How many different Italian artist entered in Top 100 Italy for each Year ?</a:t>
-            </a:r>
-            <a:endParaRPr lang="it-IT" sz="4800" b="1" dirty="0"/>
-          </a:p>
-        </p:txBody>
-      </p:sp>
-      <p:sp>
-        <p:nvSpPr>
-          <p:cNvPr id="2" name="Segnaposto numero diapositiva 1">
-            <a:extLst>
-              <a:ext uri="{FF2B5EF4-FFF2-40B4-BE49-F238E27FC236}">
-                <a16:creationId xmlns:a16="http://schemas.microsoft.com/office/drawing/2014/main" id="{AF743220-D2ED-43D4-A1FF-37CA562FFA98}"/>
-              </a:ext>
-            </a:extLst>
-          </p:cNvPr>
-          <p:cNvSpPr>
-            <a:spLocks noGrp="1"/>
-          </p:cNvSpPr>
-          <p:nvPr>
-            <p:ph type="sldNum" sz="quarter" idx="12"/>
-          </p:nvPr>
-        </p:nvSpPr>
-        <p:spPr/>
-        <p:txBody>
-          <a:bodyPr/>
-          <a:lstStyle/>
-          <a:p>
-            <a:fld id="{0E41FC79-F70E-41D5-8DA8-CBC79D687031}" type="slidenum">
-              <a:rPr lang="it-IT" smtClean="0"/>
-              <a:t>15</a:t>
-            </a:fld>
-            <a:r>
-              <a:rPr lang="it-IT" dirty="0"/>
-              <a:t>/24</a:t>
-            </a:r>
-          </a:p>
-        </p:txBody>
-      </p:sp>
-    </p:spTree>
-    <p:extLst>
-      <p:ext uri="{BB962C8B-B14F-4D97-AF65-F5344CB8AC3E}">
-        <p14:creationId xmlns:p14="http://schemas.microsoft.com/office/powerpoint/2010/main" val="2598303381"/>
-      </p:ext>
-    </p:extLst>
-  </p:cSld>
-  <p:clrMapOvr>
-    <a:masterClrMapping/>
-  </p:clrMapOvr>
-</p:sld>
-</file>
-
-<file path=ppt/slides/slide16.xml><?xml version="1.0" encoding="utf-8"?>
-<p:sld xmlns:a="http://schemas.openxmlformats.org/drawingml/2006/main" xmlns:r="http://schemas.openxmlformats.org/officeDocument/2006/relationships" xmlns:p="http://schemas.openxmlformats.org/presentationml/2006/main">
-  <p:cSld>
-    <p:spTree>
-      <p:nvGrpSpPr>
-        <p:cNvPr id="1" name=""/>
-        <p:cNvGrpSpPr/>
-        <p:nvPr/>
-      </p:nvGrpSpPr>
-      <p:grpSpPr>
-        <a:xfrm>
-          <a:off x="0" y="0"/>
-          <a:ext cx="0" cy="0"/>
-          <a:chOff x="0" y="0"/>
-          <a:chExt cx="0" cy="0"/>
-        </a:xfrm>
-      </p:grpSpPr>
-      <p:sp>
-        <p:nvSpPr>
-          <p:cNvPr id="4" name="Titolo 3">
-            <a:extLst>
-              <a:ext uri="{FF2B5EF4-FFF2-40B4-BE49-F238E27FC236}">
-                <a16:creationId xmlns:a16="http://schemas.microsoft.com/office/drawing/2014/main" id="{A32BADA9-D1E4-4A68-A522-AE21B0D0BA03}"/>
-              </a:ext>
-            </a:extLst>
-          </p:cNvPr>
-          <p:cNvSpPr>
-            <a:spLocks noGrp="1"/>
-          </p:cNvSpPr>
-          <p:nvPr>
-            <p:ph type="title"/>
-          </p:nvPr>
-        </p:nvSpPr>
-        <p:spPr>
-          <a:xfrm>
-            <a:off x="914399" y="1162050"/>
-            <a:ext cx="10616609" cy="857250"/>
-          </a:xfrm>
-        </p:spPr>
-        <p:txBody>
-          <a:bodyPr>
-            <a:noAutofit/>
-          </a:bodyPr>
-          <a:lstStyle/>
-          <a:p>
-            <a:r>
-              <a:rPr lang="en-GB" sz="2400" b="1" dirty="0">
-                <a:effectLst/>
-              </a:rPr>
-              <a:t>On average how many Italian tracks are present in Top 100 Italy through the different months of the year ? </a:t>
-            </a:r>
-            <a:endParaRPr lang="it-IT" sz="4800" b="1" dirty="0"/>
-          </a:p>
-        </p:txBody>
-      </p:sp>
-      <p:sp>
-        <p:nvSpPr>
-          <p:cNvPr id="2" name="Segnaposto numero diapositiva 1">
-            <a:extLst>
-              <a:ext uri="{FF2B5EF4-FFF2-40B4-BE49-F238E27FC236}">
-                <a16:creationId xmlns:a16="http://schemas.microsoft.com/office/drawing/2014/main" id="{AF743220-D2ED-43D4-A1FF-37CA562FFA98}"/>
-              </a:ext>
-            </a:extLst>
-          </p:cNvPr>
-          <p:cNvSpPr>
-            <a:spLocks noGrp="1"/>
-          </p:cNvSpPr>
-          <p:nvPr>
-            <p:ph type="sldNum" sz="quarter" idx="12"/>
-          </p:nvPr>
-        </p:nvSpPr>
-        <p:spPr/>
-        <p:txBody>
-          <a:bodyPr/>
-          <a:lstStyle/>
-          <a:p>
-            <a:fld id="{0E41FC79-F70E-41D5-8DA8-CBC79D687031}" type="slidenum">
-              <a:rPr lang="it-IT" smtClean="0"/>
-              <a:t>16</a:t>
-            </a:fld>
-            <a:r>
-              <a:rPr lang="it-IT" dirty="0"/>
-              <a:t>/24</a:t>
-            </a:r>
-          </a:p>
-        </p:txBody>
-      </p:sp>
-      <p:pic>
-        <p:nvPicPr>
-          <p:cNvPr id="11" name="Immagine 10">
-            <a:extLst>
-              <a:ext uri="{FF2B5EF4-FFF2-40B4-BE49-F238E27FC236}">
-                <a16:creationId xmlns:a16="http://schemas.microsoft.com/office/drawing/2014/main" id="{FE5B332E-BB45-4B05-AA54-1854B2544389}"/>
-              </a:ext>
-            </a:extLst>
-          </p:cNvPr>
-          <p:cNvPicPr>
-            <a:picLocks noChangeAspect="1"/>
-          </p:cNvPicPr>
-          <p:nvPr/>
-        </p:nvPicPr>
-        <p:blipFill>
-          <a:blip r:embed="rId2">
-            <a:extLst>
-              <a:ext uri="{28A0092B-C50C-407E-A947-70E740481C1C}">
-                <a14:useLocalDpi xmlns:a14="http://schemas.microsoft.com/office/drawing/2010/main" val="0"/>
-              </a:ext>
-            </a:extLst>
-          </a:blip>
-          <a:stretch>
-            <a:fillRect/>
-          </a:stretch>
-        </p:blipFill>
-        <p:spPr>
-          <a:xfrm>
-            <a:off x="1083699" y="2019300"/>
-            <a:ext cx="10024602" cy="4808054"/>
-          </a:xfrm>
-          <a:prstGeom prst="rect">
-            <a:avLst/>
-          </a:prstGeom>
-        </p:spPr>
-      </p:pic>
-    </p:spTree>
-    <p:extLst>
-      <p:ext uri="{BB962C8B-B14F-4D97-AF65-F5344CB8AC3E}">
-        <p14:creationId xmlns:p14="http://schemas.microsoft.com/office/powerpoint/2010/main" val="3096566100"/>
-      </p:ext>
-    </p:extLst>
-  </p:cSld>
-  <p:clrMapOvr>
-    <a:masterClrMapping/>
-  </p:clrMapOvr>
-</p:sld>
-</file>
-
 <file path=ppt/slides/slide17.xml><?xml version="1.0" encoding="utf-8"?>
 <p:sld xmlns:a="http://schemas.openxmlformats.org/drawingml/2006/main" xmlns:r="http://schemas.openxmlformats.org/officeDocument/2006/relationships" xmlns:p="http://schemas.openxmlformats.org/presentationml/2006/main">
   <p:cSld>
@@ -14806,7 +11322,7 @@
         <p:spPr>
           <a:xfrm>
             <a:off x="914399" y="1162050"/>
-            <a:ext cx="10616609" cy="857250"/>
+            <a:ext cx="10616609" cy="561975"/>
           </a:xfrm>
         </p:spPr>
         <p:txBody>
@@ -14819,7 +11335,7 @@
               <a:rPr lang="en-GB" sz="2400" b="1" dirty="0">
                 <a:effectLst/>
               </a:rPr>
-              <a:t>How many albums from Italian artists are released through the different months of the year ? </a:t>
+              <a:t>How many different Italian artist entered in Top 100 Italy for each Year ?</a:t>
             </a:r>
             <a:endParaRPr lang="it-IT" sz="4800" b="1" dirty="0"/>
           </a:p>
@@ -14862,7 +11378,7 @@
           <p:cNvPr id="5" name="Immagine 4">
             <a:extLst>
               <a:ext uri="{FF2B5EF4-FFF2-40B4-BE49-F238E27FC236}">
-                <a16:creationId xmlns:a16="http://schemas.microsoft.com/office/drawing/2014/main" id="{4DE092AA-D2F6-4E0B-B227-D98B1F4F52B5}"/>
+                <a16:creationId xmlns:a16="http://schemas.microsoft.com/office/drawing/2014/main" id="{229AF741-37FB-4E39-9062-74A59F2DEE63}"/>
               </a:ext>
             </a:extLst>
           </p:cNvPr>
@@ -14872,21 +11388,15 @@
           <p:nvPr/>
         </p:nvPicPr>
         <p:blipFill>
-          <a:blip r:embed="rId2">
-            <a:extLst>
-              <a:ext uri="{28A0092B-C50C-407E-A947-70E740481C1C}">
-                <a14:useLocalDpi xmlns:a14="http://schemas.microsoft.com/office/drawing/2010/main" val="0"/>
-              </a:ext>
-            </a:extLst>
-          </a:blip>
+          <a:blip r:embed="rId2"/>
           <a:stretch>
             <a:fillRect/>
           </a:stretch>
         </p:blipFill>
         <p:spPr>
           <a:xfrm>
-            <a:off x="1086464" y="2019300"/>
-            <a:ext cx="10019071" cy="4878874"/>
+            <a:off x="2942700" y="2159442"/>
+            <a:ext cx="6560005" cy="4057735"/>
           </a:xfrm>
           <a:prstGeom prst="rect">
             <a:avLst/>
@@ -14896,7 +11406,7 @@
     </p:spTree>
     <p:extLst>
       <p:ext uri="{BB962C8B-B14F-4D97-AF65-F5344CB8AC3E}">
-        <p14:creationId xmlns:p14="http://schemas.microsoft.com/office/powerpoint/2010/main" val="4266947650"/>
+        <p14:creationId xmlns:p14="http://schemas.microsoft.com/office/powerpoint/2010/main" val="2598303381"/>
       </p:ext>
     </p:extLst>
   </p:cSld>
@@ -14941,8 +11451,8 @@
         </p:nvSpPr>
         <p:spPr>
           <a:xfrm>
-            <a:off x="914399" y="1304925"/>
-            <a:ext cx="4343401" cy="857250"/>
+            <a:off x="914399" y="1162050"/>
+            <a:ext cx="10616609" cy="857250"/>
           </a:xfrm>
         </p:spPr>
         <p:txBody>
@@ -14951,14 +11461,13 @@
           </a:bodyPr>
           <a:lstStyle/>
           <a:p>
-            <a:pPr algn="ctr"/>
-            <a:r>
-              <a:rPr lang="en-GB" sz="2000" b="1" dirty="0">
+            <a:r>
+              <a:rPr lang="en-GB" sz="2400" b="1" dirty="0">
                 <a:effectLst/>
               </a:rPr>
-              <a:t>Who is the Italian artist with the highest number of tracks present in Top 100 Italy for each year?</a:t>
-            </a:r>
-            <a:endParaRPr lang="it-IT" sz="2000" b="1" dirty="0"/>
+              <a:t>On average how many Italian tracks are present in Top 100 Italy through the different months of the year ? </a:t>
+            </a:r>
+            <a:endParaRPr lang="it-IT" sz="4800" b="1" dirty="0"/>
           </a:p>
         </p:txBody>
       </p:sp>
@@ -14996,10 +11505,10 @@
       </p:sp>
       <p:pic>
         <p:nvPicPr>
-          <p:cNvPr id="9" name="Immagine 8">
+          <p:cNvPr id="11" name="Immagine 10">
             <a:extLst>
               <a:ext uri="{FF2B5EF4-FFF2-40B4-BE49-F238E27FC236}">
-                <a16:creationId xmlns:a16="http://schemas.microsoft.com/office/drawing/2014/main" id="{E9D080A5-EA47-4ADD-896B-1CF4189E8896}"/>
+                <a16:creationId xmlns:a16="http://schemas.microsoft.com/office/drawing/2014/main" id="{FE5B332E-BB45-4B05-AA54-1854B2544389}"/>
               </a:ext>
             </a:extLst>
           </p:cNvPr>
@@ -15009,111 +11518,31 @@
           <p:nvPr/>
         </p:nvPicPr>
         <p:blipFill>
-          <a:blip r:embed="rId2"/>
+          <a:blip r:embed="rId2">
+            <a:extLst>
+              <a:ext uri="{28A0092B-C50C-407E-A947-70E740481C1C}">
+                <a14:useLocalDpi xmlns:a14="http://schemas.microsoft.com/office/drawing/2010/main" val="0"/>
+              </a:ext>
+            </a:extLst>
+          </a:blip>
           <a:stretch>
             <a:fillRect/>
           </a:stretch>
         </p:blipFill>
         <p:spPr>
           <a:xfrm>
-            <a:off x="6826101" y="2719378"/>
-            <a:ext cx="4343401" cy="3636972"/>
+            <a:off x="1083699" y="2019300"/>
+            <a:ext cx="10024602" cy="4808054"/>
           </a:xfrm>
           <a:prstGeom prst="rect">
             <a:avLst/>
           </a:prstGeom>
         </p:spPr>
       </p:pic>
-      <p:graphicFrame>
-        <p:nvGraphicFramePr>
-          <p:cNvPr id="10" name="Segnaposto contenuto 2">
-            <a:extLst>
-              <a:ext uri="{FF2B5EF4-FFF2-40B4-BE49-F238E27FC236}">
-                <a16:creationId xmlns:a16="http://schemas.microsoft.com/office/drawing/2014/main" id="{26674F91-BBFB-4D5A-8D3F-FB6580AEB63D}"/>
-              </a:ext>
-            </a:extLst>
-          </p:cNvPr>
-          <p:cNvGraphicFramePr>
-            <a:graphicFrameLocks/>
-          </p:cNvGraphicFramePr>
-          <p:nvPr>
-            <p:extLst>
-              <p:ext uri="{D42A27DB-BD31-4B8C-83A1-F6EECF244321}">
-                <p14:modId xmlns:p14="http://schemas.microsoft.com/office/powerpoint/2010/main" val="32130103"/>
-              </p:ext>
-            </p:extLst>
-          </p:nvPr>
-        </p:nvGraphicFramePr>
-        <p:xfrm>
-          <a:off x="914398" y="2660384"/>
-          <a:ext cx="5181601" cy="3711473"/>
-        </p:xfrm>
-        <a:graphic>
-          <a:graphicData uri="http://schemas.openxmlformats.org/drawingml/2006/diagram">
-            <dgm:relIds xmlns:dgm="http://schemas.openxmlformats.org/drawingml/2006/diagram" xmlns:r="http://schemas.openxmlformats.org/officeDocument/2006/relationships" r:dm="rId3" r:lo="rId4" r:qs="rId5" r:cs="rId6"/>
-          </a:graphicData>
-        </a:graphic>
-      </p:graphicFrame>
-      <p:sp>
-        <p:nvSpPr>
-          <p:cNvPr id="13" name="Titolo 3">
-            <a:extLst>
-              <a:ext uri="{FF2B5EF4-FFF2-40B4-BE49-F238E27FC236}">
-                <a16:creationId xmlns:a16="http://schemas.microsoft.com/office/drawing/2014/main" id="{8E58099E-76CE-4F86-80D3-4ECAC07ECE2C}"/>
-              </a:ext>
-            </a:extLst>
-          </p:cNvPr>
-          <p:cNvSpPr txBox="1">
-            <a:spLocks/>
-          </p:cNvSpPr>
-          <p:nvPr/>
-        </p:nvSpPr>
-        <p:spPr>
-          <a:xfrm>
-            <a:off x="6934200" y="1304925"/>
-            <a:ext cx="4343401" cy="857250"/>
-          </a:xfrm>
-          <a:prstGeom prst="rect">
-            <a:avLst/>
-          </a:prstGeom>
-        </p:spPr>
-        <p:txBody>
-          <a:bodyPr vert="horz" lIns="91440" tIns="45720" rIns="91440" bIns="45720" rtlCol="0" anchor="t">
-            <a:noAutofit/>
-          </a:bodyPr>
-          <a:lstStyle>
-            <a:lvl1pPr algn="l" defTabSz="914400" rtl="0" eaLnBrk="1" latinLnBrk="0" hangingPunct="1">
-              <a:lnSpc>
-                <a:spcPct val="100000"/>
-              </a:lnSpc>
-              <a:spcBef>
-                <a:spcPct val="0"/>
-              </a:spcBef>
-              <a:buNone/>
-              <a:defRPr sz="4000" kern="1200">
-                <a:solidFill>
-                  <a:schemeClr val="tx1"/>
-                </a:solidFill>
-                <a:latin typeface="+mj-lt"/>
-                <a:ea typeface="+mj-ea"/>
-                <a:cs typeface="+mj-cs"/>
-              </a:defRPr>
-            </a:lvl1pPr>
-          </a:lstStyle>
-          <a:p>
-            <a:pPr algn="ctr"/>
-            <a:r>
-              <a:rPr lang="en-GB" sz="2000" b="1" dirty="0"/>
-              <a:t>Show the most common position in the TOP 100 Italy obtained by the just retrieved artist.</a:t>
-            </a:r>
-            <a:endParaRPr lang="it-IT" sz="2000" b="1" dirty="0"/>
-          </a:p>
-        </p:txBody>
-      </p:sp>
     </p:spTree>
     <p:extLst>
       <p:ext uri="{BB962C8B-B14F-4D97-AF65-F5344CB8AC3E}">
-        <p14:creationId xmlns:p14="http://schemas.microsoft.com/office/powerpoint/2010/main" val="2874827600"/>
+        <p14:creationId xmlns:p14="http://schemas.microsoft.com/office/powerpoint/2010/main" val="3096566100"/>
       </p:ext>
     </p:extLst>
   </p:cSld>
@@ -15172,7 +11601,7 @@
               <a:rPr lang="en-GB" sz="2400" b="1" dirty="0">
                 <a:effectLst/>
               </a:rPr>
-              <a:t> Show the top 3 Italian artists with the highest number of tracks present in Top 100 Italy at the same time.</a:t>
+              <a:t>How many albums from Italian artists are released through the different months of the year ? </a:t>
             </a:r>
             <a:endParaRPr lang="it-IT" sz="4800" b="1" dirty="0"/>
           </a:p>
@@ -15212,10 +11641,10 @@
       </p:sp>
       <p:pic>
         <p:nvPicPr>
-          <p:cNvPr id="6" name="Immagine 5">
+          <p:cNvPr id="5" name="Immagine 4">
             <a:extLst>
               <a:ext uri="{FF2B5EF4-FFF2-40B4-BE49-F238E27FC236}">
-                <a16:creationId xmlns:a16="http://schemas.microsoft.com/office/drawing/2014/main" id="{F9DA6715-F45B-4DB9-A936-6E0FA43D6589}"/>
+                <a16:creationId xmlns:a16="http://schemas.microsoft.com/office/drawing/2014/main" id="{4DE092AA-D2F6-4E0B-B227-D98B1F4F52B5}"/>
               </a:ext>
             </a:extLst>
           </p:cNvPr>
@@ -15225,726 +11654,31 @@
           <p:nvPr/>
         </p:nvPicPr>
         <p:blipFill>
-          <a:blip r:embed="rId2"/>
+          <a:blip r:embed="rId2">
+            <a:extLst>
+              <a:ext uri="{28A0092B-C50C-407E-A947-70E740481C1C}">
+                <a14:useLocalDpi xmlns:a14="http://schemas.microsoft.com/office/drawing/2010/main" val="0"/>
+              </a:ext>
+            </a:extLst>
+          </a:blip>
           <a:stretch>
             <a:fillRect/>
           </a:stretch>
         </p:blipFill>
         <p:spPr>
           <a:xfrm>
-            <a:off x="2051563" y="2065029"/>
-            <a:ext cx="1188823" cy="1021168"/>
+            <a:off x="1086464" y="2019300"/>
+            <a:ext cx="10019071" cy="4878874"/>
           </a:xfrm>
           <a:prstGeom prst="rect">
             <a:avLst/>
           </a:prstGeom>
         </p:spPr>
       </p:pic>
-      <p:pic>
-        <p:nvPicPr>
-          <p:cNvPr id="8" name="Immagine 7">
-            <a:extLst>
-              <a:ext uri="{FF2B5EF4-FFF2-40B4-BE49-F238E27FC236}">
-                <a16:creationId xmlns:a16="http://schemas.microsoft.com/office/drawing/2014/main" id="{C0993ED9-E656-421D-8A28-E756D6CDDA6B}"/>
-              </a:ext>
-            </a:extLst>
-          </p:cNvPr>
-          <p:cNvPicPr>
-            <a:picLocks noChangeAspect="1"/>
-          </p:cNvPicPr>
-          <p:nvPr/>
-        </p:nvPicPr>
-        <p:blipFill>
-          <a:blip r:embed="rId3"/>
-          <a:stretch>
-            <a:fillRect/>
-          </a:stretch>
-        </p:blipFill>
-        <p:spPr>
-          <a:xfrm>
-            <a:off x="5293926" y="2038357"/>
-            <a:ext cx="1310754" cy="1074513"/>
-          </a:xfrm>
-          <a:prstGeom prst="rect">
-            <a:avLst/>
-          </a:prstGeom>
-        </p:spPr>
-      </p:pic>
-      <p:pic>
-        <p:nvPicPr>
-          <p:cNvPr id="10" name="Immagine 9">
-            <a:extLst>
-              <a:ext uri="{FF2B5EF4-FFF2-40B4-BE49-F238E27FC236}">
-                <a16:creationId xmlns:a16="http://schemas.microsoft.com/office/drawing/2014/main" id="{14A6A28D-CE0A-4ECD-83F0-47284B8E7225}"/>
-              </a:ext>
-            </a:extLst>
-          </p:cNvPr>
-          <p:cNvPicPr>
-            <a:picLocks noChangeAspect="1"/>
-          </p:cNvPicPr>
-          <p:nvPr/>
-        </p:nvPicPr>
-        <p:blipFill rotWithShape="1">
-          <a:blip r:embed="rId4"/>
-          <a:srcRect r="24743"/>
-          <a:stretch/>
-        </p:blipFill>
-        <p:spPr>
-          <a:xfrm>
-            <a:off x="8843010" y="1905824"/>
-            <a:ext cx="1101131" cy="1226926"/>
-          </a:xfrm>
-          <a:prstGeom prst="rect">
-            <a:avLst/>
-          </a:prstGeom>
-        </p:spPr>
-      </p:pic>
-      <p:sp>
-        <p:nvSpPr>
-          <p:cNvPr id="11" name="Freccia a destra 10">
-            <a:extLst>
-              <a:ext uri="{FF2B5EF4-FFF2-40B4-BE49-F238E27FC236}">
-                <a16:creationId xmlns:a16="http://schemas.microsoft.com/office/drawing/2014/main" id="{111CC4F4-871A-4D99-B10B-709DE3011118}"/>
-              </a:ext>
-            </a:extLst>
-          </p:cNvPr>
-          <p:cNvSpPr/>
-          <p:nvPr/>
-        </p:nvSpPr>
-        <p:spPr>
-          <a:xfrm rot="5400000">
-            <a:off x="2213574" y="4404324"/>
-            <a:ext cx="857251" cy="504825"/>
-          </a:xfrm>
-          <a:prstGeom prst="rightArrow">
-            <a:avLst/>
-          </a:prstGeom>
-        </p:spPr>
-        <p:style>
-          <a:lnRef idx="2">
-            <a:schemeClr val="accent1">
-              <a:shade val="50000"/>
-            </a:schemeClr>
-          </a:lnRef>
-          <a:fillRef idx="1">
-            <a:schemeClr val="accent1"/>
-          </a:fillRef>
-          <a:effectRef idx="0">
-            <a:schemeClr val="accent1"/>
-          </a:effectRef>
-          <a:fontRef idx="minor">
-            <a:schemeClr val="lt1"/>
-          </a:fontRef>
-        </p:style>
-        <p:txBody>
-          <a:bodyPr rtlCol="0" anchor="ctr"/>
-          <a:lstStyle/>
-          <a:p>
-            <a:pPr algn="ctr"/>
-            <a:endParaRPr lang="en-GB"/>
-          </a:p>
-        </p:txBody>
-      </p:sp>
-      <p:sp>
-        <p:nvSpPr>
-          <p:cNvPr id="12" name="Titolo 3">
-            <a:extLst>
-              <a:ext uri="{FF2B5EF4-FFF2-40B4-BE49-F238E27FC236}">
-                <a16:creationId xmlns:a16="http://schemas.microsoft.com/office/drawing/2014/main" id="{AE914E4C-42D0-484F-80ED-F83CFA2DEE2E}"/>
-              </a:ext>
-            </a:extLst>
-          </p:cNvPr>
-          <p:cNvSpPr txBox="1">
-            <a:spLocks/>
-          </p:cNvSpPr>
-          <p:nvPr/>
-        </p:nvSpPr>
-        <p:spPr>
-          <a:xfrm>
-            <a:off x="1396310" y="3132750"/>
-            <a:ext cx="2491777" cy="1074512"/>
-          </a:xfrm>
-          <a:prstGeom prst="rect">
-            <a:avLst/>
-          </a:prstGeom>
-        </p:spPr>
-        <p:txBody>
-          <a:bodyPr vert="horz" lIns="91440" tIns="45720" rIns="91440" bIns="45720" rtlCol="0" anchor="t">
-            <a:noAutofit/>
-          </a:bodyPr>
-          <a:lstStyle>
-            <a:lvl1pPr algn="l" defTabSz="914400" rtl="0" eaLnBrk="1" latinLnBrk="0" hangingPunct="1">
-              <a:lnSpc>
-                <a:spcPct val="100000"/>
-              </a:lnSpc>
-              <a:spcBef>
-                <a:spcPct val="0"/>
-              </a:spcBef>
-              <a:buNone/>
-              <a:defRPr sz="4000" kern="1200">
-                <a:solidFill>
-                  <a:schemeClr val="tx1"/>
-                </a:solidFill>
-                <a:latin typeface="+mj-lt"/>
-                <a:ea typeface="+mj-ea"/>
-                <a:cs typeface="+mj-cs"/>
-              </a:defRPr>
-            </a:lvl1pPr>
-          </a:lstStyle>
-          <a:p>
-            <a:pPr algn="ctr"/>
-            <a:r>
-              <a:rPr lang="en-GB" sz="2000" b="1" dirty="0" err="1"/>
-              <a:t>Tha</a:t>
-            </a:r>
-            <a:r>
-              <a:rPr lang="en-GB" sz="2000" b="1" dirty="0"/>
-              <a:t> Supreme</a:t>
-            </a:r>
-          </a:p>
-          <a:p>
-            <a:pPr algn="ctr"/>
-            <a:r>
-              <a:rPr lang="en-GB" sz="2000" b="1" dirty="0"/>
-              <a:t>17th November 2019</a:t>
-            </a:r>
-          </a:p>
-          <a:p>
-            <a:pPr algn="ctr"/>
-            <a:r>
-              <a:rPr lang="en-GB" sz="2000" b="1" dirty="0"/>
-              <a:t>24 tracks</a:t>
-            </a:r>
-            <a:endParaRPr lang="it-IT" sz="2000" b="1" dirty="0"/>
-          </a:p>
-        </p:txBody>
-      </p:sp>
-      <p:sp>
-        <p:nvSpPr>
-          <p:cNvPr id="13" name="Titolo 3">
-            <a:extLst>
-              <a:ext uri="{FF2B5EF4-FFF2-40B4-BE49-F238E27FC236}">
-                <a16:creationId xmlns:a16="http://schemas.microsoft.com/office/drawing/2014/main" id="{93D11056-5167-483D-8045-92048AC543D1}"/>
-              </a:ext>
-            </a:extLst>
-          </p:cNvPr>
-          <p:cNvSpPr txBox="1">
-            <a:spLocks/>
-          </p:cNvSpPr>
-          <p:nvPr/>
-        </p:nvSpPr>
-        <p:spPr>
-          <a:xfrm>
-            <a:off x="4699512" y="3132750"/>
-            <a:ext cx="2491777" cy="1074512"/>
-          </a:xfrm>
-          <a:prstGeom prst="rect">
-            <a:avLst/>
-          </a:prstGeom>
-        </p:spPr>
-        <p:txBody>
-          <a:bodyPr vert="horz" lIns="91440" tIns="45720" rIns="91440" bIns="45720" rtlCol="0" anchor="t">
-            <a:noAutofit/>
-          </a:bodyPr>
-          <a:lstStyle>
-            <a:lvl1pPr algn="l" defTabSz="914400" rtl="0" eaLnBrk="1" latinLnBrk="0" hangingPunct="1">
-              <a:lnSpc>
-                <a:spcPct val="100000"/>
-              </a:lnSpc>
-              <a:spcBef>
-                <a:spcPct val="0"/>
-              </a:spcBef>
-              <a:buNone/>
-              <a:defRPr sz="4000" kern="1200">
-                <a:solidFill>
-                  <a:schemeClr val="tx1"/>
-                </a:solidFill>
-                <a:latin typeface="+mj-lt"/>
-                <a:ea typeface="+mj-ea"/>
-                <a:cs typeface="+mj-cs"/>
-              </a:defRPr>
-            </a:lvl1pPr>
-          </a:lstStyle>
-          <a:p>
-            <a:pPr algn="ctr"/>
-            <a:r>
-              <a:rPr lang="en-GB" sz="2000" b="1" dirty="0" err="1"/>
-              <a:t>Tha</a:t>
-            </a:r>
-            <a:r>
-              <a:rPr lang="en-GB" sz="2000" b="1" dirty="0"/>
-              <a:t> Supreme</a:t>
-            </a:r>
-          </a:p>
-          <a:p>
-            <a:pPr algn="ctr"/>
-            <a:r>
-              <a:rPr lang="en-GB" sz="2000" b="1" dirty="0"/>
-              <a:t>17th November 2019</a:t>
-            </a:r>
-          </a:p>
-          <a:p>
-            <a:pPr algn="ctr"/>
-            <a:r>
-              <a:rPr lang="en-GB" sz="2000" b="1" dirty="0"/>
-              <a:t>24 tracks</a:t>
-            </a:r>
-            <a:endParaRPr lang="it-IT" sz="2000" b="1" dirty="0"/>
-          </a:p>
-        </p:txBody>
-      </p:sp>
-      <p:sp>
-        <p:nvSpPr>
-          <p:cNvPr id="14" name="Titolo 3">
-            <a:extLst>
-              <a:ext uri="{FF2B5EF4-FFF2-40B4-BE49-F238E27FC236}">
-                <a16:creationId xmlns:a16="http://schemas.microsoft.com/office/drawing/2014/main" id="{78ED6B49-6981-40D7-8E2D-E4E4CB5B75B7}"/>
-              </a:ext>
-            </a:extLst>
-          </p:cNvPr>
-          <p:cNvSpPr txBox="1">
-            <a:spLocks/>
-          </p:cNvSpPr>
-          <p:nvPr/>
-        </p:nvSpPr>
-        <p:spPr>
-          <a:xfrm>
-            <a:off x="8147688" y="3132750"/>
-            <a:ext cx="2491777" cy="1074512"/>
-          </a:xfrm>
-          <a:prstGeom prst="rect">
-            <a:avLst/>
-          </a:prstGeom>
-        </p:spPr>
-        <p:txBody>
-          <a:bodyPr vert="horz" lIns="91440" tIns="45720" rIns="91440" bIns="45720" rtlCol="0" anchor="t">
-            <a:noAutofit/>
-          </a:bodyPr>
-          <a:lstStyle>
-            <a:lvl1pPr algn="l" defTabSz="914400" rtl="0" eaLnBrk="1" latinLnBrk="0" hangingPunct="1">
-              <a:lnSpc>
-                <a:spcPct val="100000"/>
-              </a:lnSpc>
-              <a:spcBef>
-                <a:spcPct val="0"/>
-              </a:spcBef>
-              <a:buNone/>
-              <a:defRPr sz="4000" kern="1200">
-                <a:solidFill>
-                  <a:schemeClr val="tx1"/>
-                </a:solidFill>
-                <a:latin typeface="+mj-lt"/>
-                <a:ea typeface="+mj-ea"/>
-                <a:cs typeface="+mj-cs"/>
-              </a:defRPr>
-            </a:lvl1pPr>
-          </a:lstStyle>
-          <a:p>
-            <a:pPr algn="ctr"/>
-            <a:r>
-              <a:rPr lang="en-GB" sz="2000" b="1" dirty="0" err="1"/>
-              <a:t>Tha</a:t>
-            </a:r>
-            <a:r>
-              <a:rPr lang="en-GB" sz="2000" b="1" dirty="0"/>
-              <a:t> Supreme</a:t>
-            </a:r>
-          </a:p>
-          <a:p>
-            <a:pPr algn="ctr"/>
-            <a:r>
-              <a:rPr lang="en-GB" sz="2000" b="1" dirty="0"/>
-              <a:t>17th November 2019</a:t>
-            </a:r>
-          </a:p>
-          <a:p>
-            <a:pPr algn="ctr"/>
-            <a:r>
-              <a:rPr lang="en-GB" sz="2000" b="1" dirty="0"/>
-              <a:t>24 tracks</a:t>
-            </a:r>
-            <a:endParaRPr lang="it-IT" sz="2000" b="1" dirty="0"/>
-          </a:p>
-        </p:txBody>
-      </p:sp>
-      <p:sp>
-        <p:nvSpPr>
-          <p:cNvPr id="15" name="Freccia a destra 14">
-            <a:extLst>
-              <a:ext uri="{FF2B5EF4-FFF2-40B4-BE49-F238E27FC236}">
-                <a16:creationId xmlns:a16="http://schemas.microsoft.com/office/drawing/2014/main" id="{7BBF55D9-1DDE-4C21-A73A-34FE95A1220B}"/>
-              </a:ext>
-            </a:extLst>
-          </p:cNvPr>
-          <p:cNvSpPr/>
-          <p:nvPr/>
-        </p:nvSpPr>
-        <p:spPr>
-          <a:xfrm rot="5400000">
-            <a:off x="5541665" y="4402533"/>
-            <a:ext cx="857251" cy="504825"/>
-          </a:xfrm>
-          <a:prstGeom prst="rightArrow">
-            <a:avLst/>
-          </a:prstGeom>
-        </p:spPr>
-        <p:style>
-          <a:lnRef idx="2">
-            <a:schemeClr val="accent1">
-              <a:shade val="50000"/>
-            </a:schemeClr>
-          </a:lnRef>
-          <a:fillRef idx="1">
-            <a:schemeClr val="accent1"/>
-          </a:fillRef>
-          <a:effectRef idx="0">
-            <a:schemeClr val="accent1"/>
-          </a:effectRef>
-          <a:fontRef idx="minor">
-            <a:schemeClr val="lt1"/>
-          </a:fontRef>
-        </p:style>
-        <p:txBody>
-          <a:bodyPr rtlCol="0" anchor="ctr"/>
-          <a:lstStyle/>
-          <a:p>
-            <a:pPr algn="ctr"/>
-            <a:endParaRPr lang="en-GB"/>
-          </a:p>
-        </p:txBody>
-      </p:sp>
-      <p:sp>
-        <p:nvSpPr>
-          <p:cNvPr id="16" name="Freccia a destra 15">
-            <a:extLst>
-              <a:ext uri="{FF2B5EF4-FFF2-40B4-BE49-F238E27FC236}">
-                <a16:creationId xmlns:a16="http://schemas.microsoft.com/office/drawing/2014/main" id="{B2991638-D8BB-4BEE-97C9-8A168898C79B}"/>
-              </a:ext>
-            </a:extLst>
-          </p:cNvPr>
-          <p:cNvSpPr/>
-          <p:nvPr/>
-        </p:nvSpPr>
-        <p:spPr>
-          <a:xfrm rot="5400000">
-            <a:off x="9042999" y="4422413"/>
-            <a:ext cx="857251" cy="504825"/>
-          </a:xfrm>
-          <a:prstGeom prst="rightArrow">
-            <a:avLst/>
-          </a:prstGeom>
-        </p:spPr>
-        <p:style>
-          <a:lnRef idx="2">
-            <a:schemeClr val="accent1">
-              <a:shade val="50000"/>
-            </a:schemeClr>
-          </a:lnRef>
-          <a:fillRef idx="1">
-            <a:schemeClr val="accent1"/>
-          </a:fillRef>
-          <a:effectRef idx="0">
-            <a:schemeClr val="accent1"/>
-          </a:effectRef>
-          <a:fontRef idx="minor">
-            <a:schemeClr val="lt1"/>
-          </a:fontRef>
-        </p:style>
-        <p:txBody>
-          <a:bodyPr rtlCol="0" anchor="ctr"/>
-          <a:lstStyle/>
-          <a:p>
-            <a:pPr algn="ctr"/>
-            <a:endParaRPr lang="en-GB"/>
-          </a:p>
-        </p:txBody>
-      </p:sp>
-      <p:pic>
-        <p:nvPicPr>
-          <p:cNvPr id="18" name="Immagine 17">
-            <a:extLst>
-              <a:ext uri="{FF2B5EF4-FFF2-40B4-BE49-F238E27FC236}">
-                <a16:creationId xmlns:a16="http://schemas.microsoft.com/office/drawing/2014/main" id="{24586781-4448-4763-AC1A-D3D907D49DF1}"/>
-              </a:ext>
-            </a:extLst>
-          </p:cNvPr>
-          <p:cNvPicPr>
-            <a:picLocks noChangeAspect="1"/>
-          </p:cNvPicPr>
-          <p:nvPr/>
-        </p:nvPicPr>
-        <p:blipFill>
-          <a:blip r:embed="rId5"/>
-          <a:stretch>
-            <a:fillRect/>
-          </a:stretch>
-        </p:blipFill>
-        <p:spPr>
-          <a:xfrm>
-            <a:off x="833898" y="5333379"/>
-            <a:ext cx="1124824" cy="1074512"/>
-          </a:xfrm>
-          <a:prstGeom prst="rect">
-            <a:avLst/>
-          </a:prstGeom>
-        </p:spPr>
-      </p:pic>
-      <p:sp>
-        <p:nvSpPr>
-          <p:cNvPr id="19" name="Titolo 3">
-            <a:extLst>
-              <a:ext uri="{FF2B5EF4-FFF2-40B4-BE49-F238E27FC236}">
-                <a16:creationId xmlns:a16="http://schemas.microsoft.com/office/drawing/2014/main" id="{4F070989-9890-40EE-9B1E-9E1ECDB36127}"/>
-              </a:ext>
-            </a:extLst>
-          </p:cNvPr>
-          <p:cNvSpPr txBox="1">
-            <a:spLocks/>
-          </p:cNvSpPr>
-          <p:nvPr/>
-        </p:nvSpPr>
-        <p:spPr>
-          <a:xfrm>
-            <a:off x="1958722" y="5320711"/>
-            <a:ext cx="2660903" cy="1074513"/>
-          </a:xfrm>
-          <a:prstGeom prst="rect">
-            <a:avLst/>
-          </a:prstGeom>
-        </p:spPr>
-        <p:txBody>
-          <a:bodyPr vert="horz" lIns="91440" tIns="45720" rIns="91440" bIns="45720" rtlCol="0" anchor="ctr">
-            <a:noAutofit/>
-          </a:bodyPr>
-          <a:lstStyle>
-            <a:lvl1pPr algn="l" defTabSz="914400" rtl="0" eaLnBrk="1" latinLnBrk="0" hangingPunct="1">
-              <a:lnSpc>
-                <a:spcPct val="100000"/>
-              </a:lnSpc>
-              <a:spcBef>
-                <a:spcPct val="0"/>
-              </a:spcBef>
-              <a:buNone/>
-              <a:defRPr sz="4000" kern="1200">
-                <a:solidFill>
-                  <a:schemeClr val="tx1"/>
-                </a:solidFill>
-                <a:latin typeface="+mj-lt"/>
-                <a:ea typeface="+mj-ea"/>
-                <a:cs typeface="+mj-cs"/>
-              </a:defRPr>
-            </a:lvl1pPr>
-          </a:lstStyle>
-          <a:p>
-            <a:r>
-              <a:rPr lang="en-GB" sz="1800" b="1" dirty="0"/>
-              <a:t>Name: 23 6451</a:t>
-            </a:r>
-          </a:p>
-          <a:p>
-            <a:r>
-              <a:rPr lang="en-GB" sz="1800" b="1" dirty="0" err="1"/>
-              <a:t>relaseDate</a:t>
-            </a:r>
-            <a:r>
-              <a:rPr lang="en-GB" sz="1800" b="1" dirty="0"/>
-              <a:t>: 2019-11-15</a:t>
-            </a:r>
-          </a:p>
-        </p:txBody>
-      </p:sp>
-      <p:pic>
-        <p:nvPicPr>
-          <p:cNvPr id="20" name="Immagine 19">
-            <a:extLst>
-              <a:ext uri="{FF2B5EF4-FFF2-40B4-BE49-F238E27FC236}">
-                <a16:creationId xmlns:a16="http://schemas.microsoft.com/office/drawing/2014/main" id="{01B29E2F-1CC5-47E6-8C5C-7EE6F5255D9C}"/>
-              </a:ext>
-            </a:extLst>
-          </p:cNvPr>
-          <p:cNvPicPr>
-            <a:picLocks noChangeAspect="1"/>
-          </p:cNvPicPr>
-          <p:nvPr/>
-        </p:nvPicPr>
-        <p:blipFill>
-          <a:blip r:embed="rId5"/>
-          <a:stretch>
-            <a:fillRect/>
-          </a:stretch>
-        </p:blipFill>
-        <p:spPr>
-          <a:xfrm>
-            <a:off x="4593054" y="5320712"/>
-            <a:ext cx="1124824" cy="1074512"/>
-          </a:xfrm>
-          <a:prstGeom prst="rect">
-            <a:avLst/>
-          </a:prstGeom>
-        </p:spPr>
-      </p:pic>
-      <p:sp>
-        <p:nvSpPr>
-          <p:cNvPr id="21" name="Titolo 3">
-            <a:extLst>
-              <a:ext uri="{FF2B5EF4-FFF2-40B4-BE49-F238E27FC236}">
-                <a16:creationId xmlns:a16="http://schemas.microsoft.com/office/drawing/2014/main" id="{866212D8-5287-47C6-8EE9-0F6971FC1711}"/>
-              </a:ext>
-            </a:extLst>
-          </p:cNvPr>
-          <p:cNvSpPr txBox="1">
-            <a:spLocks/>
-          </p:cNvSpPr>
-          <p:nvPr/>
-        </p:nvSpPr>
-        <p:spPr>
-          <a:xfrm>
-            <a:off x="5717878" y="5308044"/>
-            <a:ext cx="2660903" cy="1074513"/>
-          </a:xfrm>
-          <a:prstGeom prst="rect">
-            <a:avLst/>
-          </a:prstGeom>
-        </p:spPr>
-        <p:txBody>
-          <a:bodyPr vert="horz" lIns="91440" tIns="45720" rIns="91440" bIns="45720" rtlCol="0" anchor="ctr">
-            <a:noAutofit/>
-          </a:bodyPr>
-          <a:lstStyle>
-            <a:lvl1pPr algn="l" defTabSz="914400" rtl="0" eaLnBrk="1" latinLnBrk="0" hangingPunct="1">
-              <a:lnSpc>
-                <a:spcPct val="100000"/>
-              </a:lnSpc>
-              <a:spcBef>
-                <a:spcPct val="0"/>
-              </a:spcBef>
-              <a:buNone/>
-              <a:defRPr sz="4000" kern="1200">
-                <a:solidFill>
-                  <a:schemeClr val="tx1"/>
-                </a:solidFill>
-                <a:latin typeface="+mj-lt"/>
-                <a:ea typeface="+mj-ea"/>
-                <a:cs typeface="+mj-cs"/>
-              </a:defRPr>
-            </a:lvl1pPr>
-          </a:lstStyle>
-          <a:p>
-            <a:r>
-              <a:rPr lang="en-GB" sz="1800" b="1" dirty="0"/>
-              <a:t>Name: 23 6451</a:t>
-            </a:r>
-          </a:p>
-          <a:p>
-            <a:r>
-              <a:rPr lang="en-GB" sz="1800" b="1" dirty="0" err="1"/>
-              <a:t>relaseDate</a:t>
-            </a:r>
-            <a:r>
-              <a:rPr lang="en-GB" sz="1800" b="1" dirty="0"/>
-              <a:t>: 2019-11-15</a:t>
-            </a:r>
-          </a:p>
-        </p:txBody>
-      </p:sp>
-      <p:pic>
-        <p:nvPicPr>
-          <p:cNvPr id="22" name="Immagine 21">
-            <a:extLst>
-              <a:ext uri="{FF2B5EF4-FFF2-40B4-BE49-F238E27FC236}">
-                <a16:creationId xmlns:a16="http://schemas.microsoft.com/office/drawing/2014/main" id="{43838390-098B-4295-9158-4643C41C7812}"/>
-              </a:ext>
-            </a:extLst>
-          </p:cNvPr>
-          <p:cNvPicPr>
-            <a:picLocks noChangeAspect="1"/>
-          </p:cNvPicPr>
-          <p:nvPr/>
-        </p:nvPicPr>
-        <p:blipFill>
-          <a:blip r:embed="rId5"/>
-          <a:stretch>
-            <a:fillRect/>
-          </a:stretch>
-        </p:blipFill>
-        <p:spPr>
-          <a:xfrm>
-            <a:off x="8323518" y="5308045"/>
-            <a:ext cx="1124824" cy="1074512"/>
-          </a:xfrm>
-          <a:prstGeom prst="rect">
-            <a:avLst/>
-          </a:prstGeom>
-        </p:spPr>
-      </p:pic>
-      <p:sp>
-        <p:nvSpPr>
-          <p:cNvPr id="23" name="Titolo 3">
-            <a:extLst>
-              <a:ext uri="{FF2B5EF4-FFF2-40B4-BE49-F238E27FC236}">
-                <a16:creationId xmlns:a16="http://schemas.microsoft.com/office/drawing/2014/main" id="{C1B9B6DB-4FA2-4ADC-B37F-C66ACB764C23}"/>
-              </a:ext>
-            </a:extLst>
-          </p:cNvPr>
-          <p:cNvSpPr txBox="1">
-            <a:spLocks/>
-          </p:cNvSpPr>
-          <p:nvPr/>
-        </p:nvSpPr>
-        <p:spPr>
-          <a:xfrm>
-            <a:off x="9448342" y="5295377"/>
-            <a:ext cx="2660903" cy="1074513"/>
-          </a:xfrm>
-          <a:prstGeom prst="rect">
-            <a:avLst/>
-          </a:prstGeom>
-        </p:spPr>
-        <p:txBody>
-          <a:bodyPr vert="horz" lIns="91440" tIns="45720" rIns="91440" bIns="45720" rtlCol="0" anchor="ctr">
-            <a:noAutofit/>
-          </a:bodyPr>
-          <a:lstStyle>
-            <a:lvl1pPr algn="l" defTabSz="914400" rtl="0" eaLnBrk="1" latinLnBrk="0" hangingPunct="1">
-              <a:lnSpc>
-                <a:spcPct val="100000"/>
-              </a:lnSpc>
-              <a:spcBef>
-                <a:spcPct val="0"/>
-              </a:spcBef>
-              <a:buNone/>
-              <a:defRPr sz="4000" kern="1200">
-                <a:solidFill>
-                  <a:schemeClr val="tx1"/>
-                </a:solidFill>
-                <a:latin typeface="+mj-lt"/>
-                <a:ea typeface="+mj-ea"/>
-                <a:cs typeface="+mj-cs"/>
-              </a:defRPr>
-            </a:lvl1pPr>
-          </a:lstStyle>
-          <a:p>
-            <a:r>
-              <a:rPr lang="en-GB" sz="1800" b="1" dirty="0"/>
-              <a:t>Name: 23 6451</a:t>
-            </a:r>
-          </a:p>
-          <a:p>
-            <a:r>
-              <a:rPr lang="en-GB" sz="1800" b="1" dirty="0" err="1"/>
-              <a:t>relaseDate</a:t>
-            </a:r>
-            <a:r>
-              <a:rPr lang="en-GB" sz="1800" b="1" dirty="0"/>
-              <a:t>: 2019-11-15</a:t>
-            </a:r>
-          </a:p>
-        </p:txBody>
-      </p:sp>
     </p:spTree>
     <p:extLst>
       <p:ext uri="{BB962C8B-B14F-4D97-AF65-F5344CB8AC3E}">
-        <p14:creationId xmlns:p14="http://schemas.microsoft.com/office/powerpoint/2010/main" val="1607448009"/>
+        <p14:creationId xmlns:p14="http://schemas.microsoft.com/office/powerpoint/2010/main" val="4266947650"/>
       </p:ext>
     </p:extLst>
   </p:cSld>
@@ -16217,6 +11951,44 @@
       </p:grpSpPr>
       <p:sp>
         <p:nvSpPr>
+          <p:cNvPr id="4" name="Titolo 3">
+            <a:extLst>
+              <a:ext uri="{FF2B5EF4-FFF2-40B4-BE49-F238E27FC236}">
+                <a16:creationId xmlns:a16="http://schemas.microsoft.com/office/drawing/2014/main" id="{A32BADA9-D1E4-4A68-A522-AE21B0D0BA03}"/>
+              </a:ext>
+            </a:extLst>
+          </p:cNvPr>
+          <p:cNvSpPr>
+            <a:spLocks noGrp="1"/>
+          </p:cNvSpPr>
+          <p:nvPr>
+            <p:ph type="title"/>
+          </p:nvPr>
+        </p:nvSpPr>
+        <p:spPr>
+          <a:xfrm>
+            <a:off x="914398" y="1162050"/>
+            <a:ext cx="10763251" cy="542925"/>
+          </a:xfrm>
+        </p:spPr>
+        <p:txBody>
+          <a:bodyPr>
+            <a:noAutofit/>
+          </a:bodyPr>
+          <a:lstStyle/>
+          <a:p>
+            <a:r>
+              <a:rPr lang="en-GB" sz="2000" b="1" dirty="0">
+                <a:effectLst/>
+              </a:rPr>
+              <a:t>Show the Italian artist with the highest number of tracks present in Top 100 Italy for each year.</a:t>
+            </a:r>
+            <a:endParaRPr lang="it-IT" sz="2000" b="1" dirty="0"/>
+          </a:p>
+        </p:txBody>
+      </p:sp>
+      <p:sp>
+        <p:nvSpPr>
           <p:cNvPr id="2" name="Segnaposto numero diapositiva 1">
             <a:extLst>
               <a:ext uri="{FF2B5EF4-FFF2-40B4-BE49-F238E27FC236}">
@@ -16239,6 +12011,3252 @@
             <a:fld id="{0E41FC79-F70E-41D5-8DA8-CBC79D687031}" type="slidenum">
               <a:rPr lang="it-IT" smtClean="0"/>
               <a:t>20</a:t>
+            </a:fld>
+            <a:r>
+              <a:rPr lang="it-IT" dirty="0"/>
+              <a:t>/24</a:t>
+            </a:r>
+          </a:p>
+        </p:txBody>
+      </p:sp>
+      <p:sp>
+        <p:nvSpPr>
+          <p:cNvPr id="7" name="Segnaposto contenuto 4">
+            <a:extLst>
+              <a:ext uri="{FF2B5EF4-FFF2-40B4-BE49-F238E27FC236}">
+                <a16:creationId xmlns:a16="http://schemas.microsoft.com/office/drawing/2014/main" id="{10821EB8-3D7C-4267-A5F1-47CF8E7DF777}"/>
+              </a:ext>
+            </a:extLst>
+          </p:cNvPr>
+          <p:cNvSpPr>
+            <a:spLocks noGrp="1"/>
+          </p:cNvSpPr>
+          <p:nvPr>
+            <p:ph idx="1"/>
+          </p:nvPr>
+        </p:nvSpPr>
+        <p:spPr>
+          <a:xfrm>
+            <a:off x="1773916" y="2045967"/>
+            <a:ext cx="1485901" cy="695325"/>
+          </a:xfrm>
+        </p:spPr>
+        <p:txBody>
+          <a:bodyPr anchor="ctr">
+            <a:noAutofit/>
+          </a:bodyPr>
+          <a:lstStyle/>
+          <a:p>
+            <a:pPr marL="0" indent="0" algn="ctr" fontAlgn="base">
+              <a:buNone/>
+            </a:pPr>
+            <a:r>
+              <a:rPr lang="en-US" sz="2500" b="1" i="0" dirty="0">
+                <a:effectLst/>
+              </a:rPr>
+              <a:t> </a:t>
+            </a:r>
+            <a:r>
+              <a:rPr lang="it-IT" sz="2500" b="1" dirty="0"/>
+              <a:t>2017</a:t>
+            </a:r>
+            <a:endParaRPr lang="en-US" sz="2500" b="0" i="0" baseline="30000" dirty="0">
+              <a:effectLst/>
+              <a:latin typeface="Inter"/>
+            </a:endParaRPr>
+          </a:p>
+        </p:txBody>
+      </p:sp>
+      <p:sp>
+        <p:nvSpPr>
+          <p:cNvPr id="3" name="Rettangolo con angoli arrotondati 2">
+            <a:extLst>
+              <a:ext uri="{FF2B5EF4-FFF2-40B4-BE49-F238E27FC236}">
+                <a16:creationId xmlns:a16="http://schemas.microsoft.com/office/drawing/2014/main" id="{86D577CF-2BFB-47D7-ABD0-4E527661BDB7}"/>
+              </a:ext>
+            </a:extLst>
+          </p:cNvPr>
+          <p:cNvSpPr/>
+          <p:nvPr/>
+        </p:nvSpPr>
+        <p:spPr>
+          <a:xfrm>
+            <a:off x="6599288" y="2087629"/>
+            <a:ext cx="3445170" cy="612000"/>
+          </a:xfrm>
+          <a:prstGeom prst="roundRect">
+            <a:avLst/>
+          </a:prstGeom>
+          <a:noFill/>
+          <a:ln w="38100">
+            <a:solidFill>
+              <a:schemeClr val="accent2"/>
+            </a:solidFill>
+          </a:ln>
+        </p:spPr>
+        <p:style>
+          <a:lnRef idx="2">
+            <a:schemeClr val="accent1">
+              <a:shade val="50000"/>
+            </a:schemeClr>
+          </a:lnRef>
+          <a:fillRef idx="1">
+            <a:schemeClr val="accent1"/>
+          </a:fillRef>
+          <a:effectRef idx="0">
+            <a:schemeClr val="accent1"/>
+          </a:effectRef>
+          <a:fontRef idx="minor">
+            <a:schemeClr val="lt1"/>
+          </a:fontRef>
+        </p:style>
+        <p:txBody>
+          <a:bodyPr rtlCol="0" anchor="ctr"/>
+          <a:lstStyle/>
+          <a:p>
+            <a:pPr algn="ctr"/>
+            <a:r>
+              <a:rPr lang="it-IT" b="1" i="1" dirty="0" err="1">
+                <a:solidFill>
+                  <a:schemeClr val="tx1"/>
+                </a:solidFill>
+              </a:rPr>
+              <a:t>Guè</a:t>
+            </a:r>
+            <a:r>
+              <a:rPr lang="it-IT" i="1" dirty="0">
+                <a:solidFill>
+                  <a:schemeClr val="tx1"/>
+                </a:solidFill>
+              </a:rPr>
+              <a:t>, </a:t>
+            </a:r>
+            <a:r>
+              <a:rPr lang="it-IT" dirty="0">
+                <a:solidFill>
+                  <a:schemeClr val="tx1"/>
+                </a:solidFill>
+              </a:rPr>
+              <a:t>20 Tracks</a:t>
+            </a:r>
+            <a:endParaRPr lang="en-GB" dirty="0">
+              <a:solidFill>
+                <a:schemeClr val="tx1"/>
+              </a:solidFill>
+            </a:endParaRPr>
+          </a:p>
+        </p:txBody>
+      </p:sp>
+      <p:pic>
+        <p:nvPicPr>
+          <p:cNvPr id="27" name="Immagine 26" descr="Immagine che contiene persona, abbigliamento&#10;&#10;Descrizione generata automaticamente">
+            <a:extLst>
+              <a:ext uri="{FF2B5EF4-FFF2-40B4-BE49-F238E27FC236}">
+                <a16:creationId xmlns:a16="http://schemas.microsoft.com/office/drawing/2014/main" id="{A0277C78-881A-44A2-8A87-A86C4CA22B84}"/>
+              </a:ext>
+            </a:extLst>
+          </p:cNvPr>
+          <p:cNvPicPr>
+            <a:picLocks noChangeAspect="1"/>
+          </p:cNvPicPr>
+          <p:nvPr/>
+        </p:nvPicPr>
+        <p:blipFill>
+          <a:blip r:embed="rId2">
+            <a:extLst>
+              <a:ext uri="{28A0092B-C50C-407E-A947-70E740481C1C}">
+                <a14:useLocalDpi xmlns:a14="http://schemas.microsoft.com/office/drawing/2010/main" val="0"/>
+              </a:ext>
+            </a:extLst>
+          </a:blip>
+          <a:stretch>
+            <a:fillRect/>
+          </a:stretch>
+        </p:blipFill>
+        <p:spPr>
+          <a:xfrm>
+            <a:off x="5937894" y="1943629"/>
+            <a:ext cx="900000" cy="900000"/>
+          </a:xfrm>
+          <a:prstGeom prst="ellipse">
+            <a:avLst/>
+          </a:prstGeom>
+          <a:ln>
+            <a:solidFill>
+              <a:schemeClr val="tx1"/>
+            </a:solidFill>
+          </a:ln>
+        </p:spPr>
+      </p:pic>
+      <p:cxnSp>
+        <p:nvCxnSpPr>
+          <p:cNvPr id="31" name="Connettore 2 30">
+            <a:extLst>
+              <a:ext uri="{FF2B5EF4-FFF2-40B4-BE49-F238E27FC236}">
+                <a16:creationId xmlns:a16="http://schemas.microsoft.com/office/drawing/2014/main" id="{4EEA460D-66DB-4F4C-A239-D040A05AB2F6}"/>
+              </a:ext>
+            </a:extLst>
+          </p:cNvPr>
+          <p:cNvCxnSpPr>
+            <a:cxnSpLocks/>
+          </p:cNvCxnSpPr>
+          <p:nvPr/>
+        </p:nvCxnSpPr>
+        <p:spPr>
+          <a:xfrm>
+            <a:off x="3370430" y="2393629"/>
+            <a:ext cx="2264069" cy="0"/>
+          </a:xfrm>
+          <a:prstGeom prst="straightConnector1">
+            <a:avLst/>
+          </a:prstGeom>
+          <a:ln w="38100">
+            <a:tailEnd type="triangle"/>
+          </a:ln>
+        </p:spPr>
+        <p:style>
+          <a:lnRef idx="1">
+            <a:schemeClr val="accent1"/>
+          </a:lnRef>
+          <a:fillRef idx="0">
+            <a:schemeClr val="accent1"/>
+          </a:fillRef>
+          <a:effectRef idx="0">
+            <a:schemeClr val="accent1"/>
+          </a:effectRef>
+          <a:fontRef idx="minor">
+            <a:schemeClr val="tx1"/>
+          </a:fontRef>
+        </p:style>
+      </p:cxnSp>
+      <p:grpSp>
+        <p:nvGrpSpPr>
+          <p:cNvPr id="37" name="Gruppo 36">
+            <a:extLst>
+              <a:ext uri="{FF2B5EF4-FFF2-40B4-BE49-F238E27FC236}">
+                <a16:creationId xmlns:a16="http://schemas.microsoft.com/office/drawing/2014/main" id="{21D7DC82-F40C-48A8-9123-B35F1EA16D3A}"/>
+              </a:ext>
+            </a:extLst>
+          </p:cNvPr>
+          <p:cNvGrpSpPr/>
+          <p:nvPr/>
+        </p:nvGrpSpPr>
+        <p:grpSpPr>
+          <a:xfrm>
+            <a:off x="1773916" y="3238595"/>
+            <a:ext cx="8270542" cy="695325"/>
+            <a:chOff x="1773916" y="3238595"/>
+            <a:chExt cx="8270542" cy="695325"/>
+          </a:xfrm>
+        </p:grpSpPr>
+        <p:sp>
+          <p:nvSpPr>
+            <p:cNvPr id="14" name="Segnaposto contenuto 4">
+              <a:extLst>
+                <a:ext uri="{FF2B5EF4-FFF2-40B4-BE49-F238E27FC236}">
+                  <a16:creationId xmlns:a16="http://schemas.microsoft.com/office/drawing/2014/main" id="{6AC7A45E-3833-4A80-B08B-8103243D2C63}"/>
+                </a:ext>
+              </a:extLst>
+            </p:cNvPr>
+            <p:cNvSpPr txBox="1">
+              <a:spLocks/>
+            </p:cNvSpPr>
+            <p:nvPr/>
+          </p:nvSpPr>
+          <p:spPr>
+            <a:xfrm>
+              <a:off x="1773916" y="3238595"/>
+              <a:ext cx="1485901" cy="695325"/>
+            </a:xfrm>
+            <a:prstGeom prst="rect">
+              <a:avLst/>
+            </a:prstGeom>
+          </p:spPr>
+          <p:txBody>
+            <a:bodyPr vert="horz" lIns="91440" tIns="45720" rIns="91440" bIns="45720" rtlCol="0" anchor="ctr">
+              <a:noAutofit/>
+            </a:bodyPr>
+            <a:lstStyle>
+              <a:lvl1pPr marL="228600" indent="-228600" algn="l" defTabSz="914400" rtl="0" eaLnBrk="1" latinLnBrk="0" hangingPunct="1">
+                <a:lnSpc>
+                  <a:spcPct val="120000"/>
+                </a:lnSpc>
+                <a:spcBef>
+                  <a:spcPts val="1000"/>
+                </a:spcBef>
+                <a:buSzPct val="87000"/>
+                <a:buFont typeface="Arial" panose="020B0604020202020204" pitchFamily="34" charset="0"/>
+                <a:buChar char="•"/>
+                <a:defRPr sz="2000" kern="1200">
+                  <a:solidFill>
+                    <a:schemeClr val="tx1"/>
+                  </a:solidFill>
+                  <a:latin typeface="+mn-lt"/>
+                  <a:ea typeface="+mn-ea"/>
+                  <a:cs typeface="+mn-cs"/>
+                </a:defRPr>
+              </a:lvl1pPr>
+              <a:lvl2pPr marL="274320" indent="0" algn="l" defTabSz="914400" rtl="0" eaLnBrk="1" latinLnBrk="0" hangingPunct="1">
+                <a:lnSpc>
+                  <a:spcPct val="120000"/>
+                </a:lnSpc>
+                <a:spcBef>
+                  <a:spcPts val="500"/>
+                </a:spcBef>
+                <a:buSzPct val="87000"/>
+                <a:buFontTx/>
+                <a:buNone/>
+                <a:defRPr sz="1800" kern="1200">
+                  <a:solidFill>
+                    <a:schemeClr val="tx1"/>
+                  </a:solidFill>
+                  <a:latin typeface="+mn-lt"/>
+                  <a:ea typeface="+mn-ea"/>
+                  <a:cs typeface="+mn-cs"/>
+                </a:defRPr>
+              </a:lvl2pPr>
+              <a:lvl3pPr marL="548640" indent="-228600" algn="l" defTabSz="914400" rtl="0" eaLnBrk="1" latinLnBrk="0" hangingPunct="1">
+                <a:lnSpc>
+                  <a:spcPct val="120000"/>
+                </a:lnSpc>
+                <a:spcBef>
+                  <a:spcPts val="500"/>
+                </a:spcBef>
+                <a:buSzPct val="87000"/>
+                <a:buFont typeface="Arial" panose="020B0604020202020204" pitchFamily="34" charset="0"/>
+                <a:buChar char="•"/>
+                <a:defRPr sz="1600" kern="1200">
+                  <a:solidFill>
+                    <a:schemeClr val="tx1"/>
+                  </a:solidFill>
+                  <a:latin typeface="+mn-lt"/>
+                  <a:ea typeface="+mn-ea"/>
+                  <a:cs typeface="+mn-cs"/>
+                </a:defRPr>
+              </a:lvl3pPr>
+              <a:lvl4pPr marL="594360" indent="0" algn="l" defTabSz="914400" rtl="0" eaLnBrk="1" latinLnBrk="0" hangingPunct="1">
+                <a:lnSpc>
+                  <a:spcPct val="120000"/>
+                </a:lnSpc>
+                <a:spcBef>
+                  <a:spcPts val="500"/>
+                </a:spcBef>
+                <a:buSzPct val="87000"/>
+                <a:buFontTx/>
+                <a:buNone/>
+                <a:defRPr sz="1400" kern="1200">
+                  <a:solidFill>
+                    <a:schemeClr val="tx1"/>
+                  </a:solidFill>
+                  <a:latin typeface="+mn-lt"/>
+                  <a:ea typeface="+mn-ea"/>
+                  <a:cs typeface="+mn-cs"/>
+                </a:defRPr>
+              </a:lvl4pPr>
+              <a:lvl5pPr marL="822960" indent="-228600" algn="l" defTabSz="914400" rtl="0" eaLnBrk="1" latinLnBrk="0" hangingPunct="1">
+                <a:lnSpc>
+                  <a:spcPct val="120000"/>
+                </a:lnSpc>
+                <a:spcBef>
+                  <a:spcPts val="500"/>
+                </a:spcBef>
+                <a:buSzPct val="87000"/>
+                <a:buFont typeface="Arial" panose="020B0604020202020204" pitchFamily="34" charset="0"/>
+                <a:buChar char="•"/>
+                <a:defRPr sz="1400" kern="1200">
+                  <a:solidFill>
+                    <a:schemeClr val="tx1"/>
+                  </a:solidFill>
+                  <a:latin typeface="+mn-lt"/>
+                  <a:ea typeface="+mn-ea"/>
+                  <a:cs typeface="+mn-cs"/>
+                </a:defRPr>
+              </a:lvl5pPr>
+              <a:lvl6pPr marL="2514600" indent="-228600" algn="l" defTabSz="914400" rtl="0" eaLnBrk="1" latinLnBrk="0" hangingPunct="1">
+                <a:lnSpc>
+                  <a:spcPct val="90000"/>
+                </a:lnSpc>
+                <a:spcBef>
+                  <a:spcPts val="500"/>
+                </a:spcBef>
+                <a:buFont typeface="Arial" panose="020B0604020202020204" pitchFamily="34" charset="0"/>
+                <a:buChar char="•"/>
+                <a:defRPr sz="1800" kern="1200">
+                  <a:solidFill>
+                    <a:schemeClr val="tx1"/>
+                  </a:solidFill>
+                  <a:latin typeface="+mn-lt"/>
+                  <a:ea typeface="+mn-ea"/>
+                  <a:cs typeface="+mn-cs"/>
+                </a:defRPr>
+              </a:lvl6pPr>
+              <a:lvl7pPr marL="2971800" indent="-228600" algn="l" defTabSz="914400" rtl="0" eaLnBrk="1" latinLnBrk="0" hangingPunct="1">
+                <a:lnSpc>
+                  <a:spcPct val="90000"/>
+                </a:lnSpc>
+                <a:spcBef>
+                  <a:spcPts val="500"/>
+                </a:spcBef>
+                <a:buFont typeface="Arial" panose="020B0604020202020204" pitchFamily="34" charset="0"/>
+                <a:buChar char="•"/>
+                <a:defRPr sz="1800" kern="1200">
+                  <a:solidFill>
+                    <a:schemeClr val="tx1"/>
+                  </a:solidFill>
+                  <a:latin typeface="+mn-lt"/>
+                  <a:ea typeface="+mn-ea"/>
+                  <a:cs typeface="+mn-cs"/>
+                </a:defRPr>
+              </a:lvl7pPr>
+              <a:lvl8pPr marL="3429000" indent="-228600" algn="l" defTabSz="914400" rtl="0" eaLnBrk="1" latinLnBrk="0" hangingPunct="1">
+                <a:lnSpc>
+                  <a:spcPct val="90000"/>
+                </a:lnSpc>
+                <a:spcBef>
+                  <a:spcPts val="500"/>
+                </a:spcBef>
+                <a:buFont typeface="Arial" panose="020B0604020202020204" pitchFamily="34" charset="0"/>
+                <a:buChar char="•"/>
+                <a:defRPr sz="1800" kern="1200">
+                  <a:solidFill>
+                    <a:schemeClr val="tx1"/>
+                  </a:solidFill>
+                  <a:latin typeface="+mn-lt"/>
+                  <a:ea typeface="+mn-ea"/>
+                  <a:cs typeface="+mn-cs"/>
+                </a:defRPr>
+              </a:lvl8pPr>
+              <a:lvl9pPr marL="3886200" indent="-228600" algn="l" defTabSz="914400" rtl="0" eaLnBrk="1" latinLnBrk="0" hangingPunct="1">
+                <a:lnSpc>
+                  <a:spcPct val="90000"/>
+                </a:lnSpc>
+                <a:spcBef>
+                  <a:spcPts val="500"/>
+                </a:spcBef>
+                <a:buFont typeface="Arial" panose="020B0604020202020204" pitchFamily="34" charset="0"/>
+                <a:buChar char="•"/>
+                <a:defRPr sz="1800" kern="1200">
+                  <a:solidFill>
+                    <a:schemeClr val="tx1"/>
+                  </a:solidFill>
+                  <a:latin typeface="+mn-lt"/>
+                  <a:ea typeface="+mn-ea"/>
+                  <a:cs typeface="+mn-cs"/>
+                </a:defRPr>
+              </a:lvl9pPr>
+            </a:lstStyle>
+            <a:p>
+              <a:pPr marL="0" indent="0" algn="ctr" fontAlgn="base">
+                <a:buFont typeface="Arial" panose="020B0604020202020204" pitchFamily="34" charset="0"/>
+                <a:buNone/>
+              </a:pPr>
+              <a:r>
+                <a:rPr lang="en-US" sz="2500" b="1" dirty="0"/>
+                <a:t> </a:t>
+              </a:r>
+              <a:r>
+                <a:rPr lang="it-IT" sz="2500" b="1" dirty="0"/>
+                <a:t>2018</a:t>
+              </a:r>
+              <a:endParaRPr lang="en-US" sz="2500" baseline="30000" dirty="0">
+                <a:latin typeface="Inter"/>
+              </a:endParaRPr>
+            </a:p>
+          </p:txBody>
+        </p:sp>
+        <p:sp>
+          <p:nvSpPr>
+            <p:cNvPr id="15" name="Rettangolo con angoli arrotondati 14">
+              <a:extLst>
+                <a:ext uri="{FF2B5EF4-FFF2-40B4-BE49-F238E27FC236}">
+                  <a16:creationId xmlns:a16="http://schemas.microsoft.com/office/drawing/2014/main" id="{E27F12BE-CE28-4290-91F0-16ADEBB6829B}"/>
+                </a:ext>
+              </a:extLst>
+            </p:cNvPr>
+            <p:cNvSpPr/>
+            <p:nvPr/>
+          </p:nvSpPr>
+          <p:spPr>
+            <a:xfrm>
+              <a:off x="6599288" y="3280257"/>
+              <a:ext cx="3445170" cy="612000"/>
+            </a:xfrm>
+            <a:prstGeom prst="roundRect">
+              <a:avLst/>
+            </a:prstGeom>
+            <a:noFill/>
+            <a:ln w="38100">
+              <a:solidFill>
+                <a:schemeClr val="accent2"/>
+              </a:solidFill>
+            </a:ln>
+          </p:spPr>
+          <p:style>
+            <a:lnRef idx="2">
+              <a:schemeClr val="accent1">
+                <a:shade val="50000"/>
+              </a:schemeClr>
+            </a:lnRef>
+            <a:fillRef idx="1">
+              <a:schemeClr val="accent1"/>
+            </a:fillRef>
+            <a:effectRef idx="0">
+              <a:schemeClr val="accent1"/>
+            </a:effectRef>
+            <a:fontRef idx="minor">
+              <a:schemeClr val="lt1"/>
+            </a:fontRef>
+          </p:style>
+          <p:txBody>
+            <a:bodyPr rtlCol="0" anchor="ctr"/>
+            <a:lstStyle/>
+            <a:p>
+              <a:pPr algn="ctr"/>
+              <a:r>
+                <a:rPr lang="it-IT" b="1" i="1" dirty="0" err="1">
+                  <a:solidFill>
+                    <a:schemeClr val="tx1"/>
+                  </a:solidFill>
+                </a:rPr>
+                <a:t>Gemitaiz</a:t>
+              </a:r>
+              <a:r>
+                <a:rPr lang="it-IT" i="1" dirty="0">
+                  <a:solidFill>
+                    <a:schemeClr val="tx1"/>
+                  </a:solidFill>
+                </a:rPr>
+                <a:t>, </a:t>
+              </a:r>
+              <a:r>
+                <a:rPr lang="it-IT" dirty="0">
+                  <a:solidFill>
+                    <a:schemeClr val="tx1"/>
+                  </a:solidFill>
+                </a:rPr>
+                <a:t>28 Tracks</a:t>
+              </a:r>
+              <a:endParaRPr lang="en-GB" dirty="0">
+                <a:solidFill>
+                  <a:schemeClr val="tx1"/>
+                </a:solidFill>
+              </a:endParaRPr>
+            </a:p>
+          </p:txBody>
+        </p:sp>
+        <p:cxnSp>
+          <p:nvCxnSpPr>
+            <p:cNvPr id="32" name="Connettore 2 31">
+              <a:extLst>
+                <a:ext uri="{FF2B5EF4-FFF2-40B4-BE49-F238E27FC236}">
+                  <a16:creationId xmlns:a16="http://schemas.microsoft.com/office/drawing/2014/main" id="{FC475B57-92B2-4394-BFE2-31ACDC9E648E}"/>
+                </a:ext>
+              </a:extLst>
+            </p:cNvPr>
+            <p:cNvCxnSpPr>
+              <a:cxnSpLocks/>
+            </p:cNvCxnSpPr>
+            <p:nvPr/>
+          </p:nvCxnSpPr>
+          <p:spPr>
+            <a:xfrm>
+              <a:off x="3370430" y="3586257"/>
+              <a:ext cx="2264069" cy="0"/>
+            </a:xfrm>
+            <a:prstGeom prst="straightConnector1">
+              <a:avLst/>
+            </a:prstGeom>
+            <a:ln w="38100">
+              <a:tailEnd type="triangle"/>
+            </a:ln>
+          </p:spPr>
+          <p:style>
+            <a:lnRef idx="1">
+              <a:schemeClr val="accent1"/>
+            </a:lnRef>
+            <a:fillRef idx="0">
+              <a:schemeClr val="accent1"/>
+            </a:fillRef>
+            <a:effectRef idx="0">
+              <a:schemeClr val="accent1"/>
+            </a:effectRef>
+            <a:fontRef idx="minor">
+              <a:schemeClr val="tx1"/>
+            </a:fontRef>
+          </p:style>
+        </p:cxnSp>
+      </p:grpSp>
+      <p:grpSp>
+        <p:nvGrpSpPr>
+          <p:cNvPr id="35" name="Gruppo 34">
+            <a:extLst>
+              <a:ext uri="{FF2B5EF4-FFF2-40B4-BE49-F238E27FC236}">
+                <a16:creationId xmlns:a16="http://schemas.microsoft.com/office/drawing/2014/main" id="{E2DA7328-6BD8-483C-9681-0DE1D96F95CB}"/>
+              </a:ext>
+            </a:extLst>
+          </p:cNvPr>
+          <p:cNvGrpSpPr/>
+          <p:nvPr/>
+        </p:nvGrpSpPr>
+        <p:grpSpPr>
+          <a:xfrm>
+            <a:off x="1773916" y="4328885"/>
+            <a:ext cx="8270542" cy="900000"/>
+            <a:chOff x="1773916" y="4328885"/>
+            <a:chExt cx="8270542" cy="900000"/>
+          </a:xfrm>
+        </p:grpSpPr>
+        <p:sp>
+          <p:nvSpPr>
+            <p:cNvPr id="17" name="Segnaposto contenuto 4">
+              <a:extLst>
+                <a:ext uri="{FF2B5EF4-FFF2-40B4-BE49-F238E27FC236}">
+                  <a16:creationId xmlns:a16="http://schemas.microsoft.com/office/drawing/2014/main" id="{379E26E0-F1F0-429E-8876-958FA9492730}"/>
+                </a:ext>
+              </a:extLst>
+            </p:cNvPr>
+            <p:cNvSpPr txBox="1">
+              <a:spLocks/>
+            </p:cNvSpPr>
+            <p:nvPr/>
+          </p:nvSpPr>
+          <p:spPr>
+            <a:xfrm>
+              <a:off x="1773916" y="4431223"/>
+              <a:ext cx="1485901" cy="695325"/>
+            </a:xfrm>
+            <a:prstGeom prst="rect">
+              <a:avLst/>
+            </a:prstGeom>
+          </p:spPr>
+          <p:txBody>
+            <a:bodyPr vert="horz" lIns="91440" tIns="45720" rIns="91440" bIns="45720" rtlCol="0" anchor="ctr">
+              <a:noAutofit/>
+            </a:bodyPr>
+            <a:lstStyle>
+              <a:lvl1pPr marL="228600" indent="-228600" algn="l" defTabSz="914400" rtl="0" eaLnBrk="1" latinLnBrk="0" hangingPunct="1">
+                <a:lnSpc>
+                  <a:spcPct val="120000"/>
+                </a:lnSpc>
+                <a:spcBef>
+                  <a:spcPts val="1000"/>
+                </a:spcBef>
+                <a:buSzPct val="87000"/>
+                <a:buFont typeface="Arial" panose="020B0604020202020204" pitchFamily="34" charset="0"/>
+                <a:buChar char="•"/>
+                <a:defRPr sz="2000" kern="1200">
+                  <a:solidFill>
+                    <a:schemeClr val="tx1"/>
+                  </a:solidFill>
+                  <a:latin typeface="+mn-lt"/>
+                  <a:ea typeface="+mn-ea"/>
+                  <a:cs typeface="+mn-cs"/>
+                </a:defRPr>
+              </a:lvl1pPr>
+              <a:lvl2pPr marL="274320" indent="0" algn="l" defTabSz="914400" rtl="0" eaLnBrk="1" latinLnBrk="0" hangingPunct="1">
+                <a:lnSpc>
+                  <a:spcPct val="120000"/>
+                </a:lnSpc>
+                <a:spcBef>
+                  <a:spcPts val="500"/>
+                </a:spcBef>
+                <a:buSzPct val="87000"/>
+                <a:buFontTx/>
+                <a:buNone/>
+                <a:defRPr sz="1800" kern="1200">
+                  <a:solidFill>
+                    <a:schemeClr val="tx1"/>
+                  </a:solidFill>
+                  <a:latin typeface="+mn-lt"/>
+                  <a:ea typeface="+mn-ea"/>
+                  <a:cs typeface="+mn-cs"/>
+                </a:defRPr>
+              </a:lvl2pPr>
+              <a:lvl3pPr marL="548640" indent="-228600" algn="l" defTabSz="914400" rtl="0" eaLnBrk="1" latinLnBrk="0" hangingPunct="1">
+                <a:lnSpc>
+                  <a:spcPct val="120000"/>
+                </a:lnSpc>
+                <a:spcBef>
+                  <a:spcPts val="500"/>
+                </a:spcBef>
+                <a:buSzPct val="87000"/>
+                <a:buFont typeface="Arial" panose="020B0604020202020204" pitchFamily="34" charset="0"/>
+                <a:buChar char="•"/>
+                <a:defRPr sz="1600" kern="1200">
+                  <a:solidFill>
+                    <a:schemeClr val="tx1"/>
+                  </a:solidFill>
+                  <a:latin typeface="+mn-lt"/>
+                  <a:ea typeface="+mn-ea"/>
+                  <a:cs typeface="+mn-cs"/>
+                </a:defRPr>
+              </a:lvl3pPr>
+              <a:lvl4pPr marL="594360" indent="0" algn="l" defTabSz="914400" rtl="0" eaLnBrk="1" latinLnBrk="0" hangingPunct="1">
+                <a:lnSpc>
+                  <a:spcPct val="120000"/>
+                </a:lnSpc>
+                <a:spcBef>
+                  <a:spcPts val="500"/>
+                </a:spcBef>
+                <a:buSzPct val="87000"/>
+                <a:buFontTx/>
+                <a:buNone/>
+                <a:defRPr sz="1400" kern="1200">
+                  <a:solidFill>
+                    <a:schemeClr val="tx1"/>
+                  </a:solidFill>
+                  <a:latin typeface="+mn-lt"/>
+                  <a:ea typeface="+mn-ea"/>
+                  <a:cs typeface="+mn-cs"/>
+                </a:defRPr>
+              </a:lvl4pPr>
+              <a:lvl5pPr marL="822960" indent="-228600" algn="l" defTabSz="914400" rtl="0" eaLnBrk="1" latinLnBrk="0" hangingPunct="1">
+                <a:lnSpc>
+                  <a:spcPct val="120000"/>
+                </a:lnSpc>
+                <a:spcBef>
+                  <a:spcPts val="500"/>
+                </a:spcBef>
+                <a:buSzPct val="87000"/>
+                <a:buFont typeface="Arial" panose="020B0604020202020204" pitchFamily="34" charset="0"/>
+                <a:buChar char="•"/>
+                <a:defRPr sz="1400" kern="1200">
+                  <a:solidFill>
+                    <a:schemeClr val="tx1"/>
+                  </a:solidFill>
+                  <a:latin typeface="+mn-lt"/>
+                  <a:ea typeface="+mn-ea"/>
+                  <a:cs typeface="+mn-cs"/>
+                </a:defRPr>
+              </a:lvl5pPr>
+              <a:lvl6pPr marL="2514600" indent="-228600" algn="l" defTabSz="914400" rtl="0" eaLnBrk="1" latinLnBrk="0" hangingPunct="1">
+                <a:lnSpc>
+                  <a:spcPct val="90000"/>
+                </a:lnSpc>
+                <a:spcBef>
+                  <a:spcPts val="500"/>
+                </a:spcBef>
+                <a:buFont typeface="Arial" panose="020B0604020202020204" pitchFamily="34" charset="0"/>
+                <a:buChar char="•"/>
+                <a:defRPr sz="1800" kern="1200">
+                  <a:solidFill>
+                    <a:schemeClr val="tx1"/>
+                  </a:solidFill>
+                  <a:latin typeface="+mn-lt"/>
+                  <a:ea typeface="+mn-ea"/>
+                  <a:cs typeface="+mn-cs"/>
+                </a:defRPr>
+              </a:lvl6pPr>
+              <a:lvl7pPr marL="2971800" indent="-228600" algn="l" defTabSz="914400" rtl="0" eaLnBrk="1" latinLnBrk="0" hangingPunct="1">
+                <a:lnSpc>
+                  <a:spcPct val="90000"/>
+                </a:lnSpc>
+                <a:spcBef>
+                  <a:spcPts val="500"/>
+                </a:spcBef>
+                <a:buFont typeface="Arial" panose="020B0604020202020204" pitchFamily="34" charset="0"/>
+                <a:buChar char="•"/>
+                <a:defRPr sz="1800" kern="1200">
+                  <a:solidFill>
+                    <a:schemeClr val="tx1"/>
+                  </a:solidFill>
+                  <a:latin typeface="+mn-lt"/>
+                  <a:ea typeface="+mn-ea"/>
+                  <a:cs typeface="+mn-cs"/>
+                </a:defRPr>
+              </a:lvl7pPr>
+              <a:lvl8pPr marL="3429000" indent="-228600" algn="l" defTabSz="914400" rtl="0" eaLnBrk="1" latinLnBrk="0" hangingPunct="1">
+                <a:lnSpc>
+                  <a:spcPct val="90000"/>
+                </a:lnSpc>
+                <a:spcBef>
+                  <a:spcPts val="500"/>
+                </a:spcBef>
+                <a:buFont typeface="Arial" panose="020B0604020202020204" pitchFamily="34" charset="0"/>
+                <a:buChar char="•"/>
+                <a:defRPr sz="1800" kern="1200">
+                  <a:solidFill>
+                    <a:schemeClr val="tx1"/>
+                  </a:solidFill>
+                  <a:latin typeface="+mn-lt"/>
+                  <a:ea typeface="+mn-ea"/>
+                  <a:cs typeface="+mn-cs"/>
+                </a:defRPr>
+              </a:lvl8pPr>
+              <a:lvl9pPr marL="3886200" indent="-228600" algn="l" defTabSz="914400" rtl="0" eaLnBrk="1" latinLnBrk="0" hangingPunct="1">
+                <a:lnSpc>
+                  <a:spcPct val="90000"/>
+                </a:lnSpc>
+                <a:spcBef>
+                  <a:spcPts val="500"/>
+                </a:spcBef>
+                <a:buFont typeface="Arial" panose="020B0604020202020204" pitchFamily="34" charset="0"/>
+                <a:buChar char="•"/>
+                <a:defRPr sz="1800" kern="1200">
+                  <a:solidFill>
+                    <a:schemeClr val="tx1"/>
+                  </a:solidFill>
+                  <a:latin typeface="+mn-lt"/>
+                  <a:ea typeface="+mn-ea"/>
+                  <a:cs typeface="+mn-cs"/>
+                </a:defRPr>
+              </a:lvl9pPr>
+            </a:lstStyle>
+            <a:p>
+              <a:pPr marL="0" indent="0" algn="ctr" fontAlgn="base">
+                <a:buFont typeface="Arial" panose="020B0604020202020204" pitchFamily="34" charset="0"/>
+                <a:buNone/>
+              </a:pPr>
+              <a:r>
+                <a:rPr lang="en-US" sz="2500" b="1" dirty="0"/>
+                <a:t> </a:t>
+              </a:r>
+              <a:r>
+                <a:rPr lang="it-IT" sz="2500" b="1" dirty="0"/>
+                <a:t>2019</a:t>
+              </a:r>
+              <a:endParaRPr lang="en-US" sz="2500" baseline="30000" dirty="0">
+                <a:latin typeface="Inter"/>
+              </a:endParaRPr>
+            </a:p>
+          </p:txBody>
+        </p:sp>
+        <p:sp>
+          <p:nvSpPr>
+            <p:cNvPr id="18" name="Rettangolo con angoli arrotondati 17">
+              <a:extLst>
+                <a:ext uri="{FF2B5EF4-FFF2-40B4-BE49-F238E27FC236}">
+                  <a16:creationId xmlns:a16="http://schemas.microsoft.com/office/drawing/2014/main" id="{23DE3547-492F-435D-9686-80AD8C81016B}"/>
+                </a:ext>
+              </a:extLst>
+            </p:cNvPr>
+            <p:cNvSpPr/>
+            <p:nvPr/>
+          </p:nvSpPr>
+          <p:spPr>
+            <a:xfrm>
+              <a:off x="6599288" y="4472885"/>
+              <a:ext cx="3445170" cy="612000"/>
+            </a:xfrm>
+            <a:prstGeom prst="roundRect">
+              <a:avLst/>
+            </a:prstGeom>
+            <a:noFill/>
+            <a:ln w="38100">
+              <a:solidFill>
+                <a:schemeClr val="accent2"/>
+              </a:solidFill>
+            </a:ln>
+          </p:spPr>
+          <p:style>
+            <a:lnRef idx="2">
+              <a:schemeClr val="accent1">
+                <a:shade val="50000"/>
+              </a:schemeClr>
+            </a:lnRef>
+            <a:fillRef idx="1">
+              <a:schemeClr val="accent1"/>
+            </a:fillRef>
+            <a:effectRef idx="0">
+              <a:schemeClr val="accent1"/>
+            </a:effectRef>
+            <a:fontRef idx="minor">
+              <a:schemeClr val="lt1"/>
+            </a:fontRef>
+          </p:style>
+          <p:txBody>
+            <a:bodyPr rtlCol="0" anchor="ctr"/>
+            <a:lstStyle/>
+            <a:p>
+              <a:pPr algn="ctr"/>
+              <a:r>
+                <a:rPr lang="it-IT" b="1" i="1" dirty="0" err="1">
+                  <a:solidFill>
+                    <a:schemeClr val="tx1"/>
+                  </a:solidFill>
+                </a:rPr>
+                <a:t>Madman</a:t>
+              </a:r>
+              <a:r>
+                <a:rPr lang="it-IT" i="1" dirty="0">
+                  <a:solidFill>
+                    <a:schemeClr val="tx1"/>
+                  </a:solidFill>
+                </a:rPr>
+                <a:t>, </a:t>
+              </a:r>
+              <a:r>
+                <a:rPr lang="it-IT" dirty="0">
+                  <a:solidFill>
+                    <a:schemeClr val="tx1"/>
+                  </a:solidFill>
+                </a:rPr>
+                <a:t>30 Tracks</a:t>
+              </a:r>
+              <a:endParaRPr lang="en-GB" dirty="0">
+                <a:solidFill>
+                  <a:schemeClr val="tx1"/>
+                </a:solidFill>
+              </a:endParaRPr>
+            </a:p>
+          </p:txBody>
+        </p:sp>
+        <p:pic>
+          <p:nvPicPr>
+            <p:cNvPr id="25" name="Immagine 24" descr="Immagine che contiene persona, palcoscenico&#10;&#10;Descrizione generata automaticamente">
+              <a:extLst>
+                <a:ext uri="{FF2B5EF4-FFF2-40B4-BE49-F238E27FC236}">
+                  <a16:creationId xmlns:a16="http://schemas.microsoft.com/office/drawing/2014/main" id="{D124B98C-A9F0-4CD6-97FF-D6B9547DFE53}"/>
+                </a:ext>
+              </a:extLst>
+            </p:cNvPr>
+            <p:cNvPicPr>
+              <a:picLocks noChangeAspect="1"/>
+            </p:cNvPicPr>
+            <p:nvPr/>
+          </p:nvPicPr>
+          <p:blipFill rotWithShape="1">
+            <a:blip r:embed="rId3">
+              <a:extLst>
+                <a:ext uri="{28A0092B-C50C-407E-A947-70E740481C1C}">
+                  <a14:useLocalDpi xmlns:a14="http://schemas.microsoft.com/office/drawing/2010/main" val="0"/>
+                </a:ext>
+              </a:extLst>
+            </a:blip>
+            <a:srcRect/>
+            <a:stretch/>
+          </p:blipFill>
+          <p:spPr>
+            <a:xfrm>
+              <a:off x="5937894" y="4328885"/>
+              <a:ext cx="900000" cy="900000"/>
+            </a:xfrm>
+            <a:prstGeom prst="ellipse">
+              <a:avLst/>
+            </a:prstGeom>
+          </p:spPr>
+        </p:pic>
+        <p:cxnSp>
+          <p:nvCxnSpPr>
+            <p:cNvPr id="33" name="Connettore 2 32">
+              <a:extLst>
+                <a:ext uri="{FF2B5EF4-FFF2-40B4-BE49-F238E27FC236}">
+                  <a16:creationId xmlns:a16="http://schemas.microsoft.com/office/drawing/2014/main" id="{00DA8FF6-83ED-4881-AC60-0B5F35918A08}"/>
+                </a:ext>
+              </a:extLst>
+            </p:cNvPr>
+            <p:cNvCxnSpPr>
+              <a:cxnSpLocks/>
+            </p:cNvCxnSpPr>
+            <p:nvPr/>
+          </p:nvCxnSpPr>
+          <p:spPr>
+            <a:xfrm>
+              <a:off x="3370430" y="4778885"/>
+              <a:ext cx="2264069" cy="0"/>
+            </a:xfrm>
+            <a:prstGeom prst="straightConnector1">
+              <a:avLst/>
+            </a:prstGeom>
+            <a:ln w="38100">
+              <a:tailEnd type="triangle"/>
+            </a:ln>
+          </p:spPr>
+          <p:style>
+            <a:lnRef idx="1">
+              <a:schemeClr val="accent1"/>
+            </a:lnRef>
+            <a:fillRef idx="0">
+              <a:schemeClr val="accent1"/>
+            </a:fillRef>
+            <a:effectRef idx="0">
+              <a:schemeClr val="accent1"/>
+            </a:effectRef>
+            <a:fontRef idx="minor">
+              <a:schemeClr val="tx1"/>
+            </a:fontRef>
+          </p:style>
+        </p:cxnSp>
+      </p:grpSp>
+      <p:grpSp>
+        <p:nvGrpSpPr>
+          <p:cNvPr id="36" name="Gruppo 35">
+            <a:extLst>
+              <a:ext uri="{FF2B5EF4-FFF2-40B4-BE49-F238E27FC236}">
+                <a16:creationId xmlns:a16="http://schemas.microsoft.com/office/drawing/2014/main" id="{9380DB98-D49B-4B69-8607-620A8E71C5C7}"/>
+              </a:ext>
+            </a:extLst>
+          </p:cNvPr>
+          <p:cNvGrpSpPr/>
+          <p:nvPr/>
+        </p:nvGrpSpPr>
+        <p:grpSpPr>
+          <a:xfrm>
+            <a:off x="1773916" y="5563176"/>
+            <a:ext cx="8270542" cy="900000"/>
+            <a:chOff x="1773916" y="5563176"/>
+            <a:chExt cx="8270542" cy="900000"/>
+          </a:xfrm>
+        </p:grpSpPr>
+        <p:sp>
+          <p:nvSpPr>
+            <p:cNvPr id="20" name="Segnaposto contenuto 4">
+              <a:extLst>
+                <a:ext uri="{FF2B5EF4-FFF2-40B4-BE49-F238E27FC236}">
+                  <a16:creationId xmlns:a16="http://schemas.microsoft.com/office/drawing/2014/main" id="{86263066-CB30-4B91-A49D-BE5D0E998342}"/>
+                </a:ext>
+              </a:extLst>
+            </p:cNvPr>
+            <p:cNvSpPr txBox="1">
+              <a:spLocks/>
+            </p:cNvSpPr>
+            <p:nvPr/>
+          </p:nvSpPr>
+          <p:spPr>
+            <a:xfrm>
+              <a:off x="1773916" y="5665514"/>
+              <a:ext cx="1485901" cy="695325"/>
+            </a:xfrm>
+            <a:prstGeom prst="rect">
+              <a:avLst/>
+            </a:prstGeom>
+          </p:spPr>
+          <p:txBody>
+            <a:bodyPr vert="horz" lIns="91440" tIns="45720" rIns="91440" bIns="45720" rtlCol="0" anchor="ctr">
+              <a:noAutofit/>
+            </a:bodyPr>
+            <a:lstStyle>
+              <a:lvl1pPr marL="228600" indent="-228600" algn="l" defTabSz="914400" rtl="0" eaLnBrk="1" latinLnBrk="0" hangingPunct="1">
+                <a:lnSpc>
+                  <a:spcPct val="120000"/>
+                </a:lnSpc>
+                <a:spcBef>
+                  <a:spcPts val="1000"/>
+                </a:spcBef>
+                <a:buSzPct val="87000"/>
+                <a:buFont typeface="Arial" panose="020B0604020202020204" pitchFamily="34" charset="0"/>
+                <a:buChar char="•"/>
+                <a:defRPr sz="2000" kern="1200">
+                  <a:solidFill>
+                    <a:schemeClr val="tx1"/>
+                  </a:solidFill>
+                  <a:latin typeface="+mn-lt"/>
+                  <a:ea typeface="+mn-ea"/>
+                  <a:cs typeface="+mn-cs"/>
+                </a:defRPr>
+              </a:lvl1pPr>
+              <a:lvl2pPr marL="274320" indent="0" algn="l" defTabSz="914400" rtl="0" eaLnBrk="1" latinLnBrk="0" hangingPunct="1">
+                <a:lnSpc>
+                  <a:spcPct val="120000"/>
+                </a:lnSpc>
+                <a:spcBef>
+                  <a:spcPts val="500"/>
+                </a:spcBef>
+                <a:buSzPct val="87000"/>
+                <a:buFontTx/>
+                <a:buNone/>
+                <a:defRPr sz="1800" kern="1200">
+                  <a:solidFill>
+                    <a:schemeClr val="tx1"/>
+                  </a:solidFill>
+                  <a:latin typeface="+mn-lt"/>
+                  <a:ea typeface="+mn-ea"/>
+                  <a:cs typeface="+mn-cs"/>
+                </a:defRPr>
+              </a:lvl2pPr>
+              <a:lvl3pPr marL="548640" indent="-228600" algn="l" defTabSz="914400" rtl="0" eaLnBrk="1" latinLnBrk="0" hangingPunct="1">
+                <a:lnSpc>
+                  <a:spcPct val="120000"/>
+                </a:lnSpc>
+                <a:spcBef>
+                  <a:spcPts val="500"/>
+                </a:spcBef>
+                <a:buSzPct val="87000"/>
+                <a:buFont typeface="Arial" panose="020B0604020202020204" pitchFamily="34" charset="0"/>
+                <a:buChar char="•"/>
+                <a:defRPr sz="1600" kern="1200">
+                  <a:solidFill>
+                    <a:schemeClr val="tx1"/>
+                  </a:solidFill>
+                  <a:latin typeface="+mn-lt"/>
+                  <a:ea typeface="+mn-ea"/>
+                  <a:cs typeface="+mn-cs"/>
+                </a:defRPr>
+              </a:lvl3pPr>
+              <a:lvl4pPr marL="594360" indent="0" algn="l" defTabSz="914400" rtl="0" eaLnBrk="1" latinLnBrk="0" hangingPunct="1">
+                <a:lnSpc>
+                  <a:spcPct val="120000"/>
+                </a:lnSpc>
+                <a:spcBef>
+                  <a:spcPts val="500"/>
+                </a:spcBef>
+                <a:buSzPct val="87000"/>
+                <a:buFontTx/>
+                <a:buNone/>
+                <a:defRPr sz="1400" kern="1200">
+                  <a:solidFill>
+                    <a:schemeClr val="tx1"/>
+                  </a:solidFill>
+                  <a:latin typeface="+mn-lt"/>
+                  <a:ea typeface="+mn-ea"/>
+                  <a:cs typeface="+mn-cs"/>
+                </a:defRPr>
+              </a:lvl4pPr>
+              <a:lvl5pPr marL="822960" indent="-228600" algn="l" defTabSz="914400" rtl="0" eaLnBrk="1" latinLnBrk="0" hangingPunct="1">
+                <a:lnSpc>
+                  <a:spcPct val="120000"/>
+                </a:lnSpc>
+                <a:spcBef>
+                  <a:spcPts val="500"/>
+                </a:spcBef>
+                <a:buSzPct val="87000"/>
+                <a:buFont typeface="Arial" panose="020B0604020202020204" pitchFamily="34" charset="0"/>
+                <a:buChar char="•"/>
+                <a:defRPr sz="1400" kern="1200">
+                  <a:solidFill>
+                    <a:schemeClr val="tx1"/>
+                  </a:solidFill>
+                  <a:latin typeface="+mn-lt"/>
+                  <a:ea typeface="+mn-ea"/>
+                  <a:cs typeface="+mn-cs"/>
+                </a:defRPr>
+              </a:lvl5pPr>
+              <a:lvl6pPr marL="2514600" indent="-228600" algn="l" defTabSz="914400" rtl="0" eaLnBrk="1" latinLnBrk="0" hangingPunct="1">
+                <a:lnSpc>
+                  <a:spcPct val="90000"/>
+                </a:lnSpc>
+                <a:spcBef>
+                  <a:spcPts val="500"/>
+                </a:spcBef>
+                <a:buFont typeface="Arial" panose="020B0604020202020204" pitchFamily="34" charset="0"/>
+                <a:buChar char="•"/>
+                <a:defRPr sz="1800" kern="1200">
+                  <a:solidFill>
+                    <a:schemeClr val="tx1"/>
+                  </a:solidFill>
+                  <a:latin typeface="+mn-lt"/>
+                  <a:ea typeface="+mn-ea"/>
+                  <a:cs typeface="+mn-cs"/>
+                </a:defRPr>
+              </a:lvl6pPr>
+              <a:lvl7pPr marL="2971800" indent="-228600" algn="l" defTabSz="914400" rtl="0" eaLnBrk="1" latinLnBrk="0" hangingPunct="1">
+                <a:lnSpc>
+                  <a:spcPct val="90000"/>
+                </a:lnSpc>
+                <a:spcBef>
+                  <a:spcPts val="500"/>
+                </a:spcBef>
+                <a:buFont typeface="Arial" panose="020B0604020202020204" pitchFamily="34" charset="0"/>
+                <a:buChar char="•"/>
+                <a:defRPr sz="1800" kern="1200">
+                  <a:solidFill>
+                    <a:schemeClr val="tx1"/>
+                  </a:solidFill>
+                  <a:latin typeface="+mn-lt"/>
+                  <a:ea typeface="+mn-ea"/>
+                  <a:cs typeface="+mn-cs"/>
+                </a:defRPr>
+              </a:lvl7pPr>
+              <a:lvl8pPr marL="3429000" indent="-228600" algn="l" defTabSz="914400" rtl="0" eaLnBrk="1" latinLnBrk="0" hangingPunct="1">
+                <a:lnSpc>
+                  <a:spcPct val="90000"/>
+                </a:lnSpc>
+                <a:spcBef>
+                  <a:spcPts val="500"/>
+                </a:spcBef>
+                <a:buFont typeface="Arial" panose="020B0604020202020204" pitchFamily="34" charset="0"/>
+                <a:buChar char="•"/>
+                <a:defRPr sz="1800" kern="1200">
+                  <a:solidFill>
+                    <a:schemeClr val="tx1"/>
+                  </a:solidFill>
+                  <a:latin typeface="+mn-lt"/>
+                  <a:ea typeface="+mn-ea"/>
+                  <a:cs typeface="+mn-cs"/>
+                </a:defRPr>
+              </a:lvl8pPr>
+              <a:lvl9pPr marL="3886200" indent="-228600" algn="l" defTabSz="914400" rtl="0" eaLnBrk="1" latinLnBrk="0" hangingPunct="1">
+                <a:lnSpc>
+                  <a:spcPct val="90000"/>
+                </a:lnSpc>
+                <a:spcBef>
+                  <a:spcPts val="500"/>
+                </a:spcBef>
+                <a:buFont typeface="Arial" panose="020B0604020202020204" pitchFamily="34" charset="0"/>
+                <a:buChar char="•"/>
+                <a:defRPr sz="1800" kern="1200">
+                  <a:solidFill>
+                    <a:schemeClr val="tx1"/>
+                  </a:solidFill>
+                  <a:latin typeface="+mn-lt"/>
+                  <a:ea typeface="+mn-ea"/>
+                  <a:cs typeface="+mn-cs"/>
+                </a:defRPr>
+              </a:lvl9pPr>
+            </a:lstStyle>
+            <a:p>
+              <a:pPr marL="0" indent="0" algn="ctr" fontAlgn="base">
+                <a:buFont typeface="Arial" panose="020B0604020202020204" pitchFamily="34" charset="0"/>
+                <a:buNone/>
+              </a:pPr>
+              <a:r>
+                <a:rPr lang="en-US" sz="2500" b="1" dirty="0"/>
+                <a:t> </a:t>
+              </a:r>
+              <a:r>
+                <a:rPr lang="it-IT" sz="2500" b="1" dirty="0"/>
+                <a:t>2020</a:t>
+              </a:r>
+              <a:endParaRPr lang="en-US" sz="2500" baseline="30000" dirty="0">
+                <a:latin typeface="Inter"/>
+              </a:endParaRPr>
+            </a:p>
+          </p:txBody>
+        </p:sp>
+        <p:sp>
+          <p:nvSpPr>
+            <p:cNvPr id="21" name="Rettangolo con angoli arrotondati 20">
+              <a:extLst>
+                <a:ext uri="{FF2B5EF4-FFF2-40B4-BE49-F238E27FC236}">
+                  <a16:creationId xmlns:a16="http://schemas.microsoft.com/office/drawing/2014/main" id="{5BF0C6EB-D381-47D2-BC67-88C641CBED88}"/>
+                </a:ext>
+              </a:extLst>
+            </p:cNvPr>
+            <p:cNvSpPr/>
+            <p:nvPr/>
+          </p:nvSpPr>
+          <p:spPr>
+            <a:xfrm>
+              <a:off x="6599288" y="5707176"/>
+              <a:ext cx="3445170" cy="612000"/>
+            </a:xfrm>
+            <a:prstGeom prst="roundRect">
+              <a:avLst/>
+            </a:prstGeom>
+            <a:noFill/>
+            <a:ln w="38100">
+              <a:solidFill>
+                <a:schemeClr val="accent2"/>
+              </a:solidFill>
+            </a:ln>
+          </p:spPr>
+          <p:style>
+            <a:lnRef idx="2">
+              <a:schemeClr val="accent1">
+                <a:shade val="50000"/>
+              </a:schemeClr>
+            </a:lnRef>
+            <a:fillRef idx="1">
+              <a:schemeClr val="accent1"/>
+            </a:fillRef>
+            <a:effectRef idx="0">
+              <a:schemeClr val="accent1"/>
+            </a:effectRef>
+            <a:fontRef idx="minor">
+              <a:schemeClr val="lt1"/>
+            </a:fontRef>
+          </p:style>
+          <p:txBody>
+            <a:bodyPr rtlCol="0" anchor="ctr"/>
+            <a:lstStyle/>
+            <a:p>
+              <a:pPr algn="ctr"/>
+              <a:r>
+                <a:rPr lang="it-IT" b="1" i="1" dirty="0">
+                  <a:solidFill>
+                    <a:schemeClr val="tx1"/>
+                  </a:solidFill>
+                </a:rPr>
+                <a:t>Tha Supreme</a:t>
+              </a:r>
+              <a:r>
+                <a:rPr lang="it-IT" dirty="0">
+                  <a:solidFill>
+                    <a:schemeClr val="tx1"/>
+                  </a:solidFill>
+                </a:rPr>
+                <a:t>, 35 Tracks</a:t>
+              </a:r>
+              <a:endParaRPr lang="en-GB" dirty="0">
+                <a:solidFill>
+                  <a:schemeClr val="tx1"/>
+                </a:solidFill>
+              </a:endParaRPr>
+            </a:p>
+          </p:txBody>
+        </p:sp>
+        <p:pic>
+          <p:nvPicPr>
+            <p:cNvPr id="23" name="Immagine 22" descr="Immagine che contiene clipart&#10;&#10;Descrizione generata automaticamente">
+              <a:extLst>
+                <a:ext uri="{FF2B5EF4-FFF2-40B4-BE49-F238E27FC236}">
+                  <a16:creationId xmlns:a16="http://schemas.microsoft.com/office/drawing/2014/main" id="{35C108CB-8BB5-47AF-B3D7-E4C2A9B13849}"/>
+                </a:ext>
+              </a:extLst>
+            </p:cNvPr>
+            <p:cNvPicPr>
+              <a:picLocks noChangeAspect="1"/>
+            </p:cNvPicPr>
+            <p:nvPr/>
+          </p:nvPicPr>
+          <p:blipFill rotWithShape="1">
+            <a:blip r:embed="rId4">
+              <a:extLst>
+                <a:ext uri="{28A0092B-C50C-407E-A947-70E740481C1C}">
+                  <a14:useLocalDpi xmlns:a14="http://schemas.microsoft.com/office/drawing/2010/main" val="0"/>
+                </a:ext>
+              </a:extLst>
+            </a:blip>
+            <a:srcRect l="-564" t="-3398" r="564" b="20274"/>
+            <a:stretch/>
+          </p:blipFill>
+          <p:spPr>
+            <a:xfrm>
+              <a:off x="5937894" y="5563176"/>
+              <a:ext cx="900000" cy="900000"/>
+            </a:xfrm>
+            <a:prstGeom prst="ellipse">
+              <a:avLst/>
+            </a:prstGeom>
+            <a:ln>
+              <a:solidFill>
+                <a:schemeClr val="tx1"/>
+              </a:solidFill>
+            </a:ln>
+          </p:spPr>
+        </p:pic>
+        <p:cxnSp>
+          <p:nvCxnSpPr>
+            <p:cNvPr id="34" name="Connettore 2 33">
+              <a:extLst>
+                <a:ext uri="{FF2B5EF4-FFF2-40B4-BE49-F238E27FC236}">
+                  <a16:creationId xmlns:a16="http://schemas.microsoft.com/office/drawing/2014/main" id="{D8CAF175-0CE2-4CB9-AAC6-7BD816FCF5B7}"/>
+                </a:ext>
+              </a:extLst>
+            </p:cNvPr>
+            <p:cNvCxnSpPr>
+              <a:cxnSpLocks/>
+            </p:cNvCxnSpPr>
+            <p:nvPr/>
+          </p:nvCxnSpPr>
+          <p:spPr>
+            <a:xfrm>
+              <a:off x="3370430" y="6013176"/>
+              <a:ext cx="2264069" cy="0"/>
+            </a:xfrm>
+            <a:prstGeom prst="straightConnector1">
+              <a:avLst/>
+            </a:prstGeom>
+            <a:ln w="38100">
+              <a:tailEnd type="triangle"/>
+            </a:ln>
+          </p:spPr>
+          <p:style>
+            <a:lnRef idx="1">
+              <a:schemeClr val="accent1"/>
+            </a:lnRef>
+            <a:fillRef idx="0">
+              <a:schemeClr val="accent1"/>
+            </a:fillRef>
+            <a:effectRef idx="0">
+              <a:schemeClr val="accent1"/>
+            </a:effectRef>
+            <a:fontRef idx="minor">
+              <a:schemeClr val="tx1"/>
+            </a:fontRef>
+          </p:style>
+        </p:cxnSp>
+      </p:grpSp>
+      <p:pic>
+        <p:nvPicPr>
+          <p:cNvPr id="29" name="Immagine 28" descr="Immagine che contiene persona, parete, uomo, vestito&#10;&#10;Descrizione generata automaticamente">
+            <a:extLst>
+              <a:ext uri="{FF2B5EF4-FFF2-40B4-BE49-F238E27FC236}">
+                <a16:creationId xmlns:a16="http://schemas.microsoft.com/office/drawing/2014/main" id="{5D576738-F747-4A10-ACD9-9B46E4FB651D}"/>
+              </a:ext>
+            </a:extLst>
+          </p:cNvPr>
+          <p:cNvPicPr>
+            <a:picLocks noChangeAspect="1"/>
+          </p:cNvPicPr>
+          <p:nvPr/>
+        </p:nvPicPr>
+        <p:blipFill rotWithShape="1">
+          <a:blip r:embed="rId5">
+            <a:extLst>
+              <a:ext uri="{28A0092B-C50C-407E-A947-70E740481C1C}">
+                <a14:useLocalDpi xmlns:a14="http://schemas.microsoft.com/office/drawing/2010/main" val="0"/>
+              </a:ext>
+            </a:extLst>
+          </a:blip>
+          <a:srcRect t="1563" b="1563"/>
+          <a:stretch/>
+        </p:blipFill>
+        <p:spPr>
+          <a:xfrm>
+            <a:off x="5937894" y="3136257"/>
+            <a:ext cx="900000" cy="900000"/>
+          </a:xfrm>
+          <a:prstGeom prst="ellipse">
+            <a:avLst/>
+          </a:prstGeom>
+        </p:spPr>
+      </p:pic>
+    </p:spTree>
+    <p:extLst>
+      <p:ext uri="{BB962C8B-B14F-4D97-AF65-F5344CB8AC3E}">
+        <p14:creationId xmlns:p14="http://schemas.microsoft.com/office/powerpoint/2010/main" val="4024919505"/>
+      </p:ext>
+    </p:extLst>
+  </p:cSld>
+  <p:clrMapOvr>
+    <a:masterClrMapping/>
+  </p:clrMapOvr>
+</p:sld>
+</file>
+
+<file path=ppt/slides/slide21.xml><?xml version="1.0" encoding="utf-8"?>
+<p:sld xmlns:a="http://schemas.openxmlformats.org/drawingml/2006/main" xmlns:r="http://schemas.openxmlformats.org/officeDocument/2006/relationships" xmlns:p="http://schemas.openxmlformats.org/presentationml/2006/main">
+  <p:cSld>
+    <p:spTree>
+      <p:nvGrpSpPr>
+        <p:cNvPr id="1" name=""/>
+        <p:cNvGrpSpPr/>
+        <p:nvPr/>
+      </p:nvGrpSpPr>
+      <p:grpSpPr>
+        <a:xfrm>
+          <a:off x="0" y="0"/>
+          <a:ext cx="0" cy="0"/>
+          <a:chOff x="0" y="0"/>
+          <a:chExt cx="0" cy="0"/>
+        </a:xfrm>
+      </p:grpSpPr>
+      <p:sp>
+        <p:nvSpPr>
+          <p:cNvPr id="4" name="Titolo 3">
+            <a:extLst>
+              <a:ext uri="{FF2B5EF4-FFF2-40B4-BE49-F238E27FC236}">
+                <a16:creationId xmlns:a16="http://schemas.microsoft.com/office/drawing/2014/main" id="{A32BADA9-D1E4-4A68-A522-AE21B0D0BA03}"/>
+              </a:ext>
+            </a:extLst>
+          </p:cNvPr>
+          <p:cNvSpPr>
+            <a:spLocks noGrp="1"/>
+          </p:cNvSpPr>
+          <p:nvPr>
+            <p:ph type="title"/>
+          </p:nvPr>
+        </p:nvSpPr>
+        <p:spPr>
+          <a:xfrm>
+            <a:off x="914398" y="1162050"/>
+            <a:ext cx="10763251" cy="542925"/>
+          </a:xfrm>
+        </p:spPr>
+        <p:txBody>
+          <a:bodyPr>
+            <a:noAutofit/>
+          </a:bodyPr>
+          <a:lstStyle/>
+          <a:p>
+            <a:r>
+              <a:rPr lang="en-GB" sz="2000" b="1" dirty="0">
+                <a:effectLst/>
+              </a:rPr>
+              <a:t>Show the distribution of the positions in the TOP 100 Italy reached by the just retrieved artist</a:t>
+            </a:r>
+            <a:endParaRPr lang="it-IT" sz="2000" b="1" dirty="0"/>
+          </a:p>
+        </p:txBody>
+      </p:sp>
+      <p:sp>
+        <p:nvSpPr>
+          <p:cNvPr id="2" name="Segnaposto numero diapositiva 1">
+            <a:extLst>
+              <a:ext uri="{FF2B5EF4-FFF2-40B4-BE49-F238E27FC236}">
+                <a16:creationId xmlns:a16="http://schemas.microsoft.com/office/drawing/2014/main" id="{AF743220-D2ED-43D4-A1FF-37CA562FFA98}"/>
+              </a:ext>
+            </a:extLst>
+          </p:cNvPr>
+          <p:cNvSpPr>
+            <a:spLocks noGrp="1"/>
+          </p:cNvSpPr>
+          <p:nvPr>
+            <p:ph type="sldNum" sz="quarter" idx="12"/>
+          </p:nvPr>
+        </p:nvSpPr>
+        <p:spPr/>
+        <p:txBody>
+          <a:bodyPr/>
+          <a:lstStyle/>
+          <a:p>
+            <a:fld id="{0E41FC79-F70E-41D5-8DA8-CBC79D687031}" type="slidenum">
+              <a:rPr lang="it-IT" smtClean="0"/>
+              <a:t>21</a:t>
+            </a:fld>
+            <a:r>
+              <a:rPr lang="it-IT" dirty="0"/>
+              <a:t>/24</a:t>
+            </a:r>
+          </a:p>
+        </p:txBody>
+      </p:sp>
+      <p:pic>
+        <p:nvPicPr>
+          <p:cNvPr id="11" name="Immagine 10">
+            <a:extLst>
+              <a:ext uri="{FF2B5EF4-FFF2-40B4-BE49-F238E27FC236}">
+                <a16:creationId xmlns:a16="http://schemas.microsoft.com/office/drawing/2014/main" id="{6A51C255-3F97-494F-A20F-1E7D01B32402}"/>
+              </a:ext>
+            </a:extLst>
+          </p:cNvPr>
+          <p:cNvPicPr>
+            <a:picLocks noChangeAspect="1"/>
+          </p:cNvPicPr>
+          <p:nvPr/>
+        </p:nvPicPr>
+        <p:blipFill>
+          <a:blip r:embed="rId2"/>
+          <a:stretch>
+            <a:fillRect/>
+          </a:stretch>
+        </p:blipFill>
+        <p:spPr>
+          <a:xfrm>
+            <a:off x="1502669" y="1774982"/>
+            <a:ext cx="8870449" cy="2918713"/>
+          </a:xfrm>
+          <a:prstGeom prst="rect">
+            <a:avLst/>
+          </a:prstGeom>
+        </p:spPr>
+      </p:pic>
+      <p:pic>
+        <p:nvPicPr>
+          <p:cNvPr id="30" name="Immagine 29" descr="Immagine che contiene persona, abbigliamento&#10;&#10;Descrizione generata automaticamente">
+            <a:extLst>
+              <a:ext uri="{FF2B5EF4-FFF2-40B4-BE49-F238E27FC236}">
+                <a16:creationId xmlns:a16="http://schemas.microsoft.com/office/drawing/2014/main" id="{2E57905C-2181-470C-A146-0437101EE51B}"/>
+              </a:ext>
+            </a:extLst>
+          </p:cNvPr>
+          <p:cNvPicPr>
+            <a:picLocks noChangeAspect="1"/>
+          </p:cNvPicPr>
+          <p:nvPr/>
+        </p:nvPicPr>
+        <p:blipFill>
+          <a:blip r:embed="rId3">
+            <a:extLst>
+              <a:ext uri="{28A0092B-C50C-407E-A947-70E740481C1C}">
+                <a14:useLocalDpi xmlns:a14="http://schemas.microsoft.com/office/drawing/2010/main" val="0"/>
+              </a:ext>
+            </a:extLst>
+          </a:blip>
+          <a:stretch>
+            <a:fillRect/>
+          </a:stretch>
+        </p:blipFill>
+        <p:spPr>
+          <a:xfrm>
+            <a:off x="2944933" y="5007937"/>
+            <a:ext cx="900000" cy="900000"/>
+          </a:xfrm>
+          <a:prstGeom prst="ellipse">
+            <a:avLst/>
+          </a:prstGeom>
+          <a:ln>
+            <a:solidFill>
+              <a:schemeClr val="tx1"/>
+            </a:solidFill>
+          </a:ln>
+        </p:spPr>
+      </p:pic>
+      <p:pic>
+        <p:nvPicPr>
+          <p:cNvPr id="41" name="Immagine 40" descr="Immagine che contiene persona, palcoscenico&#10;&#10;Descrizione generata automaticamente">
+            <a:extLst>
+              <a:ext uri="{FF2B5EF4-FFF2-40B4-BE49-F238E27FC236}">
+                <a16:creationId xmlns:a16="http://schemas.microsoft.com/office/drawing/2014/main" id="{A23FD184-166A-43EB-BBAF-08FB3B699239}"/>
+              </a:ext>
+            </a:extLst>
+          </p:cNvPr>
+          <p:cNvPicPr>
+            <a:picLocks noChangeAspect="1"/>
+          </p:cNvPicPr>
+          <p:nvPr/>
+        </p:nvPicPr>
+        <p:blipFill rotWithShape="1">
+          <a:blip r:embed="rId4">
+            <a:extLst>
+              <a:ext uri="{28A0092B-C50C-407E-A947-70E740481C1C}">
+                <a14:useLocalDpi xmlns:a14="http://schemas.microsoft.com/office/drawing/2010/main" val="0"/>
+              </a:ext>
+            </a:extLst>
+          </a:blip>
+          <a:srcRect/>
+          <a:stretch/>
+        </p:blipFill>
+        <p:spPr>
+          <a:xfrm>
+            <a:off x="6912027" y="5007937"/>
+            <a:ext cx="900000" cy="900000"/>
+          </a:xfrm>
+          <a:prstGeom prst="ellipse">
+            <a:avLst/>
+          </a:prstGeom>
+        </p:spPr>
+      </p:pic>
+      <p:pic>
+        <p:nvPicPr>
+          <p:cNvPr id="46" name="Immagine 45" descr="Immagine che contiene clipart&#10;&#10;Descrizione generata automaticamente">
+            <a:extLst>
+              <a:ext uri="{FF2B5EF4-FFF2-40B4-BE49-F238E27FC236}">
+                <a16:creationId xmlns:a16="http://schemas.microsoft.com/office/drawing/2014/main" id="{050A9581-925B-4E39-86C2-EB8A44ACC5B8}"/>
+              </a:ext>
+            </a:extLst>
+          </p:cNvPr>
+          <p:cNvPicPr>
+            <a:picLocks noChangeAspect="1"/>
+          </p:cNvPicPr>
+          <p:nvPr/>
+        </p:nvPicPr>
+        <p:blipFill rotWithShape="1">
+          <a:blip r:embed="rId5">
+            <a:extLst>
+              <a:ext uri="{28A0092B-C50C-407E-A947-70E740481C1C}">
+                <a14:useLocalDpi xmlns:a14="http://schemas.microsoft.com/office/drawing/2010/main" val="0"/>
+              </a:ext>
+            </a:extLst>
+          </a:blip>
+          <a:srcRect l="-564" t="-3398" r="564" b="20274"/>
+          <a:stretch/>
+        </p:blipFill>
+        <p:spPr>
+          <a:xfrm>
+            <a:off x="8909694" y="5007937"/>
+            <a:ext cx="900000" cy="900000"/>
+          </a:xfrm>
+          <a:prstGeom prst="ellipse">
+            <a:avLst/>
+          </a:prstGeom>
+          <a:ln>
+            <a:solidFill>
+              <a:schemeClr val="tx1"/>
+            </a:solidFill>
+          </a:ln>
+        </p:spPr>
+      </p:pic>
+      <p:pic>
+        <p:nvPicPr>
+          <p:cNvPr id="48" name="Immagine 47" descr="Immagine che contiene persona, parete, uomo, vestito&#10;&#10;Descrizione generata automaticamente">
+            <a:extLst>
+              <a:ext uri="{FF2B5EF4-FFF2-40B4-BE49-F238E27FC236}">
+                <a16:creationId xmlns:a16="http://schemas.microsoft.com/office/drawing/2014/main" id="{FC49A1DD-DD35-4DC6-88F9-D18D088AE4CD}"/>
+              </a:ext>
+            </a:extLst>
+          </p:cNvPr>
+          <p:cNvPicPr>
+            <a:picLocks noChangeAspect="1"/>
+          </p:cNvPicPr>
+          <p:nvPr/>
+        </p:nvPicPr>
+        <p:blipFill rotWithShape="1">
+          <a:blip r:embed="rId6">
+            <a:extLst>
+              <a:ext uri="{28A0092B-C50C-407E-A947-70E740481C1C}">
+                <a14:useLocalDpi xmlns:a14="http://schemas.microsoft.com/office/drawing/2010/main" val="0"/>
+              </a:ext>
+            </a:extLst>
+          </a:blip>
+          <a:srcRect t="1563" b="1563"/>
+          <a:stretch/>
+        </p:blipFill>
+        <p:spPr>
+          <a:xfrm>
+            <a:off x="4914361" y="5007937"/>
+            <a:ext cx="900000" cy="900000"/>
+          </a:xfrm>
+          <a:prstGeom prst="ellipse">
+            <a:avLst/>
+          </a:prstGeom>
+        </p:spPr>
+      </p:pic>
+    </p:spTree>
+    <p:extLst>
+      <p:ext uri="{BB962C8B-B14F-4D97-AF65-F5344CB8AC3E}">
+        <p14:creationId xmlns:p14="http://schemas.microsoft.com/office/powerpoint/2010/main" val="1057795652"/>
+      </p:ext>
+    </p:extLst>
+  </p:cSld>
+  <p:clrMapOvr>
+    <a:masterClrMapping/>
+  </p:clrMapOvr>
+</p:sld>
+</file>
+
+<file path=ppt/slides/slide22.xml><?xml version="1.0" encoding="utf-8"?>
+<p:sld xmlns:a="http://schemas.openxmlformats.org/drawingml/2006/main" xmlns:r="http://schemas.openxmlformats.org/officeDocument/2006/relationships" xmlns:p="http://schemas.openxmlformats.org/presentationml/2006/main">
+  <p:cSld>
+    <p:spTree>
+      <p:nvGrpSpPr>
+        <p:cNvPr id="1" name=""/>
+        <p:cNvGrpSpPr/>
+        <p:nvPr/>
+      </p:nvGrpSpPr>
+      <p:grpSpPr>
+        <a:xfrm>
+          <a:off x="0" y="0"/>
+          <a:ext cx="0" cy="0"/>
+          <a:chOff x="0" y="0"/>
+          <a:chExt cx="0" cy="0"/>
+        </a:xfrm>
+      </p:grpSpPr>
+      <p:sp>
+        <p:nvSpPr>
+          <p:cNvPr id="4" name="Titolo 3">
+            <a:extLst>
+              <a:ext uri="{FF2B5EF4-FFF2-40B4-BE49-F238E27FC236}">
+                <a16:creationId xmlns:a16="http://schemas.microsoft.com/office/drawing/2014/main" id="{A32BADA9-D1E4-4A68-A522-AE21B0D0BA03}"/>
+              </a:ext>
+            </a:extLst>
+          </p:cNvPr>
+          <p:cNvSpPr>
+            <a:spLocks noGrp="1"/>
+          </p:cNvSpPr>
+          <p:nvPr>
+            <p:ph type="title"/>
+          </p:nvPr>
+        </p:nvSpPr>
+        <p:spPr>
+          <a:xfrm>
+            <a:off x="914399" y="1162050"/>
+            <a:ext cx="10616609" cy="857250"/>
+          </a:xfrm>
+        </p:spPr>
+        <p:txBody>
+          <a:bodyPr>
+            <a:noAutofit/>
+          </a:bodyPr>
+          <a:lstStyle/>
+          <a:p>
+            <a:r>
+              <a:rPr lang="en-GB" sz="2400" b="1" dirty="0">
+                <a:effectLst/>
+              </a:rPr>
+              <a:t>Show the top 3 Italian artists with the highest number of tracks present in Top 100 Italy at the same time.</a:t>
+            </a:r>
+            <a:endParaRPr lang="it-IT" sz="4800" b="1" dirty="0"/>
+          </a:p>
+        </p:txBody>
+      </p:sp>
+      <p:sp>
+        <p:nvSpPr>
+          <p:cNvPr id="2" name="Segnaposto numero diapositiva 1">
+            <a:extLst>
+              <a:ext uri="{FF2B5EF4-FFF2-40B4-BE49-F238E27FC236}">
+                <a16:creationId xmlns:a16="http://schemas.microsoft.com/office/drawing/2014/main" id="{AF743220-D2ED-43D4-A1FF-37CA562FFA98}"/>
+              </a:ext>
+            </a:extLst>
+          </p:cNvPr>
+          <p:cNvSpPr>
+            <a:spLocks noGrp="1"/>
+          </p:cNvSpPr>
+          <p:nvPr>
+            <p:ph type="sldNum" sz="quarter" idx="12"/>
+          </p:nvPr>
+        </p:nvSpPr>
+        <p:spPr/>
+        <p:txBody>
+          <a:bodyPr/>
+          <a:lstStyle/>
+          <a:p>
+            <a:fld id="{0E41FC79-F70E-41D5-8DA8-CBC79D687031}" type="slidenum">
+              <a:rPr lang="it-IT" smtClean="0"/>
+              <a:t>22</a:t>
+            </a:fld>
+            <a:r>
+              <a:rPr lang="it-IT" dirty="0"/>
+              <a:t>/24</a:t>
+            </a:r>
+          </a:p>
+        </p:txBody>
+      </p:sp>
+      <p:sp>
+        <p:nvSpPr>
+          <p:cNvPr id="12" name="Titolo 3">
+            <a:extLst>
+              <a:ext uri="{FF2B5EF4-FFF2-40B4-BE49-F238E27FC236}">
+                <a16:creationId xmlns:a16="http://schemas.microsoft.com/office/drawing/2014/main" id="{AE914E4C-42D0-484F-80ED-F83CFA2DEE2E}"/>
+              </a:ext>
+            </a:extLst>
+          </p:cNvPr>
+          <p:cNvSpPr txBox="1">
+            <a:spLocks/>
+          </p:cNvSpPr>
+          <p:nvPr/>
+        </p:nvSpPr>
+        <p:spPr>
+          <a:xfrm>
+            <a:off x="1472053" y="3258383"/>
+            <a:ext cx="2491777" cy="1074512"/>
+          </a:xfrm>
+          <a:prstGeom prst="rect">
+            <a:avLst/>
+          </a:prstGeom>
+        </p:spPr>
+        <p:txBody>
+          <a:bodyPr vert="horz" lIns="91440" tIns="45720" rIns="91440" bIns="45720" rtlCol="0" anchor="t">
+            <a:noAutofit/>
+          </a:bodyPr>
+          <a:lstStyle>
+            <a:lvl1pPr algn="l" defTabSz="914400" rtl="0" eaLnBrk="1" latinLnBrk="0" hangingPunct="1">
+              <a:lnSpc>
+                <a:spcPct val="100000"/>
+              </a:lnSpc>
+              <a:spcBef>
+                <a:spcPct val="0"/>
+              </a:spcBef>
+              <a:buNone/>
+              <a:defRPr sz="4000" kern="1200">
+                <a:solidFill>
+                  <a:schemeClr val="tx1"/>
+                </a:solidFill>
+                <a:latin typeface="+mj-lt"/>
+                <a:ea typeface="+mj-ea"/>
+                <a:cs typeface="+mj-cs"/>
+              </a:defRPr>
+            </a:lvl1pPr>
+          </a:lstStyle>
+          <a:p>
+            <a:pPr algn="ctr"/>
+            <a:r>
+              <a:rPr lang="en-GB" sz="2000" b="1" i="1" dirty="0" err="1"/>
+              <a:t>Tha</a:t>
+            </a:r>
+            <a:r>
+              <a:rPr lang="en-GB" sz="2000" b="1" i="1" dirty="0"/>
+              <a:t> Supreme</a:t>
+            </a:r>
+          </a:p>
+          <a:p>
+            <a:pPr algn="ctr"/>
+            <a:r>
+              <a:rPr lang="en-GB" sz="2000" b="1" dirty="0"/>
+              <a:t>17</a:t>
+            </a:r>
+            <a:r>
+              <a:rPr lang="en-GB" sz="2000" b="1" baseline="30000" dirty="0"/>
+              <a:t>th </a:t>
+            </a:r>
+            <a:r>
+              <a:rPr lang="en-GB" sz="2000" b="1" dirty="0"/>
+              <a:t>Nov 2019</a:t>
+            </a:r>
+          </a:p>
+          <a:p>
+            <a:pPr algn="ctr"/>
+            <a:r>
+              <a:rPr lang="en-GB" sz="2000" b="1" dirty="0"/>
+              <a:t>24 tracks</a:t>
+            </a:r>
+            <a:endParaRPr lang="it-IT" sz="2000" b="1" dirty="0"/>
+          </a:p>
+        </p:txBody>
+      </p:sp>
+      <p:sp>
+        <p:nvSpPr>
+          <p:cNvPr id="13" name="Titolo 3">
+            <a:extLst>
+              <a:ext uri="{FF2B5EF4-FFF2-40B4-BE49-F238E27FC236}">
+                <a16:creationId xmlns:a16="http://schemas.microsoft.com/office/drawing/2014/main" id="{93D11056-5167-483D-8045-92048AC543D1}"/>
+              </a:ext>
+            </a:extLst>
+          </p:cNvPr>
+          <p:cNvSpPr txBox="1">
+            <a:spLocks/>
+          </p:cNvSpPr>
+          <p:nvPr/>
+        </p:nvSpPr>
+        <p:spPr>
+          <a:xfrm>
+            <a:off x="4850111" y="3258383"/>
+            <a:ext cx="2491777" cy="1074512"/>
+          </a:xfrm>
+          <a:prstGeom prst="rect">
+            <a:avLst/>
+          </a:prstGeom>
+        </p:spPr>
+        <p:txBody>
+          <a:bodyPr vert="horz" lIns="91440" tIns="45720" rIns="91440" bIns="45720" rtlCol="0" anchor="t">
+            <a:noAutofit/>
+          </a:bodyPr>
+          <a:lstStyle>
+            <a:lvl1pPr algn="l" defTabSz="914400" rtl="0" eaLnBrk="1" latinLnBrk="0" hangingPunct="1">
+              <a:lnSpc>
+                <a:spcPct val="100000"/>
+              </a:lnSpc>
+              <a:spcBef>
+                <a:spcPct val="0"/>
+              </a:spcBef>
+              <a:buNone/>
+              <a:defRPr sz="4000" kern="1200">
+                <a:solidFill>
+                  <a:schemeClr val="tx1"/>
+                </a:solidFill>
+                <a:latin typeface="+mj-lt"/>
+                <a:ea typeface="+mj-ea"/>
+                <a:cs typeface="+mj-cs"/>
+              </a:defRPr>
+            </a:lvl1pPr>
+          </a:lstStyle>
+          <a:p>
+            <a:pPr algn="ctr"/>
+            <a:r>
+              <a:rPr lang="en-GB" sz="2000" b="1" i="1" dirty="0" err="1"/>
+              <a:t>Marracash</a:t>
+            </a:r>
+            <a:endParaRPr lang="en-GB" sz="2000" b="1" i="1" dirty="0"/>
+          </a:p>
+          <a:p>
+            <a:pPr algn="ctr"/>
+            <a:r>
+              <a:rPr lang="en-GB" sz="2000" b="1" dirty="0"/>
+              <a:t>17</a:t>
+            </a:r>
+            <a:r>
+              <a:rPr lang="en-GB" sz="2000" b="1" baseline="30000" dirty="0"/>
+              <a:t>th</a:t>
+            </a:r>
+            <a:r>
+              <a:rPr lang="en-GB" sz="2000" b="1" dirty="0"/>
+              <a:t> Nov 2019</a:t>
+            </a:r>
+          </a:p>
+          <a:p>
+            <a:pPr algn="ctr"/>
+            <a:r>
+              <a:rPr lang="en-GB" sz="2000" b="1" dirty="0"/>
+              <a:t>19 tracks</a:t>
+            </a:r>
+            <a:endParaRPr lang="it-IT" sz="2000" b="1" dirty="0"/>
+          </a:p>
+        </p:txBody>
+      </p:sp>
+      <p:sp>
+        <p:nvSpPr>
+          <p:cNvPr id="14" name="Titolo 3">
+            <a:extLst>
+              <a:ext uri="{FF2B5EF4-FFF2-40B4-BE49-F238E27FC236}">
+                <a16:creationId xmlns:a16="http://schemas.microsoft.com/office/drawing/2014/main" id="{78ED6B49-6981-40D7-8E2D-E4E4CB5B75B7}"/>
+              </a:ext>
+            </a:extLst>
+          </p:cNvPr>
+          <p:cNvSpPr txBox="1">
+            <a:spLocks/>
+          </p:cNvSpPr>
+          <p:nvPr/>
+        </p:nvSpPr>
+        <p:spPr>
+          <a:xfrm>
+            <a:off x="8202453" y="3258383"/>
+            <a:ext cx="2491777" cy="1074512"/>
+          </a:xfrm>
+          <a:prstGeom prst="rect">
+            <a:avLst/>
+          </a:prstGeom>
+        </p:spPr>
+        <p:txBody>
+          <a:bodyPr vert="horz" lIns="91440" tIns="45720" rIns="91440" bIns="45720" rtlCol="0" anchor="t">
+            <a:noAutofit/>
+          </a:bodyPr>
+          <a:lstStyle>
+            <a:lvl1pPr algn="l" defTabSz="914400" rtl="0" eaLnBrk="1" latinLnBrk="0" hangingPunct="1">
+              <a:lnSpc>
+                <a:spcPct val="100000"/>
+              </a:lnSpc>
+              <a:spcBef>
+                <a:spcPct val="0"/>
+              </a:spcBef>
+              <a:buNone/>
+              <a:defRPr sz="4000" kern="1200">
+                <a:solidFill>
+                  <a:schemeClr val="tx1"/>
+                </a:solidFill>
+                <a:latin typeface="+mj-lt"/>
+                <a:ea typeface="+mj-ea"/>
+                <a:cs typeface="+mj-cs"/>
+              </a:defRPr>
+            </a:lvl1pPr>
+          </a:lstStyle>
+          <a:p>
+            <a:pPr algn="ctr"/>
+            <a:r>
+              <a:rPr lang="en-GB" sz="2000" b="1" i="1" dirty="0"/>
+              <a:t>Ultimo</a:t>
+            </a:r>
+          </a:p>
+          <a:p>
+            <a:pPr algn="ctr"/>
+            <a:r>
+              <a:rPr lang="en-GB" sz="2000" b="1" dirty="0"/>
+              <a:t>7</a:t>
+            </a:r>
+            <a:r>
+              <a:rPr lang="en-GB" sz="2000" b="1" baseline="30000" dirty="0"/>
+              <a:t>th</a:t>
+            </a:r>
+            <a:r>
+              <a:rPr lang="en-GB" sz="2000" b="1" dirty="0"/>
+              <a:t> April 2019</a:t>
+            </a:r>
+          </a:p>
+          <a:p>
+            <a:pPr algn="ctr"/>
+            <a:r>
+              <a:rPr lang="en-GB" sz="2000" b="1" dirty="0"/>
+              <a:t>18 tracks</a:t>
+            </a:r>
+            <a:endParaRPr lang="it-IT" sz="2000" b="1" dirty="0"/>
+          </a:p>
+        </p:txBody>
+      </p:sp>
+      <p:pic>
+        <p:nvPicPr>
+          <p:cNvPr id="26" name="Immagine 25" descr="Immagine che contiene clipart&#10;&#10;Descrizione generata automaticamente">
+            <a:extLst>
+              <a:ext uri="{FF2B5EF4-FFF2-40B4-BE49-F238E27FC236}">
+                <a16:creationId xmlns:a16="http://schemas.microsoft.com/office/drawing/2014/main" id="{BB261DDC-1F3A-4804-B48A-6E9A67820FDB}"/>
+              </a:ext>
+            </a:extLst>
+          </p:cNvPr>
+          <p:cNvPicPr>
+            <a:picLocks/>
+          </p:cNvPicPr>
+          <p:nvPr/>
+        </p:nvPicPr>
+        <p:blipFill rotWithShape="1">
+          <a:blip r:embed="rId2">
+            <a:extLst>
+              <a:ext uri="{28A0092B-C50C-407E-A947-70E740481C1C}">
+                <a14:useLocalDpi xmlns:a14="http://schemas.microsoft.com/office/drawing/2010/main" val="0"/>
+              </a:ext>
+            </a:extLst>
+          </a:blip>
+          <a:srcRect t="435" b="19703"/>
+          <a:stretch/>
+        </p:blipFill>
+        <p:spPr>
+          <a:xfrm>
+            <a:off x="2177941" y="2122263"/>
+            <a:ext cx="1080000" cy="1080000"/>
+          </a:xfrm>
+          <a:prstGeom prst="ellipse">
+            <a:avLst/>
+          </a:prstGeom>
+          <a:ln>
+            <a:solidFill>
+              <a:schemeClr val="tx1"/>
+            </a:solidFill>
+          </a:ln>
+        </p:spPr>
+      </p:pic>
+      <p:pic>
+        <p:nvPicPr>
+          <p:cNvPr id="28" name="Immagine 27" descr="Immagine che contiene erba, esterni&#10;&#10;Descrizione generata automaticamente">
+            <a:extLst>
+              <a:ext uri="{FF2B5EF4-FFF2-40B4-BE49-F238E27FC236}">
+                <a16:creationId xmlns:a16="http://schemas.microsoft.com/office/drawing/2014/main" id="{1BE07261-A172-4E3F-A361-D2F5438C3358}"/>
+              </a:ext>
+            </a:extLst>
+          </p:cNvPr>
+          <p:cNvPicPr>
+            <a:picLocks noChangeAspect="1"/>
+          </p:cNvPicPr>
+          <p:nvPr/>
+        </p:nvPicPr>
+        <p:blipFill rotWithShape="1">
+          <a:blip r:embed="rId3">
+            <a:extLst>
+              <a:ext uri="{28A0092B-C50C-407E-A947-70E740481C1C}">
+                <a14:useLocalDpi xmlns:a14="http://schemas.microsoft.com/office/drawing/2010/main" val="0"/>
+              </a:ext>
+            </a:extLst>
+          </a:blip>
+          <a:srcRect t="8125" b="8125"/>
+          <a:stretch/>
+        </p:blipFill>
+        <p:spPr>
+          <a:xfrm>
+            <a:off x="5555999" y="2122263"/>
+            <a:ext cx="1080000" cy="1080000"/>
+          </a:xfrm>
+          <a:prstGeom prst="ellipse">
+            <a:avLst/>
+          </a:prstGeom>
+        </p:spPr>
+      </p:pic>
+      <p:pic>
+        <p:nvPicPr>
+          <p:cNvPr id="30" name="Immagine 29" descr="Immagine che contiene testo, nero&#10;&#10;Descrizione generata automaticamente">
+            <a:extLst>
+              <a:ext uri="{FF2B5EF4-FFF2-40B4-BE49-F238E27FC236}">
+                <a16:creationId xmlns:a16="http://schemas.microsoft.com/office/drawing/2014/main" id="{AB2E2240-0974-4BB7-9485-20B245DA7DA2}"/>
+              </a:ext>
+            </a:extLst>
+          </p:cNvPr>
+          <p:cNvPicPr>
+            <a:picLocks noChangeAspect="1"/>
+          </p:cNvPicPr>
+          <p:nvPr/>
+        </p:nvPicPr>
+        <p:blipFill rotWithShape="1">
+          <a:blip r:embed="rId4">
+            <a:extLst>
+              <a:ext uri="{28A0092B-C50C-407E-A947-70E740481C1C}">
+                <a14:useLocalDpi xmlns:a14="http://schemas.microsoft.com/office/drawing/2010/main" val="0"/>
+              </a:ext>
+            </a:extLst>
+          </a:blip>
+          <a:srcRect/>
+          <a:stretch/>
+        </p:blipFill>
+        <p:spPr>
+          <a:xfrm>
+            <a:off x="8908341" y="2122263"/>
+            <a:ext cx="1080000" cy="1080000"/>
+          </a:xfrm>
+          <a:prstGeom prst="ellipse">
+            <a:avLst/>
+          </a:prstGeom>
+        </p:spPr>
+      </p:pic>
+    </p:spTree>
+    <p:extLst>
+      <p:ext uri="{BB962C8B-B14F-4D97-AF65-F5344CB8AC3E}">
+        <p14:creationId xmlns:p14="http://schemas.microsoft.com/office/powerpoint/2010/main" val="2493271794"/>
+      </p:ext>
+    </p:extLst>
+  </p:cSld>
+  <p:clrMapOvr>
+    <a:masterClrMapping/>
+  </p:clrMapOvr>
+</p:sld>
+</file>
+
+<file path=ppt/slides/slide23.xml><?xml version="1.0" encoding="utf-8"?>
+<p:sld xmlns:a="http://schemas.openxmlformats.org/drawingml/2006/main" xmlns:r="http://schemas.openxmlformats.org/officeDocument/2006/relationships" xmlns:p="http://schemas.openxmlformats.org/presentationml/2006/main">
+  <p:cSld>
+    <p:spTree>
+      <p:nvGrpSpPr>
+        <p:cNvPr id="1" name=""/>
+        <p:cNvGrpSpPr/>
+        <p:nvPr/>
+      </p:nvGrpSpPr>
+      <p:grpSpPr>
+        <a:xfrm>
+          <a:off x="0" y="0"/>
+          <a:ext cx="0" cy="0"/>
+          <a:chOff x="0" y="0"/>
+          <a:chExt cx="0" cy="0"/>
+        </a:xfrm>
+      </p:grpSpPr>
+      <p:sp>
+        <p:nvSpPr>
+          <p:cNvPr id="4" name="Titolo 3">
+            <a:extLst>
+              <a:ext uri="{FF2B5EF4-FFF2-40B4-BE49-F238E27FC236}">
+                <a16:creationId xmlns:a16="http://schemas.microsoft.com/office/drawing/2014/main" id="{A32BADA9-D1E4-4A68-A522-AE21B0D0BA03}"/>
+              </a:ext>
+            </a:extLst>
+          </p:cNvPr>
+          <p:cNvSpPr>
+            <a:spLocks noGrp="1"/>
+          </p:cNvSpPr>
+          <p:nvPr>
+            <p:ph type="title"/>
+          </p:nvPr>
+        </p:nvSpPr>
+        <p:spPr>
+          <a:xfrm>
+            <a:off x="914399" y="1162050"/>
+            <a:ext cx="10616609" cy="857250"/>
+          </a:xfrm>
+        </p:spPr>
+        <p:txBody>
+          <a:bodyPr>
+            <a:noAutofit/>
+          </a:bodyPr>
+          <a:lstStyle/>
+          <a:p>
+            <a:r>
+              <a:rPr lang="en-GB" sz="2400" b="1" dirty="0"/>
+              <a:t>Check if these artists released an album on the same month (or previous one) of the chart in which they have the highest number of tracks.</a:t>
+            </a:r>
+            <a:endParaRPr lang="it-IT" sz="2400" b="1" dirty="0"/>
+          </a:p>
+        </p:txBody>
+      </p:sp>
+      <p:sp>
+        <p:nvSpPr>
+          <p:cNvPr id="2" name="Segnaposto numero diapositiva 1">
+            <a:extLst>
+              <a:ext uri="{FF2B5EF4-FFF2-40B4-BE49-F238E27FC236}">
+                <a16:creationId xmlns:a16="http://schemas.microsoft.com/office/drawing/2014/main" id="{AF743220-D2ED-43D4-A1FF-37CA562FFA98}"/>
+              </a:ext>
+            </a:extLst>
+          </p:cNvPr>
+          <p:cNvSpPr>
+            <a:spLocks noGrp="1"/>
+          </p:cNvSpPr>
+          <p:nvPr>
+            <p:ph type="sldNum" sz="quarter" idx="12"/>
+          </p:nvPr>
+        </p:nvSpPr>
+        <p:spPr/>
+        <p:txBody>
+          <a:bodyPr/>
+          <a:lstStyle/>
+          <a:p>
+            <a:fld id="{0E41FC79-F70E-41D5-8DA8-CBC79D687031}" type="slidenum">
+              <a:rPr lang="it-IT" smtClean="0"/>
+              <a:t>23</a:t>
+            </a:fld>
+            <a:r>
+              <a:rPr lang="it-IT" dirty="0"/>
+              <a:t>/24</a:t>
+            </a:r>
+          </a:p>
+        </p:txBody>
+      </p:sp>
+      <p:sp>
+        <p:nvSpPr>
+          <p:cNvPr id="11" name="Freccia a destra 10">
+            <a:extLst>
+              <a:ext uri="{FF2B5EF4-FFF2-40B4-BE49-F238E27FC236}">
+                <a16:creationId xmlns:a16="http://schemas.microsoft.com/office/drawing/2014/main" id="{111CC4F4-871A-4D99-B10B-709DE3011118}"/>
+              </a:ext>
+            </a:extLst>
+          </p:cNvPr>
+          <p:cNvSpPr/>
+          <p:nvPr/>
+        </p:nvSpPr>
+        <p:spPr>
+          <a:xfrm rot="5400000">
+            <a:off x="2373303" y="4537732"/>
+            <a:ext cx="689277" cy="391844"/>
+          </a:xfrm>
+          <a:prstGeom prst="rightArrow">
+            <a:avLst/>
+          </a:prstGeom>
+          <a:ln>
+            <a:noFill/>
+          </a:ln>
+        </p:spPr>
+        <p:style>
+          <a:lnRef idx="2">
+            <a:schemeClr val="accent1">
+              <a:shade val="50000"/>
+            </a:schemeClr>
+          </a:lnRef>
+          <a:fillRef idx="1">
+            <a:schemeClr val="accent1"/>
+          </a:fillRef>
+          <a:effectRef idx="0">
+            <a:schemeClr val="accent1"/>
+          </a:effectRef>
+          <a:fontRef idx="minor">
+            <a:schemeClr val="lt1"/>
+          </a:fontRef>
+        </p:style>
+        <p:txBody>
+          <a:bodyPr rtlCol="0" anchor="ctr"/>
+          <a:lstStyle/>
+          <a:p>
+            <a:pPr algn="ctr"/>
+            <a:endParaRPr lang="en-GB"/>
+          </a:p>
+        </p:txBody>
+      </p:sp>
+      <p:sp>
+        <p:nvSpPr>
+          <p:cNvPr id="12" name="Titolo 3">
+            <a:extLst>
+              <a:ext uri="{FF2B5EF4-FFF2-40B4-BE49-F238E27FC236}">
+                <a16:creationId xmlns:a16="http://schemas.microsoft.com/office/drawing/2014/main" id="{AE914E4C-42D0-484F-80ED-F83CFA2DEE2E}"/>
+              </a:ext>
+            </a:extLst>
+          </p:cNvPr>
+          <p:cNvSpPr txBox="1">
+            <a:spLocks/>
+          </p:cNvSpPr>
+          <p:nvPr/>
+        </p:nvSpPr>
+        <p:spPr>
+          <a:xfrm>
+            <a:off x="1472053" y="3258383"/>
+            <a:ext cx="2491777" cy="1074512"/>
+          </a:xfrm>
+          <a:prstGeom prst="rect">
+            <a:avLst/>
+          </a:prstGeom>
+        </p:spPr>
+        <p:txBody>
+          <a:bodyPr vert="horz" lIns="91440" tIns="45720" rIns="91440" bIns="45720" rtlCol="0" anchor="t">
+            <a:noAutofit/>
+          </a:bodyPr>
+          <a:lstStyle>
+            <a:lvl1pPr algn="l" defTabSz="914400" rtl="0" eaLnBrk="1" latinLnBrk="0" hangingPunct="1">
+              <a:lnSpc>
+                <a:spcPct val="100000"/>
+              </a:lnSpc>
+              <a:spcBef>
+                <a:spcPct val="0"/>
+              </a:spcBef>
+              <a:buNone/>
+              <a:defRPr sz="4000" kern="1200">
+                <a:solidFill>
+                  <a:schemeClr val="tx1"/>
+                </a:solidFill>
+                <a:latin typeface="+mj-lt"/>
+                <a:ea typeface="+mj-ea"/>
+                <a:cs typeface="+mj-cs"/>
+              </a:defRPr>
+            </a:lvl1pPr>
+          </a:lstStyle>
+          <a:p>
+            <a:pPr algn="ctr"/>
+            <a:r>
+              <a:rPr lang="en-GB" sz="2000" b="1" i="1" dirty="0" err="1"/>
+              <a:t>Tha</a:t>
+            </a:r>
+            <a:r>
+              <a:rPr lang="en-GB" sz="2000" b="1" i="1" dirty="0"/>
+              <a:t> Supreme</a:t>
+            </a:r>
+          </a:p>
+          <a:p>
+            <a:pPr algn="ctr"/>
+            <a:r>
+              <a:rPr lang="en-GB" sz="2000" b="1" dirty="0"/>
+              <a:t>17</a:t>
+            </a:r>
+            <a:r>
+              <a:rPr lang="en-GB" sz="2000" b="1" baseline="30000" dirty="0"/>
+              <a:t>th </a:t>
+            </a:r>
+            <a:r>
+              <a:rPr lang="en-GB" sz="2000" b="1" dirty="0"/>
+              <a:t>Nov 2019</a:t>
+            </a:r>
+          </a:p>
+          <a:p>
+            <a:pPr algn="ctr"/>
+            <a:r>
+              <a:rPr lang="en-GB" sz="2000" b="1" dirty="0"/>
+              <a:t>24 tracks</a:t>
+            </a:r>
+            <a:endParaRPr lang="it-IT" sz="2000" b="1" dirty="0"/>
+          </a:p>
+        </p:txBody>
+      </p:sp>
+      <p:sp>
+        <p:nvSpPr>
+          <p:cNvPr id="13" name="Titolo 3">
+            <a:extLst>
+              <a:ext uri="{FF2B5EF4-FFF2-40B4-BE49-F238E27FC236}">
+                <a16:creationId xmlns:a16="http://schemas.microsoft.com/office/drawing/2014/main" id="{93D11056-5167-483D-8045-92048AC543D1}"/>
+              </a:ext>
+            </a:extLst>
+          </p:cNvPr>
+          <p:cNvSpPr txBox="1">
+            <a:spLocks/>
+          </p:cNvSpPr>
+          <p:nvPr/>
+        </p:nvSpPr>
+        <p:spPr>
+          <a:xfrm>
+            <a:off x="4850111" y="3258383"/>
+            <a:ext cx="2491777" cy="1074512"/>
+          </a:xfrm>
+          <a:prstGeom prst="rect">
+            <a:avLst/>
+          </a:prstGeom>
+        </p:spPr>
+        <p:txBody>
+          <a:bodyPr vert="horz" lIns="91440" tIns="45720" rIns="91440" bIns="45720" rtlCol="0" anchor="t">
+            <a:noAutofit/>
+          </a:bodyPr>
+          <a:lstStyle>
+            <a:lvl1pPr algn="l" defTabSz="914400" rtl="0" eaLnBrk="1" latinLnBrk="0" hangingPunct="1">
+              <a:lnSpc>
+                <a:spcPct val="100000"/>
+              </a:lnSpc>
+              <a:spcBef>
+                <a:spcPct val="0"/>
+              </a:spcBef>
+              <a:buNone/>
+              <a:defRPr sz="4000" kern="1200">
+                <a:solidFill>
+                  <a:schemeClr val="tx1"/>
+                </a:solidFill>
+                <a:latin typeface="+mj-lt"/>
+                <a:ea typeface="+mj-ea"/>
+                <a:cs typeface="+mj-cs"/>
+              </a:defRPr>
+            </a:lvl1pPr>
+          </a:lstStyle>
+          <a:p>
+            <a:pPr algn="ctr"/>
+            <a:r>
+              <a:rPr lang="en-GB" sz="2000" b="1" i="1" dirty="0" err="1"/>
+              <a:t>Marracash</a:t>
+            </a:r>
+            <a:endParaRPr lang="en-GB" sz="2000" b="1" i="1" dirty="0"/>
+          </a:p>
+          <a:p>
+            <a:pPr algn="ctr"/>
+            <a:r>
+              <a:rPr lang="en-GB" sz="2000" b="1" dirty="0"/>
+              <a:t>17</a:t>
+            </a:r>
+            <a:r>
+              <a:rPr lang="en-GB" sz="2000" b="1" baseline="30000" dirty="0"/>
+              <a:t>th</a:t>
+            </a:r>
+            <a:r>
+              <a:rPr lang="en-GB" sz="2000" b="1" dirty="0"/>
+              <a:t> Nov 2019</a:t>
+            </a:r>
+          </a:p>
+          <a:p>
+            <a:pPr algn="ctr"/>
+            <a:r>
+              <a:rPr lang="en-GB" sz="2000" b="1" dirty="0"/>
+              <a:t>19 tracks</a:t>
+            </a:r>
+            <a:endParaRPr lang="it-IT" sz="2000" b="1" dirty="0"/>
+          </a:p>
+        </p:txBody>
+      </p:sp>
+      <p:sp>
+        <p:nvSpPr>
+          <p:cNvPr id="14" name="Titolo 3">
+            <a:extLst>
+              <a:ext uri="{FF2B5EF4-FFF2-40B4-BE49-F238E27FC236}">
+                <a16:creationId xmlns:a16="http://schemas.microsoft.com/office/drawing/2014/main" id="{78ED6B49-6981-40D7-8E2D-E4E4CB5B75B7}"/>
+              </a:ext>
+            </a:extLst>
+          </p:cNvPr>
+          <p:cNvSpPr txBox="1">
+            <a:spLocks/>
+          </p:cNvSpPr>
+          <p:nvPr/>
+        </p:nvSpPr>
+        <p:spPr>
+          <a:xfrm>
+            <a:off x="8202453" y="3258383"/>
+            <a:ext cx="2491777" cy="1074512"/>
+          </a:xfrm>
+          <a:prstGeom prst="rect">
+            <a:avLst/>
+          </a:prstGeom>
+        </p:spPr>
+        <p:txBody>
+          <a:bodyPr vert="horz" lIns="91440" tIns="45720" rIns="91440" bIns="45720" rtlCol="0" anchor="t">
+            <a:noAutofit/>
+          </a:bodyPr>
+          <a:lstStyle>
+            <a:lvl1pPr algn="l" defTabSz="914400" rtl="0" eaLnBrk="1" latinLnBrk="0" hangingPunct="1">
+              <a:lnSpc>
+                <a:spcPct val="100000"/>
+              </a:lnSpc>
+              <a:spcBef>
+                <a:spcPct val="0"/>
+              </a:spcBef>
+              <a:buNone/>
+              <a:defRPr sz="4000" kern="1200">
+                <a:solidFill>
+                  <a:schemeClr val="tx1"/>
+                </a:solidFill>
+                <a:latin typeface="+mj-lt"/>
+                <a:ea typeface="+mj-ea"/>
+                <a:cs typeface="+mj-cs"/>
+              </a:defRPr>
+            </a:lvl1pPr>
+          </a:lstStyle>
+          <a:p>
+            <a:pPr algn="ctr"/>
+            <a:r>
+              <a:rPr lang="en-GB" sz="2000" b="1" i="1" dirty="0"/>
+              <a:t>Ultimo</a:t>
+            </a:r>
+          </a:p>
+          <a:p>
+            <a:pPr algn="ctr"/>
+            <a:r>
+              <a:rPr lang="en-GB" sz="2000" b="1" dirty="0"/>
+              <a:t>7</a:t>
+            </a:r>
+            <a:r>
+              <a:rPr lang="en-GB" sz="2000" b="1" baseline="30000" dirty="0"/>
+              <a:t>th</a:t>
+            </a:r>
+            <a:r>
+              <a:rPr lang="en-GB" sz="2000" b="1" dirty="0"/>
+              <a:t> April 2019</a:t>
+            </a:r>
+          </a:p>
+          <a:p>
+            <a:pPr algn="ctr"/>
+            <a:r>
+              <a:rPr lang="en-GB" sz="2000" b="1" dirty="0"/>
+              <a:t>18 tracks</a:t>
+            </a:r>
+            <a:endParaRPr lang="it-IT" sz="2000" b="1" dirty="0"/>
+          </a:p>
+        </p:txBody>
+      </p:sp>
+      <p:sp>
+        <p:nvSpPr>
+          <p:cNvPr id="15" name="Freccia a destra 14">
+            <a:extLst>
+              <a:ext uri="{FF2B5EF4-FFF2-40B4-BE49-F238E27FC236}">
+                <a16:creationId xmlns:a16="http://schemas.microsoft.com/office/drawing/2014/main" id="{7BBF55D9-1DDE-4C21-A73A-34FE95A1220B}"/>
+              </a:ext>
+            </a:extLst>
+          </p:cNvPr>
+          <p:cNvSpPr/>
+          <p:nvPr/>
+        </p:nvSpPr>
+        <p:spPr>
+          <a:xfrm rot="5400000">
+            <a:off x="5751361" y="4537730"/>
+            <a:ext cx="689276" cy="391844"/>
+          </a:xfrm>
+          <a:prstGeom prst="rightArrow">
+            <a:avLst/>
+          </a:prstGeom>
+          <a:ln>
+            <a:noFill/>
+          </a:ln>
+        </p:spPr>
+        <p:style>
+          <a:lnRef idx="2">
+            <a:schemeClr val="accent1">
+              <a:shade val="50000"/>
+            </a:schemeClr>
+          </a:lnRef>
+          <a:fillRef idx="1">
+            <a:schemeClr val="accent1"/>
+          </a:fillRef>
+          <a:effectRef idx="0">
+            <a:schemeClr val="accent1"/>
+          </a:effectRef>
+          <a:fontRef idx="minor">
+            <a:schemeClr val="lt1"/>
+          </a:fontRef>
+        </p:style>
+        <p:txBody>
+          <a:bodyPr rtlCol="0" anchor="ctr"/>
+          <a:lstStyle/>
+          <a:p>
+            <a:pPr algn="ctr"/>
+            <a:endParaRPr lang="en-GB"/>
+          </a:p>
+        </p:txBody>
+      </p:sp>
+      <p:sp>
+        <p:nvSpPr>
+          <p:cNvPr id="16" name="Freccia a destra 15">
+            <a:extLst>
+              <a:ext uri="{FF2B5EF4-FFF2-40B4-BE49-F238E27FC236}">
+                <a16:creationId xmlns:a16="http://schemas.microsoft.com/office/drawing/2014/main" id="{B2991638-D8BB-4BEE-97C9-8A168898C79B}"/>
+              </a:ext>
+            </a:extLst>
+          </p:cNvPr>
+          <p:cNvSpPr/>
+          <p:nvPr/>
+        </p:nvSpPr>
+        <p:spPr>
+          <a:xfrm rot="5400000">
+            <a:off x="9103703" y="4537732"/>
+            <a:ext cx="689277" cy="391844"/>
+          </a:xfrm>
+          <a:prstGeom prst="rightArrow">
+            <a:avLst/>
+          </a:prstGeom>
+          <a:ln>
+            <a:noFill/>
+          </a:ln>
+        </p:spPr>
+        <p:style>
+          <a:lnRef idx="2">
+            <a:schemeClr val="accent1">
+              <a:shade val="50000"/>
+            </a:schemeClr>
+          </a:lnRef>
+          <a:fillRef idx="1">
+            <a:schemeClr val="accent1"/>
+          </a:fillRef>
+          <a:effectRef idx="0">
+            <a:schemeClr val="accent1"/>
+          </a:effectRef>
+          <a:fontRef idx="minor">
+            <a:schemeClr val="lt1"/>
+          </a:fontRef>
+        </p:style>
+        <p:txBody>
+          <a:bodyPr rtlCol="0" anchor="ctr"/>
+          <a:lstStyle/>
+          <a:p>
+            <a:pPr algn="ctr"/>
+            <a:endParaRPr lang="en-GB"/>
+          </a:p>
+        </p:txBody>
+      </p:sp>
+      <p:pic>
+        <p:nvPicPr>
+          <p:cNvPr id="26" name="Immagine 25" descr="Immagine che contiene clipart&#10;&#10;Descrizione generata automaticamente">
+            <a:extLst>
+              <a:ext uri="{FF2B5EF4-FFF2-40B4-BE49-F238E27FC236}">
+                <a16:creationId xmlns:a16="http://schemas.microsoft.com/office/drawing/2014/main" id="{BB261DDC-1F3A-4804-B48A-6E9A67820FDB}"/>
+              </a:ext>
+            </a:extLst>
+          </p:cNvPr>
+          <p:cNvPicPr>
+            <a:picLocks/>
+          </p:cNvPicPr>
+          <p:nvPr/>
+        </p:nvPicPr>
+        <p:blipFill rotWithShape="1">
+          <a:blip r:embed="rId2">
+            <a:extLst>
+              <a:ext uri="{28A0092B-C50C-407E-A947-70E740481C1C}">
+                <a14:useLocalDpi xmlns:a14="http://schemas.microsoft.com/office/drawing/2010/main" val="0"/>
+              </a:ext>
+            </a:extLst>
+          </a:blip>
+          <a:srcRect t="435" b="19703"/>
+          <a:stretch/>
+        </p:blipFill>
+        <p:spPr>
+          <a:xfrm>
+            <a:off x="2177941" y="2122263"/>
+            <a:ext cx="1080000" cy="1080000"/>
+          </a:xfrm>
+          <a:prstGeom prst="ellipse">
+            <a:avLst/>
+          </a:prstGeom>
+          <a:ln>
+            <a:solidFill>
+              <a:schemeClr val="tx1"/>
+            </a:solidFill>
+          </a:ln>
+        </p:spPr>
+      </p:pic>
+      <p:pic>
+        <p:nvPicPr>
+          <p:cNvPr id="28" name="Immagine 27" descr="Immagine che contiene erba, esterni&#10;&#10;Descrizione generata automaticamente">
+            <a:extLst>
+              <a:ext uri="{FF2B5EF4-FFF2-40B4-BE49-F238E27FC236}">
+                <a16:creationId xmlns:a16="http://schemas.microsoft.com/office/drawing/2014/main" id="{1BE07261-A172-4E3F-A361-D2F5438C3358}"/>
+              </a:ext>
+            </a:extLst>
+          </p:cNvPr>
+          <p:cNvPicPr>
+            <a:picLocks noChangeAspect="1"/>
+          </p:cNvPicPr>
+          <p:nvPr/>
+        </p:nvPicPr>
+        <p:blipFill rotWithShape="1">
+          <a:blip r:embed="rId3">
+            <a:extLst>
+              <a:ext uri="{28A0092B-C50C-407E-A947-70E740481C1C}">
+                <a14:useLocalDpi xmlns:a14="http://schemas.microsoft.com/office/drawing/2010/main" val="0"/>
+              </a:ext>
+            </a:extLst>
+          </a:blip>
+          <a:srcRect t="8125" b="8125"/>
+          <a:stretch/>
+        </p:blipFill>
+        <p:spPr>
+          <a:xfrm>
+            <a:off x="5555999" y="2122263"/>
+            <a:ext cx="1080000" cy="1080000"/>
+          </a:xfrm>
+          <a:prstGeom prst="ellipse">
+            <a:avLst/>
+          </a:prstGeom>
+        </p:spPr>
+      </p:pic>
+      <p:pic>
+        <p:nvPicPr>
+          <p:cNvPr id="30" name="Immagine 29" descr="Immagine che contiene testo, nero&#10;&#10;Descrizione generata automaticamente">
+            <a:extLst>
+              <a:ext uri="{FF2B5EF4-FFF2-40B4-BE49-F238E27FC236}">
+                <a16:creationId xmlns:a16="http://schemas.microsoft.com/office/drawing/2014/main" id="{AB2E2240-0974-4BB7-9485-20B245DA7DA2}"/>
+              </a:ext>
+            </a:extLst>
+          </p:cNvPr>
+          <p:cNvPicPr>
+            <a:picLocks noChangeAspect="1"/>
+          </p:cNvPicPr>
+          <p:nvPr/>
+        </p:nvPicPr>
+        <p:blipFill rotWithShape="1">
+          <a:blip r:embed="rId4">
+            <a:extLst>
+              <a:ext uri="{28A0092B-C50C-407E-A947-70E740481C1C}">
+                <a14:useLocalDpi xmlns:a14="http://schemas.microsoft.com/office/drawing/2010/main" val="0"/>
+              </a:ext>
+            </a:extLst>
+          </a:blip>
+          <a:srcRect/>
+          <a:stretch/>
+        </p:blipFill>
+        <p:spPr>
+          <a:xfrm>
+            <a:off x="8908341" y="2122263"/>
+            <a:ext cx="1080000" cy="1080000"/>
+          </a:xfrm>
+          <a:prstGeom prst="ellipse">
+            <a:avLst/>
+          </a:prstGeom>
+        </p:spPr>
+      </p:pic>
+      <p:grpSp>
+        <p:nvGrpSpPr>
+          <p:cNvPr id="33" name="Gruppo 32">
+            <a:extLst>
+              <a:ext uri="{FF2B5EF4-FFF2-40B4-BE49-F238E27FC236}">
+                <a16:creationId xmlns:a16="http://schemas.microsoft.com/office/drawing/2014/main" id="{022CA102-34E5-4BFA-97A9-D68497D55C06}"/>
+              </a:ext>
+            </a:extLst>
+          </p:cNvPr>
+          <p:cNvGrpSpPr/>
+          <p:nvPr/>
+        </p:nvGrpSpPr>
+        <p:grpSpPr>
+          <a:xfrm>
+            <a:off x="1443830" y="5346346"/>
+            <a:ext cx="2520000" cy="900001"/>
+            <a:chOff x="980895" y="5155950"/>
+            <a:chExt cx="2556001" cy="900001"/>
+          </a:xfrm>
+        </p:grpSpPr>
+        <p:sp>
+          <p:nvSpPr>
+            <p:cNvPr id="19" name="Titolo 3">
+              <a:extLst>
+                <a:ext uri="{FF2B5EF4-FFF2-40B4-BE49-F238E27FC236}">
+                  <a16:creationId xmlns:a16="http://schemas.microsoft.com/office/drawing/2014/main" id="{4F070989-9890-40EE-9B1E-9E1ECDB36127}"/>
+                </a:ext>
+              </a:extLst>
+            </p:cNvPr>
+            <p:cNvSpPr txBox="1">
+              <a:spLocks/>
+            </p:cNvSpPr>
+            <p:nvPr/>
+          </p:nvSpPr>
+          <p:spPr>
+            <a:xfrm>
+              <a:off x="1880896" y="5155951"/>
+              <a:ext cx="1656000" cy="900000"/>
+            </a:xfrm>
+            <a:prstGeom prst="rect">
+              <a:avLst/>
+            </a:prstGeom>
+          </p:spPr>
+          <p:txBody>
+            <a:bodyPr vert="horz" lIns="91440" tIns="45720" rIns="91440" bIns="45720" rtlCol="0" anchor="ctr">
+              <a:noAutofit/>
+            </a:bodyPr>
+            <a:lstStyle>
+              <a:lvl1pPr algn="l" defTabSz="914400" rtl="0" eaLnBrk="1" latinLnBrk="0" hangingPunct="1">
+                <a:lnSpc>
+                  <a:spcPct val="100000"/>
+                </a:lnSpc>
+                <a:spcBef>
+                  <a:spcPct val="0"/>
+                </a:spcBef>
+                <a:buNone/>
+                <a:defRPr sz="4000" kern="1200">
+                  <a:solidFill>
+                    <a:schemeClr val="tx1"/>
+                  </a:solidFill>
+                  <a:latin typeface="+mj-lt"/>
+                  <a:ea typeface="+mj-ea"/>
+                  <a:cs typeface="+mj-cs"/>
+                </a:defRPr>
+              </a:lvl1pPr>
+            </a:lstStyle>
+            <a:p>
+              <a:r>
+                <a:rPr lang="en-GB" sz="1800" b="1" i="1" dirty="0"/>
+                <a:t>“23 6451”</a:t>
+              </a:r>
+            </a:p>
+            <a:p>
+              <a:r>
+                <a:rPr lang="en-GB" sz="1800" b="1" dirty="0"/>
+                <a:t>15</a:t>
+              </a:r>
+              <a:r>
+                <a:rPr lang="en-GB" sz="1800" b="1" baseline="30000" dirty="0"/>
+                <a:t>th</a:t>
+              </a:r>
+              <a:r>
+                <a:rPr lang="en-GB" sz="1800" b="1" dirty="0"/>
+                <a:t> Nov 2019</a:t>
+              </a:r>
+            </a:p>
+          </p:txBody>
+        </p:sp>
+        <p:pic>
+          <p:nvPicPr>
+            <p:cNvPr id="32" name="Immagine 31" descr="Immagine che contiene testo, palcoscenico, automazione&#10;&#10;Descrizione generata automaticamente">
+              <a:extLst>
+                <a:ext uri="{FF2B5EF4-FFF2-40B4-BE49-F238E27FC236}">
+                  <a16:creationId xmlns:a16="http://schemas.microsoft.com/office/drawing/2014/main" id="{B7211B8A-3ABF-454B-8FAF-EF8EBEC5CA8B}"/>
+                </a:ext>
+              </a:extLst>
+            </p:cNvPr>
+            <p:cNvPicPr>
+              <a:picLocks noChangeAspect="1"/>
+            </p:cNvPicPr>
+            <p:nvPr/>
+          </p:nvPicPr>
+          <p:blipFill>
+            <a:blip r:embed="rId5">
+              <a:extLst>
+                <a:ext uri="{28A0092B-C50C-407E-A947-70E740481C1C}">
+                  <a14:useLocalDpi xmlns:a14="http://schemas.microsoft.com/office/drawing/2010/main" val="0"/>
+                </a:ext>
+              </a:extLst>
+            </a:blip>
+            <a:stretch>
+              <a:fillRect/>
+            </a:stretch>
+          </p:blipFill>
+          <p:spPr>
+            <a:xfrm>
+              <a:off x="980895" y="5155950"/>
+              <a:ext cx="900000" cy="900000"/>
+            </a:xfrm>
+            <a:prstGeom prst="rect">
+              <a:avLst/>
+            </a:prstGeom>
+          </p:spPr>
+        </p:pic>
+      </p:grpSp>
+      <p:grpSp>
+        <p:nvGrpSpPr>
+          <p:cNvPr id="36" name="Gruppo 35">
+            <a:extLst>
+              <a:ext uri="{FF2B5EF4-FFF2-40B4-BE49-F238E27FC236}">
+                <a16:creationId xmlns:a16="http://schemas.microsoft.com/office/drawing/2014/main" id="{AF58FD21-763D-4B27-A0D6-A0ECC124D4F0}"/>
+              </a:ext>
+            </a:extLst>
+          </p:cNvPr>
+          <p:cNvGrpSpPr/>
+          <p:nvPr/>
+        </p:nvGrpSpPr>
+        <p:grpSpPr>
+          <a:xfrm>
+            <a:off x="4833188" y="5346022"/>
+            <a:ext cx="2520000" cy="900649"/>
+            <a:chOff x="4626192" y="5245949"/>
+            <a:chExt cx="2681502" cy="900649"/>
+          </a:xfrm>
+        </p:grpSpPr>
+        <p:sp>
+          <p:nvSpPr>
+            <p:cNvPr id="21" name="Titolo 3">
+              <a:extLst>
+                <a:ext uri="{FF2B5EF4-FFF2-40B4-BE49-F238E27FC236}">
+                  <a16:creationId xmlns:a16="http://schemas.microsoft.com/office/drawing/2014/main" id="{866212D8-5287-47C6-8EE9-0F6971FC1711}"/>
+                </a:ext>
+              </a:extLst>
+            </p:cNvPr>
+            <p:cNvSpPr txBox="1">
+              <a:spLocks/>
+            </p:cNvSpPr>
+            <p:nvPr/>
+          </p:nvSpPr>
+          <p:spPr>
+            <a:xfrm>
+              <a:off x="5507694" y="5245949"/>
+              <a:ext cx="1800000" cy="900000"/>
+            </a:xfrm>
+            <a:prstGeom prst="rect">
+              <a:avLst/>
+            </a:prstGeom>
+          </p:spPr>
+          <p:txBody>
+            <a:bodyPr vert="horz" lIns="91440" tIns="45720" rIns="91440" bIns="45720" rtlCol="0" anchor="ctr">
+              <a:noAutofit/>
+            </a:bodyPr>
+            <a:lstStyle>
+              <a:lvl1pPr algn="l" defTabSz="914400" rtl="0" eaLnBrk="1" latinLnBrk="0" hangingPunct="1">
+                <a:lnSpc>
+                  <a:spcPct val="100000"/>
+                </a:lnSpc>
+                <a:spcBef>
+                  <a:spcPct val="0"/>
+                </a:spcBef>
+                <a:buNone/>
+                <a:defRPr sz="4000" kern="1200">
+                  <a:solidFill>
+                    <a:schemeClr val="tx1"/>
+                  </a:solidFill>
+                  <a:latin typeface="+mj-lt"/>
+                  <a:ea typeface="+mj-ea"/>
+                  <a:cs typeface="+mj-cs"/>
+                </a:defRPr>
+              </a:lvl1pPr>
+            </a:lstStyle>
+            <a:p>
+              <a:r>
+                <a:rPr lang="en-GB" sz="1800" b="1" i="1" dirty="0"/>
+                <a:t>“Persona”</a:t>
+              </a:r>
+            </a:p>
+            <a:p>
+              <a:r>
+                <a:rPr lang="en-GB" sz="1800" b="1" dirty="0"/>
+                <a:t>31th Oct 2019</a:t>
+              </a:r>
+            </a:p>
+          </p:txBody>
+        </p:sp>
+        <p:pic>
+          <p:nvPicPr>
+            <p:cNvPr id="35" name="Immagine 34" descr="Immagine che contiene fissando, sfocatura&#10;&#10;Descrizione generata automaticamente">
+              <a:extLst>
+                <a:ext uri="{FF2B5EF4-FFF2-40B4-BE49-F238E27FC236}">
+                  <a16:creationId xmlns:a16="http://schemas.microsoft.com/office/drawing/2014/main" id="{D6E63E89-BC72-4918-A9D7-C995FC98F913}"/>
+                </a:ext>
+              </a:extLst>
+            </p:cNvPr>
+            <p:cNvPicPr>
+              <a:picLocks noChangeAspect="1"/>
+            </p:cNvPicPr>
+            <p:nvPr/>
+          </p:nvPicPr>
+          <p:blipFill rotWithShape="1">
+            <a:blip r:embed="rId6">
+              <a:extLst>
+                <a:ext uri="{28A0092B-C50C-407E-A947-70E740481C1C}">
+                  <a14:useLocalDpi xmlns:a14="http://schemas.microsoft.com/office/drawing/2010/main" val="0"/>
+                </a:ext>
+              </a:extLst>
+            </a:blip>
+            <a:srcRect t="47" b="47"/>
+            <a:stretch/>
+          </p:blipFill>
+          <p:spPr>
+            <a:xfrm>
+              <a:off x="4626192" y="5246598"/>
+              <a:ext cx="900000" cy="900000"/>
+            </a:xfrm>
+            <a:prstGeom prst="rect">
+              <a:avLst/>
+            </a:prstGeom>
+          </p:spPr>
+        </p:pic>
+      </p:grpSp>
+      <p:grpSp>
+        <p:nvGrpSpPr>
+          <p:cNvPr id="41" name="Gruppo 40">
+            <a:extLst>
+              <a:ext uri="{FF2B5EF4-FFF2-40B4-BE49-F238E27FC236}">
+                <a16:creationId xmlns:a16="http://schemas.microsoft.com/office/drawing/2014/main" id="{36875EBA-41AD-4FAD-AB28-3BEC98634560}"/>
+              </a:ext>
+            </a:extLst>
+          </p:cNvPr>
+          <p:cNvGrpSpPr/>
+          <p:nvPr/>
+        </p:nvGrpSpPr>
+        <p:grpSpPr>
+          <a:xfrm>
+            <a:off x="7918300" y="5346346"/>
+            <a:ext cx="3054459" cy="900001"/>
+            <a:chOff x="8458341" y="5245949"/>
+            <a:chExt cx="3072668" cy="900001"/>
+          </a:xfrm>
+        </p:grpSpPr>
+        <p:sp>
+          <p:nvSpPr>
+            <p:cNvPr id="23" name="Titolo 3">
+              <a:extLst>
+                <a:ext uri="{FF2B5EF4-FFF2-40B4-BE49-F238E27FC236}">
+                  <a16:creationId xmlns:a16="http://schemas.microsoft.com/office/drawing/2014/main" id="{C1B9B6DB-4FA2-4ADC-B37F-C66ACB764C23}"/>
+                </a:ext>
+              </a:extLst>
+            </p:cNvPr>
+            <p:cNvSpPr txBox="1">
+              <a:spLocks/>
+            </p:cNvSpPr>
+            <p:nvPr/>
+          </p:nvSpPr>
+          <p:spPr>
+            <a:xfrm>
+              <a:off x="9355993" y="5245950"/>
+              <a:ext cx="2175016" cy="900000"/>
+            </a:xfrm>
+            <a:prstGeom prst="rect">
+              <a:avLst/>
+            </a:prstGeom>
+          </p:spPr>
+          <p:txBody>
+            <a:bodyPr vert="horz" lIns="91440" tIns="45720" rIns="91440" bIns="45720" rtlCol="0" anchor="ctr">
+              <a:noAutofit/>
+            </a:bodyPr>
+            <a:lstStyle>
+              <a:lvl1pPr algn="l" defTabSz="914400" rtl="0" eaLnBrk="1" latinLnBrk="0" hangingPunct="1">
+                <a:lnSpc>
+                  <a:spcPct val="100000"/>
+                </a:lnSpc>
+                <a:spcBef>
+                  <a:spcPct val="0"/>
+                </a:spcBef>
+                <a:buNone/>
+                <a:defRPr sz="4000" kern="1200">
+                  <a:solidFill>
+                    <a:schemeClr val="tx1"/>
+                  </a:solidFill>
+                  <a:latin typeface="+mj-lt"/>
+                  <a:ea typeface="+mj-ea"/>
+                  <a:cs typeface="+mj-cs"/>
+                </a:defRPr>
+              </a:lvl1pPr>
+            </a:lstStyle>
+            <a:p>
+              <a:r>
+                <a:rPr lang="en-GB" sz="1800" b="1" i="1" dirty="0"/>
+                <a:t>“</a:t>
+              </a:r>
+              <a:r>
+                <a:rPr lang="en-GB" sz="1800" b="1" i="1" dirty="0" err="1"/>
+                <a:t>Colpa</a:t>
+              </a:r>
+              <a:r>
+                <a:rPr lang="en-GB" sz="1800" b="1" i="1" dirty="0"/>
+                <a:t> </a:t>
+              </a:r>
+              <a:r>
+                <a:rPr lang="en-GB" sz="1800" b="1" i="1" dirty="0" err="1"/>
+                <a:t>delle</a:t>
+              </a:r>
+              <a:r>
+                <a:rPr lang="en-GB" sz="1800" b="1" i="1" dirty="0"/>
+                <a:t> </a:t>
+              </a:r>
+              <a:r>
+                <a:rPr lang="en-GB" sz="1800" b="1" i="1" dirty="0" err="1"/>
+                <a:t>Favole</a:t>
+              </a:r>
+              <a:r>
+                <a:rPr lang="en-GB" sz="1800" b="1" i="1" dirty="0"/>
+                <a:t>”</a:t>
+              </a:r>
+            </a:p>
+            <a:p>
+              <a:r>
+                <a:rPr lang="en-GB" sz="1800" b="1" dirty="0"/>
+                <a:t>5th April 2019</a:t>
+              </a:r>
+            </a:p>
+          </p:txBody>
+        </p:sp>
+        <p:pic>
+          <p:nvPicPr>
+            <p:cNvPr id="40" name="Immagine 39" descr="Immagine che contiene testo, persona, libro, esterni&#10;&#10;Descrizione generata automaticamente">
+              <a:extLst>
+                <a:ext uri="{FF2B5EF4-FFF2-40B4-BE49-F238E27FC236}">
+                  <a16:creationId xmlns:a16="http://schemas.microsoft.com/office/drawing/2014/main" id="{A2BA4006-466C-4F40-8FEA-0C927F225D39}"/>
+                </a:ext>
+              </a:extLst>
+            </p:cNvPr>
+            <p:cNvPicPr>
+              <a:picLocks noChangeAspect="1"/>
+            </p:cNvPicPr>
+            <p:nvPr/>
+          </p:nvPicPr>
+          <p:blipFill>
+            <a:blip r:embed="rId7">
+              <a:extLst>
+                <a:ext uri="{28A0092B-C50C-407E-A947-70E740481C1C}">
+                  <a14:useLocalDpi xmlns:a14="http://schemas.microsoft.com/office/drawing/2010/main" val="0"/>
+                </a:ext>
+              </a:extLst>
+            </a:blip>
+            <a:stretch>
+              <a:fillRect/>
+            </a:stretch>
+          </p:blipFill>
+          <p:spPr>
+            <a:xfrm>
+              <a:off x="8458341" y="5245949"/>
+              <a:ext cx="900000" cy="900000"/>
+            </a:xfrm>
+            <a:prstGeom prst="rect">
+              <a:avLst/>
+            </a:prstGeom>
+          </p:spPr>
+        </p:pic>
+      </p:grpSp>
+    </p:spTree>
+    <p:extLst>
+      <p:ext uri="{BB962C8B-B14F-4D97-AF65-F5344CB8AC3E}">
+        <p14:creationId xmlns:p14="http://schemas.microsoft.com/office/powerpoint/2010/main" val="1607448009"/>
+      </p:ext>
+    </p:extLst>
+  </p:cSld>
+  <p:clrMapOvr>
+    <a:masterClrMapping/>
+  </p:clrMapOvr>
+</p:sld>
+</file>
+
+<file path=ppt/slides/slide24.xml><?xml version="1.0" encoding="utf-8"?>
+<p:sld xmlns:a="http://schemas.openxmlformats.org/drawingml/2006/main" xmlns:r="http://schemas.openxmlformats.org/officeDocument/2006/relationships" xmlns:p="http://schemas.openxmlformats.org/presentationml/2006/main">
+  <p:cSld>
+    <p:spTree>
+      <p:nvGrpSpPr>
+        <p:cNvPr id="1" name=""/>
+        <p:cNvGrpSpPr/>
+        <p:nvPr/>
+      </p:nvGrpSpPr>
+      <p:grpSpPr>
+        <a:xfrm>
+          <a:off x="0" y="0"/>
+          <a:ext cx="0" cy="0"/>
+          <a:chOff x="0" y="0"/>
+          <a:chExt cx="0" cy="0"/>
+        </a:xfrm>
+      </p:grpSpPr>
+      <p:sp>
+        <p:nvSpPr>
+          <p:cNvPr id="4" name="Titolo 3">
+            <a:extLst>
+              <a:ext uri="{FF2B5EF4-FFF2-40B4-BE49-F238E27FC236}">
+                <a16:creationId xmlns:a16="http://schemas.microsoft.com/office/drawing/2014/main" id="{A32BADA9-D1E4-4A68-A522-AE21B0D0BA03}"/>
+              </a:ext>
+            </a:extLst>
+          </p:cNvPr>
+          <p:cNvSpPr>
+            <a:spLocks noGrp="1"/>
+          </p:cNvSpPr>
+          <p:nvPr>
+            <p:ph type="title"/>
+          </p:nvPr>
+        </p:nvSpPr>
+        <p:spPr>
+          <a:xfrm>
+            <a:off x="4514850" y="2626518"/>
+            <a:ext cx="3162299" cy="1604963"/>
+          </a:xfrm>
+        </p:spPr>
+        <p:txBody>
+          <a:bodyPr>
+            <a:normAutofit fontScale="90000"/>
+          </a:bodyPr>
+          <a:lstStyle/>
+          <a:p>
+            <a:pPr algn="ctr"/>
+            <a:r>
+              <a:rPr lang="it-IT" sz="5400" b="1" dirty="0"/>
+              <a:t>Queries Part 3</a:t>
+            </a:r>
+            <a:endParaRPr lang="it-IT" sz="4800" b="1" dirty="0"/>
+          </a:p>
+        </p:txBody>
+      </p:sp>
+      <p:sp>
+        <p:nvSpPr>
+          <p:cNvPr id="2" name="Segnaposto numero diapositiva 1">
+            <a:extLst>
+              <a:ext uri="{FF2B5EF4-FFF2-40B4-BE49-F238E27FC236}">
+                <a16:creationId xmlns:a16="http://schemas.microsoft.com/office/drawing/2014/main" id="{0371B819-0A52-489C-9FA3-EA676A38ADB9}"/>
+              </a:ext>
+            </a:extLst>
+          </p:cNvPr>
+          <p:cNvSpPr>
+            <a:spLocks noGrp="1"/>
+          </p:cNvSpPr>
+          <p:nvPr>
+            <p:ph type="sldNum" sz="quarter" idx="12"/>
+          </p:nvPr>
+        </p:nvSpPr>
+        <p:spPr/>
+        <p:txBody>
+          <a:bodyPr/>
+          <a:lstStyle/>
+          <a:p>
+            <a:r>
+              <a:rPr lang="it-IT" dirty="0"/>
+              <a:t> </a:t>
+            </a:r>
+          </a:p>
+        </p:txBody>
+      </p:sp>
+    </p:spTree>
+    <p:extLst>
+      <p:ext uri="{BB962C8B-B14F-4D97-AF65-F5344CB8AC3E}">
+        <p14:creationId xmlns:p14="http://schemas.microsoft.com/office/powerpoint/2010/main" val="1103601752"/>
+      </p:ext>
+    </p:extLst>
+  </p:cSld>
+  <p:clrMapOvr>
+    <a:masterClrMapping/>
+  </p:clrMapOvr>
+</p:sld>
+</file>
+
+<file path=ppt/slides/slide25.xml><?xml version="1.0" encoding="utf-8"?>
+<p:sld xmlns:a="http://schemas.openxmlformats.org/drawingml/2006/main" xmlns:r="http://schemas.openxmlformats.org/officeDocument/2006/relationships" xmlns:p="http://schemas.openxmlformats.org/presentationml/2006/main">
+  <p:cSld>
+    <p:spTree>
+      <p:nvGrpSpPr>
+        <p:cNvPr id="1" name=""/>
+        <p:cNvGrpSpPr/>
+        <p:nvPr/>
+      </p:nvGrpSpPr>
+      <p:grpSpPr>
+        <a:xfrm>
+          <a:off x="0" y="0"/>
+          <a:ext cx="0" cy="0"/>
+          <a:chOff x="0" y="0"/>
+          <a:chExt cx="0" cy="0"/>
+        </a:xfrm>
+      </p:grpSpPr>
+      <p:sp>
+        <p:nvSpPr>
+          <p:cNvPr id="2" name="Segnaposto numero diapositiva 1">
+            <a:extLst>
+              <a:ext uri="{FF2B5EF4-FFF2-40B4-BE49-F238E27FC236}">
+                <a16:creationId xmlns:a16="http://schemas.microsoft.com/office/drawing/2014/main" id="{AF743220-D2ED-43D4-A1FF-37CA562FFA98}"/>
+              </a:ext>
+            </a:extLst>
+          </p:cNvPr>
+          <p:cNvSpPr>
+            <a:spLocks noGrp="1"/>
+          </p:cNvSpPr>
+          <p:nvPr>
+            <p:ph type="sldNum" sz="quarter" idx="12"/>
+          </p:nvPr>
+        </p:nvSpPr>
+        <p:spPr/>
+        <p:txBody>
+          <a:bodyPr/>
+          <a:lstStyle/>
+          <a:p>
+            <a:fld id="{0E41FC79-F70E-41D5-8DA8-CBC79D687031}" type="slidenum">
+              <a:rPr lang="it-IT" smtClean="0"/>
+              <a:t>25</a:t>
             </a:fld>
             <a:r>
               <a:rPr lang="it-IT" dirty="0"/>
@@ -16296,7 +15314,7 @@
           <a:p>
             <a:r>
               <a:rPr lang="en-GB" sz="2400" b="1" dirty="0"/>
-              <a:t>Q11: How many tracks from Italian artist are present in a Top 100 of a different country for each year</a:t>
+              <a:t>How many Italian tracks are present in a Top 100 of a country different from Italy for each year ?</a:t>
             </a:r>
             <a:endParaRPr lang="it-IT" sz="4800" b="1" dirty="0"/>
           </a:p>
@@ -16330,7 +15348,7 @@
         </p:blipFill>
         <p:spPr>
           <a:xfrm>
-            <a:off x="1928812" y="2153814"/>
+            <a:off x="2055516" y="2153814"/>
             <a:ext cx="8334375" cy="4058497"/>
           </a:xfrm>
           <a:prstGeom prst="rect">
@@ -16351,7 +15369,7 @@
 </p:sld>
 </file>
 
-<file path=ppt/slides/slide21.xml><?xml version="1.0" encoding="utf-8"?>
+<file path=ppt/slides/slide26.xml><?xml version="1.0" encoding="utf-8"?>
 <p:sld xmlns:a="http://schemas.openxmlformats.org/drawingml/2006/main" xmlns:r="http://schemas.openxmlformats.org/officeDocument/2006/relationships" xmlns:p="http://schemas.openxmlformats.org/presentationml/2006/main">
   <p:cSld>
     <p:spTree>
@@ -16391,7 +15409,7 @@
           <a:p>
             <a:fld id="{0E41FC79-F70E-41D5-8DA8-CBC79D687031}" type="slidenum">
               <a:rPr lang="it-IT" smtClean="0"/>
-              <a:t>21</a:t>
+              <a:t>26</a:t>
             </a:fld>
             <a:r>
               <a:rPr lang="it-IT" dirty="0"/>
@@ -16416,7 +15434,7 @@
         </p:nvSpPr>
         <p:spPr>
           <a:xfrm>
-            <a:off x="914400" y="1152525"/>
+            <a:off x="914400" y="1238250"/>
             <a:ext cx="10616609" cy="857250"/>
           </a:xfrm>
           <a:prstGeom prst="rect">
@@ -16469,16 +15487,15 @@
           </p:cNvPicPr>
           <p:nvPr/>
         </p:nvPicPr>
-        <p:blipFill>
+        <p:blipFill rotWithShape="1">
           <a:blip r:embed="rId2"/>
-          <a:stretch>
-            <a:fillRect/>
-          </a:stretch>
+          <a:srcRect l="3410" t="10688" b="6520"/>
+          <a:stretch/>
         </p:blipFill>
         <p:spPr>
           <a:xfrm>
-            <a:off x="914400" y="1834180"/>
-            <a:ext cx="10616608" cy="4406239"/>
+            <a:off x="968670" y="2247900"/>
+            <a:ext cx="10254659" cy="3648075"/>
           </a:xfrm>
           <a:prstGeom prst="rect">
             <a:avLst/>
@@ -16498,7 +15515,7 @@
 </p:sld>
 </file>
 
-<file path=ppt/slides/slide22.xml><?xml version="1.0" encoding="utf-8"?>
+<file path=ppt/slides/slide27.xml><?xml version="1.0" encoding="utf-8"?>
 <p:sld xmlns:a="http://schemas.openxmlformats.org/drawingml/2006/main" xmlns:r="http://schemas.openxmlformats.org/officeDocument/2006/relationships" xmlns:p="http://schemas.openxmlformats.org/presentationml/2006/main">
   <p:cSld>
     <p:spTree>
@@ -16538,7 +15555,7 @@
           <a:p>
             <a:fld id="{0E41FC79-F70E-41D5-8DA8-CBC79D687031}" type="slidenum">
               <a:rPr lang="it-IT" smtClean="0"/>
-              <a:t>22</a:t>
+              <a:t>27</a:t>
             </a:fld>
             <a:r>
               <a:rPr lang="it-IT" dirty="0"/>
@@ -16595,97 +15612,252 @@
           </a:lstStyle>
           <a:p>
             <a:r>
-              <a:rPr lang="en-GB" sz="2400" b="1" dirty="0"/>
+              <a:rPr lang="en-GB" sz="2800" b="1" dirty="0"/>
               <a:t>How to determine the most widespread Italian artists ?</a:t>
             </a:r>
-            <a:endParaRPr lang="it-IT" sz="4800" b="1" dirty="0"/>
+            <a:endParaRPr lang="it-IT" sz="5400" b="1" dirty="0"/>
           </a:p>
         </p:txBody>
       </p:sp>
-      <p:cxnSp>
-        <p:nvCxnSpPr>
-          <p:cNvPr id="6" name="Connettore 2 5">
+      <p:sp>
+        <p:nvSpPr>
+          <p:cNvPr id="8" name="Segnaposto contenuto 4">
             <a:extLst>
               <a:ext uri="{FF2B5EF4-FFF2-40B4-BE49-F238E27FC236}">
-                <a16:creationId xmlns:a16="http://schemas.microsoft.com/office/drawing/2014/main" id="{F02D984B-3552-45B0-8AD2-EA3C96E5A88A}"/>
+                <a16:creationId xmlns:a16="http://schemas.microsoft.com/office/drawing/2014/main" id="{B5D434E8-D109-4B6E-8F32-FA351652EE0F}"/>
               </a:ext>
             </a:extLst>
           </p:cNvPr>
-          <p:cNvCxnSpPr>
-            <a:cxnSpLocks/>
-            <a:stCxn id="24" idx="2"/>
-          </p:cNvCxnSpPr>
+          <p:cNvSpPr>
+            <a:spLocks noGrp="1"/>
+          </p:cNvSpPr>
+          <p:nvPr>
+            <p:ph idx="1"/>
+          </p:nvPr>
+        </p:nvSpPr>
+        <p:spPr>
+          <a:xfrm>
+            <a:off x="914399" y="2190748"/>
+            <a:ext cx="9893596" cy="4165602"/>
+          </a:xfrm>
+        </p:spPr>
+        <p:txBody>
+          <a:bodyPr>
+            <a:noAutofit/>
+          </a:bodyPr>
+          <a:lstStyle/>
+          <a:p>
+            <a:pPr fontAlgn="base">
+              <a:buFont typeface="Wingdings" panose="05000000000000000000" pitchFamily="2" charset="2"/>
+              <a:buChar char="q"/>
+            </a:pPr>
+            <a:r>
+              <a:rPr lang="en-US" sz="2500" b="1" i="0" dirty="0">
+                <a:effectLst/>
+              </a:rPr>
+              <a:t> </a:t>
+            </a:r>
+            <a:r>
+              <a:rPr lang="en-US" sz="2500" b="1" dirty="0"/>
+              <a:t>1</a:t>
+            </a:r>
+            <a:r>
+              <a:rPr lang="en-US" sz="2500" b="1" baseline="30000" dirty="0"/>
+              <a:t>st </a:t>
+            </a:r>
+            <a:r>
+              <a:rPr lang="en-US" sz="2500" b="1" dirty="0"/>
+              <a:t>Approach: </a:t>
+            </a:r>
+          </a:p>
+          <a:p>
+            <a:pPr marL="0" indent="0" fontAlgn="base">
+              <a:buNone/>
+            </a:pPr>
+            <a:r>
+              <a:rPr lang="en-GB" sz="2500" dirty="0"/>
+              <a:t>Count, for each artist, how many different countries he/she has reached excluding Italy. </a:t>
+            </a:r>
+            <a:endParaRPr lang="it-IT" sz="2500" dirty="0"/>
+          </a:p>
+          <a:p>
+            <a:pPr algn="l" fontAlgn="base">
+              <a:buFont typeface="Wingdings" panose="05000000000000000000" pitchFamily="2" charset="2"/>
+              <a:buChar char="q"/>
+            </a:pPr>
+            <a:endParaRPr lang="en-US" sz="2500" b="0" i="0" dirty="0">
+              <a:effectLst/>
+            </a:endParaRPr>
+          </a:p>
+          <a:p>
+            <a:pPr fontAlgn="base">
+              <a:buFont typeface="Wingdings" panose="05000000000000000000" pitchFamily="2" charset="2"/>
+              <a:buChar char="q"/>
+            </a:pPr>
+            <a:r>
+              <a:rPr lang="en-US" sz="2500" b="1" i="0" dirty="0">
+                <a:effectLst/>
+              </a:rPr>
+              <a:t> 2</a:t>
+            </a:r>
+            <a:r>
+              <a:rPr lang="en-US" sz="2500" b="1" i="0" baseline="30000" dirty="0">
+                <a:effectLst/>
+              </a:rPr>
+              <a:t>nd </a:t>
+            </a:r>
+            <a:r>
+              <a:rPr lang="en-GB" sz="2500" b="1" dirty="0"/>
+              <a:t>Approach: </a:t>
+            </a:r>
+          </a:p>
+          <a:p>
+            <a:pPr marL="0" indent="0" fontAlgn="base">
+              <a:buNone/>
+            </a:pPr>
+            <a:r>
+              <a:rPr lang="en-GB" sz="2500" dirty="0"/>
+              <a:t>Count, for each artist, how many of his tracks have entered in a TOP 100 of a country different from Italy</a:t>
+            </a:r>
+            <a:endParaRPr lang="it-IT" sz="2500" dirty="0"/>
+          </a:p>
+          <a:p>
+            <a:pPr algn="l" fontAlgn="base">
+              <a:buFont typeface="Wingdings" panose="05000000000000000000" pitchFamily="2" charset="2"/>
+              <a:buChar char="q"/>
+            </a:pPr>
+            <a:endParaRPr lang="en-US" sz="2500" b="0" i="0" baseline="30000" dirty="0">
+              <a:effectLst/>
+              <a:latin typeface="Inter"/>
+            </a:endParaRPr>
+          </a:p>
+        </p:txBody>
+      </p:sp>
+    </p:spTree>
+    <p:extLst>
+      <p:ext uri="{BB962C8B-B14F-4D97-AF65-F5344CB8AC3E}">
+        <p14:creationId xmlns:p14="http://schemas.microsoft.com/office/powerpoint/2010/main" val="187084051"/>
+      </p:ext>
+    </p:extLst>
+  </p:cSld>
+  <p:clrMapOvr>
+    <a:masterClrMapping/>
+  </p:clrMapOvr>
+</p:sld>
+</file>
+
+<file path=ppt/slides/slide28.xml><?xml version="1.0" encoding="utf-8"?>
+<p:sld xmlns:a="http://schemas.openxmlformats.org/drawingml/2006/main" xmlns:r="http://schemas.openxmlformats.org/officeDocument/2006/relationships" xmlns:p="http://schemas.openxmlformats.org/presentationml/2006/main">
+  <p:cSld>
+    <p:spTree>
+      <p:nvGrpSpPr>
+        <p:cNvPr id="1" name=""/>
+        <p:cNvGrpSpPr/>
+        <p:nvPr/>
+      </p:nvGrpSpPr>
+      <p:grpSpPr>
+        <a:xfrm>
+          <a:off x="0" y="0"/>
+          <a:ext cx="0" cy="0"/>
+          <a:chOff x="0" y="0"/>
+          <a:chExt cx="0" cy="0"/>
+        </a:xfrm>
+      </p:grpSpPr>
+      <p:sp>
+        <p:nvSpPr>
+          <p:cNvPr id="2" name="Segnaposto numero diapositiva 1">
+            <a:extLst>
+              <a:ext uri="{FF2B5EF4-FFF2-40B4-BE49-F238E27FC236}">
+                <a16:creationId xmlns:a16="http://schemas.microsoft.com/office/drawing/2014/main" id="{AF743220-D2ED-43D4-A1FF-37CA562FFA98}"/>
+              </a:ext>
+            </a:extLst>
+          </p:cNvPr>
+          <p:cNvSpPr>
+            <a:spLocks noGrp="1"/>
+          </p:cNvSpPr>
+          <p:nvPr>
+            <p:ph type="sldNum" sz="quarter" idx="12"/>
+          </p:nvPr>
+        </p:nvSpPr>
+        <p:spPr/>
+        <p:txBody>
+          <a:bodyPr/>
+          <a:lstStyle/>
+          <a:p>
+            <a:fld id="{0E41FC79-F70E-41D5-8DA8-CBC79D687031}" type="slidenum">
+              <a:rPr lang="it-IT" smtClean="0"/>
+              <a:t>28</a:t>
+            </a:fld>
+            <a:r>
+              <a:rPr lang="it-IT" dirty="0"/>
+              <a:t>/24</a:t>
+            </a:r>
+          </a:p>
+        </p:txBody>
+      </p:sp>
+      <p:sp>
+        <p:nvSpPr>
+          <p:cNvPr id="24" name="Titolo 3">
+            <a:extLst>
+              <a:ext uri="{FF2B5EF4-FFF2-40B4-BE49-F238E27FC236}">
+                <a16:creationId xmlns:a16="http://schemas.microsoft.com/office/drawing/2014/main" id="{A6BED70F-ACD4-4513-95D9-A8D5B52559B7}"/>
+              </a:ext>
+            </a:extLst>
+          </p:cNvPr>
+          <p:cNvSpPr txBox="1">
+            <a:spLocks/>
+          </p:cNvSpPr>
           <p:nvPr/>
-        </p:nvCxnSpPr>
+        </p:nvSpPr>
         <p:spPr>
-          <a:xfrm flipH="1">
-            <a:off x="3467100" y="2076450"/>
-            <a:ext cx="2755604" cy="1133475"/>
+          <a:xfrm>
+            <a:off x="914399" y="1219200"/>
+            <a:ext cx="10616609" cy="857250"/>
           </a:xfrm>
-          <a:prstGeom prst="straightConnector1">
+          <a:prstGeom prst="rect">
             <a:avLst/>
           </a:prstGeom>
-          <a:ln w="57150">
-            <a:tailEnd type="triangle"/>
-          </a:ln>
         </p:spPr>
-        <p:style>
-          <a:lnRef idx="1">
-            <a:schemeClr val="accent1"/>
-          </a:lnRef>
-          <a:fillRef idx="0">
-            <a:schemeClr val="accent1"/>
-          </a:fillRef>
-          <a:effectRef idx="0">
-            <a:schemeClr val="accent1"/>
-          </a:effectRef>
-          <a:fontRef idx="minor">
-            <a:schemeClr val="tx1"/>
-          </a:fontRef>
-        </p:style>
-      </p:cxnSp>
-      <p:cxnSp>
-        <p:nvCxnSpPr>
-          <p:cNvPr id="11" name="Connettore 2 10">
-            <a:extLst>
-              <a:ext uri="{FF2B5EF4-FFF2-40B4-BE49-F238E27FC236}">
-                <a16:creationId xmlns:a16="http://schemas.microsoft.com/office/drawing/2014/main" id="{684E10C9-3964-44B2-AA48-2D81C70F3EFB}"/>
-              </a:ext>
-            </a:extLst>
-          </p:cNvPr>
-          <p:cNvCxnSpPr>
-            <a:cxnSpLocks/>
-            <a:stCxn id="24" idx="2"/>
-          </p:cNvCxnSpPr>
-          <p:nvPr/>
-        </p:nvCxnSpPr>
-        <p:spPr>
-          <a:xfrm>
-            <a:off x="6222704" y="2076450"/>
-            <a:ext cx="2854621" cy="990600"/>
-          </a:xfrm>
-          <a:prstGeom prst="straightConnector1">
-            <a:avLst/>
-          </a:prstGeom>
-          <a:ln w="57150">
-            <a:tailEnd type="triangle"/>
-          </a:ln>
-        </p:spPr>
-        <p:style>
-          <a:lnRef idx="1">
-            <a:schemeClr val="accent1"/>
-          </a:lnRef>
-          <a:fillRef idx="0">
-            <a:schemeClr val="accent1"/>
-          </a:fillRef>
-          <a:effectRef idx="0">
-            <a:schemeClr val="accent1"/>
-          </a:effectRef>
-          <a:fontRef idx="minor">
-            <a:schemeClr val="tx1"/>
-          </a:fontRef>
-        </p:style>
-      </p:cxnSp>
+        <p:txBody>
+          <a:bodyPr vert="horz" lIns="91440" tIns="45720" rIns="91440" bIns="45720" rtlCol="0" anchor="t">
+            <a:noAutofit/>
+          </a:bodyPr>
+          <a:lstStyle>
+            <a:lvl1pPr algn="l" defTabSz="914400" rtl="0" eaLnBrk="1" latinLnBrk="0" hangingPunct="1">
+              <a:lnSpc>
+                <a:spcPct val="100000"/>
+              </a:lnSpc>
+              <a:spcBef>
+                <a:spcPct val="0"/>
+              </a:spcBef>
+              <a:buNone/>
+              <a:defRPr sz="4000" kern="1200">
+                <a:solidFill>
+                  <a:schemeClr val="tx1"/>
+                </a:solidFill>
+                <a:latin typeface="+mj-lt"/>
+                <a:ea typeface="+mj-ea"/>
+                <a:cs typeface="+mj-cs"/>
+              </a:defRPr>
+            </a:lvl1pPr>
+          </a:lstStyle>
+          <a:p>
+            <a:r>
+              <a:rPr lang="en-GB" sz="2400" b="1" dirty="0"/>
+              <a:t>1</a:t>
+            </a:r>
+            <a:r>
+              <a:rPr lang="en-GB" sz="2400" b="1" baseline="30000" dirty="0"/>
+              <a:t>st</a:t>
+            </a:r>
+            <a:r>
+              <a:rPr lang="en-GB" sz="2400" b="1" dirty="0"/>
+              <a:t> Approach</a:t>
+            </a:r>
+            <a:endParaRPr lang="it-IT" sz="4800" b="1" dirty="0"/>
+          </a:p>
+        </p:txBody>
+      </p:sp>
       <p:sp>
         <p:nvSpPr>
           <p:cNvPr id="14" name="Titolo 3">
@@ -16735,62 +15907,7 @@
           <a:p>
             <a:r>
               <a:rPr lang="en-GB" sz="2400" b="1" dirty="0"/>
-              <a:t>Count how many different countries each artist has reached excluding Italy</a:t>
-            </a:r>
-            <a:endParaRPr lang="it-IT" sz="4800" b="1" dirty="0"/>
-          </a:p>
-        </p:txBody>
-      </p:sp>
-      <p:sp>
-        <p:nvSpPr>
-          <p:cNvPr id="15" name="Titolo 3">
-            <a:extLst>
-              <a:ext uri="{FF2B5EF4-FFF2-40B4-BE49-F238E27FC236}">
-                <a16:creationId xmlns:a16="http://schemas.microsoft.com/office/drawing/2014/main" id="{4B3413B7-0268-48C7-B365-5A811DE4E31B}"/>
-              </a:ext>
-            </a:extLst>
-          </p:cNvPr>
-          <p:cNvSpPr txBox="1">
-            <a:spLocks/>
-          </p:cNvSpPr>
-          <p:nvPr/>
-        </p:nvSpPr>
-        <p:spPr>
-          <a:xfrm>
-            <a:off x="6953249" y="3500436"/>
-            <a:ext cx="4248152" cy="1133475"/>
-          </a:xfrm>
-          <a:prstGeom prst="rect">
-            <a:avLst/>
-          </a:prstGeom>
-        </p:spPr>
-        <p:txBody>
-          <a:bodyPr vert="horz" lIns="91440" tIns="45720" rIns="91440" bIns="45720" rtlCol="0" anchor="t">
-            <a:noAutofit/>
-          </a:bodyPr>
-          <a:lstStyle>
-            <a:lvl1pPr algn="l" defTabSz="914400" rtl="0" eaLnBrk="1" latinLnBrk="0" hangingPunct="1">
-              <a:lnSpc>
-                <a:spcPct val="100000"/>
-              </a:lnSpc>
-              <a:spcBef>
-                <a:spcPct val="0"/>
-              </a:spcBef>
-              <a:buNone/>
-              <a:defRPr sz="4000" kern="1200">
-                <a:solidFill>
-                  <a:schemeClr val="tx1"/>
-                </a:solidFill>
-                <a:latin typeface="+mj-lt"/>
-                <a:ea typeface="+mj-ea"/>
-                <a:cs typeface="+mj-cs"/>
-              </a:defRPr>
-            </a:lvl1pPr>
-          </a:lstStyle>
-          <a:p>
-            <a:r>
-              <a:rPr lang="en-GB" sz="2400" b="1" dirty="0"/>
-              <a:t>Count how many distinct tracks have entered in a TOP 100 outside Italy</a:t>
+              <a:t>Gigi Dag</a:t>
             </a:r>
             <a:endParaRPr lang="it-IT" sz="4800" b="1" dirty="0"/>
           </a:p>
@@ -16799,7 +15916,7 @@
     </p:spTree>
     <p:extLst>
       <p:ext uri="{BB962C8B-B14F-4D97-AF65-F5344CB8AC3E}">
-        <p14:creationId xmlns:p14="http://schemas.microsoft.com/office/powerpoint/2010/main" val="187084051"/>
+        <p14:creationId xmlns:p14="http://schemas.microsoft.com/office/powerpoint/2010/main" val="2665933619"/>
       </p:ext>
     </p:extLst>
   </p:cSld>
@@ -16809,7 +15926,7 @@
 </p:sld>
 </file>
 
-<file path=ppt/slides/slide23.xml><?xml version="1.0" encoding="utf-8"?>
+<file path=ppt/slides/slide29.xml><?xml version="1.0" encoding="utf-8"?>
 <p:sld xmlns:a="http://schemas.openxmlformats.org/drawingml/2006/main" xmlns:r="http://schemas.openxmlformats.org/officeDocument/2006/relationships" xmlns:p="http://schemas.openxmlformats.org/presentationml/2006/main">
   <p:cSld>
     <p:spTree>
@@ -16849,7 +15966,7 @@
           <a:p>
             <a:fld id="{0E41FC79-F70E-41D5-8DA8-CBC79D687031}" type="slidenum">
               <a:rPr lang="it-IT" smtClean="0"/>
-              <a:t>23</a:t>
+              <a:t>29</a:t>
             </a:fld>
             <a:r>
               <a:rPr lang="it-IT" dirty="0"/>
@@ -16906,16 +16023,8 @@
           </a:lstStyle>
           <a:p>
             <a:r>
-              <a:rPr lang="en-GB" sz="2400" b="1" dirty="0"/>
-              <a:t>1</a:t>
-            </a:r>
-            <a:r>
-              <a:rPr lang="en-GB" sz="2400" b="1" baseline="30000" dirty="0"/>
-              <a:t>st</a:t>
-            </a:r>
-            <a:r>
-              <a:rPr lang="en-GB" sz="2400" b="1" dirty="0"/>
-              <a:t> Approach</a:t>
+              <a:rPr lang="it-IT" sz="2400" b="1" dirty="0"/>
+              <a:t>2° Approach</a:t>
             </a:r>
             <a:endParaRPr lang="it-IT" sz="4800" b="1" dirty="0"/>
           </a:p>
@@ -16969,178 +16078,6 @@
           </a:lstStyle>
           <a:p>
             <a:r>
-              <a:rPr lang="en-GB" sz="2400" b="1" dirty="0"/>
-              <a:t>Gigi Dag</a:t>
-            </a:r>
-            <a:endParaRPr lang="it-IT" sz="4800" b="1" dirty="0"/>
-          </a:p>
-        </p:txBody>
-      </p:sp>
-    </p:spTree>
-    <p:extLst>
-      <p:ext uri="{BB962C8B-B14F-4D97-AF65-F5344CB8AC3E}">
-        <p14:creationId xmlns:p14="http://schemas.microsoft.com/office/powerpoint/2010/main" val="2665933619"/>
-      </p:ext>
-    </p:extLst>
-  </p:cSld>
-  <p:clrMapOvr>
-    <a:masterClrMapping/>
-  </p:clrMapOvr>
-</p:sld>
-</file>
-
-<file path=ppt/slides/slide24.xml><?xml version="1.0" encoding="utf-8"?>
-<p:sld xmlns:a="http://schemas.openxmlformats.org/drawingml/2006/main" xmlns:r="http://schemas.openxmlformats.org/officeDocument/2006/relationships" xmlns:p="http://schemas.openxmlformats.org/presentationml/2006/main">
-  <p:cSld>
-    <p:spTree>
-      <p:nvGrpSpPr>
-        <p:cNvPr id="1" name=""/>
-        <p:cNvGrpSpPr/>
-        <p:nvPr/>
-      </p:nvGrpSpPr>
-      <p:grpSpPr>
-        <a:xfrm>
-          <a:off x="0" y="0"/>
-          <a:ext cx="0" cy="0"/>
-          <a:chOff x="0" y="0"/>
-          <a:chExt cx="0" cy="0"/>
-        </a:xfrm>
-      </p:grpSpPr>
-      <p:sp>
-        <p:nvSpPr>
-          <p:cNvPr id="2" name="Segnaposto numero diapositiva 1">
-            <a:extLst>
-              <a:ext uri="{FF2B5EF4-FFF2-40B4-BE49-F238E27FC236}">
-                <a16:creationId xmlns:a16="http://schemas.microsoft.com/office/drawing/2014/main" id="{AF743220-D2ED-43D4-A1FF-37CA562FFA98}"/>
-              </a:ext>
-            </a:extLst>
-          </p:cNvPr>
-          <p:cNvSpPr>
-            <a:spLocks noGrp="1"/>
-          </p:cNvSpPr>
-          <p:nvPr>
-            <p:ph type="sldNum" sz="quarter" idx="12"/>
-          </p:nvPr>
-        </p:nvSpPr>
-        <p:spPr/>
-        <p:txBody>
-          <a:bodyPr/>
-          <a:lstStyle/>
-          <a:p>
-            <a:fld id="{0E41FC79-F70E-41D5-8DA8-CBC79D687031}" type="slidenum">
-              <a:rPr lang="it-IT" smtClean="0"/>
-              <a:t>24</a:t>
-            </a:fld>
-            <a:r>
-              <a:rPr lang="it-IT" dirty="0"/>
-              <a:t>/24</a:t>
-            </a:r>
-          </a:p>
-        </p:txBody>
-      </p:sp>
-      <p:sp>
-        <p:nvSpPr>
-          <p:cNvPr id="24" name="Titolo 3">
-            <a:extLst>
-              <a:ext uri="{FF2B5EF4-FFF2-40B4-BE49-F238E27FC236}">
-                <a16:creationId xmlns:a16="http://schemas.microsoft.com/office/drawing/2014/main" id="{A6BED70F-ACD4-4513-95D9-A8D5B52559B7}"/>
-              </a:ext>
-            </a:extLst>
-          </p:cNvPr>
-          <p:cNvSpPr txBox="1">
-            <a:spLocks/>
-          </p:cNvSpPr>
-          <p:nvPr/>
-        </p:nvSpPr>
-        <p:spPr>
-          <a:xfrm>
-            <a:off x="914399" y="1219200"/>
-            <a:ext cx="10616609" cy="857250"/>
-          </a:xfrm>
-          <a:prstGeom prst="rect">
-            <a:avLst/>
-          </a:prstGeom>
-        </p:spPr>
-        <p:txBody>
-          <a:bodyPr vert="horz" lIns="91440" tIns="45720" rIns="91440" bIns="45720" rtlCol="0" anchor="t">
-            <a:noAutofit/>
-          </a:bodyPr>
-          <a:lstStyle>
-            <a:lvl1pPr algn="l" defTabSz="914400" rtl="0" eaLnBrk="1" latinLnBrk="0" hangingPunct="1">
-              <a:lnSpc>
-                <a:spcPct val="100000"/>
-              </a:lnSpc>
-              <a:spcBef>
-                <a:spcPct val="0"/>
-              </a:spcBef>
-              <a:buNone/>
-              <a:defRPr sz="4000" kern="1200">
-                <a:solidFill>
-                  <a:schemeClr val="tx1"/>
-                </a:solidFill>
-                <a:latin typeface="+mj-lt"/>
-                <a:ea typeface="+mj-ea"/>
-                <a:cs typeface="+mj-cs"/>
-              </a:defRPr>
-            </a:lvl1pPr>
-          </a:lstStyle>
-          <a:p>
-            <a:r>
-              <a:rPr lang="it-IT" sz="2400" b="1" dirty="0"/>
-              <a:t>2° Approach</a:t>
-            </a:r>
-            <a:endParaRPr lang="it-IT" sz="4800" b="1" dirty="0"/>
-          </a:p>
-        </p:txBody>
-      </p:sp>
-      <p:sp>
-        <p:nvSpPr>
-          <p:cNvPr id="14" name="Titolo 3">
-            <a:extLst>
-              <a:ext uri="{FF2B5EF4-FFF2-40B4-BE49-F238E27FC236}">
-                <a16:creationId xmlns:a16="http://schemas.microsoft.com/office/drawing/2014/main" id="{B9CEA980-FE64-47D7-B332-46202613DAA9}"/>
-              </a:ext>
-            </a:extLst>
-          </p:cNvPr>
-          <p:cNvSpPr txBox="1">
-            <a:spLocks/>
-          </p:cNvSpPr>
-          <p:nvPr/>
-        </p:nvSpPr>
-        <p:spPr>
-          <a:xfrm>
-            <a:off x="914399" y="3500437"/>
-            <a:ext cx="4248152" cy="1133475"/>
-          </a:xfrm>
-          <a:prstGeom prst="rect">
-            <a:avLst/>
-          </a:prstGeom>
-        </p:spPr>
-        <p:txBody>
-          <a:bodyPr vert="horz" lIns="91440" tIns="45720" rIns="91440" bIns="45720" rtlCol="0" anchor="t">
-            <a:noAutofit/>
-          </a:bodyPr>
-          <a:lstStyle>
-            <a:lvl1pPr algn="l" defTabSz="914400" rtl="0" eaLnBrk="1" latinLnBrk="0" hangingPunct="1">
-              <a:lnSpc>
-                <a:spcPct val="100000"/>
-              </a:lnSpc>
-              <a:spcBef>
-                <a:spcPct val="0"/>
-              </a:spcBef>
-              <a:buNone/>
-              <a:defRPr sz="4000" kern="1200">
-                <a:solidFill>
-                  <a:schemeClr val="tx1"/>
-                </a:solidFill>
-                <a:latin typeface="+mj-lt"/>
-                <a:ea typeface="+mj-ea"/>
-                <a:cs typeface="+mj-cs"/>
-              </a:defRPr>
-            </a:lvl1pPr>
-          </a:lstStyle>
-          <a:p>
-            <a:r>
               <a:rPr lang="en-GB" sz="2400" b="1" dirty="0" err="1"/>
               <a:t>Sfera</a:t>
             </a:r>
@@ -17152,291 +16089,6 @@
     <p:extLst>
       <p:ext uri="{BB962C8B-B14F-4D97-AF65-F5344CB8AC3E}">
         <p14:creationId xmlns:p14="http://schemas.microsoft.com/office/powerpoint/2010/main" val="1978611188"/>
-      </p:ext>
-    </p:extLst>
-  </p:cSld>
-  <p:clrMapOvr>
-    <a:masterClrMapping/>
-  </p:clrMapOvr>
-</p:sld>
-</file>
-
-<file path=ppt/slides/slide25.xml><?xml version="1.0" encoding="utf-8"?>
-<p:sld xmlns:a="http://schemas.openxmlformats.org/drawingml/2006/main" xmlns:r="http://schemas.openxmlformats.org/officeDocument/2006/relationships" xmlns:p="http://schemas.openxmlformats.org/presentationml/2006/main">
-  <p:cSld>
-    <p:spTree>
-      <p:nvGrpSpPr>
-        <p:cNvPr id="1" name=""/>
-        <p:cNvGrpSpPr/>
-        <p:nvPr/>
-      </p:nvGrpSpPr>
-      <p:grpSpPr>
-        <a:xfrm>
-          <a:off x="0" y="0"/>
-          <a:ext cx="0" cy="0"/>
-          <a:chOff x="0" y="0"/>
-          <a:chExt cx="0" cy="0"/>
-        </a:xfrm>
-      </p:grpSpPr>
-      <p:sp>
-        <p:nvSpPr>
-          <p:cNvPr id="4" name="Titolo 3">
-            <a:extLst>
-              <a:ext uri="{FF2B5EF4-FFF2-40B4-BE49-F238E27FC236}">
-                <a16:creationId xmlns:a16="http://schemas.microsoft.com/office/drawing/2014/main" id="{A32BADA9-D1E4-4A68-A522-AE21B0D0BA03}"/>
-              </a:ext>
-            </a:extLst>
-          </p:cNvPr>
-          <p:cNvSpPr>
-            <a:spLocks noGrp="1"/>
-          </p:cNvSpPr>
-          <p:nvPr>
-            <p:ph type="title"/>
-          </p:nvPr>
-        </p:nvSpPr>
-        <p:spPr>
-          <a:xfrm>
-            <a:off x="914400" y="1371601"/>
-            <a:ext cx="10363200" cy="762000"/>
-          </a:xfrm>
-        </p:spPr>
-        <p:txBody>
-          <a:bodyPr>
-            <a:normAutofit/>
-          </a:bodyPr>
-          <a:lstStyle/>
-          <a:p>
-            <a:r>
-              <a:rPr lang="it-IT" sz="3600" b="1" dirty="0"/>
-              <a:t>References</a:t>
-            </a:r>
-          </a:p>
-        </p:txBody>
-      </p:sp>
-      <p:sp>
-        <p:nvSpPr>
-          <p:cNvPr id="2" name="Segnaposto contenuto 1">
-            <a:extLst>
-              <a:ext uri="{FF2B5EF4-FFF2-40B4-BE49-F238E27FC236}">
-                <a16:creationId xmlns:a16="http://schemas.microsoft.com/office/drawing/2014/main" id="{62F64557-1AC4-44FE-B949-2C1A4D026441}"/>
-              </a:ext>
-            </a:extLst>
-          </p:cNvPr>
-          <p:cNvSpPr>
-            <a:spLocks noGrp="1"/>
-          </p:cNvSpPr>
-          <p:nvPr>
-            <p:ph idx="1"/>
-          </p:nvPr>
-        </p:nvSpPr>
-        <p:spPr>
-          <a:xfrm>
-            <a:off x="914400" y="2133601"/>
-            <a:ext cx="10363200" cy="3696469"/>
-          </a:xfrm>
-        </p:spPr>
-        <p:txBody>
-          <a:bodyPr>
-            <a:normAutofit/>
-          </a:bodyPr>
-          <a:lstStyle/>
-          <a:p>
-            <a:pPr>
-              <a:buFont typeface="Wingdings" panose="05000000000000000000" pitchFamily="2" charset="2"/>
-              <a:buChar char="q"/>
-            </a:pPr>
-            <a:r>
-              <a:rPr lang="it-IT" sz="2400" b="1" dirty="0"/>
-              <a:t> Kaggle Spotify Dataset :                        </a:t>
-            </a:r>
-            <a:r>
-              <a:rPr lang="it-IT" sz="2400" b="1" dirty="0">
-                <a:hlinkClick r:id="rId2"/>
-              </a:rPr>
-              <a:t>https://www.kaggle.com/pepepython/spotify-huge-database-daily-charts-over-3-years?select=Database+to+calculate+popularity.csv</a:t>
-            </a:r>
-            <a:endParaRPr lang="it-IT" sz="2400" b="1" dirty="0"/>
-          </a:p>
-          <a:p>
-            <a:pPr>
-              <a:buFont typeface="Wingdings" panose="05000000000000000000" pitchFamily="2" charset="2"/>
-              <a:buChar char="q"/>
-            </a:pPr>
-            <a:r>
-              <a:rPr lang="it-IT" sz="2400" b="1" dirty="0"/>
-              <a:t> Spotify Web API : </a:t>
-            </a:r>
-            <a:r>
-              <a:rPr lang="it-IT" sz="2400" b="1" dirty="0">
-                <a:hlinkClick r:id="rId3"/>
-              </a:rPr>
-              <a:t>https://developer.spotify.com/documentation/web-api/</a:t>
-            </a:r>
-            <a:endParaRPr lang="it-IT" sz="2400" b="1" dirty="0"/>
-          </a:p>
-          <a:p>
-            <a:pPr>
-              <a:buFont typeface="Wingdings" panose="05000000000000000000" pitchFamily="2" charset="2"/>
-              <a:buChar char="q"/>
-            </a:pPr>
-            <a:r>
-              <a:rPr lang="it-IT" sz="2400" b="1" dirty="0"/>
-              <a:t> WikiData : </a:t>
-            </a:r>
-            <a:r>
-              <a:rPr lang="it-IT" sz="2400" b="1" dirty="0">
-                <a:hlinkClick r:id="rId4"/>
-              </a:rPr>
-              <a:t>https://www.wikidata.org/wiki/Wikidata:Main_Page</a:t>
-            </a:r>
-            <a:endParaRPr lang="it-IT" sz="2400" b="1" dirty="0"/>
-          </a:p>
-          <a:p>
-            <a:pPr>
-              <a:buFont typeface="Wingdings" panose="05000000000000000000" pitchFamily="2" charset="2"/>
-              <a:buChar char="q"/>
-            </a:pPr>
-            <a:r>
-              <a:rPr lang="it-IT" sz="2400" b="1" dirty="0"/>
-              <a:t> MusicBrainz : </a:t>
-            </a:r>
-            <a:r>
-              <a:rPr lang="it-IT" sz="2400" b="1" dirty="0">
-                <a:hlinkClick r:id="rId5"/>
-              </a:rPr>
-              <a:t>https://musicbrainz.org/</a:t>
-            </a:r>
-            <a:endParaRPr lang="it-IT" sz="2400" b="1" dirty="0"/>
-          </a:p>
-        </p:txBody>
-      </p:sp>
-      <p:sp>
-        <p:nvSpPr>
-          <p:cNvPr id="3" name="Segnaposto numero diapositiva 2">
-            <a:extLst>
-              <a:ext uri="{FF2B5EF4-FFF2-40B4-BE49-F238E27FC236}">
-                <a16:creationId xmlns:a16="http://schemas.microsoft.com/office/drawing/2014/main" id="{D3214CB7-BA5B-4204-826E-2AB7E3B3196F}"/>
-              </a:ext>
-            </a:extLst>
-          </p:cNvPr>
-          <p:cNvSpPr>
-            <a:spLocks noGrp="1"/>
-          </p:cNvSpPr>
-          <p:nvPr>
-            <p:ph type="sldNum" sz="quarter" idx="12"/>
-          </p:nvPr>
-        </p:nvSpPr>
-        <p:spPr/>
-        <p:txBody>
-          <a:bodyPr/>
-          <a:lstStyle/>
-          <a:p>
-            <a:fld id="{0E41FC79-F70E-41D5-8DA8-CBC79D687031}" type="slidenum">
-              <a:rPr lang="it-IT" smtClean="0"/>
-              <a:t>25</a:t>
-            </a:fld>
-            <a:r>
-              <a:rPr lang="it-IT" dirty="0"/>
-              <a:t>/24 </a:t>
-            </a:r>
-          </a:p>
-        </p:txBody>
-      </p:sp>
-    </p:spTree>
-    <p:extLst>
-      <p:ext uri="{BB962C8B-B14F-4D97-AF65-F5344CB8AC3E}">
-        <p14:creationId xmlns:p14="http://schemas.microsoft.com/office/powerpoint/2010/main" val="1572451679"/>
-      </p:ext>
-    </p:extLst>
-  </p:cSld>
-  <p:clrMapOvr>
-    <a:masterClrMapping/>
-  </p:clrMapOvr>
-</p:sld>
-</file>
-
-<file path=ppt/slides/slide26.xml><?xml version="1.0" encoding="utf-8"?>
-<p:sld xmlns:a="http://schemas.openxmlformats.org/drawingml/2006/main" xmlns:r="http://schemas.openxmlformats.org/officeDocument/2006/relationships" xmlns:p="http://schemas.openxmlformats.org/presentationml/2006/main" showMasterSp="0">
-  <p:cSld>
-    <p:spTree>
-      <p:nvGrpSpPr>
-        <p:cNvPr id="1" name=""/>
-        <p:cNvGrpSpPr/>
-        <p:nvPr/>
-      </p:nvGrpSpPr>
-      <p:grpSpPr>
-        <a:xfrm>
-          <a:off x="0" y="0"/>
-          <a:ext cx="0" cy="0"/>
-          <a:chOff x="0" y="0"/>
-          <a:chExt cx="0" cy="0"/>
-        </a:xfrm>
-      </p:grpSpPr>
-      <p:sp>
-        <p:nvSpPr>
-          <p:cNvPr id="8" name="Titolo 7">
-            <a:extLst>
-              <a:ext uri="{FF2B5EF4-FFF2-40B4-BE49-F238E27FC236}">
-                <a16:creationId xmlns:a16="http://schemas.microsoft.com/office/drawing/2014/main" id="{8FB9DBF7-9D3D-4660-9F0F-06EC0DF6EE2A}"/>
-              </a:ext>
-            </a:extLst>
-          </p:cNvPr>
-          <p:cNvSpPr>
-            <a:spLocks noGrp="1"/>
-          </p:cNvSpPr>
-          <p:nvPr>
-            <p:ph type="title"/>
-          </p:nvPr>
-        </p:nvSpPr>
-        <p:spPr>
-          <a:xfrm>
-            <a:off x="2615727" y="2886076"/>
-            <a:ext cx="6960545" cy="1085847"/>
-          </a:xfrm>
-        </p:spPr>
-        <p:txBody>
-          <a:bodyPr>
-            <a:normAutofit/>
-          </a:bodyPr>
-          <a:lstStyle/>
-          <a:p>
-            <a:pPr algn="ctr"/>
-            <a:r>
-              <a:rPr lang="it-IT" sz="4400" b="1" dirty="0"/>
-              <a:t>Thank you for the attention</a:t>
-            </a:r>
-          </a:p>
-        </p:txBody>
-      </p:sp>
-      <p:sp>
-        <p:nvSpPr>
-          <p:cNvPr id="2" name="Segnaposto numero diapositiva 1">
-            <a:extLst>
-              <a:ext uri="{FF2B5EF4-FFF2-40B4-BE49-F238E27FC236}">
-                <a16:creationId xmlns:a16="http://schemas.microsoft.com/office/drawing/2014/main" id="{7C8903D2-4DE1-4B56-993B-F2E374F54DAB}"/>
-              </a:ext>
-            </a:extLst>
-          </p:cNvPr>
-          <p:cNvSpPr>
-            <a:spLocks noGrp="1"/>
-          </p:cNvSpPr>
-          <p:nvPr>
-            <p:ph type="sldNum" sz="quarter" idx="12"/>
-          </p:nvPr>
-        </p:nvSpPr>
-        <p:spPr/>
-        <p:txBody>
-          <a:bodyPr/>
-          <a:lstStyle/>
-          <a:p>
-            <a:endParaRPr lang="it-IT" dirty="0"/>
-          </a:p>
-        </p:txBody>
-      </p:sp>
-    </p:spTree>
-    <p:extLst>
-      <p:ext uri="{BB962C8B-B14F-4D97-AF65-F5344CB8AC3E}">
-        <p14:creationId xmlns:p14="http://schemas.microsoft.com/office/powerpoint/2010/main" val="2105298116"/>
       </p:ext>
     </p:extLst>
   </p:cSld>
@@ -17537,6 +16189,291 @@
     <p:extLst>
       <p:ext uri="{BB962C8B-B14F-4D97-AF65-F5344CB8AC3E}">
         <p14:creationId xmlns:p14="http://schemas.microsoft.com/office/powerpoint/2010/main" val="2989961629"/>
+      </p:ext>
+    </p:extLst>
+  </p:cSld>
+  <p:clrMapOvr>
+    <a:masterClrMapping/>
+  </p:clrMapOvr>
+</p:sld>
+</file>
+
+<file path=ppt/slides/slide30.xml><?xml version="1.0" encoding="utf-8"?>
+<p:sld xmlns:a="http://schemas.openxmlformats.org/drawingml/2006/main" xmlns:r="http://schemas.openxmlformats.org/officeDocument/2006/relationships" xmlns:p="http://schemas.openxmlformats.org/presentationml/2006/main">
+  <p:cSld>
+    <p:spTree>
+      <p:nvGrpSpPr>
+        <p:cNvPr id="1" name=""/>
+        <p:cNvGrpSpPr/>
+        <p:nvPr/>
+      </p:nvGrpSpPr>
+      <p:grpSpPr>
+        <a:xfrm>
+          <a:off x="0" y="0"/>
+          <a:ext cx="0" cy="0"/>
+          <a:chOff x="0" y="0"/>
+          <a:chExt cx="0" cy="0"/>
+        </a:xfrm>
+      </p:grpSpPr>
+      <p:sp>
+        <p:nvSpPr>
+          <p:cNvPr id="4" name="Titolo 3">
+            <a:extLst>
+              <a:ext uri="{FF2B5EF4-FFF2-40B4-BE49-F238E27FC236}">
+                <a16:creationId xmlns:a16="http://schemas.microsoft.com/office/drawing/2014/main" id="{A32BADA9-D1E4-4A68-A522-AE21B0D0BA03}"/>
+              </a:ext>
+            </a:extLst>
+          </p:cNvPr>
+          <p:cNvSpPr>
+            <a:spLocks noGrp="1"/>
+          </p:cNvSpPr>
+          <p:nvPr>
+            <p:ph type="title"/>
+          </p:nvPr>
+        </p:nvSpPr>
+        <p:spPr>
+          <a:xfrm>
+            <a:off x="914400" y="1371601"/>
+            <a:ext cx="10363200" cy="762000"/>
+          </a:xfrm>
+        </p:spPr>
+        <p:txBody>
+          <a:bodyPr>
+            <a:normAutofit/>
+          </a:bodyPr>
+          <a:lstStyle/>
+          <a:p>
+            <a:r>
+              <a:rPr lang="it-IT" sz="3600" b="1" dirty="0"/>
+              <a:t>References</a:t>
+            </a:r>
+          </a:p>
+        </p:txBody>
+      </p:sp>
+      <p:sp>
+        <p:nvSpPr>
+          <p:cNvPr id="2" name="Segnaposto contenuto 1">
+            <a:extLst>
+              <a:ext uri="{FF2B5EF4-FFF2-40B4-BE49-F238E27FC236}">
+                <a16:creationId xmlns:a16="http://schemas.microsoft.com/office/drawing/2014/main" id="{62F64557-1AC4-44FE-B949-2C1A4D026441}"/>
+              </a:ext>
+            </a:extLst>
+          </p:cNvPr>
+          <p:cNvSpPr>
+            <a:spLocks noGrp="1"/>
+          </p:cNvSpPr>
+          <p:nvPr>
+            <p:ph idx="1"/>
+          </p:nvPr>
+        </p:nvSpPr>
+        <p:spPr>
+          <a:xfrm>
+            <a:off x="914400" y="2133601"/>
+            <a:ext cx="10363200" cy="3696469"/>
+          </a:xfrm>
+        </p:spPr>
+        <p:txBody>
+          <a:bodyPr>
+            <a:normAutofit/>
+          </a:bodyPr>
+          <a:lstStyle/>
+          <a:p>
+            <a:pPr>
+              <a:buFont typeface="Wingdings" panose="05000000000000000000" pitchFamily="2" charset="2"/>
+              <a:buChar char="q"/>
+            </a:pPr>
+            <a:r>
+              <a:rPr lang="it-IT" sz="2400" b="1" dirty="0"/>
+              <a:t> Kaggle Spotify Dataset :                        </a:t>
+            </a:r>
+            <a:r>
+              <a:rPr lang="it-IT" sz="2400" b="1" dirty="0">
+                <a:hlinkClick r:id="rId2"/>
+              </a:rPr>
+              <a:t>https://www.kaggle.com/pepepython/spotify-huge-database-daily-charts-over-3-years?select=Database+to+calculate+popularity.csv</a:t>
+            </a:r>
+            <a:endParaRPr lang="it-IT" sz="2400" b="1" dirty="0"/>
+          </a:p>
+          <a:p>
+            <a:pPr>
+              <a:buFont typeface="Wingdings" panose="05000000000000000000" pitchFamily="2" charset="2"/>
+              <a:buChar char="q"/>
+            </a:pPr>
+            <a:r>
+              <a:rPr lang="it-IT" sz="2400" b="1" dirty="0"/>
+              <a:t> Spotify Web API : </a:t>
+            </a:r>
+            <a:r>
+              <a:rPr lang="it-IT" sz="2400" b="1" dirty="0">
+                <a:hlinkClick r:id="rId3"/>
+              </a:rPr>
+              <a:t>https://developer.spotify.com/documentation/web-api/</a:t>
+            </a:r>
+            <a:endParaRPr lang="it-IT" sz="2400" b="1" dirty="0"/>
+          </a:p>
+          <a:p>
+            <a:pPr>
+              <a:buFont typeface="Wingdings" panose="05000000000000000000" pitchFamily="2" charset="2"/>
+              <a:buChar char="q"/>
+            </a:pPr>
+            <a:r>
+              <a:rPr lang="it-IT" sz="2400" b="1" dirty="0"/>
+              <a:t> WikiData : </a:t>
+            </a:r>
+            <a:r>
+              <a:rPr lang="it-IT" sz="2400" b="1" dirty="0">
+                <a:hlinkClick r:id="rId4"/>
+              </a:rPr>
+              <a:t>https://www.wikidata.org/wiki/Wikidata:Main_Page</a:t>
+            </a:r>
+            <a:endParaRPr lang="it-IT" sz="2400" b="1" dirty="0"/>
+          </a:p>
+          <a:p>
+            <a:pPr>
+              <a:buFont typeface="Wingdings" panose="05000000000000000000" pitchFamily="2" charset="2"/>
+              <a:buChar char="q"/>
+            </a:pPr>
+            <a:r>
+              <a:rPr lang="it-IT" sz="2400" b="1" dirty="0"/>
+              <a:t> MusicBrainz : </a:t>
+            </a:r>
+            <a:r>
+              <a:rPr lang="it-IT" sz="2400" b="1" dirty="0">
+                <a:hlinkClick r:id="rId5"/>
+              </a:rPr>
+              <a:t>https://musicbrainz.org/</a:t>
+            </a:r>
+            <a:endParaRPr lang="it-IT" sz="2400" b="1" dirty="0"/>
+          </a:p>
+        </p:txBody>
+      </p:sp>
+      <p:sp>
+        <p:nvSpPr>
+          <p:cNvPr id="3" name="Segnaposto numero diapositiva 2">
+            <a:extLst>
+              <a:ext uri="{FF2B5EF4-FFF2-40B4-BE49-F238E27FC236}">
+                <a16:creationId xmlns:a16="http://schemas.microsoft.com/office/drawing/2014/main" id="{D3214CB7-BA5B-4204-826E-2AB7E3B3196F}"/>
+              </a:ext>
+            </a:extLst>
+          </p:cNvPr>
+          <p:cNvSpPr>
+            <a:spLocks noGrp="1"/>
+          </p:cNvSpPr>
+          <p:nvPr>
+            <p:ph type="sldNum" sz="quarter" idx="12"/>
+          </p:nvPr>
+        </p:nvSpPr>
+        <p:spPr/>
+        <p:txBody>
+          <a:bodyPr/>
+          <a:lstStyle/>
+          <a:p>
+            <a:fld id="{0E41FC79-F70E-41D5-8DA8-CBC79D687031}" type="slidenum">
+              <a:rPr lang="it-IT" smtClean="0"/>
+              <a:t>30</a:t>
+            </a:fld>
+            <a:r>
+              <a:rPr lang="it-IT" dirty="0"/>
+              <a:t>/24 </a:t>
+            </a:r>
+          </a:p>
+        </p:txBody>
+      </p:sp>
+    </p:spTree>
+    <p:extLst>
+      <p:ext uri="{BB962C8B-B14F-4D97-AF65-F5344CB8AC3E}">
+        <p14:creationId xmlns:p14="http://schemas.microsoft.com/office/powerpoint/2010/main" val="1572451679"/>
+      </p:ext>
+    </p:extLst>
+  </p:cSld>
+  <p:clrMapOvr>
+    <a:masterClrMapping/>
+  </p:clrMapOvr>
+</p:sld>
+</file>
+
+<file path=ppt/slides/slide31.xml><?xml version="1.0" encoding="utf-8"?>
+<p:sld xmlns:a="http://schemas.openxmlformats.org/drawingml/2006/main" xmlns:r="http://schemas.openxmlformats.org/officeDocument/2006/relationships" xmlns:p="http://schemas.openxmlformats.org/presentationml/2006/main" showMasterSp="0">
+  <p:cSld>
+    <p:spTree>
+      <p:nvGrpSpPr>
+        <p:cNvPr id="1" name=""/>
+        <p:cNvGrpSpPr/>
+        <p:nvPr/>
+      </p:nvGrpSpPr>
+      <p:grpSpPr>
+        <a:xfrm>
+          <a:off x="0" y="0"/>
+          <a:ext cx="0" cy="0"/>
+          <a:chOff x="0" y="0"/>
+          <a:chExt cx="0" cy="0"/>
+        </a:xfrm>
+      </p:grpSpPr>
+      <p:sp>
+        <p:nvSpPr>
+          <p:cNvPr id="8" name="Titolo 7">
+            <a:extLst>
+              <a:ext uri="{FF2B5EF4-FFF2-40B4-BE49-F238E27FC236}">
+                <a16:creationId xmlns:a16="http://schemas.microsoft.com/office/drawing/2014/main" id="{8FB9DBF7-9D3D-4660-9F0F-06EC0DF6EE2A}"/>
+              </a:ext>
+            </a:extLst>
+          </p:cNvPr>
+          <p:cNvSpPr>
+            <a:spLocks noGrp="1"/>
+          </p:cNvSpPr>
+          <p:nvPr>
+            <p:ph type="title"/>
+          </p:nvPr>
+        </p:nvSpPr>
+        <p:spPr>
+          <a:xfrm>
+            <a:off x="2615727" y="2886076"/>
+            <a:ext cx="6960545" cy="1085847"/>
+          </a:xfrm>
+        </p:spPr>
+        <p:txBody>
+          <a:bodyPr>
+            <a:normAutofit/>
+          </a:bodyPr>
+          <a:lstStyle/>
+          <a:p>
+            <a:pPr algn="ctr"/>
+            <a:r>
+              <a:rPr lang="it-IT" sz="4400" b="1" dirty="0"/>
+              <a:t>Thank you for the attention</a:t>
+            </a:r>
+          </a:p>
+        </p:txBody>
+      </p:sp>
+      <p:sp>
+        <p:nvSpPr>
+          <p:cNvPr id="2" name="Segnaposto numero diapositiva 1">
+            <a:extLst>
+              <a:ext uri="{FF2B5EF4-FFF2-40B4-BE49-F238E27FC236}">
+                <a16:creationId xmlns:a16="http://schemas.microsoft.com/office/drawing/2014/main" id="{7C8903D2-4DE1-4B56-993B-F2E374F54DAB}"/>
+              </a:ext>
+            </a:extLst>
+          </p:cNvPr>
+          <p:cNvSpPr>
+            <a:spLocks noGrp="1"/>
+          </p:cNvSpPr>
+          <p:nvPr>
+            <p:ph type="sldNum" sz="quarter" idx="12"/>
+          </p:nvPr>
+        </p:nvSpPr>
+        <p:spPr/>
+        <p:txBody>
+          <a:bodyPr/>
+          <a:lstStyle/>
+          <a:p>
+            <a:endParaRPr lang="it-IT" dirty="0"/>
+          </a:p>
+        </p:txBody>
+      </p:sp>
+    </p:spTree>
+    <p:extLst>
+      <p:ext uri="{BB962C8B-B14F-4D97-AF65-F5344CB8AC3E}">
+        <p14:creationId xmlns:p14="http://schemas.microsoft.com/office/powerpoint/2010/main" val="2105298116"/>
       </p:ext>
     </p:extLst>
   </p:cSld>
@@ -18489,27 +17426,29 @@
         </p:nvSpPr>
         <p:spPr>
           <a:xfrm>
-            <a:off x="914400" y="1263582"/>
+            <a:off x="914400" y="1092132"/>
             <a:ext cx="5181600" cy="749030"/>
           </a:xfrm>
         </p:spPr>
         <p:txBody>
-          <a:bodyPr/>
+          <a:bodyPr>
+            <a:normAutofit/>
+          </a:bodyPr>
           <a:lstStyle/>
           <a:p>
             <a:r>
-              <a:rPr lang="it-IT" b="1" dirty="0" err="1"/>
+              <a:rPr lang="it-IT" sz="3600" b="1" dirty="0" err="1"/>
               <a:t>Ingestion</a:t>
             </a:r>
             <a:r>
-              <a:rPr lang="it-IT" b="1" dirty="0"/>
+              <a:rPr lang="it-IT" sz="3600" b="1" dirty="0"/>
               <a:t> </a:t>
             </a:r>
             <a:r>
-              <a:rPr lang="it-IT" b="1" dirty="0" err="1"/>
+              <a:rPr lang="it-IT" sz="3600" b="1" dirty="0" err="1"/>
               <a:t>Phase</a:t>
             </a:r>
-            <a:endParaRPr lang="it-IT" b="1" dirty="0"/>
+            <a:endParaRPr lang="it-IT" sz="3600" b="1" dirty="0"/>
           </a:p>
         </p:txBody>
       </p:sp>
@@ -19389,27 +18328,29 @@
         </p:nvSpPr>
         <p:spPr>
           <a:xfrm>
-            <a:off x="914400" y="1263582"/>
+            <a:off x="914399" y="1064899"/>
             <a:ext cx="5181600" cy="749030"/>
           </a:xfrm>
         </p:spPr>
         <p:txBody>
-          <a:bodyPr/>
+          <a:bodyPr>
+            <a:normAutofit/>
+          </a:bodyPr>
           <a:lstStyle/>
           <a:p>
             <a:r>
-              <a:rPr lang="it-IT" b="1" dirty="0" err="1"/>
+              <a:rPr lang="it-IT" sz="3600" b="1" dirty="0" err="1"/>
               <a:t>Ingestion</a:t>
             </a:r>
             <a:r>
-              <a:rPr lang="it-IT" b="1" dirty="0"/>
+              <a:rPr lang="it-IT" sz="3600" b="1" dirty="0"/>
               <a:t> </a:t>
             </a:r>
             <a:r>
-              <a:rPr lang="it-IT" b="1" dirty="0" err="1"/>
+              <a:rPr lang="it-IT" sz="3600" b="1" dirty="0" err="1"/>
               <a:t>Phase</a:t>
             </a:r>
-            <a:endParaRPr lang="it-IT" b="1" dirty="0"/>
+            <a:endParaRPr lang="it-IT" sz="3600" b="1" dirty="0"/>
           </a:p>
         </p:txBody>
       </p:sp>
@@ -19445,36 +18386,6 @@
           </a:p>
         </p:txBody>
       </p:sp>
-      <p:pic>
-        <p:nvPicPr>
-          <p:cNvPr id="9" name="Immagine 8">
-            <a:extLst>
-              <a:ext uri="{FF2B5EF4-FFF2-40B4-BE49-F238E27FC236}">
-                <a16:creationId xmlns:a16="http://schemas.microsoft.com/office/drawing/2014/main" id="{FEDA8200-367B-4413-83CC-CD1BC51D7474}"/>
-              </a:ext>
-            </a:extLst>
-          </p:cNvPr>
-          <p:cNvPicPr>
-            <a:picLocks noChangeAspect="1"/>
-          </p:cNvPicPr>
-          <p:nvPr/>
-        </p:nvPicPr>
-        <p:blipFill>
-          <a:blip r:embed="rId2"/>
-          <a:stretch>
-            <a:fillRect/>
-          </a:stretch>
-        </p:blipFill>
-        <p:spPr>
-          <a:xfrm>
-            <a:off x="2753929" y="2047476"/>
-            <a:ext cx="6684141" cy="3994427"/>
-          </a:xfrm>
-          <a:prstGeom prst="rect">
-            <a:avLst/>
-          </a:prstGeom>
-        </p:spPr>
-      </p:pic>
       <p:sp>
         <p:nvSpPr>
           <p:cNvPr id="5" name="Segnaposto contenuto 4">
@@ -19493,8 +18404,8 @@
         </p:nvSpPr>
         <p:spPr>
           <a:xfrm>
-            <a:off x="914399" y="6041903"/>
-            <a:ext cx="10616610" cy="365125"/>
+            <a:off x="1513609" y="6019800"/>
+            <a:ext cx="9164777" cy="365125"/>
           </a:xfrm>
         </p:spPr>
         <p:txBody>
@@ -19520,7 +18431,7 @@
                 </a:solidFill>
                 <a:effectLst/>
                 <a:latin typeface="Inter"/>
-                <a:hlinkClick r:id="rId3"/>
+                <a:hlinkClick r:id="rId2"/>
               </a:rPr>
               <a:t>https://julianwangnwu.github.io/posts/2019/06/import-neo4j/</a:t>
             </a:r>
@@ -19531,6 +18442,36 @@
           </a:p>
         </p:txBody>
       </p:sp>
+      <p:pic>
+        <p:nvPicPr>
+          <p:cNvPr id="6" name="Immagine 5">
+            <a:extLst>
+              <a:ext uri="{FF2B5EF4-FFF2-40B4-BE49-F238E27FC236}">
+                <a16:creationId xmlns:a16="http://schemas.microsoft.com/office/drawing/2014/main" id="{C3F73B10-2911-4840-A3AF-44B4430F5D6A}"/>
+              </a:ext>
+            </a:extLst>
+          </p:cNvPr>
+          <p:cNvPicPr>
+            <a:picLocks noChangeAspect="1"/>
+          </p:cNvPicPr>
+          <p:nvPr/>
+        </p:nvPicPr>
+        <p:blipFill>
+          <a:blip r:embed="rId3"/>
+          <a:stretch>
+            <a:fillRect/>
+          </a:stretch>
+        </p:blipFill>
+        <p:spPr>
+          <a:xfrm>
+            <a:off x="1513610" y="1952835"/>
+            <a:ext cx="9164777" cy="4038390"/>
+          </a:xfrm>
+          <a:prstGeom prst="rect">
+            <a:avLst/>
+          </a:prstGeom>
+        </p:spPr>
+      </p:pic>
     </p:spTree>
     <p:extLst>
       <p:ext uri="{BB962C8B-B14F-4D97-AF65-F5344CB8AC3E}">

--- a/slides/Spotify_Presentation.pptx
+++ b/slides/Spotify_Presentation.pptx
@@ -5,7 +5,7 @@
     <p:sldMasterId id="2147483750" r:id="rId1"/>
   </p:sldMasterIdLst>
   <p:notesMasterIdLst>
-    <p:notesMasterId r:id="rId33"/>
+    <p:notesMasterId r:id="rId34"/>
   </p:notesMasterIdLst>
   <p:sldIdLst>
     <p:sldId id="256" r:id="rId2"/>
@@ -20,25 +20,26 @@
     <p:sldId id="266" r:id="rId11"/>
     <p:sldId id="267" r:id="rId12"/>
     <p:sldId id="312" r:id="rId13"/>
-    <p:sldId id="313" r:id="rId14"/>
-    <p:sldId id="295" r:id="rId15"/>
-    <p:sldId id="296" r:id="rId16"/>
-    <p:sldId id="297" r:id="rId17"/>
-    <p:sldId id="298" r:id="rId18"/>
-    <p:sldId id="299" r:id="rId19"/>
-    <p:sldId id="300" r:id="rId20"/>
-    <p:sldId id="310" r:id="rId21"/>
-    <p:sldId id="311" r:id="rId22"/>
-    <p:sldId id="309" r:id="rId23"/>
-    <p:sldId id="303" r:id="rId24"/>
-    <p:sldId id="314" r:id="rId25"/>
-    <p:sldId id="304" r:id="rId26"/>
-    <p:sldId id="305" r:id="rId27"/>
-    <p:sldId id="306" r:id="rId28"/>
-    <p:sldId id="307" r:id="rId29"/>
-    <p:sldId id="308" r:id="rId30"/>
-    <p:sldId id="286" r:id="rId31"/>
-    <p:sldId id="277" r:id="rId32"/>
+    <p:sldId id="318" r:id="rId14"/>
+    <p:sldId id="315" r:id="rId15"/>
+    <p:sldId id="313" r:id="rId16"/>
+    <p:sldId id="295" r:id="rId17"/>
+    <p:sldId id="296" r:id="rId18"/>
+    <p:sldId id="297" r:id="rId19"/>
+    <p:sldId id="298" r:id="rId20"/>
+    <p:sldId id="299" r:id="rId21"/>
+    <p:sldId id="300" r:id="rId22"/>
+    <p:sldId id="310" r:id="rId23"/>
+    <p:sldId id="311" r:id="rId24"/>
+    <p:sldId id="316" r:id="rId25"/>
+    <p:sldId id="303" r:id="rId26"/>
+    <p:sldId id="314" r:id="rId27"/>
+    <p:sldId id="304" r:id="rId28"/>
+    <p:sldId id="305" r:id="rId29"/>
+    <p:sldId id="306" r:id="rId30"/>
+    <p:sldId id="319" r:id="rId31"/>
+    <p:sldId id="286" r:id="rId32"/>
+    <p:sldId id="277" r:id="rId33"/>
   </p:sldIdLst>
   <p:sldSz cx="12192000" cy="6858000"/>
   <p:notesSz cx="6858000" cy="9144000"/>
@@ -2118,13 +2119,23 @@
     </dgm:pt>
     <dgm:pt modelId="{DB227847-405A-4AE6-8561-6C08057DA27C}">
       <dgm:prSet custT="1"/>
-      <dgm:spPr/>
+      <dgm:spPr>
+        <a:noFill/>
+        <a:ln w="38100">
+          <a:solidFill>
+            <a:schemeClr val="accent2"/>
+          </a:solidFill>
+        </a:ln>
+      </dgm:spPr>
       <dgm:t>
         <a:bodyPr/>
         <a:lstStyle/>
         <a:p>
           <a:r>
             <a:rPr lang="en-US" sz="2400" b="1" i="0" dirty="0">
+              <a:solidFill>
+                <a:schemeClr val="accent2"/>
+              </a:solidFill>
               <a:latin typeface="+mn-lt"/>
             </a:rPr>
             <a:t>Example Queries</a:t>
@@ -2164,7 +2175,7 @@
         <a:noFill/>
         <a:ln w="38100">
           <a:solidFill>
-            <a:schemeClr val="accent1">
+            <a:schemeClr val="tx1">
               <a:alpha val="90000"/>
             </a:schemeClr>
           </a:solidFill>
@@ -2215,13 +2226,23 @@
     </dgm:pt>
     <dgm:pt modelId="{8EDFDEF5-FB2C-426C-9934-8C2EF39B7A71}">
       <dgm:prSet custT="1"/>
-      <dgm:spPr/>
+      <dgm:spPr>
+        <a:noFill/>
+        <a:ln w="38100">
+          <a:solidFill>
+            <a:schemeClr val="accent2"/>
+          </a:solidFill>
+        </a:ln>
+      </dgm:spPr>
       <dgm:t>
         <a:bodyPr/>
         <a:lstStyle/>
         <a:p>
           <a:r>
             <a:rPr lang="en-US" sz="2400" b="1" i="0" dirty="0">
+              <a:solidFill>
+                <a:schemeClr val="accent2"/>
+              </a:solidFill>
               <a:latin typeface="+mn-lt"/>
             </a:rPr>
             <a:t>Italian Tracks and Italian Artists</a:t>
@@ -2261,7 +2282,7 @@
         <a:noFill/>
         <a:ln w="38100">
           <a:solidFill>
-            <a:schemeClr val="accent1">
+            <a:schemeClr val="tx1">
               <a:alpha val="90000"/>
             </a:schemeClr>
           </a:solidFill>
@@ -2305,18 +2326,31 @@
     </dgm:pt>
     <dgm:pt modelId="{86C196DF-A588-4D9A-8C0A-A41D97E22C9A}">
       <dgm:prSet custT="1"/>
-      <dgm:spPr/>
+      <dgm:spPr>
+        <a:noFill/>
+        <a:ln w="38100">
+          <a:solidFill>
+            <a:schemeClr val="accent2"/>
+          </a:solidFill>
+        </a:ln>
+      </dgm:spPr>
       <dgm:t>
         <a:bodyPr/>
         <a:lstStyle/>
         <a:p>
           <a:r>
             <a:rPr lang="it-IT" sz="2400" b="1" dirty="0">
+              <a:solidFill>
+                <a:schemeClr val="accent2"/>
+              </a:solidFill>
               <a:latin typeface="+mn-lt"/>
             </a:rPr>
             <a:t>Italian Music Abroad</a:t>
           </a:r>
           <a:endParaRPr lang="en-GB" sz="2400" b="1" dirty="0">
+            <a:solidFill>
+              <a:schemeClr val="accent2"/>
+            </a:solidFill>
             <a:latin typeface="+mn-lt"/>
           </a:endParaRPr>
         </a:p>
@@ -2350,7 +2384,7 @@
         <a:noFill/>
         <a:ln w="38100">
           <a:solidFill>
-            <a:schemeClr val="accent1">
+            <a:schemeClr val="tx1">
               <a:alpha val="90000"/>
             </a:schemeClr>
           </a:solidFill>
@@ -2398,7 +2432,7 @@
         <a:noFill/>
         <a:ln w="38100">
           <a:solidFill>
-            <a:schemeClr val="accent1">
+            <a:schemeClr val="tx1">
               <a:alpha val="90000"/>
             </a:schemeClr>
           </a:solidFill>
@@ -2479,7 +2513,7 @@
       <dgm:spPr/>
     </dgm:pt>
     <dgm:pt modelId="{F5CF0FA9-770F-419C-AD21-EE62A8B0D56E}" type="pres">
-      <dgm:prSet presAssocID="{DB227847-405A-4AE6-8561-6C08057DA27C}" presName="descendantText" presStyleLbl="alignAccFollowNode1" presStyleIdx="0" presStyleCnt="3" custLinFactNeighborX="-10468" custLinFactNeighborY="-3350">
+      <dgm:prSet presAssocID="{DB227847-405A-4AE6-8561-6C08057DA27C}" presName="descendantText" presStyleLbl="alignAccFollowNode1" presStyleIdx="0" presStyleCnt="3" custScaleY="82691" custLinFactNeighborX="-8475" custLinFactNeighborY="-3350">
         <dgm:presLayoutVars>
           <dgm:bulletEnabled val="1"/>
         </dgm:presLayoutVars>
@@ -2504,7 +2538,7 @@
       <dgm:spPr/>
     </dgm:pt>
     <dgm:pt modelId="{D3225E37-D354-4979-AF19-51A458A75D1D}" type="pres">
-      <dgm:prSet presAssocID="{8EDFDEF5-FB2C-426C-9934-8C2EF39B7A71}" presName="descendantText" presStyleLbl="alignAccFollowNode1" presStyleIdx="1" presStyleCnt="3" custLinFactNeighborX="-10468" custLinFactNeighborY="-3350">
+      <dgm:prSet presAssocID="{8EDFDEF5-FB2C-426C-9934-8C2EF39B7A71}" presName="descendantText" presStyleLbl="alignAccFollowNode1" presStyleIdx="1" presStyleCnt="3" custScaleY="82691" custLinFactNeighborX="-8475" custLinFactNeighborY="-3350">
         <dgm:presLayoutVars>
           <dgm:bulletEnabled val="1"/>
         </dgm:presLayoutVars>
@@ -2529,7 +2563,7 @@
       <dgm:spPr/>
     </dgm:pt>
     <dgm:pt modelId="{A89B64DE-6829-430C-AA93-AD3657840437}" type="pres">
-      <dgm:prSet presAssocID="{86C196DF-A588-4D9A-8C0A-A41D97E22C9A}" presName="descendantText" presStyleLbl="alignAccFollowNode1" presStyleIdx="2" presStyleCnt="3" custLinFactNeighborX="-10468" custLinFactNeighborY="-3350">
+      <dgm:prSet presAssocID="{86C196DF-A588-4D9A-8C0A-A41D97E22C9A}" presName="descendantText" presStyleLbl="alignAccFollowNode1" presStyleIdx="2" presStyleCnt="3" custScaleY="82691" custLinFactNeighborX="-8475" custLinFactNeighborY="-3350">
         <dgm:presLayoutVars>
           <dgm:bulletEnabled val="1"/>
         </dgm:presLayoutVars>
@@ -3097,8 +3131,8 @@
       </dsp:nvSpPr>
       <dsp:spPr>
         <a:xfrm rot="5400000">
-          <a:off x="5989748" y="-2791372"/>
-          <a:ext cx="1021147" cy="6794629"/>
+          <a:off x="6154296" y="-2791372"/>
+          <a:ext cx="844396" cy="6794629"/>
         </a:xfrm>
         <a:prstGeom prst="round2SameRect">
           <a:avLst/>
@@ -3106,7 +3140,7 @@
         <a:noFill/>
         <a:ln w="38100" cap="flat" cmpd="sng" algn="ctr">
           <a:solidFill>
-            <a:schemeClr val="accent1">
+            <a:schemeClr val="tx1">
               <a:alpha val="90000"/>
             </a:schemeClr>
           </a:solidFill>
@@ -3188,8 +3222,8 @@
         </a:p>
       </dsp:txBody>
       <dsp:txXfrm rot="-5400000">
-        <a:off x="3103007" y="145217"/>
-        <a:ext cx="6744781" cy="921451"/>
+        <a:off x="3179180" y="224964"/>
+        <a:ext cx="6753409" cy="761956"/>
       </dsp:txXfrm>
     </dsp:sp>
     <dsp:sp modelId="{A92F1038-24D3-421B-867E-3BE4D342BA43}">
@@ -3205,22 +3239,10 @@
         <a:prstGeom prst="roundRect">
           <a:avLst/>
         </a:prstGeom>
-        <a:solidFill>
-          <a:schemeClr val="accent1">
-            <a:hueOff val="0"/>
-            <a:satOff val="0"/>
-            <a:lumOff val="0"/>
-            <a:alphaOff val="0"/>
-          </a:schemeClr>
-        </a:solidFill>
-        <a:ln w="12700" cap="flat" cmpd="sng" algn="ctr">
+        <a:noFill/>
+        <a:ln w="38100" cap="flat" cmpd="sng" algn="ctr">
           <a:solidFill>
-            <a:schemeClr val="lt1">
-              <a:hueOff val="0"/>
-              <a:satOff val="0"/>
-              <a:lumOff val="0"/>
-              <a:alphaOff val="0"/>
-            </a:schemeClr>
+            <a:schemeClr val="accent2"/>
           </a:solidFill>
           <a:prstDash val="solid"/>
           <a:miter lim="800000"/>
@@ -3261,6 +3283,9 @@
           </a:pPr>
           <a:r>
             <a:rPr lang="en-US" sz="2400" b="1" i="0" kern="1200" dirty="0">
+              <a:solidFill>
+                <a:schemeClr val="accent2"/>
+              </a:solidFill>
               <a:latin typeface="+mn-lt"/>
             </a:rPr>
             <a:t>Example Queries</a:t>
@@ -3279,8 +3304,8 @@
       </dsp:nvSpPr>
       <dsp:spPr>
         <a:xfrm rot="5400000">
-          <a:off x="5989748" y="-1451116"/>
-          <a:ext cx="1021147" cy="6794629"/>
+          <a:off x="6154296" y="-1451116"/>
+          <a:ext cx="844396" cy="6794629"/>
         </a:xfrm>
         <a:prstGeom prst="round2SameRect">
           <a:avLst/>
@@ -3288,7 +3313,7 @@
         <a:noFill/>
         <a:ln w="38100" cap="flat" cmpd="sng" algn="ctr">
           <a:solidFill>
-            <a:schemeClr val="accent1">
+            <a:schemeClr val="tx1">
               <a:alpha val="90000"/>
             </a:schemeClr>
           </a:solidFill>
@@ -3334,8 +3359,8 @@
         </a:p>
       </dsp:txBody>
       <dsp:txXfrm rot="-5400000">
-        <a:off x="3103007" y="1485473"/>
-        <a:ext cx="6744781" cy="921451"/>
+        <a:off x="3179180" y="1565220"/>
+        <a:ext cx="6753409" cy="761956"/>
       </dsp:txXfrm>
     </dsp:sp>
     <dsp:sp modelId="{91C80CFA-A214-46E4-886E-80039CCF3D8B}">
@@ -3351,22 +3376,10 @@
         <a:prstGeom prst="roundRect">
           <a:avLst/>
         </a:prstGeom>
-        <a:solidFill>
-          <a:schemeClr val="accent1">
-            <a:hueOff val="0"/>
-            <a:satOff val="0"/>
-            <a:lumOff val="0"/>
-            <a:alphaOff val="0"/>
-          </a:schemeClr>
-        </a:solidFill>
-        <a:ln w="12700" cap="flat" cmpd="sng" algn="ctr">
+        <a:noFill/>
+        <a:ln w="38100" cap="flat" cmpd="sng" algn="ctr">
           <a:solidFill>
-            <a:schemeClr val="lt1">
-              <a:hueOff val="0"/>
-              <a:satOff val="0"/>
-              <a:lumOff val="0"/>
-              <a:alphaOff val="0"/>
-            </a:schemeClr>
+            <a:schemeClr val="accent2"/>
           </a:solidFill>
           <a:prstDash val="solid"/>
           <a:miter lim="800000"/>
@@ -3407,6 +3420,9 @@
           </a:pPr>
           <a:r>
             <a:rPr lang="en-US" sz="2400" b="1" i="0" kern="1200" dirty="0">
+              <a:solidFill>
+                <a:schemeClr val="accent2"/>
+              </a:solidFill>
               <a:latin typeface="+mn-lt"/>
             </a:rPr>
             <a:t>Italian Tracks and Italian Artists</a:t>
@@ -3425,8 +3441,8 @@
       </dsp:nvSpPr>
       <dsp:spPr>
         <a:xfrm rot="5400000">
-          <a:off x="5989748" y="-110861"/>
-          <a:ext cx="1021147" cy="6794629"/>
+          <a:off x="6154296" y="-110861"/>
+          <a:ext cx="844396" cy="6794629"/>
         </a:xfrm>
         <a:prstGeom prst="round2SameRect">
           <a:avLst/>
@@ -3434,7 +3450,7 @@
         <a:noFill/>
         <a:ln w="38100" cap="flat" cmpd="sng" algn="ctr">
           <a:solidFill>
-            <a:schemeClr val="accent1">
+            <a:schemeClr val="tx1">
               <a:alpha val="90000"/>
             </a:schemeClr>
           </a:solidFill>
@@ -3480,8 +3496,8 @@
         </a:p>
       </dsp:txBody>
       <dsp:txXfrm rot="-5400000">
-        <a:off x="3103007" y="2825728"/>
-        <a:ext cx="6744781" cy="921451"/>
+        <a:off x="3179180" y="2905475"/>
+        <a:ext cx="6753409" cy="761956"/>
       </dsp:txXfrm>
     </dsp:sp>
     <dsp:sp modelId="{A29D472F-B252-4242-B3F4-026BECD2C075}">
@@ -3497,22 +3513,10 @@
         <a:prstGeom prst="roundRect">
           <a:avLst/>
         </a:prstGeom>
-        <a:solidFill>
-          <a:schemeClr val="accent1">
-            <a:hueOff val="0"/>
-            <a:satOff val="0"/>
-            <a:lumOff val="0"/>
-            <a:alphaOff val="0"/>
-          </a:schemeClr>
-        </a:solidFill>
-        <a:ln w="12700" cap="flat" cmpd="sng" algn="ctr">
+        <a:noFill/>
+        <a:ln w="38100" cap="flat" cmpd="sng" algn="ctr">
           <a:solidFill>
-            <a:schemeClr val="lt1">
-              <a:hueOff val="0"/>
-              <a:satOff val="0"/>
-              <a:lumOff val="0"/>
-              <a:alphaOff val="0"/>
-            </a:schemeClr>
+            <a:schemeClr val="accent2"/>
           </a:solidFill>
           <a:prstDash val="solid"/>
           <a:miter lim="800000"/>
@@ -3553,11 +3557,17 @@
           </a:pPr>
           <a:r>
             <a:rPr lang="it-IT" sz="2400" b="1" kern="1200" dirty="0">
+              <a:solidFill>
+                <a:schemeClr val="accent2"/>
+              </a:solidFill>
               <a:latin typeface="+mn-lt"/>
             </a:rPr>
             <a:t>Italian Music Abroad</a:t>
           </a:r>
           <a:endParaRPr lang="en-GB" sz="2400" b="1" kern="1200" dirty="0">
+            <a:solidFill>
+              <a:schemeClr val="accent2"/>
+            </a:solidFill>
             <a:latin typeface="+mn-lt"/>
           </a:endParaRPr>
         </a:p>
@@ -6246,7 +6256,7 @@
           <a:p>
             <a:fld id="{91CE10EA-D799-4BBA-9231-C29C1C2B6BDF}" type="datetimeFigureOut">
               <a:rPr lang="it-IT" smtClean="0"/>
-              <a:t>06/01/2022</a:t>
+              <a:t>07/01/2022</a:t>
             </a:fld>
             <a:endParaRPr lang="it-IT"/>
           </a:p>
@@ -6669,7 +6679,7 @@
           <a:p>
             <a:fld id="{BD86BDEB-5C5F-4E73-8AED-845DEF6240CC}" type="datetime1">
               <a:rPr lang="it-IT" smtClean="0"/>
-              <a:t>06/01/2022</a:t>
+              <a:t>07/01/2022</a:t>
             </a:fld>
             <a:endParaRPr lang="it-IT"/>
           </a:p>
@@ -6869,7 +6879,7 @@
           <a:p>
             <a:fld id="{0250B066-2D31-4A91-B160-4E7A7606DAC8}" type="datetime1">
               <a:rPr lang="it-IT" smtClean="0"/>
-              <a:t>06/01/2022</a:t>
+              <a:t>07/01/2022</a:t>
             </a:fld>
             <a:endParaRPr lang="it-IT"/>
           </a:p>
@@ -7079,7 +7089,7 @@
           <a:p>
             <a:fld id="{44B5FB72-32C3-4D83-B606-F8FA83F83F67}" type="datetime1">
               <a:rPr lang="it-IT" smtClean="0"/>
-              <a:t>06/01/2022</a:t>
+              <a:t>07/01/2022</a:t>
             </a:fld>
             <a:endParaRPr lang="it-IT"/>
           </a:p>
@@ -7279,7 +7289,7 @@
           <a:p>
             <a:fld id="{BB493F1E-467A-4853-9F76-6DCAD7AB8AC5}" type="datetime1">
               <a:rPr lang="it-IT" smtClean="0"/>
-              <a:t>06/01/2022</a:t>
+              <a:t>07/01/2022</a:t>
             </a:fld>
             <a:endParaRPr lang="it-IT"/>
           </a:p>
@@ -7559,7 +7569,7 @@
           <a:p>
             <a:fld id="{4D5D5B75-150E-493B-9A11-56A0A6E112AA}" type="datetime1">
               <a:rPr lang="it-IT" smtClean="0"/>
-              <a:t>06/01/2022</a:t>
+              <a:t>07/01/2022</a:t>
             </a:fld>
             <a:endParaRPr lang="it-IT"/>
           </a:p>
@@ -7827,7 +7837,7 @@
           <a:p>
             <a:fld id="{F90D01D2-E94E-4C7F-8F6B-72F7F8F70261}" type="datetime1">
               <a:rPr lang="it-IT" smtClean="0"/>
-              <a:t>06/01/2022</a:t>
+              <a:t>07/01/2022</a:t>
             </a:fld>
             <a:endParaRPr lang="it-IT"/>
           </a:p>
@@ -8246,7 +8256,7 @@
           <a:p>
             <a:fld id="{89AAD7BB-AF97-41CA-AF5F-3B39F1E63410}" type="datetime1">
               <a:rPr lang="it-IT" smtClean="0"/>
-              <a:t>06/01/2022</a:t>
+              <a:t>07/01/2022</a:t>
             </a:fld>
             <a:endParaRPr lang="it-IT"/>
           </a:p>
@@ -8388,7 +8398,7 @@
           <a:p>
             <a:fld id="{6737F2E6-11FA-4E29-966D-FB32818C28EF}" type="datetime1">
               <a:rPr lang="it-IT" smtClean="0"/>
-              <a:t>06/01/2022</a:t>
+              <a:t>07/01/2022</a:t>
             </a:fld>
             <a:endParaRPr lang="it-IT"/>
           </a:p>
@@ -8501,7 +8511,7 @@
           <a:p>
             <a:fld id="{DEBAE2BC-CFEC-4D01-A8E5-A416C3284798}" type="datetime1">
               <a:rPr lang="it-IT" smtClean="0"/>
-              <a:t>06/01/2022</a:t>
+              <a:t>07/01/2022</a:t>
             </a:fld>
             <a:endParaRPr lang="it-IT"/>
           </a:p>
@@ -8816,7 +8826,7 @@
           <a:p>
             <a:fld id="{7FDFEC0A-0EF8-412E-8856-41D63FAE24C9}" type="datetime1">
               <a:rPr lang="it-IT" smtClean="0"/>
-              <a:t>06/01/2022</a:t>
+              <a:t>07/01/2022</a:t>
             </a:fld>
             <a:endParaRPr lang="it-IT"/>
           </a:p>
@@ -9109,7 +9119,7 @@
           <a:p>
             <a:fld id="{8D1C1976-DE9F-4F58-8CC6-0555CC712AB6}" type="datetime1">
               <a:rPr lang="it-IT" smtClean="0"/>
-              <a:t>06/01/2022</a:t>
+              <a:t>07/01/2022</a:t>
             </a:fld>
             <a:endParaRPr lang="it-IT"/>
           </a:p>
@@ -9350,7 +9360,7 @@
           <a:p>
             <a:fld id="{AE9CFF95-AD70-4CBF-8009-F72101CE8362}" type="datetime1">
               <a:rPr lang="it-IT" smtClean="0"/>
-              <a:t>06/01/2022</a:t>
+              <a:t>07/01/2022</a:t>
             </a:fld>
             <a:endParaRPr lang="it-IT"/>
           </a:p>
@@ -10662,7 +10672,7 @@
             <p:ph idx="1"/>
             <p:extLst>
               <p:ext uri="{D42A27DB-BD31-4B8C-83A1-F6EECF244321}">
-                <p14:modId xmlns:p14="http://schemas.microsoft.com/office/powerpoint/2010/main" val="2147211067"/>
+                <p14:modId xmlns:p14="http://schemas.microsoft.com/office/powerpoint/2010/main" val="1889016987"/>
               </p:ext>
             </p:extLst>
           </p:nvPr>
@@ -10820,20 +10830,21 @@
         </p:nvSpPr>
         <p:spPr>
           <a:xfrm>
-            <a:off x="4514850" y="2626518"/>
-            <a:ext cx="3162299" cy="1604963"/>
+            <a:off x="914399" y="1162050"/>
+            <a:ext cx="10616609" cy="561975"/>
           </a:xfrm>
         </p:spPr>
         <p:txBody>
           <a:bodyPr>
-            <a:normAutofit fontScale="90000"/>
+            <a:noAutofit/>
           </a:bodyPr>
           <a:lstStyle/>
           <a:p>
-            <a:pPr algn="ctr"/>
-            <a:r>
-              <a:rPr lang="it-IT" sz="5400" b="1" dirty="0"/>
-              <a:t>Queries Part 2</a:t>
+            <a:r>
+              <a:rPr lang="en-GB" sz="2400" b="1" dirty="0">
+                <a:effectLst/>
+              </a:rPr>
+              <a:t>Show …</a:t>
             </a:r>
             <a:endParaRPr lang="it-IT" sz="4800" b="1" dirty="0"/>
           </a:p>
@@ -10844,7 +10855,7 @@
           <p:cNvPr id="2" name="Segnaposto numero diapositiva 1">
             <a:extLst>
               <a:ext uri="{FF2B5EF4-FFF2-40B4-BE49-F238E27FC236}">
-                <a16:creationId xmlns:a16="http://schemas.microsoft.com/office/drawing/2014/main" id="{0371B819-0A52-489C-9FA3-EA676A38ADB9}"/>
+                <a16:creationId xmlns:a16="http://schemas.microsoft.com/office/drawing/2014/main" id="{AF743220-D2ED-43D4-A1FF-37CA562FFA98}"/>
               </a:ext>
             </a:extLst>
           </p:cNvPr>
@@ -10860,9 +10871,13 @@
           <a:bodyPr/>
           <a:lstStyle/>
           <a:p>
+            <a:fld id="{0E41FC79-F70E-41D5-8DA8-CBC79D687031}" type="slidenum">
+              <a:rPr lang="it-IT" smtClean="0"/>
+              <a:t>13</a:t>
+            </a:fld>
             <a:r>
               <a:rPr lang="it-IT" dirty="0"/>
-              <a:t> </a:t>
+              <a:t>/24</a:t>
             </a:r>
           </a:p>
         </p:txBody>
@@ -10870,7 +10885,7 @@
     </p:spTree>
     <p:extLst>
       <p:ext uri="{BB962C8B-B14F-4D97-AF65-F5344CB8AC3E}">
-        <p14:creationId xmlns:p14="http://schemas.microsoft.com/office/powerpoint/2010/main" val="1850569868"/>
+        <p14:creationId xmlns:p14="http://schemas.microsoft.com/office/powerpoint/2010/main" val="4201697292"/>
       </p:ext>
     </p:extLst>
   </p:cSld>
@@ -10929,13 +10944,8 @@
               <a:rPr lang="en-GB" sz="2400" b="1" dirty="0">
                 <a:effectLst/>
               </a:rPr>
-              <a:t>Show technical features of Italian Tracks through the years 2017-2020</a:t>
-            </a:r>
-            <a:br>
-              <a:rPr lang="en-GB" sz="2400" b="0" dirty="0">
-                <a:effectLst/>
-              </a:rPr>
-            </a:br>
+              <a:t>Show the most common played instrument in rock groups.</a:t>
+            </a:r>
             <a:endParaRPr lang="it-IT" sz="4800" b="1" dirty="0"/>
           </a:p>
         </p:txBody>
@@ -10964,6 +10974,515 @@
             <a:fld id="{0E41FC79-F70E-41D5-8DA8-CBC79D687031}" type="slidenum">
               <a:rPr lang="it-IT" smtClean="0"/>
               <a:t>14</a:t>
+            </a:fld>
+            <a:r>
+              <a:rPr lang="it-IT" dirty="0"/>
+              <a:t>/24</a:t>
+            </a:r>
+          </a:p>
+        </p:txBody>
+      </p:sp>
+      <p:pic>
+        <p:nvPicPr>
+          <p:cNvPr id="6" name="Immagine 5">
+            <a:extLst>
+              <a:ext uri="{FF2B5EF4-FFF2-40B4-BE49-F238E27FC236}">
+                <a16:creationId xmlns:a16="http://schemas.microsoft.com/office/drawing/2014/main" id="{4FA78A44-B1B6-4AAC-8B32-2ABB910EE0BF}"/>
+              </a:ext>
+            </a:extLst>
+          </p:cNvPr>
+          <p:cNvPicPr>
+            <a:picLocks noChangeAspect="1"/>
+          </p:cNvPicPr>
+          <p:nvPr/>
+        </p:nvPicPr>
+        <p:blipFill>
+          <a:blip r:embed="rId2">
+            <a:extLst>
+              <a:ext uri="{28A0092B-C50C-407E-A947-70E740481C1C}">
+                <a14:useLocalDpi xmlns:a14="http://schemas.microsoft.com/office/drawing/2010/main" val="0"/>
+              </a:ext>
+            </a:extLst>
+          </a:blip>
+          <a:stretch>
+            <a:fillRect/>
+          </a:stretch>
+        </p:blipFill>
+        <p:spPr>
+          <a:xfrm>
+            <a:off x="5061151" y="2153942"/>
+            <a:ext cx="2160000" cy="2160000"/>
+          </a:xfrm>
+          <a:prstGeom prst="rect">
+            <a:avLst/>
+          </a:prstGeom>
+        </p:spPr>
+      </p:pic>
+      <p:pic>
+        <p:nvPicPr>
+          <p:cNvPr id="12" name="Immagine 11">
+            <a:extLst>
+              <a:ext uri="{FF2B5EF4-FFF2-40B4-BE49-F238E27FC236}">
+                <a16:creationId xmlns:a16="http://schemas.microsoft.com/office/drawing/2014/main" id="{D67B94FD-AF90-4022-A9C0-6524844D7DBE}"/>
+              </a:ext>
+            </a:extLst>
+          </p:cNvPr>
+          <p:cNvPicPr>
+            <a:picLocks noChangeAspect="1"/>
+          </p:cNvPicPr>
+          <p:nvPr/>
+        </p:nvPicPr>
+        <p:blipFill>
+          <a:blip r:embed="rId3">
+            <a:extLst>
+              <a:ext uri="{28A0092B-C50C-407E-A947-70E740481C1C}">
+                <a14:useLocalDpi xmlns:a14="http://schemas.microsoft.com/office/drawing/2010/main" val="0"/>
+              </a:ext>
+            </a:extLst>
+          </a:blip>
+          <a:stretch>
+            <a:fillRect/>
+          </a:stretch>
+        </p:blipFill>
+        <p:spPr>
+          <a:xfrm>
+            <a:off x="1112800" y="2153942"/>
+            <a:ext cx="2160000" cy="2160000"/>
+          </a:xfrm>
+          <a:prstGeom prst="rect">
+            <a:avLst/>
+          </a:prstGeom>
+        </p:spPr>
+      </p:pic>
+      <p:pic>
+        <p:nvPicPr>
+          <p:cNvPr id="14" name="Immagine 13">
+            <a:extLst>
+              <a:ext uri="{FF2B5EF4-FFF2-40B4-BE49-F238E27FC236}">
+                <a16:creationId xmlns:a16="http://schemas.microsoft.com/office/drawing/2014/main" id="{AA619F71-7DEE-4EAB-918F-D9EBDC6C1B9C}"/>
+              </a:ext>
+            </a:extLst>
+          </p:cNvPr>
+          <p:cNvPicPr>
+            <a:picLocks noChangeAspect="1"/>
+          </p:cNvPicPr>
+          <p:nvPr/>
+        </p:nvPicPr>
+        <p:blipFill>
+          <a:blip r:embed="rId4">
+            <a:extLst>
+              <a:ext uri="{28A0092B-C50C-407E-A947-70E740481C1C}">
+                <a14:useLocalDpi xmlns:a14="http://schemas.microsoft.com/office/drawing/2010/main" val="0"/>
+              </a:ext>
+            </a:extLst>
+          </a:blip>
+          <a:stretch>
+            <a:fillRect/>
+          </a:stretch>
+        </p:blipFill>
+        <p:spPr>
+          <a:xfrm>
+            <a:off x="9009502" y="2153942"/>
+            <a:ext cx="2160000" cy="2160000"/>
+          </a:xfrm>
+          <a:prstGeom prst="rect">
+            <a:avLst/>
+          </a:prstGeom>
+        </p:spPr>
+      </p:pic>
+      <p:sp>
+        <p:nvSpPr>
+          <p:cNvPr id="15" name="Titolo 3">
+            <a:extLst>
+              <a:ext uri="{FF2B5EF4-FFF2-40B4-BE49-F238E27FC236}">
+                <a16:creationId xmlns:a16="http://schemas.microsoft.com/office/drawing/2014/main" id="{5065F5CE-E4CC-44F3-B240-831CB4A75655}"/>
+              </a:ext>
+            </a:extLst>
+          </p:cNvPr>
+          <p:cNvSpPr txBox="1">
+            <a:spLocks/>
+          </p:cNvSpPr>
+          <p:nvPr/>
+        </p:nvSpPr>
+        <p:spPr>
+          <a:xfrm>
+            <a:off x="946911" y="4743858"/>
+            <a:ext cx="2491777" cy="1612491"/>
+          </a:xfrm>
+          <a:prstGeom prst="rect">
+            <a:avLst/>
+          </a:prstGeom>
+        </p:spPr>
+        <p:txBody>
+          <a:bodyPr vert="horz" lIns="91440" tIns="45720" rIns="91440" bIns="45720" rtlCol="0" anchor="t">
+            <a:noAutofit/>
+          </a:bodyPr>
+          <a:lstStyle>
+            <a:lvl1pPr algn="l" defTabSz="914400" rtl="0" eaLnBrk="1" latinLnBrk="0" hangingPunct="1">
+              <a:lnSpc>
+                <a:spcPct val="100000"/>
+              </a:lnSpc>
+              <a:spcBef>
+                <a:spcPct val="0"/>
+              </a:spcBef>
+              <a:buNone/>
+              <a:defRPr sz="4000" kern="1200">
+                <a:solidFill>
+                  <a:schemeClr val="tx1"/>
+                </a:solidFill>
+                <a:latin typeface="+mj-lt"/>
+                <a:ea typeface="+mj-ea"/>
+                <a:cs typeface="+mj-cs"/>
+              </a:defRPr>
+            </a:lvl1pPr>
+          </a:lstStyle>
+          <a:p>
+            <a:pPr algn="ctr"/>
+            <a:r>
+              <a:rPr lang="en-GB" sz="2800" b="1" i="1" dirty="0"/>
+              <a:t>Guitar</a:t>
+            </a:r>
+          </a:p>
+          <a:p>
+            <a:pPr algn="ctr"/>
+            <a:endParaRPr lang="en-GB" sz="2800" b="1" i="1" dirty="0"/>
+          </a:p>
+          <a:p>
+            <a:pPr algn="ctr"/>
+            <a:r>
+              <a:rPr lang="en-GB" sz="2800" b="1" i="1" dirty="0"/>
+              <a:t>159 artists</a:t>
+            </a:r>
+            <a:endParaRPr lang="it-IT" sz="2800" b="1" dirty="0"/>
+          </a:p>
+        </p:txBody>
+      </p:sp>
+      <p:sp>
+        <p:nvSpPr>
+          <p:cNvPr id="16" name="Titolo 3">
+            <a:extLst>
+              <a:ext uri="{FF2B5EF4-FFF2-40B4-BE49-F238E27FC236}">
+                <a16:creationId xmlns:a16="http://schemas.microsoft.com/office/drawing/2014/main" id="{12066D2F-CEE1-43C4-90F0-62E2B0A2862B}"/>
+              </a:ext>
+            </a:extLst>
+          </p:cNvPr>
+          <p:cNvSpPr txBox="1">
+            <a:spLocks/>
+          </p:cNvSpPr>
+          <p:nvPr/>
+        </p:nvSpPr>
+        <p:spPr>
+          <a:xfrm>
+            <a:off x="4850111" y="4743858"/>
+            <a:ext cx="2491777" cy="1612491"/>
+          </a:xfrm>
+          <a:prstGeom prst="rect">
+            <a:avLst/>
+          </a:prstGeom>
+        </p:spPr>
+        <p:txBody>
+          <a:bodyPr vert="horz" lIns="91440" tIns="45720" rIns="91440" bIns="45720" rtlCol="0" anchor="t">
+            <a:noAutofit/>
+          </a:bodyPr>
+          <a:lstStyle>
+            <a:lvl1pPr algn="l" defTabSz="914400" rtl="0" eaLnBrk="1" latinLnBrk="0" hangingPunct="1">
+              <a:lnSpc>
+                <a:spcPct val="100000"/>
+              </a:lnSpc>
+              <a:spcBef>
+                <a:spcPct val="0"/>
+              </a:spcBef>
+              <a:buNone/>
+              <a:defRPr sz="4000" kern="1200">
+                <a:solidFill>
+                  <a:schemeClr val="tx1"/>
+                </a:solidFill>
+                <a:latin typeface="+mj-lt"/>
+                <a:ea typeface="+mj-ea"/>
+                <a:cs typeface="+mj-cs"/>
+              </a:defRPr>
+            </a:lvl1pPr>
+          </a:lstStyle>
+          <a:p>
+            <a:pPr algn="ctr"/>
+            <a:r>
+              <a:rPr lang="en-GB" sz="2800" b="1" i="1" dirty="0"/>
+              <a:t>Voice</a:t>
+            </a:r>
+          </a:p>
+          <a:p>
+            <a:pPr algn="ctr"/>
+            <a:endParaRPr lang="en-GB" sz="2800" b="1" i="1" dirty="0"/>
+          </a:p>
+          <a:p>
+            <a:pPr algn="ctr"/>
+            <a:r>
+              <a:rPr lang="en-GB" sz="2800" b="1" i="1" dirty="0"/>
+              <a:t>127 artists</a:t>
+            </a:r>
+            <a:endParaRPr lang="it-IT" sz="2800" b="1" dirty="0"/>
+          </a:p>
+        </p:txBody>
+      </p:sp>
+      <p:sp>
+        <p:nvSpPr>
+          <p:cNvPr id="17" name="Titolo 3">
+            <a:extLst>
+              <a:ext uri="{FF2B5EF4-FFF2-40B4-BE49-F238E27FC236}">
+                <a16:creationId xmlns:a16="http://schemas.microsoft.com/office/drawing/2014/main" id="{203354C4-30D5-46A8-B601-946C83F19C4C}"/>
+              </a:ext>
+            </a:extLst>
+          </p:cNvPr>
+          <p:cNvSpPr txBox="1">
+            <a:spLocks/>
+          </p:cNvSpPr>
+          <p:nvPr/>
+        </p:nvSpPr>
+        <p:spPr>
+          <a:xfrm>
+            <a:off x="8843613" y="4743858"/>
+            <a:ext cx="2491777" cy="1612491"/>
+          </a:xfrm>
+          <a:prstGeom prst="rect">
+            <a:avLst/>
+          </a:prstGeom>
+        </p:spPr>
+        <p:txBody>
+          <a:bodyPr vert="horz" lIns="91440" tIns="45720" rIns="91440" bIns="45720" rtlCol="0" anchor="t">
+            <a:noAutofit/>
+          </a:bodyPr>
+          <a:lstStyle>
+            <a:lvl1pPr algn="l" defTabSz="914400" rtl="0" eaLnBrk="1" latinLnBrk="0" hangingPunct="1">
+              <a:lnSpc>
+                <a:spcPct val="100000"/>
+              </a:lnSpc>
+              <a:spcBef>
+                <a:spcPct val="0"/>
+              </a:spcBef>
+              <a:buNone/>
+              <a:defRPr sz="4000" kern="1200">
+                <a:solidFill>
+                  <a:schemeClr val="tx1"/>
+                </a:solidFill>
+                <a:latin typeface="+mj-lt"/>
+                <a:ea typeface="+mj-ea"/>
+                <a:cs typeface="+mj-cs"/>
+              </a:defRPr>
+            </a:lvl1pPr>
+          </a:lstStyle>
+          <a:p>
+            <a:pPr algn="ctr"/>
+            <a:r>
+              <a:rPr lang="en-GB" sz="2800" b="1" i="1" dirty="0"/>
+              <a:t>Drum Kit</a:t>
+            </a:r>
+          </a:p>
+          <a:p>
+            <a:pPr algn="ctr"/>
+            <a:endParaRPr lang="en-GB" sz="2800" b="1" i="1" dirty="0"/>
+          </a:p>
+          <a:p>
+            <a:pPr algn="ctr"/>
+            <a:r>
+              <a:rPr lang="en-GB" sz="2800" b="1" i="1" dirty="0"/>
+              <a:t>67 artists</a:t>
+            </a:r>
+            <a:endParaRPr lang="it-IT" sz="2800" b="1" dirty="0"/>
+          </a:p>
+        </p:txBody>
+      </p:sp>
+    </p:spTree>
+    <p:extLst>
+      <p:ext uri="{BB962C8B-B14F-4D97-AF65-F5344CB8AC3E}">
+        <p14:creationId xmlns:p14="http://schemas.microsoft.com/office/powerpoint/2010/main" val="4280496859"/>
+      </p:ext>
+    </p:extLst>
+  </p:cSld>
+  <p:clrMapOvr>
+    <a:masterClrMapping/>
+  </p:clrMapOvr>
+</p:sld>
+</file>
+
+<file path=ppt/slides/slide15.xml><?xml version="1.0" encoding="utf-8"?>
+<p:sld xmlns:a="http://schemas.openxmlformats.org/drawingml/2006/main" xmlns:r="http://schemas.openxmlformats.org/officeDocument/2006/relationships" xmlns:p="http://schemas.openxmlformats.org/presentationml/2006/main">
+  <p:cSld>
+    <p:spTree>
+      <p:nvGrpSpPr>
+        <p:cNvPr id="1" name=""/>
+        <p:cNvGrpSpPr/>
+        <p:nvPr/>
+      </p:nvGrpSpPr>
+      <p:grpSpPr>
+        <a:xfrm>
+          <a:off x="0" y="0"/>
+          <a:ext cx="0" cy="0"/>
+          <a:chOff x="0" y="0"/>
+          <a:chExt cx="0" cy="0"/>
+        </a:xfrm>
+      </p:grpSpPr>
+      <p:sp>
+        <p:nvSpPr>
+          <p:cNvPr id="4" name="Titolo 3">
+            <a:extLst>
+              <a:ext uri="{FF2B5EF4-FFF2-40B4-BE49-F238E27FC236}">
+                <a16:creationId xmlns:a16="http://schemas.microsoft.com/office/drawing/2014/main" id="{A32BADA9-D1E4-4A68-A522-AE21B0D0BA03}"/>
+              </a:ext>
+            </a:extLst>
+          </p:cNvPr>
+          <p:cNvSpPr>
+            <a:spLocks noGrp="1"/>
+          </p:cNvSpPr>
+          <p:nvPr>
+            <p:ph type="title"/>
+          </p:nvPr>
+        </p:nvSpPr>
+        <p:spPr>
+          <a:xfrm>
+            <a:off x="4514850" y="2626518"/>
+            <a:ext cx="3162299" cy="1604963"/>
+          </a:xfrm>
+        </p:spPr>
+        <p:txBody>
+          <a:bodyPr>
+            <a:normAutofit fontScale="90000"/>
+          </a:bodyPr>
+          <a:lstStyle/>
+          <a:p>
+            <a:pPr algn="ctr"/>
+            <a:r>
+              <a:rPr lang="it-IT" sz="5400" b="1" dirty="0"/>
+              <a:t>Queries Part 2</a:t>
+            </a:r>
+            <a:endParaRPr lang="it-IT" sz="4800" b="1" dirty="0"/>
+          </a:p>
+        </p:txBody>
+      </p:sp>
+      <p:sp>
+        <p:nvSpPr>
+          <p:cNvPr id="2" name="Segnaposto numero diapositiva 1">
+            <a:extLst>
+              <a:ext uri="{FF2B5EF4-FFF2-40B4-BE49-F238E27FC236}">
+                <a16:creationId xmlns:a16="http://schemas.microsoft.com/office/drawing/2014/main" id="{0371B819-0A52-489C-9FA3-EA676A38ADB9}"/>
+              </a:ext>
+            </a:extLst>
+          </p:cNvPr>
+          <p:cNvSpPr>
+            <a:spLocks noGrp="1"/>
+          </p:cNvSpPr>
+          <p:nvPr>
+            <p:ph type="sldNum" sz="quarter" idx="12"/>
+          </p:nvPr>
+        </p:nvSpPr>
+        <p:spPr/>
+        <p:txBody>
+          <a:bodyPr/>
+          <a:lstStyle/>
+          <a:p>
+            <a:r>
+              <a:rPr lang="it-IT" dirty="0"/>
+              <a:t> </a:t>
+            </a:r>
+          </a:p>
+        </p:txBody>
+      </p:sp>
+    </p:spTree>
+    <p:extLst>
+      <p:ext uri="{BB962C8B-B14F-4D97-AF65-F5344CB8AC3E}">
+        <p14:creationId xmlns:p14="http://schemas.microsoft.com/office/powerpoint/2010/main" val="1850569868"/>
+      </p:ext>
+    </p:extLst>
+  </p:cSld>
+  <p:clrMapOvr>
+    <a:masterClrMapping/>
+  </p:clrMapOvr>
+</p:sld>
+</file>
+
+<file path=ppt/slides/slide16.xml><?xml version="1.0" encoding="utf-8"?>
+<p:sld xmlns:a="http://schemas.openxmlformats.org/drawingml/2006/main" xmlns:r="http://schemas.openxmlformats.org/officeDocument/2006/relationships" xmlns:p="http://schemas.openxmlformats.org/presentationml/2006/main">
+  <p:cSld>
+    <p:spTree>
+      <p:nvGrpSpPr>
+        <p:cNvPr id="1" name=""/>
+        <p:cNvGrpSpPr/>
+        <p:nvPr/>
+      </p:nvGrpSpPr>
+      <p:grpSpPr>
+        <a:xfrm>
+          <a:off x="0" y="0"/>
+          <a:ext cx="0" cy="0"/>
+          <a:chOff x="0" y="0"/>
+          <a:chExt cx="0" cy="0"/>
+        </a:xfrm>
+      </p:grpSpPr>
+      <p:sp>
+        <p:nvSpPr>
+          <p:cNvPr id="4" name="Titolo 3">
+            <a:extLst>
+              <a:ext uri="{FF2B5EF4-FFF2-40B4-BE49-F238E27FC236}">
+                <a16:creationId xmlns:a16="http://schemas.microsoft.com/office/drawing/2014/main" id="{A32BADA9-D1E4-4A68-A522-AE21B0D0BA03}"/>
+              </a:ext>
+            </a:extLst>
+          </p:cNvPr>
+          <p:cNvSpPr>
+            <a:spLocks noGrp="1"/>
+          </p:cNvSpPr>
+          <p:nvPr>
+            <p:ph type="title"/>
+          </p:nvPr>
+        </p:nvSpPr>
+        <p:spPr>
+          <a:xfrm>
+            <a:off x="914399" y="1162050"/>
+            <a:ext cx="10616609" cy="561975"/>
+          </a:xfrm>
+        </p:spPr>
+        <p:txBody>
+          <a:bodyPr>
+            <a:noAutofit/>
+          </a:bodyPr>
+          <a:lstStyle/>
+          <a:p>
+            <a:r>
+              <a:rPr lang="en-GB" sz="2400" b="1" dirty="0">
+                <a:effectLst/>
+              </a:rPr>
+              <a:t>Show technical features of Italian Tracks through the years 2017-2020</a:t>
+            </a:r>
+            <a:br>
+              <a:rPr lang="en-GB" sz="2400" b="0" dirty="0">
+                <a:effectLst/>
+              </a:rPr>
+            </a:br>
+            <a:endParaRPr lang="it-IT" sz="4800" b="1" dirty="0"/>
+          </a:p>
+        </p:txBody>
+      </p:sp>
+      <p:sp>
+        <p:nvSpPr>
+          <p:cNvPr id="2" name="Segnaposto numero diapositiva 1">
+            <a:extLst>
+              <a:ext uri="{FF2B5EF4-FFF2-40B4-BE49-F238E27FC236}">
+                <a16:creationId xmlns:a16="http://schemas.microsoft.com/office/drawing/2014/main" id="{AF743220-D2ED-43D4-A1FF-37CA562FFA98}"/>
+              </a:ext>
+            </a:extLst>
+          </p:cNvPr>
+          <p:cNvSpPr>
+            <a:spLocks noGrp="1"/>
+          </p:cNvSpPr>
+          <p:nvPr>
+            <p:ph type="sldNum" sz="quarter" idx="12"/>
+          </p:nvPr>
+        </p:nvSpPr>
+        <p:spPr/>
+        <p:txBody>
+          <a:bodyPr/>
+          <a:lstStyle/>
+          <a:p>
+            <a:fld id="{0E41FC79-F70E-41D5-8DA8-CBC79D687031}" type="slidenum">
+              <a:rPr lang="it-IT" smtClean="0"/>
+              <a:t>16</a:t>
             </a:fld>
             <a:r>
               <a:rPr lang="it-IT" dirty="0"/>
@@ -11015,7 +11534,7 @@
 </p:sld>
 </file>
 
-<file path=ppt/slides/slide15.xml><?xml version="1.0" encoding="utf-8"?>
+<file path=ppt/slides/slide17.xml><?xml version="1.0" encoding="utf-8"?>
 <p:sld xmlns:a="http://schemas.openxmlformats.org/drawingml/2006/main" xmlns:r="http://schemas.openxmlformats.org/officeDocument/2006/relationships" xmlns:p="http://schemas.openxmlformats.org/presentationml/2006/main">
   <p:cSld>
     <p:spTree>
@@ -11098,7 +11617,7 @@
           <a:p>
             <a:fld id="{0E41FC79-F70E-41D5-8DA8-CBC79D687031}" type="slidenum">
               <a:rPr lang="it-IT" smtClean="0"/>
-              <a:t>15</a:t>
+              <a:t>17</a:t>
             </a:fld>
             <a:r>
               <a:rPr lang="it-IT" dirty="0"/>
@@ -11156,7 +11675,7 @@
 </p:sld>
 </file>
 
-<file path=ppt/slides/slide16.xml><?xml version="1.0" encoding="utf-8"?>
+<file path=ppt/slides/slide18.xml><?xml version="1.0" encoding="utf-8"?>
 <p:sld xmlns:a="http://schemas.openxmlformats.org/drawingml/2006/main" xmlns:r="http://schemas.openxmlformats.org/officeDocument/2006/relationships" xmlns:p="http://schemas.openxmlformats.org/presentationml/2006/main">
   <p:cSld>
     <p:spTree>
@@ -11234,7 +11753,7 @@
           <a:p>
             <a:fld id="{0E41FC79-F70E-41D5-8DA8-CBC79D687031}" type="slidenum">
               <a:rPr lang="it-IT" smtClean="0"/>
-              <a:t>16</a:t>
+              <a:t>18</a:t>
             </a:fld>
             <a:r>
               <a:rPr lang="it-IT" dirty="0"/>
@@ -11286,7 +11805,7 @@
 </p:sld>
 </file>
 
-<file path=ppt/slides/slide17.xml><?xml version="1.0" encoding="utf-8"?>
+<file path=ppt/slides/slide19.xml><?xml version="1.0" encoding="utf-8"?>
 <p:sld xmlns:a="http://schemas.openxmlformats.org/drawingml/2006/main" xmlns:r="http://schemas.openxmlformats.org/officeDocument/2006/relationships" xmlns:p="http://schemas.openxmlformats.org/presentationml/2006/main">
   <p:cSld>
     <p:spTree>
@@ -11364,7 +11883,7 @@
           <a:p>
             <a:fld id="{0E41FC79-F70E-41D5-8DA8-CBC79D687031}" type="slidenum">
               <a:rPr lang="it-IT" smtClean="0"/>
-              <a:t>17</a:t>
+              <a:t>19</a:t>
             </a:fld>
             <a:r>
               <a:rPr lang="it-IT" dirty="0"/>
@@ -11407,278 +11926,6 @@
     <p:extLst>
       <p:ext uri="{BB962C8B-B14F-4D97-AF65-F5344CB8AC3E}">
         <p14:creationId xmlns:p14="http://schemas.microsoft.com/office/powerpoint/2010/main" val="2598303381"/>
-      </p:ext>
-    </p:extLst>
-  </p:cSld>
-  <p:clrMapOvr>
-    <a:masterClrMapping/>
-  </p:clrMapOvr>
-</p:sld>
-</file>
-
-<file path=ppt/slides/slide18.xml><?xml version="1.0" encoding="utf-8"?>
-<p:sld xmlns:a="http://schemas.openxmlformats.org/drawingml/2006/main" xmlns:r="http://schemas.openxmlformats.org/officeDocument/2006/relationships" xmlns:p="http://schemas.openxmlformats.org/presentationml/2006/main">
-  <p:cSld>
-    <p:spTree>
-      <p:nvGrpSpPr>
-        <p:cNvPr id="1" name=""/>
-        <p:cNvGrpSpPr/>
-        <p:nvPr/>
-      </p:nvGrpSpPr>
-      <p:grpSpPr>
-        <a:xfrm>
-          <a:off x="0" y="0"/>
-          <a:ext cx="0" cy="0"/>
-          <a:chOff x="0" y="0"/>
-          <a:chExt cx="0" cy="0"/>
-        </a:xfrm>
-      </p:grpSpPr>
-      <p:sp>
-        <p:nvSpPr>
-          <p:cNvPr id="4" name="Titolo 3">
-            <a:extLst>
-              <a:ext uri="{FF2B5EF4-FFF2-40B4-BE49-F238E27FC236}">
-                <a16:creationId xmlns:a16="http://schemas.microsoft.com/office/drawing/2014/main" id="{A32BADA9-D1E4-4A68-A522-AE21B0D0BA03}"/>
-              </a:ext>
-            </a:extLst>
-          </p:cNvPr>
-          <p:cNvSpPr>
-            <a:spLocks noGrp="1"/>
-          </p:cNvSpPr>
-          <p:nvPr>
-            <p:ph type="title"/>
-          </p:nvPr>
-        </p:nvSpPr>
-        <p:spPr>
-          <a:xfrm>
-            <a:off x="914399" y="1162050"/>
-            <a:ext cx="10616609" cy="857250"/>
-          </a:xfrm>
-        </p:spPr>
-        <p:txBody>
-          <a:bodyPr>
-            <a:noAutofit/>
-          </a:bodyPr>
-          <a:lstStyle/>
-          <a:p>
-            <a:r>
-              <a:rPr lang="en-GB" sz="2400" b="1" dirty="0">
-                <a:effectLst/>
-              </a:rPr>
-              <a:t>On average how many Italian tracks are present in Top 100 Italy through the different months of the year ? </a:t>
-            </a:r>
-            <a:endParaRPr lang="it-IT" sz="4800" b="1" dirty="0"/>
-          </a:p>
-        </p:txBody>
-      </p:sp>
-      <p:sp>
-        <p:nvSpPr>
-          <p:cNvPr id="2" name="Segnaposto numero diapositiva 1">
-            <a:extLst>
-              <a:ext uri="{FF2B5EF4-FFF2-40B4-BE49-F238E27FC236}">
-                <a16:creationId xmlns:a16="http://schemas.microsoft.com/office/drawing/2014/main" id="{AF743220-D2ED-43D4-A1FF-37CA562FFA98}"/>
-              </a:ext>
-            </a:extLst>
-          </p:cNvPr>
-          <p:cNvSpPr>
-            <a:spLocks noGrp="1"/>
-          </p:cNvSpPr>
-          <p:nvPr>
-            <p:ph type="sldNum" sz="quarter" idx="12"/>
-          </p:nvPr>
-        </p:nvSpPr>
-        <p:spPr/>
-        <p:txBody>
-          <a:bodyPr/>
-          <a:lstStyle/>
-          <a:p>
-            <a:fld id="{0E41FC79-F70E-41D5-8DA8-CBC79D687031}" type="slidenum">
-              <a:rPr lang="it-IT" smtClean="0"/>
-              <a:t>18</a:t>
-            </a:fld>
-            <a:r>
-              <a:rPr lang="it-IT" dirty="0"/>
-              <a:t>/24</a:t>
-            </a:r>
-          </a:p>
-        </p:txBody>
-      </p:sp>
-      <p:pic>
-        <p:nvPicPr>
-          <p:cNvPr id="11" name="Immagine 10">
-            <a:extLst>
-              <a:ext uri="{FF2B5EF4-FFF2-40B4-BE49-F238E27FC236}">
-                <a16:creationId xmlns:a16="http://schemas.microsoft.com/office/drawing/2014/main" id="{FE5B332E-BB45-4B05-AA54-1854B2544389}"/>
-              </a:ext>
-            </a:extLst>
-          </p:cNvPr>
-          <p:cNvPicPr>
-            <a:picLocks noChangeAspect="1"/>
-          </p:cNvPicPr>
-          <p:nvPr/>
-        </p:nvPicPr>
-        <p:blipFill>
-          <a:blip r:embed="rId2">
-            <a:extLst>
-              <a:ext uri="{28A0092B-C50C-407E-A947-70E740481C1C}">
-                <a14:useLocalDpi xmlns:a14="http://schemas.microsoft.com/office/drawing/2010/main" val="0"/>
-              </a:ext>
-            </a:extLst>
-          </a:blip>
-          <a:stretch>
-            <a:fillRect/>
-          </a:stretch>
-        </p:blipFill>
-        <p:spPr>
-          <a:xfrm>
-            <a:off x="1083699" y="2019300"/>
-            <a:ext cx="10024602" cy="4808054"/>
-          </a:xfrm>
-          <a:prstGeom prst="rect">
-            <a:avLst/>
-          </a:prstGeom>
-        </p:spPr>
-      </p:pic>
-    </p:spTree>
-    <p:extLst>
-      <p:ext uri="{BB962C8B-B14F-4D97-AF65-F5344CB8AC3E}">
-        <p14:creationId xmlns:p14="http://schemas.microsoft.com/office/powerpoint/2010/main" val="3096566100"/>
-      </p:ext>
-    </p:extLst>
-  </p:cSld>
-  <p:clrMapOvr>
-    <a:masterClrMapping/>
-  </p:clrMapOvr>
-</p:sld>
-</file>
-
-<file path=ppt/slides/slide19.xml><?xml version="1.0" encoding="utf-8"?>
-<p:sld xmlns:a="http://schemas.openxmlformats.org/drawingml/2006/main" xmlns:r="http://schemas.openxmlformats.org/officeDocument/2006/relationships" xmlns:p="http://schemas.openxmlformats.org/presentationml/2006/main">
-  <p:cSld>
-    <p:spTree>
-      <p:nvGrpSpPr>
-        <p:cNvPr id="1" name=""/>
-        <p:cNvGrpSpPr/>
-        <p:nvPr/>
-      </p:nvGrpSpPr>
-      <p:grpSpPr>
-        <a:xfrm>
-          <a:off x="0" y="0"/>
-          <a:ext cx="0" cy="0"/>
-          <a:chOff x="0" y="0"/>
-          <a:chExt cx="0" cy="0"/>
-        </a:xfrm>
-      </p:grpSpPr>
-      <p:sp>
-        <p:nvSpPr>
-          <p:cNvPr id="4" name="Titolo 3">
-            <a:extLst>
-              <a:ext uri="{FF2B5EF4-FFF2-40B4-BE49-F238E27FC236}">
-                <a16:creationId xmlns:a16="http://schemas.microsoft.com/office/drawing/2014/main" id="{A32BADA9-D1E4-4A68-A522-AE21B0D0BA03}"/>
-              </a:ext>
-            </a:extLst>
-          </p:cNvPr>
-          <p:cNvSpPr>
-            <a:spLocks noGrp="1"/>
-          </p:cNvSpPr>
-          <p:nvPr>
-            <p:ph type="title"/>
-          </p:nvPr>
-        </p:nvSpPr>
-        <p:spPr>
-          <a:xfrm>
-            <a:off x="914399" y="1162050"/>
-            <a:ext cx="10616609" cy="857250"/>
-          </a:xfrm>
-        </p:spPr>
-        <p:txBody>
-          <a:bodyPr>
-            <a:noAutofit/>
-          </a:bodyPr>
-          <a:lstStyle/>
-          <a:p>
-            <a:r>
-              <a:rPr lang="en-GB" sz="2400" b="1" dirty="0">
-                <a:effectLst/>
-              </a:rPr>
-              <a:t>How many albums from Italian artists are released through the different months of the year ? </a:t>
-            </a:r>
-            <a:endParaRPr lang="it-IT" sz="4800" b="1" dirty="0"/>
-          </a:p>
-        </p:txBody>
-      </p:sp>
-      <p:sp>
-        <p:nvSpPr>
-          <p:cNvPr id="2" name="Segnaposto numero diapositiva 1">
-            <a:extLst>
-              <a:ext uri="{FF2B5EF4-FFF2-40B4-BE49-F238E27FC236}">
-                <a16:creationId xmlns:a16="http://schemas.microsoft.com/office/drawing/2014/main" id="{AF743220-D2ED-43D4-A1FF-37CA562FFA98}"/>
-              </a:ext>
-            </a:extLst>
-          </p:cNvPr>
-          <p:cNvSpPr>
-            <a:spLocks noGrp="1"/>
-          </p:cNvSpPr>
-          <p:nvPr>
-            <p:ph type="sldNum" sz="quarter" idx="12"/>
-          </p:nvPr>
-        </p:nvSpPr>
-        <p:spPr/>
-        <p:txBody>
-          <a:bodyPr/>
-          <a:lstStyle/>
-          <a:p>
-            <a:fld id="{0E41FC79-F70E-41D5-8DA8-CBC79D687031}" type="slidenum">
-              <a:rPr lang="it-IT" smtClean="0"/>
-              <a:t>19</a:t>
-            </a:fld>
-            <a:r>
-              <a:rPr lang="it-IT" dirty="0"/>
-              <a:t>/24</a:t>
-            </a:r>
-          </a:p>
-        </p:txBody>
-      </p:sp>
-      <p:pic>
-        <p:nvPicPr>
-          <p:cNvPr id="5" name="Immagine 4">
-            <a:extLst>
-              <a:ext uri="{FF2B5EF4-FFF2-40B4-BE49-F238E27FC236}">
-                <a16:creationId xmlns:a16="http://schemas.microsoft.com/office/drawing/2014/main" id="{4DE092AA-D2F6-4E0B-B227-D98B1F4F52B5}"/>
-              </a:ext>
-            </a:extLst>
-          </p:cNvPr>
-          <p:cNvPicPr>
-            <a:picLocks noChangeAspect="1"/>
-          </p:cNvPicPr>
-          <p:nvPr/>
-        </p:nvPicPr>
-        <p:blipFill>
-          <a:blip r:embed="rId2">
-            <a:extLst>
-              <a:ext uri="{28A0092B-C50C-407E-A947-70E740481C1C}">
-                <a14:useLocalDpi xmlns:a14="http://schemas.microsoft.com/office/drawing/2010/main" val="0"/>
-              </a:ext>
-            </a:extLst>
-          </a:blip>
-          <a:stretch>
-            <a:fillRect/>
-          </a:stretch>
-        </p:blipFill>
-        <p:spPr>
-          <a:xfrm>
-            <a:off x="1086464" y="2019300"/>
-            <a:ext cx="10019071" cy="4878874"/>
-          </a:xfrm>
-          <a:prstGeom prst="rect">
-            <a:avLst/>
-          </a:prstGeom>
-        </p:spPr>
-      </p:pic>
-    </p:spTree>
-    <p:extLst>
-      <p:ext uri="{BB962C8B-B14F-4D97-AF65-F5344CB8AC3E}">
-        <p14:creationId xmlns:p14="http://schemas.microsoft.com/office/powerpoint/2010/main" val="4266947650"/>
       </p:ext>
     </p:extLst>
   </p:cSld>
@@ -11967,8 +12214,8 @@
         </p:nvSpPr>
         <p:spPr>
           <a:xfrm>
-            <a:off x="914398" y="1162050"/>
-            <a:ext cx="10763251" cy="542925"/>
+            <a:off x="914399" y="1162050"/>
+            <a:ext cx="10616609" cy="857250"/>
           </a:xfrm>
         </p:spPr>
         <p:txBody>
@@ -11978,12 +12225,12 @@
           <a:lstStyle/>
           <a:p>
             <a:r>
-              <a:rPr lang="en-GB" sz="2000" b="1" dirty="0">
+              <a:rPr lang="en-GB" sz="2400" b="1" dirty="0">
                 <a:effectLst/>
               </a:rPr>
-              <a:t>Show the Italian artist with the highest number of tracks present in Top 100 Italy for each year.</a:t>
-            </a:r>
-            <a:endParaRPr lang="it-IT" sz="2000" b="1" dirty="0"/>
+              <a:t>On average how many Italian tracks are present in Top 100 Italy through the different months of the year ? </a:t>
+            </a:r>
+            <a:endParaRPr lang="it-IT" sz="4800" b="1" dirty="0"/>
           </a:p>
         </p:txBody>
       </p:sp>
@@ -12011,6 +12258,278 @@
             <a:fld id="{0E41FC79-F70E-41D5-8DA8-CBC79D687031}" type="slidenum">
               <a:rPr lang="it-IT" smtClean="0"/>
               <a:t>20</a:t>
+            </a:fld>
+            <a:r>
+              <a:rPr lang="it-IT" dirty="0"/>
+              <a:t>/24</a:t>
+            </a:r>
+          </a:p>
+        </p:txBody>
+      </p:sp>
+      <p:pic>
+        <p:nvPicPr>
+          <p:cNvPr id="11" name="Immagine 10">
+            <a:extLst>
+              <a:ext uri="{FF2B5EF4-FFF2-40B4-BE49-F238E27FC236}">
+                <a16:creationId xmlns:a16="http://schemas.microsoft.com/office/drawing/2014/main" id="{FE5B332E-BB45-4B05-AA54-1854B2544389}"/>
+              </a:ext>
+            </a:extLst>
+          </p:cNvPr>
+          <p:cNvPicPr>
+            <a:picLocks noChangeAspect="1"/>
+          </p:cNvPicPr>
+          <p:nvPr/>
+        </p:nvPicPr>
+        <p:blipFill>
+          <a:blip r:embed="rId2">
+            <a:extLst>
+              <a:ext uri="{28A0092B-C50C-407E-A947-70E740481C1C}">
+                <a14:useLocalDpi xmlns:a14="http://schemas.microsoft.com/office/drawing/2010/main" val="0"/>
+              </a:ext>
+            </a:extLst>
+          </a:blip>
+          <a:stretch>
+            <a:fillRect/>
+          </a:stretch>
+        </p:blipFill>
+        <p:spPr>
+          <a:xfrm>
+            <a:off x="1083699" y="2019300"/>
+            <a:ext cx="10024602" cy="4808054"/>
+          </a:xfrm>
+          <a:prstGeom prst="rect">
+            <a:avLst/>
+          </a:prstGeom>
+        </p:spPr>
+      </p:pic>
+    </p:spTree>
+    <p:extLst>
+      <p:ext uri="{BB962C8B-B14F-4D97-AF65-F5344CB8AC3E}">
+        <p14:creationId xmlns:p14="http://schemas.microsoft.com/office/powerpoint/2010/main" val="3096566100"/>
+      </p:ext>
+    </p:extLst>
+  </p:cSld>
+  <p:clrMapOvr>
+    <a:masterClrMapping/>
+  </p:clrMapOvr>
+</p:sld>
+</file>
+
+<file path=ppt/slides/slide21.xml><?xml version="1.0" encoding="utf-8"?>
+<p:sld xmlns:a="http://schemas.openxmlformats.org/drawingml/2006/main" xmlns:r="http://schemas.openxmlformats.org/officeDocument/2006/relationships" xmlns:p="http://schemas.openxmlformats.org/presentationml/2006/main">
+  <p:cSld>
+    <p:spTree>
+      <p:nvGrpSpPr>
+        <p:cNvPr id="1" name=""/>
+        <p:cNvGrpSpPr/>
+        <p:nvPr/>
+      </p:nvGrpSpPr>
+      <p:grpSpPr>
+        <a:xfrm>
+          <a:off x="0" y="0"/>
+          <a:ext cx="0" cy="0"/>
+          <a:chOff x="0" y="0"/>
+          <a:chExt cx="0" cy="0"/>
+        </a:xfrm>
+      </p:grpSpPr>
+      <p:sp>
+        <p:nvSpPr>
+          <p:cNvPr id="4" name="Titolo 3">
+            <a:extLst>
+              <a:ext uri="{FF2B5EF4-FFF2-40B4-BE49-F238E27FC236}">
+                <a16:creationId xmlns:a16="http://schemas.microsoft.com/office/drawing/2014/main" id="{A32BADA9-D1E4-4A68-A522-AE21B0D0BA03}"/>
+              </a:ext>
+            </a:extLst>
+          </p:cNvPr>
+          <p:cNvSpPr>
+            <a:spLocks noGrp="1"/>
+          </p:cNvSpPr>
+          <p:nvPr>
+            <p:ph type="title"/>
+          </p:nvPr>
+        </p:nvSpPr>
+        <p:spPr>
+          <a:xfrm>
+            <a:off x="914399" y="1162050"/>
+            <a:ext cx="10616609" cy="857250"/>
+          </a:xfrm>
+        </p:spPr>
+        <p:txBody>
+          <a:bodyPr>
+            <a:noAutofit/>
+          </a:bodyPr>
+          <a:lstStyle/>
+          <a:p>
+            <a:r>
+              <a:rPr lang="en-GB" sz="2400" b="1" dirty="0">
+                <a:effectLst/>
+              </a:rPr>
+              <a:t>How many albums from Italian artists are released through the different months of the year ? </a:t>
+            </a:r>
+            <a:endParaRPr lang="it-IT" sz="4800" b="1" dirty="0"/>
+          </a:p>
+        </p:txBody>
+      </p:sp>
+      <p:sp>
+        <p:nvSpPr>
+          <p:cNvPr id="2" name="Segnaposto numero diapositiva 1">
+            <a:extLst>
+              <a:ext uri="{FF2B5EF4-FFF2-40B4-BE49-F238E27FC236}">
+                <a16:creationId xmlns:a16="http://schemas.microsoft.com/office/drawing/2014/main" id="{AF743220-D2ED-43D4-A1FF-37CA562FFA98}"/>
+              </a:ext>
+            </a:extLst>
+          </p:cNvPr>
+          <p:cNvSpPr>
+            <a:spLocks noGrp="1"/>
+          </p:cNvSpPr>
+          <p:nvPr>
+            <p:ph type="sldNum" sz="quarter" idx="12"/>
+          </p:nvPr>
+        </p:nvSpPr>
+        <p:spPr/>
+        <p:txBody>
+          <a:bodyPr/>
+          <a:lstStyle/>
+          <a:p>
+            <a:fld id="{0E41FC79-F70E-41D5-8DA8-CBC79D687031}" type="slidenum">
+              <a:rPr lang="it-IT" smtClean="0"/>
+              <a:t>21</a:t>
+            </a:fld>
+            <a:r>
+              <a:rPr lang="it-IT" dirty="0"/>
+              <a:t>/24</a:t>
+            </a:r>
+          </a:p>
+        </p:txBody>
+      </p:sp>
+      <p:pic>
+        <p:nvPicPr>
+          <p:cNvPr id="5" name="Immagine 4">
+            <a:extLst>
+              <a:ext uri="{FF2B5EF4-FFF2-40B4-BE49-F238E27FC236}">
+                <a16:creationId xmlns:a16="http://schemas.microsoft.com/office/drawing/2014/main" id="{4DE092AA-D2F6-4E0B-B227-D98B1F4F52B5}"/>
+              </a:ext>
+            </a:extLst>
+          </p:cNvPr>
+          <p:cNvPicPr>
+            <a:picLocks noChangeAspect="1"/>
+          </p:cNvPicPr>
+          <p:nvPr/>
+        </p:nvPicPr>
+        <p:blipFill>
+          <a:blip r:embed="rId2">
+            <a:extLst>
+              <a:ext uri="{28A0092B-C50C-407E-A947-70E740481C1C}">
+                <a14:useLocalDpi xmlns:a14="http://schemas.microsoft.com/office/drawing/2010/main" val="0"/>
+              </a:ext>
+            </a:extLst>
+          </a:blip>
+          <a:stretch>
+            <a:fillRect/>
+          </a:stretch>
+        </p:blipFill>
+        <p:spPr>
+          <a:xfrm>
+            <a:off x="1086464" y="2019300"/>
+            <a:ext cx="10019071" cy="4878874"/>
+          </a:xfrm>
+          <a:prstGeom prst="rect">
+            <a:avLst/>
+          </a:prstGeom>
+        </p:spPr>
+      </p:pic>
+    </p:spTree>
+    <p:extLst>
+      <p:ext uri="{BB962C8B-B14F-4D97-AF65-F5344CB8AC3E}">
+        <p14:creationId xmlns:p14="http://schemas.microsoft.com/office/powerpoint/2010/main" val="4266947650"/>
+      </p:ext>
+    </p:extLst>
+  </p:cSld>
+  <p:clrMapOvr>
+    <a:masterClrMapping/>
+  </p:clrMapOvr>
+</p:sld>
+</file>
+
+<file path=ppt/slides/slide22.xml><?xml version="1.0" encoding="utf-8"?>
+<p:sld xmlns:a="http://schemas.openxmlformats.org/drawingml/2006/main" xmlns:r="http://schemas.openxmlformats.org/officeDocument/2006/relationships" xmlns:p="http://schemas.openxmlformats.org/presentationml/2006/main">
+  <p:cSld>
+    <p:spTree>
+      <p:nvGrpSpPr>
+        <p:cNvPr id="1" name=""/>
+        <p:cNvGrpSpPr/>
+        <p:nvPr/>
+      </p:nvGrpSpPr>
+      <p:grpSpPr>
+        <a:xfrm>
+          <a:off x="0" y="0"/>
+          <a:ext cx="0" cy="0"/>
+          <a:chOff x="0" y="0"/>
+          <a:chExt cx="0" cy="0"/>
+        </a:xfrm>
+      </p:grpSpPr>
+      <p:sp>
+        <p:nvSpPr>
+          <p:cNvPr id="4" name="Titolo 3">
+            <a:extLst>
+              <a:ext uri="{FF2B5EF4-FFF2-40B4-BE49-F238E27FC236}">
+                <a16:creationId xmlns:a16="http://schemas.microsoft.com/office/drawing/2014/main" id="{A32BADA9-D1E4-4A68-A522-AE21B0D0BA03}"/>
+              </a:ext>
+            </a:extLst>
+          </p:cNvPr>
+          <p:cNvSpPr>
+            <a:spLocks noGrp="1"/>
+          </p:cNvSpPr>
+          <p:nvPr>
+            <p:ph type="title"/>
+          </p:nvPr>
+        </p:nvSpPr>
+        <p:spPr>
+          <a:xfrm>
+            <a:off x="914398" y="1162050"/>
+            <a:ext cx="10763251" cy="542925"/>
+          </a:xfrm>
+        </p:spPr>
+        <p:txBody>
+          <a:bodyPr>
+            <a:noAutofit/>
+          </a:bodyPr>
+          <a:lstStyle/>
+          <a:p>
+            <a:r>
+              <a:rPr lang="en-GB" sz="2000" b="1" dirty="0">
+                <a:effectLst/>
+              </a:rPr>
+              <a:t>Show the Italian artist with the highest number of tracks present in Top 100 Italy for each year.</a:t>
+            </a:r>
+            <a:endParaRPr lang="it-IT" sz="2000" b="1" dirty="0"/>
+          </a:p>
+        </p:txBody>
+      </p:sp>
+      <p:sp>
+        <p:nvSpPr>
+          <p:cNvPr id="2" name="Segnaposto numero diapositiva 1">
+            <a:extLst>
+              <a:ext uri="{FF2B5EF4-FFF2-40B4-BE49-F238E27FC236}">
+                <a16:creationId xmlns:a16="http://schemas.microsoft.com/office/drawing/2014/main" id="{AF743220-D2ED-43D4-A1FF-37CA562FFA98}"/>
+              </a:ext>
+            </a:extLst>
+          </p:cNvPr>
+          <p:cNvSpPr>
+            <a:spLocks noGrp="1"/>
+          </p:cNvSpPr>
+          <p:nvPr>
+            <p:ph type="sldNum" sz="quarter" idx="12"/>
+          </p:nvPr>
+        </p:nvSpPr>
+        <p:spPr/>
+        <p:txBody>
+          <a:bodyPr/>
+          <a:lstStyle/>
+          <a:p>
+            <a:fld id="{0E41FC79-F70E-41D5-8DA8-CBC79D687031}" type="slidenum">
+              <a:rPr lang="it-IT" smtClean="0"/>
+              <a:t>22</a:t>
             </a:fld>
             <a:r>
               <a:rPr lang="it-IT" dirty="0"/>
@@ -12129,7 +12648,7 @@
                   <a:schemeClr val="tx1"/>
                 </a:solidFill>
               </a:rPr>
-              <a:t>, </a:t>
+              <a:t>, 3</a:t>
             </a:r>
             <a:r>
               <a:rPr lang="it-IT" dirty="0">
@@ -12137,7 +12656,7 @@
                   <a:schemeClr val="tx1"/>
                 </a:solidFill>
               </a:rPr>
-              <a:t>20 Tracks</a:t>
+              <a:t>0 Tracks</a:t>
             </a:r>
             <a:endParaRPr lang="en-GB" dirty="0">
               <a:solidFill>
@@ -12526,7 +13045,7 @@
                     <a:schemeClr val="tx1"/>
                   </a:solidFill>
                 </a:rPr>
-                <a:t>, </a:t>
+                <a:t>, 31</a:t>
               </a:r>
               <a:r>
                 <a:rPr lang="it-IT" dirty="0">
@@ -12534,7 +13053,7 @@
                     <a:schemeClr val="tx1"/>
                   </a:solidFill>
                 </a:rPr>
-                <a:t>28 Tracks</a:t>
+                <a:t> Tracks</a:t>
               </a:r>
               <a:endParaRPr lang="en-GB" dirty="0">
                 <a:solidFill>
@@ -12600,10 +13119,10 @@
         </p:nvGrpSpPr>
         <p:grpSpPr>
           <a:xfrm>
-            <a:off x="1773916" y="4328885"/>
-            <a:ext cx="8270542" cy="900000"/>
-            <a:chOff x="1773916" y="4328885"/>
-            <a:chExt cx="8270542" cy="900000"/>
+            <a:off x="1773916" y="4431223"/>
+            <a:ext cx="8270542" cy="695325"/>
+            <a:chOff x="1773916" y="4431223"/>
+            <a:chExt cx="8270542" cy="695325"/>
           </a:xfrm>
         </p:grpSpPr>
         <p:sp>
@@ -12870,12 +13389,12 @@
             <a:p>
               <a:pPr algn="ctr"/>
               <a:r>
-                <a:rPr lang="it-IT" b="1" i="1" dirty="0" err="1">
+                <a:rPr lang="it-IT" b="1" i="1" dirty="0">
                   <a:solidFill>
                     <a:schemeClr val="tx1"/>
                   </a:solidFill>
                 </a:rPr>
-                <a:t>Madman</a:t>
+                <a:t>Lazza</a:t>
               </a:r>
               <a:r>
                 <a:rPr lang="it-IT" i="1" dirty="0">
@@ -12891,7 +13410,7 @@
                     <a:schemeClr val="tx1"/>
                   </a:solidFill>
                 </a:rPr>
-                <a:t>30 Tracks</a:t>
+                <a:t>35 Tracks</a:t>
               </a:r>
               <a:endParaRPr lang="en-GB" dirty="0">
                 <a:solidFill>
@@ -12901,41 +13420,6 @@
             </a:p>
           </p:txBody>
         </p:sp>
-        <p:pic>
-          <p:nvPicPr>
-            <p:cNvPr id="25" name="Immagine 24" descr="Immagine che contiene persona, palcoscenico&#10;&#10;Descrizione generata automaticamente">
-              <a:extLst>
-                <a:ext uri="{FF2B5EF4-FFF2-40B4-BE49-F238E27FC236}">
-                  <a16:creationId xmlns:a16="http://schemas.microsoft.com/office/drawing/2014/main" id="{D124B98C-A9F0-4CD6-97FF-D6B9547DFE53}"/>
-                </a:ext>
-              </a:extLst>
-            </p:cNvPr>
-            <p:cNvPicPr>
-              <a:picLocks noChangeAspect="1"/>
-            </p:cNvPicPr>
-            <p:nvPr/>
-          </p:nvPicPr>
-          <p:blipFill rotWithShape="1">
-            <a:blip r:embed="rId3">
-              <a:extLst>
-                <a:ext uri="{28A0092B-C50C-407E-A947-70E740481C1C}">
-                  <a14:useLocalDpi xmlns:a14="http://schemas.microsoft.com/office/drawing/2010/main" val="0"/>
-                </a:ext>
-              </a:extLst>
-            </a:blip>
-            <a:srcRect/>
-            <a:stretch/>
-          </p:blipFill>
-          <p:spPr>
-            <a:xfrm>
-              <a:off x="5937894" y="4328885"/>
-              <a:ext cx="900000" cy="900000"/>
-            </a:xfrm>
-            <a:prstGeom prst="ellipse">
-              <a:avLst/>
-            </a:prstGeom>
-          </p:spPr>
-        </p:pic>
         <p:cxnSp>
           <p:nvCxnSpPr>
             <p:cNvPr id="33" name="Connettore 2 32">
@@ -13275,7 +13759,7 @@
                     <a:schemeClr val="tx1"/>
                   </a:solidFill>
                 </a:rPr>
-                <a:t>, 35 Tracks</a:t>
+                <a:t>, 40 Tracks</a:t>
               </a:r>
               <a:endParaRPr lang="en-GB" dirty="0">
                 <a:solidFill>
@@ -13300,7 +13784,7 @@
             <p:nvPr/>
           </p:nvPicPr>
           <p:blipFill rotWithShape="1">
-            <a:blip r:embed="rId4">
+            <a:blip r:embed="rId3">
               <a:extLst>
                 <a:ext uri="{28A0092B-C50C-407E-A947-70E740481C1C}">
                   <a14:useLocalDpi xmlns:a14="http://schemas.microsoft.com/office/drawing/2010/main" val="0"/>
@@ -13382,7 +13866,7 @@
           <p:nvPr/>
         </p:nvPicPr>
         <p:blipFill rotWithShape="1">
-          <a:blip r:embed="rId5">
+          <a:blip r:embed="rId4">
             <a:extLst>
               <a:ext uri="{28A0092B-C50C-407E-A947-70E740481C1C}">
                 <a14:useLocalDpi xmlns:a14="http://schemas.microsoft.com/office/drawing/2010/main" val="0"/>
@@ -13395,6 +13879,41 @@
         <p:spPr>
           <a:xfrm>
             <a:off x="5937894" y="3136257"/>
+            <a:ext cx="900000" cy="900000"/>
+          </a:xfrm>
+          <a:prstGeom prst="ellipse">
+            <a:avLst/>
+          </a:prstGeom>
+        </p:spPr>
+      </p:pic>
+      <p:pic>
+        <p:nvPicPr>
+          <p:cNvPr id="6" name="Immagine 5" descr="Immagine che contiene colorato&#10;&#10;Descrizione generata automaticamente">
+            <a:extLst>
+              <a:ext uri="{FF2B5EF4-FFF2-40B4-BE49-F238E27FC236}">
+                <a16:creationId xmlns:a16="http://schemas.microsoft.com/office/drawing/2014/main" id="{63542C46-AF62-4ADA-8321-D04CD3DD9BB2}"/>
+              </a:ext>
+            </a:extLst>
+          </p:cNvPr>
+          <p:cNvPicPr>
+            <a:picLocks noChangeAspect="1"/>
+          </p:cNvPicPr>
+          <p:nvPr/>
+        </p:nvPicPr>
+        <p:blipFill rotWithShape="1">
+          <a:blip r:embed="rId5">
+            <a:extLst>
+              <a:ext uri="{28A0092B-C50C-407E-A947-70E740481C1C}">
+                <a14:useLocalDpi xmlns:a14="http://schemas.microsoft.com/office/drawing/2010/main" val="0"/>
+              </a:ext>
+            </a:extLst>
+          </a:blip>
+          <a:srcRect t="1563" b="1563"/>
+          <a:stretch/>
+        </p:blipFill>
+        <p:spPr>
+          <a:xfrm>
+            <a:off x="5937894" y="4328885"/>
             <a:ext cx="900000" cy="900000"/>
           </a:xfrm>
           <a:prstGeom prst="ellipse">
@@ -13415,7 +13934,7 @@
 </p:sld>
 </file>
 
-<file path=ppt/slides/slide21.xml><?xml version="1.0" encoding="utf-8"?>
+<file path=ppt/slides/slide23.xml><?xml version="1.0" encoding="utf-8"?>
 <p:sld xmlns:a="http://schemas.openxmlformats.org/drawingml/2006/main" xmlns:r="http://schemas.openxmlformats.org/officeDocument/2006/relationships" xmlns:p="http://schemas.openxmlformats.org/presentationml/2006/main">
   <p:cSld>
     <p:spTree>
@@ -13493,7 +14012,7 @@
           <a:p>
             <a:fld id="{0E41FC79-F70E-41D5-8DA8-CBC79D687031}" type="slidenum">
               <a:rPr lang="it-IT" smtClean="0"/>
-              <a:t>21</a:t>
+              <a:t>23</a:t>
             </a:fld>
             <a:r>
               <a:rPr lang="it-IT" dirty="0"/>
@@ -13504,10 +14023,10 @@
       </p:sp>
       <p:pic>
         <p:nvPicPr>
-          <p:cNvPr id="11" name="Immagine 10">
+          <p:cNvPr id="30" name="Immagine 29" descr="Immagine che contiene persona, abbigliamento&#10;&#10;Descrizione generata automaticamente">
             <a:extLst>
               <a:ext uri="{FF2B5EF4-FFF2-40B4-BE49-F238E27FC236}">
-                <a16:creationId xmlns:a16="http://schemas.microsoft.com/office/drawing/2014/main" id="{6A51C255-3F97-494F-A20F-1E7D01B32402}"/>
+                <a16:creationId xmlns:a16="http://schemas.microsoft.com/office/drawing/2014/main" id="{2E57905C-2181-470C-A146-0437101EE51B}"/>
               </a:ext>
             </a:extLst>
           </p:cNvPr>
@@ -13517,37 +14036,7 @@
           <p:nvPr/>
         </p:nvPicPr>
         <p:blipFill>
-          <a:blip r:embed="rId2"/>
-          <a:stretch>
-            <a:fillRect/>
-          </a:stretch>
-        </p:blipFill>
-        <p:spPr>
-          <a:xfrm>
-            <a:off x="1502669" y="1774982"/>
-            <a:ext cx="8870449" cy="2918713"/>
-          </a:xfrm>
-          <a:prstGeom prst="rect">
-            <a:avLst/>
-          </a:prstGeom>
-        </p:spPr>
-      </p:pic>
-      <p:pic>
-        <p:nvPicPr>
-          <p:cNvPr id="30" name="Immagine 29" descr="Immagine che contiene persona, abbigliamento&#10;&#10;Descrizione generata automaticamente">
-            <a:extLst>
-              <a:ext uri="{FF2B5EF4-FFF2-40B4-BE49-F238E27FC236}">
-                <a16:creationId xmlns:a16="http://schemas.microsoft.com/office/drawing/2014/main" id="{2E57905C-2181-470C-A146-0437101EE51B}"/>
-              </a:ext>
-            </a:extLst>
-          </p:cNvPr>
-          <p:cNvPicPr>
-            <a:picLocks noChangeAspect="1"/>
-          </p:cNvPicPr>
-          <p:nvPr/>
-        </p:nvPicPr>
-        <p:blipFill>
-          <a:blip r:embed="rId3">
+          <a:blip r:embed="rId2">
             <a:extLst>
               <a:ext uri="{28A0092B-C50C-407E-A947-70E740481C1C}">
                 <a14:useLocalDpi xmlns:a14="http://schemas.microsoft.com/office/drawing/2010/main" val="0"/>
@@ -13575,10 +14064,10 @@
       </p:pic>
       <p:pic>
         <p:nvPicPr>
-          <p:cNvPr id="41" name="Immagine 40" descr="Immagine che contiene persona, palcoscenico&#10;&#10;Descrizione generata automaticamente">
+          <p:cNvPr id="46" name="Immagine 45" descr="Immagine che contiene clipart&#10;&#10;Descrizione generata automaticamente">
             <a:extLst>
               <a:ext uri="{FF2B5EF4-FFF2-40B4-BE49-F238E27FC236}">
-                <a16:creationId xmlns:a16="http://schemas.microsoft.com/office/drawing/2014/main" id="{A23FD184-166A-43EB-BBAF-08FB3B699239}"/>
+                <a16:creationId xmlns:a16="http://schemas.microsoft.com/office/drawing/2014/main" id="{050A9581-925B-4E39-86C2-EB8A44ACC5B8}"/>
               </a:ext>
             </a:extLst>
           </p:cNvPr>
@@ -13588,42 +14077,7 @@
           <p:nvPr/>
         </p:nvPicPr>
         <p:blipFill rotWithShape="1">
-          <a:blip r:embed="rId4">
-            <a:extLst>
-              <a:ext uri="{28A0092B-C50C-407E-A947-70E740481C1C}">
-                <a14:useLocalDpi xmlns:a14="http://schemas.microsoft.com/office/drawing/2010/main" val="0"/>
-              </a:ext>
-            </a:extLst>
-          </a:blip>
-          <a:srcRect/>
-          <a:stretch/>
-        </p:blipFill>
-        <p:spPr>
-          <a:xfrm>
-            <a:off x="6912027" y="5007937"/>
-            <a:ext cx="900000" cy="900000"/>
-          </a:xfrm>
-          <a:prstGeom prst="ellipse">
-            <a:avLst/>
-          </a:prstGeom>
-        </p:spPr>
-      </p:pic>
-      <p:pic>
-        <p:nvPicPr>
-          <p:cNvPr id="46" name="Immagine 45" descr="Immagine che contiene clipart&#10;&#10;Descrizione generata automaticamente">
-            <a:extLst>
-              <a:ext uri="{FF2B5EF4-FFF2-40B4-BE49-F238E27FC236}">
-                <a16:creationId xmlns:a16="http://schemas.microsoft.com/office/drawing/2014/main" id="{050A9581-925B-4E39-86C2-EB8A44ACC5B8}"/>
-              </a:ext>
-            </a:extLst>
-          </p:cNvPr>
-          <p:cNvPicPr>
-            <a:picLocks noChangeAspect="1"/>
-          </p:cNvPicPr>
-          <p:nvPr/>
-        </p:nvPicPr>
-        <p:blipFill rotWithShape="1">
-          <a:blip r:embed="rId5">
+          <a:blip r:embed="rId3">
             <a:extLst>
               <a:ext uri="{28A0092B-C50C-407E-A947-70E740481C1C}">
                 <a14:useLocalDpi xmlns:a14="http://schemas.microsoft.com/office/drawing/2010/main" val="0"/>
@@ -13663,7 +14117,7 @@
           <p:nvPr/>
         </p:nvPicPr>
         <p:blipFill rotWithShape="1">
-          <a:blip r:embed="rId6">
+          <a:blip r:embed="rId4">
             <a:extLst>
               <a:ext uri="{28A0092B-C50C-407E-A947-70E740481C1C}">
                 <a14:useLocalDpi xmlns:a14="http://schemas.microsoft.com/office/drawing/2010/main" val="0"/>
@@ -13679,6 +14133,71 @@
             <a:ext cx="900000" cy="900000"/>
           </a:xfrm>
           <a:prstGeom prst="ellipse">
+            <a:avLst/>
+          </a:prstGeom>
+        </p:spPr>
+      </p:pic>
+      <p:pic>
+        <p:nvPicPr>
+          <p:cNvPr id="9" name="Immagine 8" descr="Immagine che contiene colorato&#10;&#10;Descrizione generata automaticamente">
+            <a:extLst>
+              <a:ext uri="{FF2B5EF4-FFF2-40B4-BE49-F238E27FC236}">
+                <a16:creationId xmlns:a16="http://schemas.microsoft.com/office/drawing/2014/main" id="{B521988D-375D-42DD-ABFD-3BAAC36E1953}"/>
+              </a:ext>
+            </a:extLst>
+          </p:cNvPr>
+          <p:cNvPicPr>
+            <a:picLocks noChangeAspect="1"/>
+          </p:cNvPicPr>
+          <p:nvPr/>
+        </p:nvPicPr>
+        <p:blipFill rotWithShape="1">
+          <a:blip r:embed="rId5">
+            <a:extLst>
+              <a:ext uri="{28A0092B-C50C-407E-A947-70E740481C1C}">
+                <a14:useLocalDpi xmlns:a14="http://schemas.microsoft.com/office/drawing/2010/main" val="0"/>
+              </a:ext>
+            </a:extLst>
+          </a:blip>
+          <a:srcRect t="1563" b="1563"/>
+          <a:stretch/>
+        </p:blipFill>
+        <p:spPr>
+          <a:xfrm>
+            <a:off x="6912027" y="5007937"/>
+            <a:ext cx="900000" cy="900000"/>
+          </a:xfrm>
+          <a:prstGeom prst="ellipse">
+            <a:avLst/>
+          </a:prstGeom>
+        </p:spPr>
+      </p:pic>
+      <p:pic>
+        <p:nvPicPr>
+          <p:cNvPr id="5" name="Immagine 4">
+            <a:extLst>
+              <a:ext uri="{FF2B5EF4-FFF2-40B4-BE49-F238E27FC236}">
+                <a16:creationId xmlns:a16="http://schemas.microsoft.com/office/drawing/2014/main" id="{800AC5C7-E79B-47FD-BAD6-803E47C8774D}"/>
+              </a:ext>
+            </a:extLst>
+          </p:cNvPr>
+          <p:cNvPicPr>
+            <a:picLocks noChangeAspect="1"/>
+          </p:cNvPicPr>
+          <p:nvPr/>
+        </p:nvPicPr>
+        <p:blipFill>
+          <a:blip r:embed="rId6"/>
+          <a:stretch>
+            <a:fillRect/>
+          </a:stretch>
+        </p:blipFill>
+        <p:spPr>
+          <a:xfrm>
+            <a:off x="1533140" y="1981074"/>
+            <a:ext cx="8878069" cy="2895851"/>
+          </a:xfrm>
+          <a:prstGeom prst="rect">
             <a:avLst/>
           </a:prstGeom>
         </p:spPr>
@@ -13696,7 +14215,7 @@
 </p:sld>
 </file>
 
-<file path=ppt/slides/slide22.xml><?xml version="1.0" encoding="utf-8"?>
+<file path=ppt/slides/slide24.xml><?xml version="1.0" encoding="utf-8"?>
 <p:sld xmlns:a="http://schemas.openxmlformats.org/drawingml/2006/main" xmlns:r="http://schemas.openxmlformats.org/officeDocument/2006/relationships" xmlns:p="http://schemas.openxmlformats.org/presentationml/2006/main">
   <p:cSld>
     <p:spTree>
@@ -13747,7 +14266,7 @@
               </a:rPr>
               <a:t>Show the top 3 Italian artists with the highest number of tracks present in Top 100 Italy at the same time.</a:t>
             </a:r>
-            <a:endParaRPr lang="it-IT" sz="4800" b="1" dirty="0"/>
+            <a:endParaRPr lang="it-IT" sz="2400" b="1" dirty="0"/>
           </a:p>
         </p:txBody>
       </p:sp>
@@ -13774,7 +14293,7 @@
           <a:p>
             <a:fld id="{0E41FC79-F70E-41D5-8DA8-CBC79D687031}" type="slidenum">
               <a:rPr lang="it-IT" smtClean="0"/>
-              <a:t>22</a:t>
+              <a:t>24</a:t>
             </a:fld>
             <a:r>
               <a:rPr lang="it-IT" dirty="0"/>
@@ -13783,12 +14302,155 @@
           </a:p>
         </p:txBody>
       </p:sp>
+      <p:grpSp>
+        <p:nvGrpSpPr>
+          <p:cNvPr id="10" name="Gruppo 9">
+            <a:extLst>
+              <a:ext uri="{FF2B5EF4-FFF2-40B4-BE49-F238E27FC236}">
+                <a16:creationId xmlns:a16="http://schemas.microsoft.com/office/drawing/2014/main" id="{05E66556-5F1A-476A-B08B-0146A2E242AD}"/>
+              </a:ext>
+            </a:extLst>
+          </p:cNvPr>
+          <p:cNvGrpSpPr/>
+          <p:nvPr/>
+        </p:nvGrpSpPr>
+        <p:grpSpPr>
+          <a:xfrm>
+            <a:off x="1473868" y="2207988"/>
+            <a:ext cx="2491777" cy="2210632"/>
+            <a:chOff x="1472053" y="2122263"/>
+            <a:chExt cx="2491777" cy="2210632"/>
+          </a:xfrm>
+        </p:grpSpPr>
+        <p:sp>
+          <p:nvSpPr>
+            <p:cNvPr id="12" name="Titolo 3">
+              <a:extLst>
+                <a:ext uri="{FF2B5EF4-FFF2-40B4-BE49-F238E27FC236}">
+                  <a16:creationId xmlns:a16="http://schemas.microsoft.com/office/drawing/2014/main" id="{AE914E4C-42D0-484F-80ED-F83CFA2DEE2E}"/>
+                </a:ext>
+              </a:extLst>
+            </p:cNvPr>
+            <p:cNvSpPr txBox="1">
+              <a:spLocks/>
+            </p:cNvSpPr>
+            <p:nvPr/>
+          </p:nvSpPr>
+          <p:spPr>
+            <a:xfrm>
+              <a:off x="1472053" y="3258383"/>
+              <a:ext cx="2491777" cy="1074512"/>
+            </a:xfrm>
+            <a:prstGeom prst="rect">
+              <a:avLst/>
+            </a:prstGeom>
+          </p:spPr>
+          <p:txBody>
+            <a:bodyPr vert="horz" lIns="91440" tIns="45720" rIns="91440" bIns="45720" rtlCol="0" anchor="t">
+              <a:noAutofit/>
+            </a:bodyPr>
+            <a:lstStyle>
+              <a:lvl1pPr algn="l" defTabSz="914400" rtl="0" eaLnBrk="1" latinLnBrk="0" hangingPunct="1">
+                <a:lnSpc>
+                  <a:spcPct val="100000"/>
+                </a:lnSpc>
+                <a:spcBef>
+                  <a:spcPct val="0"/>
+                </a:spcBef>
+                <a:buNone/>
+                <a:defRPr sz="4000" kern="1200">
+                  <a:solidFill>
+                    <a:schemeClr val="tx1"/>
+                  </a:solidFill>
+                  <a:latin typeface="+mj-lt"/>
+                  <a:ea typeface="+mj-ea"/>
+                  <a:cs typeface="+mj-cs"/>
+                </a:defRPr>
+              </a:lvl1pPr>
+            </a:lstStyle>
+            <a:p>
+              <a:pPr algn="ctr"/>
+              <a:r>
+                <a:rPr lang="en-GB" sz="2000" b="1" i="1" dirty="0" err="1"/>
+                <a:t>Tha</a:t>
+              </a:r>
+              <a:r>
+                <a:rPr lang="en-GB" sz="2000" b="1" i="1" dirty="0"/>
+                <a:t> Supreme</a:t>
+              </a:r>
+            </a:p>
+            <a:p>
+              <a:pPr algn="ctr"/>
+              <a:r>
+                <a:rPr lang="en-GB" sz="2000" b="1" dirty="0"/>
+                <a:t>17</a:t>
+              </a:r>
+              <a:r>
+                <a:rPr lang="en-GB" sz="2000" b="1" baseline="30000" dirty="0"/>
+                <a:t>th </a:t>
+              </a:r>
+              <a:r>
+                <a:rPr lang="en-GB" sz="2000" b="1" dirty="0"/>
+                <a:t>Nov 2019</a:t>
+              </a:r>
+            </a:p>
+            <a:p>
+              <a:pPr algn="ctr"/>
+              <a:r>
+                <a:rPr lang="en-GB" sz="2000" b="1" dirty="0"/>
+                <a:t>24 tracks</a:t>
+              </a:r>
+              <a:endParaRPr lang="it-IT" sz="2000" b="1" dirty="0"/>
+            </a:p>
+          </p:txBody>
+        </p:sp>
+        <p:pic>
+          <p:nvPicPr>
+            <p:cNvPr id="26" name="Immagine 25" descr="Immagine che contiene clipart&#10;&#10;Descrizione generata automaticamente">
+              <a:extLst>
+                <a:ext uri="{FF2B5EF4-FFF2-40B4-BE49-F238E27FC236}">
+                  <a16:creationId xmlns:a16="http://schemas.microsoft.com/office/drawing/2014/main" id="{BB261DDC-1F3A-4804-B48A-6E9A67820FDB}"/>
+                </a:ext>
+              </a:extLst>
+            </p:cNvPr>
+            <p:cNvPicPr>
+              <a:picLocks/>
+            </p:cNvPicPr>
+            <p:nvPr/>
+          </p:nvPicPr>
+          <p:blipFill rotWithShape="1">
+            <a:blip r:embed="rId2">
+              <a:extLst>
+                <a:ext uri="{28A0092B-C50C-407E-A947-70E740481C1C}">
+                  <a14:useLocalDpi xmlns:a14="http://schemas.microsoft.com/office/drawing/2010/main" val="0"/>
+                </a:ext>
+              </a:extLst>
+            </a:blip>
+            <a:srcRect t="435" b="19703"/>
+            <a:stretch/>
+          </p:blipFill>
+          <p:spPr>
+            <a:xfrm>
+              <a:off x="2177941" y="2122263"/>
+              <a:ext cx="1080000" cy="1080000"/>
+            </a:xfrm>
+            <a:prstGeom prst="ellipse">
+              <a:avLst/>
+            </a:prstGeom>
+            <a:ln>
+              <a:solidFill>
+                <a:schemeClr val="tx1"/>
+              </a:solidFill>
+            </a:ln>
+          </p:spPr>
+        </p:pic>
+      </p:grpSp>
       <p:sp>
         <p:nvSpPr>
-          <p:cNvPr id="12" name="Titolo 3">
+          <p:cNvPr id="13" name="Titolo 3">
             <a:extLst>
               <a:ext uri="{FF2B5EF4-FFF2-40B4-BE49-F238E27FC236}">
-                <a16:creationId xmlns:a16="http://schemas.microsoft.com/office/drawing/2014/main" id="{AE914E4C-42D0-484F-80ED-F83CFA2DEE2E}"/>
+                <a16:creationId xmlns:a16="http://schemas.microsoft.com/office/drawing/2014/main" id="{93D11056-5167-483D-8045-92048AC543D1}"/>
               </a:ext>
             </a:extLst>
           </p:cNvPr>
@@ -13799,7 +14461,7 @@
         </p:nvSpPr>
         <p:spPr>
           <a:xfrm>
-            <a:off x="1472053" y="3258383"/>
+            <a:off x="8772797" y="3338498"/>
             <a:ext cx="2491777" cy="1074512"/>
           </a:xfrm>
           <a:prstGeom prst="rect">
@@ -13833,12 +14495,9 @@
             <a:pPr algn="ctr"/>
             <a:r>
               <a:rPr lang="en-GB" sz="2000" b="1" i="1" dirty="0" err="1"/>
-              <a:t>Tha</a:t>
-            </a:r>
-            <a:r>
-              <a:rPr lang="en-GB" sz="2000" b="1" i="1" dirty="0"/>
-              <a:t> Supreme</a:t>
-            </a:r>
+              <a:t>Marracash</a:t>
+            </a:r>
+            <a:endParaRPr lang="en-GB" sz="2000" b="1" i="1" dirty="0"/>
           </a:p>
           <a:p>
             <a:pPr algn="ctr"/>
@@ -13848,29 +14507,64 @@
             </a:r>
             <a:r>
               <a:rPr lang="en-GB" sz="2000" b="1" baseline="30000" dirty="0"/>
-              <a:t>th </a:t>
+              <a:t>th</a:t>
             </a:r>
             <a:r>
               <a:rPr lang="en-GB" sz="2000" b="1" dirty="0"/>
-              <a:t>Nov 2019</a:t>
+              <a:t> Nov 2019</a:t>
             </a:r>
           </a:p>
           <a:p>
             <a:pPr algn="ctr"/>
             <a:r>
               <a:rPr lang="en-GB" sz="2000" b="1" dirty="0"/>
-              <a:t>24 tracks</a:t>
+              <a:t>19 tracks</a:t>
             </a:r>
             <a:endParaRPr lang="it-IT" sz="2000" b="1" dirty="0"/>
           </a:p>
         </p:txBody>
       </p:sp>
+      <p:pic>
+        <p:nvPicPr>
+          <p:cNvPr id="28" name="Immagine 27" descr="Immagine che contiene erba, esterni&#10;&#10;Descrizione generata automaticamente">
+            <a:extLst>
+              <a:ext uri="{FF2B5EF4-FFF2-40B4-BE49-F238E27FC236}">
+                <a16:creationId xmlns:a16="http://schemas.microsoft.com/office/drawing/2014/main" id="{1BE07261-A172-4E3F-A361-D2F5438C3358}"/>
+              </a:ext>
+            </a:extLst>
+          </p:cNvPr>
+          <p:cNvPicPr>
+            <a:picLocks noChangeAspect="1"/>
+          </p:cNvPicPr>
+          <p:nvPr/>
+        </p:nvPicPr>
+        <p:blipFill rotWithShape="1">
+          <a:blip r:embed="rId3">
+            <a:extLst>
+              <a:ext uri="{28A0092B-C50C-407E-A947-70E740481C1C}">
+                <a14:useLocalDpi xmlns:a14="http://schemas.microsoft.com/office/drawing/2010/main" val="0"/>
+              </a:ext>
+            </a:extLst>
+          </a:blip>
+          <a:srcRect t="8125" b="8125"/>
+          <a:stretch/>
+        </p:blipFill>
+        <p:spPr>
+          <a:xfrm>
+            <a:off x="9478685" y="2202378"/>
+            <a:ext cx="1080000" cy="1080000"/>
+          </a:xfrm>
+          <a:prstGeom prst="ellipse">
+            <a:avLst/>
+          </a:prstGeom>
+        </p:spPr>
+      </p:pic>
       <p:sp>
         <p:nvSpPr>
-          <p:cNvPr id="13" name="Titolo 3">
+          <p:cNvPr id="14" name="Titolo 3">
             <a:extLst>
               <a:ext uri="{FF2B5EF4-FFF2-40B4-BE49-F238E27FC236}">
-                <a16:creationId xmlns:a16="http://schemas.microsoft.com/office/drawing/2014/main" id="{93D11056-5167-483D-8045-92048AC543D1}"/>
+                <a16:creationId xmlns:a16="http://schemas.microsoft.com/office/drawing/2014/main" id="{78ED6B49-6981-40D7-8E2D-E4E4CB5B75B7}"/>
               </a:ext>
             </a:extLst>
           </p:cNvPr>
@@ -13881,7 +14575,7 @@
         </p:nvSpPr>
         <p:spPr>
           <a:xfrm>
-            <a:off x="4850111" y="3258383"/>
+            <a:off x="5121517" y="3343783"/>
             <a:ext cx="2491777" cy="1074512"/>
           </a:xfrm>
           <a:prstGeom prst="rect">
@@ -13915,7 +14609,7 @@
             <a:pPr algn="ctr"/>
             <a:r>
               <a:rPr lang="en-GB" sz="2000" b="1" i="1" dirty="0" err="1"/>
-              <a:t>Marracash</a:t>
+              <a:t>Tedua</a:t>
             </a:r>
             <a:endParaRPr lang="en-GB" sz="2000" b="1" i="1" dirty="0"/>
           </a:p>
@@ -13923,7 +14617,7 @@
             <a:pPr algn="ctr"/>
             <a:r>
               <a:rPr lang="en-GB" sz="2000" b="1" dirty="0"/>
-              <a:t>17</a:t>
+              <a:t>14</a:t>
             </a:r>
             <a:r>
               <a:rPr lang="en-GB" sz="2000" b="1" baseline="30000" dirty="0"/>
@@ -13931,92 +14625,14 @@
             </a:r>
             <a:r>
               <a:rPr lang="en-GB" sz="2000" b="1" dirty="0"/>
-              <a:t> Nov 2019</a:t>
+              <a:t> June 2020</a:t>
             </a:r>
           </a:p>
           <a:p>
             <a:pPr algn="ctr"/>
             <a:r>
               <a:rPr lang="en-GB" sz="2000" b="1" dirty="0"/>
-              <a:t>19 tracks</a:t>
-            </a:r>
-            <a:endParaRPr lang="it-IT" sz="2000" b="1" dirty="0"/>
-          </a:p>
-        </p:txBody>
-      </p:sp>
-      <p:sp>
-        <p:nvSpPr>
-          <p:cNvPr id="14" name="Titolo 3">
-            <a:extLst>
-              <a:ext uri="{FF2B5EF4-FFF2-40B4-BE49-F238E27FC236}">
-                <a16:creationId xmlns:a16="http://schemas.microsoft.com/office/drawing/2014/main" id="{78ED6B49-6981-40D7-8E2D-E4E4CB5B75B7}"/>
-              </a:ext>
-            </a:extLst>
-          </p:cNvPr>
-          <p:cNvSpPr txBox="1">
-            <a:spLocks/>
-          </p:cNvSpPr>
-          <p:nvPr/>
-        </p:nvSpPr>
-        <p:spPr>
-          <a:xfrm>
-            <a:off x="8202453" y="3258383"/>
-            <a:ext cx="2491777" cy="1074512"/>
-          </a:xfrm>
-          <a:prstGeom prst="rect">
-            <a:avLst/>
-          </a:prstGeom>
-        </p:spPr>
-        <p:txBody>
-          <a:bodyPr vert="horz" lIns="91440" tIns="45720" rIns="91440" bIns="45720" rtlCol="0" anchor="t">
-            <a:noAutofit/>
-          </a:bodyPr>
-          <a:lstStyle>
-            <a:lvl1pPr algn="l" defTabSz="914400" rtl="0" eaLnBrk="1" latinLnBrk="0" hangingPunct="1">
-              <a:lnSpc>
-                <a:spcPct val="100000"/>
-              </a:lnSpc>
-              <a:spcBef>
-                <a:spcPct val="0"/>
-              </a:spcBef>
-              <a:buNone/>
-              <a:defRPr sz="4000" kern="1200">
-                <a:solidFill>
-                  <a:schemeClr val="tx1"/>
-                </a:solidFill>
-                <a:latin typeface="+mj-lt"/>
-                <a:ea typeface="+mj-ea"/>
-                <a:cs typeface="+mj-cs"/>
-              </a:defRPr>
-            </a:lvl1pPr>
-          </a:lstStyle>
-          <a:p>
-            <a:pPr algn="ctr"/>
-            <a:r>
-              <a:rPr lang="en-GB" sz="2000" b="1" i="1" dirty="0"/>
-              <a:t>Ultimo</a:t>
-            </a:r>
-          </a:p>
-          <a:p>
-            <a:pPr algn="ctr"/>
-            <a:r>
-              <a:rPr lang="en-GB" sz="2000" b="1" dirty="0"/>
-              <a:t>7</a:t>
-            </a:r>
-            <a:r>
-              <a:rPr lang="en-GB" sz="2000" b="1" baseline="30000" dirty="0"/>
-              <a:t>th</a:t>
-            </a:r>
-            <a:r>
-              <a:rPr lang="en-GB" sz="2000" b="1" dirty="0"/>
-              <a:t> April 2019</a:t>
-            </a:r>
-          </a:p>
-          <a:p>
-            <a:pPr algn="ctr"/>
-            <a:r>
-              <a:rPr lang="en-GB" sz="2000" b="1" dirty="0"/>
-              <a:t>18 tracks</a:t>
+              <a:t>21 tracks</a:t>
             </a:r>
             <a:endParaRPr lang="it-IT" sz="2000" b="1" dirty="0"/>
           </a:p>
@@ -14024,50 +14640,10 @@
       </p:sp>
       <p:pic>
         <p:nvPicPr>
-          <p:cNvPr id="26" name="Immagine 25" descr="Immagine che contiene clipart&#10;&#10;Descrizione generata automaticamente">
+          <p:cNvPr id="8" name="Immagine 7" descr="Immagine che contiene abbigliamento, persona, vestito&#10;&#10;Descrizione generata automaticamente">
             <a:extLst>
               <a:ext uri="{FF2B5EF4-FFF2-40B4-BE49-F238E27FC236}">
-                <a16:creationId xmlns:a16="http://schemas.microsoft.com/office/drawing/2014/main" id="{BB261DDC-1F3A-4804-B48A-6E9A67820FDB}"/>
-              </a:ext>
-            </a:extLst>
-          </p:cNvPr>
-          <p:cNvPicPr>
-            <a:picLocks/>
-          </p:cNvPicPr>
-          <p:nvPr/>
-        </p:nvPicPr>
-        <p:blipFill rotWithShape="1">
-          <a:blip r:embed="rId2">
-            <a:extLst>
-              <a:ext uri="{28A0092B-C50C-407E-A947-70E740481C1C}">
-                <a14:useLocalDpi xmlns:a14="http://schemas.microsoft.com/office/drawing/2010/main" val="0"/>
-              </a:ext>
-            </a:extLst>
-          </a:blip>
-          <a:srcRect t="435" b="19703"/>
-          <a:stretch/>
-        </p:blipFill>
-        <p:spPr>
-          <a:xfrm>
-            <a:off x="2177941" y="2122263"/>
-            <a:ext cx="1080000" cy="1080000"/>
-          </a:xfrm>
-          <a:prstGeom prst="ellipse">
-            <a:avLst/>
-          </a:prstGeom>
-          <a:ln>
-            <a:solidFill>
-              <a:schemeClr val="tx1"/>
-            </a:solidFill>
-          </a:ln>
-        </p:spPr>
-      </p:pic>
-      <p:pic>
-        <p:nvPicPr>
-          <p:cNvPr id="28" name="Immagine 27" descr="Immagine che contiene erba, esterni&#10;&#10;Descrizione generata automaticamente">
-            <a:extLst>
-              <a:ext uri="{FF2B5EF4-FFF2-40B4-BE49-F238E27FC236}">
-                <a16:creationId xmlns:a16="http://schemas.microsoft.com/office/drawing/2014/main" id="{1BE07261-A172-4E3F-A361-D2F5438C3358}"/>
+                <a16:creationId xmlns:a16="http://schemas.microsoft.com/office/drawing/2014/main" id="{651D039F-A196-4D0D-8D62-2B5A418A4883}"/>
               </a:ext>
             </a:extLst>
           </p:cNvPr>
@@ -14077,19 +14653,19 @@
           <p:nvPr/>
         </p:nvPicPr>
         <p:blipFill rotWithShape="1">
-          <a:blip r:embed="rId3">
+          <a:blip r:embed="rId4">
             <a:extLst>
               <a:ext uri="{28A0092B-C50C-407E-A947-70E740481C1C}">
                 <a14:useLocalDpi xmlns:a14="http://schemas.microsoft.com/office/drawing/2010/main" val="0"/>
               </a:ext>
             </a:extLst>
           </a:blip>
-          <a:srcRect t="8125" b="8125"/>
+          <a:srcRect l="7582" r="7582"/>
           <a:stretch/>
         </p:blipFill>
         <p:spPr>
           <a:xfrm>
-            <a:off x="5555999" y="2122263"/>
+            <a:off x="5827405" y="2202378"/>
             <a:ext cx="1080000" cy="1080000"/>
           </a:xfrm>
           <a:prstGeom prst="ellipse">
@@ -14099,10 +14675,10 @@
       </p:pic>
       <p:pic>
         <p:nvPicPr>
-          <p:cNvPr id="30" name="Immagine 29" descr="Immagine che contiene testo, nero&#10;&#10;Descrizione generata automaticamente">
+          <p:cNvPr id="7" name="Immagine 6">
             <a:extLst>
               <a:ext uri="{FF2B5EF4-FFF2-40B4-BE49-F238E27FC236}">
-                <a16:creationId xmlns:a16="http://schemas.microsoft.com/office/drawing/2014/main" id="{AB2E2240-0974-4BB7-9485-20B245DA7DA2}"/>
+                <a16:creationId xmlns:a16="http://schemas.microsoft.com/office/drawing/2014/main" id="{4B7B11B1-4843-4ECD-8C7C-D9797E4B2581}"/>
               </a:ext>
             </a:extLst>
           </p:cNvPr>
@@ -14111,23 +14687,96 @@
           </p:cNvPicPr>
           <p:nvPr/>
         </p:nvPicPr>
-        <p:blipFill rotWithShape="1">
-          <a:blip r:embed="rId4">
+        <p:blipFill>
+          <a:blip r:embed="rId5">
             <a:extLst>
               <a:ext uri="{28A0092B-C50C-407E-A947-70E740481C1C}">
                 <a14:useLocalDpi xmlns:a14="http://schemas.microsoft.com/office/drawing/2010/main" val="0"/>
               </a:ext>
             </a:extLst>
           </a:blip>
-          <a:srcRect/>
-          <a:stretch/>
+          <a:stretch>
+            <a:fillRect/>
+          </a:stretch>
         </p:blipFill>
         <p:spPr>
           <a:xfrm>
-            <a:off x="8908341" y="2122263"/>
-            <a:ext cx="1080000" cy="1080000"/>
+            <a:off x="2087941" y="4805921"/>
+            <a:ext cx="1260000" cy="1260000"/>
           </a:xfrm>
-          <a:prstGeom prst="ellipse">
+          <a:prstGeom prst="rect">
+            <a:avLst/>
+          </a:prstGeom>
+        </p:spPr>
+      </p:pic>
+      <p:pic>
+        <p:nvPicPr>
+          <p:cNvPr id="20" name="Immagine 19">
+            <a:extLst>
+              <a:ext uri="{FF2B5EF4-FFF2-40B4-BE49-F238E27FC236}">
+                <a16:creationId xmlns:a16="http://schemas.microsoft.com/office/drawing/2014/main" id="{AD19C8DB-5BC0-42DD-A6D9-35BCBA3E580B}"/>
+              </a:ext>
+            </a:extLst>
+          </p:cNvPr>
+          <p:cNvPicPr>
+            <a:picLocks noChangeAspect="1"/>
+          </p:cNvPicPr>
+          <p:nvPr/>
+        </p:nvPicPr>
+        <p:blipFill>
+          <a:blip r:embed="rId6">
+            <a:extLst>
+              <a:ext uri="{28A0092B-C50C-407E-A947-70E740481C1C}">
+                <a14:useLocalDpi xmlns:a14="http://schemas.microsoft.com/office/drawing/2010/main" val="0"/>
+              </a:ext>
+            </a:extLst>
+          </a:blip>
+          <a:stretch>
+            <a:fillRect/>
+          </a:stretch>
+        </p:blipFill>
+        <p:spPr>
+          <a:xfrm>
+            <a:off x="9386870" y="4805921"/>
+            <a:ext cx="1260000" cy="1260000"/>
+          </a:xfrm>
+          <a:prstGeom prst="rect">
+            <a:avLst/>
+          </a:prstGeom>
+        </p:spPr>
+      </p:pic>
+      <p:pic>
+        <p:nvPicPr>
+          <p:cNvPr id="24" name="Immagine 23">
+            <a:extLst>
+              <a:ext uri="{FF2B5EF4-FFF2-40B4-BE49-F238E27FC236}">
+                <a16:creationId xmlns:a16="http://schemas.microsoft.com/office/drawing/2014/main" id="{5F286470-C1D3-4679-A097-E921CA64CC10}"/>
+              </a:ext>
+            </a:extLst>
+          </p:cNvPr>
+          <p:cNvPicPr>
+            <a:picLocks noChangeAspect="1"/>
+          </p:cNvPicPr>
+          <p:nvPr/>
+        </p:nvPicPr>
+        <p:blipFill>
+          <a:blip r:embed="rId7">
+            <a:extLst>
+              <a:ext uri="{28A0092B-C50C-407E-A947-70E740481C1C}">
+                <a14:useLocalDpi xmlns:a14="http://schemas.microsoft.com/office/drawing/2010/main" val="0"/>
+              </a:ext>
+            </a:extLst>
+          </a:blip>
+          <a:stretch>
+            <a:fillRect/>
+          </a:stretch>
+        </p:blipFill>
+        <p:spPr>
+          <a:xfrm>
+            <a:off x="5737405" y="4805921"/>
+            <a:ext cx="1260000" cy="1260000"/>
+          </a:xfrm>
+          <a:prstGeom prst="rect">
             <a:avLst/>
           </a:prstGeom>
         </p:spPr>
@@ -14135,1078 +14784,7 @@
     </p:spTree>
     <p:extLst>
       <p:ext uri="{BB962C8B-B14F-4D97-AF65-F5344CB8AC3E}">
-        <p14:creationId xmlns:p14="http://schemas.microsoft.com/office/powerpoint/2010/main" val="2493271794"/>
-      </p:ext>
-    </p:extLst>
-  </p:cSld>
-  <p:clrMapOvr>
-    <a:masterClrMapping/>
-  </p:clrMapOvr>
-</p:sld>
-</file>
-
-<file path=ppt/slides/slide23.xml><?xml version="1.0" encoding="utf-8"?>
-<p:sld xmlns:a="http://schemas.openxmlformats.org/drawingml/2006/main" xmlns:r="http://schemas.openxmlformats.org/officeDocument/2006/relationships" xmlns:p="http://schemas.openxmlformats.org/presentationml/2006/main">
-  <p:cSld>
-    <p:spTree>
-      <p:nvGrpSpPr>
-        <p:cNvPr id="1" name=""/>
-        <p:cNvGrpSpPr/>
-        <p:nvPr/>
-      </p:nvGrpSpPr>
-      <p:grpSpPr>
-        <a:xfrm>
-          <a:off x="0" y="0"/>
-          <a:ext cx="0" cy="0"/>
-          <a:chOff x="0" y="0"/>
-          <a:chExt cx="0" cy="0"/>
-        </a:xfrm>
-      </p:grpSpPr>
-      <p:sp>
-        <p:nvSpPr>
-          <p:cNvPr id="4" name="Titolo 3">
-            <a:extLst>
-              <a:ext uri="{FF2B5EF4-FFF2-40B4-BE49-F238E27FC236}">
-                <a16:creationId xmlns:a16="http://schemas.microsoft.com/office/drawing/2014/main" id="{A32BADA9-D1E4-4A68-A522-AE21B0D0BA03}"/>
-              </a:ext>
-            </a:extLst>
-          </p:cNvPr>
-          <p:cNvSpPr>
-            <a:spLocks noGrp="1"/>
-          </p:cNvSpPr>
-          <p:nvPr>
-            <p:ph type="title"/>
-          </p:nvPr>
-        </p:nvSpPr>
-        <p:spPr>
-          <a:xfrm>
-            <a:off x="914399" y="1162050"/>
-            <a:ext cx="10616609" cy="857250"/>
-          </a:xfrm>
-        </p:spPr>
-        <p:txBody>
-          <a:bodyPr>
-            <a:noAutofit/>
-          </a:bodyPr>
-          <a:lstStyle/>
-          <a:p>
-            <a:r>
-              <a:rPr lang="en-GB" sz="2400" b="1" dirty="0"/>
-              <a:t>Check if these artists released an album on the same month (or previous one) of the chart in which they have the highest number of tracks.</a:t>
-            </a:r>
-            <a:endParaRPr lang="it-IT" sz="2400" b="1" dirty="0"/>
-          </a:p>
-        </p:txBody>
-      </p:sp>
-      <p:sp>
-        <p:nvSpPr>
-          <p:cNvPr id="2" name="Segnaposto numero diapositiva 1">
-            <a:extLst>
-              <a:ext uri="{FF2B5EF4-FFF2-40B4-BE49-F238E27FC236}">
-                <a16:creationId xmlns:a16="http://schemas.microsoft.com/office/drawing/2014/main" id="{AF743220-D2ED-43D4-A1FF-37CA562FFA98}"/>
-              </a:ext>
-            </a:extLst>
-          </p:cNvPr>
-          <p:cNvSpPr>
-            <a:spLocks noGrp="1"/>
-          </p:cNvSpPr>
-          <p:nvPr>
-            <p:ph type="sldNum" sz="quarter" idx="12"/>
-          </p:nvPr>
-        </p:nvSpPr>
-        <p:spPr/>
-        <p:txBody>
-          <a:bodyPr/>
-          <a:lstStyle/>
-          <a:p>
-            <a:fld id="{0E41FC79-F70E-41D5-8DA8-CBC79D687031}" type="slidenum">
-              <a:rPr lang="it-IT" smtClean="0"/>
-              <a:t>23</a:t>
-            </a:fld>
-            <a:r>
-              <a:rPr lang="it-IT" dirty="0"/>
-              <a:t>/24</a:t>
-            </a:r>
-          </a:p>
-        </p:txBody>
-      </p:sp>
-      <p:sp>
-        <p:nvSpPr>
-          <p:cNvPr id="11" name="Freccia a destra 10">
-            <a:extLst>
-              <a:ext uri="{FF2B5EF4-FFF2-40B4-BE49-F238E27FC236}">
-                <a16:creationId xmlns:a16="http://schemas.microsoft.com/office/drawing/2014/main" id="{111CC4F4-871A-4D99-B10B-709DE3011118}"/>
-              </a:ext>
-            </a:extLst>
-          </p:cNvPr>
-          <p:cNvSpPr/>
-          <p:nvPr/>
-        </p:nvSpPr>
-        <p:spPr>
-          <a:xfrm rot="5400000">
-            <a:off x="2373303" y="4537732"/>
-            <a:ext cx="689277" cy="391844"/>
-          </a:xfrm>
-          <a:prstGeom prst="rightArrow">
-            <a:avLst/>
-          </a:prstGeom>
-          <a:ln>
-            <a:noFill/>
-          </a:ln>
-        </p:spPr>
-        <p:style>
-          <a:lnRef idx="2">
-            <a:schemeClr val="accent1">
-              <a:shade val="50000"/>
-            </a:schemeClr>
-          </a:lnRef>
-          <a:fillRef idx="1">
-            <a:schemeClr val="accent1"/>
-          </a:fillRef>
-          <a:effectRef idx="0">
-            <a:schemeClr val="accent1"/>
-          </a:effectRef>
-          <a:fontRef idx="minor">
-            <a:schemeClr val="lt1"/>
-          </a:fontRef>
-        </p:style>
-        <p:txBody>
-          <a:bodyPr rtlCol="0" anchor="ctr"/>
-          <a:lstStyle/>
-          <a:p>
-            <a:pPr algn="ctr"/>
-            <a:endParaRPr lang="en-GB"/>
-          </a:p>
-        </p:txBody>
-      </p:sp>
-      <p:sp>
-        <p:nvSpPr>
-          <p:cNvPr id="12" name="Titolo 3">
-            <a:extLst>
-              <a:ext uri="{FF2B5EF4-FFF2-40B4-BE49-F238E27FC236}">
-                <a16:creationId xmlns:a16="http://schemas.microsoft.com/office/drawing/2014/main" id="{AE914E4C-42D0-484F-80ED-F83CFA2DEE2E}"/>
-              </a:ext>
-            </a:extLst>
-          </p:cNvPr>
-          <p:cNvSpPr txBox="1">
-            <a:spLocks/>
-          </p:cNvSpPr>
-          <p:nvPr/>
-        </p:nvSpPr>
-        <p:spPr>
-          <a:xfrm>
-            <a:off x="1472053" y="3258383"/>
-            <a:ext cx="2491777" cy="1074512"/>
-          </a:xfrm>
-          <a:prstGeom prst="rect">
-            <a:avLst/>
-          </a:prstGeom>
-        </p:spPr>
-        <p:txBody>
-          <a:bodyPr vert="horz" lIns="91440" tIns="45720" rIns="91440" bIns="45720" rtlCol="0" anchor="t">
-            <a:noAutofit/>
-          </a:bodyPr>
-          <a:lstStyle>
-            <a:lvl1pPr algn="l" defTabSz="914400" rtl="0" eaLnBrk="1" latinLnBrk="0" hangingPunct="1">
-              <a:lnSpc>
-                <a:spcPct val="100000"/>
-              </a:lnSpc>
-              <a:spcBef>
-                <a:spcPct val="0"/>
-              </a:spcBef>
-              <a:buNone/>
-              <a:defRPr sz="4000" kern="1200">
-                <a:solidFill>
-                  <a:schemeClr val="tx1"/>
-                </a:solidFill>
-                <a:latin typeface="+mj-lt"/>
-                <a:ea typeface="+mj-ea"/>
-                <a:cs typeface="+mj-cs"/>
-              </a:defRPr>
-            </a:lvl1pPr>
-          </a:lstStyle>
-          <a:p>
-            <a:pPr algn="ctr"/>
-            <a:r>
-              <a:rPr lang="en-GB" sz="2000" b="1" i="1" dirty="0" err="1"/>
-              <a:t>Tha</a:t>
-            </a:r>
-            <a:r>
-              <a:rPr lang="en-GB" sz="2000" b="1" i="1" dirty="0"/>
-              <a:t> Supreme</a:t>
-            </a:r>
-          </a:p>
-          <a:p>
-            <a:pPr algn="ctr"/>
-            <a:r>
-              <a:rPr lang="en-GB" sz="2000" b="1" dirty="0"/>
-              <a:t>17</a:t>
-            </a:r>
-            <a:r>
-              <a:rPr lang="en-GB" sz="2000" b="1" baseline="30000" dirty="0"/>
-              <a:t>th </a:t>
-            </a:r>
-            <a:r>
-              <a:rPr lang="en-GB" sz="2000" b="1" dirty="0"/>
-              <a:t>Nov 2019</a:t>
-            </a:r>
-          </a:p>
-          <a:p>
-            <a:pPr algn="ctr"/>
-            <a:r>
-              <a:rPr lang="en-GB" sz="2000" b="1" dirty="0"/>
-              <a:t>24 tracks</a:t>
-            </a:r>
-            <a:endParaRPr lang="it-IT" sz="2000" b="1" dirty="0"/>
-          </a:p>
-        </p:txBody>
-      </p:sp>
-      <p:sp>
-        <p:nvSpPr>
-          <p:cNvPr id="13" name="Titolo 3">
-            <a:extLst>
-              <a:ext uri="{FF2B5EF4-FFF2-40B4-BE49-F238E27FC236}">
-                <a16:creationId xmlns:a16="http://schemas.microsoft.com/office/drawing/2014/main" id="{93D11056-5167-483D-8045-92048AC543D1}"/>
-              </a:ext>
-            </a:extLst>
-          </p:cNvPr>
-          <p:cNvSpPr txBox="1">
-            <a:spLocks/>
-          </p:cNvSpPr>
-          <p:nvPr/>
-        </p:nvSpPr>
-        <p:spPr>
-          <a:xfrm>
-            <a:off x="4850111" y="3258383"/>
-            <a:ext cx="2491777" cy="1074512"/>
-          </a:xfrm>
-          <a:prstGeom prst="rect">
-            <a:avLst/>
-          </a:prstGeom>
-        </p:spPr>
-        <p:txBody>
-          <a:bodyPr vert="horz" lIns="91440" tIns="45720" rIns="91440" bIns="45720" rtlCol="0" anchor="t">
-            <a:noAutofit/>
-          </a:bodyPr>
-          <a:lstStyle>
-            <a:lvl1pPr algn="l" defTabSz="914400" rtl="0" eaLnBrk="1" latinLnBrk="0" hangingPunct="1">
-              <a:lnSpc>
-                <a:spcPct val="100000"/>
-              </a:lnSpc>
-              <a:spcBef>
-                <a:spcPct val="0"/>
-              </a:spcBef>
-              <a:buNone/>
-              <a:defRPr sz="4000" kern="1200">
-                <a:solidFill>
-                  <a:schemeClr val="tx1"/>
-                </a:solidFill>
-                <a:latin typeface="+mj-lt"/>
-                <a:ea typeface="+mj-ea"/>
-                <a:cs typeface="+mj-cs"/>
-              </a:defRPr>
-            </a:lvl1pPr>
-          </a:lstStyle>
-          <a:p>
-            <a:pPr algn="ctr"/>
-            <a:r>
-              <a:rPr lang="en-GB" sz="2000" b="1" i="1" dirty="0" err="1"/>
-              <a:t>Marracash</a:t>
-            </a:r>
-            <a:endParaRPr lang="en-GB" sz="2000" b="1" i="1" dirty="0"/>
-          </a:p>
-          <a:p>
-            <a:pPr algn="ctr"/>
-            <a:r>
-              <a:rPr lang="en-GB" sz="2000" b="1" dirty="0"/>
-              <a:t>17</a:t>
-            </a:r>
-            <a:r>
-              <a:rPr lang="en-GB" sz="2000" b="1" baseline="30000" dirty="0"/>
-              <a:t>th</a:t>
-            </a:r>
-            <a:r>
-              <a:rPr lang="en-GB" sz="2000" b="1" dirty="0"/>
-              <a:t> Nov 2019</a:t>
-            </a:r>
-          </a:p>
-          <a:p>
-            <a:pPr algn="ctr"/>
-            <a:r>
-              <a:rPr lang="en-GB" sz="2000" b="1" dirty="0"/>
-              <a:t>19 tracks</a:t>
-            </a:r>
-            <a:endParaRPr lang="it-IT" sz="2000" b="1" dirty="0"/>
-          </a:p>
-        </p:txBody>
-      </p:sp>
-      <p:sp>
-        <p:nvSpPr>
-          <p:cNvPr id="14" name="Titolo 3">
-            <a:extLst>
-              <a:ext uri="{FF2B5EF4-FFF2-40B4-BE49-F238E27FC236}">
-                <a16:creationId xmlns:a16="http://schemas.microsoft.com/office/drawing/2014/main" id="{78ED6B49-6981-40D7-8E2D-E4E4CB5B75B7}"/>
-              </a:ext>
-            </a:extLst>
-          </p:cNvPr>
-          <p:cNvSpPr txBox="1">
-            <a:spLocks/>
-          </p:cNvSpPr>
-          <p:nvPr/>
-        </p:nvSpPr>
-        <p:spPr>
-          <a:xfrm>
-            <a:off x="8202453" y="3258383"/>
-            <a:ext cx="2491777" cy="1074512"/>
-          </a:xfrm>
-          <a:prstGeom prst="rect">
-            <a:avLst/>
-          </a:prstGeom>
-        </p:spPr>
-        <p:txBody>
-          <a:bodyPr vert="horz" lIns="91440" tIns="45720" rIns="91440" bIns="45720" rtlCol="0" anchor="t">
-            <a:noAutofit/>
-          </a:bodyPr>
-          <a:lstStyle>
-            <a:lvl1pPr algn="l" defTabSz="914400" rtl="0" eaLnBrk="1" latinLnBrk="0" hangingPunct="1">
-              <a:lnSpc>
-                <a:spcPct val="100000"/>
-              </a:lnSpc>
-              <a:spcBef>
-                <a:spcPct val="0"/>
-              </a:spcBef>
-              <a:buNone/>
-              <a:defRPr sz="4000" kern="1200">
-                <a:solidFill>
-                  <a:schemeClr val="tx1"/>
-                </a:solidFill>
-                <a:latin typeface="+mj-lt"/>
-                <a:ea typeface="+mj-ea"/>
-                <a:cs typeface="+mj-cs"/>
-              </a:defRPr>
-            </a:lvl1pPr>
-          </a:lstStyle>
-          <a:p>
-            <a:pPr algn="ctr"/>
-            <a:r>
-              <a:rPr lang="en-GB" sz="2000" b="1" i="1" dirty="0"/>
-              <a:t>Ultimo</a:t>
-            </a:r>
-          </a:p>
-          <a:p>
-            <a:pPr algn="ctr"/>
-            <a:r>
-              <a:rPr lang="en-GB" sz="2000" b="1" dirty="0"/>
-              <a:t>7</a:t>
-            </a:r>
-            <a:r>
-              <a:rPr lang="en-GB" sz="2000" b="1" baseline="30000" dirty="0"/>
-              <a:t>th</a:t>
-            </a:r>
-            <a:r>
-              <a:rPr lang="en-GB" sz="2000" b="1" dirty="0"/>
-              <a:t> April 2019</a:t>
-            </a:r>
-          </a:p>
-          <a:p>
-            <a:pPr algn="ctr"/>
-            <a:r>
-              <a:rPr lang="en-GB" sz="2000" b="1" dirty="0"/>
-              <a:t>18 tracks</a:t>
-            </a:r>
-            <a:endParaRPr lang="it-IT" sz="2000" b="1" dirty="0"/>
-          </a:p>
-        </p:txBody>
-      </p:sp>
-      <p:sp>
-        <p:nvSpPr>
-          <p:cNvPr id="15" name="Freccia a destra 14">
-            <a:extLst>
-              <a:ext uri="{FF2B5EF4-FFF2-40B4-BE49-F238E27FC236}">
-                <a16:creationId xmlns:a16="http://schemas.microsoft.com/office/drawing/2014/main" id="{7BBF55D9-1DDE-4C21-A73A-34FE95A1220B}"/>
-              </a:ext>
-            </a:extLst>
-          </p:cNvPr>
-          <p:cNvSpPr/>
-          <p:nvPr/>
-        </p:nvSpPr>
-        <p:spPr>
-          <a:xfrm rot="5400000">
-            <a:off x="5751361" y="4537730"/>
-            <a:ext cx="689276" cy="391844"/>
-          </a:xfrm>
-          <a:prstGeom prst="rightArrow">
-            <a:avLst/>
-          </a:prstGeom>
-          <a:ln>
-            <a:noFill/>
-          </a:ln>
-        </p:spPr>
-        <p:style>
-          <a:lnRef idx="2">
-            <a:schemeClr val="accent1">
-              <a:shade val="50000"/>
-            </a:schemeClr>
-          </a:lnRef>
-          <a:fillRef idx="1">
-            <a:schemeClr val="accent1"/>
-          </a:fillRef>
-          <a:effectRef idx="0">
-            <a:schemeClr val="accent1"/>
-          </a:effectRef>
-          <a:fontRef idx="minor">
-            <a:schemeClr val="lt1"/>
-          </a:fontRef>
-        </p:style>
-        <p:txBody>
-          <a:bodyPr rtlCol="0" anchor="ctr"/>
-          <a:lstStyle/>
-          <a:p>
-            <a:pPr algn="ctr"/>
-            <a:endParaRPr lang="en-GB"/>
-          </a:p>
-        </p:txBody>
-      </p:sp>
-      <p:sp>
-        <p:nvSpPr>
-          <p:cNvPr id="16" name="Freccia a destra 15">
-            <a:extLst>
-              <a:ext uri="{FF2B5EF4-FFF2-40B4-BE49-F238E27FC236}">
-                <a16:creationId xmlns:a16="http://schemas.microsoft.com/office/drawing/2014/main" id="{B2991638-D8BB-4BEE-97C9-8A168898C79B}"/>
-              </a:ext>
-            </a:extLst>
-          </p:cNvPr>
-          <p:cNvSpPr/>
-          <p:nvPr/>
-        </p:nvSpPr>
-        <p:spPr>
-          <a:xfrm rot="5400000">
-            <a:off x="9103703" y="4537732"/>
-            <a:ext cx="689277" cy="391844"/>
-          </a:xfrm>
-          <a:prstGeom prst="rightArrow">
-            <a:avLst/>
-          </a:prstGeom>
-          <a:ln>
-            <a:noFill/>
-          </a:ln>
-        </p:spPr>
-        <p:style>
-          <a:lnRef idx="2">
-            <a:schemeClr val="accent1">
-              <a:shade val="50000"/>
-            </a:schemeClr>
-          </a:lnRef>
-          <a:fillRef idx="1">
-            <a:schemeClr val="accent1"/>
-          </a:fillRef>
-          <a:effectRef idx="0">
-            <a:schemeClr val="accent1"/>
-          </a:effectRef>
-          <a:fontRef idx="minor">
-            <a:schemeClr val="lt1"/>
-          </a:fontRef>
-        </p:style>
-        <p:txBody>
-          <a:bodyPr rtlCol="0" anchor="ctr"/>
-          <a:lstStyle/>
-          <a:p>
-            <a:pPr algn="ctr"/>
-            <a:endParaRPr lang="en-GB"/>
-          </a:p>
-        </p:txBody>
-      </p:sp>
-      <p:pic>
-        <p:nvPicPr>
-          <p:cNvPr id="26" name="Immagine 25" descr="Immagine che contiene clipart&#10;&#10;Descrizione generata automaticamente">
-            <a:extLst>
-              <a:ext uri="{FF2B5EF4-FFF2-40B4-BE49-F238E27FC236}">
-                <a16:creationId xmlns:a16="http://schemas.microsoft.com/office/drawing/2014/main" id="{BB261DDC-1F3A-4804-B48A-6E9A67820FDB}"/>
-              </a:ext>
-            </a:extLst>
-          </p:cNvPr>
-          <p:cNvPicPr>
-            <a:picLocks/>
-          </p:cNvPicPr>
-          <p:nvPr/>
-        </p:nvPicPr>
-        <p:blipFill rotWithShape="1">
-          <a:blip r:embed="rId2">
-            <a:extLst>
-              <a:ext uri="{28A0092B-C50C-407E-A947-70E740481C1C}">
-                <a14:useLocalDpi xmlns:a14="http://schemas.microsoft.com/office/drawing/2010/main" val="0"/>
-              </a:ext>
-            </a:extLst>
-          </a:blip>
-          <a:srcRect t="435" b="19703"/>
-          <a:stretch/>
-        </p:blipFill>
-        <p:spPr>
-          <a:xfrm>
-            <a:off x="2177941" y="2122263"/>
-            <a:ext cx="1080000" cy="1080000"/>
-          </a:xfrm>
-          <a:prstGeom prst="ellipse">
-            <a:avLst/>
-          </a:prstGeom>
-          <a:ln>
-            <a:solidFill>
-              <a:schemeClr val="tx1"/>
-            </a:solidFill>
-          </a:ln>
-        </p:spPr>
-      </p:pic>
-      <p:pic>
-        <p:nvPicPr>
-          <p:cNvPr id="28" name="Immagine 27" descr="Immagine che contiene erba, esterni&#10;&#10;Descrizione generata automaticamente">
-            <a:extLst>
-              <a:ext uri="{FF2B5EF4-FFF2-40B4-BE49-F238E27FC236}">
-                <a16:creationId xmlns:a16="http://schemas.microsoft.com/office/drawing/2014/main" id="{1BE07261-A172-4E3F-A361-D2F5438C3358}"/>
-              </a:ext>
-            </a:extLst>
-          </p:cNvPr>
-          <p:cNvPicPr>
-            <a:picLocks noChangeAspect="1"/>
-          </p:cNvPicPr>
-          <p:nvPr/>
-        </p:nvPicPr>
-        <p:blipFill rotWithShape="1">
-          <a:blip r:embed="rId3">
-            <a:extLst>
-              <a:ext uri="{28A0092B-C50C-407E-A947-70E740481C1C}">
-                <a14:useLocalDpi xmlns:a14="http://schemas.microsoft.com/office/drawing/2010/main" val="0"/>
-              </a:ext>
-            </a:extLst>
-          </a:blip>
-          <a:srcRect t="8125" b="8125"/>
-          <a:stretch/>
-        </p:blipFill>
-        <p:spPr>
-          <a:xfrm>
-            <a:off x="5555999" y="2122263"/>
-            <a:ext cx="1080000" cy="1080000"/>
-          </a:xfrm>
-          <a:prstGeom prst="ellipse">
-            <a:avLst/>
-          </a:prstGeom>
-        </p:spPr>
-      </p:pic>
-      <p:pic>
-        <p:nvPicPr>
-          <p:cNvPr id="30" name="Immagine 29" descr="Immagine che contiene testo, nero&#10;&#10;Descrizione generata automaticamente">
-            <a:extLst>
-              <a:ext uri="{FF2B5EF4-FFF2-40B4-BE49-F238E27FC236}">
-                <a16:creationId xmlns:a16="http://schemas.microsoft.com/office/drawing/2014/main" id="{AB2E2240-0974-4BB7-9485-20B245DA7DA2}"/>
-              </a:ext>
-            </a:extLst>
-          </p:cNvPr>
-          <p:cNvPicPr>
-            <a:picLocks noChangeAspect="1"/>
-          </p:cNvPicPr>
-          <p:nvPr/>
-        </p:nvPicPr>
-        <p:blipFill rotWithShape="1">
-          <a:blip r:embed="rId4">
-            <a:extLst>
-              <a:ext uri="{28A0092B-C50C-407E-A947-70E740481C1C}">
-                <a14:useLocalDpi xmlns:a14="http://schemas.microsoft.com/office/drawing/2010/main" val="0"/>
-              </a:ext>
-            </a:extLst>
-          </a:blip>
-          <a:srcRect/>
-          <a:stretch/>
-        </p:blipFill>
-        <p:spPr>
-          <a:xfrm>
-            <a:off x="8908341" y="2122263"/>
-            <a:ext cx="1080000" cy="1080000"/>
-          </a:xfrm>
-          <a:prstGeom prst="ellipse">
-            <a:avLst/>
-          </a:prstGeom>
-        </p:spPr>
-      </p:pic>
-      <p:grpSp>
-        <p:nvGrpSpPr>
-          <p:cNvPr id="33" name="Gruppo 32">
-            <a:extLst>
-              <a:ext uri="{FF2B5EF4-FFF2-40B4-BE49-F238E27FC236}">
-                <a16:creationId xmlns:a16="http://schemas.microsoft.com/office/drawing/2014/main" id="{022CA102-34E5-4BFA-97A9-D68497D55C06}"/>
-              </a:ext>
-            </a:extLst>
-          </p:cNvPr>
-          <p:cNvGrpSpPr/>
-          <p:nvPr/>
-        </p:nvGrpSpPr>
-        <p:grpSpPr>
-          <a:xfrm>
-            <a:off x="1443830" y="5346346"/>
-            <a:ext cx="2520000" cy="900001"/>
-            <a:chOff x="980895" y="5155950"/>
-            <a:chExt cx="2556001" cy="900001"/>
-          </a:xfrm>
-        </p:grpSpPr>
-        <p:sp>
-          <p:nvSpPr>
-            <p:cNvPr id="19" name="Titolo 3">
-              <a:extLst>
-                <a:ext uri="{FF2B5EF4-FFF2-40B4-BE49-F238E27FC236}">
-                  <a16:creationId xmlns:a16="http://schemas.microsoft.com/office/drawing/2014/main" id="{4F070989-9890-40EE-9B1E-9E1ECDB36127}"/>
-                </a:ext>
-              </a:extLst>
-            </p:cNvPr>
-            <p:cNvSpPr txBox="1">
-              <a:spLocks/>
-            </p:cNvSpPr>
-            <p:nvPr/>
-          </p:nvSpPr>
-          <p:spPr>
-            <a:xfrm>
-              <a:off x="1880896" y="5155951"/>
-              <a:ext cx="1656000" cy="900000"/>
-            </a:xfrm>
-            <a:prstGeom prst="rect">
-              <a:avLst/>
-            </a:prstGeom>
-          </p:spPr>
-          <p:txBody>
-            <a:bodyPr vert="horz" lIns="91440" tIns="45720" rIns="91440" bIns="45720" rtlCol="0" anchor="ctr">
-              <a:noAutofit/>
-            </a:bodyPr>
-            <a:lstStyle>
-              <a:lvl1pPr algn="l" defTabSz="914400" rtl="0" eaLnBrk="1" latinLnBrk="0" hangingPunct="1">
-                <a:lnSpc>
-                  <a:spcPct val="100000"/>
-                </a:lnSpc>
-                <a:spcBef>
-                  <a:spcPct val="0"/>
-                </a:spcBef>
-                <a:buNone/>
-                <a:defRPr sz="4000" kern="1200">
-                  <a:solidFill>
-                    <a:schemeClr val="tx1"/>
-                  </a:solidFill>
-                  <a:latin typeface="+mj-lt"/>
-                  <a:ea typeface="+mj-ea"/>
-                  <a:cs typeface="+mj-cs"/>
-                </a:defRPr>
-              </a:lvl1pPr>
-            </a:lstStyle>
-            <a:p>
-              <a:r>
-                <a:rPr lang="en-GB" sz="1800" b="1" i="1" dirty="0"/>
-                <a:t>“23 6451”</a:t>
-              </a:r>
-            </a:p>
-            <a:p>
-              <a:r>
-                <a:rPr lang="en-GB" sz="1800" b="1" dirty="0"/>
-                <a:t>15</a:t>
-              </a:r>
-              <a:r>
-                <a:rPr lang="en-GB" sz="1800" b="1" baseline="30000" dirty="0"/>
-                <a:t>th</a:t>
-              </a:r>
-              <a:r>
-                <a:rPr lang="en-GB" sz="1800" b="1" dirty="0"/>
-                <a:t> Nov 2019</a:t>
-              </a:r>
-            </a:p>
-          </p:txBody>
-        </p:sp>
-        <p:pic>
-          <p:nvPicPr>
-            <p:cNvPr id="32" name="Immagine 31" descr="Immagine che contiene testo, palcoscenico, automazione&#10;&#10;Descrizione generata automaticamente">
-              <a:extLst>
-                <a:ext uri="{FF2B5EF4-FFF2-40B4-BE49-F238E27FC236}">
-                  <a16:creationId xmlns:a16="http://schemas.microsoft.com/office/drawing/2014/main" id="{B7211B8A-3ABF-454B-8FAF-EF8EBEC5CA8B}"/>
-                </a:ext>
-              </a:extLst>
-            </p:cNvPr>
-            <p:cNvPicPr>
-              <a:picLocks noChangeAspect="1"/>
-            </p:cNvPicPr>
-            <p:nvPr/>
-          </p:nvPicPr>
-          <p:blipFill>
-            <a:blip r:embed="rId5">
-              <a:extLst>
-                <a:ext uri="{28A0092B-C50C-407E-A947-70E740481C1C}">
-                  <a14:useLocalDpi xmlns:a14="http://schemas.microsoft.com/office/drawing/2010/main" val="0"/>
-                </a:ext>
-              </a:extLst>
-            </a:blip>
-            <a:stretch>
-              <a:fillRect/>
-            </a:stretch>
-          </p:blipFill>
-          <p:spPr>
-            <a:xfrm>
-              <a:off x="980895" y="5155950"/>
-              <a:ext cx="900000" cy="900000"/>
-            </a:xfrm>
-            <a:prstGeom prst="rect">
-              <a:avLst/>
-            </a:prstGeom>
-          </p:spPr>
-        </p:pic>
-      </p:grpSp>
-      <p:grpSp>
-        <p:nvGrpSpPr>
-          <p:cNvPr id="36" name="Gruppo 35">
-            <a:extLst>
-              <a:ext uri="{FF2B5EF4-FFF2-40B4-BE49-F238E27FC236}">
-                <a16:creationId xmlns:a16="http://schemas.microsoft.com/office/drawing/2014/main" id="{AF58FD21-763D-4B27-A0D6-A0ECC124D4F0}"/>
-              </a:ext>
-            </a:extLst>
-          </p:cNvPr>
-          <p:cNvGrpSpPr/>
-          <p:nvPr/>
-        </p:nvGrpSpPr>
-        <p:grpSpPr>
-          <a:xfrm>
-            <a:off x="4833188" y="5346022"/>
-            <a:ext cx="2520000" cy="900649"/>
-            <a:chOff x="4626192" y="5245949"/>
-            <a:chExt cx="2681502" cy="900649"/>
-          </a:xfrm>
-        </p:grpSpPr>
-        <p:sp>
-          <p:nvSpPr>
-            <p:cNvPr id="21" name="Titolo 3">
-              <a:extLst>
-                <a:ext uri="{FF2B5EF4-FFF2-40B4-BE49-F238E27FC236}">
-                  <a16:creationId xmlns:a16="http://schemas.microsoft.com/office/drawing/2014/main" id="{866212D8-5287-47C6-8EE9-0F6971FC1711}"/>
-                </a:ext>
-              </a:extLst>
-            </p:cNvPr>
-            <p:cNvSpPr txBox="1">
-              <a:spLocks/>
-            </p:cNvSpPr>
-            <p:nvPr/>
-          </p:nvSpPr>
-          <p:spPr>
-            <a:xfrm>
-              <a:off x="5507694" y="5245949"/>
-              <a:ext cx="1800000" cy="900000"/>
-            </a:xfrm>
-            <a:prstGeom prst="rect">
-              <a:avLst/>
-            </a:prstGeom>
-          </p:spPr>
-          <p:txBody>
-            <a:bodyPr vert="horz" lIns="91440" tIns="45720" rIns="91440" bIns="45720" rtlCol="0" anchor="ctr">
-              <a:noAutofit/>
-            </a:bodyPr>
-            <a:lstStyle>
-              <a:lvl1pPr algn="l" defTabSz="914400" rtl="0" eaLnBrk="1" latinLnBrk="0" hangingPunct="1">
-                <a:lnSpc>
-                  <a:spcPct val="100000"/>
-                </a:lnSpc>
-                <a:spcBef>
-                  <a:spcPct val="0"/>
-                </a:spcBef>
-                <a:buNone/>
-                <a:defRPr sz="4000" kern="1200">
-                  <a:solidFill>
-                    <a:schemeClr val="tx1"/>
-                  </a:solidFill>
-                  <a:latin typeface="+mj-lt"/>
-                  <a:ea typeface="+mj-ea"/>
-                  <a:cs typeface="+mj-cs"/>
-                </a:defRPr>
-              </a:lvl1pPr>
-            </a:lstStyle>
-            <a:p>
-              <a:r>
-                <a:rPr lang="en-GB" sz="1800" b="1" i="1" dirty="0"/>
-                <a:t>“Persona”</a:t>
-              </a:r>
-            </a:p>
-            <a:p>
-              <a:r>
-                <a:rPr lang="en-GB" sz="1800" b="1" dirty="0"/>
-                <a:t>31th Oct 2019</a:t>
-              </a:r>
-            </a:p>
-          </p:txBody>
-        </p:sp>
-        <p:pic>
-          <p:nvPicPr>
-            <p:cNvPr id="35" name="Immagine 34" descr="Immagine che contiene fissando, sfocatura&#10;&#10;Descrizione generata automaticamente">
-              <a:extLst>
-                <a:ext uri="{FF2B5EF4-FFF2-40B4-BE49-F238E27FC236}">
-                  <a16:creationId xmlns:a16="http://schemas.microsoft.com/office/drawing/2014/main" id="{D6E63E89-BC72-4918-A9D7-C995FC98F913}"/>
-                </a:ext>
-              </a:extLst>
-            </p:cNvPr>
-            <p:cNvPicPr>
-              <a:picLocks noChangeAspect="1"/>
-            </p:cNvPicPr>
-            <p:nvPr/>
-          </p:nvPicPr>
-          <p:blipFill rotWithShape="1">
-            <a:blip r:embed="rId6">
-              <a:extLst>
-                <a:ext uri="{28A0092B-C50C-407E-A947-70E740481C1C}">
-                  <a14:useLocalDpi xmlns:a14="http://schemas.microsoft.com/office/drawing/2010/main" val="0"/>
-                </a:ext>
-              </a:extLst>
-            </a:blip>
-            <a:srcRect t="47" b="47"/>
-            <a:stretch/>
-          </p:blipFill>
-          <p:spPr>
-            <a:xfrm>
-              <a:off x="4626192" y="5246598"/>
-              <a:ext cx="900000" cy="900000"/>
-            </a:xfrm>
-            <a:prstGeom prst="rect">
-              <a:avLst/>
-            </a:prstGeom>
-          </p:spPr>
-        </p:pic>
-      </p:grpSp>
-      <p:grpSp>
-        <p:nvGrpSpPr>
-          <p:cNvPr id="41" name="Gruppo 40">
-            <a:extLst>
-              <a:ext uri="{FF2B5EF4-FFF2-40B4-BE49-F238E27FC236}">
-                <a16:creationId xmlns:a16="http://schemas.microsoft.com/office/drawing/2014/main" id="{36875EBA-41AD-4FAD-AB28-3BEC98634560}"/>
-              </a:ext>
-            </a:extLst>
-          </p:cNvPr>
-          <p:cNvGrpSpPr/>
-          <p:nvPr/>
-        </p:nvGrpSpPr>
-        <p:grpSpPr>
-          <a:xfrm>
-            <a:off x="7918300" y="5346346"/>
-            <a:ext cx="3054459" cy="900001"/>
-            <a:chOff x="8458341" y="5245949"/>
-            <a:chExt cx="3072668" cy="900001"/>
-          </a:xfrm>
-        </p:grpSpPr>
-        <p:sp>
-          <p:nvSpPr>
-            <p:cNvPr id="23" name="Titolo 3">
-              <a:extLst>
-                <a:ext uri="{FF2B5EF4-FFF2-40B4-BE49-F238E27FC236}">
-                  <a16:creationId xmlns:a16="http://schemas.microsoft.com/office/drawing/2014/main" id="{C1B9B6DB-4FA2-4ADC-B37F-C66ACB764C23}"/>
-                </a:ext>
-              </a:extLst>
-            </p:cNvPr>
-            <p:cNvSpPr txBox="1">
-              <a:spLocks/>
-            </p:cNvSpPr>
-            <p:nvPr/>
-          </p:nvSpPr>
-          <p:spPr>
-            <a:xfrm>
-              <a:off x="9355993" y="5245950"/>
-              <a:ext cx="2175016" cy="900000"/>
-            </a:xfrm>
-            <a:prstGeom prst="rect">
-              <a:avLst/>
-            </a:prstGeom>
-          </p:spPr>
-          <p:txBody>
-            <a:bodyPr vert="horz" lIns="91440" tIns="45720" rIns="91440" bIns="45720" rtlCol="0" anchor="ctr">
-              <a:noAutofit/>
-            </a:bodyPr>
-            <a:lstStyle>
-              <a:lvl1pPr algn="l" defTabSz="914400" rtl="0" eaLnBrk="1" latinLnBrk="0" hangingPunct="1">
-                <a:lnSpc>
-                  <a:spcPct val="100000"/>
-                </a:lnSpc>
-                <a:spcBef>
-                  <a:spcPct val="0"/>
-                </a:spcBef>
-                <a:buNone/>
-                <a:defRPr sz="4000" kern="1200">
-                  <a:solidFill>
-                    <a:schemeClr val="tx1"/>
-                  </a:solidFill>
-                  <a:latin typeface="+mj-lt"/>
-                  <a:ea typeface="+mj-ea"/>
-                  <a:cs typeface="+mj-cs"/>
-                </a:defRPr>
-              </a:lvl1pPr>
-            </a:lstStyle>
-            <a:p>
-              <a:r>
-                <a:rPr lang="en-GB" sz="1800" b="1" i="1" dirty="0"/>
-                <a:t>“</a:t>
-              </a:r>
-              <a:r>
-                <a:rPr lang="en-GB" sz="1800" b="1" i="1" dirty="0" err="1"/>
-                <a:t>Colpa</a:t>
-              </a:r>
-              <a:r>
-                <a:rPr lang="en-GB" sz="1800" b="1" i="1" dirty="0"/>
-                <a:t> </a:t>
-              </a:r>
-              <a:r>
-                <a:rPr lang="en-GB" sz="1800" b="1" i="1" dirty="0" err="1"/>
-                <a:t>delle</a:t>
-              </a:r>
-              <a:r>
-                <a:rPr lang="en-GB" sz="1800" b="1" i="1" dirty="0"/>
-                <a:t> </a:t>
-              </a:r>
-              <a:r>
-                <a:rPr lang="en-GB" sz="1800" b="1" i="1" dirty="0" err="1"/>
-                <a:t>Favole</a:t>
-              </a:r>
-              <a:r>
-                <a:rPr lang="en-GB" sz="1800" b="1" i="1" dirty="0"/>
-                <a:t>”</a:t>
-              </a:r>
-            </a:p>
-            <a:p>
-              <a:r>
-                <a:rPr lang="en-GB" sz="1800" b="1" dirty="0"/>
-                <a:t>5th April 2019</a:t>
-              </a:r>
-            </a:p>
-          </p:txBody>
-        </p:sp>
-        <p:pic>
-          <p:nvPicPr>
-            <p:cNvPr id="40" name="Immagine 39" descr="Immagine che contiene testo, persona, libro, esterni&#10;&#10;Descrizione generata automaticamente">
-              <a:extLst>
-                <a:ext uri="{FF2B5EF4-FFF2-40B4-BE49-F238E27FC236}">
-                  <a16:creationId xmlns:a16="http://schemas.microsoft.com/office/drawing/2014/main" id="{A2BA4006-466C-4F40-8FEA-0C927F225D39}"/>
-                </a:ext>
-              </a:extLst>
-            </p:cNvPr>
-            <p:cNvPicPr>
-              <a:picLocks noChangeAspect="1"/>
-            </p:cNvPicPr>
-            <p:nvPr/>
-          </p:nvPicPr>
-          <p:blipFill>
-            <a:blip r:embed="rId7">
-              <a:extLst>
-                <a:ext uri="{28A0092B-C50C-407E-A947-70E740481C1C}">
-                  <a14:useLocalDpi xmlns:a14="http://schemas.microsoft.com/office/drawing/2010/main" val="0"/>
-                </a:ext>
-              </a:extLst>
-            </a:blip>
-            <a:stretch>
-              <a:fillRect/>
-            </a:stretch>
-          </p:blipFill>
-          <p:spPr>
-            <a:xfrm>
-              <a:off x="8458341" y="5245949"/>
-              <a:ext cx="900000" cy="900000"/>
-            </a:xfrm>
-            <a:prstGeom prst="rect">
-              <a:avLst/>
-            </a:prstGeom>
-          </p:spPr>
-        </p:pic>
-      </p:grpSp>
-    </p:spTree>
-    <p:extLst>
-      <p:ext uri="{BB962C8B-B14F-4D97-AF65-F5344CB8AC3E}">
-        <p14:creationId xmlns:p14="http://schemas.microsoft.com/office/powerpoint/2010/main" val="1607448009"/>
-      </p:ext>
-    </p:extLst>
-  </p:cSld>
-  <p:clrMapOvr>
-    <a:masterClrMapping/>
-  </p:clrMapOvr>
-</p:sld>
-</file>
-
-<file path=ppt/slides/slide24.xml><?xml version="1.0" encoding="utf-8"?>
-<p:sld xmlns:a="http://schemas.openxmlformats.org/drawingml/2006/main" xmlns:r="http://schemas.openxmlformats.org/officeDocument/2006/relationships" xmlns:p="http://schemas.openxmlformats.org/presentationml/2006/main">
-  <p:cSld>
-    <p:spTree>
-      <p:nvGrpSpPr>
-        <p:cNvPr id="1" name=""/>
-        <p:cNvGrpSpPr/>
-        <p:nvPr/>
-      </p:nvGrpSpPr>
-      <p:grpSpPr>
-        <a:xfrm>
-          <a:off x="0" y="0"/>
-          <a:ext cx="0" cy="0"/>
-          <a:chOff x="0" y="0"/>
-          <a:chExt cx="0" cy="0"/>
-        </a:xfrm>
-      </p:grpSpPr>
-      <p:sp>
-        <p:nvSpPr>
-          <p:cNvPr id="4" name="Titolo 3">
-            <a:extLst>
-              <a:ext uri="{FF2B5EF4-FFF2-40B4-BE49-F238E27FC236}">
-                <a16:creationId xmlns:a16="http://schemas.microsoft.com/office/drawing/2014/main" id="{A32BADA9-D1E4-4A68-A522-AE21B0D0BA03}"/>
-              </a:ext>
-            </a:extLst>
-          </p:cNvPr>
-          <p:cNvSpPr>
-            <a:spLocks noGrp="1"/>
-          </p:cNvSpPr>
-          <p:nvPr>
-            <p:ph type="title"/>
-          </p:nvPr>
-        </p:nvSpPr>
-        <p:spPr>
-          <a:xfrm>
-            <a:off x="4514850" y="2626518"/>
-            <a:ext cx="3162299" cy="1604963"/>
-          </a:xfrm>
-        </p:spPr>
-        <p:txBody>
-          <a:bodyPr>
-            <a:normAutofit fontScale="90000"/>
-          </a:bodyPr>
-          <a:lstStyle/>
-          <a:p>
-            <a:pPr algn="ctr"/>
-            <a:r>
-              <a:rPr lang="it-IT" sz="5400" b="1" dirty="0"/>
-              <a:t>Queries Part 3</a:t>
-            </a:r>
-            <a:endParaRPr lang="it-IT" sz="4800" b="1" dirty="0"/>
-          </a:p>
-        </p:txBody>
-      </p:sp>
-      <p:sp>
-        <p:nvSpPr>
-          <p:cNvPr id="2" name="Segnaposto numero diapositiva 1">
-            <a:extLst>
-              <a:ext uri="{FF2B5EF4-FFF2-40B4-BE49-F238E27FC236}">
-                <a16:creationId xmlns:a16="http://schemas.microsoft.com/office/drawing/2014/main" id="{0371B819-0A52-489C-9FA3-EA676A38ADB9}"/>
-              </a:ext>
-            </a:extLst>
-          </p:cNvPr>
-          <p:cNvSpPr>
-            <a:spLocks noGrp="1"/>
-          </p:cNvSpPr>
-          <p:nvPr>
-            <p:ph type="sldNum" sz="quarter" idx="12"/>
-          </p:nvPr>
-        </p:nvSpPr>
-        <p:spPr/>
-        <p:txBody>
-          <a:bodyPr/>
-          <a:lstStyle/>
-          <a:p>
-            <a:r>
-              <a:rPr lang="it-IT" dirty="0"/>
-              <a:t> </a:t>
-            </a:r>
-          </a:p>
-        </p:txBody>
-      </p:sp>
-    </p:spTree>
-    <p:extLst>
-      <p:ext uri="{BB962C8B-B14F-4D97-AF65-F5344CB8AC3E}">
-        <p14:creationId xmlns:p14="http://schemas.microsoft.com/office/powerpoint/2010/main" val="1103601752"/>
+        <p14:creationId xmlns:p14="http://schemas.microsoft.com/office/powerpoint/2010/main" val="3553845248"/>
       </p:ext>
     </p:extLst>
   </p:cSld>
@@ -15235,6 +14813,42 @@
       </p:grpSpPr>
       <p:sp>
         <p:nvSpPr>
+          <p:cNvPr id="4" name="Titolo 3">
+            <a:extLst>
+              <a:ext uri="{FF2B5EF4-FFF2-40B4-BE49-F238E27FC236}">
+                <a16:creationId xmlns:a16="http://schemas.microsoft.com/office/drawing/2014/main" id="{A32BADA9-D1E4-4A68-A522-AE21B0D0BA03}"/>
+              </a:ext>
+            </a:extLst>
+          </p:cNvPr>
+          <p:cNvSpPr>
+            <a:spLocks noGrp="1"/>
+          </p:cNvSpPr>
+          <p:nvPr>
+            <p:ph type="title"/>
+          </p:nvPr>
+        </p:nvSpPr>
+        <p:spPr>
+          <a:xfrm>
+            <a:off x="914399" y="1162050"/>
+            <a:ext cx="10616609" cy="857250"/>
+          </a:xfrm>
+        </p:spPr>
+        <p:txBody>
+          <a:bodyPr>
+            <a:noAutofit/>
+          </a:bodyPr>
+          <a:lstStyle/>
+          <a:p>
+            <a:r>
+              <a:rPr lang="en-GB" sz="2400" b="1" dirty="0"/>
+              <a:t>Check if these artists released an album on the same month (or previous one) of the chart in which they have the highest number of tracks.</a:t>
+            </a:r>
+            <a:endParaRPr lang="it-IT" sz="2400" b="1" dirty="0"/>
+          </a:p>
+        </p:txBody>
+      </p:sp>
+      <p:sp>
+        <p:nvSpPr>
           <p:cNvPr id="2" name="Segnaposto numero diapositiva 1">
             <a:extLst>
               <a:ext uri="{FF2B5EF4-FFF2-40B4-BE49-F238E27FC236}">
@@ -15257,6 +14871,1080 @@
             <a:fld id="{0E41FC79-F70E-41D5-8DA8-CBC79D687031}" type="slidenum">
               <a:rPr lang="it-IT" smtClean="0"/>
               <a:t>25</a:t>
+            </a:fld>
+            <a:r>
+              <a:rPr lang="it-IT" dirty="0"/>
+              <a:t>/24</a:t>
+            </a:r>
+          </a:p>
+        </p:txBody>
+      </p:sp>
+      <p:grpSp>
+        <p:nvGrpSpPr>
+          <p:cNvPr id="10" name="Gruppo 9">
+            <a:extLst>
+              <a:ext uri="{FF2B5EF4-FFF2-40B4-BE49-F238E27FC236}">
+                <a16:creationId xmlns:a16="http://schemas.microsoft.com/office/drawing/2014/main" id="{05E66556-5F1A-476A-B08B-0146A2E242AD}"/>
+              </a:ext>
+            </a:extLst>
+          </p:cNvPr>
+          <p:cNvGrpSpPr/>
+          <p:nvPr/>
+        </p:nvGrpSpPr>
+        <p:grpSpPr>
+          <a:xfrm>
+            <a:off x="1443830" y="2122263"/>
+            <a:ext cx="2520000" cy="4124084"/>
+            <a:chOff x="1443830" y="2122263"/>
+            <a:chExt cx="2520000" cy="4124084"/>
+          </a:xfrm>
+        </p:grpSpPr>
+        <p:sp>
+          <p:nvSpPr>
+            <p:cNvPr id="11" name="Freccia a destra 10">
+              <a:extLst>
+                <a:ext uri="{FF2B5EF4-FFF2-40B4-BE49-F238E27FC236}">
+                  <a16:creationId xmlns:a16="http://schemas.microsoft.com/office/drawing/2014/main" id="{111CC4F4-871A-4D99-B10B-709DE3011118}"/>
+                </a:ext>
+              </a:extLst>
+            </p:cNvPr>
+            <p:cNvSpPr/>
+            <p:nvPr/>
+          </p:nvSpPr>
+          <p:spPr>
+            <a:xfrm rot="5400000">
+              <a:off x="2373303" y="4537732"/>
+              <a:ext cx="689277" cy="391844"/>
+            </a:xfrm>
+            <a:prstGeom prst="rightArrow">
+              <a:avLst/>
+            </a:prstGeom>
+            <a:ln>
+              <a:noFill/>
+            </a:ln>
+          </p:spPr>
+          <p:style>
+            <a:lnRef idx="2">
+              <a:schemeClr val="accent1">
+                <a:shade val="50000"/>
+              </a:schemeClr>
+            </a:lnRef>
+            <a:fillRef idx="1">
+              <a:schemeClr val="accent1"/>
+            </a:fillRef>
+            <a:effectRef idx="0">
+              <a:schemeClr val="accent1"/>
+            </a:effectRef>
+            <a:fontRef idx="minor">
+              <a:schemeClr val="lt1"/>
+            </a:fontRef>
+          </p:style>
+          <p:txBody>
+            <a:bodyPr rtlCol="0" anchor="ctr"/>
+            <a:lstStyle/>
+            <a:p>
+              <a:pPr algn="ctr"/>
+              <a:endParaRPr lang="en-GB"/>
+            </a:p>
+          </p:txBody>
+        </p:sp>
+        <p:sp>
+          <p:nvSpPr>
+            <p:cNvPr id="12" name="Titolo 3">
+              <a:extLst>
+                <a:ext uri="{FF2B5EF4-FFF2-40B4-BE49-F238E27FC236}">
+                  <a16:creationId xmlns:a16="http://schemas.microsoft.com/office/drawing/2014/main" id="{AE914E4C-42D0-484F-80ED-F83CFA2DEE2E}"/>
+                </a:ext>
+              </a:extLst>
+            </p:cNvPr>
+            <p:cNvSpPr txBox="1">
+              <a:spLocks/>
+            </p:cNvSpPr>
+            <p:nvPr/>
+          </p:nvSpPr>
+          <p:spPr>
+            <a:xfrm>
+              <a:off x="1472053" y="3258383"/>
+              <a:ext cx="2491777" cy="1074512"/>
+            </a:xfrm>
+            <a:prstGeom prst="rect">
+              <a:avLst/>
+            </a:prstGeom>
+          </p:spPr>
+          <p:txBody>
+            <a:bodyPr vert="horz" lIns="91440" tIns="45720" rIns="91440" bIns="45720" rtlCol="0" anchor="t">
+              <a:noAutofit/>
+            </a:bodyPr>
+            <a:lstStyle>
+              <a:lvl1pPr algn="l" defTabSz="914400" rtl="0" eaLnBrk="1" latinLnBrk="0" hangingPunct="1">
+                <a:lnSpc>
+                  <a:spcPct val="100000"/>
+                </a:lnSpc>
+                <a:spcBef>
+                  <a:spcPct val="0"/>
+                </a:spcBef>
+                <a:buNone/>
+                <a:defRPr sz="4000" kern="1200">
+                  <a:solidFill>
+                    <a:schemeClr val="tx1"/>
+                  </a:solidFill>
+                  <a:latin typeface="+mj-lt"/>
+                  <a:ea typeface="+mj-ea"/>
+                  <a:cs typeface="+mj-cs"/>
+                </a:defRPr>
+              </a:lvl1pPr>
+            </a:lstStyle>
+            <a:p>
+              <a:pPr algn="ctr"/>
+              <a:r>
+                <a:rPr lang="en-GB" sz="2000" b="1" i="1" dirty="0" err="1"/>
+                <a:t>Tha</a:t>
+              </a:r>
+              <a:r>
+                <a:rPr lang="en-GB" sz="2000" b="1" i="1" dirty="0"/>
+                <a:t> Supreme</a:t>
+              </a:r>
+            </a:p>
+            <a:p>
+              <a:pPr algn="ctr"/>
+              <a:r>
+                <a:rPr lang="en-GB" sz="2000" b="1" dirty="0"/>
+                <a:t>17</a:t>
+              </a:r>
+              <a:r>
+                <a:rPr lang="en-GB" sz="2000" b="1" baseline="30000" dirty="0"/>
+                <a:t>th </a:t>
+              </a:r>
+              <a:r>
+                <a:rPr lang="en-GB" sz="2000" b="1" dirty="0"/>
+                <a:t>Nov 2019</a:t>
+              </a:r>
+            </a:p>
+            <a:p>
+              <a:pPr algn="ctr"/>
+              <a:r>
+                <a:rPr lang="en-GB" sz="2000" b="1" dirty="0"/>
+                <a:t>24 tracks</a:t>
+              </a:r>
+              <a:endParaRPr lang="it-IT" sz="2000" b="1" dirty="0"/>
+            </a:p>
+          </p:txBody>
+        </p:sp>
+        <p:pic>
+          <p:nvPicPr>
+            <p:cNvPr id="26" name="Immagine 25" descr="Immagine che contiene clipart&#10;&#10;Descrizione generata automaticamente">
+              <a:extLst>
+                <a:ext uri="{FF2B5EF4-FFF2-40B4-BE49-F238E27FC236}">
+                  <a16:creationId xmlns:a16="http://schemas.microsoft.com/office/drawing/2014/main" id="{BB261DDC-1F3A-4804-B48A-6E9A67820FDB}"/>
+                </a:ext>
+              </a:extLst>
+            </p:cNvPr>
+            <p:cNvPicPr>
+              <a:picLocks/>
+            </p:cNvPicPr>
+            <p:nvPr/>
+          </p:nvPicPr>
+          <p:blipFill rotWithShape="1">
+            <a:blip r:embed="rId2">
+              <a:extLst>
+                <a:ext uri="{28A0092B-C50C-407E-A947-70E740481C1C}">
+                  <a14:useLocalDpi xmlns:a14="http://schemas.microsoft.com/office/drawing/2010/main" val="0"/>
+                </a:ext>
+              </a:extLst>
+            </a:blip>
+            <a:srcRect t="435" b="19703"/>
+            <a:stretch/>
+          </p:blipFill>
+          <p:spPr>
+            <a:xfrm>
+              <a:off x="2177941" y="2122263"/>
+              <a:ext cx="1080000" cy="1080000"/>
+            </a:xfrm>
+            <a:prstGeom prst="ellipse">
+              <a:avLst/>
+            </a:prstGeom>
+            <a:ln>
+              <a:solidFill>
+                <a:schemeClr val="tx1"/>
+              </a:solidFill>
+            </a:ln>
+          </p:spPr>
+        </p:pic>
+        <p:grpSp>
+          <p:nvGrpSpPr>
+            <p:cNvPr id="33" name="Gruppo 32">
+              <a:extLst>
+                <a:ext uri="{FF2B5EF4-FFF2-40B4-BE49-F238E27FC236}">
+                  <a16:creationId xmlns:a16="http://schemas.microsoft.com/office/drawing/2014/main" id="{022CA102-34E5-4BFA-97A9-D68497D55C06}"/>
+                </a:ext>
+              </a:extLst>
+            </p:cNvPr>
+            <p:cNvGrpSpPr/>
+            <p:nvPr/>
+          </p:nvGrpSpPr>
+          <p:grpSpPr>
+            <a:xfrm>
+              <a:off x="1443830" y="5346346"/>
+              <a:ext cx="2520000" cy="900001"/>
+              <a:chOff x="980895" y="5155950"/>
+              <a:chExt cx="2556001" cy="900001"/>
+            </a:xfrm>
+          </p:grpSpPr>
+          <p:sp>
+            <p:nvSpPr>
+              <p:cNvPr id="19" name="Titolo 3">
+                <a:extLst>
+                  <a:ext uri="{FF2B5EF4-FFF2-40B4-BE49-F238E27FC236}">
+                    <a16:creationId xmlns:a16="http://schemas.microsoft.com/office/drawing/2014/main" id="{4F070989-9890-40EE-9B1E-9E1ECDB36127}"/>
+                  </a:ext>
+                </a:extLst>
+              </p:cNvPr>
+              <p:cNvSpPr txBox="1">
+                <a:spLocks/>
+              </p:cNvSpPr>
+              <p:nvPr/>
+            </p:nvSpPr>
+            <p:spPr>
+              <a:xfrm>
+                <a:off x="1880896" y="5155951"/>
+                <a:ext cx="1656000" cy="900000"/>
+              </a:xfrm>
+              <a:prstGeom prst="rect">
+                <a:avLst/>
+              </a:prstGeom>
+            </p:spPr>
+            <p:txBody>
+              <a:bodyPr vert="horz" lIns="91440" tIns="45720" rIns="91440" bIns="45720" rtlCol="0" anchor="ctr">
+                <a:noAutofit/>
+              </a:bodyPr>
+              <a:lstStyle>
+                <a:lvl1pPr algn="l" defTabSz="914400" rtl="0" eaLnBrk="1" latinLnBrk="0" hangingPunct="1">
+                  <a:lnSpc>
+                    <a:spcPct val="100000"/>
+                  </a:lnSpc>
+                  <a:spcBef>
+                    <a:spcPct val="0"/>
+                  </a:spcBef>
+                  <a:buNone/>
+                  <a:defRPr sz="4000" kern="1200">
+                    <a:solidFill>
+                      <a:schemeClr val="tx1"/>
+                    </a:solidFill>
+                    <a:latin typeface="+mj-lt"/>
+                    <a:ea typeface="+mj-ea"/>
+                    <a:cs typeface="+mj-cs"/>
+                  </a:defRPr>
+                </a:lvl1pPr>
+              </a:lstStyle>
+              <a:p>
+                <a:r>
+                  <a:rPr lang="en-GB" sz="1800" b="1" i="1" dirty="0"/>
+                  <a:t>“23 6451”</a:t>
+                </a:r>
+              </a:p>
+              <a:p>
+                <a:r>
+                  <a:rPr lang="en-GB" sz="1800" b="1" dirty="0"/>
+                  <a:t>15</a:t>
+                </a:r>
+                <a:r>
+                  <a:rPr lang="en-GB" sz="1800" b="1" baseline="30000" dirty="0"/>
+                  <a:t>th</a:t>
+                </a:r>
+                <a:r>
+                  <a:rPr lang="en-GB" sz="1800" b="1" dirty="0"/>
+                  <a:t> Nov 2019</a:t>
+                </a:r>
+              </a:p>
+            </p:txBody>
+          </p:sp>
+          <p:pic>
+            <p:nvPicPr>
+              <p:cNvPr id="32" name="Immagine 31" descr="Immagine che contiene testo, palcoscenico, automazione&#10;&#10;Descrizione generata automaticamente">
+                <a:extLst>
+                  <a:ext uri="{FF2B5EF4-FFF2-40B4-BE49-F238E27FC236}">
+                    <a16:creationId xmlns:a16="http://schemas.microsoft.com/office/drawing/2014/main" id="{B7211B8A-3ABF-454B-8FAF-EF8EBEC5CA8B}"/>
+                  </a:ext>
+                </a:extLst>
+              </p:cNvPr>
+              <p:cNvPicPr>
+                <a:picLocks noChangeAspect="1"/>
+              </p:cNvPicPr>
+              <p:nvPr/>
+            </p:nvPicPr>
+            <p:blipFill>
+              <a:blip r:embed="rId3">
+                <a:extLst>
+                  <a:ext uri="{28A0092B-C50C-407E-A947-70E740481C1C}">
+                    <a14:useLocalDpi xmlns:a14="http://schemas.microsoft.com/office/drawing/2010/main" val="0"/>
+                  </a:ext>
+                </a:extLst>
+              </a:blip>
+              <a:stretch>
+                <a:fillRect/>
+              </a:stretch>
+            </p:blipFill>
+            <p:spPr>
+              <a:xfrm>
+                <a:off x="980895" y="5155950"/>
+                <a:ext cx="900000" cy="900000"/>
+              </a:xfrm>
+              <a:prstGeom prst="rect">
+                <a:avLst/>
+              </a:prstGeom>
+            </p:spPr>
+          </p:pic>
+        </p:grpSp>
+      </p:grpSp>
+      <p:grpSp>
+        <p:nvGrpSpPr>
+          <p:cNvPr id="17" name="Gruppo 16">
+            <a:extLst>
+              <a:ext uri="{FF2B5EF4-FFF2-40B4-BE49-F238E27FC236}">
+                <a16:creationId xmlns:a16="http://schemas.microsoft.com/office/drawing/2014/main" id="{58C444D9-6651-429B-A5FE-AFFEC5E89A57}"/>
+              </a:ext>
+            </a:extLst>
+          </p:cNvPr>
+          <p:cNvGrpSpPr/>
+          <p:nvPr/>
+        </p:nvGrpSpPr>
+        <p:grpSpPr>
+          <a:xfrm>
+            <a:off x="8754059" y="2116653"/>
+            <a:ext cx="2520000" cy="4124408"/>
+            <a:chOff x="4833188" y="2122263"/>
+            <a:chExt cx="2520000" cy="4124408"/>
+          </a:xfrm>
+        </p:grpSpPr>
+        <p:sp>
+          <p:nvSpPr>
+            <p:cNvPr id="13" name="Titolo 3">
+              <a:extLst>
+                <a:ext uri="{FF2B5EF4-FFF2-40B4-BE49-F238E27FC236}">
+                  <a16:creationId xmlns:a16="http://schemas.microsoft.com/office/drawing/2014/main" id="{93D11056-5167-483D-8045-92048AC543D1}"/>
+                </a:ext>
+              </a:extLst>
+            </p:cNvPr>
+            <p:cNvSpPr txBox="1">
+              <a:spLocks/>
+            </p:cNvSpPr>
+            <p:nvPr/>
+          </p:nvSpPr>
+          <p:spPr>
+            <a:xfrm>
+              <a:off x="4850111" y="3258383"/>
+              <a:ext cx="2491777" cy="1074512"/>
+            </a:xfrm>
+            <a:prstGeom prst="rect">
+              <a:avLst/>
+            </a:prstGeom>
+          </p:spPr>
+          <p:txBody>
+            <a:bodyPr vert="horz" lIns="91440" tIns="45720" rIns="91440" bIns="45720" rtlCol="0" anchor="t">
+              <a:noAutofit/>
+            </a:bodyPr>
+            <a:lstStyle>
+              <a:lvl1pPr algn="l" defTabSz="914400" rtl="0" eaLnBrk="1" latinLnBrk="0" hangingPunct="1">
+                <a:lnSpc>
+                  <a:spcPct val="100000"/>
+                </a:lnSpc>
+                <a:spcBef>
+                  <a:spcPct val="0"/>
+                </a:spcBef>
+                <a:buNone/>
+                <a:defRPr sz="4000" kern="1200">
+                  <a:solidFill>
+                    <a:schemeClr val="tx1"/>
+                  </a:solidFill>
+                  <a:latin typeface="+mj-lt"/>
+                  <a:ea typeface="+mj-ea"/>
+                  <a:cs typeface="+mj-cs"/>
+                </a:defRPr>
+              </a:lvl1pPr>
+            </a:lstStyle>
+            <a:p>
+              <a:pPr algn="ctr"/>
+              <a:r>
+                <a:rPr lang="en-GB" sz="2000" b="1" i="1" dirty="0" err="1"/>
+                <a:t>Marracash</a:t>
+              </a:r>
+              <a:endParaRPr lang="en-GB" sz="2000" b="1" i="1" dirty="0"/>
+            </a:p>
+            <a:p>
+              <a:pPr algn="ctr"/>
+              <a:r>
+                <a:rPr lang="en-GB" sz="2000" b="1" dirty="0"/>
+                <a:t>17</a:t>
+              </a:r>
+              <a:r>
+                <a:rPr lang="en-GB" sz="2000" b="1" baseline="30000" dirty="0"/>
+                <a:t>th</a:t>
+              </a:r>
+              <a:r>
+                <a:rPr lang="en-GB" sz="2000" b="1" dirty="0"/>
+                <a:t> Nov 2019</a:t>
+              </a:r>
+            </a:p>
+            <a:p>
+              <a:pPr algn="ctr"/>
+              <a:r>
+                <a:rPr lang="en-GB" sz="2000" b="1" dirty="0"/>
+                <a:t>19 tracks</a:t>
+              </a:r>
+              <a:endParaRPr lang="it-IT" sz="2000" b="1" dirty="0"/>
+            </a:p>
+          </p:txBody>
+        </p:sp>
+        <p:sp>
+          <p:nvSpPr>
+            <p:cNvPr id="15" name="Freccia a destra 14">
+              <a:extLst>
+                <a:ext uri="{FF2B5EF4-FFF2-40B4-BE49-F238E27FC236}">
+                  <a16:creationId xmlns:a16="http://schemas.microsoft.com/office/drawing/2014/main" id="{7BBF55D9-1DDE-4C21-A73A-34FE95A1220B}"/>
+                </a:ext>
+              </a:extLst>
+            </p:cNvPr>
+            <p:cNvSpPr/>
+            <p:nvPr/>
+          </p:nvSpPr>
+          <p:spPr>
+            <a:xfrm rot="5400000">
+              <a:off x="5751361" y="4537730"/>
+              <a:ext cx="689276" cy="391844"/>
+            </a:xfrm>
+            <a:prstGeom prst="rightArrow">
+              <a:avLst/>
+            </a:prstGeom>
+            <a:ln>
+              <a:noFill/>
+            </a:ln>
+          </p:spPr>
+          <p:style>
+            <a:lnRef idx="2">
+              <a:schemeClr val="accent1">
+                <a:shade val="50000"/>
+              </a:schemeClr>
+            </a:lnRef>
+            <a:fillRef idx="1">
+              <a:schemeClr val="accent1"/>
+            </a:fillRef>
+            <a:effectRef idx="0">
+              <a:schemeClr val="accent1"/>
+            </a:effectRef>
+            <a:fontRef idx="minor">
+              <a:schemeClr val="lt1"/>
+            </a:fontRef>
+          </p:style>
+          <p:txBody>
+            <a:bodyPr rtlCol="0" anchor="ctr"/>
+            <a:lstStyle/>
+            <a:p>
+              <a:pPr algn="ctr"/>
+              <a:endParaRPr lang="en-GB"/>
+            </a:p>
+          </p:txBody>
+        </p:sp>
+        <p:pic>
+          <p:nvPicPr>
+            <p:cNvPr id="28" name="Immagine 27" descr="Immagine che contiene erba, esterni&#10;&#10;Descrizione generata automaticamente">
+              <a:extLst>
+                <a:ext uri="{FF2B5EF4-FFF2-40B4-BE49-F238E27FC236}">
+                  <a16:creationId xmlns:a16="http://schemas.microsoft.com/office/drawing/2014/main" id="{1BE07261-A172-4E3F-A361-D2F5438C3358}"/>
+                </a:ext>
+              </a:extLst>
+            </p:cNvPr>
+            <p:cNvPicPr>
+              <a:picLocks noChangeAspect="1"/>
+            </p:cNvPicPr>
+            <p:nvPr/>
+          </p:nvPicPr>
+          <p:blipFill rotWithShape="1">
+            <a:blip r:embed="rId4">
+              <a:extLst>
+                <a:ext uri="{28A0092B-C50C-407E-A947-70E740481C1C}">
+                  <a14:useLocalDpi xmlns:a14="http://schemas.microsoft.com/office/drawing/2010/main" val="0"/>
+                </a:ext>
+              </a:extLst>
+            </a:blip>
+            <a:srcRect t="8125" b="8125"/>
+            <a:stretch/>
+          </p:blipFill>
+          <p:spPr>
+            <a:xfrm>
+              <a:off x="5555999" y="2122263"/>
+              <a:ext cx="1080000" cy="1080000"/>
+            </a:xfrm>
+            <a:prstGeom prst="ellipse">
+              <a:avLst/>
+            </a:prstGeom>
+          </p:spPr>
+        </p:pic>
+        <p:grpSp>
+          <p:nvGrpSpPr>
+            <p:cNvPr id="36" name="Gruppo 35">
+              <a:extLst>
+                <a:ext uri="{FF2B5EF4-FFF2-40B4-BE49-F238E27FC236}">
+                  <a16:creationId xmlns:a16="http://schemas.microsoft.com/office/drawing/2014/main" id="{AF58FD21-763D-4B27-A0D6-A0ECC124D4F0}"/>
+                </a:ext>
+              </a:extLst>
+            </p:cNvPr>
+            <p:cNvGrpSpPr/>
+            <p:nvPr/>
+          </p:nvGrpSpPr>
+          <p:grpSpPr>
+            <a:xfrm>
+              <a:off x="4833188" y="5346022"/>
+              <a:ext cx="2520000" cy="900649"/>
+              <a:chOff x="4626192" y="5245949"/>
+              <a:chExt cx="2681502" cy="900649"/>
+            </a:xfrm>
+          </p:grpSpPr>
+          <p:sp>
+            <p:nvSpPr>
+              <p:cNvPr id="21" name="Titolo 3">
+                <a:extLst>
+                  <a:ext uri="{FF2B5EF4-FFF2-40B4-BE49-F238E27FC236}">
+                    <a16:creationId xmlns:a16="http://schemas.microsoft.com/office/drawing/2014/main" id="{866212D8-5287-47C6-8EE9-0F6971FC1711}"/>
+                  </a:ext>
+                </a:extLst>
+              </p:cNvPr>
+              <p:cNvSpPr txBox="1">
+                <a:spLocks/>
+              </p:cNvSpPr>
+              <p:nvPr/>
+            </p:nvSpPr>
+            <p:spPr>
+              <a:xfrm>
+                <a:off x="5507694" y="5245949"/>
+                <a:ext cx="1800000" cy="900000"/>
+              </a:xfrm>
+              <a:prstGeom prst="rect">
+                <a:avLst/>
+              </a:prstGeom>
+            </p:spPr>
+            <p:txBody>
+              <a:bodyPr vert="horz" lIns="91440" tIns="45720" rIns="91440" bIns="45720" rtlCol="0" anchor="ctr">
+                <a:noAutofit/>
+              </a:bodyPr>
+              <a:lstStyle>
+                <a:lvl1pPr algn="l" defTabSz="914400" rtl="0" eaLnBrk="1" latinLnBrk="0" hangingPunct="1">
+                  <a:lnSpc>
+                    <a:spcPct val="100000"/>
+                  </a:lnSpc>
+                  <a:spcBef>
+                    <a:spcPct val="0"/>
+                  </a:spcBef>
+                  <a:buNone/>
+                  <a:defRPr sz="4000" kern="1200">
+                    <a:solidFill>
+                      <a:schemeClr val="tx1"/>
+                    </a:solidFill>
+                    <a:latin typeface="+mj-lt"/>
+                    <a:ea typeface="+mj-ea"/>
+                    <a:cs typeface="+mj-cs"/>
+                  </a:defRPr>
+                </a:lvl1pPr>
+              </a:lstStyle>
+              <a:p>
+                <a:r>
+                  <a:rPr lang="en-GB" sz="1800" b="1" i="1" dirty="0"/>
+                  <a:t>“Persona”</a:t>
+                </a:r>
+              </a:p>
+              <a:p>
+                <a:r>
+                  <a:rPr lang="en-GB" sz="1800" b="1" dirty="0"/>
+                  <a:t>31th Oct 2019</a:t>
+                </a:r>
+              </a:p>
+            </p:txBody>
+          </p:sp>
+          <p:pic>
+            <p:nvPicPr>
+              <p:cNvPr id="35" name="Immagine 34" descr="Immagine che contiene fissando, sfocatura&#10;&#10;Descrizione generata automaticamente">
+                <a:extLst>
+                  <a:ext uri="{FF2B5EF4-FFF2-40B4-BE49-F238E27FC236}">
+                    <a16:creationId xmlns:a16="http://schemas.microsoft.com/office/drawing/2014/main" id="{D6E63E89-BC72-4918-A9D7-C995FC98F913}"/>
+                  </a:ext>
+                </a:extLst>
+              </p:cNvPr>
+              <p:cNvPicPr>
+                <a:picLocks noChangeAspect="1"/>
+              </p:cNvPicPr>
+              <p:nvPr/>
+            </p:nvPicPr>
+            <p:blipFill rotWithShape="1">
+              <a:blip r:embed="rId5">
+                <a:extLst>
+                  <a:ext uri="{28A0092B-C50C-407E-A947-70E740481C1C}">
+                    <a14:useLocalDpi xmlns:a14="http://schemas.microsoft.com/office/drawing/2010/main" val="0"/>
+                  </a:ext>
+                </a:extLst>
+              </a:blip>
+              <a:srcRect t="47" b="47"/>
+              <a:stretch/>
+            </p:blipFill>
+            <p:spPr>
+              <a:xfrm>
+                <a:off x="4626192" y="5246598"/>
+                <a:ext cx="900000" cy="900000"/>
+              </a:xfrm>
+              <a:prstGeom prst="rect">
+                <a:avLst/>
+              </a:prstGeom>
+            </p:spPr>
+          </p:pic>
+        </p:grpSp>
+      </p:grpSp>
+      <p:grpSp>
+        <p:nvGrpSpPr>
+          <p:cNvPr id="18" name="Gruppo 17">
+            <a:extLst>
+              <a:ext uri="{FF2B5EF4-FFF2-40B4-BE49-F238E27FC236}">
+                <a16:creationId xmlns:a16="http://schemas.microsoft.com/office/drawing/2014/main" id="{06C4B7D5-718D-478D-B89D-BAEF184976EE}"/>
+              </a:ext>
+            </a:extLst>
+          </p:cNvPr>
+          <p:cNvGrpSpPr/>
+          <p:nvPr/>
+        </p:nvGrpSpPr>
+        <p:grpSpPr>
+          <a:xfrm>
+            <a:off x="4827881" y="2116653"/>
+            <a:ext cx="3062127" cy="4129369"/>
+            <a:chOff x="7910632" y="2116978"/>
+            <a:chExt cx="3062127" cy="4129369"/>
+          </a:xfrm>
+        </p:grpSpPr>
+        <p:sp>
+          <p:nvSpPr>
+            <p:cNvPr id="14" name="Titolo 3">
+              <a:extLst>
+                <a:ext uri="{FF2B5EF4-FFF2-40B4-BE49-F238E27FC236}">
+                  <a16:creationId xmlns:a16="http://schemas.microsoft.com/office/drawing/2014/main" id="{78ED6B49-6981-40D7-8E2D-E4E4CB5B75B7}"/>
+                </a:ext>
+              </a:extLst>
+            </p:cNvPr>
+            <p:cNvSpPr txBox="1">
+              <a:spLocks/>
+            </p:cNvSpPr>
+            <p:nvPr/>
+          </p:nvSpPr>
+          <p:spPr>
+            <a:xfrm>
+              <a:off x="8202453" y="3258383"/>
+              <a:ext cx="2491777" cy="1074512"/>
+            </a:xfrm>
+            <a:prstGeom prst="rect">
+              <a:avLst/>
+            </a:prstGeom>
+          </p:spPr>
+          <p:txBody>
+            <a:bodyPr vert="horz" lIns="91440" tIns="45720" rIns="91440" bIns="45720" rtlCol="0" anchor="t">
+              <a:noAutofit/>
+            </a:bodyPr>
+            <a:lstStyle>
+              <a:lvl1pPr algn="l" defTabSz="914400" rtl="0" eaLnBrk="1" latinLnBrk="0" hangingPunct="1">
+                <a:lnSpc>
+                  <a:spcPct val="100000"/>
+                </a:lnSpc>
+                <a:spcBef>
+                  <a:spcPct val="0"/>
+                </a:spcBef>
+                <a:buNone/>
+                <a:defRPr sz="4000" kern="1200">
+                  <a:solidFill>
+                    <a:schemeClr val="tx1"/>
+                  </a:solidFill>
+                  <a:latin typeface="+mj-lt"/>
+                  <a:ea typeface="+mj-ea"/>
+                  <a:cs typeface="+mj-cs"/>
+                </a:defRPr>
+              </a:lvl1pPr>
+            </a:lstStyle>
+            <a:p>
+              <a:pPr algn="ctr"/>
+              <a:r>
+                <a:rPr lang="en-GB" sz="2000" b="1" i="1" dirty="0" err="1"/>
+                <a:t>Tedua</a:t>
+              </a:r>
+              <a:endParaRPr lang="en-GB" sz="2000" b="1" i="1" dirty="0"/>
+            </a:p>
+            <a:p>
+              <a:pPr algn="ctr"/>
+              <a:r>
+                <a:rPr lang="en-GB" sz="2000" b="1" dirty="0"/>
+                <a:t>14</a:t>
+              </a:r>
+              <a:r>
+                <a:rPr lang="en-GB" sz="2000" b="1" baseline="30000" dirty="0"/>
+                <a:t>th</a:t>
+              </a:r>
+              <a:r>
+                <a:rPr lang="en-GB" sz="2000" b="1" dirty="0"/>
+                <a:t> June 2020</a:t>
+              </a:r>
+            </a:p>
+            <a:p>
+              <a:pPr algn="ctr"/>
+              <a:r>
+                <a:rPr lang="en-GB" sz="2000" b="1" dirty="0"/>
+                <a:t>21 tracks</a:t>
+              </a:r>
+              <a:endParaRPr lang="it-IT" sz="2000" b="1" dirty="0"/>
+            </a:p>
+          </p:txBody>
+        </p:sp>
+        <p:sp>
+          <p:nvSpPr>
+            <p:cNvPr id="16" name="Freccia a destra 15">
+              <a:extLst>
+                <a:ext uri="{FF2B5EF4-FFF2-40B4-BE49-F238E27FC236}">
+                  <a16:creationId xmlns:a16="http://schemas.microsoft.com/office/drawing/2014/main" id="{B2991638-D8BB-4BEE-97C9-8A168898C79B}"/>
+                </a:ext>
+              </a:extLst>
+            </p:cNvPr>
+            <p:cNvSpPr/>
+            <p:nvPr/>
+          </p:nvSpPr>
+          <p:spPr>
+            <a:xfrm rot="5400000">
+              <a:off x="9103703" y="4537732"/>
+              <a:ext cx="689277" cy="391844"/>
+            </a:xfrm>
+            <a:prstGeom prst="rightArrow">
+              <a:avLst/>
+            </a:prstGeom>
+            <a:ln>
+              <a:noFill/>
+            </a:ln>
+          </p:spPr>
+          <p:style>
+            <a:lnRef idx="2">
+              <a:schemeClr val="accent1">
+                <a:shade val="50000"/>
+              </a:schemeClr>
+            </a:lnRef>
+            <a:fillRef idx="1">
+              <a:schemeClr val="accent1"/>
+            </a:fillRef>
+            <a:effectRef idx="0">
+              <a:schemeClr val="accent1"/>
+            </a:effectRef>
+            <a:fontRef idx="minor">
+              <a:schemeClr val="lt1"/>
+            </a:fontRef>
+          </p:style>
+          <p:txBody>
+            <a:bodyPr rtlCol="0" anchor="ctr"/>
+            <a:lstStyle/>
+            <a:p>
+              <a:pPr algn="ctr"/>
+              <a:endParaRPr lang="en-GB"/>
+            </a:p>
+          </p:txBody>
+        </p:sp>
+        <p:grpSp>
+          <p:nvGrpSpPr>
+            <p:cNvPr id="6" name="Gruppo 5">
+              <a:extLst>
+                <a:ext uri="{FF2B5EF4-FFF2-40B4-BE49-F238E27FC236}">
+                  <a16:creationId xmlns:a16="http://schemas.microsoft.com/office/drawing/2014/main" id="{189EB3BA-368B-49F2-903A-DA4C930B1953}"/>
+                </a:ext>
+              </a:extLst>
+            </p:cNvPr>
+            <p:cNvGrpSpPr/>
+            <p:nvPr/>
+          </p:nvGrpSpPr>
+          <p:grpSpPr>
+            <a:xfrm>
+              <a:off x="7910632" y="5346022"/>
+              <a:ext cx="3062127" cy="900325"/>
+              <a:chOff x="7910632" y="5346022"/>
+              <a:chExt cx="3062127" cy="900325"/>
+            </a:xfrm>
+          </p:grpSpPr>
+          <p:sp>
+            <p:nvSpPr>
+              <p:cNvPr id="23" name="Titolo 3">
+                <a:extLst>
+                  <a:ext uri="{FF2B5EF4-FFF2-40B4-BE49-F238E27FC236}">
+                    <a16:creationId xmlns:a16="http://schemas.microsoft.com/office/drawing/2014/main" id="{C1B9B6DB-4FA2-4ADC-B37F-C66ACB764C23}"/>
+                  </a:ext>
+                </a:extLst>
+              </p:cNvPr>
+              <p:cNvSpPr txBox="1">
+                <a:spLocks/>
+              </p:cNvSpPr>
+              <p:nvPr/>
+            </p:nvSpPr>
+            <p:spPr>
+              <a:xfrm>
+                <a:off x="8810632" y="5346347"/>
+                <a:ext cx="2162127" cy="900000"/>
+              </a:xfrm>
+              <a:prstGeom prst="rect">
+                <a:avLst/>
+              </a:prstGeom>
+            </p:spPr>
+            <p:txBody>
+              <a:bodyPr vert="horz" lIns="91440" tIns="45720" rIns="91440" bIns="45720" rtlCol="0" anchor="ctr">
+                <a:noAutofit/>
+              </a:bodyPr>
+              <a:lstStyle>
+                <a:lvl1pPr algn="l" defTabSz="914400" rtl="0" eaLnBrk="1" latinLnBrk="0" hangingPunct="1">
+                  <a:lnSpc>
+                    <a:spcPct val="100000"/>
+                  </a:lnSpc>
+                  <a:spcBef>
+                    <a:spcPct val="0"/>
+                  </a:spcBef>
+                  <a:buNone/>
+                  <a:defRPr sz="4000" kern="1200">
+                    <a:solidFill>
+                      <a:schemeClr val="tx1"/>
+                    </a:solidFill>
+                    <a:latin typeface="+mj-lt"/>
+                    <a:ea typeface="+mj-ea"/>
+                    <a:cs typeface="+mj-cs"/>
+                  </a:defRPr>
+                </a:lvl1pPr>
+              </a:lstStyle>
+              <a:p>
+                <a:r>
+                  <a:rPr lang="en-GB" sz="1800" b="1" i="1" dirty="0"/>
+                  <a:t>“Vita Vera Mixtape”</a:t>
+                </a:r>
+              </a:p>
+              <a:p>
+                <a:r>
+                  <a:rPr lang="en-GB" sz="1800" b="1" dirty="0"/>
+                  <a:t>5th June 2020</a:t>
+                </a:r>
+              </a:p>
+            </p:txBody>
+          </p:sp>
+          <p:pic>
+            <p:nvPicPr>
+              <p:cNvPr id="5" name="Immagine 4" descr="Immagine che contiene testo, albero&#10;&#10;Descrizione generata automaticamente">
+                <a:extLst>
+                  <a:ext uri="{FF2B5EF4-FFF2-40B4-BE49-F238E27FC236}">
+                    <a16:creationId xmlns:a16="http://schemas.microsoft.com/office/drawing/2014/main" id="{B5343058-252E-4627-B5E9-2294EB917BBF}"/>
+                  </a:ext>
+                </a:extLst>
+              </p:cNvPr>
+              <p:cNvPicPr>
+                <a:picLocks noChangeAspect="1"/>
+              </p:cNvPicPr>
+              <p:nvPr/>
+            </p:nvPicPr>
+            <p:blipFill rotWithShape="1">
+              <a:blip r:embed="rId6">
+                <a:extLst>
+                  <a:ext uri="{28A0092B-C50C-407E-A947-70E740481C1C}">
+                    <a14:useLocalDpi xmlns:a14="http://schemas.microsoft.com/office/drawing/2010/main" val="0"/>
+                  </a:ext>
+                </a:extLst>
+              </a:blip>
+              <a:srcRect/>
+              <a:stretch/>
+            </p:blipFill>
+            <p:spPr>
+              <a:xfrm>
+                <a:off x="7910632" y="5346022"/>
+                <a:ext cx="900000" cy="900000"/>
+              </a:xfrm>
+              <a:prstGeom prst="rect">
+                <a:avLst/>
+              </a:prstGeom>
+            </p:spPr>
+          </p:pic>
+        </p:grpSp>
+        <p:pic>
+          <p:nvPicPr>
+            <p:cNvPr id="8" name="Immagine 7" descr="Immagine che contiene abbigliamento, persona, vestito&#10;&#10;Descrizione generata automaticamente">
+              <a:extLst>
+                <a:ext uri="{FF2B5EF4-FFF2-40B4-BE49-F238E27FC236}">
+                  <a16:creationId xmlns:a16="http://schemas.microsoft.com/office/drawing/2014/main" id="{651D039F-A196-4D0D-8D62-2B5A418A4883}"/>
+                </a:ext>
+              </a:extLst>
+            </p:cNvPr>
+            <p:cNvPicPr>
+              <a:picLocks noChangeAspect="1"/>
+            </p:cNvPicPr>
+            <p:nvPr/>
+          </p:nvPicPr>
+          <p:blipFill rotWithShape="1">
+            <a:blip r:embed="rId7">
+              <a:extLst>
+                <a:ext uri="{28A0092B-C50C-407E-A947-70E740481C1C}">
+                  <a14:useLocalDpi xmlns:a14="http://schemas.microsoft.com/office/drawing/2010/main" val="0"/>
+                </a:ext>
+              </a:extLst>
+            </a:blip>
+            <a:srcRect l="7582" r="7582"/>
+            <a:stretch/>
+          </p:blipFill>
+          <p:spPr>
+            <a:xfrm>
+              <a:off x="8908341" y="2116978"/>
+              <a:ext cx="1080000" cy="1080000"/>
+            </a:xfrm>
+            <a:prstGeom prst="ellipse">
+              <a:avLst/>
+            </a:prstGeom>
+          </p:spPr>
+        </p:pic>
+      </p:grpSp>
+    </p:spTree>
+    <p:extLst>
+      <p:ext uri="{BB962C8B-B14F-4D97-AF65-F5344CB8AC3E}">
+        <p14:creationId xmlns:p14="http://schemas.microsoft.com/office/powerpoint/2010/main" val="1607448009"/>
+      </p:ext>
+    </p:extLst>
+  </p:cSld>
+  <p:clrMapOvr>
+    <a:masterClrMapping/>
+  </p:clrMapOvr>
+</p:sld>
+</file>
+
+<file path=ppt/slides/slide26.xml><?xml version="1.0" encoding="utf-8"?>
+<p:sld xmlns:a="http://schemas.openxmlformats.org/drawingml/2006/main" xmlns:r="http://schemas.openxmlformats.org/officeDocument/2006/relationships" xmlns:p="http://schemas.openxmlformats.org/presentationml/2006/main">
+  <p:cSld>
+    <p:spTree>
+      <p:nvGrpSpPr>
+        <p:cNvPr id="1" name=""/>
+        <p:cNvGrpSpPr/>
+        <p:nvPr/>
+      </p:nvGrpSpPr>
+      <p:grpSpPr>
+        <a:xfrm>
+          <a:off x="0" y="0"/>
+          <a:ext cx="0" cy="0"/>
+          <a:chOff x="0" y="0"/>
+          <a:chExt cx="0" cy="0"/>
+        </a:xfrm>
+      </p:grpSpPr>
+      <p:sp>
+        <p:nvSpPr>
+          <p:cNvPr id="4" name="Titolo 3">
+            <a:extLst>
+              <a:ext uri="{FF2B5EF4-FFF2-40B4-BE49-F238E27FC236}">
+                <a16:creationId xmlns:a16="http://schemas.microsoft.com/office/drawing/2014/main" id="{A32BADA9-D1E4-4A68-A522-AE21B0D0BA03}"/>
+              </a:ext>
+            </a:extLst>
+          </p:cNvPr>
+          <p:cNvSpPr>
+            <a:spLocks noGrp="1"/>
+          </p:cNvSpPr>
+          <p:nvPr>
+            <p:ph type="title"/>
+          </p:nvPr>
+        </p:nvSpPr>
+        <p:spPr>
+          <a:xfrm>
+            <a:off x="4514850" y="2626518"/>
+            <a:ext cx="3162299" cy="1604963"/>
+          </a:xfrm>
+        </p:spPr>
+        <p:txBody>
+          <a:bodyPr>
+            <a:normAutofit fontScale="90000"/>
+          </a:bodyPr>
+          <a:lstStyle/>
+          <a:p>
+            <a:pPr algn="ctr"/>
+            <a:r>
+              <a:rPr lang="it-IT" sz="5400" b="1" dirty="0"/>
+              <a:t>Queries Part 3</a:t>
+            </a:r>
+            <a:endParaRPr lang="it-IT" sz="4800" b="1" dirty="0"/>
+          </a:p>
+        </p:txBody>
+      </p:sp>
+      <p:sp>
+        <p:nvSpPr>
+          <p:cNvPr id="2" name="Segnaposto numero diapositiva 1">
+            <a:extLst>
+              <a:ext uri="{FF2B5EF4-FFF2-40B4-BE49-F238E27FC236}">
+                <a16:creationId xmlns:a16="http://schemas.microsoft.com/office/drawing/2014/main" id="{0371B819-0A52-489C-9FA3-EA676A38ADB9}"/>
+              </a:ext>
+            </a:extLst>
+          </p:cNvPr>
+          <p:cNvSpPr>
+            <a:spLocks noGrp="1"/>
+          </p:cNvSpPr>
+          <p:nvPr>
+            <p:ph type="sldNum" sz="quarter" idx="12"/>
+          </p:nvPr>
+        </p:nvSpPr>
+        <p:spPr/>
+        <p:txBody>
+          <a:bodyPr/>
+          <a:lstStyle/>
+          <a:p>
+            <a:r>
+              <a:rPr lang="it-IT" dirty="0"/>
+              <a:t> </a:t>
+            </a:r>
+          </a:p>
+        </p:txBody>
+      </p:sp>
+    </p:spTree>
+    <p:extLst>
+      <p:ext uri="{BB962C8B-B14F-4D97-AF65-F5344CB8AC3E}">
+        <p14:creationId xmlns:p14="http://schemas.microsoft.com/office/powerpoint/2010/main" val="1103601752"/>
+      </p:ext>
+    </p:extLst>
+  </p:cSld>
+  <p:clrMapOvr>
+    <a:masterClrMapping/>
+  </p:clrMapOvr>
+</p:sld>
+</file>
+
+<file path=ppt/slides/slide27.xml><?xml version="1.0" encoding="utf-8"?>
+<p:sld xmlns:a="http://schemas.openxmlformats.org/drawingml/2006/main" xmlns:r="http://schemas.openxmlformats.org/officeDocument/2006/relationships" xmlns:p="http://schemas.openxmlformats.org/presentationml/2006/main">
+  <p:cSld>
+    <p:spTree>
+      <p:nvGrpSpPr>
+        <p:cNvPr id="1" name=""/>
+        <p:cNvGrpSpPr/>
+        <p:nvPr/>
+      </p:nvGrpSpPr>
+      <p:grpSpPr>
+        <a:xfrm>
+          <a:off x="0" y="0"/>
+          <a:ext cx="0" cy="0"/>
+          <a:chOff x="0" y="0"/>
+          <a:chExt cx="0" cy="0"/>
+        </a:xfrm>
+      </p:grpSpPr>
+      <p:sp>
+        <p:nvSpPr>
+          <p:cNvPr id="2" name="Segnaposto numero diapositiva 1">
+            <a:extLst>
+              <a:ext uri="{FF2B5EF4-FFF2-40B4-BE49-F238E27FC236}">
+                <a16:creationId xmlns:a16="http://schemas.microsoft.com/office/drawing/2014/main" id="{AF743220-D2ED-43D4-A1FF-37CA562FFA98}"/>
+              </a:ext>
+            </a:extLst>
+          </p:cNvPr>
+          <p:cNvSpPr>
+            <a:spLocks noGrp="1"/>
+          </p:cNvSpPr>
+          <p:nvPr>
+            <p:ph type="sldNum" sz="quarter" idx="12"/>
+          </p:nvPr>
+        </p:nvSpPr>
+        <p:spPr/>
+        <p:txBody>
+          <a:bodyPr/>
+          <a:lstStyle/>
+          <a:p>
+            <a:fld id="{0E41FC79-F70E-41D5-8DA8-CBC79D687031}" type="slidenum">
+              <a:rPr lang="it-IT" smtClean="0"/>
+              <a:t>27</a:t>
             </a:fld>
             <a:r>
               <a:rPr lang="it-IT" dirty="0"/>
@@ -15369,7 +16057,7 @@
 </p:sld>
 </file>
 
-<file path=ppt/slides/slide26.xml><?xml version="1.0" encoding="utf-8"?>
+<file path=ppt/slides/slide28.xml><?xml version="1.0" encoding="utf-8"?>
 <p:sld xmlns:a="http://schemas.openxmlformats.org/drawingml/2006/main" xmlns:r="http://schemas.openxmlformats.org/officeDocument/2006/relationships" xmlns:p="http://schemas.openxmlformats.org/presentationml/2006/main">
   <p:cSld>
     <p:spTree>
@@ -15409,7 +16097,7 @@
           <a:p>
             <a:fld id="{0E41FC79-F70E-41D5-8DA8-CBC79D687031}" type="slidenum">
               <a:rPr lang="it-IT" smtClean="0"/>
-              <a:t>26</a:t>
+              <a:t>28</a:t>
             </a:fld>
             <a:r>
               <a:rPr lang="it-IT" dirty="0"/>
@@ -15515,7 +16203,7 @@
 </p:sld>
 </file>
 
-<file path=ppt/slides/slide27.xml><?xml version="1.0" encoding="utf-8"?>
+<file path=ppt/slides/slide29.xml><?xml version="1.0" encoding="utf-8"?>
 <p:sld xmlns:a="http://schemas.openxmlformats.org/drawingml/2006/main" xmlns:r="http://schemas.openxmlformats.org/officeDocument/2006/relationships" xmlns:p="http://schemas.openxmlformats.org/presentationml/2006/main">
   <p:cSld>
     <p:spTree>
@@ -15555,7 +16243,7 @@
           <a:p>
             <a:fld id="{0E41FC79-F70E-41D5-8DA8-CBC79D687031}" type="slidenum">
               <a:rPr lang="it-IT" smtClean="0"/>
-              <a:t>27</a:t>
+              <a:t>29</a:t>
             </a:fld>
             <a:r>
               <a:rPr lang="it-IT" dirty="0"/>
@@ -15746,7 +16434,107 @@
 </p:sld>
 </file>
 
-<file path=ppt/slides/slide28.xml><?xml version="1.0" encoding="utf-8"?>
+<file path=ppt/slides/slide3.xml><?xml version="1.0" encoding="utf-8"?>
+<p:sld xmlns:a="http://schemas.openxmlformats.org/drawingml/2006/main" xmlns:r="http://schemas.openxmlformats.org/officeDocument/2006/relationships" xmlns:p="http://schemas.openxmlformats.org/presentationml/2006/main">
+  <p:cSld>
+    <p:spTree>
+      <p:nvGrpSpPr>
+        <p:cNvPr id="1" name=""/>
+        <p:cNvGrpSpPr/>
+        <p:nvPr/>
+      </p:nvGrpSpPr>
+      <p:grpSpPr>
+        <a:xfrm>
+          <a:off x="0" y="0"/>
+          <a:ext cx="0" cy="0"/>
+          <a:chOff x="0" y="0"/>
+          <a:chExt cx="0" cy="0"/>
+        </a:xfrm>
+      </p:grpSpPr>
+      <p:sp>
+        <p:nvSpPr>
+          <p:cNvPr id="4" name="Titolo 3">
+            <a:extLst>
+              <a:ext uri="{FF2B5EF4-FFF2-40B4-BE49-F238E27FC236}">
+                <a16:creationId xmlns:a16="http://schemas.microsoft.com/office/drawing/2014/main" id="{A32BADA9-D1E4-4A68-A522-AE21B0D0BA03}"/>
+              </a:ext>
+            </a:extLst>
+          </p:cNvPr>
+          <p:cNvSpPr>
+            <a:spLocks noGrp="1"/>
+          </p:cNvSpPr>
+          <p:nvPr>
+            <p:ph type="title"/>
+          </p:nvPr>
+        </p:nvSpPr>
+        <p:spPr>
+          <a:xfrm>
+            <a:off x="914399" y="1371601"/>
+            <a:ext cx="4200525" cy="749030"/>
+          </a:xfrm>
+        </p:spPr>
+        <p:txBody>
+          <a:bodyPr/>
+          <a:lstStyle/>
+          <a:p>
+            <a:r>
+              <a:rPr lang="it-IT" b="1" dirty="0"/>
+              <a:t>Data: </a:t>
+            </a:r>
+            <a:r>
+              <a:rPr lang="it-IT" b="1" dirty="0" err="1"/>
+              <a:t>Additions</a:t>
+            </a:r>
+            <a:endParaRPr lang="it-IT" b="1" dirty="0"/>
+          </a:p>
+        </p:txBody>
+      </p:sp>
+      <p:sp>
+        <p:nvSpPr>
+          <p:cNvPr id="2" name="Segnaposto numero diapositiva 1">
+            <a:extLst>
+              <a:ext uri="{FF2B5EF4-FFF2-40B4-BE49-F238E27FC236}">
+                <a16:creationId xmlns:a16="http://schemas.microsoft.com/office/drawing/2014/main" id="{966A65FB-D949-4ACD-83A1-1D6ED79689E9}"/>
+              </a:ext>
+            </a:extLst>
+          </p:cNvPr>
+          <p:cNvSpPr>
+            <a:spLocks noGrp="1"/>
+          </p:cNvSpPr>
+          <p:nvPr>
+            <p:ph type="sldNum" sz="quarter" idx="12"/>
+          </p:nvPr>
+        </p:nvSpPr>
+        <p:spPr/>
+        <p:txBody>
+          <a:bodyPr/>
+          <a:lstStyle/>
+          <a:p>
+            <a:fld id="{0E41FC79-F70E-41D5-8DA8-CBC79D687031}" type="slidenum">
+              <a:rPr lang="it-IT" smtClean="0"/>
+              <a:t>3</a:t>
+            </a:fld>
+            <a:r>
+              <a:rPr lang="it-IT" dirty="0"/>
+              <a:t>/24</a:t>
+            </a:r>
+          </a:p>
+        </p:txBody>
+      </p:sp>
+    </p:spTree>
+    <p:extLst>
+      <p:ext uri="{BB962C8B-B14F-4D97-AF65-F5344CB8AC3E}">
+        <p14:creationId xmlns:p14="http://schemas.microsoft.com/office/powerpoint/2010/main" val="2989961629"/>
+      </p:ext>
+    </p:extLst>
+  </p:cSld>
+  <p:clrMapOvr>
+    <a:masterClrMapping/>
+  </p:clrMapOvr>
+</p:sld>
+</file>
+
+<file path=ppt/slides/slide30.xml><?xml version="1.0" encoding="utf-8"?>
 <p:sld xmlns:a="http://schemas.openxmlformats.org/drawingml/2006/main" xmlns:r="http://schemas.openxmlformats.org/officeDocument/2006/relationships" xmlns:p="http://schemas.openxmlformats.org/presentationml/2006/main">
   <p:cSld>
     <p:spTree>
@@ -15786,7 +16574,7 @@
           <a:p>
             <a:fld id="{0E41FC79-F70E-41D5-8DA8-CBC79D687031}" type="slidenum">
               <a:rPr lang="it-IT" smtClean="0"/>
-              <a:t>28</a:t>
+              <a:t>30</a:t>
             </a:fld>
             <a:r>
               <a:rPr lang="it-IT" dirty="0"/>
@@ -15843,27 +16631,90 @@
           </a:lstStyle>
           <a:p>
             <a:r>
-              <a:rPr lang="en-GB" sz="2400" b="1" dirty="0"/>
-              <a:t>1</a:t>
-            </a:r>
-            <a:r>
-              <a:rPr lang="en-GB" sz="2400" b="1" baseline="30000" dirty="0"/>
-              <a:t>st</a:t>
-            </a:r>
-            <a:r>
-              <a:rPr lang="en-GB" sz="2400" b="1" dirty="0"/>
-              <a:t> Approach</a:t>
-            </a:r>
-            <a:endParaRPr lang="it-IT" sz="4800" b="1" dirty="0"/>
+              <a:rPr lang="en-GB" sz="2800" b="1" dirty="0"/>
+              <a:t>How to determine the most widespread Italian artists ?</a:t>
+            </a:r>
+            <a:endParaRPr lang="it-IT" sz="5400" b="1" dirty="0"/>
           </a:p>
         </p:txBody>
       </p:sp>
       <p:sp>
         <p:nvSpPr>
-          <p:cNvPr id="14" name="Titolo 3">
+          <p:cNvPr id="8" name="Segnaposto contenuto 4">
             <a:extLst>
               <a:ext uri="{FF2B5EF4-FFF2-40B4-BE49-F238E27FC236}">
-                <a16:creationId xmlns:a16="http://schemas.microsoft.com/office/drawing/2014/main" id="{B9CEA980-FE64-47D7-B332-46202613DAA9}"/>
+                <a16:creationId xmlns:a16="http://schemas.microsoft.com/office/drawing/2014/main" id="{B5D434E8-D109-4B6E-8F32-FA351652EE0F}"/>
+              </a:ext>
+            </a:extLst>
+          </p:cNvPr>
+          <p:cNvSpPr>
+            <a:spLocks noGrp="1"/>
+          </p:cNvSpPr>
+          <p:nvPr>
+            <p:ph idx="1"/>
+          </p:nvPr>
+        </p:nvSpPr>
+        <p:spPr>
+          <a:xfrm>
+            <a:off x="914399" y="1991100"/>
+            <a:ext cx="9893596" cy="576000"/>
+          </a:xfrm>
+        </p:spPr>
+        <p:txBody>
+          <a:bodyPr>
+            <a:noAutofit/>
+          </a:bodyPr>
+          <a:lstStyle/>
+          <a:p>
+            <a:pPr fontAlgn="base">
+              <a:buFont typeface="Wingdings" panose="05000000000000000000" pitchFamily="2" charset="2"/>
+              <a:buChar char="q"/>
+            </a:pPr>
+            <a:r>
+              <a:rPr lang="en-US" sz="2400" b="1" i="0" dirty="0">
+                <a:effectLst/>
+              </a:rPr>
+              <a:t> </a:t>
+            </a:r>
+            <a:r>
+              <a:rPr lang="en-US" sz="2400" b="1" dirty="0"/>
+              <a:t>1</a:t>
+            </a:r>
+            <a:r>
+              <a:rPr lang="en-US" sz="2400" b="1" baseline="30000" dirty="0"/>
+              <a:t>st </a:t>
+            </a:r>
+            <a:r>
+              <a:rPr lang="en-US" sz="2400" b="1" dirty="0"/>
+              <a:t>Approach: </a:t>
+            </a:r>
+          </a:p>
+          <a:p>
+            <a:pPr marL="0" indent="0" algn="l" fontAlgn="base">
+              <a:buNone/>
+            </a:pPr>
+            <a:endParaRPr lang="en-US" sz="2400" b="0" i="0" dirty="0">
+              <a:effectLst/>
+            </a:endParaRPr>
+          </a:p>
+          <a:p>
+            <a:pPr algn="l" fontAlgn="base">
+              <a:buFont typeface="Wingdings" panose="05000000000000000000" pitchFamily="2" charset="2"/>
+              <a:buChar char="q"/>
+            </a:pPr>
+            <a:endParaRPr lang="en-US" sz="2400" b="0" i="0" baseline="30000" dirty="0">
+              <a:effectLst/>
+              <a:latin typeface="Inter"/>
+            </a:endParaRPr>
+          </a:p>
+        </p:txBody>
+      </p:sp>
+      <p:sp>
+        <p:nvSpPr>
+          <p:cNvPr id="5" name="Segnaposto contenuto 4">
+            <a:extLst>
+              <a:ext uri="{FF2B5EF4-FFF2-40B4-BE49-F238E27FC236}">
+                <a16:creationId xmlns:a16="http://schemas.microsoft.com/office/drawing/2014/main" id="{9683C250-B1D7-4650-AB7F-2141292CFF05}"/>
               </a:ext>
             </a:extLst>
           </p:cNvPr>
@@ -15874,49 +16725,762 @@
         </p:nvSpPr>
         <p:spPr>
           <a:xfrm>
-            <a:off x="914399" y="3500437"/>
-            <a:ext cx="4248152" cy="1133475"/>
+            <a:off x="914399" y="4137750"/>
+            <a:ext cx="9893596" cy="576000"/>
           </a:xfrm>
           <a:prstGeom prst="rect">
             <a:avLst/>
           </a:prstGeom>
         </p:spPr>
         <p:txBody>
-          <a:bodyPr vert="horz" lIns="91440" tIns="45720" rIns="91440" bIns="45720" rtlCol="0" anchor="t">
+          <a:bodyPr vert="horz" lIns="91440" tIns="45720" rIns="91440" bIns="45720" rtlCol="0">
             <a:noAutofit/>
           </a:bodyPr>
           <a:lstStyle>
-            <a:lvl1pPr algn="l" defTabSz="914400" rtl="0" eaLnBrk="1" latinLnBrk="0" hangingPunct="1">
+            <a:lvl1pPr marL="228600" indent="-228600" algn="l" defTabSz="914400" rtl="0" eaLnBrk="1" latinLnBrk="0" hangingPunct="1">
               <a:lnSpc>
-                <a:spcPct val="100000"/>
+                <a:spcPct val="120000"/>
               </a:lnSpc>
               <a:spcBef>
-                <a:spcPct val="0"/>
+                <a:spcPts val="1000"/>
               </a:spcBef>
-              <a:buNone/>
-              <a:defRPr sz="4000" kern="1200">
+              <a:buSzPct val="87000"/>
+              <a:buFont typeface="Arial" panose="020B0604020202020204" pitchFamily="34" charset="0"/>
+              <a:buChar char="•"/>
+              <a:defRPr sz="2000" kern="1200">
                 <a:solidFill>
                   <a:schemeClr val="tx1"/>
                 </a:solidFill>
-                <a:latin typeface="+mj-lt"/>
-                <a:ea typeface="+mj-ea"/>
-                <a:cs typeface="+mj-cs"/>
+                <a:latin typeface="+mn-lt"/>
+                <a:ea typeface="+mn-ea"/>
+                <a:cs typeface="+mn-cs"/>
               </a:defRPr>
             </a:lvl1pPr>
+            <a:lvl2pPr marL="274320" indent="0" algn="l" defTabSz="914400" rtl="0" eaLnBrk="1" latinLnBrk="0" hangingPunct="1">
+              <a:lnSpc>
+                <a:spcPct val="120000"/>
+              </a:lnSpc>
+              <a:spcBef>
+                <a:spcPts val="500"/>
+              </a:spcBef>
+              <a:buSzPct val="87000"/>
+              <a:buFontTx/>
+              <a:buNone/>
+              <a:defRPr sz="1800" kern="1200">
+                <a:solidFill>
+                  <a:schemeClr val="tx1"/>
+                </a:solidFill>
+                <a:latin typeface="+mn-lt"/>
+                <a:ea typeface="+mn-ea"/>
+                <a:cs typeface="+mn-cs"/>
+              </a:defRPr>
+            </a:lvl2pPr>
+            <a:lvl3pPr marL="548640" indent="-228600" algn="l" defTabSz="914400" rtl="0" eaLnBrk="1" latinLnBrk="0" hangingPunct="1">
+              <a:lnSpc>
+                <a:spcPct val="120000"/>
+              </a:lnSpc>
+              <a:spcBef>
+                <a:spcPts val="500"/>
+              </a:spcBef>
+              <a:buSzPct val="87000"/>
+              <a:buFont typeface="Arial" panose="020B0604020202020204" pitchFamily="34" charset="0"/>
+              <a:buChar char="•"/>
+              <a:defRPr sz="1600" kern="1200">
+                <a:solidFill>
+                  <a:schemeClr val="tx1"/>
+                </a:solidFill>
+                <a:latin typeface="+mn-lt"/>
+                <a:ea typeface="+mn-ea"/>
+                <a:cs typeface="+mn-cs"/>
+              </a:defRPr>
+            </a:lvl3pPr>
+            <a:lvl4pPr marL="594360" indent="0" algn="l" defTabSz="914400" rtl="0" eaLnBrk="1" latinLnBrk="0" hangingPunct="1">
+              <a:lnSpc>
+                <a:spcPct val="120000"/>
+              </a:lnSpc>
+              <a:spcBef>
+                <a:spcPts val="500"/>
+              </a:spcBef>
+              <a:buSzPct val="87000"/>
+              <a:buFontTx/>
+              <a:buNone/>
+              <a:defRPr sz="1400" kern="1200">
+                <a:solidFill>
+                  <a:schemeClr val="tx1"/>
+                </a:solidFill>
+                <a:latin typeface="+mn-lt"/>
+                <a:ea typeface="+mn-ea"/>
+                <a:cs typeface="+mn-cs"/>
+              </a:defRPr>
+            </a:lvl4pPr>
+            <a:lvl5pPr marL="822960" indent="-228600" algn="l" defTabSz="914400" rtl="0" eaLnBrk="1" latinLnBrk="0" hangingPunct="1">
+              <a:lnSpc>
+                <a:spcPct val="120000"/>
+              </a:lnSpc>
+              <a:spcBef>
+                <a:spcPts val="500"/>
+              </a:spcBef>
+              <a:buSzPct val="87000"/>
+              <a:buFont typeface="Arial" panose="020B0604020202020204" pitchFamily="34" charset="0"/>
+              <a:buChar char="•"/>
+              <a:defRPr sz="1400" kern="1200">
+                <a:solidFill>
+                  <a:schemeClr val="tx1"/>
+                </a:solidFill>
+                <a:latin typeface="+mn-lt"/>
+                <a:ea typeface="+mn-ea"/>
+                <a:cs typeface="+mn-cs"/>
+              </a:defRPr>
+            </a:lvl5pPr>
+            <a:lvl6pPr marL="2514600" indent="-228600" algn="l" defTabSz="914400" rtl="0" eaLnBrk="1" latinLnBrk="0" hangingPunct="1">
+              <a:lnSpc>
+                <a:spcPct val="90000"/>
+              </a:lnSpc>
+              <a:spcBef>
+                <a:spcPts val="500"/>
+              </a:spcBef>
+              <a:buFont typeface="Arial" panose="020B0604020202020204" pitchFamily="34" charset="0"/>
+              <a:buChar char="•"/>
+              <a:defRPr sz="1800" kern="1200">
+                <a:solidFill>
+                  <a:schemeClr val="tx1"/>
+                </a:solidFill>
+                <a:latin typeface="+mn-lt"/>
+                <a:ea typeface="+mn-ea"/>
+                <a:cs typeface="+mn-cs"/>
+              </a:defRPr>
+            </a:lvl6pPr>
+            <a:lvl7pPr marL="2971800" indent="-228600" algn="l" defTabSz="914400" rtl="0" eaLnBrk="1" latinLnBrk="0" hangingPunct="1">
+              <a:lnSpc>
+                <a:spcPct val="90000"/>
+              </a:lnSpc>
+              <a:spcBef>
+                <a:spcPts val="500"/>
+              </a:spcBef>
+              <a:buFont typeface="Arial" panose="020B0604020202020204" pitchFamily="34" charset="0"/>
+              <a:buChar char="•"/>
+              <a:defRPr sz="1800" kern="1200">
+                <a:solidFill>
+                  <a:schemeClr val="tx1"/>
+                </a:solidFill>
+                <a:latin typeface="+mn-lt"/>
+                <a:ea typeface="+mn-ea"/>
+                <a:cs typeface="+mn-cs"/>
+              </a:defRPr>
+            </a:lvl7pPr>
+            <a:lvl8pPr marL="3429000" indent="-228600" algn="l" defTabSz="914400" rtl="0" eaLnBrk="1" latinLnBrk="0" hangingPunct="1">
+              <a:lnSpc>
+                <a:spcPct val="90000"/>
+              </a:lnSpc>
+              <a:spcBef>
+                <a:spcPts val="500"/>
+              </a:spcBef>
+              <a:buFont typeface="Arial" panose="020B0604020202020204" pitchFamily="34" charset="0"/>
+              <a:buChar char="•"/>
+              <a:defRPr sz="1800" kern="1200">
+                <a:solidFill>
+                  <a:schemeClr val="tx1"/>
+                </a:solidFill>
+                <a:latin typeface="+mn-lt"/>
+                <a:ea typeface="+mn-ea"/>
+                <a:cs typeface="+mn-cs"/>
+              </a:defRPr>
+            </a:lvl8pPr>
+            <a:lvl9pPr marL="3886200" indent="-228600" algn="l" defTabSz="914400" rtl="0" eaLnBrk="1" latinLnBrk="0" hangingPunct="1">
+              <a:lnSpc>
+                <a:spcPct val="90000"/>
+              </a:lnSpc>
+              <a:spcBef>
+                <a:spcPts val="500"/>
+              </a:spcBef>
+              <a:buFont typeface="Arial" panose="020B0604020202020204" pitchFamily="34" charset="0"/>
+              <a:buChar char="•"/>
+              <a:defRPr sz="1800" kern="1200">
+                <a:solidFill>
+                  <a:schemeClr val="tx1"/>
+                </a:solidFill>
+                <a:latin typeface="+mn-lt"/>
+                <a:ea typeface="+mn-ea"/>
+                <a:cs typeface="+mn-cs"/>
+              </a:defRPr>
+            </a:lvl9pPr>
           </a:lstStyle>
           <a:p>
-            <a:r>
-              <a:rPr lang="en-GB" sz="2400" b="1" dirty="0"/>
-              <a:t>Gigi Dag</a:t>
-            </a:r>
-            <a:endParaRPr lang="it-IT" sz="4800" b="1" dirty="0"/>
+            <a:pPr fontAlgn="base">
+              <a:buFont typeface="Wingdings" panose="05000000000000000000" pitchFamily="2" charset="2"/>
+              <a:buChar char="q"/>
+            </a:pPr>
+            <a:r>
+              <a:rPr lang="en-US" sz="2400" b="1" dirty="0"/>
+              <a:t> 2</a:t>
+            </a:r>
+            <a:r>
+              <a:rPr lang="en-US" sz="2400" b="1" baseline="30000" dirty="0"/>
+              <a:t>nd </a:t>
+            </a:r>
+            <a:r>
+              <a:rPr lang="en-US" sz="2400" b="1" dirty="0"/>
+              <a:t>Approach: </a:t>
+            </a:r>
+          </a:p>
+          <a:p>
+            <a:pPr marL="0" indent="0" fontAlgn="base">
+              <a:buFont typeface="Arial" panose="020B0604020202020204" pitchFamily="34" charset="0"/>
+              <a:buNone/>
+            </a:pPr>
+            <a:endParaRPr lang="en-US" sz="2400" dirty="0"/>
+          </a:p>
+          <a:p>
+            <a:pPr fontAlgn="base">
+              <a:buFont typeface="Wingdings" panose="05000000000000000000" pitchFamily="2" charset="2"/>
+              <a:buChar char="q"/>
+            </a:pPr>
+            <a:endParaRPr lang="en-US" sz="2400" baseline="30000" dirty="0">
+              <a:latin typeface="Inter"/>
+            </a:endParaRPr>
+          </a:p>
+        </p:txBody>
+      </p:sp>
+      <p:pic>
+        <p:nvPicPr>
+          <p:cNvPr id="4" name="Immagine 3" descr="Immagine che contiene persona, uomo, indossando&#10;&#10;Descrizione generata automaticamente">
+            <a:extLst>
+              <a:ext uri="{FF2B5EF4-FFF2-40B4-BE49-F238E27FC236}">
+                <a16:creationId xmlns:a16="http://schemas.microsoft.com/office/drawing/2014/main" id="{E393CD08-2A30-4F51-A7EB-ED0098CD971E}"/>
+              </a:ext>
+            </a:extLst>
+          </p:cNvPr>
+          <p:cNvPicPr>
+            <a:picLocks noChangeAspect="1"/>
+          </p:cNvPicPr>
+          <p:nvPr/>
+        </p:nvPicPr>
+        <p:blipFill rotWithShape="1">
+          <a:blip r:embed="rId2">
+            <a:extLst>
+              <a:ext uri="{28A0092B-C50C-407E-A947-70E740481C1C}">
+                <a14:useLocalDpi xmlns:a14="http://schemas.microsoft.com/office/drawing/2010/main" val="0"/>
+              </a:ext>
+            </a:extLst>
+          </a:blip>
+          <a:srcRect/>
+          <a:stretch/>
+        </p:blipFill>
+        <p:spPr>
+          <a:xfrm>
+            <a:off x="914399" y="2812425"/>
+            <a:ext cx="1080000" cy="1080000"/>
+          </a:xfrm>
+          <a:prstGeom prst="ellipse">
+            <a:avLst/>
+          </a:prstGeom>
+        </p:spPr>
+      </p:pic>
+      <p:pic>
+        <p:nvPicPr>
+          <p:cNvPr id="7" name="Immagine 6" descr="Immagine che contiene testo, persona, gruppo, persone&#10;&#10;Descrizione generata automaticamente">
+            <a:extLst>
+              <a:ext uri="{FF2B5EF4-FFF2-40B4-BE49-F238E27FC236}">
+                <a16:creationId xmlns:a16="http://schemas.microsoft.com/office/drawing/2014/main" id="{F8CAD9C1-CB93-416A-A6E4-384E41C152A2}"/>
+              </a:ext>
+            </a:extLst>
+          </p:cNvPr>
+          <p:cNvPicPr>
+            <a:picLocks noChangeAspect="1"/>
+          </p:cNvPicPr>
+          <p:nvPr/>
+        </p:nvPicPr>
+        <p:blipFill rotWithShape="1">
+          <a:blip r:embed="rId3">
+            <a:extLst>
+              <a:ext uri="{28A0092B-C50C-407E-A947-70E740481C1C}">
+                <a14:useLocalDpi xmlns:a14="http://schemas.microsoft.com/office/drawing/2010/main" val="0"/>
+              </a:ext>
+            </a:extLst>
+          </a:blip>
+          <a:srcRect t="6563" b="6563"/>
+          <a:stretch/>
+        </p:blipFill>
+        <p:spPr>
+          <a:xfrm>
+            <a:off x="914399" y="4959075"/>
+            <a:ext cx="1080000" cy="1080000"/>
+          </a:xfrm>
+          <a:prstGeom prst="ellipse">
+            <a:avLst/>
+          </a:prstGeom>
+        </p:spPr>
+      </p:pic>
+      <p:sp>
+        <p:nvSpPr>
+          <p:cNvPr id="10" name="Segnaposto contenuto 4">
+            <a:extLst>
+              <a:ext uri="{FF2B5EF4-FFF2-40B4-BE49-F238E27FC236}">
+                <a16:creationId xmlns:a16="http://schemas.microsoft.com/office/drawing/2014/main" id="{B7B977C7-CEFD-4E0A-BEB1-7B5A1CE33DD0}"/>
+              </a:ext>
+            </a:extLst>
+          </p:cNvPr>
+          <p:cNvSpPr txBox="1">
+            <a:spLocks/>
+          </p:cNvSpPr>
+          <p:nvPr/>
+        </p:nvSpPr>
+        <p:spPr>
+          <a:xfrm>
+            <a:off x="2343150" y="2848349"/>
+            <a:ext cx="9187858" cy="1044075"/>
+          </a:xfrm>
+          <a:prstGeom prst="rect">
+            <a:avLst/>
+          </a:prstGeom>
+        </p:spPr>
+        <p:txBody>
+          <a:bodyPr vert="horz" lIns="91440" tIns="45720" rIns="91440" bIns="45720" rtlCol="0">
+            <a:noAutofit/>
+          </a:bodyPr>
+          <a:lstStyle>
+            <a:lvl1pPr marL="228600" indent="-228600" algn="l" defTabSz="914400" rtl="0" eaLnBrk="1" latinLnBrk="0" hangingPunct="1">
+              <a:lnSpc>
+                <a:spcPct val="120000"/>
+              </a:lnSpc>
+              <a:spcBef>
+                <a:spcPts val="1000"/>
+              </a:spcBef>
+              <a:buSzPct val="87000"/>
+              <a:buFont typeface="Arial" panose="020B0604020202020204" pitchFamily="34" charset="0"/>
+              <a:buChar char="•"/>
+              <a:defRPr sz="2000" kern="1200">
+                <a:solidFill>
+                  <a:schemeClr val="tx1"/>
+                </a:solidFill>
+                <a:latin typeface="+mn-lt"/>
+                <a:ea typeface="+mn-ea"/>
+                <a:cs typeface="+mn-cs"/>
+              </a:defRPr>
+            </a:lvl1pPr>
+            <a:lvl2pPr marL="274320" indent="0" algn="l" defTabSz="914400" rtl="0" eaLnBrk="1" latinLnBrk="0" hangingPunct="1">
+              <a:lnSpc>
+                <a:spcPct val="120000"/>
+              </a:lnSpc>
+              <a:spcBef>
+                <a:spcPts val="500"/>
+              </a:spcBef>
+              <a:buSzPct val="87000"/>
+              <a:buFontTx/>
+              <a:buNone/>
+              <a:defRPr sz="1800" kern="1200">
+                <a:solidFill>
+                  <a:schemeClr val="tx1"/>
+                </a:solidFill>
+                <a:latin typeface="+mn-lt"/>
+                <a:ea typeface="+mn-ea"/>
+                <a:cs typeface="+mn-cs"/>
+              </a:defRPr>
+            </a:lvl2pPr>
+            <a:lvl3pPr marL="548640" indent="-228600" algn="l" defTabSz="914400" rtl="0" eaLnBrk="1" latinLnBrk="0" hangingPunct="1">
+              <a:lnSpc>
+                <a:spcPct val="120000"/>
+              </a:lnSpc>
+              <a:spcBef>
+                <a:spcPts val="500"/>
+              </a:spcBef>
+              <a:buSzPct val="87000"/>
+              <a:buFont typeface="Arial" panose="020B0604020202020204" pitchFamily="34" charset="0"/>
+              <a:buChar char="•"/>
+              <a:defRPr sz="1600" kern="1200">
+                <a:solidFill>
+                  <a:schemeClr val="tx1"/>
+                </a:solidFill>
+                <a:latin typeface="+mn-lt"/>
+                <a:ea typeface="+mn-ea"/>
+                <a:cs typeface="+mn-cs"/>
+              </a:defRPr>
+            </a:lvl3pPr>
+            <a:lvl4pPr marL="594360" indent="0" algn="l" defTabSz="914400" rtl="0" eaLnBrk="1" latinLnBrk="0" hangingPunct="1">
+              <a:lnSpc>
+                <a:spcPct val="120000"/>
+              </a:lnSpc>
+              <a:spcBef>
+                <a:spcPts val="500"/>
+              </a:spcBef>
+              <a:buSzPct val="87000"/>
+              <a:buFontTx/>
+              <a:buNone/>
+              <a:defRPr sz="1400" kern="1200">
+                <a:solidFill>
+                  <a:schemeClr val="tx1"/>
+                </a:solidFill>
+                <a:latin typeface="+mn-lt"/>
+                <a:ea typeface="+mn-ea"/>
+                <a:cs typeface="+mn-cs"/>
+              </a:defRPr>
+            </a:lvl4pPr>
+            <a:lvl5pPr marL="822960" indent="-228600" algn="l" defTabSz="914400" rtl="0" eaLnBrk="1" latinLnBrk="0" hangingPunct="1">
+              <a:lnSpc>
+                <a:spcPct val="120000"/>
+              </a:lnSpc>
+              <a:spcBef>
+                <a:spcPts val="500"/>
+              </a:spcBef>
+              <a:buSzPct val="87000"/>
+              <a:buFont typeface="Arial" panose="020B0604020202020204" pitchFamily="34" charset="0"/>
+              <a:buChar char="•"/>
+              <a:defRPr sz="1400" kern="1200">
+                <a:solidFill>
+                  <a:schemeClr val="tx1"/>
+                </a:solidFill>
+                <a:latin typeface="+mn-lt"/>
+                <a:ea typeface="+mn-ea"/>
+                <a:cs typeface="+mn-cs"/>
+              </a:defRPr>
+            </a:lvl5pPr>
+            <a:lvl6pPr marL="2514600" indent="-228600" algn="l" defTabSz="914400" rtl="0" eaLnBrk="1" latinLnBrk="0" hangingPunct="1">
+              <a:lnSpc>
+                <a:spcPct val="90000"/>
+              </a:lnSpc>
+              <a:spcBef>
+                <a:spcPts val="500"/>
+              </a:spcBef>
+              <a:buFont typeface="Arial" panose="020B0604020202020204" pitchFamily="34" charset="0"/>
+              <a:buChar char="•"/>
+              <a:defRPr sz="1800" kern="1200">
+                <a:solidFill>
+                  <a:schemeClr val="tx1"/>
+                </a:solidFill>
+                <a:latin typeface="+mn-lt"/>
+                <a:ea typeface="+mn-ea"/>
+                <a:cs typeface="+mn-cs"/>
+              </a:defRPr>
+            </a:lvl6pPr>
+            <a:lvl7pPr marL="2971800" indent="-228600" algn="l" defTabSz="914400" rtl="0" eaLnBrk="1" latinLnBrk="0" hangingPunct="1">
+              <a:lnSpc>
+                <a:spcPct val="90000"/>
+              </a:lnSpc>
+              <a:spcBef>
+                <a:spcPts val="500"/>
+              </a:spcBef>
+              <a:buFont typeface="Arial" panose="020B0604020202020204" pitchFamily="34" charset="0"/>
+              <a:buChar char="•"/>
+              <a:defRPr sz="1800" kern="1200">
+                <a:solidFill>
+                  <a:schemeClr val="tx1"/>
+                </a:solidFill>
+                <a:latin typeface="+mn-lt"/>
+                <a:ea typeface="+mn-ea"/>
+                <a:cs typeface="+mn-cs"/>
+              </a:defRPr>
+            </a:lvl7pPr>
+            <a:lvl8pPr marL="3429000" indent="-228600" algn="l" defTabSz="914400" rtl="0" eaLnBrk="1" latinLnBrk="0" hangingPunct="1">
+              <a:lnSpc>
+                <a:spcPct val="90000"/>
+              </a:lnSpc>
+              <a:spcBef>
+                <a:spcPts val="500"/>
+              </a:spcBef>
+              <a:buFont typeface="Arial" panose="020B0604020202020204" pitchFamily="34" charset="0"/>
+              <a:buChar char="•"/>
+              <a:defRPr sz="1800" kern="1200">
+                <a:solidFill>
+                  <a:schemeClr val="tx1"/>
+                </a:solidFill>
+                <a:latin typeface="+mn-lt"/>
+                <a:ea typeface="+mn-ea"/>
+                <a:cs typeface="+mn-cs"/>
+              </a:defRPr>
+            </a:lvl8pPr>
+            <a:lvl9pPr marL="3886200" indent="-228600" algn="l" defTabSz="914400" rtl="0" eaLnBrk="1" latinLnBrk="0" hangingPunct="1">
+              <a:lnSpc>
+                <a:spcPct val="90000"/>
+              </a:lnSpc>
+              <a:spcBef>
+                <a:spcPts val="500"/>
+              </a:spcBef>
+              <a:buFont typeface="Arial" panose="020B0604020202020204" pitchFamily="34" charset="0"/>
+              <a:buChar char="•"/>
+              <a:defRPr sz="1800" kern="1200">
+                <a:solidFill>
+                  <a:schemeClr val="tx1"/>
+                </a:solidFill>
+                <a:latin typeface="+mn-lt"/>
+                <a:ea typeface="+mn-ea"/>
+                <a:cs typeface="+mn-cs"/>
+              </a:defRPr>
+            </a:lvl9pPr>
+          </a:lstStyle>
+          <a:p>
+            <a:pPr marL="0" indent="0" fontAlgn="base">
+              <a:buFont typeface="Arial" panose="020B0604020202020204" pitchFamily="34" charset="0"/>
+              <a:buNone/>
+            </a:pPr>
+            <a:r>
+              <a:rPr lang="en-US" sz="2400" b="1" i="1" dirty="0"/>
+              <a:t>Gigi D’Agostino</a:t>
+            </a:r>
+          </a:p>
+          <a:p>
+            <a:pPr marL="0" indent="0" fontAlgn="base">
+              <a:buFont typeface="Arial" panose="020B0604020202020204" pitchFamily="34" charset="0"/>
+              <a:buNone/>
+            </a:pPr>
+            <a:r>
+              <a:rPr lang="en-US" sz="2400" b="1" dirty="0"/>
+              <a:t>30 different </a:t>
+            </a:r>
+            <a:r>
+              <a:rPr lang="en-US" sz="2400" dirty="0"/>
+              <a:t>countries excluding Italy</a:t>
+            </a:r>
+            <a:endParaRPr lang="en-US" sz="2400" baseline="30000" dirty="0">
+              <a:latin typeface="Inter"/>
+            </a:endParaRPr>
+          </a:p>
+        </p:txBody>
+      </p:sp>
+      <p:sp>
+        <p:nvSpPr>
+          <p:cNvPr id="11" name="Segnaposto contenuto 4">
+            <a:extLst>
+              <a:ext uri="{FF2B5EF4-FFF2-40B4-BE49-F238E27FC236}">
+                <a16:creationId xmlns:a16="http://schemas.microsoft.com/office/drawing/2014/main" id="{D9584A98-ED98-4B79-B913-E8B73A56EF2B}"/>
+              </a:ext>
+            </a:extLst>
+          </p:cNvPr>
+          <p:cNvSpPr txBox="1">
+            <a:spLocks/>
+          </p:cNvSpPr>
+          <p:nvPr/>
+        </p:nvSpPr>
+        <p:spPr>
+          <a:xfrm>
+            <a:off x="2343150" y="5031026"/>
+            <a:ext cx="9187858" cy="1044075"/>
+          </a:xfrm>
+          <a:prstGeom prst="rect">
+            <a:avLst/>
+          </a:prstGeom>
+        </p:spPr>
+        <p:txBody>
+          <a:bodyPr vert="horz" lIns="91440" tIns="45720" rIns="91440" bIns="45720" rtlCol="0">
+            <a:noAutofit/>
+          </a:bodyPr>
+          <a:lstStyle>
+            <a:lvl1pPr marL="228600" indent="-228600" algn="l" defTabSz="914400" rtl="0" eaLnBrk="1" latinLnBrk="0" hangingPunct="1">
+              <a:lnSpc>
+                <a:spcPct val="120000"/>
+              </a:lnSpc>
+              <a:spcBef>
+                <a:spcPts val="1000"/>
+              </a:spcBef>
+              <a:buSzPct val="87000"/>
+              <a:buFont typeface="Arial" panose="020B0604020202020204" pitchFamily="34" charset="0"/>
+              <a:buChar char="•"/>
+              <a:defRPr sz="2000" kern="1200">
+                <a:solidFill>
+                  <a:schemeClr val="tx1"/>
+                </a:solidFill>
+                <a:latin typeface="+mn-lt"/>
+                <a:ea typeface="+mn-ea"/>
+                <a:cs typeface="+mn-cs"/>
+              </a:defRPr>
+            </a:lvl1pPr>
+            <a:lvl2pPr marL="274320" indent="0" algn="l" defTabSz="914400" rtl="0" eaLnBrk="1" latinLnBrk="0" hangingPunct="1">
+              <a:lnSpc>
+                <a:spcPct val="120000"/>
+              </a:lnSpc>
+              <a:spcBef>
+                <a:spcPts val="500"/>
+              </a:spcBef>
+              <a:buSzPct val="87000"/>
+              <a:buFontTx/>
+              <a:buNone/>
+              <a:defRPr sz="1800" kern="1200">
+                <a:solidFill>
+                  <a:schemeClr val="tx1"/>
+                </a:solidFill>
+                <a:latin typeface="+mn-lt"/>
+                <a:ea typeface="+mn-ea"/>
+                <a:cs typeface="+mn-cs"/>
+              </a:defRPr>
+            </a:lvl2pPr>
+            <a:lvl3pPr marL="548640" indent="-228600" algn="l" defTabSz="914400" rtl="0" eaLnBrk="1" latinLnBrk="0" hangingPunct="1">
+              <a:lnSpc>
+                <a:spcPct val="120000"/>
+              </a:lnSpc>
+              <a:spcBef>
+                <a:spcPts val="500"/>
+              </a:spcBef>
+              <a:buSzPct val="87000"/>
+              <a:buFont typeface="Arial" panose="020B0604020202020204" pitchFamily="34" charset="0"/>
+              <a:buChar char="•"/>
+              <a:defRPr sz="1600" kern="1200">
+                <a:solidFill>
+                  <a:schemeClr val="tx1"/>
+                </a:solidFill>
+                <a:latin typeface="+mn-lt"/>
+                <a:ea typeface="+mn-ea"/>
+                <a:cs typeface="+mn-cs"/>
+              </a:defRPr>
+            </a:lvl3pPr>
+            <a:lvl4pPr marL="594360" indent="0" algn="l" defTabSz="914400" rtl="0" eaLnBrk="1" latinLnBrk="0" hangingPunct="1">
+              <a:lnSpc>
+                <a:spcPct val="120000"/>
+              </a:lnSpc>
+              <a:spcBef>
+                <a:spcPts val="500"/>
+              </a:spcBef>
+              <a:buSzPct val="87000"/>
+              <a:buFontTx/>
+              <a:buNone/>
+              <a:defRPr sz="1400" kern="1200">
+                <a:solidFill>
+                  <a:schemeClr val="tx1"/>
+                </a:solidFill>
+                <a:latin typeface="+mn-lt"/>
+                <a:ea typeface="+mn-ea"/>
+                <a:cs typeface="+mn-cs"/>
+              </a:defRPr>
+            </a:lvl4pPr>
+            <a:lvl5pPr marL="822960" indent="-228600" algn="l" defTabSz="914400" rtl="0" eaLnBrk="1" latinLnBrk="0" hangingPunct="1">
+              <a:lnSpc>
+                <a:spcPct val="120000"/>
+              </a:lnSpc>
+              <a:spcBef>
+                <a:spcPts val="500"/>
+              </a:spcBef>
+              <a:buSzPct val="87000"/>
+              <a:buFont typeface="Arial" panose="020B0604020202020204" pitchFamily="34" charset="0"/>
+              <a:buChar char="•"/>
+              <a:defRPr sz="1400" kern="1200">
+                <a:solidFill>
+                  <a:schemeClr val="tx1"/>
+                </a:solidFill>
+                <a:latin typeface="+mn-lt"/>
+                <a:ea typeface="+mn-ea"/>
+                <a:cs typeface="+mn-cs"/>
+              </a:defRPr>
+            </a:lvl5pPr>
+            <a:lvl6pPr marL="2514600" indent="-228600" algn="l" defTabSz="914400" rtl="0" eaLnBrk="1" latinLnBrk="0" hangingPunct="1">
+              <a:lnSpc>
+                <a:spcPct val="90000"/>
+              </a:lnSpc>
+              <a:spcBef>
+                <a:spcPts val="500"/>
+              </a:spcBef>
+              <a:buFont typeface="Arial" panose="020B0604020202020204" pitchFamily="34" charset="0"/>
+              <a:buChar char="•"/>
+              <a:defRPr sz="1800" kern="1200">
+                <a:solidFill>
+                  <a:schemeClr val="tx1"/>
+                </a:solidFill>
+                <a:latin typeface="+mn-lt"/>
+                <a:ea typeface="+mn-ea"/>
+                <a:cs typeface="+mn-cs"/>
+              </a:defRPr>
+            </a:lvl6pPr>
+            <a:lvl7pPr marL="2971800" indent="-228600" algn="l" defTabSz="914400" rtl="0" eaLnBrk="1" latinLnBrk="0" hangingPunct="1">
+              <a:lnSpc>
+                <a:spcPct val="90000"/>
+              </a:lnSpc>
+              <a:spcBef>
+                <a:spcPts val="500"/>
+              </a:spcBef>
+              <a:buFont typeface="Arial" panose="020B0604020202020204" pitchFamily="34" charset="0"/>
+              <a:buChar char="•"/>
+              <a:defRPr sz="1800" kern="1200">
+                <a:solidFill>
+                  <a:schemeClr val="tx1"/>
+                </a:solidFill>
+                <a:latin typeface="+mn-lt"/>
+                <a:ea typeface="+mn-ea"/>
+                <a:cs typeface="+mn-cs"/>
+              </a:defRPr>
+            </a:lvl7pPr>
+            <a:lvl8pPr marL="3429000" indent="-228600" algn="l" defTabSz="914400" rtl="0" eaLnBrk="1" latinLnBrk="0" hangingPunct="1">
+              <a:lnSpc>
+                <a:spcPct val="90000"/>
+              </a:lnSpc>
+              <a:spcBef>
+                <a:spcPts val="500"/>
+              </a:spcBef>
+              <a:buFont typeface="Arial" panose="020B0604020202020204" pitchFamily="34" charset="0"/>
+              <a:buChar char="•"/>
+              <a:defRPr sz="1800" kern="1200">
+                <a:solidFill>
+                  <a:schemeClr val="tx1"/>
+                </a:solidFill>
+                <a:latin typeface="+mn-lt"/>
+                <a:ea typeface="+mn-ea"/>
+                <a:cs typeface="+mn-cs"/>
+              </a:defRPr>
+            </a:lvl8pPr>
+            <a:lvl9pPr marL="3886200" indent="-228600" algn="l" defTabSz="914400" rtl="0" eaLnBrk="1" latinLnBrk="0" hangingPunct="1">
+              <a:lnSpc>
+                <a:spcPct val="90000"/>
+              </a:lnSpc>
+              <a:spcBef>
+                <a:spcPts val="500"/>
+              </a:spcBef>
+              <a:buFont typeface="Arial" panose="020B0604020202020204" pitchFamily="34" charset="0"/>
+              <a:buChar char="•"/>
+              <a:defRPr sz="1800" kern="1200">
+                <a:solidFill>
+                  <a:schemeClr val="tx1"/>
+                </a:solidFill>
+                <a:latin typeface="+mn-lt"/>
+                <a:ea typeface="+mn-ea"/>
+                <a:cs typeface="+mn-cs"/>
+              </a:defRPr>
+            </a:lvl9pPr>
+          </a:lstStyle>
+          <a:p>
+            <a:pPr marL="0" indent="0" fontAlgn="base">
+              <a:buFont typeface="Arial" panose="020B0604020202020204" pitchFamily="34" charset="0"/>
+              <a:buNone/>
+            </a:pPr>
+            <a:r>
+              <a:rPr lang="en-US" sz="2400" b="1" i="1" dirty="0" err="1"/>
+              <a:t>Sfera</a:t>
+            </a:r>
+            <a:r>
+              <a:rPr lang="en-US" sz="2400" b="1" i="1" dirty="0"/>
+              <a:t> </a:t>
+            </a:r>
+            <a:r>
+              <a:rPr lang="en-US" sz="2400" b="1" i="1" dirty="0" err="1"/>
+              <a:t>Ebbasta</a:t>
+            </a:r>
+            <a:endParaRPr lang="en-US" sz="2400" b="1" i="1" dirty="0"/>
+          </a:p>
+          <a:p>
+            <a:pPr marL="0" indent="0" fontAlgn="base">
+              <a:buFont typeface="Arial" panose="020B0604020202020204" pitchFamily="34" charset="0"/>
+              <a:buNone/>
+            </a:pPr>
+            <a:r>
+              <a:rPr lang="en-US" sz="2400" b="1" dirty="0"/>
+              <a:t>12 tracks </a:t>
+            </a:r>
+            <a:r>
+              <a:rPr lang="en-GB" sz="2400" dirty="0"/>
+              <a:t>in a TOP 100 of a country different from Italy</a:t>
+            </a:r>
+            <a:endParaRPr lang="en-US" sz="2400" dirty="0"/>
+          </a:p>
+          <a:p>
+            <a:pPr fontAlgn="base">
+              <a:buFont typeface="Wingdings" panose="05000000000000000000" pitchFamily="2" charset="2"/>
+              <a:buChar char="q"/>
+            </a:pPr>
+            <a:endParaRPr lang="en-US" sz="2400" baseline="30000" dirty="0">
+              <a:latin typeface="Inter"/>
+            </a:endParaRPr>
           </a:p>
         </p:txBody>
       </p:sp>
     </p:spTree>
     <p:extLst>
       <p:ext uri="{BB962C8B-B14F-4D97-AF65-F5344CB8AC3E}">
-        <p14:creationId xmlns:p14="http://schemas.microsoft.com/office/powerpoint/2010/main" val="2665933619"/>
+        <p14:creationId xmlns:p14="http://schemas.microsoft.com/office/powerpoint/2010/main" val="2677089363"/>
       </p:ext>
     </p:extLst>
   </p:cSld>
@@ -15926,179 +17490,7 @@
 </p:sld>
 </file>
 
-<file path=ppt/slides/slide29.xml><?xml version="1.0" encoding="utf-8"?>
-<p:sld xmlns:a="http://schemas.openxmlformats.org/drawingml/2006/main" xmlns:r="http://schemas.openxmlformats.org/officeDocument/2006/relationships" xmlns:p="http://schemas.openxmlformats.org/presentationml/2006/main">
-  <p:cSld>
-    <p:spTree>
-      <p:nvGrpSpPr>
-        <p:cNvPr id="1" name=""/>
-        <p:cNvGrpSpPr/>
-        <p:nvPr/>
-      </p:nvGrpSpPr>
-      <p:grpSpPr>
-        <a:xfrm>
-          <a:off x="0" y="0"/>
-          <a:ext cx="0" cy="0"/>
-          <a:chOff x="0" y="0"/>
-          <a:chExt cx="0" cy="0"/>
-        </a:xfrm>
-      </p:grpSpPr>
-      <p:sp>
-        <p:nvSpPr>
-          <p:cNvPr id="2" name="Segnaposto numero diapositiva 1">
-            <a:extLst>
-              <a:ext uri="{FF2B5EF4-FFF2-40B4-BE49-F238E27FC236}">
-                <a16:creationId xmlns:a16="http://schemas.microsoft.com/office/drawing/2014/main" id="{AF743220-D2ED-43D4-A1FF-37CA562FFA98}"/>
-              </a:ext>
-            </a:extLst>
-          </p:cNvPr>
-          <p:cNvSpPr>
-            <a:spLocks noGrp="1"/>
-          </p:cNvSpPr>
-          <p:nvPr>
-            <p:ph type="sldNum" sz="quarter" idx="12"/>
-          </p:nvPr>
-        </p:nvSpPr>
-        <p:spPr/>
-        <p:txBody>
-          <a:bodyPr/>
-          <a:lstStyle/>
-          <a:p>
-            <a:fld id="{0E41FC79-F70E-41D5-8DA8-CBC79D687031}" type="slidenum">
-              <a:rPr lang="it-IT" smtClean="0"/>
-              <a:t>29</a:t>
-            </a:fld>
-            <a:r>
-              <a:rPr lang="it-IT" dirty="0"/>
-              <a:t>/24</a:t>
-            </a:r>
-          </a:p>
-        </p:txBody>
-      </p:sp>
-      <p:sp>
-        <p:nvSpPr>
-          <p:cNvPr id="24" name="Titolo 3">
-            <a:extLst>
-              <a:ext uri="{FF2B5EF4-FFF2-40B4-BE49-F238E27FC236}">
-                <a16:creationId xmlns:a16="http://schemas.microsoft.com/office/drawing/2014/main" id="{A6BED70F-ACD4-4513-95D9-A8D5B52559B7}"/>
-              </a:ext>
-            </a:extLst>
-          </p:cNvPr>
-          <p:cNvSpPr txBox="1">
-            <a:spLocks/>
-          </p:cNvSpPr>
-          <p:nvPr/>
-        </p:nvSpPr>
-        <p:spPr>
-          <a:xfrm>
-            <a:off x="914399" y="1219200"/>
-            <a:ext cx="10616609" cy="857250"/>
-          </a:xfrm>
-          <a:prstGeom prst="rect">
-            <a:avLst/>
-          </a:prstGeom>
-        </p:spPr>
-        <p:txBody>
-          <a:bodyPr vert="horz" lIns="91440" tIns="45720" rIns="91440" bIns="45720" rtlCol="0" anchor="t">
-            <a:noAutofit/>
-          </a:bodyPr>
-          <a:lstStyle>
-            <a:lvl1pPr algn="l" defTabSz="914400" rtl="0" eaLnBrk="1" latinLnBrk="0" hangingPunct="1">
-              <a:lnSpc>
-                <a:spcPct val="100000"/>
-              </a:lnSpc>
-              <a:spcBef>
-                <a:spcPct val="0"/>
-              </a:spcBef>
-              <a:buNone/>
-              <a:defRPr sz="4000" kern="1200">
-                <a:solidFill>
-                  <a:schemeClr val="tx1"/>
-                </a:solidFill>
-                <a:latin typeface="+mj-lt"/>
-                <a:ea typeface="+mj-ea"/>
-                <a:cs typeface="+mj-cs"/>
-              </a:defRPr>
-            </a:lvl1pPr>
-          </a:lstStyle>
-          <a:p>
-            <a:r>
-              <a:rPr lang="it-IT" sz="2400" b="1" dirty="0"/>
-              <a:t>2° Approach</a:t>
-            </a:r>
-            <a:endParaRPr lang="it-IT" sz="4800" b="1" dirty="0"/>
-          </a:p>
-        </p:txBody>
-      </p:sp>
-      <p:sp>
-        <p:nvSpPr>
-          <p:cNvPr id="14" name="Titolo 3">
-            <a:extLst>
-              <a:ext uri="{FF2B5EF4-FFF2-40B4-BE49-F238E27FC236}">
-                <a16:creationId xmlns:a16="http://schemas.microsoft.com/office/drawing/2014/main" id="{B9CEA980-FE64-47D7-B332-46202613DAA9}"/>
-              </a:ext>
-            </a:extLst>
-          </p:cNvPr>
-          <p:cNvSpPr txBox="1">
-            <a:spLocks/>
-          </p:cNvSpPr>
-          <p:nvPr/>
-        </p:nvSpPr>
-        <p:spPr>
-          <a:xfrm>
-            <a:off x="914399" y="3500437"/>
-            <a:ext cx="4248152" cy="1133475"/>
-          </a:xfrm>
-          <a:prstGeom prst="rect">
-            <a:avLst/>
-          </a:prstGeom>
-        </p:spPr>
-        <p:txBody>
-          <a:bodyPr vert="horz" lIns="91440" tIns="45720" rIns="91440" bIns="45720" rtlCol="0" anchor="t">
-            <a:noAutofit/>
-          </a:bodyPr>
-          <a:lstStyle>
-            <a:lvl1pPr algn="l" defTabSz="914400" rtl="0" eaLnBrk="1" latinLnBrk="0" hangingPunct="1">
-              <a:lnSpc>
-                <a:spcPct val="100000"/>
-              </a:lnSpc>
-              <a:spcBef>
-                <a:spcPct val="0"/>
-              </a:spcBef>
-              <a:buNone/>
-              <a:defRPr sz="4000" kern="1200">
-                <a:solidFill>
-                  <a:schemeClr val="tx1"/>
-                </a:solidFill>
-                <a:latin typeface="+mj-lt"/>
-                <a:ea typeface="+mj-ea"/>
-                <a:cs typeface="+mj-cs"/>
-              </a:defRPr>
-            </a:lvl1pPr>
-          </a:lstStyle>
-          <a:p>
-            <a:r>
-              <a:rPr lang="en-GB" sz="2400" b="1" dirty="0" err="1"/>
-              <a:t>Sfera</a:t>
-            </a:r>
-            <a:endParaRPr lang="it-IT" sz="4800" b="1" dirty="0"/>
-          </a:p>
-        </p:txBody>
-      </p:sp>
-    </p:spTree>
-    <p:extLst>
-      <p:ext uri="{BB962C8B-B14F-4D97-AF65-F5344CB8AC3E}">
-        <p14:creationId xmlns:p14="http://schemas.microsoft.com/office/powerpoint/2010/main" val="1978611188"/>
-      </p:ext>
-    </p:extLst>
-  </p:cSld>
-  <p:clrMapOvr>
-    <a:masterClrMapping/>
-  </p:clrMapOvr>
-</p:sld>
-</file>
-
-<file path=ppt/slides/slide3.xml><?xml version="1.0" encoding="utf-8"?>
+<file path=ppt/slides/slide31.xml><?xml version="1.0" encoding="utf-8"?>
 <p:sld xmlns:a="http://schemas.openxmlformats.org/drawingml/2006/main" xmlns:r="http://schemas.openxmlformats.org/officeDocument/2006/relationships" xmlns:p="http://schemas.openxmlformats.org/presentationml/2006/main">
   <p:cSld>
     <p:spTree>
@@ -16133,106 +17525,6 @@
         </p:nvSpPr>
         <p:spPr>
           <a:xfrm>
-            <a:off x="914399" y="1371601"/>
-            <a:ext cx="4200525" cy="749030"/>
-          </a:xfrm>
-        </p:spPr>
-        <p:txBody>
-          <a:bodyPr/>
-          <a:lstStyle/>
-          <a:p>
-            <a:r>
-              <a:rPr lang="it-IT" b="1" dirty="0"/>
-              <a:t>Data: </a:t>
-            </a:r>
-            <a:r>
-              <a:rPr lang="it-IT" b="1" dirty="0" err="1"/>
-              <a:t>Additions</a:t>
-            </a:r>
-            <a:endParaRPr lang="it-IT" b="1" dirty="0"/>
-          </a:p>
-        </p:txBody>
-      </p:sp>
-      <p:sp>
-        <p:nvSpPr>
-          <p:cNvPr id="2" name="Segnaposto numero diapositiva 1">
-            <a:extLst>
-              <a:ext uri="{FF2B5EF4-FFF2-40B4-BE49-F238E27FC236}">
-                <a16:creationId xmlns:a16="http://schemas.microsoft.com/office/drawing/2014/main" id="{966A65FB-D949-4ACD-83A1-1D6ED79689E9}"/>
-              </a:ext>
-            </a:extLst>
-          </p:cNvPr>
-          <p:cNvSpPr>
-            <a:spLocks noGrp="1"/>
-          </p:cNvSpPr>
-          <p:nvPr>
-            <p:ph type="sldNum" sz="quarter" idx="12"/>
-          </p:nvPr>
-        </p:nvSpPr>
-        <p:spPr/>
-        <p:txBody>
-          <a:bodyPr/>
-          <a:lstStyle/>
-          <a:p>
-            <a:fld id="{0E41FC79-F70E-41D5-8DA8-CBC79D687031}" type="slidenum">
-              <a:rPr lang="it-IT" smtClean="0"/>
-              <a:t>3</a:t>
-            </a:fld>
-            <a:r>
-              <a:rPr lang="it-IT" dirty="0"/>
-              <a:t>/24</a:t>
-            </a:r>
-          </a:p>
-        </p:txBody>
-      </p:sp>
-    </p:spTree>
-    <p:extLst>
-      <p:ext uri="{BB962C8B-B14F-4D97-AF65-F5344CB8AC3E}">
-        <p14:creationId xmlns:p14="http://schemas.microsoft.com/office/powerpoint/2010/main" val="2989961629"/>
-      </p:ext>
-    </p:extLst>
-  </p:cSld>
-  <p:clrMapOvr>
-    <a:masterClrMapping/>
-  </p:clrMapOvr>
-</p:sld>
-</file>
-
-<file path=ppt/slides/slide30.xml><?xml version="1.0" encoding="utf-8"?>
-<p:sld xmlns:a="http://schemas.openxmlformats.org/drawingml/2006/main" xmlns:r="http://schemas.openxmlformats.org/officeDocument/2006/relationships" xmlns:p="http://schemas.openxmlformats.org/presentationml/2006/main">
-  <p:cSld>
-    <p:spTree>
-      <p:nvGrpSpPr>
-        <p:cNvPr id="1" name=""/>
-        <p:cNvGrpSpPr/>
-        <p:nvPr/>
-      </p:nvGrpSpPr>
-      <p:grpSpPr>
-        <a:xfrm>
-          <a:off x="0" y="0"/>
-          <a:ext cx="0" cy="0"/>
-          <a:chOff x="0" y="0"/>
-          <a:chExt cx="0" cy="0"/>
-        </a:xfrm>
-      </p:grpSpPr>
-      <p:sp>
-        <p:nvSpPr>
-          <p:cNvPr id="4" name="Titolo 3">
-            <a:extLst>
-              <a:ext uri="{FF2B5EF4-FFF2-40B4-BE49-F238E27FC236}">
-                <a16:creationId xmlns:a16="http://schemas.microsoft.com/office/drawing/2014/main" id="{A32BADA9-D1E4-4A68-A522-AE21B0D0BA03}"/>
-              </a:ext>
-            </a:extLst>
-          </p:cNvPr>
-          <p:cNvSpPr>
-            <a:spLocks noGrp="1"/>
-          </p:cNvSpPr>
-          <p:nvPr>
-            <p:ph type="title"/>
-          </p:nvPr>
-        </p:nvSpPr>
-        <p:spPr>
-          <a:xfrm>
             <a:off x="914400" y="1371601"/>
             <a:ext cx="10363200" cy="762000"/>
           </a:xfrm>
@@ -16370,7 +17662,7 @@
           <a:p>
             <a:fld id="{0E41FC79-F70E-41D5-8DA8-CBC79D687031}" type="slidenum">
               <a:rPr lang="it-IT" smtClean="0"/>
-              <a:t>30</a:t>
+              <a:t>31</a:t>
             </a:fld>
             <a:r>
               <a:rPr lang="it-IT" dirty="0"/>
@@ -16392,7 +17684,7 @@
 </p:sld>
 </file>
 
-<file path=ppt/slides/slide31.xml><?xml version="1.0" encoding="utf-8"?>
+<file path=ppt/slides/slide32.xml><?xml version="1.0" encoding="utf-8"?>
 <p:sld xmlns:a="http://schemas.openxmlformats.org/drawingml/2006/main" xmlns:r="http://schemas.openxmlformats.org/officeDocument/2006/relationships" xmlns:p="http://schemas.openxmlformats.org/presentationml/2006/main" showMasterSp="0">
   <p:cSld>
     <p:spTree>
